--- a/ds&a.pptx
+++ b/ds&a.pptx
@@ -8977,8 +8977,8 @@
         </p:nvSpPr>
         <p:spPr>
           <a:xfrm>
-            <a:off x="602799" y="3573000"/>
-            <a:ext cx="900000" cy="524800"/>
+            <a:off x="0" y="3573000"/>
+            <a:ext cx="1502799" cy="524800"/>
           </a:xfrm>
           <a:prstGeom prst="homePlate">
             <a:avLst>
@@ -15559,15 +15559,7 @@
           <a:p>
             <a:r>
               <a:rPr lang="en-US" sz="1000" dirty="0" smtClean="0"/>
-              <a:t>Less than </a:t>
-            </a:r>
-            <a:r>
-              <a:rPr lang="en-US" sz="1000" dirty="0" smtClean="0"/>
-              <a:t>parent </a:t>
-            </a:r>
-            <a:r>
-              <a:rPr lang="en-US" sz="1000" dirty="0" smtClean="0"/>
-              <a:t>located to left | more than parent located to right</a:t>
+              <a:t>Less than parent located to left | more than parent located to right</a:t>
             </a:r>
           </a:p>
           <a:p>
@@ -18379,12 +18371,246 @@
             <p:ph idx="1"/>
           </p:nvPr>
         </p:nvSpPr>
-        <p:spPr/>
+        <p:spPr>
+          <a:xfrm>
+            <a:off x="1392633" y="1957833"/>
+            <a:ext cx="4652567" cy="3676800"/>
+          </a:xfrm>
+        </p:spPr>
         <p:txBody>
           <a:bodyPr/>
           <a:lstStyle/>
           <a:p>
-            <a:endParaRPr lang="en-US"/>
+            <a:r>
+              <a:rPr lang="en-US" sz="1100" dirty="0" smtClean="0"/>
+              <a:t>Explain what hash table is</a:t>
+            </a:r>
+          </a:p>
+          <a:p>
+            <a:r>
+              <a:rPr lang="en-US" sz="1100" dirty="0" smtClean="0"/>
+              <a:t>Explain what a hashing algorithm</a:t>
+            </a:r>
+          </a:p>
+          <a:p>
+            <a:r>
+              <a:rPr lang="en-US" sz="1100" dirty="0" smtClean="0"/>
+              <a:t>Discuss what makes a good hashing algorithm</a:t>
+            </a:r>
+          </a:p>
+          <a:p>
+            <a:r>
+              <a:rPr lang="en-US" sz="1100" dirty="0" smtClean="0"/>
+              <a:t>Understand how collisions occur in a hash table</a:t>
+            </a:r>
+          </a:p>
+          <a:p>
+            <a:r>
+              <a:rPr lang="en-US" sz="1100" dirty="0" smtClean="0"/>
+              <a:t>Handle collision using separate chaining or linear probing</a:t>
+            </a:r>
+          </a:p>
+          <a:p>
+            <a:endParaRPr lang="en-US" sz="1100" dirty="0"/>
+          </a:p>
+          <a:p>
+            <a:pPr marL="76200" indent="0">
+              <a:buNone/>
+            </a:pPr>
+            <a:r>
+              <a:rPr lang="en-US" sz="1100" dirty="0" smtClean="0"/>
+              <a:t>What is a </a:t>
+            </a:r>
+            <a:r>
+              <a:rPr lang="en-US" sz="1100" dirty="0" smtClean="0"/>
+              <a:t>hash tables?</a:t>
+            </a:r>
+          </a:p>
+          <a:p>
+            <a:pPr marL="76200" indent="0">
+              <a:buNone/>
+            </a:pPr>
+            <a:r>
+              <a:rPr lang="en-US" sz="1100" dirty="0" smtClean="0"/>
+              <a:t>Hash tables are used to store key-value pairs</a:t>
+            </a:r>
+          </a:p>
+          <a:p>
+            <a:pPr marL="76200" indent="0">
+              <a:buNone/>
+            </a:pPr>
+            <a:r>
+              <a:rPr lang="en-US" sz="1100" dirty="0" smtClean="0"/>
+              <a:t>The hash tables like arrays, but keys is not ordered</a:t>
+            </a:r>
+          </a:p>
+          <a:p>
+            <a:pPr marL="76200" indent="0">
+              <a:buNone/>
+            </a:pPr>
+            <a:r>
+              <a:rPr lang="en-US" sz="1100" dirty="0" smtClean="0"/>
+              <a:t>Unlike arrays – hash tables are fast for all operations(find, add, remove)</a:t>
+            </a:r>
+          </a:p>
+          <a:p>
+            <a:pPr marL="76200" indent="0">
+              <a:buNone/>
+            </a:pPr>
+            <a:endParaRPr lang="en-US" sz="1100" dirty="0" smtClean="0"/>
+          </a:p>
+          <a:p>
+            <a:pPr marL="76200" indent="0">
+              <a:buNone/>
+            </a:pPr>
+            <a:r>
+              <a:rPr lang="en-US" sz="1100" dirty="0" smtClean="0"/>
+              <a:t>Hash tables in other programming languages</a:t>
+            </a:r>
+          </a:p>
+          <a:p>
+            <a:pPr marL="76200" indent="0">
+              <a:buNone/>
+            </a:pPr>
+            <a:r>
+              <a:rPr lang="en-US" sz="1100" dirty="0" smtClean="0"/>
+              <a:t>Python – </a:t>
+            </a:r>
+            <a:r>
+              <a:rPr lang="en-US" sz="1100" dirty="0" err="1" smtClean="0"/>
+              <a:t>dicts</a:t>
+            </a:r>
+            <a:endParaRPr lang="en-US" sz="1100" dirty="0" smtClean="0"/>
+          </a:p>
+          <a:p>
+            <a:pPr marL="76200" indent="0">
+              <a:buNone/>
+            </a:pPr>
+            <a:r>
+              <a:rPr lang="en-US" sz="1100" dirty="0" err="1" smtClean="0"/>
+              <a:t>Js</a:t>
+            </a:r>
+            <a:r>
+              <a:rPr lang="en-US" sz="1100" dirty="0" smtClean="0"/>
+              <a:t> – Objects and Maps</a:t>
+            </a:r>
+          </a:p>
+          <a:p>
+            <a:pPr marL="76200" indent="0">
+              <a:buNone/>
+            </a:pPr>
+            <a:r>
+              <a:rPr lang="en-US" sz="1100" dirty="0" smtClean="0"/>
+              <a:t>Java – Maps</a:t>
+            </a:r>
+          </a:p>
+          <a:p>
+            <a:pPr marL="76200" indent="0">
+              <a:buNone/>
+            </a:pPr>
+            <a:r>
+              <a:rPr lang="en-US" sz="1100" dirty="0" smtClean="0"/>
+              <a:t>Ruby - Hashes</a:t>
+            </a:r>
+            <a:endParaRPr lang="en-US" sz="1100" dirty="0"/>
+          </a:p>
+        </p:txBody>
+      </p:sp>
+      <p:sp>
+        <p:nvSpPr>
+          <p:cNvPr id="4" name="TextBox 3"/>
+          <p:cNvSpPr txBox="1"/>
+          <p:nvPr/>
+        </p:nvSpPr>
+        <p:spPr>
+          <a:xfrm>
+            <a:off x="6388100" y="825500"/>
+            <a:ext cx="5397500" cy="2862322"/>
+          </a:xfrm>
+          <a:prstGeom prst="rect">
+            <a:avLst/>
+          </a:prstGeom>
+          <a:noFill/>
+        </p:spPr>
+        <p:txBody>
+          <a:bodyPr wrap="square" rtlCol="0">
+            <a:spAutoFit/>
+          </a:bodyPr>
+          <a:lstStyle/>
+          <a:p>
+            <a:r>
+              <a:rPr lang="en-US" dirty="0" smtClean="0"/>
+              <a:t>Imagine we need to store colors(hex) to array</a:t>
+            </a:r>
+          </a:p>
+          <a:p>
+            <a:r>
+              <a:rPr lang="en-US" dirty="0" smtClean="0"/>
+              <a:t>colors = [ ‘ff69b4’, ’00ffff’, ‘</a:t>
+            </a:r>
+            <a:r>
+              <a:rPr lang="en-US" dirty="0" err="1" smtClean="0"/>
+              <a:t>ffffff</a:t>
+            </a:r>
+            <a:r>
+              <a:rPr lang="en-US" dirty="0" smtClean="0"/>
+              <a:t>’ ]</a:t>
+            </a:r>
+          </a:p>
+          <a:p>
+            <a:r>
+              <a:rPr lang="en-US" dirty="0" smtClean="0"/>
+              <a:t>And would be a nice if instead of using  indices to access the colors, we could use more human readable keys</a:t>
+            </a:r>
+          </a:p>
+          <a:p>
+            <a:r>
+              <a:rPr lang="en-US" dirty="0" smtClean="0"/>
+              <a:t>pink -&gt; ’ff69b4’,</a:t>
+            </a:r>
+          </a:p>
+          <a:p>
+            <a:r>
+              <a:rPr lang="en-US" dirty="0" smtClean="0"/>
+              <a:t>cyan -&gt; ’00ffff’,</a:t>
+            </a:r>
+          </a:p>
+          <a:p>
+            <a:r>
+              <a:rPr lang="en-US" dirty="0" smtClean="0"/>
+              <a:t>And </a:t>
+            </a:r>
+            <a:r>
+              <a:rPr lang="en-US" dirty="0" err="1" smtClean="0"/>
+              <a:t>etc</a:t>
+            </a:r>
+            <a:endParaRPr lang="en-US" dirty="0" smtClean="0"/>
+          </a:p>
+          <a:p>
+            <a:r>
+              <a:rPr lang="en-US" dirty="0"/>
+              <a:t>c</a:t>
+            </a:r>
+            <a:r>
+              <a:rPr lang="en-US" dirty="0" smtClean="0"/>
+              <a:t>olors[‘cyan’] </a:t>
+            </a:r>
+            <a:r>
+              <a:rPr lang="en-US" dirty="0" err="1" smtClean="0"/>
+              <a:t>mutch</a:t>
+            </a:r>
+            <a:r>
+              <a:rPr lang="en-US" dirty="0" smtClean="0"/>
+              <a:t> better </a:t>
+            </a:r>
+            <a:r>
+              <a:rPr lang="en-US" smtClean="0"/>
+              <a:t>than colors[1]</a:t>
+            </a:r>
+            <a:endParaRPr lang="en-US" dirty="0"/>
+          </a:p>
+          <a:p>
+            <a:endParaRPr lang="ru-RU" dirty="0"/>
           </a:p>
         </p:txBody>
       </p:sp>
@@ -20520,7 +20746,6 @@
               <a:rPr lang="en-US" dirty="0"/>
               <a:t>spaceship problem</a:t>
             </a:r>
-            <a:endParaRPr lang="en-US" dirty="0"/>
           </a:p>
         </p:txBody>
       </p:sp>
@@ -22723,19 +22948,7 @@
                 <a:cs typeface="Red Hat Text"/>
                 <a:sym typeface="Red Hat Text"/>
               </a:rPr>
-              <a:t>Bob is writing a search algorithm for Elon Musk’s. </a:t>
-            </a:r>
-            <a:r>
-              <a:rPr lang="en-US" sz="1600" dirty="0">
-                <a:solidFill>
-                  <a:schemeClr val="dk1"/>
-                </a:solidFill>
-                <a:latin typeface="Red Hat Text"/>
-                <a:ea typeface="Red Hat Text"/>
-                <a:cs typeface="Red Hat Text"/>
-                <a:sym typeface="Red Hat Text"/>
-              </a:rPr>
-              <a:t>Its algorithm will work when the rocket flies up to the moon, and will help calculate the landing </a:t>
+              <a:t>Bob is writing a search algorithm for Elon Musk’s. Its algorithm will work when the rocket flies up to the moon, and will help calculate the landing </a:t>
             </a:r>
             <a:r>
               <a:rPr lang="en-US" sz="1600" dirty="0" smtClean="0">
@@ -22785,29 +22998,8 @@
                 <a:cs typeface="Red Hat Text"/>
                 <a:sym typeface="Red Hat Text"/>
               </a:rPr>
-              <a:t>Bob has only 10 seconds to choose a landing site, if it does not meet this time, then the moment for landing will be </a:t>
-            </a:r>
-            <a:r>
-              <a:rPr lang="en-US" sz="1600" dirty="0">
-                <a:solidFill>
-                  <a:schemeClr val="dk1"/>
-                </a:solidFill>
-                <a:latin typeface="Red Hat Text"/>
-                <a:ea typeface="Red Hat Text"/>
-                <a:cs typeface="Red Hat Text"/>
-                <a:sym typeface="Red Hat Text"/>
-              </a:rPr>
-              <a:t>missed</a:t>
-            </a:r>
-            <a:endParaRPr lang="en-US" sz="1600" dirty="0">
-              <a:solidFill>
-                <a:schemeClr val="dk1"/>
-              </a:solidFill>
-              <a:latin typeface="Red Hat Text"/>
-              <a:ea typeface="Red Hat Text"/>
-              <a:cs typeface="Red Hat Text"/>
-              <a:sym typeface="Red Hat Text"/>
-            </a:endParaRPr>
+              <a:t>Bob has only 10 seconds to choose a landing site, if it does not meet this time, then the moment for landing will be missed</a:t>
+            </a:r>
           </a:p>
         </p:txBody>
       </p:sp>

--- a/ds&a.pptx
+++ b/ds&a.pptx
@@ -5,7 +5,7 @@
     <p:sldMasterId id="2147483660" r:id="rId1"/>
   </p:sldMasterIdLst>
   <p:notesMasterIdLst>
-    <p:notesMasterId r:id="rId28"/>
+    <p:notesMasterId r:id="rId29"/>
   </p:notesMasterIdLst>
   <p:sldIdLst>
     <p:sldId id="281" r:id="rId2"/>
@@ -31,9 +31,10 @@
     <p:sldId id="276" r:id="rId22"/>
     <p:sldId id="277" r:id="rId23"/>
     <p:sldId id="264" r:id="rId24"/>
-    <p:sldId id="267" r:id="rId25"/>
-    <p:sldId id="280" r:id="rId26"/>
-    <p:sldId id="268" r:id="rId27"/>
+    <p:sldId id="289" r:id="rId25"/>
+    <p:sldId id="267" r:id="rId26"/>
+    <p:sldId id="280" r:id="rId27"/>
+    <p:sldId id="268" r:id="rId28"/>
   </p:sldIdLst>
   <p:sldSz cx="12192000" cy="6858000"/>
   <p:notesSz cx="6858000" cy="9144000"/>
@@ -18525,7 +18526,7 @@
         <p:spPr>
           <a:xfrm>
             <a:off x="6388100" y="825500"/>
-            <a:ext cx="5397500" cy="2862322"/>
+            <a:ext cx="5397500" cy="4524315"/>
           </a:xfrm>
           <a:prstGeom prst="rect">
             <a:avLst/>
@@ -18593,23 +18594,39 @@
             </a:r>
             <a:r>
               <a:rPr lang="en-US" dirty="0" smtClean="0"/>
-              <a:t>olors[‘cyan’] </a:t>
+              <a:t>olors[‘cyan’] match better than colors[1]</a:t>
+            </a:r>
+            <a:endParaRPr lang="en-US" dirty="0"/>
+          </a:p>
+          <a:p>
+            <a:endParaRPr lang="en-US" dirty="0" smtClean="0"/>
+          </a:p>
+          <a:p>
+            <a:r>
+              <a:rPr lang="en-US" dirty="0"/>
+              <a:t>how to </a:t>
+            </a:r>
+            <a:r>
+              <a:rPr lang="en-US" dirty="0" smtClean="0"/>
+              <a:t>combine human readable with computer readable(computer does not </a:t>
             </a:r>
             <a:r>
               <a:rPr lang="en-US" dirty="0" err="1" smtClean="0"/>
-              <a:t>mutch</a:t>
+              <a:t>not</a:t>
             </a:r>
             <a:r>
               <a:rPr lang="en-US" dirty="0" smtClean="0"/>
-              <a:t> better </a:t>
-            </a:r>
-            <a:r>
-              <a:rPr lang="en-US" smtClean="0"/>
-              <a:t>than colors[1]</a:t>
-            </a:r>
+              <a:t> index like pink)?</a:t>
+            </a:r>
+          </a:p>
+          <a:p>
             <a:endParaRPr lang="en-US" dirty="0"/>
           </a:p>
           <a:p>
+            <a:r>
+              <a:rPr lang="en-US" dirty="0" smtClean="0"/>
+              <a:t>In order to look up values by key, we need a way to  convert values to valid array indices. A function that performs this task is called a hash function</a:t>
+            </a:r>
             <a:endParaRPr lang="ru-RU" dirty="0"/>
           </a:p>
         </p:txBody>
@@ -18654,14 +18671,23 @@
             <p:ph type="title"/>
           </p:nvPr>
         </p:nvSpPr>
-        <p:spPr/>
+        <p:spPr>
+          <a:xfrm>
+            <a:off x="0" y="0"/>
+            <a:ext cx="9610000" cy="844400"/>
+          </a:xfrm>
+        </p:spPr>
         <p:txBody>
           <a:bodyPr/>
           <a:lstStyle/>
           <a:p>
             <a:r>
               <a:rPr lang="en-US" b="1" dirty="0"/>
-              <a:t>Graphs</a:t>
+              <a:t>Hash </a:t>
+            </a:r>
+            <a:r>
+              <a:rPr lang="en-US" b="1" dirty="0" smtClean="0"/>
+              <a:t>function</a:t>
             </a:r>
             <a:endParaRPr lang="en-US" dirty="0"/>
           </a:p>
@@ -18669,52 +18695,80 @@
       </p:sp>
       <p:sp>
         <p:nvSpPr>
-          <p:cNvPr id="3" name="Content Placeholder 2"/>
-          <p:cNvSpPr>
-            <a:spLocks noGrp="1"/>
-          </p:cNvSpPr>
-          <p:nvPr>
-            <p:ph idx="1"/>
-          </p:nvPr>
+          <p:cNvPr id="5" name="TextBox 4"/>
+          <p:cNvSpPr txBox="1"/>
+          <p:nvPr/>
         </p:nvSpPr>
-        <p:spPr/>
+        <p:spPr>
+          <a:xfrm>
+            <a:off x="660400" y="1549400"/>
+            <a:ext cx="10706100" cy="1200329"/>
+          </a:xfrm>
+          <a:prstGeom prst="rect">
+            <a:avLst/>
+          </a:prstGeom>
+          <a:noFill/>
+        </p:spPr>
         <p:txBody>
-          <a:bodyPr/>
+          <a:bodyPr wrap="square" rtlCol="0">
+            <a:spAutoFit/>
+          </a:bodyPr>
           <a:lstStyle/>
           <a:p>
             <a:r>
-              <a:rPr lang="ru-RU" dirty="0"/>
-              <a:t>Задача о семи </a:t>
-            </a:r>
-            <a:r>
-              <a:rPr lang="ru-RU" dirty="0" smtClean="0"/>
-              <a:t>мостах</a:t>
-            </a:r>
-            <a:endParaRPr lang="en-US" dirty="0" smtClean="0"/>
-          </a:p>
-          <a:p>
-            <a:endParaRPr lang="en-US" dirty="0"/>
-          </a:p>
-          <a:p>
-            <a:r>
               <a:rPr lang="en-US" dirty="0" smtClean="0"/>
-              <a:t>Dracula for </a:t>
-            </a:r>
-            <a:r>
-              <a:rPr lang="en-US" smtClean="0"/>
-              <a:t>graph visualization</a:t>
+              <a:t>What makes a good hash?</a:t>
+            </a:r>
+          </a:p>
+          <a:p>
+            <a:pPr marL="342900" indent="-342900">
+              <a:buFont typeface="+mj-lt"/>
+              <a:buAutoNum type="arabicPeriod"/>
+            </a:pPr>
+            <a:r>
+              <a:rPr lang="en-US" dirty="0" smtClean="0"/>
+              <a:t>Fast(constant time)</a:t>
+            </a:r>
+          </a:p>
+          <a:p>
+            <a:pPr marL="342900" indent="-342900">
+              <a:buFont typeface="+mj-lt"/>
+              <a:buAutoNum type="arabicPeriod"/>
+            </a:pPr>
+            <a:r>
+              <a:rPr lang="en-US" dirty="0" smtClean="0"/>
+              <a:t>Doesn’t cluster outputs at specific indices, but </a:t>
+            </a:r>
+            <a:r>
+              <a:rPr lang="en-US" dirty="0" err="1" smtClean="0"/>
+              <a:t>disturbutes</a:t>
+            </a:r>
+            <a:r>
+              <a:rPr lang="en-US" dirty="0" smtClean="0"/>
+              <a:t>  uniformly</a:t>
+            </a:r>
+          </a:p>
+          <a:p>
+            <a:pPr marL="342900" indent="-342900">
+              <a:buFont typeface="+mj-lt"/>
+              <a:buAutoNum type="arabicPeriod"/>
+            </a:pPr>
+            <a:r>
+              <a:rPr lang="en-US" dirty="0" err="1" smtClean="0"/>
+              <a:t>Determenistic</a:t>
+            </a:r>
+            <a:r>
+              <a:rPr lang="en-US" dirty="0" smtClean="0"/>
+              <a:t>(same input -&gt; same output)  </a:t>
             </a:r>
             <a:endParaRPr lang="ru-RU" dirty="0"/>
-          </a:p>
-          <a:p>
-            <a:endParaRPr lang="en-US" dirty="0"/>
           </a:p>
         </p:txBody>
       </p:sp>
     </p:spTree>
     <p:extLst>
       <p:ext uri="{BB962C8B-B14F-4D97-AF65-F5344CB8AC3E}">
-        <p14:creationId xmlns:p14="http://schemas.microsoft.com/office/powerpoint/2010/main" val="1141804580"/>
+        <p14:creationId xmlns:p14="http://schemas.microsoft.com/office/powerpoint/2010/main" val="2314979772"/>
       </p:ext>
     </p:extLst>
   </p:cSld>
@@ -18757,8 +18811,8 @@
           <a:lstStyle/>
           <a:p>
             <a:r>
-              <a:rPr lang="en-US" b="1" dirty="0" smtClean="0"/>
-              <a:t>notes</a:t>
+              <a:rPr lang="en-US" b="1" dirty="0"/>
+              <a:t>Graphs</a:t>
             </a:r>
             <a:endParaRPr lang="en-US" dirty="0"/>
           </a:p>
@@ -18780,6 +18834,103 @@
           <a:lstStyle/>
           <a:p>
             <a:r>
+              <a:rPr lang="ru-RU" dirty="0"/>
+              <a:t>Задача о семи </a:t>
+            </a:r>
+            <a:r>
+              <a:rPr lang="ru-RU" dirty="0" smtClean="0"/>
+              <a:t>мостах</a:t>
+            </a:r>
+            <a:endParaRPr lang="en-US" dirty="0" smtClean="0"/>
+          </a:p>
+          <a:p>
+            <a:endParaRPr lang="en-US" dirty="0"/>
+          </a:p>
+          <a:p>
+            <a:r>
+              <a:rPr lang="en-US" dirty="0" smtClean="0"/>
+              <a:t>Dracula for </a:t>
+            </a:r>
+            <a:r>
+              <a:rPr lang="en-US" smtClean="0"/>
+              <a:t>graph visualization</a:t>
+            </a:r>
+            <a:endParaRPr lang="ru-RU" dirty="0"/>
+          </a:p>
+          <a:p>
+            <a:endParaRPr lang="en-US" dirty="0"/>
+          </a:p>
+        </p:txBody>
+      </p:sp>
+    </p:spTree>
+    <p:extLst>
+      <p:ext uri="{BB962C8B-B14F-4D97-AF65-F5344CB8AC3E}">
+        <p14:creationId xmlns:p14="http://schemas.microsoft.com/office/powerpoint/2010/main" val="1141804580"/>
+      </p:ext>
+    </p:extLst>
+  </p:cSld>
+  <p:clrMapOvr>
+    <a:masterClrMapping/>
+  </p:clrMapOvr>
+</p:sld>
+</file>
+
+<file path=ppt/slides/slide26.xml><?xml version="1.0" encoding="utf-8"?>
+<p:sld xmlns:a="http://schemas.openxmlformats.org/drawingml/2006/main" xmlns:r="http://schemas.openxmlformats.org/officeDocument/2006/relationships" xmlns:p="http://schemas.openxmlformats.org/presentationml/2006/main">
+  <p:cSld>
+    <p:spTree>
+      <p:nvGrpSpPr>
+        <p:cNvPr id="1" name=""/>
+        <p:cNvGrpSpPr/>
+        <p:nvPr/>
+      </p:nvGrpSpPr>
+      <p:grpSpPr>
+        <a:xfrm>
+          <a:off x="0" y="0"/>
+          <a:ext cx="0" cy="0"/>
+          <a:chOff x="0" y="0"/>
+          <a:chExt cx="0" cy="0"/>
+        </a:xfrm>
+      </p:grpSpPr>
+      <p:sp>
+        <p:nvSpPr>
+          <p:cNvPr id="2" name="Title 1"/>
+          <p:cNvSpPr>
+            <a:spLocks noGrp="1"/>
+          </p:cNvSpPr>
+          <p:nvPr>
+            <p:ph type="title"/>
+          </p:nvPr>
+        </p:nvSpPr>
+        <p:spPr/>
+        <p:txBody>
+          <a:bodyPr/>
+          <a:lstStyle/>
+          <a:p>
+            <a:r>
+              <a:rPr lang="en-US" b="1" dirty="0" smtClean="0"/>
+              <a:t>notes</a:t>
+            </a:r>
+            <a:endParaRPr lang="en-US" dirty="0"/>
+          </a:p>
+        </p:txBody>
+      </p:sp>
+      <p:sp>
+        <p:nvSpPr>
+          <p:cNvPr id="3" name="Content Placeholder 2"/>
+          <p:cNvSpPr>
+            <a:spLocks noGrp="1"/>
+          </p:cNvSpPr>
+          <p:nvPr>
+            <p:ph idx="1"/>
+          </p:nvPr>
+        </p:nvSpPr>
+        <p:spPr/>
+        <p:txBody>
+          <a:bodyPr/>
+          <a:lstStyle/>
+          <a:p>
+            <a:r>
               <a:rPr lang="en-US" dirty="0" smtClean="0"/>
               <a:t>Open all depends</a:t>
             </a:r>
@@ -18865,7 +19016,7 @@
 </p:sld>
 </file>
 
-<file path=ppt/slides/slide26.xml><?xml version="1.0" encoding="utf-8"?>
+<file path=ppt/slides/slide27.xml><?xml version="1.0" encoding="utf-8"?>
 <p:sld xmlns:a="http://schemas.openxmlformats.org/drawingml/2006/main" xmlns:r="http://schemas.openxmlformats.org/officeDocument/2006/relationships" xmlns:p="http://schemas.openxmlformats.org/presentationml/2006/main">
   <p:cSld>
     <p:spTree>

--- a/ds&a.pptx
+++ b/ds&a.pptx
@@ -18765,6 +18765,322 @@
           </a:p>
         </p:txBody>
       </p:sp>
+      <p:pic>
+        <p:nvPicPr>
+          <p:cNvPr id="6" name="Рисунок 5"/>
+          <p:cNvPicPr>
+            <a:picLocks noChangeAspect="1"/>
+          </p:cNvPicPr>
+          <p:nvPr/>
+        </p:nvPicPr>
+        <p:blipFill>
+          <a:blip r:embed="rId2">
+            <a:extLst>
+              <a:ext uri="{28A0092B-C50C-407E-A947-70E740481C1C}">
+                <a14:useLocalDpi xmlns:a14="http://schemas.microsoft.com/office/drawing/2010/main" val="0"/>
+              </a:ext>
+            </a:extLst>
+          </a:blip>
+          <a:stretch>
+            <a:fillRect/>
+          </a:stretch>
+        </p:blipFill>
+        <p:spPr>
+          <a:xfrm>
+            <a:off x="660400" y="2900251"/>
+            <a:ext cx="4410691" cy="1590897"/>
+          </a:xfrm>
+          <a:prstGeom prst="rect">
+            <a:avLst/>
+          </a:prstGeom>
+        </p:spPr>
+      </p:pic>
+      <p:sp>
+        <p:nvSpPr>
+          <p:cNvPr id="7" name="TextBox 6"/>
+          <p:cNvSpPr txBox="1"/>
+          <p:nvPr/>
+        </p:nvSpPr>
+        <p:spPr>
+          <a:xfrm>
+            <a:off x="5194300" y="2900251"/>
+            <a:ext cx="6235700" cy="1200329"/>
+          </a:xfrm>
+          <a:prstGeom prst="rect">
+            <a:avLst/>
+          </a:prstGeom>
+          <a:noFill/>
+        </p:spPr>
+        <p:txBody>
+          <a:bodyPr wrap="square" rtlCol="0">
+            <a:spAutoFit/>
+          </a:bodyPr>
+          <a:lstStyle/>
+          <a:p>
+            <a:r>
+              <a:rPr lang="en-US" dirty="0" smtClean="0"/>
+              <a:t>Problems</a:t>
+            </a:r>
+          </a:p>
+          <a:p>
+            <a:pPr marL="342900" indent="-342900">
+              <a:buFont typeface="+mj-lt"/>
+              <a:buAutoNum type="arabicPeriod"/>
+            </a:pPr>
+            <a:r>
+              <a:rPr lang="en-US" dirty="0" smtClean="0"/>
+              <a:t>This work only with strings( we don’t worry about it )</a:t>
+            </a:r>
+          </a:p>
+          <a:p>
+            <a:pPr marL="342900" indent="-342900">
+              <a:buFont typeface="+mj-lt"/>
+              <a:buAutoNum type="arabicPeriod"/>
+            </a:pPr>
+            <a:r>
+              <a:rPr lang="en-US" dirty="0" smtClean="0"/>
+              <a:t>Not constant time – linear in key length</a:t>
+            </a:r>
+          </a:p>
+          <a:p>
+            <a:pPr marL="342900" indent="-342900">
+              <a:buFont typeface="+mj-lt"/>
+              <a:buAutoNum type="arabicPeriod"/>
+            </a:pPr>
+            <a:r>
+              <a:rPr lang="en-US" dirty="0" smtClean="0"/>
+              <a:t>Collisions </a:t>
+            </a:r>
+            <a:endParaRPr lang="ru-RU" dirty="0"/>
+          </a:p>
+        </p:txBody>
+      </p:sp>
+      <p:sp>
+        <p:nvSpPr>
+          <p:cNvPr id="8" name="Прямоугольник 7"/>
+          <p:cNvSpPr/>
+          <p:nvPr/>
+        </p:nvSpPr>
+        <p:spPr>
+          <a:xfrm>
+            <a:off x="660400" y="4641670"/>
+            <a:ext cx="3721100" cy="1938992"/>
+          </a:xfrm>
+          <a:prstGeom prst="rect">
+            <a:avLst/>
+          </a:prstGeom>
+        </p:spPr>
+        <p:txBody>
+          <a:bodyPr wrap="square">
+            <a:spAutoFit/>
+          </a:bodyPr>
+          <a:lstStyle/>
+          <a:p>
+            <a:r>
+              <a:rPr lang="en-US" sz="1200" dirty="0">
+                <a:solidFill>
+                  <a:srgbClr val="1D1C1D"/>
+                </a:solidFill>
+                <a:latin typeface="Slack-Lato"/>
+              </a:rPr>
+              <a:t>Prime numbers? </a:t>
+            </a:r>
+            <a:r>
+              <a:rPr lang="en-US" sz="1200" dirty="0" err="1">
+                <a:solidFill>
+                  <a:srgbClr val="1D1C1D"/>
+                </a:solidFill>
+                <a:latin typeface="Slack-Lato"/>
+              </a:rPr>
+              <a:t>wut</a:t>
+            </a:r>
+            <a:r>
+              <a:rPr lang="en-US" sz="1200" dirty="0">
+                <a:solidFill>
+                  <a:srgbClr val="1D1C1D"/>
+                </a:solidFill>
+                <a:latin typeface="Slack-Lato"/>
+              </a:rPr>
+              <a:t>.</a:t>
+            </a:r>
+            <a:r>
+              <a:rPr lang="en-US" sz="1200" dirty="0"/>
+              <a:t/>
+            </a:r>
+            <a:br>
+              <a:rPr lang="en-US" sz="1200" dirty="0"/>
+            </a:br>
+            <a:r>
+              <a:rPr lang="en-US" sz="1200" dirty="0">
+                <a:solidFill>
+                  <a:srgbClr val="1D1C1D"/>
+                </a:solidFill>
+                <a:latin typeface="Slack-Lato"/>
+              </a:rPr>
+              <a:t>The prime number in the hash is helpful in</a:t>
+            </a:r>
+            <a:r>
+              <a:rPr lang="en-US" sz="1200" dirty="0"/>
+              <a:t/>
+            </a:r>
+            <a:br>
+              <a:rPr lang="en-US" sz="1200" dirty="0"/>
+            </a:br>
+            <a:r>
+              <a:rPr lang="en-US" sz="1200" dirty="0">
+                <a:solidFill>
+                  <a:srgbClr val="1D1C1D"/>
+                </a:solidFill>
+                <a:latin typeface="Slack-Lato"/>
+              </a:rPr>
+              <a:t>spreading out the keys more uniformly.</a:t>
+            </a:r>
+            <a:r>
+              <a:rPr lang="en-US" sz="1200" dirty="0"/>
+              <a:t/>
+            </a:r>
+            <a:br>
+              <a:rPr lang="en-US" sz="1200" dirty="0"/>
+            </a:br>
+            <a:r>
+              <a:rPr lang="en-US" sz="1200" dirty="0">
+                <a:solidFill>
+                  <a:srgbClr val="1D1C1D"/>
+                </a:solidFill>
+                <a:latin typeface="Slack-Lato"/>
+              </a:rPr>
+              <a:t>It's also helpful if the array that you're</a:t>
+            </a:r>
+            <a:r>
+              <a:rPr lang="en-US" sz="1200" dirty="0"/>
+              <a:t/>
+            </a:r>
+            <a:br>
+              <a:rPr lang="en-US" sz="1200" dirty="0"/>
+            </a:br>
+            <a:r>
+              <a:rPr lang="en-US" sz="1200" dirty="0">
+                <a:solidFill>
+                  <a:srgbClr val="1D1C1D"/>
+                </a:solidFill>
+                <a:latin typeface="Slack-Lato"/>
+              </a:rPr>
+              <a:t>putting values into has a prime length.</a:t>
+            </a:r>
+            <a:r>
+              <a:rPr lang="en-US" sz="1200" dirty="0"/>
+              <a:t/>
+            </a:r>
+            <a:br>
+              <a:rPr lang="en-US" sz="1200" dirty="0"/>
+            </a:br>
+            <a:r>
+              <a:rPr lang="en-US" sz="1200" dirty="0">
+                <a:solidFill>
+                  <a:srgbClr val="1D1C1D"/>
+                </a:solidFill>
+                <a:latin typeface="Slack-Lato"/>
+              </a:rPr>
+              <a:t>You don't need to know why. (Math is complicated!)</a:t>
+            </a:r>
+            <a:r>
+              <a:rPr lang="en-US" sz="1200" dirty="0"/>
+              <a:t/>
+            </a:r>
+            <a:br>
+              <a:rPr lang="en-US" sz="1200" dirty="0"/>
+            </a:br>
+            <a:r>
+              <a:rPr lang="en-US" sz="1200" dirty="0">
+                <a:solidFill>
+                  <a:srgbClr val="1D1C1D"/>
+                </a:solidFill>
+                <a:latin typeface="Slack-Lato"/>
+              </a:rPr>
+              <a:t>But here are some links if you're curious.</a:t>
+            </a:r>
+            <a:r>
+              <a:rPr lang="en-US" sz="1200" dirty="0"/>
+              <a:t/>
+            </a:r>
+            <a:br>
+              <a:rPr lang="en-US" sz="1200" dirty="0"/>
+            </a:br>
+            <a:r>
+              <a:rPr lang="en-US" sz="1200" dirty="0">
+                <a:solidFill>
+                  <a:srgbClr val="1D1C1D"/>
+                </a:solidFill>
+                <a:latin typeface="Slack-Lato"/>
+              </a:rPr>
+              <a:t>Why do hash functions use prime numbers?</a:t>
+            </a:r>
+            <a:r>
+              <a:rPr lang="en-US" sz="1200" dirty="0"/>
+              <a:t/>
+            </a:r>
+            <a:br>
+              <a:rPr lang="en-US" sz="1200" dirty="0"/>
+            </a:br>
+            <a:r>
+              <a:rPr lang="en-US" sz="1200" dirty="0">
+                <a:solidFill>
+                  <a:srgbClr val="1D1C1D"/>
+                </a:solidFill>
+                <a:latin typeface="Slack-Lato"/>
+              </a:rPr>
+              <a:t>Does making array size a prime number</a:t>
+            </a:r>
+            <a:r>
+              <a:rPr lang="en-US" sz="1200" dirty="0"/>
+              <a:t/>
+            </a:r>
+            <a:br>
+              <a:rPr lang="en-US" sz="1200" dirty="0"/>
+            </a:br>
+            <a:r>
+              <a:rPr lang="en-US" sz="1200" dirty="0">
+                <a:solidFill>
+                  <a:srgbClr val="1D1C1D"/>
+                </a:solidFill>
+                <a:latin typeface="Slack-Lato"/>
+              </a:rPr>
+              <a:t>help in hash table implementation?</a:t>
+            </a:r>
+            <a:endParaRPr lang="ru-RU" sz="1200" dirty="0"/>
+          </a:p>
+        </p:txBody>
+      </p:sp>
+      <p:sp>
+        <p:nvSpPr>
+          <p:cNvPr id="9" name="TextBox 8"/>
+          <p:cNvSpPr txBox="1"/>
+          <p:nvPr/>
+        </p:nvSpPr>
+        <p:spPr>
+          <a:xfrm>
+            <a:off x="5397500" y="4641670"/>
+            <a:ext cx="4356100" cy="646331"/>
+          </a:xfrm>
+          <a:prstGeom prst="rect">
+            <a:avLst/>
+          </a:prstGeom>
+          <a:noFill/>
+        </p:spPr>
+        <p:txBody>
+          <a:bodyPr wrap="square" rtlCol="0">
+            <a:spAutoFit/>
+          </a:bodyPr>
+          <a:lstStyle/>
+          <a:p>
+            <a:r>
+              <a:rPr lang="en-US" dirty="0" smtClean="0"/>
+              <a:t>Not need to now why, but just set prime number in hash function and array size</a:t>
+            </a:r>
+            <a:endParaRPr lang="ru-RU" dirty="0"/>
+          </a:p>
+        </p:txBody>
+      </p:sp>
     </p:spTree>
     <p:extLst>
       <p:ext uri="{BB962C8B-B14F-4D97-AF65-F5344CB8AC3E}">

--- a/ds&a.pptx
+++ b/ds&a.pptx
@@ -32,9 +32,9 @@
     <p:sldId id="277" r:id="rId23"/>
     <p:sldId id="264" r:id="rId24"/>
     <p:sldId id="289" r:id="rId25"/>
-    <p:sldId id="267" r:id="rId26"/>
-    <p:sldId id="280" r:id="rId27"/>
-    <p:sldId id="268" r:id="rId28"/>
+    <p:sldId id="290" r:id="rId26"/>
+    <p:sldId id="267" r:id="rId27"/>
+    <p:sldId id="280" r:id="rId28"/>
   </p:sldIdLst>
   <p:sldSz cx="12192000" cy="6858000"/>
   <p:notesSz cx="6858000" cy="9144000"/>
@@ -223,7 +223,7 @@
           <a:p>
             <a:fld id="{6B64E2F3-015A-4D3D-AFF5-69B902AF5482}" type="datetimeFigureOut">
               <a:rPr lang="en-US" smtClean="0"/>
-              <a:t>5/2/2021</a:t>
+              <a:t>5/3/2021</a:t>
             </a:fld>
             <a:endParaRPr lang="en-US"/>
           </a:p>
@@ -2006,7 +2006,7 @@
           <a:p>
             <a:fld id="{81D8DF1A-961C-4A2B-937E-DACBE9C8BAD8}" type="datetimeFigureOut">
               <a:rPr lang="en-US" smtClean="0"/>
-              <a:t>5/2/2021</a:t>
+              <a:t>5/3/2021</a:t>
             </a:fld>
             <a:endParaRPr lang="en-US"/>
           </a:p>
@@ -12469,6 +12469,9 @@
             <a:chOff x="938891" y="4319400"/>
             <a:chExt cx="442075" cy="442050"/>
           </a:xfrm>
+          <a:solidFill>
+            <a:schemeClr val="accent4"/>
+          </a:solidFill>
         </p:grpSpPr>
         <p:sp>
           <p:nvSpPr>
@@ -13056,10 +13059,10 @@
                 </a:path>
               </a:pathLst>
             </a:custGeom>
-            <a:noFill/>
+            <a:grpFill/>
             <a:ln w="9525" cap="rnd" cmpd="sng">
               <a:solidFill>
-                <a:schemeClr val="dk1"/>
+                <a:schemeClr val="accent4"/>
               </a:solidFill>
               <a:prstDash val="solid"/>
               <a:round/>
@@ -13205,10 +13208,10 @@
                 </a:path>
               </a:pathLst>
             </a:custGeom>
-            <a:noFill/>
+            <a:grpFill/>
             <a:ln w="9525" cap="rnd" cmpd="sng">
               <a:solidFill>
-                <a:schemeClr val="dk1"/>
+                <a:schemeClr val="accent4"/>
               </a:solidFill>
               <a:prstDash val="solid"/>
               <a:round/>
@@ -13360,10 +13363,10 @@
                 </a:path>
               </a:pathLst>
             </a:custGeom>
-            <a:noFill/>
+            <a:grpFill/>
             <a:ln w="9525" cap="rnd" cmpd="sng">
               <a:solidFill>
-                <a:schemeClr val="dk1"/>
+                <a:schemeClr val="accent4"/>
               </a:solidFill>
               <a:prstDash val="solid"/>
               <a:round/>
@@ -13515,10 +13518,10 @@
                 </a:path>
               </a:pathLst>
             </a:custGeom>
-            <a:noFill/>
+            <a:grpFill/>
             <a:ln w="9525" cap="rnd" cmpd="sng">
               <a:solidFill>
-                <a:schemeClr val="dk1"/>
+                <a:schemeClr val="accent4"/>
               </a:solidFill>
               <a:prstDash val="solid"/>
               <a:round/>
@@ -18420,11 +18423,7 @@
             </a:pPr>
             <a:r>
               <a:rPr lang="en-US" sz="1100" dirty="0" smtClean="0"/>
-              <a:t>What is a </a:t>
-            </a:r>
-            <a:r>
-              <a:rPr lang="en-US" sz="1100" dirty="0" smtClean="0"/>
-              <a:t>hash tables?</a:t>
+              <a:t>What is a hash tables?</a:t>
             </a:r>
           </a:p>
           <a:p>
@@ -18864,7 +18863,7 @@
         <p:spPr>
           <a:xfrm>
             <a:off x="660400" y="4641670"/>
-            <a:ext cx="3721100" cy="1938992"/>
+            <a:ext cx="3721100" cy="2308324"/>
           </a:xfrm>
           <a:prstGeom prst="rect">
             <a:avLst/>
@@ -19045,7 +19044,24 @@
                 </a:solidFill>
                 <a:latin typeface="Slack-Lato"/>
               </a:rPr>
-              <a:t>help in hash table implementation?</a:t>
+              <a:t>help in hash table implementation</a:t>
+            </a:r>
+            <a:r>
+              <a:rPr lang="en-US" sz="1200" dirty="0" smtClean="0">
+                <a:solidFill>
+                  <a:srgbClr val="1D1C1D"/>
+                </a:solidFill>
+                <a:latin typeface="Slack-Lato"/>
+              </a:rPr>
+              <a:t>?</a:t>
+            </a:r>
+          </a:p>
+          <a:p>
+            <a:r>
+              <a:rPr lang="en-US" sz="1200" dirty="0" smtClean="0">
+                <a:hlinkClick r:id="rId3"/>
+              </a:rPr>
+              <a:t>Does-making-array-size-a-prime-number-help-in-hash-table-implementation</a:t>
             </a:r>
             <a:endParaRPr lang="ru-RU" sz="1200" dirty="0"/>
           </a:p>
@@ -19113,7 +19129,7 @@
       </p:grpSpPr>
       <p:sp>
         <p:nvSpPr>
-          <p:cNvPr id="2" name="Title 1"/>
+          <p:cNvPr id="3" name="Заголовок 2"/>
           <p:cNvSpPr>
             <a:spLocks noGrp="1"/>
           </p:cNvSpPr>
@@ -19121,67 +19137,405 @@
             <p:ph type="title"/>
           </p:nvPr>
         </p:nvSpPr>
-        <p:spPr/>
+        <p:spPr>
+          <a:xfrm>
+            <a:off x="0" y="0"/>
+            <a:ext cx="9610000" cy="844400"/>
+          </a:xfrm>
+        </p:spPr>
         <p:txBody>
           <a:bodyPr/>
           <a:lstStyle/>
           <a:p>
             <a:r>
-              <a:rPr lang="en-US" b="1" dirty="0"/>
-              <a:t>Graphs</a:t>
-            </a:r>
-            <a:endParaRPr lang="en-US" dirty="0"/>
+              <a:rPr lang="en-US" dirty="0" smtClean="0"/>
+              <a:t>Dealing </a:t>
+            </a:r>
+            <a:r>
+              <a:rPr lang="en-US" dirty="0"/>
+              <a:t>with collision</a:t>
+            </a:r>
+            <a:endParaRPr lang="ru-RU" dirty="0"/>
           </a:p>
         </p:txBody>
       </p:sp>
       <p:sp>
         <p:nvSpPr>
-          <p:cNvPr id="3" name="Content Placeholder 2"/>
-          <p:cNvSpPr>
-            <a:spLocks noGrp="1"/>
-          </p:cNvSpPr>
-          <p:nvPr>
-            <p:ph idx="1"/>
-          </p:nvPr>
+          <p:cNvPr id="4" name="TextBox 3"/>
+          <p:cNvSpPr txBox="1"/>
+          <p:nvPr/>
         </p:nvSpPr>
-        <p:spPr/>
+        <p:spPr>
+          <a:xfrm>
+            <a:off x="257577" y="953037"/>
+            <a:ext cx="6053071" cy="3693319"/>
+          </a:xfrm>
+          <a:prstGeom prst="rect">
+            <a:avLst/>
+          </a:prstGeom>
+          <a:noFill/>
+        </p:spPr>
         <p:txBody>
-          <a:bodyPr/>
+          <a:bodyPr wrap="square" rtlCol="0">
+            <a:spAutoFit/>
+          </a:bodyPr>
           <a:lstStyle/>
           <a:p>
             <a:r>
-              <a:rPr lang="ru-RU" dirty="0"/>
-              <a:t>Задача о семи </a:t>
-            </a:r>
-            <a:r>
-              <a:rPr lang="ru-RU" dirty="0" smtClean="0"/>
-              <a:t>мостах</a:t>
-            </a:r>
+              <a:rPr lang="en-US" dirty="0" smtClean="0"/>
+              <a:t>Even with a large array and a great hash function, collisions are inevitable</a:t>
+            </a:r>
+          </a:p>
+          <a:p>
+            <a:endParaRPr lang="en-US" dirty="0"/>
+          </a:p>
+          <a:p>
+            <a:r>
+              <a:rPr lang="en-US" dirty="0" smtClean="0"/>
+              <a:t>Two strategy, for handle collisions</a:t>
+            </a:r>
+          </a:p>
+          <a:p>
+            <a:pPr marL="285750" indent="-285750">
+              <a:buFont typeface="Arial" panose="020B0604020202020204" pitchFamily="34" charset="0"/>
+              <a:buChar char="•"/>
+            </a:pPr>
+            <a:r>
+              <a:rPr lang="en-US" dirty="0" smtClean="0"/>
+              <a:t>Separate chaining</a:t>
+            </a:r>
+          </a:p>
+          <a:p>
+            <a:pPr marL="285750" indent="-285750">
+              <a:buFont typeface="Arial" panose="020B0604020202020204" pitchFamily="34" charset="0"/>
+              <a:buChar char="•"/>
+            </a:pPr>
+            <a:r>
+              <a:rPr lang="en-US" dirty="0" smtClean="0"/>
+              <a:t>Linear probing</a:t>
+            </a:r>
+          </a:p>
+          <a:p>
+            <a:pPr marL="285750" indent="-285750">
+              <a:buFont typeface="Arial" panose="020B0604020202020204" pitchFamily="34" charset="0"/>
+              <a:buChar char="•"/>
+            </a:pPr>
+            <a:endParaRPr lang="en-US" dirty="0"/>
+          </a:p>
+          <a:p>
+            <a:r>
+              <a:rPr lang="en-US" dirty="0" smtClean="0"/>
+              <a:t>Separate chaining – </a:t>
+            </a:r>
+            <a:r>
+              <a:rPr lang="en-US" dirty="0"/>
+              <a:t>w</a:t>
+            </a:r>
+            <a:r>
+              <a:rPr lang="en-US" dirty="0" smtClean="0"/>
+              <a:t>e store multiply key-values in same index</a:t>
+            </a:r>
+          </a:p>
+          <a:p>
             <a:endParaRPr lang="en-US" dirty="0" smtClean="0"/>
           </a:p>
           <a:p>
-            <a:endParaRPr lang="en-US" dirty="0"/>
-          </a:p>
-          <a:p>
             <a:r>
               <a:rPr lang="en-US" dirty="0" smtClean="0"/>
-              <a:t>Dracula for </a:t>
-            </a:r>
-            <a:r>
-              <a:rPr lang="en-US" smtClean="0"/>
-              <a:t>graph visualization</a:t>
+              <a:t>Linear probing – search through the array to find the next empty slot, unlike separate chaining, we store only one key-value at one index</a:t>
             </a:r>
             <a:endParaRPr lang="ru-RU" dirty="0"/>
           </a:p>
-          <a:p>
-            <a:endParaRPr lang="en-US" dirty="0"/>
+        </p:txBody>
+      </p:sp>
+      <p:sp>
+        <p:nvSpPr>
+          <p:cNvPr id="10" name="TextBox 9"/>
+          <p:cNvSpPr txBox="1"/>
+          <p:nvPr/>
+        </p:nvSpPr>
+        <p:spPr>
+          <a:xfrm>
+            <a:off x="6310648" y="0"/>
+            <a:ext cx="4644190" cy="2492990"/>
+          </a:xfrm>
+          <a:prstGeom prst="rect">
+            <a:avLst/>
+          </a:prstGeom>
+          <a:noFill/>
+        </p:spPr>
+        <p:txBody>
+          <a:bodyPr wrap="square" rtlCol="0">
+            <a:spAutoFit/>
+          </a:bodyPr>
+          <a:lstStyle/>
+          <a:p>
+            <a:r>
+              <a:rPr lang="en-US" sz="1200" dirty="0" smtClean="0"/>
+              <a:t>Set / Get</a:t>
+            </a:r>
+          </a:p>
+          <a:p>
+            <a:r>
+              <a:rPr lang="en-US" sz="1200" dirty="0" smtClean="0"/>
+              <a:t>Set</a:t>
+            </a:r>
+          </a:p>
+          <a:p>
+            <a:endParaRPr lang="en-US" sz="1200" dirty="0"/>
+          </a:p>
+          <a:p>
+            <a:pPr marL="342900" indent="-342900">
+              <a:buFont typeface="+mj-lt"/>
+              <a:buAutoNum type="arabicPeriod"/>
+            </a:pPr>
+            <a:r>
+              <a:rPr lang="en-US" sz="1200" dirty="0" smtClean="0"/>
+              <a:t>Accept a key and a value</a:t>
+            </a:r>
+          </a:p>
+          <a:p>
+            <a:pPr marL="342900" indent="-342900">
+              <a:buFont typeface="+mj-lt"/>
+              <a:buAutoNum type="arabicPeriod"/>
+            </a:pPr>
+            <a:r>
+              <a:rPr lang="en-US" sz="1200" dirty="0" smtClean="0"/>
+              <a:t>Hashes the key</a:t>
+            </a:r>
+          </a:p>
+          <a:p>
+            <a:pPr marL="342900" indent="-342900">
+              <a:buFont typeface="+mj-lt"/>
+              <a:buAutoNum type="arabicPeriod"/>
+            </a:pPr>
+            <a:r>
+              <a:rPr lang="en-US" sz="1200" dirty="0" smtClean="0"/>
+              <a:t>Store the key-value pair in the hash table array via separate chaining</a:t>
+            </a:r>
+          </a:p>
+          <a:p>
+            <a:endParaRPr lang="en-US" sz="1200" dirty="0"/>
+          </a:p>
+          <a:p>
+            <a:r>
+              <a:rPr lang="en-US" sz="1200" dirty="0" smtClean="0"/>
+              <a:t>Get</a:t>
+            </a:r>
+          </a:p>
+          <a:p>
+            <a:pPr marL="342900" indent="-342900">
+              <a:buFont typeface="+mj-lt"/>
+              <a:buAutoNum type="arabicPeriod"/>
+            </a:pPr>
+            <a:r>
+              <a:rPr lang="en-US" sz="1200" dirty="0" smtClean="0"/>
+              <a:t>Accepts a key</a:t>
+            </a:r>
+          </a:p>
+          <a:p>
+            <a:pPr marL="342900" indent="-342900">
+              <a:buFont typeface="+mj-lt"/>
+              <a:buAutoNum type="arabicPeriod"/>
+            </a:pPr>
+            <a:r>
+              <a:rPr lang="en-US" sz="1200" dirty="0" smtClean="0"/>
+              <a:t>Hashes the key</a:t>
+            </a:r>
+          </a:p>
+          <a:p>
+            <a:pPr marL="342900" indent="-342900">
+              <a:buFont typeface="+mj-lt"/>
+              <a:buAutoNum type="arabicPeriod"/>
+            </a:pPr>
+            <a:r>
+              <a:rPr lang="en-US" sz="1200" dirty="0" smtClean="0"/>
+              <a:t>Retrieves the key-value pair in the hash table</a:t>
+            </a:r>
+          </a:p>
+          <a:p>
+            <a:pPr marL="342900" indent="-342900">
+              <a:buFont typeface="+mj-lt"/>
+              <a:buAutoNum type="arabicPeriod"/>
+            </a:pPr>
+            <a:r>
+              <a:rPr lang="en-US" sz="1200" dirty="0" smtClean="0"/>
+              <a:t>If the key isn’t found return undefined</a:t>
+            </a:r>
+            <a:endParaRPr lang="ru-RU" sz="1200" dirty="0"/>
+          </a:p>
+        </p:txBody>
+      </p:sp>
+      <p:sp>
+        <p:nvSpPr>
+          <p:cNvPr id="11" name="TextBox 10"/>
+          <p:cNvSpPr txBox="1"/>
+          <p:nvPr/>
+        </p:nvSpPr>
+        <p:spPr>
+          <a:xfrm>
+            <a:off x="6332508" y="2629113"/>
+            <a:ext cx="4644190" cy="2585323"/>
+          </a:xfrm>
+          <a:prstGeom prst="rect">
+            <a:avLst/>
+          </a:prstGeom>
+          <a:noFill/>
+        </p:spPr>
+        <p:txBody>
+          <a:bodyPr wrap="square" rtlCol="0">
+            <a:spAutoFit/>
+          </a:bodyPr>
+          <a:lstStyle/>
+          <a:p>
+            <a:r>
+              <a:rPr lang="en-US" dirty="0">
+                <a:solidFill>
+                  <a:srgbClr val="00B050"/>
+                </a:solidFill>
+              </a:rPr>
+              <a:t>In short, if you have data that doesn’t use too many inserts or deletes, and access the items frequently out of order, use an array. If you need data that can be quickly inserted and deleted into and is accessed mostly in sequential order, use a linked list. If you need a fast traversal then a hash table with a good hash function will be a better choice.</a:t>
+            </a:r>
+            <a:endParaRPr lang="en-US" sz="1600" dirty="0" smtClean="0">
+              <a:solidFill>
+                <a:srgbClr val="00B050"/>
+              </a:solidFill>
+            </a:endParaRPr>
+          </a:p>
+        </p:txBody>
+      </p:sp>
+      <p:sp>
+        <p:nvSpPr>
+          <p:cNvPr id="12" name="TextBox 11"/>
+          <p:cNvSpPr txBox="1"/>
+          <p:nvPr/>
+        </p:nvSpPr>
+        <p:spPr>
+          <a:xfrm>
+            <a:off x="433137" y="4957011"/>
+            <a:ext cx="5005137" cy="1477328"/>
+          </a:xfrm>
+          <a:prstGeom prst="rect">
+            <a:avLst/>
+          </a:prstGeom>
+          <a:noFill/>
+        </p:spPr>
+        <p:txBody>
+          <a:bodyPr wrap="square" rtlCol="0">
+            <a:spAutoFit/>
+          </a:bodyPr>
+          <a:lstStyle/>
+          <a:p>
+            <a:r>
+              <a:rPr lang="en-US" dirty="0" smtClean="0"/>
+              <a:t>Methods</a:t>
+            </a:r>
+          </a:p>
+          <a:p>
+            <a:r>
+              <a:rPr lang="en-US" dirty="0" smtClean="0"/>
+              <a:t>1)Set</a:t>
+            </a:r>
+          </a:p>
+          <a:p>
+            <a:r>
+              <a:rPr lang="en-US" dirty="0" smtClean="0"/>
+              <a:t>2)Get</a:t>
+            </a:r>
+          </a:p>
+          <a:p>
+            <a:r>
+              <a:rPr lang="en-US" dirty="0" smtClean="0"/>
+              <a:t>3)Keyes</a:t>
+            </a:r>
+          </a:p>
+          <a:p>
+            <a:r>
+              <a:rPr lang="en-US" dirty="0" smtClean="0"/>
+              <a:t>4)Values</a:t>
+            </a:r>
+          </a:p>
+        </p:txBody>
+      </p:sp>
+      <p:sp>
+        <p:nvSpPr>
+          <p:cNvPr id="13" name="TextBox 12"/>
+          <p:cNvSpPr txBox="1"/>
+          <p:nvPr/>
+        </p:nvSpPr>
+        <p:spPr>
+          <a:xfrm>
+            <a:off x="2601532" y="4479064"/>
+            <a:ext cx="8648842" cy="2062103"/>
+          </a:xfrm>
+          <a:prstGeom prst="rect">
+            <a:avLst/>
+          </a:prstGeom>
+          <a:noFill/>
+        </p:spPr>
+        <p:txBody>
+          <a:bodyPr wrap="square" rtlCol="0">
+            <a:spAutoFit/>
+          </a:bodyPr>
+          <a:lstStyle/>
+          <a:p>
+            <a:r>
+              <a:rPr lang="en-US" sz="1600" dirty="0" smtClean="0"/>
+              <a:t>Big o of hash tables</a:t>
+            </a:r>
+          </a:p>
+          <a:p>
+            <a:r>
+              <a:rPr lang="en-US" sz="1600" dirty="0" smtClean="0"/>
+              <a:t>Insert: O(1)</a:t>
+            </a:r>
+          </a:p>
+          <a:p>
+            <a:r>
+              <a:rPr lang="en-US" sz="1600" dirty="0" smtClean="0"/>
+              <a:t>Deletion: O(1)</a:t>
+            </a:r>
+          </a:p>
+          <a:p>
+            <a:r>
+              <a:rPr lang="en-US" sz="1600" dirty="0" smtClean="0"/>
+              <a:t>Access: O(1)</a:t>
+            </a:r>
+          </a:p>
+          <a:p>
+            <a:r>
+              <a:rPr lang="en-US" sz="1600" dirty="0" smtClean="0"/>
+              <a:t>Only with good hash function and O(n) for bad hash function</a:t>
+            </a:r>
+          </a:p>
+          <a:p>
+            <a:endParaRPr lang="en-US" sz="1600" dirty="0" smtClean="0"/>
+          </a:p>
+          <a:p>
+            <a:r>
+              <a:rPr lang="en-US" sz="1600" dirty="0" smtClean="0"/>
+              <a:t>Why we don’t use hash tables instead of arrays or linked list if there is so fast? </a:t>
+            </a:r>
+            <a:r>
+              <a:rPr lang="en-US" sz="1600" dirty="0"/>
+              <a:t>I</a:t>
+            </a:r>
+            <a:r>
+              <a:rPr lang="en-US" sz="1600" dirty="0" smtClean="0"/>
+              <a:t>t </a:t>
+            </a:r>
+            <a:r>
+              <a:rPr lang="en-US" sz="1600" dirty="0"/>
+              <a:t>doesn’t store its elements in any particular order</a:t>
+            </a:r>
+            <a:endParaRPr lang="ru-RU" sz="1600" dirty="0"/>
           </a:p>
         </p:txBody>
       </p:sp>
     </p:spTree>
     <p:extLst>
       <p:ext uri="{BB962C8B-B14F-4D97-AF65-F5344CB8AC3E}">
-        <p14:creationId xmlns:p14="http://schemas.microsoft.com/office/powerpoint/2010/main" val="1141804580"/>
+        <p14:creationId xmlns:p14="http://schemas.microsoft.com/office/powerpoint/2010/main" val="3273857439"/>
       </p:ext>
     </p:extLst>
   </p:cSld>
@@ -19224,8 +19578,8 @@
           <a:lstStyle/>
           <a:p>
             <a:r>
-              <a:rPr lang="en-US" b="1" dirty="0" smtClean="0"/>
-              <a:t>notes</a:t>
+              <a:rPr lang="en-US" b="1" dirty="0"/>
+              <a:t>Graphs</a:t>
             </a:r>
             <a:endParaRPr lang="en-US" dirty="0"/>
           </a:p>
@@ -19247,72 +19601,28 @@
           <a:lstStyle/>
           <a:p>
             <a:r>
+              <a:rPr lang="ru-RU" dirty="0"/>
+              <a:t>Задача о семи </a:t>
+            </a:r>
+            <a:r>
+              <a:rPr lang="ru-RU" dirty="0" smtClean="0"/>
+              <a:t>мостах</a:t>
+            </a:r>
+            <a:endParaRPr lang="en-US" dirty="0" smtClean="0"/>
+          </a:p>
+          <a:p>
+            <a:endParaRPr lang="en-US" dirty="0"/>
+          </a:p>
+          <a:p>
+            <a:r>
               <a:rPr lang="en-US" dirty="0" smtClean="0"/>
-              <a:t>Open all depends</a:t>
-            </a:r>
-          </a:p>
-          <a:p>
-            <a:r>
-              <a:rPr lang="en-US" dirty="0" err="1" smtClean="0">
-                <a:solidFill>
-                  <a:srgbClr val="FF0000"/>
-                </a:solidFill>
-              </a:rPr>
-              <a:t>Kapy</a:t>
-            </a:r>
-            <a:r>
-              <a:rPr lang="en-US" dirty="0" smtClean="0">
-                <a:solidFill>
-                  <a:srgbClr val="FF0000"/>
-                </a:solidFill>
-              </a:rPr>
-              <a:t> </a:t>
-            </a:r>
-            <a:r>
-              <a:rPr lang="en-US" dirty="0" err="1" smtClean="0">
-                <a:solidFill>
-                  <a:srgbClr val="FF0000"/>
-                </a:solidFill>
-              </a:rPr>
-              <a:t>algoneri</a:t>
-            </a:r>
-            <a:r>
-              <a:rPr lang="en-US" dirty="0" smtClean="0">
-                <a:solidFill>
-                  <a:srgbClr val="FF0000"/>
-                </a:solidFill>
-              </a:rPr>
-              <a:t> u ds </a:t>
-            </a:r>
-            <a:r>
-              <a:rPr lang="en-US" dirty="0" err="1" smtClean="0">
-                <a:solidFill>
-                  <a:srgbClr val="FF0000"/>
-                </a:solidFill>
-              </a:rPr>
-              <a:t>neri</a:t>
-            </a:r>
-            <a:r>
-              <a:rPr lang="en-US" dirty="0" smtClean="0">
-                <a:solidFill>
-                  <a:srgbClr val="FF0000"/>
-                </a:solidFill>
-              </a:rPr>
-              <a:t> </a:t>
-            </a:r>
-            <a:r>
-              <a:rPr lang="en-US" dirty="0" err="1" smtClean="0">
-                <a:solidFill>
-                  <a:srgbClr val="FF0000"/>
-                </a:solidFill>
-              </a:rPr>
-              <a:t>mej</a:t>
-            </a:r>
-            <a:endParaRPr lang="en-US" dirty="0" smtClean="0">
-              <a:solidFill>
-                <a:srgbClr val="FF0000"/>
-              </a:solidFill>
-            </a:endParaRPr>
+              <a:t>Dracula for </a:t>
+            </a:r>
+            <a:r>
+              <a:rPr lang="en-US" smtClean="0"/>
+              <a:t>graph visualization</a:t>
+            </a:r>
+            <a:endParaRPr lang="ru-RU" dirty="0"/>
           </a:p>
           <a:p>
             <a:endParaRPr lang="en-US" dirty="0"/>
@@ -19322,7 +19632,7 @@
     </p:spTree>
     <p:extLst>
       <p:ext uri="{BB962C8B-B14F-4D97-AF65-F5344CB8AC3E}">
-        <p14:creationId xmlns:p14="http://schemas.microsoft.com/office/powerpoint/2010/main" val="3205067114"/>
+        <p14:creationId xmlns:p14="http://schemas.microsoft.com/office/powerpoint/2010/main" val="1141804580"/>
       </p:ext>
     </p:extLst>
   </p:cSld>
@@ -19365,12 +19675,8 @@
           <a:lstStyle/>
           <a:p>
             <a:r>
-              <a:rPr lang="en-US" b="1" dirty="0"/>
-              <a:t>Dijkstra's </a:t>
-            </a:r>
-            <a:r>
               <a:rPr lang="en-US" b="1" dirty="0" smtClean="0"/>
-              <a:t>algorithm and A*</a:t>
+              <a:t>notes</a:t>
             </a:r>
             <a:endParaRPr lang="en-US" dirty="0"/>
           </a:p>
@@ -19378,77 +19684,102 @@
       </p:sp>
       <p:sp>
         <p:nvSpPr>
-          <p:cNvPr id="5" name="Rectangle 4"/>
-          <p:cNvSpPr/>
-          <p:nvPr/>
+          <p:cNvPr id="3" name="Content Placeholder 2"/>
+          <p:cNvSpPr>
+            <a:spLocks noGrp="1"/>
+          </p:cNvSpPr>
+          <p:nvPr>
+            <p:ph idx="1"/>
+          </p:nvPr>
         </p:nvSpPr>
-        <p:spPr>
-          <a:xfrm>
-            <a:off x="838200" y="1690688"/>
-            <a:ext cx="10515600" cy="1200329"/>
-          </a:xfrm>
-          <a:prstGeom prst="rect">
-            <a:avLst/>
-          </a:prstGeom>
-        </p:spPr>
+        <p:spPr/>
         <p:txBody>
-          <a:bodyPr wrap="square">
-            <a:spAutoFit/>
-          </a:bodyPr>
+          <a:bodyPr/>
           <a:lstStyle/>
           <a:p>
             <a:r>
-              <a:rPr lang="en-US" dirty="0"/>
-              <a:t>Dijkstra's algorithm (also called uniform cost search) allows us to prioritize path exploration. Instead of exploring all possible paths uniformly, he favors low cost paths. We can set a reduced cost to keep the algorithm on roads, an increased cost to avoid forests and enemies, and much more. When the cost of the movement may be different, we use it instead of Breadth First Search.</a:t>
-            </a:r>
-          </a:p>
-        </p:txBody>
-      </p:sp>
-      <p:sp>
-        <p:nvSpPr>
-          <p:cNvPr id="6" name="Rectangle 5"/>
-          <p:cNvSpPr/>
-          <p:nvPr/>
-        </p:nvSpPr>
-        <p:spPr>
-          <a:xfrm>
-            <a:off x="838200" y="3457486"/>
-            <a:ext cx="6096000" cy="1200329"/>
-          </a:xfrm>
-          <a:prstGeom prst="rect">
-            <a:avLst/>
-          </a:prstGeom>
-        </p:spPr>
-        <p:txBody>
-          <a:bodyPr>
-            <a:spAutoFit/>
-          </a:bodyPr>
-          <a:lstStyle/>
-          <a:p>
-            <a:r>
-              <a:rPr lang="en-US" dirty="0"/>
-              <a:t>A * is a modification of Dijkstra's algorithm optimized for a single endpoint. Dijkstra's algorithm can find paths to all points, A * finds a path to one point. He prioritizes paths that lead closer to the goal.</a:t>
-            </a:r>
+              <a:rPr lang="en-US" dirty="0" smtClean="0"/>
+              <a:t>Open all depends</a:t>
+            </a:r>
+          </a:p>
+          <a:p>
+            <a:r>
+              <a:rPr lang="en-US" dirty="0" err="1" smtClean="0">
+                <a:solidFill>
+                  <a:srgbClr val="FF0000"/>
+                </a:solidFill>
+              </a:rPr>
+              <a:t>Kapy</a:t>
+            </a:r>
+            <a:r>
+              <a:rPr lang="en-US" dirty="0" smtClean="0">
+                <a:solidFill>
+                  <a:srgbClr val="FF0000"/>
+                </a:solidFill>
+              </a:rPr>
+              <a:t> </a:t>
+            </a:r>
+            <a:r>
+              <a:rPr lang="en-US" dirty="0" err="1" smtClean="0">
+                <a:solidFill>
+                  <a:srgbClr val="FF0000"/>
+                </a:solidFill>
+              </a:rPr>
+              <a:t>algoneri</a:t>
+            </a:r>
+            <a:r>
+              <a:rPr lang="en-US" dirty="0" smtClean="0">
+                <a:solidFill>
+                  <a:srgbClr val="FF0000"/>
+                </a:solidFill>
+              </a:rPr>
+              <a:t> u ds </a:t>
+            </a:r>
+            <a:r>
+              <a:rPr lang="en-US" dirty="0" err="1" smtClean="0">
+                <a:solidFill>
+                  <a:srgbClr val="FF0000"/>
+                </a:solidFill>
+              </a:rPr>
+              <a:t>neri</a:t>
+            </a:r>
+            <a:r>
+              <a:rPr lang="en-US" dirty="0" smtClean="0">
+                <a:solidFill>
+                  <a:srgbClr val="FF0000"/>
+                </a:solidFill>
+              </a:rPr>
+              <a:t> </a:t>
+            </a:r>
+            <a:r>
+              <a:rPr lang="en-US" dirty="0" err="1" smtClean="0">
+                <a:solidFill>
+                  <a:srgbClr val="FF0000"/>
+                </a:solidFill>
+              </a:rPr>
+              <a:t>mej</a:t>
+            </a:r>
+            <a:endParaRPr lang="en-US" dirty="0" smtClean="0">
+              <a:solidFill>
+                <a:srgbClr val="FF0000"/>
+              </a:solidFill>
+            </a:endParaRPr>
+          </a:p>
+          <a:p>
+            <a:endParaRPr lang="en-US" dirty="0"/>
           </a:p>
         </p:txBody>
       </p:sp>
     </p:spTree>
     <p:extLst>
       <p:ext uri="{BB962C8B-B14F-4D97-AF65-F5344CB8AC3E}">
-        <p14:creationId xmlns:p14="http://schemas.microsoft.com/office/powerpoint/2010/main" val="3888841012"/>
+        <p14:creationId xmlns:p14="http://schemas.microsoft.com/office/powerpoint/2010/main" val="3205067114"/>
       </p:ext>
     </p:extLst>
   </p:cSld>
   <p:clrMapOvr>
     <a:masterClrMapping/>
   </p:clrMapOvr>
-  <p:timing>
-    <p:tnLst>
-      <p:par>
-        <p:cTn id="1" dur="indefinite" restart="never" nodeType="tmRoot"/>
-      </p:par>
-    </p:tnLst>
-  </p:timing>
 </p:sld>
 </file>
 

--- a/ds&a.pptx
+++ b/ds&a.pptx
@@ -7151,9 +7151,9 @@
               <a:solidFill>
                 <a:schemeClr val="dk1"/>
               </a:solidFill>
-              <a:latin typeface="Red Hat Text"/>
-              <a:ea typeface="Red Hat Text"/>
-              <a:cs typeface="Red Hat Text"/>
+              <a:latin typeface="Nirmala UI" panose="020B0502040204020203" pitchFamily="34" charset="0"/>
+              <a:ea typeface="Nirmala UI" panose="020B0502040204020203" pitchFamily="34" charset="0"/>
+              <a:cs typeface="Nirmala UI" panose="020B0502040204020203" pitchFamily="34" charset="0"/>
               <a:sym typeface="Red Hat Text"/>
             </a:endParaRPr>
           </a:p>
@@ -7201,9 +7201,9 @@
               <a:solidFill>
                 <a:schemeClr val="dk1"/>
               </a:solidFill>
-              <a:latin typeface="Red Hat Text"/>
-              <a:ea typeface="Red Hat Text"/>
-              <a:cs typeface="Red Hat Text"/>
+              <a:latin typeface="Nirmala UI" panose="020B0502040204020203" pitchFamily="34" charset="0"/>
+              <a:ea typeface="Nirmala UI" panose="020B0502040204020203" pitchFamily="34" charset="0"/>
+              <a:cs typeface="Nirmala UI" panose="020B0502040204020203" pitchFamily="34" charset="0"/>
               <a:sym typeface="Red Hat Text"/>
             </a:endParaRPr>
           </a:p>
@@ -7292,10 +7292,18 @@
               </a:spcBef>
             </a:pPr>
             <a:r>
-              <a:rPr lang="en" dirty="0" smtClean="0"/>
+              <a:rPr lang="en" dirty="0" smtClean="0">
+                <a:latin typeface="Nirmala UI" panose="020B0502040204020203" pitchFamily="34" charset="0"/>
+                <a:ea typeface="Nirmala UI" panose="020B0502040204020203" pitchFamily="34" charset="0"/>
+                <a:cs typeface="Nirmala UI" panose="020B0502040204020203" pitchFamily="34" charset="0"/>
+              </a:rPr>
               <a:t>Structure</a:t>
             </a:r>
-            <a:endParaRPr dirty="0"/>
+            <a:endParaRPr dirty="0">
+              <a:latin typeface="Nirmala UI" panose="020B0502040204020203" pitchFamily="34" charset="0"/>
+              <a:ea typeface="Nirmala UI" panose="020B0502040204020203" pitchFamily="34" charset="0"/>
+              <a:cs typeface="Nirmala UI" panose="020B0502040204020203" pitchFamily="34" charset="0"/>
+            </a:endParaRPr>
           </a:p>
         </p:txBody>
       </p:sp>
@@ -7326,11 +7334,19 @@
           <a:p>
             <a:pPr algn="ctr"/>
             <a:fld id="{00000000-1234-1234-1234-123412341234}" type="slidenum">
-              <a:rPr lang="en"/>
+              <a:rPr lang="en">
+                <a:latin typeface="Nirmala UI" panose="020B0502040204020203" pitchFamily="34" charset="0"/>
+                <a:ea typeface="Nirmala UI" panose="020B0502040204020203" pitchFamily="34" charset="0"/>
+                <a:cs typeface="Nirmala UI" panose="020B0502040204020203" pitchFamily="34" charset="0"/>
+              </a:rPr>
               <a:pPr algn="ctr"/>
               <a:t>1</a:t>
             </a:fld>
-            <a:endParaRPr/>
+            <a:endParaRPr>
+              <a:latin typeface="Nirmala UI" panose="020B0502040204020203" pitchFamily="34" charset="0"/>
+              <a:ea typeface="Nirmala UI" panose="020B0502040204020203" pitchFamily="34" charset="0"/>
+              <a:cs typeface="Nirmala UI" panose="020B0502040204020203" pitchFamily="34" charset="0"/>
+            </a:endParaRPr>
           </a:p>
         </p:txBody>
       </p:sp>
@@ -7375,6 +7391,9 @@
               <a:solidFill>
                 <a:schemeClr val="dk1"/>
               </a:solidFill>
+              <a:latin typeface="Nirmala UI" panose="020B0502040204020203" pitchFamily="34" charset="0"/>
+              <a:ea typeface="Nirmala UI" panose="020B0502040204020203" pitchFamily="34" charset="0"/>
+              <a:cs typeface="Nirmala UI" panose="020B0502040204020203" pitchFamily="34" charset="0"/>
             </a:endParaRPr>
           </a:p>
         </p:txBody>
@@ -7436,9 +7455,9 @@
                 <a:solidFill>
                   <a:schemeClr val="dk2"/>
                 </a:solidFill>
-                <a:latin typeface="Red Hat Text"/>
-                <a:ea typeface="Red Hat Text"/>
-                <a:cs typeface="Red Hat Text"/>
+                <a:latin typeface="Nirmala UI" panose="020B0502040204020203" pitchFamily="34" charset="0"/>
+                <a:ea typeface="Nirmala UI" panose="020B0502040204020203" pitchFamily="34" charset="0"/>
+                <a:cs typeface="Nirmala UI" panose="020B0502040204020203" pitchFamily="34" charset="0"/>
                 <a:sym typeface="Red Hat Text"/>
               </a:rPr>
               <a:t>What is </a:t>
@@ -7448,9 +7467,9 @@
                 <a:solidFill>
                   <a:schemeClr val="dk2"/>
                 </a:solidFill>
-                <a:latin typeface="Red Hat Text"/>
-                <a:ea typeface="Red Hat Text"/>
-                <a:cs typeface="Red Hat Text"/>
+                <a:latin typeface="Nirmala UI" panose="020B0502040204020203" pitchFamily="34" charset="0"/>
+                <a:ea typeface="Nirmala UI" panose="020B0502040204020203" pitchFamily="34" charset="0"/>
+                <a:cs typeface="Nirmala UI" panose="020B0502040204020203" pitchFamily="34" charset="0"/>
                 <a:sym typeface="Red Hat Text"/>
               </a:rPr>
               <a:t>an</a:t>
@@ -7463,9 +7482,9 @@
                 <a:solidFill>
                   <a:schemeClr val="dk2"/>
                 </a:solidFill>
-                <a:latin typeface="Red Hat Text"/>
-                <a:ea typeface="Red Hat Text"/>
-                <a:cs typeface="Red Hat Text"/>
+                <a:latin typeface="Nirmala UI" panose="020B0502040204020203" pitchFamily="34" charset="0"/>
+                <a:ea typeface="Nirmala UI" panose="020B0502040204020203" pitchFamily="34" charset="0"/>
+                <a:cs typeface="Nirmala UI" panose="020B0502040204020203" pitchFamily="34" charset="0"/>
                 <a:sym typeface="Red Hat Text"/>
               </a:rPr>
               <a:t> </a:t>
@@ -7475,9 +7494,9 @@
                 <a:solidFill>
                   <a:schemeClr val="dk2"/>
                 </a:solidFill>
-                <a:latin typeface="Red Hat Text"/>
-                <a:ea typeface="Red Hat Text"/>
-                <a:cs typeface="Red Hat Text"/>
+                <a:latin typeface="Nirmala UI" panose="020B0502040204020203" pitchFamily="34" charset="0"/>
+                <a:ea typeface="Nirmala UI" panose="020B0502040204020203" pitchFamily="34" charset="0"/>
+                <a:cs typeface="Nirmala UI" panose="020B0502040204020203" pitchFamily="34" charset="0"/>
                 <a:sym typeface="Red Hat Text"/>
               </a:rPr>
               <a:t>algorithm?</a:t>
@@ -7486,9 +7505,9 @@
               <a:solidFill>
                 <a:schemeClr val="dk2"/>
               </a:solidFill>
-              <a:latin typeface="Red Hat Text"/>
-              <a:ea typeface="Red Hat Text"/>
-              <a:cs typeface="Red Hat Text"/>
+              <a:latin typeface="Nirmala UI" panose="020B0502040204020203" pitchFamily="34" charset="0"/>
+              <a:ea typeface="Nirmala UI" panose="020B0502040204020203" pitchFamily="34" charset="0"/>
+              <a:cs typeface="Nirmala UI" panose="020B0502040204020203" pitchFamily="34" charset="0"/>
               <a:sym typeface="Red Hat Text"/>
             </a:endParaRPr>
           </a:p>
@@ -7551,9 +7570,9 @@
                 <a:solidFill>
                   <a:schemeClr val="dk2"/>
                 </a:solidFill>
-                <a:latin typeface="Red Hat Text"/>
-                <a:ea typeface="Red Hat Text"/>
-                <a:cs typeface="Red Hat Text"/>
+                <a:latin typeface="Nirmala UI" panose="020B0502040204020203" pitchFamily="34" charset="0"/>
+                <a:ea typeface="Nirmala UI" panose="020B0502040204020203" pitchFamily="34" charset="0"/>
+                <a:cs typeface="Nirmala UI" panose="020B0502040204020203" pitchFamily="34" charset="0"/>
                 <a:sym typeface="Red Hat Text"/>
               </a:rPr>
               <a:t>Problem solving patterns</a:t>
@@ -7562,9 +7581,9 @@
               <a:solidFill>
                 <a:schemeClr val="dk2"/>
               </a:solidFill>
-              <a:latin typeface="Red Hat Text"/>
-              <a:ea typeface="Red Hat Text"/>
-              <a:cs typeface="Red Hat Text"/>
+              <a:latin typeface="Nirmala UI" panose="020B0502040204020203" pitchFamily="34" charset="0"/>
+              <a:ea typeface="Nirmala UI" panose="020B0502040204020203" pitchFamily="34" charset="0"/>
+              <a:cs typeface="Nirmala UI" panose="020B0502040204020203" pitchFamily="34" charset="0"/>
               <a:sym typeface="Red Hat Text"/>
             </a:endParaRPr>
           </a:p>
@@ -7627,9 +7646,9 @@
                 <a:solidFill>
                   <a:schemeClr val="dk2"/>
                 </a:solidFill>
-                <a:latin typeface="Red Hat Text"/>
-                <a:ea typeface="Red Hat Text"/>
-                <a:cs typeface="Red Hat Text"/>
+                <a:latin typeface="Nirmala UI" panose="020B0502040204020203" pitchFamily="34" charset="0"/>
+                <a:ea typeface="Nirmala UI" panose="020B0502040204020203" pitchFamily="34" charset="0"/>
+                <a:cs typeface="Nirmala UI" panose="020B0502040204020203" pitchFamily="34" charset="0"/>
                 <a:sym typeface="Red Hat Text"/>
               </a:rPr>
               <a:t>Quick sort</a:t>
@@ -7638,9 +7657,9 @@
               <a:solidFill>
                 <a:schemeClr val="dk2"/>
               </a:solidFill>
-              <a:latin typeface="Red Hat Text"/>
-              <a:ea typeface="Red Hat Text"/>
-              <a:cs typeface="Red Hat Text"/>
+              <a:latin typeface="Nirmala UI" panose="020B0502040204020203" pitchFamily="34" charset="0"/>
+              <a:ea typeface="Nirmala UI" panose="020B0502040204020203" pitchFamily="34" charset="0"/>
+              <a:cs typeface="Nirmala UI" panose="020B0502040204020203" pitchFamily="34" charset="0"/>
               <a:sym typeface="Red Hat Text"/>
             </a:endParaRPr>
           </a:p>
@@ -7703,9 +7722,9 @@
                 <a:solidFill>
                   <a:schemeClr val="dk2"/>
                 </a:solidFill>
-                <a:latin typeface="Red Hat Text"/>
-                <a:ea typeface="Red Hat Text"/>
-                <a:cs typeface="Red Hat Text"/>
+                <a:latin typeface="Nirmala UI" panose="020B0502040204020203" pitchFamily="34" charset="0"/>
+                <a:ea typeface="Nirmala UI" panose="020B0502040204020203" pitchFamily="34" charset="0"/>
+                <a:cs typeface="Nirmala UI" panose="020B0502040204020203" pitchFamily="34" charset="0"/>
                 <a:sym typeface="Red Hat Text"/>
               </a:rPr>
               <a:t>Linked </a:t>
@@ -7715,9 +7734,9 @@
                 <a:solidFill>
                   <a:schemeClr val="dk2"/>
                 </a:solidFill>
-                <a:latin typeface="Red Hat Text"/>
-                <a:ea typeface="Red Hat Text"/>
-                <a:cs typeface="Red Hat Text"/>
+                <a:latin typeface="Nirmala UI" panose="020B0502040204020203" pitchFamily="34" charset="0"/>
+                <a:ea typeface="Nirmala UI" panose="020B0502040204020203" pitchFamily="34" charset="0"/>
+                <a:cs typeface="Nirmala UI" panose="020B0502040204020203" pitchFamily="34" charset="0"/>
                 <a:sym typeface="Red Hat Text"/>
               </a:rPr>
               <a:t>lists</a:t>
@@ -7726,9 +7745,9 @@
               <a:solidFill>
                 <a:schemeClr val="dk2"/>
               </a:solidFill>
-              <a:latin typeface="Red Hat Text"/>
-              <a:ea typeface="Red Hat Text"/>
-              <a:cs typeface="Red Hat Text"/>
+              <a:latin typeface="Nirmala UI" panose="020B0502040204020203" pitchFamily="34" charset="0"/>
+              <a:ea typeface="Nirmala UI" panose="020B0502040204020203" pitchFamily="34" charset="0"/>
+              <a:cs typeface="Nirmala UI" panose="020B0502040204020203" pitchFamily="34" charset="0"/>
               <a:sym typeface="Red Hat Text"/>
             </a:endParaRPr>
           </a:p>
@@ -7791,9 +7810,9 @@
                 <a:solidFill>
                   <a:schemeClr val="dk2"/>
                 </a:solidFill>
-                <a:latin typeface="Red Hat Text"/>
-                <a:ea typeface="Red Hat Text"/>
-                <a:cs typeface="Red Hat Text"/>
+                <a:latin typeface="Nirmala UI" panose="020B0502040204020203" pitchFamily="34" charset="0"/>
+                <a:ea typeface="Nirmala UI" panose="020B0502040204020203" pitchFamily="34" charset="0"/>
+                <a:cs typeface="Nirmala UI" panose="020B0502040204020203" pitchFamily="34" charset="0"/>
                 <a:sym typeface="Red Hat Text"/>
               </a:rPr>
               <a:t>Binary </a:t>
@@ -7803,9 +7822,9 @@
                 <a:solidFill>
                   <a:schemeClr val="dk2"/>
                 </a:solidFill>
-                <a:latin typeface="Red Hat Text"/>
-                <a:ea typeface="Red Hat Text"/>
-                <a:cs typeface="Red Hat Text"/>
+                <a:latin typeface="Nirmala UI" panose="020B0502040204020203" pitchFamily="34" charset="0"/>
+                <a:ea typeface="Nirmala UI" panose="020B0502040204020203" pitchFamily="34" charset="0"/>
+                <a:cs typeface="Nirmala UI" panose="020B0502040204020203" pitchFamily="34" charset="0"/>
                 <a:sym typeface="Red Hat Text"/>
               </a:rPr>
               <a:t>heap</a:t>
@@ -7814,9 +7833,9 @@
               <a:solidFill>
                 <a:schemeClr val="dk2"/>
               </a:solidFill>
-              <a:latin typeface="Red Hat Text"/>
-              <a:ea typeface="Red Hat Text"/>
-              <a:cs typeface="Red Hat Text"/>
+              <a:latin typeface="Nirmala UI" panose="020B0502040204020203" pitchFamily="34" charset="0"/>
+              <a:ea typeface="Nirmala UI" panose="020B0502040204020203" pitchFamily="34" charset="0"/>
+              <a:cs typeface="Nirmala UI" panose="020B0502040204020203" pitchFamily="34" charset="0"/>
               <a:sym typeface="Red Hat Text"/>
             </a:endParaRPr>
           </a:p>
@@ -7879,9 +7898,9 @@
                 <a:solidFill>
                   <a:schemeClr val="dk2"/>
                 </a:solidFill>
-                <a:latin typeface="Red Hat Text"/>
-                <a:ea typeface="Red Hat Text"/>
-                <a:cs typeface="Red Hat Text"/>
+                <a:latin typeface="Nirmala UI" panose="020B0502040204020203" pitchFamily="34" charset="0"/>
+                <a:ea typeface="Nirmala UI" panose="020B0502040204020203" pitchFamily="34" charset="0"/>
+                <a:cs typeface="Nirmala UI" panose="020B0502040204020203" pitchFamily="34" charset="0"/>
                 <a:sym typeface="Red Hat Text"/>
               </a:rPr>
               <a:t>Hash </a:t>
@@ -7891,9 +7910,9 @@
                 <a:solidFill>
                   <a:schemeClr val="dk2"/>
                 </a:solidFill>
-                <a:latin typeface="Red Hat Text"/>
-                <a:ea typeface="Red Hat Text"/>
-                <a:cs typeface="Red Hat Text"/>
+                <a:latin typeface="Nirmala UI" panose="020B0502040204020203" pitchFamily="34" charset="0"/>
+                <a:ea typeface="Nirmala UI" panose="020B0502040204020203" pitchFamily="34" charset="0"/>
+                <a:cs typeface="Nirmala UI" panose="020B0502040204020203" pitchFamily="34" charset="0"/>
                 <a:sym typeface="Red Hat Text"/>
               </a:rPr>
               <a:t>tables</a:t>
@@ -7902,9 +7921,9 @@
               <a:solidFill>
                 <a:schemeClr val="dk2"/>
               </a:solidFill>
-              <a:latin typeface="Red Hat Text"/>
-              <a:ea typeface="Red Hat Text"/>
-              <a:cs typeface="Red Hat Text"/>
+              <a:latin typeface="Nirmala UI" panose="020B0502040204020203" pitchFamily="34" charset="0"/>
+              <a:ea typeface="Nirmala UI" panose="020B0502040204020203" pitchFamily="34" charset="0"/>
+              <a:cs typeface="Nirmala UI" panose="020B0502040204020203" pitchFamily="34" charset="0"/>
               <a:sym typeface="Red Hat Text"/>
             </a:endParaRPr>
           </a:p>
@@ -7967,9 +7986,9 @@
                 <a:solidFill>
                   <a:schemeClr val="dk2"/>
                 </a:solidFill>
-                <a:latin typeface="Red Hat Text"/>
-                <a:ea typeface="Red Hat Text"/>
-                <a:cs typeface="Red Hat Text"/>
+                <a:latin typeface="Nirmala UI" panose="020B0502040204020203" pitchFamily="34" charset="0"/>
+                <a:ea typeface="Nirmala UI" panose="020B0502040204020203" pitchFamily="34" charset="0"/>
+                <a:cs typeface="Nirmala UI" panose="020B0502040204020203" pitchFamily="34" charset="0"/>
                 <a:sym typeface="Red Hat Text"/>
               </a:rPr>
               <a:t>Big O</a:t>
@@ -7978,9 +7997,9 @@
               <a:solidFill>
                 <a:schemeClr val="dk2"/>
               </a:solidFill>
-              <a:latin typeface="Red Hat Text"/>
-              <a:ea typeface="Red Hat Text"/>
-              <a:cs typeface="Red Hat Text"/>
+              <a:latin typeface="Nirmala UI" panose="020B0502040204020203" pitchFamily="34" charset="0"/>
+              <a:ea typeface="Nirmala UI" panose="020B0502040204020203" pitchFamily="34" charset="0"/>
+              <a:cs typeface="Nirmala UI" panose="020B0502040204020203" pitchFamily="34" charset="0"/>
               <a:sym typeface="Red Hat Text"/>
             </a:endParaRPr>
           </a:p>
@@ -8042,9 +8061,9 @@
                 <a:solidFill>
                   <a:schemeClr val="dk2"/>
                 </a:solidFill>
-                <a:latin typeface="Red Hat Text"/>
-                <a:ea typeface="Red Hat Text"/>
-                <a:cs typeface="Red Hat Text"/>
+                <a:latin typeface="Nirmala UI" panose="020B0502040204020203" pitchFamily="34" charset="0"/>
+                <a:ea typeface="Nirmala UI" panose="020B0502040204020203" pitchFamily="34" charset="0"/>
+                <a:cs typeface="Nirmala UI" panose="020B0502040204020203" pitchFamily="34" charset="0"/>
                 <a:sym typeface="Red Hat Text"/>
               </a:rPr>
               <a:t>Recursion</a:t>
@@ -8053,9 +8072,9 @@
               <a:solidFill>
                 <a:schemeClr val="dk2"/>
               </a:solidFill>
-              <a:latin typeface="Red Hat Text"/>
-              <a:ea typeface="Red Hat Text"/>
-              <a:cs typeface="Red Hat Text"/>
+              <a:latin typeface="Nirmala UI" panose="020B0502040204020203" pitchFamily="34" charset="0"/>
+              <a:ea typeface="Nirmala UI" panose="020B0502040204020203" pitchFamily="34" charset="0"/>
+              <a:cs typeface="Nirmala UI" panose="020B0502040204020203" pitchFamily="34" charset="0"/>
               <a:sym typeface="Red Hat Text"/>
             </a:endParaRPr>
           </a:p>
@@ -8118,9 +8137,9 @@
                 <a:solidFill>
                   <a:schemeClr val="dk2"/>
                 </a:solidFill>
-                <a:latin typeface="Red Hat Text"/>
-                <a:ea typeface="Red Hat Text"/>
-                <a:cs typeface="Red Hat Text"/>
+                <a:latin typeface="Nirmala UI" panose="020B0502040204020203" pitchFamily="34" charset="0"/>
+                <a:ea typeface="Nirmala UI" panose="020B0502040204020203" pitchFamily="34" charset="0"/>
+                <a:cs typeface="Nirmala UI" panose="020B0502040204020203" pitchFamily="34" charset="0"/>
                 <a:sym typeface="Red Hat Text"/>
               </a:rPr>
               <a:t>Data structures</a:t>
@@ -8129,9 +8148,9 @@
               <a:solidFill>
                 <a:schemeClr val="dk2"/>
               </a:solidFill>
-              <a:latin typeface="Red Hat Text"/>
-              <a:ea typeface="Red Hat Text"/>
-              <a:cs typeface="Red Hat Text"/>
+              <a:latin typeface="Nirmala UI" panose="020B0502040204020203" pitchFamily="34" charset="0"/>
+              <a:ea typeface="Nirmala UI" panose="020B0502040204020203" pitchFamily="34" charset="0"/>
+              <a:cs typeface="Nirmala UI" panose="020B0502040204020203" pitchFamily="34" charset="0"/>
               <a:sym typeface="Red Hat Text"/>
             </a:endParaRPr>
           </a:p>
@@ -8194,9 +8213,9 @@
                 <a:solidFill>
                   <a:schemeClr val="dk2"/>
                 </a:solidFill>
-                <a:latin typeface="Red Hat Text"/>
-                <a:ea typeface="Red Hat Text"/>
-                <a:cs typeface="Red Hat Text"/>
+                <a:latin typeface="Nirmala UI" panose="020B0502040204020203" pitchFamily="34" charset="0"/>
+                <a:ea typeface="Nirmala UI" panose="020B0502040204020203" pitchFamily="34" charset="0"/>
+                <a:cs typeface="Nirmala UI" panose="020B0502040204020203" pitchFamily="34" charset="0"/>
                 <a:sym typeface="Red Hat Text"/>
               </a:rPr>
               <a:t>Stack and </a:t>
@@ -8206,9 +8225,9 @@
                 <a:solidFill>
                   <a:schemeClr val="dk2"/>
                 </a:solidFill>
-                <a:latin typeface="Red Hat Text"/>
-                <a:ea typeface="Red Hat Text"/>
-                <a:cs typeface="Red Hat Text"/>
+                <a:latin typeface="Nirmala UI" panose="020B0502040204020203" pitchFamily="34" charset="0"/>
+                <a:ea typeface="Nirmala UI" panose="020B0502040204020203" pitchFamily="34" charset="0"/>
+                <a:cs typeface="Nirmala UI" panose="020B0502040204020203" pitchFamily="34" charset="0"/>
                 <a:sym typeface="Red Hat Text"/>
               </a:rPr>
               <a:t>queue</a:t>
@@ -8217,9 +8236,9 @@
               <a:solidFill>
                 <a:schemeClr val="dk2"/>
               </a:solidFill>
-              <a:latin typeface="Red Hat Text"/>
-              <a:ea typeface="Red Hat Text"/>
-              <a:cs typeface="Red Hat Text"/>
+              <a:latin typeface="Nirmala UI" panose="020B0502040204020203" pitchFamily="34" charset="0"/>
+              <a:ea typeface="Nirmala UI" panose="020B0502040204020203" pitchFamily="34" charset="0"/>
+              <a:cs typeface="Nirmala UI" panose="020B0502040204020203" pitchFamily="34" charset="0"/>
               <a:sym typeface="Red Hat Text"/>
             </a:endParaRPr>
           </a:p>
@@ -8282,9 +8301,9 @@
                 <a:solidFill>
                   <a:schemeClr val="dk2"/>
                 </a:solidFill>
-                <a:latin typeface="Red Hat Text"/>
-                <a:ea typeface="Red Hat Text"/>
-                <a:cs typeface="Red Hat Text"/>
+                <a:latin typeface="Nirmala UI" panose="020B0502040204020203" pitchFamily="34" charset="0"/>
+                <a:ea typeface="Nirmala UI" panose="020B0502040204020203" pitchFamily="34" charset="0"/>
+                <a:cs typeface="Nirmala UI" panose="020B0502040204020203" pitchFamily="34" charset="0"/>
                 <a:sym typeface="Red Hat Text"/>
               </a:rPr>
               <a:t>Priority </a:t>
@@ -8294,9 +8313,9 @@
                 <a:solidFill>
                   <a:schemeClr val="dk2"/>
                 </a:solidFill>
-                <a:latin typeface="Red Hat Text"/>
-                <a:ea typeface="Red Hat Text"/>
-                <a:cs typeface="Red Hat Text"/>
+                <a:latin typeface="Nirmala UI" panose="020B0502040204020203" pitchFamily="34" charset="0"/>
+                <a:ea typeface="Nirmala UI" panose="020B0502040204020203" pitchFamily="34" charset="0"/>
+                <a:cs typeface="Nirmala UI" panose="020B0502040204020203" pitchFamily="34" charset="0"/>
                 <a:sym typeface="Red Hat Text"/>
               </a:rPr>
               <a:t>queue</a:t>
@@ -8305,9 +8324,9 @@
               <a:solidFill>
                 <a:schemeClr val="dk2"/>
               </a:solidFill>
-              <a:latin typeface="Red Hat Text"/>
-              <a:ea typeface="Red Hat Text"/>
-              <a:cs typeface="Red Hat Text"/>
+              <a:latin typeface="Nirmala UI" panose="020B0502040204020203" pitchFamily="34" charset="0"/>
+              <a:ea typeface="Nirmala UI" panose="020B0502040204020203" pitchFamily="34" charset="0"/>
+              <a:cs typeface="Nirmala UI" panose="020B0502040204020203" pitchFamily="34" charset="0"/>
               <a:sym typeface="Red Hat Text"/>
             </a:endParaRPr>
           </a:p>
@@ -8370,9 +8389,9 @@
                 <a:solidFill>
                   <a:schemeClr val="dk2"/>
                 </a:solidFill>
-                <a:latin typeface="Red Hat Text"/>
-                <a:ea typeface="Red Hat Text"/>
-                <a:cs typeface="Red Hat Text"/>
+                <a:latin typeface="Nirmala UI" panose="020B0502040204020203" pitchFamily="34" charset="0"/>
+                <a:ea typeface="Nirmala UI" panose="020B0502040204020203" pitchFamily="34" charset="0"/>
+                <a:cs typeface="Nirmala UI" panose="020B0502040204020203" pitchFamily="34" charset="0"/>
                 <a:sym typeface="Red Hat Text"/>
               </a:rPr>
               <a:t>Graphs</a:t>
@@ -8381,9 +8400,9 @@
               <a:solidFill>
                 <a:schemeClr val="dk2"/>
               </a:solidFill>
-              <a:latin typeface="Red Hat Text"/>
-              <a:ea typeface="Red Hat Text"/>
-              <a:cs typeface="Red Hat Text"/>
+              <a:latin typeface="Nirmala UI" panose="020B0502040204020203" pitchFamily="34" charset="0"/>
+              <a:ea typeface="Nirmala UI" panose="020B0502040204020203" pitchFamily="34" charset="0"/>
+              <a:cs typeface="Nirmala UI" panose="020B0502040204020203" pitchFamily="34" charset="0"/>
               <a:sym typeface="Red Hat Text"/>
             </a:endParaRPr>
           </a:p>
@@ -8431,9 +8450,9 @@
               <a:solidFill>
                 <a:schemeClr val="dk1"/>
               </a:solidFill>
-              <a:latin typeface="Red Hat Text"/>
-              <a:ea typeface="Red Hat Text"/>
-              <a:cs typeface="Red Hat Text"/>
+              <a:latin typeface="Nirmala UI" panose="020B0502040204020203" pitchFamily="34" charset="0"/>
+              <a:ea typeface="Nirmala UI" panose="020B0502040204020203" pitchFamily="34" charset="0"/>
+              <a:cs typeface="Nirmala UI" panose="020B0502040204020203" pitchFamily="34" charset="0"/>
               <a:sym typeface="Red Hat Text"/>
             </a:endParaRPr>
           </a:p>
@@ -8479,9 +8498,9 @@
               <a:solidFill>
                 <a:schemeClr val="dk1"/>
               </a:solidFill>
-              <a:latin typeface="Red Hat Text"/>
-              <a:ea typeface="Red Hat Text"/>
-              <a:cs typeface="Red Hat Text"/>
+              <a:latin typeface="Nirmala UI" panose="020B0502040204020203" pitchFamily="34" charset="0"/>
+              <a:ea typeface="Nirmala UI" panose="020B0502040204020203" pitchFamily="34" charset="0"/>
+              <a:cs typeface="Nirmala UI" panose="020B0502040204020203" pitchFamily="34" charset="0"/>
               <a:sym typeface="Red Hat Text"/>
             </a:endParaRPr>
           </a:p>
@@ -8527,9 +8546,9 @@
               <a:solidFill>
                 <a:schemeClr val="dk1"/>
               </a:solidFill>
-              <a:latin typeface="Red Hat Text"/>
-              <a:ea typeface="Red Hat Text"/>
-              <a:cs typeface="Red Hat Text"/>
+              <a:latin typeface="Nirmala UI" panose="020B0502040204020203" pitchFamily="34" charset="0"/>
+              <a:ea typeface="Nirmala UI" panose="020B0502040204020203" pitchFamily="34" charset="0"/>
+              <a:cs typeface="Nirmala UI" panose="020B0502040204020203" pitchFamily="34" charset="0"/>
               <a:sym typeface="Red Hat Text"/>
             </a:endParaRPr>
           </a:p>
@@ -8575,9 +8594,9 @@
               <a:solidFill>
                 <a:schemeClr val="dk1"/>
               </a:solidFill>
-              <a:latin typeface="Red Hat Text"/>
-              <a:ea typeface="Red Hat Text"/>
-              <a:cs typeface="Red Hat Text"/>
+              <a:latin typeface="Nirmala UI" panose="020B0502040204020203" pitchFamily="34" charset="0"/>
+              <a:ea typeface="Nirmala UI" panose="020B0502040204020203" pitchFamily="34" charset="0"/>
+              <a:cs typeface="Nirmala UI" panose="020B0502040204020203" pitchFamily="34" charset="0"/>
               <a:sym typeface="Red Hat Text"/>
             </a:endParaRPr>
           </a:p>
@@ -8623,9 +8642,9 @@
               <a:solidFill>
                 <a:schemeClr val="dk1"/>
               </a:solidFill>
-              <a:latin typeface="Red Hat Text"/>
-              <a:ea typeface="Red Hat Text"/>
-              <a:cs typeface="Red Hat Text"/>
+              <a:latin typeface="Nirmala UI" panose="020B0502040204020203" pitchFamily="34" charset="0"/>
+              <a:ea typeface="Nirmala UI" panose="020B0502040204020203" pitchFamily="34" charset="0"/>
+              <a:cs typeface="Nirmala UI" panose="020B0502040204020203" pitchFamily="34" charset="0"/>
               <a:sym typeface="Red Hat Text"/>
             </a:endParaRPr>
           </a:p>
@@ -8671,9 +8690,9 @@
               <a:solidFill>
                 <a:schemeClr val="dk1"/>
               </a:solidFill>
-              <a:latin typeface="Red Hat Text"/>
-              <a:ea typeface="Red Hat Text"/>
-              <a:cs typeface="Red Hat Text"/>
+              <a:latin typeface="Nirmala UI" panose="020B0502040204020203" pitchFamily="34" charset="0"/>
+              <a:ea typeface="Nirmala UI" panose="020B0502040204020203" pitchFamily="34" charset="0"/>
+              <a:cs typeface="Nirmala UI" panose="020B0502040204020203" pitchFamily="34" charset="0"/>
               <a:sym typeface="Red Hat Text"/>
             </a:endParaRPr>
           </a:p>
@@ -8719,9 +8738,9 @@
               <a:solidFill>
                 <a:schemeClr val="dk1"/>
               </a:solidFill>
-              <a:latin typeface="Red Hat Text"/>
-              <a:ea typeface="Red Hat Text"/>
-              <a:cs typeface="Red Hat Text"/>
+              <a:latin typeface="Nirmala UI" panose="020B0502040204020203" pitchFamily="34" charset="0"/>
+              <a:ea typeface="Nirmala UI" panose="020B0502040204020203" pitchFamily="34" charset="0"/>
+              <a:cs typeface="Nirmala UI" panose="020B0502040204020203" pitchFamily="34" charset="0"/>
               <a:sym typeface="Red Hat Text"/>
             </a:endParaRPr>
           </a:p>
@@ -8770,9 +8789,9 @@
               <a:solidFill>
                 <a:schemeClr val="dk1"/>
               </a:solidFill>
-              <a:latin typeface="Red Hat Text"/>
-              <a:ea typeface="Red Hat Text"/>
-              <a:cs typeface="Red Hat Text"/>
+              <a:latin typeface="Nirmala UI" panose="020B0502040204020203" pitchFamily="34" charset="0"/>
+              <a:ea typeface="Nirmala UI" panose="020B0502040204020203" pitchFamily="34" charset="0"/>
+              <a:cs typeface="Nirmala UI" panose="020B0502040204020203" pitchFamily="34" charset="0"/>
               <a:sym typeface="Red Hat Text"/>
             </a:endParaRPr>
           </a:p>
@@ -8818,9 +8837,9 @@
               <a:solidFill>
                 <a:schemeClr val="dk1"/>
               </a:solidFill>
-              <a:latin typeface="Red Hat Text"/>
-              <a:ea typeface="Red Hat Text"/>
-              <a:cs typeface="Red Hat Text"/>
+              <a:latin typeface="Nirmala UI" panose="020B0502040204020203" pitchFamily="34" charset="0"/>
+              <a:ea typeface="Nirmala UI" panose="020B0502040204020203" pitchFamily="34" charset="0"/>
+              <a:cs typeface="Nirmala UI" panose="020B0502040204020203" pitchFamily="34" charset="0"/>
               <a:sym typeface="Red Hat Text"/>
             </a:endParaRPr>
           </a:p>
@@ -8866,9 +8885,9 @@
               <a:solidFill>
                 <a:schemeClr val="dk1"/>
               </a:solidFill>
-              <a:latin typeface="Red Hat Text"/>
-              <a:ea typeface="Red Hat Text"/>
-              <a:cs typeface="Red Hat Text"/>
+              <a:latin typeface="Nirmala UI" panose="020B0502040204020203" pitchFamily="34" charset="0"/>
+              <a:ea typeface="Nirmala UI" panose="020B0502040204020203" pitchFamily="34" charset="0"/>
+              <a:cs typeface="Nirmala UI" panose="020B0502040204020203" pitchFamily="34" charset="0"/>
               <a:sym typeface="Red Hat Text"/>
             </a:endParaRPr>
           </a:p>
@@ -8914,9 +8933,9 @@
               <a:solidFill>
                 <a:schemeClr val="dk1"/>
               </a:solidFill>
-              <a:latin typeface="Red Hat Text"/>
-              <a:ea typeface="Red Hat Text"/>
-              <a:cs typeface="Red Hat Text"/>
+              <a:latin typeface="Nirmala UI" panose="020B0502040204020203" pitchFamily="34" charset="0"/>
+              <a:ea typeface="Nirmala UI" panose="020B0502040204020203" pitchFamily="34" charset="0"/>
+              <a:cs typeface="Nirmala UI" panose="020B0502040204020203" pitchFamily="34" charset="0"/>
               <a:sym typeface="Red Hat Text"/>
             </a:endParaRPr>
           </a:p>
@@ -8962,9 +8981,9 @@
               <a:solidFill>
                 <a:schemeClr val="dk1"/>
               </a:solidFill>
-              <a:latin typeface="Red Hat Text"/>
-              <a:ea typeface="Red Hat Text"/>
-              <a:cs typeface="Red Hat Text"/>
+              <a:latin typeface="Nirmala UI" panose="020B0502040204020203" pitchFamily="34" charset="0"/>
+              <a:ea typeface="Nirmala UI" panose="020B0502040204020203" pitchFamily="34" charset="0"/>
+              <a:cs typeface="Nirmala UI" panose="020B0502040204020203" pitchFamily="34" charset="0"/>
               <a:sym typeface="Red Hat Text"/>
             </a:endParaRPr>
           </a:p>
@@ -9013,9 +9032,9 @@
               <a:solidFill>
                 <a:schemeClr val="dk1"/>
               </a:solidFill>
-              <a:latin typeface="Red Hat Text"/>
-              <a:ea typeface="Red Hat Text"/>
-              <a:cs typeface="Red Hat Text"/>
+              <a:latin typeface="Nirmala UI" panose="020B0502040204020203" pitchFamily="34" charset="0"/>
+              <a:ea typeface="Nirmala UI" panose="020B0502040204020203" pitchFamily="34" charset="0"/>
+              <a:cs typeface="Nirmala UI" panose="020B0502040204020203" pitchFamily="34" charset="0"/>
               <a:sym typeface="Red Hat Text"/>
             </a:endParaRPr>
           </a:p>
@@ -9052,9 +9071,9 @@
                 <a:solidFill>
                   <a:schemeClr val="dk2"/>
                 </a:solidFill>
-                <a:latin typeface="Red Hat Text"/>
-                <a:ea typeface="Red Hat Text"/>
-                <a:cs typeface="Red Hat Text"/>
+                <a:latin typeface="Nirmala UI" panose="020B0502040204020203" pitchFamily="34" charset="0"/>
+                <a:ea typeface="Nirmala UI" panose="020B0502040204020203" pitchFamily="34" charset="0"/>
+                <a:cs typeface="Nirmala UI" panose="020B0502040204020203" pitchFamily="34" charset="0"/>
                 <a:sym typeface="Red Hat Text"/>
               </a:rPr>
               <a:t>Trees</a:t>
@@ -9063,9 +9082,9 @@
               <a:solidFill>
                 <a:schemeClr val="dk2"/>
               </a:solidFill>
-              <a:latin typeface="Red Hat Text"/>
-              <a:ea typeface="Red Hat Text"/>
-              <a:cs typeface="Red Hat Text"/>
+              <a:latin typeface="Nirmala UI" panose="020B0502040204020203" pitchFamily="34" charset="0"/>
+              <a:ea typeface="Nirmala UI" panose="020B0502040204020203" pitchFamily="34" charset="0"/>
+              <a:cs typeface="Nirmala UI" panose="020B0502040204020203" pitchFamily="34" charset="0"/>
               <a:sym typeface="Red Hat Text"/>
             </a:endParaRPr>
           </a:p>
@@ -9102,9 +9121,9 @@
                 <a:solidFill>
                   <a:schemeClr val="dk2"/>
                 </a:solidFill>
-                <a:latin typeface="Red Hat Text"/>
-                <a:ea typeface="Red Hat Text"/>
-                <a:cs typeface="Red Hat Text"/>
+                <a:latin typeface="Nirmala UI" panose="020B0502040204020203" pitchFamily="34" charset="0"/>
+                <a:ea typeface="Nirmala UI" panose="020B0502040204020203" pitchFamily="34" charset="0"/>
+                <a:cs typeface="Nirmala UI" panose="020B0502040204020203" pitchFamily="34" charset="0"/>
                 <a:sym typeface="Red Hat Text"/>
               </a:rPr>
               <a:t>Binary</a:t>
@@ -9117,9 +9136,9 @@
                 <a:solidFill>
                   <a:schemeClr val="dk2"/>
                 </a:solidFill>
-                <a:latin typeface="Red Hat Text"/>
-                <a:ea typeface="Red Hat Text"/>
-                <a:cs typeface="Red Hat Text"/>
+                <a:latin typeface="Nirmala UI" panose="020B0502040204020203" pitchFamily="34" charset="0"/>
+                <a:ea typeface="Nirmala UI" panose="020B0502040204020203" pitchFamily="34" charset="0"/>
+                <a:cs typeface="Nirmala UI" panose="020B0502040204020203" pitchFamily="34" charset="0"/>
                 <a:sym typeface="Red Hat Text"/>
               </a:rPr>
               <a:t>search </a:t>
@@ -9129,9 +9148,9 @@
                 <a:solidFill>
                   <a:schemeClr val="dk2"/>
                 </a:solidFill>
-                <a:latin typeface="Red Hat Text"/>
-                <a:ea typeface="Red Hat Text"/>
-                <a:cs typeface="Red Hat Text"/>
+                <a:latin typeface="Nirmala UI" panose="020B0502040204020203" pitchFamily="34" charset="0"/>
+                <a:ea typeface="Nirmala UI" panose="020B0502040204020203" pitchFamily="34" charset="0"/>
+                <a:cs typeface="Nirmala UI" panose="020B0502040204020203" pitchFamily="34" charset="0"/>
                 <a:sym typeface="Red Hat Text"/>
               </a:rPr>
               <a:t>tree</a:t>
@@ -9140,9 +9159,9 @@
               <a:solidFill>
                 <a:schemeClr val="dk2"/>
               </a:solidFill>
-              <a:latin typeface="Red Hat Text"/>
-              <a:ea typeface="Red Hat Text"/>
-              <a:cs typeface="Red Hat Text"/>
+              <a:latin typeface="Nirmala UI" panose="020B0502040204020203" pitchFamily="34" charset="0"/>
+              <a:ea typeface="Nirmala UI" panose="020B0502040204020203" pitchFamily="34" charset="0"/>
+              <a:cs typeface="Nirmala UI" panose="020B0502040204020203" pitchFamily="34" charset="0"/>
               <a:sym typeface="Red Hat Text"/>
             </a:endParaRPr>
           </a:p>
@@ -9260,9 +9279,9 @@
                   <a:solidFill>
                     <a:schemeClr val="dk1"/>
                   </a:solidFill>
-                  <a:latin typeface="Calibri"/>
-                  <a:ea typeface="Calibri"/>
-                  <a:cs typeface="Calibri"/>
+                  <a:latin typeface="Nirmala UI" panose="020B0502040204020203" pitchFamily="34" charset="0"/>
+                  <a:ea typeface="Nirmala UI" panose="020B0502040204020203" pitchFamily="34" charset="0"/>
+                  <a:cs typeface="Nirmala UI" panose="020B0502040204020203" pitchFamily="34" charset="0"/>
                   <a:sym typeface="Calibri"/>
                 </a:endParaRPr>
               </a:p>
@@ -9340,9 +9359,9 @@
                   <a:solidFill>
                     <a:schemeClr val="dk1"/>
                   </a:solidFill>
-                  <a:latin typeface="Calibri"/>
-                  <a:ea typeface="Calibri"/>
-                  <a:cs typeface="Calibri"/>
+                  <a:latin typeface="Nirmala UI" panose="020B0502040204020203" pitchFamily="34" charset="0"/>
+                  <a:ea typeface="Nirmala UI" panose="020B0502040204020203" pitchFamily="34" charset="0"/>
+                  <a:cs typeface="Nirmala UI" panose="020B0502040204020203" pitchFamily="34" charset="0"/>
                   <a:sym typeface="Calibri"/>
                 </a:endParaRPr>
               </a:p>
@@ -9420,9 +9439,9 @@
                   <a:solidFill>
                     <a:schemeClr val="dk1"/>
                   </a:solidFill>
-                  <a:latin typeface="Calibri"/>
-                  <a:ea typeface="Calibri"/>
-                  <a:cs typeface="Calibri"/>
+                  <a:latin typeface="Nirmala UI" panose="020B0502040204020203" pitchFamily="34" charset="0"/>
+                  <a:ea typeface="Nirmala UI" panose="020B0502040204020203" pitchFamily="34" charset="0"/>
+                  <a:cs typeface="Nirmala UI" panose="020B0502040204020203" pitchFamily="34" charset="0"/>
                   <a:sym typeface="Calibri"/>
                 </a:endParaRPr>
               </a:p>
@@ -9527,9 +9546,9 @@
                   <a:solidFill>
                     <a:schemeClr val="dk1"/>
                   </a:solidFill>
-                  <a:latin typeface="Calibri"/>
-                  <a:ea typeface="Calibri"/>
-                  <a:cs typeface="Calibri"/>
+                  <a:latin typeface="Nirmala UI" panose="020B0502040204020203" pitchFamily="34" charset="0"/>
+                  <a:ea typeface="Nirmala UI" panose="020B0502040204020203" pitchFamily="34" charset="0"/>
+                  <a:cs typeface="Nirmala UI" panose="020B0502040204020203" pitchFamily="34" charset="0"/>
                   <a:sym typeface="Calibri"/>
                 </a:endParaRPr>
               </a:p>
@@ -9607,9 +9626,9 @@
                   <a:solidFill>
                     <a:schemeClr val="dk1"/>
                   </a:solidFill>
-                  <a:latin typeface="Calibri"/>
-                  <a:ea typeface="Calibri"/>
-                  <a:cs typeface="Calibri"/>
+                  <a:latin typeface="Nirmala UI" panose="020B0502040204020203" pitchFamily="34" charset="0"/>
+                  <a:ea typeface="Nirmala UI" panose="020B0502040204020203" pitchFamily="34" charset="0"/>
+                  <a:cs typeface="Nirmala UI" panose="020B0502040204020203" pitchFamily="34" charset="0"/>
                   <a:sym typeface="Calibri"/>
                 </a:endParaRPr>
               </a:p>
@@ -9687,9 +9706,9 @@
                   <a:solidFill>
                     <a:schemeClr val="dk1"/>
                   </a:solidFill>
-                  <a:latin typeface="Calibri"/>
-                  <a:ea typeface="Calibri"/>
-                  <a:cs typeface="Calibri"/>
+                  <a:latin typeface="Nirmala UI" panose="020B0502040204020203" pitchFamily="34" charset="0"/>
+                  <a:ea typeface="Nirmala UI" panose="020B0502040204020203" pitchFamily="34" charset="0"/>
+                  <a:cs typeface="Nirmala UI" panose="020B0502040204020203" pitchFamily="34" charset="0"/>
                   <a:sym typeface="Calibri"/>
                 </a:endParaRPr>
               </a:p>
@@ -9794,9 +9813,9 @@
                   <a:solidFill>
                     <a:schemeClr val="dk1"/>
                   </a:solidFill>
-                  <a:latin typeface="Calibri"/>
-                  <a:ea typeface="Calibri"/>
-                  <a:cs typeface="Calibri"/>
+                  <a:latin typeface="Nirmala UI" panose="020B0502040204020203" pitchFamily="34" charset="0"/>
+                  <a:ea typeface="Nirmala UI" panose="020B0502040204020203" pitchFamily="34" charset="0"/>
+                  <a:cs typeface="Nirmala UI" panose="020B0502040204020203" pitchFamily="34" charset="0"/>
                   <a:sym typeface="Calibri"/>
                 </a:endParaRPr>
               </a:p>
@@ -9874,9 +9893,9 @@
                   <a:solidFill>
                     <a:schemeClr val="dk1"/>
                   </a:solidFill>
-                  <a:latin typeface="Calibri"/>
-                  <a:ea typeface="Calibri"/>
-                  <a:cs typeface="Calibri"/>
+                  <a:latin typeface="Nirmala UI" panose="020B0502040204020203" pitchFamily="34" charset="0"/>
+                  <a:ea typeface="Nirmala UI" panose="020B0502040204020203" pitchFamily="34" charset="0"/>
+                  <a:cs typeface="Nirmala UI" panose="020B0502040204020203" pitchFamily="34" charset="0"/>
                   <a:sym typeface="Calibri"/>
                 </a:endParaRPr>
               </a:p>
@@ -9954,9 +9973,9 @@
                   <a:solidFill>
                     <a:schemeClr val="dk1"/>
                   </a:solidFill>
-                  <a:latin typeface="Calibri"/>
-                  <a:ea typeface="Calibri"/>
-                  <a:cs typeface="Calibri"/>
+                  <a:latin typeface="Nirmala UI" panose="020B0502040204020203" pitchFamily="34" charset="0"/>
+                  <a:ea typeface="Nirmala UI" panose="020B0502040204020203" pitchFamily="34" charset="0"/>
+                  <a:cs typeface="Nirmala UI" panose="020B0502040204020203" pitchFamily="34" charset="0"/>
                   <a:sym typeface="Calibri"/>
                 </a:endParaRPr>
               </a:p>
@@ -10061,9 +10080,9 @@
                   <a:solidFill>
                     <a:schemeClr val="dk1"/>
                   </a:solidFill>
-                  <a:latin typeface="Calibri"/>
-                  <a:ea typeface="Calibri"/>
-                  <a:cs typeface="Calibri"/>
+                  <a:latin typeface="Nirmala UI" panose="020B0502040204020203" pitchFamily="34" charset="0"/>
+                  <a:ea typeface="Nirmala UI" panose="020B0502040204020203" pitchFamily="34" charset="0"/>
+                  <a:cs typeface="Nirmala UI" panose="020B0502040204020203" pitchFamily="34" charset="0"/>
                   <a:sym typeface="Calibri"/>
                 </a:endParaRPr>
               </a:p>
@@ -10141,9 +10160,9 @@
                   <a:solidFill>
                     <a:schemeClr val="dk1"/>
                   </a:solidFill>
-                  <a:latin typeface="Calibri"/>
-                  <a:ea typeface="Calibri"/>
-                  <a:cs typeface="Calibri"/>
+                  <a:latin typeface="Nirmala UI" panose="020B0502040204020203" pitchFamily="34" charset="0"/>
+                  <a:ea typeface="Nirmala UI" panose="020B0502040204020203" pitchFamily="34" charset="0"/>
+                  <a:cs typeface="Nirmala UI" panose="020B0502040204020203" pitchFamily="34" charset="0"/>
                   <a:sym typeface="Calibri"/>
                 </a:endParaRPr>
               </a:p>
@@ -10221,9 +10240,9 @@
                   <a:solidFill>
                     <a:schemeClr val="dk1"/>
                   </a:solidFill>
-                  <a:latin typeface="Calibri"/>
-                  <a:ea typeface="Calibri"/>
-                  <a:cs typeface="Calibri"/>
+                  <a:latin typeface="Nirmala UI" panose="020B0502040204020203" pitchFamily="34" charset="0"/>
+                  <a:ea typeface="Nirmala UI" panose="020B0502040204020203" pitchFamily="34" charset="0"/>
+                  <a:cs typeface="Nirmala UI" panose="020B0502040204020203" pitchFamily="34" charset="0"/>
                   <a:sym typeface="Calibri"/>
                 </a:endParaRPr>
               </a:p>
@@ -10278,16 +10297,27 @@
             <p:ph type="title"/>
           </p:nvPr>
         </p:nvSpPr>
-        <p:spPr/>
+        <p:spPr>
+          <a:xfrm>
+            <a:off x="5340" y="0"/>
+            <a:ext cx="9610000" cy="844400"/>
+          </a:xfrm>
+        </p:spPr>
         <p:txBody>
           <a:bodyPr/>
           <a:lstStyle/>
           <a:p>
             <a:r>
-              <a:rPr lang="en-US" b="1" dirty="0" smtClean="0"/>
+              <a:rPr lang="en-US" b="1" dirty="0" smtClean="0">
+                <a:latin typeface="Segoe UI" panose="020B0502040204020203" pitchFamily="34" charset="0"/>
+                <a:cs typeface="Segoe UI" panose="020B0502040204020203" pitchFamily="34" charset="0"/>
+              </a:rPr>
               <a:t>Quick sort</a:t>
             </a:r>
-            <a:endParaRPr lang="en-US" dirty="0"/>
+            <a:endParaRPr lang="en-US" dirty="0">
+              <a:latin typeface="Segoe UI" panose="020B0502040204020203" pitchFamily="34" charset="0"/>
+              <a:cs typeface="Segoe UI" panose="020B0502040204020203" pitchFamily="34" charset="0"/>
+            </a:endParaRPr>
           </a:p>
         </p:txBody>
       </p:sp>
@@ -10313,105 +10343,183 @@
           <a:lstStyle/>
           <a:p>
             <a:r>
-              <a:rPr lang="en-US" dirty="0"/>
+              <a:rPr lang="en-US" dirty="0">
+                <a:latin typeface="Segoe UI" panose="020B0502040204020203" pitchFamily="34" charset="0"/>
+                <a:cs typeface="Segoe UI" panose="020B0502040204020203" pitchFamily="34" charset="0"/>
+              </a:rPr>
               <a:t>the C standard library includes a function called </a:t>
             </a:r>
             <a:r>
-              <a:rPr lang="en-US" dirty="0" err="1" smtClean="0"/>
+              <a:rPr lang="en-US" dirty="0" err="1" smtClean="0">
+                <a:latin typeface="Segoe UI" panose="020B0502040204020203" pitchFamily="34" charset="0"/>
+                <a:cs typeface="Segoe UI" panose="020B0502040204020203" pitchFamily="34" charset="0"/>
+              </a:rPr>
               <a:t>qsort</a:t>
             </a:r>
             <a:r>
-              <a:rPr lang="en-US" dirty="0" smtClean="0"/>
+              <a:rPr lang="en-US" dirty="0" smtClean="0">
+                <a:latin typeface="Segoe UI" panose="020B0502040204020203" pitchFamily="34" charset="0"/>
+                <a:cs typeface="Segoe UI" panose="020B0502040204020203" pitchFamily="34" charset="0"/>
+              </a:rPr>
               <a:t>() </a:t>
             </a:r>
             <a:r>
-              <a:rPr lang="en-US" dirty="0"/>
+              <a:rPr lang="en-US" dirty="0">
+                <a:latin typeface="Segoe UI" panose="020B0502040204020203" pitchFamily="34" charset="0"/>
+                <a:cs typeface="Segoe UI" panose="020B0502040204020203" pitchFamily="34" charset="0"/>
+              </a:rPr>
               <a:t>that implements quicksort. </a:t>
             </a:r>
             <a:r>
-              <a:rPr lang="en-US" dirty="0" smtClean="0"/>
+              <a:rPr lang="en-US" dirty="0" smtClean="0">
+                <a:latin typeface="Segoe UI" panose="020B0502040204020203" pitchFamily="34" charset="0"/>
+                <a:cs typeface="Segoe UI" panose="020B0502040204020203" pitchFamily="34" charset="0"/>
+              </a:rPr>
               <a:t>Quick sorting </a:t>
             </a:r>
             <a:r>
-              <a:rPr lang="en-US" dirty="0"/>
+              <a:rPr lang="en-US" dirty="0">
+                <a:latin typeface="Segoe UI" panose="020B0502040204020203" pitchFamily="34" charset="0"/>
+                <a:cs typeface="Segoe UI" panose="020B0502040204020203" pitchFamily="34" charset="0"/>
+              </a:rPr>
               <a:t>is also strategy based </a:t>
             </a:r>
             <a:r>
-              <a:rPr lang="en-US" dirty="0" smtClean="0"/>
+              <a:rPr lang="en-US" dirty="0" smtClean="0">
+                <a:latin typeface="Segoe UI" panose="020B0502040204020203" pitchFamily="34" charset="0"/>
+                <a:cs typeface="Segoe UI" panose="020B0502040204020203" pitchFamily="34" charset="0"/>
+              </a:rPr>
               <a:t> </a:t>
             </a:r>
             <a:r>
-              <a:rPr lang="en-US" dirty="0"/>
+              <a:rPr lang="en-US" dirty="0">
+                <a:latin typeface="Segoe UI" panose="020B0502040204020203" pitchFamily="34" charset="0"/>
+                <a:cs typeface="Segoe UI" panose="020B0502040204020203" pitchFamily="34" charset="0"/>
+              </a:rPr>
               <a:t>Divide-and-conquer</a:t>
             </a:r>
             <a:r>
-              <a:rPr lang="en-US" dirty="0" smtClean="0"/>
+              <a:rPr lang="en-US" dirty="0" smtClean="0">
+                <a:latin typeface="Segoe UI" panose="020B0502040204020203" pitchFamily="34" charset="0"/>
+                <a:cs typeface="Segoe UI" panose="020B0502040204020203" pitchFamily="34" charset="0"/>
+              </a:rPr>
               <a:t>.</a:t>
             </a:r>
-            <a:endParaRPr lang="ru-RU" dirty="0" smtClean="0"/>
-          </a:p>
-          <a:p>
-            <a:endParaRPr lang="ru-RU" dirty="0"/>
-          </a:p>
-          <a:p>
-            <a:r>
-              <a:rPr lang="en-US" dirty="0"/>
+            <a:endParaRPr lang="ru-RU" dirty="0" smtClean="0">
+              <a:latin typeface="Segoe UI" panose="020B0502040204020203" pitchFamily="34" charset="0"/>
+              <a:cs typeface="Segoe UI" panose="020B0502040204020203" pitchFamily="34" charset="0"/>
+            </a:endParaRPr>
+          </a:p>
+          <a:p>
+            <a:endParaRPr lang="ru-RU" dirty="0">
+              <a:latin typeface="Segoe UI" panose="020B0502040204020203" pitchFamily="34" charset="0"/>
+              <a:cs typeface="Segoe UI" panose="020B0502040204020203" pitchFamily="34" charset="0"/>
+            </a:endParaRPr>
+          </a:p>
+          <a:p>
+            <a:r>
+              <a:rPr lang="en-US" dirty="0">
+                <a:latin typeface="Segoe UI" panose="020B0502040204020203" pitchFamily="34" charset="0"/>
+                <a:cs typeface="Segoe UI" panose="020B0502040204020203" pitchFamily="34" charset="0"/>
+              </a:rPr>
               <a:t>E</a:t>
             </a:r>
             <a:r>
-              <a:rPr lang="en-US" dirty="0" smtClean="0"/>
+              <a:rPr lang="en-US" dirty="0" smtClean="0">
+                <a:latin typeface="Segoe UI" panose="020B0502040204020203" pitchFamily="34" charset="0"/>
+                <a:cs typeface="Segoe UI" panose="020B0502040204020203" pitchFamily="34" charset="0"/>
+              </a:rPr>
               <a:t>mpty </a:t>
             </a:r>
             <a:r>
-              <a:rPr lang="en-US" dirty="0"/>
+              <a:rPr lang="en-US" dirty="0">
+                <a:latin typeface="Segoe UI" panose="020B0502040204020203" pitchFamily="34" charset="0"/>
+                <a:cs typeface="Segoe UI" panose="020B0502040204020203" pitchFamily="34" charset="0"/>
+              </a:rPr>
               <a:t>arrays and arrays containing only one element will become the base case. Such arrays can simply be returned in their original form -you don't need to sort </a:t>
             </a:r>
             <a:r>
-              <a:rPr lang="en-US" dirty="0" smtClean="0"/>
+              <a:rPr lang="en-US" dirty="0" smtClean="0">
+                <a:latin typeface="Segoe UI" panose="020B0502040204020203" pitchFamily="34" charset="0"/>
+                <a:cs typeface="Segoe UI" panose="020B0502040204020203" pitchFamily="34" charset="0"/>
+              </a:rPr>
               <a:t>anything, Array </a:t>
             </a:r>
             <a:r>
-              <a:rPr lang="en-US" dirty="0"/>
+              <a:rPr lang="en-US" dirty="0">
+                <a:latin typeface="Segoe UI" panose="020B0502040204020203" pitchFamily="34" charset="0"/>
+                <a:cs typeface="Segoe UI" panose="020B0502040204020203" pitchFamily="34" charset="0"/>
+              </a:rPr>
               <a:t>of two </a:t>
             </a:r>
             <a:r>
-              <a:rPr lang="en-US" dirty="0" smtClean="0"/>
+              <a:rPr lang="en-US" dirty="0" smtClean="0">
+                <a:latin typeface="Segoe UI" panose="020B0502040204020203" pitchFamily="34" charset="0"/>
+                <a:cs typeface="Segoe UI" panose="020B0502040204020203" pitchFamily="34" charset="0"/>
+              </a:rPr>
               <a:t>elements is </a:t>
             </a:r>
             <a:r>
-              <a:rPr lang="en-US" dirty="0"/>
+              <a:rPr lang="en-US" dirty="0">
+                <a:latin typeface="Segoe UI" panose="020B0502040204020203" pitchFamily="34" charset="0"/>
+                <a:cs typeface="Segoe UI" panose="020B0502040204020203" pitchFamily="34" charset="0"/>
+              </a:rPr>
               <a:t>also sorted without too much trouble comparing both </a:t>
             </a:r>
             <a:r>
-              <a:rPr lang="en-US" dirty="0" smtClean="0"/>
+              <a:rPr lang="en-US" dirty="0" smtClean="0">
+                <a:latin typeface="Segoe UI" panose="020B0502040204020203" pitchFamily="34" charset="0"/>
+                <a:cs typeface="Segoe UI" panose="020B0502040204020203" pitchFamily="34" charset="0"/>
+              </a:rPr>
               <a:t>elements . What </a:t>
             </a:r>
             <a:r>
-              <a:rPr lang="en-US" dirty="0"/>
+              <a:rPr lang="en-US" dirty="0">
+                <a:latin typeface="Segoe UI" panose="020B0502040204020203" pitchFamily="34" charset="0"/>
+                <a:cs typeface="Segoe UI" panose="020B0502040204020203" pitchFamily="34" charset="0"/>
+              </a:rPr>
               <a:t>about 3 elements? since we are using divide and conquer method, Hence the array must be split until we arrive at the </a:t>
             </a:r>
             <a:r>
-              <a:rPr lang="en-US" dirty="0" smtClean="0"/>
+              <a:rPr lang="en-US" dirty="0" smtClean="0">
+                <a:latin typeface="Segoe UI" panose="020B0502040204020203" pitchFamily="34" charset="0"/>
+                <a:cs typeface="Segoe UI" panose="020B0502040204020203" pitchFamily="34" charset="0"/>
+              </a:rPr>
               <a:t>base occasion</a:t>
             </a:r>
             <a:r>
-              <a:rPr lang="en-US" dirty="0"/>
+              <a:rPr lang="en-US" dirty="0">
+                <a:latin typeface="Segoe UI" panose="020B0502040204020203" pitchFamily="34" charset="0"/>
+                <a:cs typeface="Segoe UI" panose="020B0502040204020203" pitchFamily="34" charset="0"/>
+              </a:rPr>
               <a:t>. The quick sort algorithm works like this: first, an element in the array is selected, which is called the pivot element</a:t>
             </a:r>
             <a:r>
-              <a:rPr lang="en-US" dirty="0" smtClean="0"/>
+              <a:rPr lang="en-US" dirty="0" smtClean="0">
+                <a:latin typeface="Segoe UI" panose="020B0502040204020203" pitchFamily="34" charset="0"/>
+                <a:cs typeface="Segoe UI" panose="020B0502040204020203" pitchFamily="34" charset="0"/>
+              </a:rPr>
               <a:t>. </a:t>
             </a:r>
             <a:r>
-              <a:rPr lang="en-US" dirty="0"/>
+              <a:rPr lang="en-US" dirty="0">
+                <a:latin typeface="Segoe UI" panose="020B0502040204020203" pitchFamily="34" charset="0"/>
+                <a:cs typeface="Segoe UI" panose="020B0502040204020203" pitchFamily="34" charset="0"/>
+              </a:rPr>
               <a:t>And </a:t>
             </a:r>
             <a:r>
-              <a:rPr lang="en-US" dirty="0" smtClean="0"/>
+              <a:rPr lang="en-US" dirty="0" smtClean="0">
+                <a:latin typeface="Segoe UI" panose="020B0502040204020203" pitchFamily="34" charset="0"/>
+                <a:cs typeface="Segoe UI" panose="020B0502040204020203" pitchFamily="34" charset="0"/>
+              </a:rPr>
               <a:t>continues </a:t>
             </a:r>
             <a:r>
-              <a:rPr lang="en-US" dirty="0"/>
+              <a:rPr lang="en-US" dirty="0">
+                <a:latin typeface="Segoe UI" panose="020B0502040204020203" pitchFamily="34" charset="0"/>
+                <a:cs typeface="Segoe UI" panose="020B0502040204020203" pitchFamily="34" charset="0"/>
+              </a:rPr>
               <a:t>until there is one element left</a:t>
             </a:r>
           </a:p>
@@ -10464,28 +10572,43 @@
           <a:lstStyle/>
           <a:p>
             <a:r>
-              <a:rPr lang="en-US" sz="1000" dirty="0" smtClean="0"/>
+              <a:rPr lang="en-US" sz="1000" dirty="0" smtClean="0">
+                <a:latin typeface="Segoe UI" panose="020B0502040204020203" pitchFamily="34" charset="0"/>
+                <a:cs typeface="Segoe UI" panose="020B0502040204020203" pitchFamily="34" charset="0"/>
+              </a:rPr>
               <a:t>10,15,7,30,25</a:t>
             </a:r>
           </a:p>
           <a:p>
             <a:r>
-              <a:rPr lang="en-US" sz="1000" dirty="0" smtClean="0"/>
+              <a:rPr lang="en-US" sz="1000" dirty="0" smtClean="0">
+                <a:latin typeface="Segoe UI" panose="020B0502040204020203" pitchFamily="34" charset="0"/>
+                <a:cs typeface="Segoe UI" panose="020B0502040204020203" pitchFamily="34" charset="0"/>
+              </a:rPr>
               <a:t>7,[10],15,30,25</a:t>
             </a:r>
           </a:p>
           <a:p>
             <a:r>
-              <a:rPr lang="en-US" sz="1000" dirty="0" smtClean="0"/>
+              <a:rPr lang="en-US" sz="1000" dirty="0" smtClean="0">
+                <a:latin typeface="Segoe UI" panose="020B0502040204020203" pitchFamily="34" charset="0"/>
+                <a:cs typeface="Segoe UI" panose="020B0502040204020203" pitchFamily="34" charset="0"/>
+              </a:rPr>
               <a:t>7,10,[15]30,25</a:t>
             </a:r>
           </a:p>
           <a:p>
             <a:r>
-              <a:rPr lang="en-US" sz="1000" dirty="0" smtClean="0"/>
+              <a:rPr lang="en-US" sz="1000" dirty="0" smtClean="0">
+                <a:latin typeface="Segoe UI" panose="020B0502040204020203" pitchFamily="34" charset="0"/>
+                <a:cs typeface="Segoe UI" panose="020B0502040204020203" pitchFamily="34" charset="0"/>
+              </a:rPr>
               <a:t>7,</a:t>
             </a:r>
-            <a:endParaRPr lang="en-US" sz="1000" dirty="0"/>
+            <a:endParaRPr lang="en-US" sz="1000" dirty="0">
+              <a:latin typeface="Segoe UI" panose="020B0502040204020203" pitchFamily="34" charset="0"/>
+              <a:cs typeface="Segoe UI" panose="020B0502040204020203" pitchFamily="34" charset="0"/>
+            </a:endParaRPr>
           </a:p>
         </p:txBody>
       </p:sp>
@@ -10552,10 +10675,16 @@
           <a:lstStyle/>
           <a:p>
             <a:r>
-              <a:rPr lang="en" dirty="0" smtClean="0"/>
+              <a:rPr lang="en" dirty="0" smtClean="0">
+                <a:latin typeface="Segoe UI" panose="020B0502040204020203" pitchFamily="34" charset="0"/>
+                <a:cs typeface="Segoe UI" panose="020B0502040204020203" pitchFamily="34" charset="0"/>
+              </a:rPr>
               <a:t>Most popular sort algorithms Big O</a:t>
             </a:r>
-            <a:endParaRPr dirty="0"/>
+            <a:endParaRPr dirty="0">
+              <a:latin typeface="Segoe UI" panose="020B0502040204020203" pitchFamily="34" charset="0"/>
+              <a:cs typeface="Segoe UI" panose="020B0502040204020203" pitchFamily="34" charset="0"/>
+            </a:endParaRPr>
           </a:p>
         </p:txBody>
       </p:sp>
@@ -10566,7 +10695,7 @@
           <p:nvPr>
             <p:extLst>
               <p:ext uri="{D42A27DB-BD31-4B8C-83A1-F6EECF244321}">
-                <p14:modId xmlns:p14="http://schemas.microsoft.com/office/powerpoint/2010/main" val="4270959456"/>
+                <p14:modId xmlns:p14="http://schemas.microsoft.com/office/powerpoint/2010/main" val="3450857828"/>
               </p:ext>
             </p:extLst>
           </p:nvPr>
@@ -12448,11 +12577,17 @@
           <a:lstStyle/>
           <a:p>
             <a:fld id="{00000000-1234-1234-1234-123412341234}" type="slidenum">
-              <a:rPr lang="en"/>
+              <a:rPr lang="en">
+                <a:latin typeface="Segoe UI" panose="020B0502040204020203" pitchFamily="34" charset="0"/>
+                <a:cs typeface="Segoe UI" panose="020B0502040204020203" pitchFamily="34" charset="0"/>
+              </a:rPr>
               <a:pPr/>
               <a:t>11</a:t>
             </a:fld>
-            <a:endParaRPr/>
+            <a:endParaRPr>
+              <a:latin typeface="Segoe UI" panose="020B0502040204020203" pitchFamily="34" charset="0"/>
+              <a:cs typeface="Segoe UI" panose="020B0502040204020203" pitchFamily="34" charset="0"/>
+            </a:endParaRPr>
           </a:p>
         </p:txBody>
       </p:sp>
@@ -13085,7 +13220,10 @@
                 </a:spcAft>
                 <a:buNone/>
               </a:pPr>
-              <a:endParaRPr/>
+              <a:endParaRPr>
+                <a:latin typeface="Segoe UI" panose="020B0502040204020203" pitchFamily="34" charset="0"/>
+                <a:cs typeface="Segoe UI" panose="020B0502040204020203" pitchFamily="34" charset="0"/>
+              </a:endParaRPr>
             </a:p>
           </p:txBody>
         </p:sp>
@@ -13234,7 +13372,10 @@
                 </a:spcAft>
                 <a:buNone/>
               </a:pPr>
-              <a:endParaRPr/>
+              <a:endParaRPr>
+                <a:latin typeface="Segoe UI" panose="020B0502040204020203" pitchFamily="34" charset="0"/>
+                <a:cs typeface="Segoe UI" panose="020B0502040204020203" pitchFamily="34" charset="0"/>
+              </a:endParaRPr>
             </a:p>
           </p:txBody>
         </p:sp>
@@ -13389,7 +13530,10 @@
                 </a:spcAft>
                 <a:buNone/>
               </a:pPr>
-              <a:endParaRPr/>
+              <a:endParaRPr>
+                <a:latin typeface="Segoe UI" panose="020B0502040204020203" pitchFamily="34" charset="0"/>
+                <a:cs typeface="Segoe UI" panose="020B0502040204020203" pitchFamily="34" charset="0"/>
+              </a:endParaRPr>
             </a:p>
           </p:txBody>
         </p:sp>
@@ -13544,7 +13688,10 @@
                 </a:spcAft>
                 <a:buNone/>
               </a:pPr>
-              <a:endParaRPr/>
+              <a:endParaRPr>
+                <a:latin typeface="Segoe UI" panose="020B0502040204020203" pitchFamily="34" charset="0"/>
+                <a:cs typeface="Segoe UI" panose="020B0502040204020203" pitchFamily="34" charset="0"/>
+              </a:endParaRPr>
             </a:p>
           </p:txBody>
         </p:sp>
@@ -13602,10 +13749,16 @@
           <a:lstStyle/>
           <a:p>
             <a:r>
-              <a:rPr lang="en-US" b="1" dirty="0" smtClean="0"/>
+              <a:rPr lang="en-US" b="1" dirty="0" smtClean="0">
+                <a:latin typeface="Segoe UI" panose="020B0502040204020203" pitchFamily="34" charset="0"/>
+                <a:cs typeface="Segoe UI" panose="020B0502040204020203" pitchFamily="34" charset="0"/>
+              </a:rPr>
               <a:t>Data structures</a:t>
             </a:r>
-            <a:endParaRPr lang="en-US" dirty="0"/>
+            <a:endParaRPr lang="en-US" dirty="0">
+              <a:latin typeface="Segoe UI" panose="020B0502040204020203" pitchFamily="34" charset="0"/>
+              <a:cs typeface="Segoe UI" panose="020B0502040204020203" pitchFamily="34" charset="0"/>
+            </a:endParaRPr>
           </a:p>
         </p:txBody>
       </p:sp>
@@ -13635,7 +13788,8 @@
                 <a:solidFill>
                   <a:srgbClr val="202124"/>
                 </a:solidFill>
-                <a:latin typeface="arial" panose="020B0604020202020204" pitchFamily="34" charset="0"/>
+                <a:latin typeface="Segoe UI" panose="020B0502040204020203" pitchFamily="34" charset="0"/>
+                <a:cs typeface="Segoe UI" panose="020B0502040204020203" pitchFamily="34" charset="0"/>
               </a:rPr>
               <a:t>In computer science, a </a:t>
             </a:r>
@@ -13644,7 +13798,8 @@
                 <a:solidFill>
                   <a:srgbClr val="202124"/>
                 </a:solidFill>
-                <a:latin typeface="arial" panose="020B0604020202020204" pitchFamily="34" charset="0"/>
+                <a:latin typeface="Segoe UI" panose="020B0502040204020203" pitchFamily="34" charset="0"/>
+                <a:cs typeface="Segoe UI" panose="020B0502040204020203" pitchFamily="34" charset="0"/>
               </a:rPr>
               <a:t>data structure</a:t>
             </a:r>
@@ -13653,7 +13808,8 @@
                 <a:solidFill>
                   <a:srgbClr val="202124"/>
                 </a:solidFill>
-                <a:latin typeface="arial" panose="020B0604020202020204" pitchFamily="34" charset="0"/>
+                <a:latin typeface="Segoe UI" panose="020B0502040204020203" pitchFamily="34" charset="0"/>
+                <a:cs typeface="Segoe UI" panose="020B0502040204020203" pitchFamily="34" charset="0"/>
               </a:rPr>
               <a:t> is a </a:t>
             </a:r>
@@ -13662,7 +13818,8 @@
                 <a:solidFill>
                   <a:srgbClr val="202124"/>
                 </a:solidFill>
-                <a:latin typeface="arial" panose="020B0604020202020204" pitchFamily="34" charset="0"/>
+                <a:latin typeface="Segoe UI" panose="020B0502040204020203" pitchFamily="34" charset="0"/>
+                <a:cs typeface="Segoe UI" panose="020B0502040204020203" pitchFamily="34" charset="0"/>
               </a:rPr>
               <a:t>data</a:t>
             </a:r>
@@ -13671,7 +13828,8 @@
                 <a:solidFill>
                   <a:srgbClr val="202124"/>
                 </a:solidFill>
-                <a:latin typeface="arial" panose="020B0604020202020204" pitchFamily="34" charset="0"/>
+                <a:latin typeface="Segoe UI" panose="020B0502040204020203" pitchFamily="34" charset="0"/>
+                <a:cs typeface="Segoe UI" panose="020B0502040204020203" pitchFamily="34" charset="0"/>
               </a:rPr>
               <a:t> organization, management, and storage format that enables efficient access and modification. More precisely, a </a:t>
             </a:r>
@@ -13680,7 +13838,8 @@
                 <a:solidFill>
                   <a:srgbClr val="202124"/>
                 </a:solidFill>
-                <a:latin typeface="arial" panose="020B0604020202020204" pitchFamily="34" charset="0"/>
+                <a:latin typeface="Segoe UI" panose="020B0502040204020203" pitchFamily="34" charset="0"/>
+                <a:cs typeface="Segoe UI" panose="020B0502040204020203" pitchFamily="34" charset="0"/>
               </a:rPr>
               <a:t>data structure</a:t>
             </a:r>
@@ -13689,7 +13848,8 @@
                 <a:solidFill>
                   <a:srgbClr val="202124"/>
                 </a:solidFill>
-                <a:latin typeface="arial" panose="020B0604020202020204" pitchFamily="34" charset="0"/>
+                <a:latin typeface="Segoe UI" panose="020B0502040204020203" pitchFamily="34" charset="0"/>
+                <a:cs typeface="Segoe UI" panose="020B0502040204020203" pitchFamily="34" charset="0"/>
               </a:rPr>
               <a:t> is a collection of </a:t>
             </a:r>
@@ -13698,7 +13858,8 @@
                 <a:solidFill>
                   <a:srgbClr val="202124"/>
                 </a:solidFill>
-                <a:latin typeface="arial" panose="020B0604020202020204" pitchFamily="34" charset="0"/>
+                <a:latin typeface="Segoe UI" panose="020B0502040204020203" pitchFamily="34" charset="0"/>
+                <a:cs typeface="Segoe UI" panose="020B0502040204020203" pitchFamily="34" charset="0"/>
               </a:rPr>
               <a:t>data</a:t>
             </a:r>
@@ -13707,7 +13868,8 @@
                 <a:solidFill>
                   <a:srgbClr val="202124"/>
                 </a:solidFill>
-                <a:latin typeface="arial" panose="020B0604020202020204" pitchFamily="34" charset="0"/>
+                <a:latin typeface="Segoe UI" panose="020B0502040204020203" pitchFamily="34" charset="0"/>
+                <a:cs typeface="Segoe UI" panose="020B0502040204020203" pitchFamily="34" charset="0"/>
               </a:rPr>
               <a:t> values, the relationships among them, and the functions or operations that can be applied to the </a:t>
             </a:r>
@@ -13716,7 +13878,8 @@
                 <a:solidFill>
                   <a:srgbClr val="202124"/>
                 </a:solidFill>
-                <a:latin typeface="arial" panose="020B0604020202020204" pitchFamily="34" charset="0"/>
+                <a:latin typeface="Segoe UI" panose="020B0502040204020203" pitchFamily="34" charset="0"/>
+                <a:cs typeface="Segoe UI" panose="020B0502040204020203" pitchFamily="34" charset="0"/>
               </a:rPr>
               <a:t>data</a:t>
             </a:r>
@@ -13725,7 +13888,8 @@
                 <a:solidFill>
                   <a:srgbClr val="202124"/>
                 </a:solidFill>
-                <a:latin typeface="arial" panose="020B0604020202020204" pitchFamily="34" charset="0"/>
+                <a:latin typeface="Segoe UI" panose="020B0502040204020203" pitchFamily="34" charset="0"/>
+                <a:cs typeface="Segoe UI" panose="020B0502040204020203" pitchFamily="34" charset="0"/>
               </a:rPr>
               <a:t>.</a:t>
             </a:r>
@@ -13735,7 +13899,8 @@
               <a:solidFill>
                 <a:srgbClr val="202124"/>
               </a:solidFill>
-              <a:latin typeface="arial" panose="020B0604020202020204" pitchFamily="34" charset="0"/>
+              <a:latin typeface="Segoe UI" panose="020B0502040204020203" pitchFamily="34" charset="0"/>
+              <a:cs typeface="Segoe UI" panose="020B0502040204020203" pitchFamily="34" charset="0"/>
             </a:endParaRPr>
           </a:p>
           <a:p>
@@ -13744,7 +13909,8 @@
                 <a:solidFill>
                   <a:srgbClr val="202124"/>
                 </a:solidFill>
-                <a:latin typeface="arial" panose="020B0604020202020204" pitchFamily="34" charset="0"/>
+                <a:latin typeface="Segoe UI" panose="020B0502040204020203" pitchFamily="34" charset="0"/>
+                <a:cs typeface="Segoe UI" panose="020B0502040204020203" pitchFamily="34" charset="0"/>
               </a:rPr>
               <a:t>Data structures in JavaScript</a:t>
             </a:r>
@@ -13754,7 +13920,8 @@
               <a:solidFill>
                 <a:srgbClr val="202124"/>
               </a:solidFill>
-              <a:latin typeface="arial" panose="020B0604020202020204" pitchFamily="34" charset="0"/>
+              <a:latin typeface="Segoe UI" panose="020B0502040204020203" pitchFamily="34" charset="0"/>
+              <a:cs typeface="Segoe UI" panose="020B0502040204020203" pitchFamily="34" charset="0"/>
             </a:endParaRPr>
           </a:p>
           <a:p>
@@ -13763,7 +13930,8 @@
                 <a:solidFill>
                   <a:srgbClr val="202124"/>
                 </a:solidFill>
-                <a:latin typeface="arial" panose="020B0604020202020204" pitchFamily="34" charset="0"/>
+                <a:latin typeface="Segoe UI" panose="020B0502040204020203" pitchFamily="34" charset="0"/>
+                <a:cs typeface="Segoe UI" panose="020B0502040204020203" pitchFamily="34" charset="0"/>
               </a:rPr>
               <a:t>Array</a:t>
             </a:r>
@@ -13774,7 +13942,8 @@
                 <a:solidFill>
                   <a:srgbClr val="202124"/>
                 </a:solidFill>
-                <a:latin typeface="arial" panose="020B0604020202020204" pitchFamily="34" charset="0"/>
+                <a:latin typeface="Segoe UI" panose="020B0502040204020203" pitchFamily="34" charset="0"/>
+                <a:cs typeface="Segoe UI" panose="020B0502040204020203" pitchFamily="34" charset="0"/>
               </a:rPr>
               <a:t>Object</a:t>
             </a:r>
@@ -13785,7 +13954,8 @@
                 <a:solidFill>
                   <a:srgbClr val="202124"/>
                 </a:solidFill>
-                <a:latin typeface="arial" panose="020B0604020202020204" pitchFamily="34" charset="0"/>
+                <a:latin typeface="Segoe UI" panose="020B0502040204020203" pitchFamily="34" charset="0"/>
+                <a:cs typeface="Segoe UI" panose="020B0502040204020203" pitchFamily="34" charset="0"/>
               </a:rPr>
               <a:t>Set(unique elements)</a:t>
             </a:r>
@@ -13796,24 +13966,37 @@
                 <a:solidFill>
                   <a:srgbClr val="202124"/>
                 </a:solidFill>
-                <a:latin typeface="arial" panose="020B0604020202020204" pitchFamily="34" charset="0"/>
+                <a:latin typeface="Segoe UI" panose="020B0502040204020203" pitchFamily="34" charset="0"/>
+                <a:cs typeface="Segoe UI" panose="020B0502040204020203" pitchFamily="34" charset="0"/>
               </a:rPr>
               <a:t>Map(analog of object | key-&gt; value | key can be everything)</a:t>
             </a:r>
           </a:p>
           <a:p>
             <a:r>
-              <a:rPr lang="en-US" dirty="0" err="1" smtClean="0"/>
+              <a:rPr lang="en-US" dirty="0" err="1" smtClean="0">
+                <a:latin typeface="Segoe UI" panose="020B0502040204020203" pitchFamily="34" charset="0"/>
+                <a:cs typeface="Segoe UI" panose="020B0502040204020203" pitchFamily="34" charset="0"/>
+              </a:rPr>
               <a:t>WeakMap</a:t>
             </a:r>
-            <a:endParaRPr lang="en-US" dirty="0" smtClean="0"/>
-          </a:p>
-          <a:p>
-            <a:r>
-              <a:rPr lang="en-US" dirty="0" err="1" smtClean="0"/>
+            <a:endParaRPr lang="en-US" dirty="0" smtClean="0">
+              <a:latin typeface="Segoe UI" panose="020B0502040204020203" pitchFamily="34" charset="0"/>
+              <a:cs typeface="Segoe UI" panose="020B0502040204020203" pitchFamily="34" charset="0"/>
+            </a:endParaRPr>
+          </a:p>
+          <a:p>
+            <a:r>
+              <a:rPr lang="en-US" dirty="0" err="1" smtClean="0">
+                <a:latin typeface="Segoe UI" panose="020B0502040204020203" pitchFamily="34" charset="0"/>
+                <a:cs typeface="Segoe UI" panose="020B0502040204020203" pitchFamily="34" charset="0"/>
+              </a:rPr>
               <a:t>WeakSet</a:t>
             </a:r>
-            <a:endParaRPr lang="en-US" dirty="0"/>
+            <a:endParaRPr lang="en-US" dirty="0">
+              <a:latin typeface="Segoe UI" panose="020B0502040204020203" pitchFamily="34" charset="0"/>
+              <a:cs typeface="Segoe UI" panose="020B0502040204020203" pitchFamily="34" charset="0"/>
+            </a:endParaRPr>
           </a:p>
         </p:txBody>
       </p:sp>
@@ -13839,7 +14022,10 @@
           <a:lstStyle/>
           <a:p>
             <a:r>
-              <a:rPr lang="en-US" dirty="0"/>
+              <a:rPr lang="en-US" dirty="0">
+                <a:latin typeface="Segoe UI" panose="020B0502040204020203" pitchFamily="34" charset="0"/>
+                <a:cs typeface="Segoe UI" panose="020B0502040204020203" pitchFamily="34" charset="0"/>
+              </a:rPr>
               <a:t>the essence of creating custom data structures optimization of certain parts of the code</a:t>
             </a:r>
           </a:p>
@@ -13854,7 +14040,7 @@
         <p:spPr>
           <a:xfrm>
             <a:off x="7416800" y="1690688"/>
-            <a:ext cx="4664523" cy="369332"/>
+            <a:ext cx="4664523" cy="646331"/>
           </a:xfrm>
           <a:prstGeom prst="rect">
             <a:avLst/>
@@ -13867,34 +14053,58 @@
           <a:lstStyle/>
           <a:p>
             <a:r>
-              <a:rPr lang="en-US" dirty="0" err="1" smtClean="0"/>
+              <a:rPr lang="en-US" dirty="0" err="1" smtClean="0">
+                <a:latin typeface="Segoe UI" panose="020B0502040204020203" pitchFamily="34" charset="0"/>
+                <a:cs typeface="Segoe UI" panose="020B0502040204020203" pitchFamily="34" charset="0"/>
+              </a:rPr>
               <a:t>React’s</a:t>
             </a:r>
             <a:r>
-              <a:rPr lang="en-US" dirty="0" smtClean="0"/>
+              <a:rPr lang="en-US" dirty="0" smtClean="0">
+                <a:latin typeface="Segoe UI" panose="020B0502040204020203" pitchFamily="34" charset="0"/>
+                <a:cs typeface="Segoe UI" panose="020B0502040204020203" pitchFamily="34" charset="0"/>
+              </a:rPr>
               <a:t> virtual </a:t>
             </a:r>
             <a:r>
-              <a:rPr lang="en-US" dirty="0" err="1" smtClean="0"/>
+              <a:rPr lang="en-US" dirty="0" err="1" smtClean="0">
+                <a:latin typeface="Segoe UI" panose="020B0502040204020203" pitchFamily="34" charset="0"/>
+                <a:cs typeface="Segoe UI" panose="020B0502040204020203" pitchFamily="34" charset="0"/>
+              </a:rPr>
               <a:t>dom</a:t>
             </a:r>
             <a:r>
-              <a:rPr lang="en-US" dirty="0" smtClean="0"/>
+              <a:rPr lang="en-US" dirty="0" smtClean="0">
+                <a:latin typeface="Segoe UI" panose="020B0502040204020203" pitchFamily="34" charset="0"/>
+                <a:cs typeface="Segoe UI" panose="020B0502040204020203" pitchFamily="34" charset="0"/>
+              </a:rPr>
               <a:t> is </a:t>
             </a:r>
             <a:r>
-              <a:rPr lang="en-US" dirty="0" err="1" smtClean="0"/>
+              <a:rPr lang="en-US" dirty="0" err="1" smtClean="0">
+                <a:latin typeface="Segoe UI" panose="020B0502040204020203" pitchFamily="34" charset="0"/>
+                <a:cs typeface="Segoe UI" panose="020B0502040204020203" pitchFamily="34" charset="0"/>
+              </a:rPr>
               <a:t>custome</a:t>
             </a:r>
             <a:r>
-              <a:rPr lang="en-US" dirty="0" smtClean="0"/>
+              <a:rPr lang="en-US" dirty="0" smtClean="0">
+                <a:latin typeface="Segoe UI" panose="020B0502040204020203" pitchFamily="34" charset="0"/>
+                <a:cs typeface="Segoe UI" panose="020B0502040204020203" pitchFamily="34" charset="0"/>
+              </a:rPr>
               <a:t> data </a:t>
             </a:r>
             <a:r>
-              <a:rPr lang="en-US" dirty="0" err="1" smtClean="0"/>
+              <a:rPr lang="en-US" dirty="0" err="1" smtClean="0">
+                <a:latin typeface="Segoe UI" panose="020B0502040204020203" pitchFamily="34" charset="0"/>
+                <a:cs typeface="Segoe UI" panose="020B0502040204020203" pitchFamily="34" charset="0"/>
+              </a:rPr>
               <a:t>sctucture</a:t>
             </a:r>
-            <a:endParaRPr lang="en-US" dirty="0"/>
+            <a:endParaRPr lang="en-US" dirty="0">
+              <a:latin typeface="Segoe UI" panose="020B0502040204020203" pitchFamily="34" charset="0"/>
+              <a:cs typeface="Segoe UI" panose="020B0502040204020203" pitchFamily="34" charset="0"/>
+            </a:endParaRPr>
           </a:p>
         </p:txBody>
       </p:sp>
@@ -13921,35 +14131,56 @@
           <a:lstStyle/>
           <a:p>
             <a:r>
-              <a:rPr lang="en-US" sz="1400" dirty="0" smtClean="0"/>
+              <a:rPr lang="en-US" sz="1400" dirty="0" smtClean="0">
+                <a:latin typeface="Segoe UI" panose="020B0502040204020203" pitchFamily="34" charset="0"/>
+                <a:cs typeface="Segoe UI" panose="020B0502040204020203" pitchFamily="34" charset="0"/>
+              </a:rPr>
               <a:t>Data structures in PHP</a:t>
             </a:r>
           </a:p>
           <a:p>
-            <a:endParaRPr lang="en-US" sz="1400" dirty="0" smtClean="0"/>
-          </a:p>
-          <a:p>
-            <a:r>
-              <a:rPr lang="en-US" sz="1400" dirty="0" smtClean="0"/>
+            <a:endParaRPr lang="en-US" sz="1400" dirty="0" smtClean="0">
+              <a:latin typeface="Segoe UI" panose="020B0502040204020203" pitchFamily="34" charset="0"/>
+              <a:cs typeface="Segoe UI" panose="020B0502040204020203" pitchFamily="34" charset="0"/>
+            </a:endParaRPr>
+          </a:p>
+          <a:p>
+            <a:r>
+              <a:rPr lang="en-US" sz="1400" dirty="0" smtClean="0">
+                <a:latin typeface="Segoe UI" panose="020B0502040204020203" pitchFamily="34" charset="0"/>
+                <a:cs typeface="Segoe UI" panose="020B0502040204020203" pitchFamily="34" charset="0"/>
+              </a:rPr>
               <a:t>Array)))</a:t>
             </a:r>
           </a:p>
           <a:p>
-            <a:endParaRPr lang="en-US" sz="1400" dirty="0"/>
-          </a:p>
-          <a:p>
-            <a:r>
-              <a:rPr lang="en-US" sz="1400" dirty="0" smtClean="0"/>
+            <a:endParaRPr lang="en-US" sz="1400" dirty="0">
+              <a:latin typeface="Segoe UI" panose="020B0502040204020203" pitchFamily="34" charset="0"/>
+              <a:cs typeface="Segoe UI" panose="020B0502040204020203" pitchFamily="34" charset="0"/>
+            </a:endParaRPr>
+          </a:p>
+          <a:p>
+            <a:r>
+              <a:rPr lang="en-US" sz="1400" dirty="0" smtClean="0">
+                <a:latin typeface="Segoe UI" panose="020B0502040204020203" pitchFamily="34" charset="0"/>
+                <a:cs typeface="Segoe UI" panose="020B0502040204020203" pitchFamily="34" charset="0"/>
+              </a:rPr>
               <a:t>But in php7, using Ds\ namespace we can use</a:t>
             </a:r>
           </a:p>
           <a:p>
             <a:r>
-              <a:rPr lang="en-US" sz="1400" dirty="0"/>
+              <a:rPr lang="en-US" sz="1400" dirty="0">
+                <a:latin typeface="Segoe UI" panose="020B0502040204020203" pitchFamily="34" charset="0"/>
+                <a:cs typeface="Segoe UI" panose="020B0502040204020203" pitchFamily="34" charset="0"/>
+              </a:rPr>
               <a:t>3 interfaces </a:t>
             </a:r>
             <a:r>
-              <a:rPr lang="en-US" sz="1400" dirty="0" smtClean="0"/>
+              <a:rPr lang="en-US" sz="1400" dirty="0" smtClean="0">
+                <a:latin typeface="Segoe UI" panose="020B0502040204020203" pitchFamily="34" charset="0"/>
+                <a:cs typeface="Segoe UI" panose="020B0502040204020203" pitchFamily="34" charset="0"/>
+              </a:rPr>
               <a:t>namely</a:t>
             </a:r>
           </a:p>
@@ -13959,7 +14190,10 @@
               <a:buChar char="•"/>
             </a:pPr>
             <a:r>
-              <a:rPr lang="en-US" sz="1400" dirty="0" smtClean="0"/>
+              <a:rPr lang="en-US" sz="1400" dirty="0" smtClean="0">
+                <a:latin typeface="Segoe UI" panose="020B0502040204020203" pitchFamily="34" charset="0"/>
+                <a:cs typeface="Segoe UI" panose="020B0502040204020203" pitchFamily="34" charset="0"/>
+              </a:rPr>
               <a:t>Collection</a:t>
             </a:r>
           </a:p>
@@ -13969,7 +14203,10 @@
               <a:buChar char="•"/>
             </a:pPr>
             <a:r>
-              <a:rPr lang="en-US" sz="1400" dirty="0" smtClean="0"/>
+              <a:rPr lang="en-US" sz="1400" dirty="0" smtClean="0">
+                <a:latin typeface="Segoe UI" panose="020B0502040204020203" pitchFamily="34" charset="0"/>
+                <a:cs typeface="Segoe UI" panose="020B0502040204020203" pitchFamily="34" charset="0"/>
+              </a:rPr>
               <a:t>Sequence</a:t>
             </a:r>
           </a:p>
@@ -13979,29 +14216,47 @@
               <a:buChar char="•"/>
             </a:pPr>
             <a:r>
-              <a:rPr lang="en-US" sz="1400" dirty="0" err="1" smtClean="0"/>
+              <a:rPr lang="en-US" sz="1400" dirty="0" err="1" smtClean="0">
+                <a:latin typeface="Segoe UI" panose="020B0502040204020203" pitchFamily="34" charset="0"/>
+                <a:cs typeface="Segoe UI" panose="020B0502040204020203" pitchFamily="34" charset="0"/>
+              </a:rPr>
               <a:t>Hashable</a:t>
             </a:r>
-            <a:endParaRPr lang="en-US" sz="1400" dirty="0" smtClean="0"/>
+            <a:endParaRPr lang="en-US" sz="1400" dirty="0" smtClean="0">
+              <a:latin typeface="Segoe UI" panose="020B0502040204020203" pitchFamily="34" charset="0"/>
+              <a:cs typeface="Segoe UI" panose="020B0502040204020203" pitchFamily="34" charset="0"/>
+            </a:endParaRPr>
           </a:p>
           <a:p>
             <a:pPr marL="285750" indent="-285750">
               <a:buFont typeface="Arial" panose="020B0604020202020204" pitchFamily="34" charset="0"/>
               <a:buChar char="•"/>
             </a:pPr>
-            <a:endParaRPr lang="en-US" sz="1400" dirty="0"/>
-          </a:p>
-          <a:p>
-            <a:r>
-              <a:rPr lang="en-US" sz="1400" dirty="0" smtClean="0"/>
+            <a:endParaRPr lang="en-US" sz="1400" dirty="0">
+              <a:latin typeface="Segoe UI" panose="020B0502040204020203" pitchFamily="34" charset="0"/>
+              <a:cs typeface="Segoe UI" panose="020B0502040204020203" pitchFamily="34" charset="0"/>
+            </a:endParaRPr>
+          </a:p>
+          <a:p>
+            <a:r>
+              <a:rPr lang="en-US" sz="1400" dirty="0" smtClean="0">
+                <a:latin typeface="Segoe UI" panose="020B0502040204020203" pitchFamily="34" charset="0"/>
+                <a:cs typeface="Segoe UI" panose="020B0502040204020203" pitchFamily="34" charset="0"/>
+              </a:rPr>
               <a:t>And 8 </a:t>
             </a:r>
             <a:r>
-              <a:rPr lang="en-US" sz="1400" dirty="0"/>
+              <a:rPr lang="en-US" sz="1400" dirty="0">
+                <a:latin typeface="Segoe UI" panose="020B0502040204020203" pitchFamily="34" charset="0"/>
+                <a:cs typeface="Segoe UI" panose="020B0502040204020203" pitchFamily="34" charset="0"/>
+              </a:rPr>
               <a:t>classes </a:t>
             </a:r>
             <a:r>
-              <a:rPr lang="en-US" sz="1400" dirty="0" smtClean="0"/>
+              <a:rPr lang="en-US" sz="1400" dirty="0" smtClean="0">
+                <a:latin typeface="Segoe UI" panose="020B0502040204020203" pitchFamily="34" charset="0"/>
+                <a:cs typeface="Segoe UI" panose="020B0502040204020203" pitchFamily="34" charset="0"/>
+              </a:rPr>
               <a:t>namely</a:t>
             </a:r>
           </a:p>
@@ -14011,7 +14266,10 @@
               <a:buChar char="•"/>
             </a:pPr>
             <a:r>
-              <a:rPr lang="en-US" sz="1400" dirty="0" smtClean="0"/>
+              <a:rPr lang="en-US" sz="1400" dirty="0" smtClean="0">
+                <a:latin typeface="Segoe UI" panose="020B0502040204020203" pitchFamily="34" charset="0"/>
+                <a:cs typeface="Segoe UI" panose="020B0502040204020203" pitchFamily="34" charset="0"/>
+              </a:rPr>
               <a:t>Vector</a:t>
             </a:r>
           </a:p>
@@ -14021,10 +14279,16 @@
               <a:buChar char="•"/>
             </a:pPr>
             <a:r>
-              <a:rPr lang="en-US" sz="1400" dirty="0" err="1" smtClean="0"/>
+              <a:rPr lang="en-US" sz="1400" dirty="0" err="1" smtClean="0">
+                <a:latin typeface="Segoe UI" panose="020B0502040204020203" pitchFamily="34" charset="0"/>
+                <a:cs typeface="Segoe UI" panose="020B0502040204020203" pitchFamily="34" charset="0"/>
+              </a:rPr>
               <a:t>Deque</a:t>
             </a:r>
-            <a:endParaRPr lang="en-US" sz="1400" dirty="0" smtClean="0"/>
+            <a:endParaRPr lang="en-US" sz="1400" dirty="0" smtClean="0">
+              <a:latin typeface="Segoe UI" panose="020B0502040204020203" pitchFamily="34" charset="0"/>
+              <a:cs typeface="Segoe UI" panose="020B0502040204020203" pitchFamily="34" charset="0"/>
+            </a:endParaRPr>
           </a:p>
           <a:p>
             <a:pPr marL="285750" indent="-285750">
@@ -14032,7 +14296,10 @@
               <a:buChar char="•"/>
             </a:pPr>
             <a:r>
-              <a:rPr lang="en-US" sz="1400" dirty="0" smtClean="0"/>
+              <a:rPr lang="en-US" sz="1400" dirty="0" smtClean="0">
+                <a:latin typeface="Segoe UI" panose="020B0502040204020203" pitchFamily="34" charset="0"/>
+                <a:cs typeface="Segoe UI" panose="020B0502040204020203" pitchFamily="34" charset="0"/>
+              </a:rPr>
               <a:t>Queue</a:t>
             </a:r>
           </a:p>
@@ -14042,10 +14309,16 @@
               <a:buChar char="•"/>
             </a:pPr>
             <a:r>
-              <a:rPr lang="en-US" sz="1400" dirty="0" err="1" smtClean="0"/>
+              <a:rPr lang="en-US" sz="1400" dirty="0" err="1" smtClean="0">
+                <a:latin typeface="Segoe UI" panose="020B0502040204020203" pitchFamily="34" charset="0"/>
+                <a:cs typeface="Segoe UI" panose="020B0502040204020203" pitchFamily="34" charset="0"/>
+              </a:rPr>
               <a:t>PriorityQueue</a:t>
             </a:r>
-            <a:endParaRPr lang="en-US" sz="1400" dirty="0" smtClean="0"/>
+            <a:endParaRPr lang="en-US" sz="1400" dirty="0" smtClean="0">
+              <a:latin typeface="Segoe UI" panose="020B0502040204020203" pitchFamily="34" charset="0"/>
+              <a:cs typeface="Segoe UI" panose="020B0502040204020203" pitchFamily="34" charset="0"/>
+            </a:endParaRPr>
           </a:p>
           <a:p>
             <a:pPr marL="285750" indent="-285750">
@@ -14053,7 +14326,10 @@
               <a:buChar char="•"/>
             </a:pPr>
             <a:r>
-              <a:rPr lang="en-US" sz="1400" dirty="0" smtClean="0"/>
+              <a:rPr lang="en-US" sz="1400" dirty="0" smtClean="0">
+                <a:latin typeface="Segoe UI" panose="020B0502040204020203" pitchFamily="34" charset="0"/>
+                <a:cs typeface="Segoe UI" panose="020B0502040204020203" pitchFamily="34" charset="0"/>
+              </a:rPr>
               <a:t>Map</a:t>
             </a:r>
           </a:p>
@@ -14063,7 +14339,10 @@
               <a:buChar char="•"/>
             </a:pPr>
             <a:r>
-              <a:rPr lang="en-US" sz="1400" dirty="0" smtClean="0"/>
+              <a:rPr lang="en-US" sz="1400" dirty="0" smtClean="0">
+                <a:latin typeface="Segoe UI" panose="020B0502040204020203" pitchFamily="34" charset="0"/>
+                <a:cs typeface="Segoe UI" panose="020B0502040204020203" pitchFamily="34" charset="0"/>
+              </a:rPr>
               <a:t>Set</a:t>
             </a:r>
           </a:p>
@@ -14073,7 +14352,10 @@
               <a:buChar char="•"/>
             </a:pPr>
             <a:r>
-              <a:rPr lang="en-US" sz="1400" dirty="0" smtClean="0"/>
+              <a:rPr lang="en-US" sz="1400" dirty="0" smtClean="0">
+                <a:latin typeface="Segoe UI" panose="020B0502040204020203" pitchFamily="34" charset="0"/>
+                <a:cs typeface="Segoe UI" panose="020B0502040204020203" pitchFamily="34" charset="0"/>
+              </a:rPr>
               <a:t>Stack</a:t>
             </a:r>
           </a:p>
@@ -14083,10 +14365,16 @@
               <a:buChar char="•"/>
             </a:pPr>
             <a:r>
-              <a:rPr lang="en-US" sz="1400" dirty="0" smtClean="0"/>
+              <a:rPr lang="en-US" sz="1400" dirty="0" smtClean="0">
+                <a:latin typeface="Segoe UI" panose="020B0502040204020203" pitchFamily="34" charset="0"/>
+                <a:cs typeface="Segoe UI" panose="020B0502040204020203" pitchFamily="34" charset="0"/>
+              </a:rPr>
               <a:t>Pair</a:t>
             </a:r>
-            <a:endParaRPr lang="en-US" sz="1400" dirty="0"/>
+            <a:endParaRPr lang="en-US" sz="1400" dirty="0">
+              <a:latin typeface="Segoe UI" panose="020B0502040204020203" pitchFamily="34" charset="0"/>
+              <a:cs typeface="Segoe UI" panose="020B0502040204020203" pitchFamily="34" charset="0"/>
+            </a:endParaRPr>
           </a:p>
         </p:txBody>
       </p:sp>
@@ -14143,10 +14431,16 @@
           <a:lstStyle/>
           <a:p>
             <a:r>
-              <a:rPr lang="en-US" dirty="0" smtClean="0"/>
+              <a:rPr lang="en-US" dirty="0" smtClean="0">
+                <a:latin typeface="Segoe UI" panose="020B0502040204020203" pitchFamily="34" charset="0"/>
+                <a:cs typeface="Segoe UI" panose="020B0502040204020203" pitchFamily="34" charset="0"/>
+              </a:rPr>
               <a:t>Something about default arrays</a:t>
             </a:r>
-            <a:endParaRPr lang="en-US" dirty="0"/>
+            <a:endParaRPr lang="en-US" dirty="0">
+              <a:latin typeface="Segoe UI" panose="020B0502040204020203" pitchFamily="34" charset="0"/>
+              <a:cs typeface="Segoe UI" panose="020B0502040204020203" pitchFamily="34" charset="0"/>
+            </a:endParaRPr>
           </a:p>
         </p:txBody>
       </p:sp>
@@ -14203,7 +14497,10 @@
           <a:lstStyle/>
           <a:p>
             <a:r>
-              <a:rPr lang="en-US" dirty="0"/>
+              <a:rPr lang="en-US" dirty="0">
+                <a:latin typeface="Segoe UI" panose="020B0502040204020203" pitchFamily="34" charset="0"/>
+                <a:cs typeface="Segoe UI" panose="020B0502040204020203" pitchFamily="34" charset="0"/>
+              </a:rPr>
               <a:t>Linked list ( singly and doubly)</a:t>
             </a:r>
           </a:p>
@@ -14231,45 +14528,75 @@
           <a:lstStyle/>
           <a:p>
             <a:r>
-              <a:rPr lang="en-US" dirty="0" smtClean="0"/>
+              <a:rPr lang="en-US" dirty="0" smtClean="0">
+                <a:latin typeface="Segoe UI" panose="020B0502040204020203" pitchFamily="34" charset="0"/>
+                <a:cs typeface="Segoe UI" panose="020B0502040204020203" pitchFamily="34" charset="0"/>
+              </a:rPr>
               <a:t>Browser history</a:t>
             </a:r>
           </a:p>
           <a:p>
             <a:r>
-              <a:rPr lang="en-US" dirty="0" smtClean="0"/>
+              <a:rPr lang="en-US" dirty="0" smtClean="0">
+                <a:latin typeface="Segoe UI" panose="020B0502040204020203" pitchFamily="34" charset="0"/>
+                <a:cs typeface="Segoe UI" panose="020B0502040204020203" pitchFamily="34" charset="0"/>
+              </a:rPr>
               <a:t/>
             </a:r>
             <a:br>
-              <a:rPr lang="en-US" dirty="0" smtClean="0"/>
+              <a:rPr lang="en-US" dirty="0" smtClean="0">
+                <a:latin typeface="Segoe UI" panose="020B0502040204020203" pitchFamily="34" charset="0"/>
+                <a:cs typeface="Segoe UI" panose="020B0502040204020203" pitchFamily="34" charset="0"/>
+              </a:rPr>
             </a:br>
             <a:r>
-              <a:rPr lang="en-US" dirty="0" smtClean="0"/>
+              <a:rPr lang="en-US" dirty="0" smtClean="0">
+                <a:latin typeface="Segoe UI" panose="020B0502040204020203" pitchFamily="34" charset="0"/>
+                <a:cs typeface="Segoe UI" panose="020B0502040204020203" pitchFamily="34" charset="0"/>
+              </a:rPr>
               <a:t>Singly linked list element does not </a:t>
             </a:r>
             <a:r>
-              <a:rPr lang="en-US" dirty="0" err="1" smtClean="0"/>
+              <a:rPr lang="en-US" dirty="0" err="1" smtClean="0">
+                <a:latin typeface="Segoe UI" panose="020B0502040204020203" pitchFamily="34" charset="0"/>
+                <a:cs typeface="Segoe UI" panose="020B0502040204020203" pitchFamily="34" charset="0"/>
+              </a:rPr>
               <a:t>kow</a:t>
             </a:r>
             <a:r>
-              <a:rPr lang="en-US" dirty="0" smtClean="0"/>
+              <a:rPr lang="en-US" dirty="0" smtClean="0">
+                <a:latin typeface="Segoe UI" panose="020B0502040204020203" pitchFamily="34" charset="0"/>
+                <a:cs typeface="Segoe UI" panose="020B0502040204020203" pitchFamily="34" charset="0"/>
+              </a:rPr>
               <a:t> his </a:t>
             </a:r>
             <a:r>
-              <a:rPr lang="en-US" dirty="0" err="1" smtClean="0"/>
+              <a:rPr lang="en-US" dirty="0" err="1" smtClean="0">
+                <a:latin typeface="Segoe UI" panose="020B0502040204020203" pitchFamily="34" charset="0"/>
+                <a:cs typeface="Segoe UI" panose="020B0502040204020203" pitchFamily="34" charset="0"/>
+              </a:rPr>
               <a:t>prev</a:t>
             </a:r>
             <a:r>
-              <a:rPr lang="en-US" dirty="0" smtClean="0"/>
+              <a:rPr lang="en-US" dirty="0" smtClean="0">
+                <a:latin typeface="Segoe UI" panose="020B0502040204020203" pitchFamily="34" charset="0"/>
+                <a:cs typeface="Segoe UI" panose="020B0502040204020203" pitchFamily="34" charset="0"/>
+              </a:rPr>
               <a:t> element</a:t>
             </a:r>
           </a:p>
           <a:p>
             <a:r>
-              <a:rPr lang="en-US" dirty="0" smtClean="0"/>
+              <a:rPr lang="en-US" dirty="0" smtClean="0">
+                <a:latin typeface="Segoe UI" panose="020B0502040204020203" pitchFamily="34" charset="0"/>
+                <a:cs typeface="Segoe UI" panose="020B0502040204020203" pitchFamily="34" charset="0"/>
+              </a:rPr>
               <a:t>Array[1]</a:t>
             </a:r>
-            <a:endParaRPr lang="en-US" dirty="0"/>
+            <a:endParaRPr lang="en-US" dirty="0">
+              <a:latin typeface="Segoe UI" panose="020B0502040204020203" pitchFamily="34" charset="0"/>
+              <a:cs typeface="Segoe UI" panose="020B0502040204020203" pitchFamily="34" charset="0"/>
+            </a:endParaRPr>
           </a:p>
         </p:txBody>
       </p:sp>
@@ -14312,7 +14639,7 @@
         <p:spPr>
           <a:xfrm>
             <a:off x="6672024" y="1802123"/>
-            <a:ext cx="4041041" cy="369332"/>
+            <a:ext cx="4041041" cy="646331"/>
           </a:xfrm>
           <a:prstGeom prst="rect">
             <a:avLst/>
@@ -14329,6 +14656,8 @@
                 <a:solidFill>
                   <a:srgbClr val="FF0000"/>
                 </a:solidFill>
+                <a:latin typeface="Segoe UI" panose="020B0502040204020203" pitchFamily="34" charset="0"/>
+                <a:cs typeface="Segoe UI" panose="020B0502040204020203" pitchFamily="34" charset="0"/>
               </a:rPr>
               <a:t>Can we show it dynamically at browser?</a:t>
             </a:r>
@@ -14357,7 +14686,10 @@
           <a:lstStyle/>
           <a:p>
             <a:r>
-              <a:rPr lang="en-US" dirty="0"/>
+              <a:rPr lang="en-US" dirty="0">
+                <a:latin typeface="Segoe UI" panose="020B0502040204020203" pitchFamily="34" charset="0"/>
+                <a:cs typeface="Segoe UI" panose="020B0502040204020203" pitchFamily="34" charset="0"/>
+              </a:rPr>
               <a:t>Main methods</a:t>
             </a:r>
           </a:p>
@@ -14367,10 +14699,16 @@
               <a:buChar char="•"/>
             </a:pPr>
             <a:r>
-              <a:rPr lang="en-US" dirty="0" smtClean="0"/>
+              <a:rPr lang="en-US" dirty="0" smtClean="0">
+                <a:latin typeface="Segoe UI" panose="020B0502040204020203" pitchFamily="34" charset="0"/>
+                <a:cs typeface="Segoe UI" panose="020B0502040204020203" pitchFamily="34" charset="0"/>
+              </a:rPr>
               <a:t>Append(next)</a:t>
             </a:r>
-            <a:endParaRPr lang="en-US" dirty="0"/>
+            <a:endParaRPr lang="en-US" dirty="0">
+              <a:latin typeface="Segoe UI" panose="020B0502040204020203" pitchFamily="34" charset="0"/>
+              <a:cs typeface="Segoe UI" panose="020B0502040204020203" pitchFamily="34" charset="0"/>
+            </a:endParaRPr>
           </a:p>
           <a:p>
             <a:pPr marL="285750" indent="-285750">
@@ -14378,29 +14716,47 @@
               <a:buChar char="•"/>
             </a:pPr>
             <a:r>
-              <a:rPr lang="en-US" dirty="0" smtClean="0"/>
+              <a:rPr lang="en-US" dirty="0" smtClean="0">
+                <a:latin typeface="Segoe UI" panose="020B0502040204020203" pitchFamily="34" charset="0"/>
+                <a:cs typeface="Segoe UI" panose="020B0502040204020203" pitchFamily="34" charset="0"/>
+              </a:rPr>
               <a:t>Prepend(</a:t>
             </a:r>
             <a:r>
-              <a:rPr lang="en-US" dirty="0" err="1" smtClean="0"/>
+              <a:rPr lang="en-US" dirty="0" err="1" smtClean="0">
+                <a:latin typeface="Segoe UI" panose="020B0502040204020203" pitchFamily="34" charset="0"/>
+                <a:cs typeface="Segoe UI" panose="020B0502040204020203" pitchFamily="34" charset="0"/>
+              </a:rPr>
               <a:t>prev</a:t>
             </a:r>
             <a:r>
-              <a:rPr lang="en-US" dirty="0" smtClean="0"/>
+              <a:rPr lang="en-US" dirty="0" smtClean="0">
+                <a:latin typeface="Segoe UI" panose="020B0502040204020203" pitchFamily="34" charset="0"/>
+                <a:cs typeface="Segoe UI" panose="020B0502040204020203" pitchFamily="34" charset="0"/>
+              </a:rPr>
               <a:t>)</a:t>
             </a:r>
-            <a:endParaRPr lang="en-US" dirty="0"/>
+            <a:endParaRPr lang="en-US" dirty="0">
+              <a:latin typeface="Segoe UI" panose="020B0502040204020203" pitchFamily="34" charset="0"/>
+              <a:cs typeface="Segoe UI" panose="020B0502040204020203" pitchFamily="34" charset="0"/>
+            </a:endParaRPr>
           </a:p>
           <a:p>
             <a:pPr marL="285750" indent="-285750">
               <a:buFont typeface="Arial" panose="020B0604020202020204" pitchFamily="34" charset="0"/>
               <a:buChar char="•"/>
             </a:pPr>
-            <a:endParaRPr lang="en-US" dirty="0"/>
-          </a:p>
-          <a:p>
-            <a:r>
-              <a:rPr lang="en-US" dirty="0"/>
+            <a:endParaRPr lang="en-US" dirty="0">
+              <a:latin typeface="Segoe UI" panose="020B0502040204020203" pitchFamily="34" charset="0"/>
+              <a:cs typeface="Segoe UI" panose="020B0502040204020203" pitchFamily="34" charset="0"/>
+            </a:endParaRPr>
+          </a:p>
+          <a:p>
+            <a:r>
+              <a:rPr lang="en-US" dirty="0">
+                <a:latin typeface="Segoe UI" panose="020B0502040204020203" pitchFamily="34" charset="0"/>
+                <a:cs typeface="Segoe UI" panose="020B0502040204020203" pitchFamily="34" charset="0"/>
+              </a:rPr>
               <a:t>Other methods</a:t>
             </a:r>
           </a:p>
@@ -14410,7 +14766,10 @@
               <a:buChar char="•"/>
             </a:pPr>
             <a:r>
-              <a:rPr lang="en-US" dirty="0" smtClean="0"/>
+              <a:rPr lang="en-US" dirty="0" smtClean="0">
+                <a:latin typeface="Segoe UI" panose="020B0502040204020203" pitchFamily="34" charset="0"/>
+                <a:cs typeface="Segoe UI" panose="020B0502040204020203" pitchFamily="34" charset="0"/>
+              </a:rPr>
               <a:t>Size</a:t>
             </a:r>
           </a:p>
@@ -14420,7 +14779,10 @@
               <a:buChar char="•"/>
             </a:pPr>
             <a:r>
-              <a:rPr lang="en-US" dirty="0" smtClean="0"/>
+              <a:rPr lang="en-US" dirty="0" smtClean="0">
+                <a:latin typeface="Segoe UI" panose="020B0502040204020203" pitchFamily="34" charset="0"/>
+                <a:cs typeface="Segoe UI" panose="020B0502040204020203" pitchFamily="34" charset="0"/>
+              </a:rPr>
               <a:t>To array</a:t>
             </a:r>
           </a:p>
@@ -14430,7 +14792,10 @@
               <a:buChar char="•"/>
             </a:pPr>
             <a:r>
-              <a:rPr lang="en-US" dirty="0" smtClean="0"/>
+              <a:rPr lang="en-US" dirty="0" smtClean="0">
+                <a:latin typeface="Segoe UI" panose="020B0502040204020203" pitchFamily="34" charset="0"/>
+                <a:cs typeface="Segoe UI" panose="020B0502040204020203" pitchFamily="34" charset="0"/>
+              </a:rPr>
               <a:t>Search?</a:t>
             </a:r>
           </a:p>
@@ -14440,10 +14805,16 @@
               <a:buChar char="•"/>
             </a:pPr>
             <a:r>
-              <a:rPr lang="en-US" dirty="0" err="1" smtClean="0"/>
+              <a:rPr lang="en-US" dirty="0" err="1" smtClean="0">
+                <a:latin typeface="Segoe UI" panose="020B0502040204020203" pitchFamily="34" charset="0"/>
+                <a:cs typeface="Segoe UI" panose="020B0502040204020203" pitchFamily="34" charset="0"/>
+              </a:rPr>
               <a:t>getLast</a:t>
             </a:r>
-            <a:endParaRPr lang="en-US" dirty="0"/>
+            <a:endParaRPr lang="en-US" dirty="0">
+              <a:latin typeface="Segoe UI" panose="020B0502040204020203" pitchFamily="34" charset="0"/>
+              <a:cs typeface="Segoe UI" panose="020B0502040204020203" pitchFamily="34" charset="0"/>
+            </a:endParaRPr>
           </a:p>
           <a:p>
             <a:pPr marL="285750" indent="-285750">
@@ -14451,10 +14822,16 @@
               <a:buChar char="•"/>
             </a:pPr>
             <a:r>
-              <a:rPr lang="en-US" dirty="0" smtClean="0"/>
+              <a:rPr lang="en-US" dirty="0" smtClean="0">
+                <a:latin typeface="Segoe UI" panose="020B0502040204020203" pitchFamily="34" charset="0"/>
+                <a:cs typeface="Segoe UI" panose="020B0502040204020203" pitchFamily="34" charset="0"/>
+              </a:rPr>
               <a:t>Delete node</a:t>
             </a:r>
-            <a:endParaRPr lang="en-US" dirty="0"/>
+            <a:endParaRPr lang="en-US" dirty="0">
+              <a:latin typeface="Segoe UI" panose="020B0502040204020203" pitchFamily="34" charset="0"/>
+              <a:cs typeface="Segoe UI" panose="020B0502040204020203" pitchFamily="34" charset="0"/>
+            </a:endParaRPr>
           </a:p>
         </p:txBody>
       </p:sp>
@@ -14511,10 +14888,16 @@
           <a:lstStyle/>
           <a:p>
             <a:r>
-              <a:rPr lang="en-US" b="1" smtClean="0"/>
+              <a:rPr lang="en-US" b="1" smtClean="0">
+                <a:latin typeface="Segoe UI" panose="020B0502040204020203" pitchFamily="34" charset="0"/>
+                <a:cs typeface="Segoe UI" panose="020B0502040204020203" pitchFamily="34" charset="0"/>
+              </a:rPr>
               <a:t>Stack - Queue</a:t>
             </a:r>
-            <a:endParaRPr lang="en-US" dirty="0"/>
+            <a:endParaRPr lang="en-US" dirty="0">
+              <a:latin typeface="Segoe UI" panose="020B0502040204020203" pitchFamily="34" charset="0"/>
+              <a:cs typeface="Segoe UI" panose="020B0502040204020203" pitchFamily="34" charset="0"/>
+            </a:endParaRPr>
           </a:p>
         </p:txBody>
       </p:sp>
@@ -14544,73 +14927,127 @@
               <a:buNone/>
             </a:pPr>
             <a:r>
-              <a:rPr lang="en-US" dirty="0" smtClean="0"/>
+              <a:rPr lang="en-US" dirty="0" smtClean="0">
+                <a:latin typeface="Segoe UI" panose="020B0502040204020203" pitchFamily="34" charset="0"/>
+                <a:cs typeface="Segoe UI" panose="020B0502040204020203" pitchFamily="34" charset="0"/>
+              </a:rPr>
               <a:t>Main methods</a:t>
             </a:r>
           </a:p>
           <a:p>
             <a:r>
-              <a:rPr lang="en-US" dirty="0" smtClean="0"/>
+              <a:rPr lang="en-US" dirty="0" smtClean="0">
+                <a:latin typeface="Segoe UI" panose="020B0502040204020203" pitchFamily="34" charset="0"/>
+                <a:cs typeface="Segoe UI" panose="020B0502040204020203" pitchFamily="34" charset="0"/>
+              </a:rPr>
               <a:t>Stack</a:t>
             </a:r>
             <a:r>
-              <a:rPr lang="ru-RU" dirty="0" smtClean="0"/>
+              <a:rPr lang="ru-RU" dirty="0" smtClean="0">
+                <a:latin typeface="Segoe UI" panose="020B0502040204020203" pitchFamily="34" charset="0"/>
+                <a:cs typeface="Segoe UI" panose="020B0502040204020203" pitchFamily="34" charset="0"/>
+              </a:rPr>
               <a:t>()</a:t>
             </a:r>
-            <a:endParaRPr lang="en-US" dirty="0" smtClean="0"/>
-          </a:p>
-          <a:p>
-            <a:r>
-              <a:rPr lang="en-US" dirty="0" smtClean="0"/>
+            <a:endParaRPr lang="en-US" dirty="0" smtClean="0">
+              <a:latin typeface="Segoe UI" panose="020B0502040204020203" pitchFamily="34" charset="0"/>
+              <a:cs typeface="Segoe UI" panose="020B0502040204020203" pitchFamily="34" charset="0"/>
+            </a:endParaRPr>
+          </a:p>
+          <a:p>
+            <a:r>
+              <a:rPr lang="en-US" dirty="0" smtClean="0">
+                <a:latin typeface="Segoe UI" panose="020B0502040204020203" pitchFamily="34" charset="0"/>
+                <a:cs typeface="Segoe UI" panose="020B0502040204020203" pitchFamily="34" charset="0"/>
+              </a:rPr>
               <a:t>Push</a:t>
             </a:r>
             <a:r>
-              <a:rPr lang="ru-RU" dirty="0" smtClean="0"/>
+              <a:rPr lang="ru-RU" dirty="0" smtClean="0">
+                <a:latin typeface="Segoe UI" panose="020B0502040204020203" pitchFamily="34" charset="0"/>
+                <a:cs typeface="Segoe UI" panose="020B0502040204020203" pitchFamily="34" charset="0"/>
+              </a:rPr>
               <a:t>()</a:t>
             </a:r>
-            <a:endParaRPr lang="en-US" dirty="0" smtClean="0"/>
-          </a:p>
-          <a:p>
-            <a:r>
-              <a:rPr lang="en-US" dirty="0" smtClean="0"/>
+            <a:endParaRPr lang="en-US" dirty="0" smtClean="0">
+              <a:latin typeface="Segoe UI" panose="020B0502040204020203" pitchFamily="34" charset="0"/>
+              <a:cs typeface="Segoe UI" panose="020B0502040204020203" pitchFamily="34" charset="0"/>
+            </a:endParaRPr>
+          </a:p>
+          <a:p>
+            <a:r>
+              <a:rPr lang="en-US" dirty="0" smtClean="0">
+                <a:latin typeface="Segoe UI" panose="020B0502040204020203" pitchFamily="34" charset="0"/>
+                <a:cs typeface="Segoe UI" panose="020B0502040204020203" pitchFamily="34" charset="0"/>
+              </a:rPr>
               <a:t>Pop</a:t>
             </a:r>
             <a:r>
-              <a:rPr lang="ru-RU" dirty="0" smtClean="0"/>
+              <a:rPr lang="ru-RU" dirty="0" smtClean="0">
+                <a:latin typeface="Segoe UI" panose="020B0502040204020203" pitchFamily="34" charset="0"/>
+                <a:cs typeface="Segoe UI" panose="020B0502040204020203" pitchFamily="34" charset="0"/>
+              </a:rPr>
               <a:t>()</a:t>
             </a:r>
-            <a:endParaRPr lang="en-US" dirty="0" smtClean="0"/>
-          </a:p>
-          <a:p>
-            <a:r>
-              <a:rPr lang="en-US" dirty="0" smtClean="0"/>
+            <a:endParaRPr lang="en-US" dirty="0" smtClean="0">
+              <a:latin typeface="Segoe UI" panose="020B0502040204020203" pitchFamily="34" charset="0"/>
+              <a:cs typeface="Segoe UI" panose="020B0502040204020203" pitchFamily="34" charset="0"/>
+            </a:endParaRPr>
+          </a:p>
+          <a:p>
+            <a:r>
+              <a:rPr lang="en-US" dirty="0" smtClean="0">
+                <a:latin typeface="Segoe UI" panose="020B0502040204020203" pitchFamily="34" charset="0"/>
+                <a:cs typeface="Segoe UI" panose="020B0502040204020203" pitchFamily="34" charset="0"/>
+              </a:rPr>
               <a:t>Peek</a:t>
             </a:r>
             <a:r>
-              <a:rPr lang="ru-RU" dirty="0" smtClean="0"/>
+              <a:rPr lang="ru-RU" dirty="0" smtClean="0">
+                <a:latin typeface="Segoe UI" panose="020B0502040204020203" pitchFamily="34" charset="0"/>
+                <a:cs typeface="Segoe UI" panose="020B0502040204020203" pitchFamily="34" charset="0"/>
+              </a:rPr>
               <a:t>()</a:t>
             </a:r>
-            <a:endParaRPr lang="en-US" dirty="0" smtClean="0"/>
-          </a:p>
-          <a:p>
-            <a:endParaRPr lang="ru-RU" dirty="0" smtClean="0"/>
+            <a:endParaRPr lang="en-US" dirty="0" smtClean="0">
+              <a:latin typeface="Segoe UI" panose="020B0502040204020203" pitchFamily="34" charset="0"/>
+              <a:cs typeface="Segoe UI" panose="020B0502040204020203" pitchFamily="34" charset="0"/>
+            </a:endParaRPr>
+          </a:p>
+          <a:p>
+            <a:endParaRPr lang="ru-RU" dirty="0" smtClean="0">
+              <a:latin typeface="Segoe UI" panose="020B0502040204020203" pitchFamily="34" charset="0"/>
+              <a:cs typeface="Segoe UI" panose="020B0502040204020203" pitchFamily="34" charset="0"/>
+            </a:endParaRPr>
           </a:p>
           <a:p>
             <a:pPr marL="0" indent="0">
               <a:buNone/>
             </a:pPr>
             <a:r>
-              <a:rPr lang="en-US" dirty="0" smtClean="0"/>
+              <a:rPr lang="en-US" dirty="0" smtClean="0">
+                <a:latin typeface="Segoe UI" panose="020B0502040204020203" pitchFamily="34" charset="0"/>
+                <a:cs typeface="Segoe UI" panose="020B0502040204020203" pitchFamily="34" charset="0"/>
+              </a:rPr>
               <a:t>other</a:t>
             </a:r>
-            <a:endParaRPr lang="en-US" dirty="0"/>
-          </a:p>
-          <a:p>
-            <a:r>
-              <a:rPr lang="en-US" dirty="0" smtClean="0"/>
+            <a:endParaRPr lang="en-US" dirty="0">
+              <a:latin typeface="Segoe UI" panose="020B0502040204020203" pitchFamily="34" charset="0"/>
+              <a:cs typeface="Segoe UI" panose="020B0502040204020203" pitchFamily="34" charset="0"/>
+            </a:endParaRPr>
+          </a:p>
+          <a:p>
+            <a:r>
+              <a:rPr lang="en-US" dirty="0" smtClean="0">
+                <a:latin typeface="Segoe UI" panose="020B0502040204020203" pitchFamily="34" charset="0"/>
+                <a:cs typeface="Segoe UI" panose="020B0502040204020203" pitchFamily="34" charset="0"/>
+              </a:rPr>
               <a:t>size</a:t>
             </a:r>
-            <a:endParaRPr lang="en-US" dirty="0"/>
+            <a:endParaRPr lang="en-US" dirty="0">
+              <a:latin typeface="Segoe UI" panose="020B0502040204020203" pitchFamily="34" charset="0"/>
+              <a:cs typeface="Segoe UI" panose="020B0502040204020203" pitchFamily="34" charset="0"/>
+            </a:endParaRPr>
           </a:p>
         </p:txBody>
       </p:sp>
@@ -14623,7 +15060,7 @@
         <p:spPr>
           <a:xfrm>
             <a:off x="838200" y="1578819"/>
-            <a:ext cx="4667054" cy="523220"/>
+            <a:ext cx="4667054" cy="954107"/>
           </a:xfrm>
           <a:prstGeom prst="rect">
             <a:avLst/>
@@ -14636,11 +15073,17 @@
           <a:lstStyle/>
           <a:p>
             <a:r>
-              <a:rPr lang="en-US" sz="2800" dirty="0" smtClean="0"/>
+              <a:rPr lang="en-US" sz="2800" dirty="0" smtClean="0">
+                <a:latin typeface="Segoe UI" panose="020B0502040204020203" pitchFamily="34" charset="0"/>
+                <a:cs typeface="Segoe UI" panose="020B0502040204020203" pitchFamily="34" charset="0"/>
+              </a:rPr>
               <a:t>Stack – FIFO - </a:t>
             </a:r>
             <a:r>
-              <a:rPr lang="en-US" sz="2800" dirty="0"/>
+              <a:rPr lang="en-US" sz="2800" dirty="0">
+                <a:latin typeface="Segoe UI" panose="020B0502040204020203" pitchFamily="34" charset="0"/>
+                <a:cs typeface="Segoe UI" panose="020B0502040204020203" pitchFamily="34" charset="0"/>
+              </a:rPr>
               <a:t>First-In, First-Out</a:t>
             </a:r>
           </a:p>
@@ -14685,7 +15128,7 @@
         <p:spPr>
           <a:xfrm>
             <a:off x="9104736" y="176113"/>
-            <a:ext cx="744114" cy="369332"/>
+            <a:ext cx="784189" cy="369332"/>
           </a:xfrm>
           <a:prstGeom prst="rect">
             <a:avLst/>
@@ -14702,6 +15145,8 @@
                 <a:solidFill>
                   <a:srgbClr val="FF0000"/>
                 </a:solidFill>
+                <a:latin typeface="Segoe UI" panose="020B0502040204020203" pitchFamily="34" charset="0"/>
+                <a:cs typeface="Segoe UI" panose="020B0502040204020203" pitchFamily="34" charset="0"/>
                 <a:hlinkClick r:id="rId3"/>
               </a:rPr>
               <a:t>Visual</a:t>
@@ -14710,6 +15155,8 @@
               <a:solidFill>
                 <a:srgbClr val="FF0000"/>
               </a:solidFill>
+              <a:latin typeface="Segoe UI" panose="020B0502040204020203" pitchFamily="34" charset="0"/>
+              <a:cs typeface="Segoe UI" panose="020B0502040204020203" pitchFamily="34" charset="0"/>
             </a:endParaRPr>
           </a:p>
         </p:txBody>
@@ -14723,7 +15170,7 @@
         <p:spPr>
           <a:xfrm>
             <a:off x="6255428" y="4322669"/>
-            <a:ext cx="5517472" cy="369332"/>
+            <a:ext cx="6008761" cy="369332"/>
           </a:xfrm>
           <a:prstGeom prst="rect">
             <a:avLst/>
@@ -14736,19 +15183,31 @@
           <a:lstStyle/>
           <a:p>
             <a:r>
-              <a:rPr lang="en-US" dirty="0" smtClean="0"/>
+              <a:rPr lang="en-US" dirty="0" smtClean="0">
+                <a:latin typeface="Segoe UI" panose="020B0502040204020203" pitchFamily="34" charset="0"/>
+                <a:cs typeface="Segoe UI" panose="020B0502040204020203" pitchFamily="34" charset="0"/>
+              </a:rPr>
               <a:t>For example all </a:t>
             </a:r>
             <a:r>
-              <a:rPr lang="en-US" dirty="0"/>
+              <a:rPr lang="en-US" dirty="0">
+                <a:latin typeface="Segoe UI" panose="020B0502040204020203" pitchFamily="34" charset="0"/>
+                <a:cs typeface="Segoe UI" panose="020B0502040204020203" pitchFamily="34" charset="0"/>
+              </a:rPr>
               <a:t>function calls are stored on the </a:t>
             </a:r>
             <a:r>
-              <a:rPr lang="en-US" dirty="0" smtClean="0"/>
+              <a:rPr lang="en-US" dirty="0" smtClean="0">
+                <a:latin typeface="Segoe UI" panose="020B0502040204020203" pitchFamily="34" charset="0"/>
+                <a:cs typeface="Segoe UI" panose="020B0502040204020203" pitchFamily="34" charset="0"/>
+              </a:rPr>
               <a:t>Call Stack</a:t>
             </a:r>
             <a:r>
-              <a:rPr lang="en-US" dirty="0"/>
+              <a:rPr lang="en-US" dirty="0">
+                <a:latin typeface="Segoe UI" panose="020B0502040204020203" pitchFamily="34" charset="0"/>
+                <a:cs typeface="Segoe UI" panose="020B0502040204020203" pitchFamily="34" charset="0"/>
+              </a:rPr>
               <a:t>.</a:t>
             </a:r>
           </a:p>
@@ -14836,10 +15295,16 @@
           <a:lstStyle/>
           <a:p>
             <a:r>
-              <a:rPr lang="en-US" b="1" dirty="0"/>
+              <a:rPr lang="en-US" b="1" dirty="0">
+                <a:latin typeface="Segoe UI" panose="020B0502040204020203" pitchFamily="34" charset="0"/>
+                <a:cs typeface="Segoe UI" panose="020B0502040204020203" pitchFamily="34" charset="0"/>
+              </a:rPr>
               <a:t>Stack - Queue</a:t>
             </a:r>
-            <a:endParaRPr lang="en-US" dirty="0"/>
+            <a:endParaRPr lang="en-US" dirty="0">
+              <a:latin typeface="Segoe UI" panose="020B0502040204020203" pitchFamily="34" charset="0"/>
+              <a:cs typeface="Segoe UI" panose="020B0502040204020203" pitchFamily="34" charset="0"/>
+            </a:endParaRPr>
           </a:p>
         </p:txBody>
       </p:sp>
@@ -14852,7 +15317,7 @@
         <p:spPr>
           <a:xfrm>
             <a:off x="838200" y="1110344"/>
-            <a:ext cx="5260942" cy="523220"/>
+            <a:ext cx="5260942" cy="954107"/>
           </a:xfrm>
           <a:prstGeom prst="rect">
             <a:avLst/>
@@ -14866,11 +15331,17 @@
           <a:lstStyle/>
           <a:p>
             <a:r>
-              <a:rPr lang="en-US" sz="2800" dirty="0" smtClean="0"/>
+              <a:rPr lang="en-US" sz="2800" dirty="0" smtClean="0">
+                <a:latin typeface="Segoe UI" panose="020B0502040204020203" pitchFamily="34" charset="0"/>
+                <a:cs typeface="Segoe UI" panose="020B0502040204020203" pitchFamily="34" charset="0"/>
+              </a:rPr>
               <a:t>Queue – LIFO – Last-In</a:t>
             </a:r>
             <a:r>
-              <a:rPr lang="en-US" sz="2800" dirty="0"/>
+              <a:rPr lang="en-US" sz="2800" dirty="0">
+                <a:latin typeface="Segoe UI" panose="020B0502040204020203" pitchFamily="34" charset="0"/>
+                <a:cs typeface="Segoe UI" panose="020B0502040204020203" pitchFamily="34" charset="0"/>
+              </a:rPr>
               <a:t>, First-Out</a:t>
             </a:r>
           </a:p>
@@ -14885,7 +15356,7 @@
         <p:spPr>
           <a:xfrm>
             <a:off x="838200" y="1855562"/>
-            <a:ext cx="1614929" cy="1754326"/>
+            <a:ext cx="1726755" cy="1754326"/>
           </a:xfrm>
           <a:prstGeom prst="rect">
             <a:avLst/>
@@ -14898,7 +15369,10 @@
           <a:lstStyle/>
           <a:p>
             <a:r>
-              <a:rPr lang="en-US" dirty="0" smtClean="0"/>
+              <a:rPr lang="en-US" dirty="0" smtClean="0">
+                <a:latin typeface="Segoe UI" panose="020B0502040204020203" pitchFamily="34" charset="0"/>
+                <a:cs typeface="Segoe UI" panose="020B0502040204020203" pitchFamily="34" charset="0"/>
+              </a:rPr>
               <a:t>Main methods</a:t>
             </a:r>
           </a:p>
@@ -14908,10 +15382,16 @@
               <a:buChar char="•"/>
             </a:pPr>
             <a:r>
-              <a:rPr lang="en-US" dirty="0" err="1" smtClean="0"/>
+              <a:rPr lang="en-US" dirty="0" err="1" smtClean="0">
+                <a:latin typeface="Segoe UI" panose="020B0502040204020203" pitchFamily="34" charset="0"/>
+                <a:cs typeface="Segoe UI" panose="020B0502040204020203" pitchFamily="34" charset="0"/>
+              </a:rPr>
               <a:t>Enqueue</a:t>
             </a:r>
-            <a:endParaRPr lang="en-US" dirty="0" smtClean="0"/>
+            <a:endParaRPr lang="en-US" dirty="0" smtClean="0">
+              <a:latin typeface="Segoe UI" panose="020B0502040204020203" pitchFamily="34" charset="0"/>
+              <a:cs typeface="Segoe UI" panose="020B0502040204020203" pitchFamily="34" charset="0"/>
+            </a:endParaRPr>
           </a:p>
           <a:p>
             <a:pPr marL="285750" indent="-285750">
@@ -14919,21 +15399,33 @@
               <a:buChar char="•"/>
             </a:pPr>
             <a:r>
-              <a:rPr lang="en-US" dirty="0" err="1" smtClean="0"/>
+              <a:rPr lang="en-US" dirty="0" err="1" smtClean="0">
+                <a:latin typeface="Segoe UI" panose="020B0502040204020203" pitchFamily="34" charset="0"/>
+                <a:cs typeface="Segoe UI" panose="020B0502040204020203" pitchFamily="34" charset="0"/>
+              </a:rPr>
               <a:t>Dequeue</a:t>
             </a:r>
-            <a:endParaRPr lang="en-US" dirty="0" smtClean="0"/>
+            <a:endParaRPr lang="en-US" dirty="0" smtClean="0">
+              <a:latin typeface="Segoe UI" panose="020B0502040204020203" pitchFamily="34" charset="0"/>
+              <a:cs typeface="Segoe UI" panose="020B0502040204020203" pitchFamily="34" charset="0"/>
+            </a:endParaRPr>
           </a:p>
           <a:p>
             <a:pPr marL="285750" indent="-285750">
               <a:buFont typeface="Arial" panose="020B0604020202020204" pitchFamily="34" charset="0"/>
               <a:buChar char="•"/>
             </a:pPr>
-            <a:endParaRPr lang="en-US" dirty="0"/>
-          </a:p>
-          <a:p>
-            <a:r>
-              <a:rPr lang="en-US" dirty="0" smtClean="0"/>
+            <a:endParaRPr lang="en-US" dirty="0">
+              <a:latin typeface="Segoe UI" panose="020B0502040204020203" pitchFamily="34" charset="0"/>
+              <a:cs typeface="Segoe UI" panose="020B0502040204020203" pitchFamily="34" charset="0"/>
+            </a:endParaRPr>
+          </a:p>
+          <a:p>
+            <a:r>
+              <a:rPr lang="en-US" dirty="0" smtClean="0">
+                <a:latin typeface="Segoe UI" panose="020B0502040204020203" pitchFamily="34" charset="0"/>
+                <a:cs typeface="Segoe UI" panose="020B0502040204020203" pitchFamily="34" charset="0"/>
+              </a:rPr>
               <a:t>Other methods</a:t>
             </a:r>
           </a:p>
@@ -14943,10 +15435,16 @@
               <a:buChar char="•"/>
             </a:pPr>
             <a:r>
-              <a:rPr lang="en-US" dirty="0" smtClean="0"/>
+              <a:rPr lang="en-US" dirty="0" smtClean="0">
+                <a:latin typeface="Segoe UI" panose="020B0502040204020203" pitchFamily="34" charset="0"/>
+                <a:cs typeface="Segoe UI" panose="020B0502040204020203" pitchFamily="34" charset="0"/>
+              </a:rPr>
               <a:t>size</a:t>
             </a:r>
-            <a:endParaRPr lang="en-US" dirty="0"/>
+            <a:endParaRPr lang="en-US" dirty="0">
+              <a:latin typeface="Segoe UI" panose="020B0502040204020203" pitchFamily="34" charset="0"/>
+              <a:cs typeface="Segoe UI" panose="020B0502040204020203" pitchFamily="34" charset="0"/>
+            </a:endParaRPr>
           </a:p>
         </p:txBody>
       </p:sp>
@@ -14989,7 +15487,7 @@
         <p:spPr>
           <a:xfrm>
             <a:off x="9104736" y="176113"/>
-            <a:ext cx="797013" cy="369332"/>
+            <a:ext cx="846707" cy="369332"/>
           </a:xfrm>
           <a:prstGeom prst="rect">
             <a:avLst/>
@@ -15006,6 +15504,8 @@
                 <a:solidFill>
                   <a:srgbClr val="FF0000"/>
                 </a:solidFill>
+                <a:latin typeface="Segoe UI" panose="020B0502040204020203" pitchFamily="34" charset="0"/>
+                <a:cs typeface="Segoe UI" panose="020B0502040204020203" pitchFamily="34" charset="0"/>
                 <a:hlinkClick r:id="rId3"/>
               </a:rPr>
               <a:t>Visual</a:t>
@@ -15015,6 +15515,8 @@
                 <a:solidFill>
                   <a:srgbClr val="FF0000"/>
                 </a:solidFill>
+                <a:latin typeface="Segoe UI" panose="020B0502040204020203" pitchFamily="34" charset="0"/>
+                <a:cs typeface="Segoe UI" panose="020B0502040204020203" pitchFamily="34" charset="0"/>
               </a:rPr>
               <a:t> </a:t>
             </a:r>
@@ -15022,6 +15524,8 @@
               <a:solidFill>
                 <a:srgbClr val="FF0000"/>
               </a:solidFill>
+              <a:latin typeface="Segoe UI" panose="020B0502040204020203" pitchFamily="34" charset="0"/>
+              <a:cs typeface="Segoe UI" panose="020B0502040204020203" pitchFamily="34" charset="0"/>
             </a:endParaRPr>
           </a:p>
         </p:txBody>
@@ -15079,10 +15583,16 @@
           <a:lstStyle/>
           <a:p>
             <a:r>
-              <a:rPr lang="en-US" b="1" dirty="0" smtClean="0"/>
+              <a:rPr lang="en-US" b="1" dirty="0" smtClean="0">
+                <a:latin typeface="Segoe UI" panose="020B0502040204020203" pitchFamily="34" charset="0"/>
+                <a:cs typeface="Segoe UI" panose="020B0502040204020203" pitchFamily="34" charset="0"/>
+              </a:rPr>
               <a:t>Tree</a:t>
             </a:r>
-            <a:endParaRPr lang="en-US" dirty="0"/>
+            <a:endParaRPr lang="en-US" dirty="0">
+              <a:latin typeface="Segoe UI" panose="020B0502040204020203" pitchFamily="34" charset="0"/>
+              <a:cs typeface="Segoe UI" panose="020B0502040204020203" pitchFamily="34" charset="0"/>
+            </a:endParaRPr>
           </a:p>
         </p:txBody>
       </p:sp>
@@ -15107,22 +15617,34 @@
           <a:lstStyle/>
           <a:p>
             <a:r>
-              <a:rPr lang="en-US" dirty="0" smtClean="0"/>
+              <a:rPr lang="en-US" dirty="0" smtClean="0">
+                <a:latin typeface="Segoe UI" panose="020B0502040204020203" pitchFamily="34" charset="0"/>
+                <a:cs typeface="Segoe UI" panose="020B0502040204020203" pitchFamily="34" charset="0"/>
+              </a:rPr>
               <a:t>What is tree</a:t>
             </a:r>
           </a:p>
           <a:p>
             <a:r>
-              <a:rPr lang="en-US" dirty="0" smtClean="0"/>
+              <a:rPr lang="en-US" dirty="0" smtClean="0">
+                <a:latin typeface="Segoe UI" panose="020B0502040204020203" pitchFamily="34" charset="0"/>
+                <a:cs typeface="Segoe UI" panose="020B0502040204020203" pitchFamily="34" charset="0"/>
+              </a:rPr>
               <a:t>Compare trees and lists</a:t>
             </a:r>
           </a:p>
           <a:p>
             <a:r>
-              <a:rPr lang="en-US" dirty="0" smtClean="0"/>
+              <a:rPr lang="en-US" dirty="0" smtClean="0">
+                <a:latin typeface="Segoe UI" panose="020B0502040204020203" pitchFamily="34" charset="0"/>
+                <a:cs typeface="Segoe UI" panose="020B0502040204020203" pitchFamily="34" charset="0"/>
+              </a:rPr>
               <a:t>Difference between tree, binary tree and binary search tree</a:t>
             </a:r>
-            <a:endParaRPr lang="en-US" dirty="0"/>
+            <a:endParaRPr lang="en-US" dirty="0">
+              <a:latin typeface="Segoe UI" panose="020B0502040204020203" pitchFamily="34" charset="0"/>
+              <a:cs typeface="Segoe UI" panose="020B0502040204020203" pitchFamily="34" charset="0"/>
+            </a:endParaRPr>
           </a:p>
         </p:txBody>
       </p:sp>
@@ -15165,7 +15687,7 @@
         <p:spPr>
           <a:xfrm>
             <a:off x="1" y="3759382"/>
-            <a:ext cx="3268980" cy="2554545"/>
+            <a:ext cx="3268980" cy="2708434"/>
           </a:xfrm>
           <a:prstGeom prst="rect">
             <a:avLst/>
@@ -15179,105 +15701,165 @@
           <a:lstStyle/>
           <a:p>
             <a:r>
-              <a:rPr lang="en-US" sz="1000" dirty="0"/>
+              <a:rPr lang="en-US" sz="1000" dirty="0">
+                <a:latin typeface="Segoe UI" panose="020B0502040204020203" pitchFamily="34" charset="0"/>
+                <a:cs typeface="Segoe UI" panose="020B0502040204020203" pitchFamily="34" charset="0"/>
+              </a:rPr>
               <a:t>unlike lists, a tree element can have several child </a:t>
             </a:r>
             <a:r>
-              <a:rPr lang="en-US" sz="1000" dirty="0" smtClean="0"/>
+              <a:rPr lang="en-US" sz="1000" dirty="0" smtClean="0">
+                <a:latin typeface="Segoe UI" panose="020B0502040204020203" pitchFamily="34" charset="0"/>
+                <a:cs typeface="Segoe UI" panose="020B0502040204020203" pitchFamily="34" charset="0"/>
+              </a:rPr>
               <a:t>nodes</a:t>
             </a:r>
           </a:p>
           <a:p>
             <a:r>
-              <a:rPr lang="en-US" sz="1000" dirty="0" smtClean="0"/>
+              <a:rPr lang="en-US" sz="1000" dirty="0" smtClean="0">
+                <a:latin typeface="Segoe UI" panose="020B0502040204020203" pitchFamily="34" charset="0"/>
+                <a:cs typeface="Segoe UI" panose="020B0502040204020203" pitchFamily="34" charset="0"/>
+              </a:rPr>
               <a:t>Lists is linear, trees is nonlinear</a:t>
             </a:r>
           </a:p>
           <a:p>
             <a:r>
-              <a:rPr lang="en-US" sz="1000" dirty="0" smtClean="0"/>
+              <a:rPr lang="en-US" sz="1000" dirty="0" smtClean="0">
+                <a:latin typeface="Segoe UI" panose="020B0502040204020203" pitchFamily="34" charset="0"/>
+                <a:cs typeface="Segoe UI" panose="020B0502040204020203" pitchFamily="34" charset="0"/>
+              </a:rPr>
               <a:t>Singly linked list is special case of tree</a:t>
             </a:r>
           </a:p>
           <a:p>
             <a:r>
-              <a:rPr lang="en-US" sz="1000" dirty="0" smtClean="0"/>
+              <a:rPr lang="en-US" sz="1000" dirty="0" smtClean="0">
+                <a:latin typeface="Segoe UI" panose="020B0502040204020203" pitchFamily="34" charset="0"/>
+                <a:cs typeface="Segoe UI" panose="020B0502040204020203" pitchFamily="34" charset="0"/>
+              </a:rPr>
               <a:t>Tree node can point only child(</a:t>
             </a:r>
             <a:r>
-              <a:rPr lang="en-US" sz="1000" dirty="0"/>
+              <a:rPr lang="en-US" sz="1000" dirty="0">
+                <a:latin typeface="Segoe UI" panose="020B0502040204020203" pitchFamily="34" charset="0"/>
+                <a:cs typeface="Segoe UI" panose="020B0502040204020203" pitchFamily="34" charset="0"/>
+              </a:rPr>
               <a:t>parent child </a:t>
             </a:r>
             <a:r>
-              <a:rPr lang="en-US" sz="1000" dirty="0" smtClean="0"/>
+              <a:rPr lang="en-US" sz="1000" dirty="0" smtClean="0">
+                <a:latin typeface="Segoe UI" panose="020B0502040204020203" pitchFamily="34" charset="0"/>
+                <a:cs typeface="Segoe UI" panose="020B0502040204020203" pitchFamily="34" charset="0"/>
+              </a:rPr>
               <a:t>relationship)</a:t>
             </a:r>
           </a:p>
           <a:p>
             <a:r>
-              <a:rPr lang="en-US" sz="1000" dirty="0" smtClean="0"/>
+              <a:rPr lang="en-US" sz="1000" dirty="0" smtClean="0">
+                <a:latin typeface="Segoe UI" panose="020B0502040204020203" pitchFamily="34" charset="0"/>
+                <a:cs typeface="Segoe UI" panose="020B0502040204020203" pitchFamily="34" charset="0"/>
+              </a:rPr>
               <a:t>We can not have node pointing to sibling</a:t>
             </a:r>
           </a:p>
           <a:p>
             <a:r>
-              <a:rPr lang="en-US" sz="1000" dirty="0" smtClean="0"/>
+              <a:rPr lang="en-US" sz="1000" dirty="0" smtClean="0">
+                <a:latin typeface="Segoe UI" panose="020B0502040204020203" pitchFamily="34" charset="0"/>
+                <a:cs typeface="Segoe UI" panose="020B0502040204020203" pitchFamily="34" charset="0"/>
+              </a:rPr>
               <a:t>Only one root element(top of tree)</a:t>
             </a:r>
           </a:p>
           <a:p>
             <a:r>
-              <a:rPr lang="en-US" sz="1000" dirty="0" smtClean="0"/>
+              <a:rPr lang="en-US" sz="1000" dirty="0" smtClean="0">
+                <a:latin typeface="Segoe UI" panose="020B0502040204020203" pitchFamily="34" charset="0"/>
+                <a:cs typeface="Segoe UI" panose="020B0502040204020203" pitchFamily="34" charset="0"/>
+              </a:rPr>
               <a:t>___</a:t>
             </a:r>
             <a:r>
-              <a:rPr lang="en-US" sz="1000" b="1" dirty="0" smtClean="0"/>
+              <a:rPr lang="en-US" sz="1000" b="1" dirty="0" smtClean="0">
+                <a:latin typeface="Segoe UI" panose="020B0502040204020203" pitchFamily="34" charset="0"/>
+                <a:cs typeface="Segoe UI" panose="020B0502040204020203" pitchFamily="34" charset="0"/>
+              </a:rPr>
               <a:t>basic </a:t>
             </a:r>
             <a:r>
-              <a:rPr lang="en-US" sz="1000" b="1" dirty="0" err="1" smtClean="0"/>
+              <a:rPr lang="en-US" sz="1000" b="1" dirty="0" err="1" smtClean="0">
+                <a:latin typeface="Segoe UI" panose="020B0502040204020203" pitchFamily="34" charset="0"/>
+                <a:cs typeface="Segoe UI" panose="020B0502040204020203" pitchFamily="34" charset="0"/>
+              </a:rPr>
               <a:t>termology</a:t>
             </a:r>
-            <a:endParaRPr lang="en-US" sz="1000" b="1" dirty="0" smtClean="0"/>
-          </a:p>
-          <a:p>
-            <a:r>
-              <a:rPr lang="en-US" sz="1000" dirty="0" smtClean="0"/>
+            <a:endParaRPr lang="en-US" sz="1000" b="1" dirty="0" smtClean="0">
+              <a:latin typeface="Segoe UI" panose="020B0502040204020203" pitchFamily="34" charset="0"/>
+              <a:cs typeface="Segoe UI" panose="020B0502040204020203" pitchFamily="34" charset="0"/>
+            </a:endParaRPr>
+          </a:p>
+          <a:p>
+            <a:r>
+              <a:rPr lang="en-US" sz="1000" dirty="0" smtClean="0">
+                <a:latin typeface="Segoe UI" panose="020B0502040204020203" pitchFamily="34" charset="0"/>
+                <a:cs typeface="Segoe UI" panose="020B0502040204020203" pitchFamily="34" charset="0"/>
+              </a:rPr>
               <a:t>Root – the top of tree</a:t>
             </a:r>
           </a:p>
           <a:p>
             <a:r>
-              <a:rPr lang="en-US" sz="1000" dirty="0" smtClean="0"/>
+              <a:rPr lang="en-US" sz="1000" dirty="0" smtClean="0">
+                <a:latin typeface="Segoe UI" panose="020B0502040204020203" pitchFamily="34" charset="0"/>
+                <a:cs typeface="Segoe UI" panose="020B0502040204020203" pitchFamily="34" charset="0"/>
+              </a:rPr>
               <a:t>Child – a node directly connected to another node when moving away from the root</a:t>
             </a:r>
           </a:p>
           <a:p>
             <a:r>
-              <a:rPr lang="en-US" sz="1000" dirty="0" smtClean="0"/>
+              <a:rPr lang="en-US" sz="1000" dirty="0" smtClean="0">
+                <a:latin typeface="Segoe UI" panose="020B0502040204020203" pitchFamily="34" charset="0"/>
+                <a:cs typeface="Segoe UI" panose="020B0502040204020203" pitchFamily="34" charset="0"/>
+              </a:rPr>
               <a:t>Parent – the converse notion of a child</a:t>
             </a:r>
           </a:p>
           <a:p>
             <a:r>
-              <a:rPr lang="en-US" sz="1000" dirty="0" smtClean="0"/>
+              <a:rPr lang="en-US" sz="1000" dirty="0" smtClean="0">
+                <a:latin typeface="Segoe UI" panose="020B0502040204020203" pitchFamily="34" charset="0"/>
+                <a:cs typeface="Segoe UI" panose="020B0502040204020203" pitchFamily="34" charset="0"/>
+              </a:rPr>
               <a:t>Siblings – nodes with same parents</a:t>
             </a:r>
           </a:p>
           <a:p>
             <a:r>
-              <a:rPr lang="en-US" sz="1000" dirty="0" smtClean="0"/>
+              <a:rPr lang="en-US" sz="1000" dirty="0" smtClean="0">
+                <a:latin typeface="Segoe UI" panose="020B0502040204020203" pitchFamily="34" charset="0"/>
+                <a:cs typeface="Segoe UI" panose="020B0502040204020203" pitchFamily="34" charset="0"/>
+              </a:rPr>
               <a:t>Leaf a node who has no child</a:t>
             </a:r>
           </a:p>
           <a:p>
             <a:r>
-              <a:rPr lang="en-US" sz="1000" dirty="0" smtClean="0"/>
+              <a:rPr lang="en-US" sz="1000" dirty="0" smtClean="0">
+                <a:latin typeface="Segoe UI" panose="020B0502040204020203" pitchFamily="34" charset="0"/>
+                <a:cs typeface="Segoe UI" panose="020B0502040204020203" pitchFamily="34" charset="0"/>
+              </a:rPr>
               <a:t>Edge – connection between one node and another(parent &lt;&gt; child)</a:t>
             </a:r>
           </a:p>
           <a:p>
-            <a:endParaRPr lang="en-US" sz="1000" dirty="0"/>
+            <a:endParaRPr lang="en-US" sz="1000" dirty="0">
+              <a:latin typeface="Segoe UI" panose="020B0502040204020203" pitchFamily="34" charset="0"/>
+              <a:cs typeface="Segoe UI" panose="020B0502040204020203" pitchFamily="34" charset="0"/>
+            </a:endParaRPr>
           </a:p>
         </p:txBody>
       </p:sp>
@@ -15304,15 +15886,24 @@
           <a:lstStyle/>
           <a:p>
             <a:r>
-              <a:rPr lang="en-US" sz="1000" dirty="0" smtClean="0"/>
+              <a:rPr lang="en-US" sz="1000" dirty="0" smtClean="0">
+                <a:latin typeface="Segoe UI" panose="020B0502040204020203" pitchFamily="34" charset="0"/>
+                <a:cs typeface="Segoe UI" panose="020B0502040204020203" pitchFamily="34" charset="0"/>
+              </a:rPr>
               <a:t>Trees lot of </a:t>
             </a:r>
             <a:r>
-              <a:rPr lang="en-US" sz="1000" dirty="0" err="1" smtClean="0"/>
+              <a:rPr lang="en-US" sz="1000" dirty="0" err="1" smtClean="0">
+                <a:latin typeface="Segoe UI" panose="020B0502040204020203" pitchFamily="34" charset="0"/>
+                <a:cs typeface="Segoe UI" panose="020B0502040204020203" pitchFamily="34" charset="0"/>
+              </a:rPr>
               <a:t>differet</a:t>
             </a:r>
             <a:r>
-              <a:rPr lang="en-US" sz="1000" dirty="0" smtClean="0"/>
+              <a:rPr lang="en-US" sz="1000" dirty="0" smtClean="0">
+                <a:latin typeface="Segoe UI" panose="020B0502040204020203" pitchFamily="34" charset="0"/>
+                <a:cs typeface="Segoe UI" panose="020B0502040204020203" pitchFamily="34" charset="0"/>
+              </a:rPr>
               <a:t> examples</a:t>
             </a:r>
           </a:p>
@@ -15322,7 +15913,10 @@
               <a:buChar char="•"/>
             </a:pPr>
             <a:r>
-              <a:rPr lang="en-US" sz="1000" dirty="0" smtClean="0"/>
+              <a:rPr lang="en-US" sz="1000" dirty="0" smtClean="0">
+                <a:latin typeface="Segoe UI" panose="020B0502040204020203" pitchFamily="34" charset="0"/>
+                <a:cs typeface="Segoe UI" panose="020B0502040204020203" pitchFamily="34" charset="0"/>
+              </a:rPr>
               <a:t>Html DOM</a:t>
             </a:r>
           </a:p>
@@ -15332,22 +15926,37 @@
               <a:buChar char="•"/>
             </a:pPr>
             <a:r>
-              <a:rPr lang="en-US" sz="1000" dirty="0" smtClean="0"/>
+              <a:rPr lang="en-US" sz="1000" dirty="0" smtClean="0">
+                <a:latin typeface="Segoe UI" panose="020B0502040204020203" pitchFamily="34" charset="0"/>
+                <a:cs typeface="Segoe UI" panose="020B0502040204020203" pitchFamily="34" charset="0"/>
+              </a:rPr>
               <a:t>Network Routing unicast&lt;-broadcast&lt;-multicast&lt;-</a:t>
             </a:r>
             <a:r>
-              <a:rPr lang="en-US" sz="1000" dirty="0" err="1" smtClean="0"/>
+              <a:rPr lang="en-US" sz="1000" dirty="0" err="1" smtClean="0">
+                <a:latin typeface="Segoe UI" panose="020B0502040204020203" pitchFamily="34" charset="0"/>
+                <a:cs typeface="Segoe UI" panose="020B0502040204020203" pitchFamily="34" charset="0"/>
+              </a:rPr>
               <a:t>anycast</a:t>
             </a:r>
             <a:r>
-              <a:rPr lang="en-US" sz="1000" dirty="0" smtClean="0"/>
+              <a:rPr lang="en-US" sz="1000" dirty="0" smtClean="0">
+                <a:latin typeface="Segoe UI" panose="020B0502040204020203" pitchFamily="34" charset="0"/>
+                <a:cs typeface="Segoe UI" panose="020B0502040204020203" pitchFamily="34" charset="0"/>
+              </a:rPr>
               <a:t>&lt;-</a:t>
             </a:r>
             <a:r>
-              <a:rPr lang="en-US" sz="1000" dirty="0" err="1" smtClean="0"/>
+              <a:rPr lang="en-US" sz="1000" dirty="0" err="1" smtClean="0">
+                <a:latin typeface="Segoe UI" panose="020B0502040204020203" pitchFamily="34" charset="0"/>
+                <a:cs typeface="Segoe UI" panose="020B0502040204020203" pitchFamily="34" charset="0"/>
+              </a:rPr>
               <a:t>geocast</a:t>
             </a:r>
-            <a:endParaRPr lang="en-US" sz="1000" dirty="0" smtClean="0"/>
+            <a:endParaRPr lang="en-US" sz="1000" dirty="0" smtClean="0">
+              <a:latin typeface="Segoe UI" panose="020B0502040204020203" pitchFamily="34" charset="0"/>
+              <a:cs typeface="Segoe UI" panose="020B0502040204020203" pitchFamily="34" charset="0"/>
+            </a:endParaRPr>
           </a:p>
           <a:p>
             <a:pPr marL="171450" indent="-171450">
@@ -15355,7 +15964,10 @@
               <a:buChar char="•"/>
             </a:pPr>
             <a:r>
-              <a:rPr lang="en-US" sz="1000" dirty="0" smtClean="0"/>
+              <a:rPr lang="en-US" sz="1000" dirty="0" smtClean="0">
+                <a:latin typeface="Segoe UI" panose="020B0502040204020203" pitchFamily="34" charset="0"/>
+                <a:cs typeface="Segoe UI" panose="020B0502040204020203" pitchFamily="34" charset="0"/>
+              </a:rPr>
               <a:t>Folder structure</a:t>
             </a:r>
           </a:p>
@@ -15365,7 +15977,10 @@
               <a:buChar char="•"/>
             </a:pPr>
             <a:r>
-              <a:rPr lang="en-US" sz="1000" dirty="0" smtClean="0"/>
+              <a:rPr lang="en-US" sz="1000" dirty="0" smtClean="0">
+                <a:latin typeface="Segoe UI" panose="020B0502040204020203" pitchFamily="34" charset="0"/>
+                <a:cs typeface="Segoe UI" panose="020B0502040204020203" pitchFamily="34" charset="0"/>
+              </a:rPr>
               <a:t>JSON</a:t>
             </a:r>
           </a:p>
@@ -15379,6 +15994,8 @@
                 <a:solidFill>
                   <a:srgbClr val="FF0000"/>
                 </a:solidFill>
+                <a:latin typeface="Segoe UI" panose="020B0502040204020203" pitchFamily="34" charset="0"/>
+                <a:cs typeface="Segoe UI" panose="020B0502040204020203" pitchFamily="34" charset="0"/>
               </a:rPr>
               <a:t>more</a:t>
             </a:r>
@@ -15388,7 +16005,10 @@
               <a:buFont typeface="Arial" panose="020B0604020202020204" pitchFamily="34" charset="0"/>
               <a:buChar char="•"/>
             </a:pPr>
-            <a:endParaRPr lang="en-US" sz="1000" dirty="0" smtClean="0"/>
+            <a:endParaRPr lang="en-US" sz="1000" dirty="0" smtClean="0">
+              <a:latin typeface="Segoe UI" panose="020B0502040204020203" pitchFamily="34" charset="0"/>
+              <a:cs typeface="Segoe UI" panose="020B0502040204020203" pitchFamily="34" charset="0"/>
+            </a:endParaRPr>
           </a:p>
         </p:txBody>
       </p:sp>
@@ -15415,23 +16035,38 @@
           <a:lstStyle/>
           <a:p>
             <a:r>
-              <a:rPr lang="en-US" dirty="0" smtClean="0"/>
+              <a:rPr lang="en-US" dirty="0" smtClean="0">
+                <a:latin typeface="Segoe UI" panose="020B0502040204020203" pitchFamily="34" charset="0"/>
+                <a:cs typeface="Segoe UI" panose="020B0502040204020203" pitchFamily="34" charset="0"/>
+              </a:rPr>
               <a:t>Trees</a:t>
             </a:r>
           </a:p>
           <a:p>
             <a:r>
-              <a:rPr lang="en-US" dirty="0" smtClean="0"/>
+              <a:rPr lang="en-US" dirty="0" smtClean="0">
+                <a:latin typeface="Segoe UI" panose="020B0502040204020203" pitchFamily="34" charset="0"/>
+                <a:cs typeface="Segoe UI" panose="020B0502040204020203" pitchFamily="34" charset="0"/>
+              </a:rPr>
               <a:t>_Binary trees</a:t>
             </a:r>
             <a:br>
-              <a:rPr lang="en-US" dirty="0" smtClean="0"/>
+              <a:rPr lang="en-US" dirty="0" smtClean="0">
+                <a:latin typeface="Segoe UI" panose="020B0502040204020203" pitchFamily="34" charset="0"/>
+                <a:cs typeface="Segoe UI" panose="020B0502040204020203" pitchFamily="34" charset="0"/>
+              </a:rPr>
             </a:br>
             <a:r>
-              <a:rPr lang="en-US" dirty="0" smtClean="0"/>
+              <a:rPr lang="en-US" dirty="0" smtClean="0">
+                <a:latin typeface="Segoe UI" panose="020B0502040204020203" pitchFamily="34" charset="0"/>
+                <a:cs typeface="Segoe UI" panose="020B0502040204020203" pitchFamily="34" charset="0"/>
+              </a:rPr>
               <a:t>__Binary search trees</a:t>
             </a:r>
-            <a:endParaRPr lang="en-US" dirty="0"/>
+            <a:endParaRPr lang="en-US" dirty="0">
+              <a:latin typeface="Segoe UI" panose="020B0502040204020203" pitchFamily="34" charset="0"/>
+              <a:cs typeface="Segoe UI" panose="020B0502040204020203" pitchFamily="34" charset="0"/>
+            </a:endParaRPr>
           </a:p>
         </p:txBody>
       </p:sp>
@@ -15484,8 +16119,8 @@
         </p:nvSpPr>
         <p:spPr>
           <a:xfrm>
-            <a:off x="3390900" y="406400"/>
-            <a:ext cx="1920240" cy="320675"/>
+            <a:off x="0" y="0"/>
+            <a:ext cx="3325784" cy="320675"/>
           </a:xfrm>
         </p:spPr>
         <p:txBody>
@@ -15495,14 +16130,23 @@
           <a:lstStyle/>
           <a:p>
             <a:r>
-              <a:rPr lang="en-US" sz="3200" b="1" dirty="0"/>
+              <a:rPr lang="en-US" sz="3200" b="1" dirty="0">
+                <a:latin typeface="Segoe UI" panose="020B0502040204020203" pitchFamily="34" charset="0"/>
+                <a:cs typeface="Segoe UI" panose="020B0502040204020203" pitchFamily="34" charset="0"/>
+              </a:rPr>
               <a:t>Binary </a:t>
             </a:r>
             <a:r>
-              <a:rPr lang="en-US" sz="3200" b="1" dirty="0" smtClean="0"/>
+              <a:rPr lang="en-US" sz="3200" b="1" dirty="0" smtClean="0">
+                <a:latin typeface="Segoe UI" panose="020B0502040204020203" pitchFamily="34" charset="0"/>
+                <a:cs typeface="Segoe UI" panose="020B0502040204020203" pitchFamily="34" charset="0"/>
+              </a:rPr>
               <a:t>search tree </a:t>
             </a:r>
-            <a:endParaRPr lang="en-US" sz="3200" dirty="0"/>
+            <a:endParaRPr lang="en-US" sz="3200" dirty="0">
+              <a:latin typeface="Segoe UI" panose="020B0502040204020203" pitchFamily="34" charset="0"/>
+              <a:cs typeface="Segoe UI" panose="020B0502040204020203" pitchFamily="34" charset="0"/>
+            </a:endParaRPr>
           </a:p>
         </p:txBody>
       </p:sp>
@@ -15529,115 +16173,193 @@
           <a:lstStyle/>
           <a:p>
             <a:r>
-              <a:rPr lang="en-US" sz="1000" dirty="0" smtClean="0"/>
+              <a:rPr lang="en-US" sz="1000" dirty="0" smtClean="0">
+                <a:latin typeface="Segoe UI" panose="020B0502040204020203" pitchFamily="34" charset="0"/>
+                <a:cs typeface="Segoe UI" panose="020B0502040204020203" pitchFamily="34" charset="0"/>
+              </a:rPr>
               <a:t>Generic tree </a:t>
             </a:r>
           </a:p>
           <a:p>
             <a:r>
-              <a:rPr lang="en-US" sz="1000" dirty="0" smtClean="0"/>
+              <a:rPr lang="en-US" sz="1000" dirty="0" smtClean="0">
+                <a:latin typeface="Segoe UI" panose="020B0502040204020203" pitchFamily="34" charset="0"/>
+                <a:cs typeface="Segoe UI" panose="020B0502040204020203" pitchFamily="34" charset="0"/>
+              </a:rPr>
               <a:t>_each node can has any child</a:t>
             </a:r>
           </a:p>
           <a:p>
             <a:r>
-              <a:rPr lang="en-US" sz="1000" dirty="0" smtClean="0"/>
+              <a:rPr lang="en-US" sz="1000" dirty="0" smtClean="0">
+                <a:latin typeface="Segoe UI" panose="020B0502040204020203" pitchFamily="34" charset="0"/>
+                <a:cs typeface="Segoe UI" panose="020B0502040204020203" pitchFamily="34" charset="0"/>
+              </a:rPr>
               <a:t>Binary tree</a:t>
             </a:r>
           </a:p>
           <a:p>
             <a:r>
-              <a:rPr lang="en-US" sz="1000" dirty="0" smtClean="0"/>
+              <a:rPr lang="en-US" sz="1000" dirty="0" smtClean="0">
+                <a:latin typeface="Segoe UI" panose="020B0502040204020203" pitchFamily="34" charset="0"/>
+                <a:cs typeface="Segoe UI" panose="020B0502040204020203" pitchFamily="34" charset="0"/>
+              </a:rPr>
               <a:t>_each node can has max 2 child</a:t>
             </a:r>
           </a:p>
           <a:p>
-            <a:endParaRPr lang="en-US" sz="1000" dirty="0"/>
-          </a:p>
-          <a:p>
-            <a:r>
-              <a:rPr lang="en-US" sz="1000" dirty="0" smtClean="0"/>
+            <a:endParaRPr lang="en-US" sz="1000" dirty="0">
+              <a:latin typeface="Segoe UI" panose="020B0502040204020203" pitchFamily="34" charset="0"/>
+              <a:cs typeface="Segoe UI" panose="020B0502040204020203" pitchFamily="34" charset="0"/>
+            </a:endParaRPr>
+          </a:p>
+          <a:p>
+            <a:r>
+              <a:rPr lang="en-US" sz="1000" dirty="0" smtClean="0">
+                <a:latin typeface="Segoe UI" panose="020B0502040204020203" pitchFamily="34" charset="0"/>
+                <a:cs typeface="Segoe UI" panose="020B0502040204020203" pitchFamily="34" charset="0"/>
+              </a:rPr>
               <a:t>BST</a:t>
             </a:r>
           </a:p>
           <a:p>
             <a:r>
-              <a:rPr lang="en-US" sz="1000" dirty="0" smtClean="0"/>
+              <a:rPr lang="en-US" sz="1000" dirty="0" smtClean="0">
+                <a:latin typeface="Segoe UI" panose="020B0502040204020203" pitchFamily="34" charset="0"/>
+                <a:cs typeface="Segoe UI" panose="020B0502040204020203" pitchFamily="34" charset="0"/>
+              </a:rPr>
               <a:t>Less than parent located to left | more than parent located to right</a:t>
             </a:r>
           </a:p>
           <a:p>
             <a:r>
-              <a:rPr lang="en-US" sz="1000" dirty="0" smtClean="0"/>
+              <a:rPr lang="en-US" sz="1000" dirty="0" smtClean="0">
+                <a:latin typeface="Segoe UI" panose="020B0502040204020203" pitchFamily="34" charset="0"/>
+                <a:cs typeface="Segoe UI" panose="020B0502040204020203" pitchFamily="34" charset="0"/>
+              </a:rPr>
               <a:t>And repeat it to each child</a:t>
             </a:r>
           </a:p>
           <a:p>
-            <a:endParaRPr lang="en-US" sz="1000" dirty="0"/>
-          </a:p>
-          <a:p>
-            <a:r>
-              <a:rPr lang="en-US" sz="1000" dirty="0"/>
+            <a:endParaRPr lang="en-US" sz="1000" dirty="0">
+              <a:latin typeface="Segoe UI" panose="020B0502040204020203" pitchFamily="34" charset="0"/>
+              <a:cs typeface="Segoe UI" panose="020B0502040204020203" pitchFamily="34" charset="0"/>
+            </a:endParaRPr>
+          </a:p>
+          <a:p>
+            <a:r>
+              <a:rPr lang="en-US" sz="1000" dirty="0">
+                <a:latin typeface="Segoe UI" panose="020B0502040204020203" pitchFamily="34" charset="0"/>
+                <a:cs typeface="Segoe UI" panose="020B0502040204020203" pitchFamily="34" charset="0"/>
+              </a:rPr>
               <a:t>Every node to the left of a parent node is </a:t>
             </a:r>
             <a:r>
-              <a:rPr lang="en-US" sz="1000" dirty="0" smtClean="0"/>
+              <a:rPr lang="en-US" sz="1000" dirty="0" smtClean="0">
+                <a:latin typeface="Segoe UI" panose="020B0502040204020203" pitchFamily="34" charset="0"/>
+                <a:cs typeface="Segoe UI" panose="020B0502040204020203" pitchFamily="34" charset="0"/>
+              </a:rPr>
               <a:t>always </a:t>
             </a:r>
             <a:r>
-              <a:rPr lang="en-US" sz="1000" dirty="0"/>
+              <a:rPr lang="en-US" sz="1000" dirty="0">
+                <a:latin typeface="Segoe UI" panose="020B0502040204020203" pitchFamily="34" charset="0"/>
+                <a:cs typeface="Segoe UI" panose="020B0502040204020203" pitchFamily="34" charset="0"/>
+              </a:rPr>
               <a:t>less than the parent</a:t>
             </a:r>
           </a:p>
           <a:p>
             <a:r>
-              <a:rPr lang="en-US" sz="1000" dirty="0"/>
+              <a:rPr lang="en-US" sz="1000" dirty="0">
+                <a:latin typeface="Segoe UI" panose="020B0502040204020203" pitchFamily="34" charset="0"/>
+                <a:cs typeface="Segoe UI" panose="020B0502040204020203" pitchFamily="34" charset="0"/>
+              </a:rPr>
               <a:t>Every node to the </a:t>
             </a:r>
             <a:r>
-              <a:rPr lang="en-US" sz="1000" dirty="0" smtClean="0"/>
+              <a:rPr lang="en-US" sz="1000" dirty="0" smtClean="0">
+                <a:latin typeface="Segoe UI" panose="020B0502040204020203" pitchFamily="34" charset="0"/>
+                <a:cs typeface="Segoe UI" panose="020B0502040204020203" pitchFamily="34" charset="0"/>
+              </a:rPr>
               <a:t>right </a:t>
             </a:r>
             <a:r>
-              <a:rPr lang="en-US" sz="1000" dirty="0"/>
+              <a:rPr lang="en-US" sz="1000" dirty="0">
+                <a:latin typeface="Segoe UI" panose="020B0502040204020203" pitchFamily="34" charset="0"/>
+                <a:cs typeface="Segoe UI" panose="020B0502040204020203" pitchFamily="34" charset="0"/>
+              </a:rPr>
               <a:t>of a parent node is </a:t>
             </a:r>
             <a:r>
-              <a:rPr lang="en-US" sz="1000" dirty="0" smtClean="0"/>
+              <a:rPr lang="en-US" sz="1000" dirty="0" smtClean="0">
+                <a:latin typeface="Segoe UI" panose="020B0502040204020203" pitchFamily="34" charset="0"/>
+                <a:cs typeface="Segoe UI" panose="020B0502040204020203" pitchFamily="34" charset="0"/>
+              </a:rPr>
               <a:t>always greater </a:t>
             </a:r>
             <a:r>
-              <a:rPr lang="en-US" sz="1000" dirty="0"/>
+              <a:rPr lang="en-US" sz="1000" dirty="0">
+                <a:latin typeface="Segoe UI" panose="020B0502040204020203" pitchFamily="34" charset="0"/>
+                <a:cs typeface="Segoe UI" panose="020B0502040204020203" pitchFamily="34" charset="0"/>
+              </a:rPr>
               <a:t>than the </a:t>
             </a:r>
             <a:r>
-              <a:rPr lang="en-US" sz="1000" dirty="0" smtClean="0"/>
+              <a:rPr lang="en-US" sz="1000" dirty="0" smtClean="0">
+                <a:latin typeface="Segoe UI" panose="020B0502040204020203" pitchFamily="34" charset="0"/>
+                <a:cs typeface="Segoe UI" panose="020B0502040204020203" pitchFamily="34" charset="0"/>
+              </a:rPr>
               <a:t>parent</a:t>
             </a:r>
           </a:p>
           <a:p>
-            <a:endParaRPr lang="en-US" sz="1000" dirty="0" smtClean="0"/>
-          </a:p>
-          <a:p>
-            <a:endParaRPr lang="en-US" sz="1000" dirty="0" smtClean="0"/>
-          </a:p>
-          <a:p>
-            <a:endParaRPr lang="en-US" sz="1000" dirty="0"/>
-          </a:p>
-          <a:p>
-            <a:endParaRPr lang="en-US" sz="1000" dirty="0" smtClean="0"/>
-          </a:p>
-          <a:p>
-            <a:endParaRPr lang="en-US" sz="1000" dirty="0"/>
-          </a:p>
-          <a:p>
-            <a:endParaRPr lang="en-US" sz="1000" dirty="0" smtClean="0"/>
-          </a:p>
-          <a:p>
-            <a:endParaRPr lang="en-US" sz="1000" dirty="0"/>
-          </a:p>
-          <a:p>
-            <a:endParaRPr lang="en-US" sz="1000" dirty="0" smtClean="0"/>
+            <a:endParaRPr lang="en-US" sz="1000" dirty="0" smtClean="0">
+              <a:latin typeface="Segoe UI" panose="020B0502040204020203" pitchFamily="34" charset="0"/>
+              <a:cs typeface="Segoe UI" panose="020B0502040204020203" pitchFamily="34" charset="0"/>
+            </a:endParaRPr>
+          </a:p>
+          <a:p>
+            <a:endParaRPr lang="en-US" sz="1000" dirty="0" smtClean="0">
+              <a:latin typeface="Segoe UI" panose="020B0502040204020203" pitchFamily="34" charset="0"/>
+              <a:cs typeface="Segoe UI" panose="020B0502040204020203" pitchFamily="34" charset="0"/>
+            </a:endParaRPr>
+          </a:p>
+          <a:p>
+            <a:endParaRPr lang="en-US" sz="1000" dirty="0">
+              <a:latin typeface="Segoe UI" panose="020B0502040204020203" pitchFamily="34" charset="0"/>
+              <a:cs typeface="Segoe UI" panose="020B0502040204020203" pitchFamily="34" charset="0"/>
+            </a:endParaRPr>
+          </a:p>
+          <a:p>
+            <a:endParaRPr lang="en-US" sz="1000" dirty="0" smtClean="0">
+              <a:latin typeface="Segoe UI" panose="020B0502040204020203" pitchFamily="34" charset="0"/>
+              <a:cs typeface="Segoe UI" panose="020B0502040204020203" pitchFamily="34" charset="0"/>
+            </a:endParaRPr>
+          </a:p>
+          <a:p>
+            <a:endParaRPr lang="en-US" sz="1000" dirty="0">
+              <a:latin typeface="Segoe UI" panose="020B0502040204020203" pitchFamily="34" charset="0"/>
+              <a:cs typeface="Segoe UI" panose="020B0502040204020203" pitchFamily="34" charset="0"/>
+            </a:endParaRPr>
+          </a:p>
+          <a:p>
+            <a:endParaRPr lang="en-US" sz="1000" dirty="0" smtClean="0">
+              <a:latin typeface="Segoe UI" panose="020B0502040204020203" pitchFamily="34" charset="0"/>
+              <a:cs typeface="Segoe UI" panose="020B0502040204020203" pitchFamily="34" charset="0"/>
+            </a:endParaRPr>
+          </a:p>
+          <a:p>
+            <a:endParaRPr lang="en-US" sz="1000" dirty="0">
+              <a:latin typeface="Segoe UI" panose="020B0502040204020203" pitchFamily="34" charset="0"/>
+              <a:cs typeface="Segoe UI" panose="020B0502040204020203" pitchFamily="34" charset="0"/>
+            </a:endParaRPr>
+          </a:p>
+          <a:p>
+            <a:endParaRPr lang="en-US" sz="1000" dirty="0" smtClean="0">
+              <a:latin typeface="Segoe UI" panose="020B0502040204020203" pitchFamily="34" charset="0"/>
+              <a:cs typeface="Segoe UI" panose="020B0502040204020203" pitchFamily="34" charset="0"/>
+            </a:endParaRPr>
           </a:p>
           <a:p>
             <a:r>
@@ -15645,6 +16367,8 @@
                 <a:solidFill>
                   <a:schemeClr val="accent6"/>
                 </a:solidFill>
+                <a:latin typeface="Segoe UI" panose="020B0502040204020203" pitchFamily="34" charset="0"/>
+                <a:cs typeface="Segoe UI" panose="020B0502040204020203" pitchFamily="34" charset="0"/>
               </a:rPr>
               <a:t>Why this used??</a:t>
             </a:r>
@@ -15655,6 +16379,8 @@
                 <a:solidFill>
                   <a:schemeClr val="accent6"/>
                 </a:solidFill>
+                <a:latin typeface="Segoe UI" panose="020B0502040204020203" pitchFamily="34" charset="0"/>
+                <a:cs typeface="Segoe UI" panose="020B0502040204020203" pitchFamily="34" charset="0"/>
               </a:rPr>
               <a:t>Search Speed (THIS IN LAST PAGE)</a:t>
             </a:r>
@@ -15664,6 +16390,8 @@
               <a:solidFill>
                 <a:schemeClr val="accent6"/>
               </a:solidFill>
+              <a:latin typeface="Segoe UI" panose="020B0502040204020203" pitchFamily="34" charset="0"/>
+              <a:cs typeface="Segoe UI" panose="020B0502040204020203" pitchFamily="34" charset="0"/>
             </a:endParaRPr>
           </a:p>
         </p:txBody>
@@ -15677,7 +16405,7 @@
         <p:spPr>
           <a:xfrm>
             <a:off x="681912" y="5137728"/>
-            <a:ext cx="1380378" cy="369332"/>
+            <a:ext cx="1495153" cy="369332"/>
           </a:xfrm>
           <a:prstGeom prst="rect">
             <a:avLst/>
@@ -15690,10 +16418,16 @@
           <a:lstStyle/>
           <a:p>
             <a:r>
-              <a:rPr lang="en-US" dirty="0" smtClean="0"/>
+              <a:rPr lang="en-US" dirty="0" smtClean="0">
+                <a:latin typeface="Segoe UI" panose="020B0502040204020203" pitchFamily="34" charset="0"/>
+                <a:cs typeface="Segoe UI" panose="020B0502040204020203" pitchFamily="34" charset="0"/>
+              </a:rPr>
               <a:t>BST – no BTS</a:t>
             </a:r>
-            <a:endParaRPr lang="en-US" dirty="0"/>
+            <a:endParaRPr lang="en-US" dirty="0">
+              <a:latin typeface="Segoe UI" panose="020B0502040204020203" pitchFamily="34" charset="0"/>
+              <a:cs typeface="Segoe UI" panose="020B0502040204020203" pitchFamily="34" charset="0"/>
+            </a:endParaRPr>
           </a:p>
         </p:txBody>
       </p:sp>
@@ -15787,14 +16521,23 @@
           <a:lstStyle/>
           <a:p>
             <a:r>
-              <a:rPr lang="en-US" sz="3200" b="1" dirty="0"/>
+              <a:rPr lang="en-US" sz="3200" b="1" dirty="0">
+                <a:latin typeface="Segoe UI" panose="020B0502040204020203" pitchFamily="34" charset="0"/>
+                <a:cs typeface="Segoe UI" panose="020B0502040204020203" pitchFamily="34" charset="0"/>
+              </a:rPr>
               <a:t>Binary </a:t>
             </a:r>
             <a:r>
-              <a:rPr lang="en-US" sz="3200" b="1" dirty="0" smtClean="0"/>
+              <a:rPr lang="en-US" sz="3200" b="1" dirty="0" smtClean="0">
+                <a:latin typeface="Segoe UI" panose="020B0502040204020203" pitchFamily="34" charset="0"/>
+                <a:cs typeface="Segoe UI" panose="020B0502040204020203" pitchFamily="34" charset="0"/>
+              </a:rPr>
               <a:t>search tree</a:t>
             </a:r>
-            <a:endParaRPr lang="en-US" sz="3200" dirty="0"/>
+            <a:endParaRPr lang="en-US" sz="3200" dirty="0">
+              <a:latin typeface="Segoe UI" panose="020B0502040204020203" pitchFamily="34" charset="0"/>
+              <a:cs typeface="Segoe UI" panose="020B0502040204020203" pitchFamily="34" charset="0"/>
+            </a:endParaRPr>
           </a:p>
         </p:txBody>
       </p:sp>
@@ -15821,12 +16564,18 @@
           <a:lstStyle/>
           <a:p>
             <a:r>
-              <a:rPr lang="en-US" sz="1000" dirty="0" smtClean="0"/>
+              <a:rPr lang="en-US" sz="1000" dirty="0" smtClean="0">
+                <a:latin typeface="Segoe UI" panose="020B0502040204020203" pitchFamily="34" charset="0"/>
+                <a:cs typeface="Segoe UI" panose="020B0502040204020203" pitchFamily="34" charset="0"/>
+              </a:rPr>
               <a:t>Inserting a Node</a:t>
             </a:r>
           </a:p>
           <a:p>
-            <a:endParaRPr lang="en-US" sz="1000" dirty="0"/>
+            <a:endParaRPr lang="en-US" sz="1000" dirty="0">
+              <a:latin typeface="Segoe UI" panose="020B0502040204020203" pitchFamily="34" charset="0"/>
+              <a:cs typeface="Segoe UI" panose="020B0502040204020203" pitchFamily="34" charset="0"/>
+            </a:endParaRPr>
           </a:p>
           <a:p>
             <a:pPr marL="171450" indent="-171450">
@@ -15834,7 +16583,10 @@
               <a:buChar char="•"/>
             </a:pPr>
             <a:r>
-              <a:rPr lang="en-US" sz="1000" dirty="0" smtClean="0"/>
+              <a:rPr lang="en-US" sz="1000" dirty="0" smtClean="0">
+                <a:latin typeface="Segoe UI" panose="020B0502040204020203" pitchFamily="34" charset="0"/>
+                <a:cs typeface="Segoe UI" panose="020B0502040204020203" pitchFamily="34" charset="0"/>
+              </a:rPr>
               <a:t>Start at the root</a:t>
             </a:r>
           </a:p>
@@ -15844,7 +16596,10 @@
               <a:buChar char="•"/>
             </a:pPr>
             <a:r>
-              <a:rPr lang="en-US" sz="1000" dirty="0" smtClean="0"/>
+              <a:rPr lang="en-US" sz="1000" dirty="0" smtClean="0">
+                <a:latin typeface="Segoe UI" panose="020B0502040204020203" pitchFamily="34" charset="0"/>
+                <a:cs typeface="Segoe UI" panose="020B0502040204020203" pitchFamily="34" charset="0"/>
+              </a:rPr>
               <a:t>Check if there is the root, if not- the root now becomes that new node</a:t>
             </a:r>
           </a:p>
@@ -15854,7 +16609,10 @@
               <a:buChar char="•"/>
             </a:pPr>
             <a:r>
-              <a:rPr lang="en-US" sz="1000" dirty="0" smtClean="0"/>
+              <a:rPr lang="en-US" sz="1000" dirty="0" smtClean="0">
+                <a:latin typeface="Segoe UI" panose="020B0502040204020203" pitchFamily="34" charset="0"/>
+                <a:cs typeface="Segoe UI" panose="020B0502040204020203" pitchFamily="34" charset="0"/>
+              </a:rPr>
               <a:t>If there is a root, check if value of the new node is greater than or less than the value of the root</a:t>
             </a:r>
           </a:p>
@@ -15864,14 +16622,23 @@
               <a:buChar char="•"/>
             </a:pPr>
             <a:r>
-              <a:rPr lang="en-US" sz="1000" dirty="0"/>
+              <a:rPr lang="en-US" sz="1000" dirty="0">
+                <a:latin typeface="Segoe UI" panose="020B0502040204020203" pitchFamily="34" charset="0"/>
+                <a:cs typeface="Segoe UI" panose="020B0502040204020203" pitchFamily="34" charset="0"/>
+              </a:rPr>
               <a:t>If it is </a:t>
             </a:r>
             <a:r>
-              <a:rPr lang="en-US" sz="1000" dirty="0" smtClean="0"/>
+              <a:rPr lang="en-US" sz="1000" dirty="0" smtClean="0">
+                <a:latin typeface="Segoe UI" panose="020B0502040204020203" pitchFamily="34" charset="0"/>
+                <a:cs typeface="Segoe UI" panose="020B0502040204020203" pitchFamily="34" charset="0"/>
+              </a:rPr>
               <a:t>greater</a:t>
             </a:r>
-            <a:endParaRPr lang="en-US" sz="1000" dirty="0"/>
+            <a:endParaRPr lang="en-US" sz="1000" dirty="0">
+              <a:latin typeface="Segoe UI" panose="020B0502040204020203" pitchFamily="34" charset="0"/>
+              <a:cs typeface="Segoe UI" panose="020B0502040204020203" pitchFamily="34" charset="0"/>
+            </a:endParaRPr>
           </a:p>
           <a:p>
             <a:pPr marL="1085850" lvl="2" indent="-171450">
@@ -15879,7 +16646,10 @@
               <a:buChar char="•"/>
             </a:pPr>
             <a:r>
-              <a:rPr lang="en-US" sz="1000" dirty="0"/>
+              <a:rPr lang="en-US" sz="1000" dirty="0">
+                <a:latin typeface="Segoe UI" panose="020B0502040204020203" pitchFamily="34" charset="0"/>
+                <a:cs typeface="Segoe UI" panose="020B0502040204020203" pitchFamily="34" charset="0"/>
+              </a:rPr>
               <a:t>Check to see if there is a node to the right</a:t>
             </a:r>
           </a:p>
@@ -15889,7 +16659,10 @@
               <a:buChar char="•"/>
             </a:pPr>
             <a:r>
-              <a:rPr lang="en-US" sz="1000" dirty="0"/>
+              <a:rPr lang="en-US" sz="1000" dirty="0">
+                <a:latin typeface="Segoe UI" panose="020B0502040204020203" pitchFamily="34" charset="0"/>
+                <a:cs typeface="Segoe UI" panose="020B0502040204020203" pitchFamily="34" charset="0"/>
+              </a:rPr>
               <a:t>If there is – move to that node and repeat these steps</a:t>
             </a:r>
           </a:p>
@@ -15899,11 +16672,17 @@
               <a:buChar char="•"/>
             </a:pPr>
             <a:r>
-              <a:rPr lang="en-US" sz="1000" dirty="0"/>
+              <a:rPr lang="en-US" sz="1000" dirty="0">
+                <a:latin typeface="Segoe UI" panose="020B0502040204020203" pitchFamily="34" charset="0"/>
+                <a:cs typeface="Segoe UI" panose="020B0502040204020203" pitchFamily="34" charset="0"/>
+              </a:rPr>
               <a:t>If there is not, add that node as the right </a:t>
             </a:r>
             <a:r>
-              <a:rPr lang="en-US" sz="1000" dirty="0" smtClean="0"/>
+              <a:rPr lang="en-US" sz="1000" dirty="0" smtClean="0">
+                <a:latin typeface="Segoe UI" panose="020B0502040204020203" pitchFamily="34" charset="0"/>
+                <a:cs typeface="Segoe UI" panose="020B0502040204020203" pitchFamily="34" charset="0"/>
+              </a:rPr>
               <a:t>property</a:t>
             </a:r>
           </a:p>
@@ -15913,14 +16692,23 @@
               <a:buChar char="•"/>
             </a:pPr>
             <a:r>
-              <a:rPr lang="en-US" sz="1000" dirty="0"/>
+              <a:rPr lang="en-US" sz="1000" dirty="0">
+                <a:latin typeface="Segoe UI" panose="020B0502040204020203" pitchFamily="34" charset="0"/>
+                <a:cs typeface="Segoe UI" panose="020B0502040204020203" pitchFamily="34" charset="0"/>
+              </a:rPr>
               <a:t>If it is </a:t>
             </a:r>
             <a:r>
-              <a:rPr lang="en-US" sz="1000" dirty="0" smtClean="0"/>
+              <a:rPr lang="en-US" sz="1000" dirty="0" smtClean="0">
+                <a:latin typeface="Segoe UI" panose="020B0502040204020203" pitchFamily="34" charset="0"/>
+                <a:cs typeface="Segoe UI" panose="020B0502040204020203" pitchFamily="34" charset="0"/>
+              </a:rPr>
               <a:t>less</a:t>
             </a:r>
-            <a:endParaRPr lang="en-US" sz="1000" dirty="0"/>
+            <a:endParaRPr lang="en-US" sz="1000" dirty="0">
+              <a:latin typeface="Segoe UI" panose="020B0502040204020203" pitchFamily="34" charset="0"/>
+              <a:cs typeface="Segoe UI" panose="020B0502040204020203" pitchFamily="34" charset="0"/>
+            </a:endParaRPr>
           </a:p>
           <a:p>
             <a:pPr marL="1085850" lvl="2" indent="-171450">
@@ -15928,14 +16716,23 @@
               <a:buChar char="•"/>
             </a:pPr>
             <a:r>
-              <a:rPr lang="en-US" sz="1000" dirty="0"/>
+              <a:rPr lang="en-US" sz="1000" dirty="0">
+                <a:latin typeface="Segoe UI" panose="020B0502040204020203" pitchFamily="34" charset="0"/>
+                <a:cs typeface="Segoe UI" panose="020B0502040204020203" pitchFamily="34" charset="0"/>
+              </a:rPr>
               <a:t>Check to see if there is a node to the </a:t>
             </a:r>
             <a:r>
-              <a:rPr lang="en-US" sz="1000" dirty="0" smtClean="0"/>
+              <a:rPr lang="en-US" sz="1000" dirty="0" smtClean="0">
+                <a:latin typeface="Segoe UI" panose="020B0502040204020203" pitchFamily="34" charset="0"/>
+                <a:cs typeface="Segoe UI" panose="020B0502040204020203" pitchFamily="34" charset="0"/>
+              </a:rPr>
               <a:t>left</a:t>
             </a:r>
-            <a:endParaRPr lang="en-US" sz="1000" dirty="0"/>
+            <a:endParaRPr lang="en-US" sz="1000" dirty="0">
+              <a:latin typeface="Segoe UI" panose="020B0502040204020203" pitchFamily="34" charset="0"/>
+              <a:cs typeface="Segoe UI" panose="020B0502040204020203" pitchFamily="34" charset="0"/>
+            </a:endParaRPr>
           </a:p>
           <a:p>
             <a:pPr marL="1543050" lvl="3" indent="-171450">
@@ -15943,7 +16740,10 @@
               <a:buChar char="•"/>
             </a:pPr>
             <a:r>
-              <a:rPr lang="en-US" sz="1000" dirty="0"/>
+              <a:rPr lang="en-US" sz="1000" dirty="0">
+                <a:latin typeface="Segoe UI" panose="020B0502040204020203" pitchFamily="34" charset="0"/>
+                <a:cs typeface="Segoe UI" panose="020B0502040204020203" pitchFamily="34" charset="0"/>
+              </a:rPr>
               <a:t>If there is – move to that node and repeat these steps</a:t>
             </a:r>
           </a:p>
@@ -15953,15 +16753,24 @@
               <a:buChar char="•"/>
             </a:pPr>
             <a:r>
-              <a:rPr lang="en-US" sz="1000" dirty="0"/>
+              <a:rPr lang="en-US" sz="1000" dirty="0">
+                <a:latin typeface="Segoe UI" panose="020B0502040204020203" pitchFamily="34" charset="0"/>
+                <a:cs typeface="Segoe UI" panose="020B0502040204020203" pitchFamily="34" charset="0"/>
+              </a:rPr>
               <a:t>If there is not, add that node as the </a:t>
             </a:r>
             <a:r>
-              <a:rPr lang="en-US" sz="1000" dirty="0" smtClean="0"/>
+              <a:rPr lang="en-US" sz="1000" dirty="0" smtClean="0">
+                <a:latin typeface="Segoe UI" panose="020B0502040204020203" pitchFamily="34" charset="0"/>
+                <a:cs typeface="Segoe UI" panose="020B0502040204020203" pitchFamily="34" charset="0"/>
+              </a:rPr>
               <a:t>left </a:t>
             </a:r>
             <a:r>
-              <a:rPr lang="en-US" sz="1000" dirty="0"/>
+              <a:rPr lang="en-US" sz="1000" dirty="0">
+                <a:latin typeface="Segoe UI" panose="020B0502040204020203" pitchFamily="34" charset="0"/>
+                <a:cs typeface="Segoe UI" panose="020B0502040204020203" pitchFamily="34" charset="0"/>
+              </a:rPr>
               <a:t>property</a:t>
             </a:r>
           </a:p>
@@ -15970,7 +16779,10 @@
               <a:buFont typeface="Arial" panose="020B0604020202020204" pitchFamily="34" charset="0"/>
               <a:buChar char="•"/>
             </a:pPr>
-            <a:endParaRPr lang="en-US" sz="1000" dirty="0"/>
+            <a:endParaRPr lang="en-US" sz="1000" dirty="0">
+              <a:latin typeface="Segoe UI" panose="020B0502040204020203" pitchFamily="34" charset="0"/>
+              <a:cs typeface="Segoe UI" panose="020B0502040204020203" pitchFamily="34" charset="0"/>
+            </a:endParaRPr>
           </a:p>
         </p:txBody>
       </p:sp>
@@ -15983,7 +16795,7 @@
         <p:spPr>
           <a:xfrm>
             <a:off x="5326302" y="3244334"/>
-            <a:ext cx="4585038" cy="646331"/>
+            <a:ext cx="4966039" cy="646331"/>
           </a:xfrm>
           <a:prstGeom prst="rect">
             <a:avLst/>
@@ -15996,92 +16808,158 @@
           <a:lstStyle/>
           <a:p>
             <a:r>
-              <a:rPr lang="en-US" dirty="0" err="1" smtClean="0"/>
+              <a:rPr lang="en-US" dirty="0" err="1" smtClean="0">
+                <a:latin typeface="Segoe UI" panose="020B0502040204020203" pitchFamily="34" charset="0"/>
+                <a:cs typeface="Segoe UI" panose="020B0502040204020203" pitchFamily="34" charset="0"/>
+              </a:rPr>
               <a:t>Dublikati</a:t>
             </a:r>
             <a:r>
-              <a:rPr lang="en-US" dirty="0" smtClean="0"/>
+              <a:rPr lang="en-US" dirty="0" smtClean="0">
+                <a:latin typeface="Segoe UI" panose="020B0502040204020203" pitchFamily="34" charset="0"/>
+                <a:cs typeface="Segoe UI" panose="020B0502040204020203" pitchFamily="34" charset="0"/>
+              </a:rPr>
               <a:t> </a:t>
             </a:r>
             <a:r>
-              <a:rPr lang="en-US" dirty="0" err="1" smtClean="0"/>
+              <a:rPr lang="en-US" dirty="0" err="1" smtClean="0">
+                <a:latin typeface="Segoe UI" panose="020B0502040204020203" pitchFamily="34" charset="0"/>
+                <a:cs typeface="Segoe UI" panose="020B0502040204020203" pitchFamily="34" charset="0"/>
+              </a:rPr>
               <a:t>momenty</a:t>
             </a:r>
             <a:r>
-              <a:rPr lang="en-US" dirty="0" smtClean="0"/>
+              <a:rPr lang="en-US" dirty="0" smtClean="0">
+                <a:latin typeface="Segoe UI" panose="020B0502040204020203" pitchFamily="34" charset="0"/>
+                <a:cs typeface="Segoe UI" panose="020B0502040204020203" pitchFamily="34" charset="0"/>
+              </a:rPr>
               <a:t> </a:t>
             </a:r>
             <a:r>
-              <a:rPr lang="en-US" dirty="0" err="1" smtClean="0"/>
+              <a:rPr lang="en-US" dirty="0" err="1" smtClean="0">
+                <a:latin typeface="Segoe UI" panose="020B0502040204020203" pitchFamily="34" charset="0"/>
+                <a:cs typeface="Segoe UI" panose="020B0502040204020203" pitchFamily="34" charset="0"/>
+              </a:rPr>
               <a:t>karanc</a:t>
             </a:r>
             <a:r>
-              <a:rPr lang="en-US" dirty="0" smtClean="0"/>
+              <a:rPr lang="en-US" dirty="0" smtClean="0">
+                <a:latin typeface="Segoe UI" panose="020B0502040204020203" pitchFamily="34" charset="0"/>
+                <a:cs typeface="Segoe UI" panose="020B0502040204020203" pitchFamily="34" charset="0"/>
+              </a:rPr>
               <a:t> index </a:t>
             </a:r>
             <a:r>
-              <a:rPr lang="en-US" dirty="0" err="1" smtClean="0"/>
+              <a:rPr lang="en-US" dirty="0" err="1" smtClean="0">
+                <a:latin typeface="Segoe UI" panose="020B0502040204020203" pitchFamily="34" charset="0"/>
+                <a:cs typeface="Segoe UI" panose="020B0502040204020203" pitchFamily="34" charset="0"/>
+              </a:rPr>
               <a:t>avelacnenq</a:t>
             </a:r>
             <a:r>
-              <a:rPr lang="en-US" dirty="0" smtClean="0"/>
+              <a:rPr lang="en-US" dirty="0" smtClean="0">
+                <a:latin typeface="Segoe UI" panose="020B0502040204020203" pitchFamily="34" charset="0"/>
+                <a:cs typeface="Segoe UI" panose="020B0502040204020203" pitchFamily="34" charset="0"/>
+              </a:rPr>
               <a:t>, </a:t>
             </a:r>
           </a:p>
           <a:p>
             <a:r>
-              <a:rPr lang="en-US" dirty="0" err="1" smtClean="0"/>
+              <a:rPr lang="en-US" dirty="0" err="1" smtClean="0">
+                <a:latin typeface="Segoe UI" panose="020B0502040204020203" pitchFamily="34" charset="0"/>
+                <a:cs typeface="Segoe UI" panose="020B0502040204020203" pitchFamily="34" charset="0"/>
+              </a:rPr>
               <a:t>ete</a:t>
             </a:r>
             <a:r>
-              <a:rPr lang="en-US" dirty="0" smtClean="0"/>
+              <a:rPr lang="en-US" dirty="0" smtClean="0">
+                <a:latin typeface="Segoe UI" panose="020B0502040204020203" pitchFamily="34" charset="0"/>
+                <a:cs typeface="Segoe UI" panose="020B0502040204020203" pitchFamily="34" charset="0"/>
+              </a:rPr>
               <a:t> </a:t>
             </a:r>
             <a:r>
-              <a:rPr lang="en-US" dirty="0" err="1" smtClean="0"/>
+              <a:rPr lang="en-US" dirty="0" err="1" smtClean="0">
+                <a:latin typeface="Segoe UI" panose="020B0502040204020203" pitchFamily="34" charset="0"/>
+                <a:cs typeface="Segoe UI" panose="020B0502040204020203" pitchFamily="34" charset="0"/>
+              </a:rPr>
               <a:t>petq</a:t>
             </a:r>
             <a:r>
-              <a:rPr lang="en-US" dirty="0" smtClean="0"/>
+              <a:rPr lang="en-US" dirty="0" smtClean="0">
+                <a:latin typeface="Segoe UI" panose="020B0502040204020203" pitchFamily="34" charset="0"/>
+                <a:cs typeface="Segoe UI" panose="020B0502040204020203" pitchFamily="34" charset="0"/>
+              </a:rPr>
               <a:t> a </a:t>
             </a:r>
             <a:r>
-              <a:rPr lang="en-US" dirty="0" err="1" smtClean="0"/>
+              <a:rPr lang="en-US" dirty="0" err="1" smtClean="0">
+                <a:latin typeface="Segoe UI" panose="020B0502040204020203" pitchFamily="34" charset="0"/>
+                <a:cs typeface="Segoe UI" panose="020B0502040204020203" pitchFamily="34" charset="0"/>
+              </a:rPr>
               <a:t>imananq</a:t>
             </a:r>
             <a:r>
-              <a:rPr lang="en-US" dirty="0" smtClean="0"/>
+              <a:rPr lang="en-US" dirty="0" smtClean="0">
+                <a:latin typeface="Segoe UI" panose="020B0502040204020203" pitchFamily="34" charset="0"/>
+                <a:cs typeface="Segoe UI" panose="020B0502040204020203" pitchFamily="34" charset="0"/>
+              </a:rPr>
               <a:t> </a:t>
             </a:r>
             <a:r>
-              <a:rPr lang="en-US" dirty="0" err="1" smtClean="0"/>
+              <a:rPr lang="en-US" dirty="0" err="1" smtClean="0">
+                <a:latin typeface="Segoe UI" panose="020B0502040204020203" pitchFamily="34" charset="0"/>
+                <a:cs typeface="Segoe UI" panose="020B0502040204020203" pitchFamily="34" charset="0"/>
+              </a:rPr>
               <a:t>qani</a:t>
             </a:r>
             <a:r>
-              <a:rPr lang="en-US" dirty="0" smtClean="0"/>
+              <a:rPr lang="en-US" dirty="0" smtClean="0">
+                <a:latin typeface="Segoe UI" panose="020B0502040204020203" pitchFamily="34" charset="0"/>
+                <a:cs typeface="Segoe UI" panose="020B0502040204020203" pitchFamily="34" charset="0"/>
+              </a:rPr>
               <a:t> </a:t>
             </a:r>
             <a:r>
-              <a:rPr lang="en-US" dirty="0" err="1" smtClean="0"/>
+              <a:rPr lang="en-US" dirty="0" err="1" smtClean="0">
+                <a:latin typeface="Segoe UI" panose="020B0502040204020203" pitchFamily="34" charset="0"/>
+                <a:cs typeface="Segoe UI" panose="020B0502040204020203" pitchFamily="34" charset="0"/>
+              </a:rPr>
               <a:t>angam</a:t>
             </a:r>
             <a:r>
-              <a:rPr lang="en-US" dirty="0" smtClean="0"/>
+              <a:rPr lang="en-US" dirty="0" smtClean="0">
+                <a:latin typeface="Segoe UI" panose="020B0502040204020203" pitchFamily="34" charset="0"/>
+                <a:cs typeface="Segoe UI" panose="020B0502040204020203" pitchFamily="34" charset="0"/>
+              </a:rPr>
               <a:t> a </a:t>
             </a:r>
             <a:r>
-              <a:rPr lang="en-US" dirty="0" err="1" smtClean="0"/>
+              <a:rPr lang="en-US" dirty="0" err="1" smtClean="0">
+                <a:latin typeface="Segoe UI" panose="020B0502040204020203" pitchFamily="34" charset="0"/>
+                <a:cs typeface="Segoe UI" panose="020B0502040204020203" pitchFamily="34" charset="0"/>
+              </a:rPr>
               <a:t>krknvum</a:t>
             </a:r>
             <a:r>
-              <a:rPr lang="en-US" dirty="0" smtClean="0"/>
+              <a:rPr lang="en-US" dirty="0" smtClean="0">
+                <a:latin typeface="Segoe UI" panose="020B0502040204020203" pitchFamily="34" charset="0"/>
+                <a:cs typeface="Segoe UI" panose="020B0502040204020203" pitchFamily="34" charset="0"/>
+              </a:rPr>
               <a:t> </a:t>
             </a:r>
             <a:r>
-              <a:rPr lang="en-US" dirty="0" err="1" smtClean="0"/>
+              <a:rPr lang="en-US" dirty="0" err="1" smtClean="0">
+                <a:latin typeface="Segoe UI" panose="020B0502040204020203" pitchFamily="34" charset="0"/>
+                <a:cs typeface="Segoe UI" panose="020B0502040204020203" pitchFamily="34" charset="0"/>
+              </a:rPr>
               <a:t>tivy</a:t>
             </a:r>
-            <a:endParaRPr lang="en-US" dirty="0"/>
+            <a:endParaRPr lang="en-US" dirty="0">
+              <a:latin typeface="Segoe UI" panose="020B0502040204020203" pitchFamily="34" charset="0"/>
+              <a:cs typeface="Segoe UI" panose="020B0502040204020203" pitchFamily="34" charset="0"/>
+            </a:endParaRPr>
           </a:p>
         </p:txBody>
       </p:sp>
@@ -16148,10 +17026,18 @@
           <a:lstStyle/>
           <a:p>
             <a:r>
-              <a:rPr lang="en-US" dirty="0"/>
+              <a:rPr lang="en-US" dirty="0">
+                <a:latin typeface="Nirmala UI" panose="020B0502040204020203" pitchFamily="34" charset="0"/>
+                <a:ea typeface="Nirmala UI" panose="020B0502040204020203" pitchFamily="34" charset="0"/>
+                <a:cs typeface="Nirmala UI" panose="020B0502040204020203" pitchFamily="34" charset="0"/>
+              </a:rPr>
               <a:t>Introduction to Algorithms</a:t>
             </a:r>
-            <a:endParaRPr dirty="0"/>
+            <a:endParaRPr dirty="0">
+              <a:latin typeface="Nirmala UI" panose="020B0502040204020203" pitchFamily="34" charset="0"/>
+              <a:ea typeface="Nirmala UI" panose="020B0502040204020203" pitchFamily="34" charset="0"/>
+              <a:cs typeface="Nirmala UI" panose="020B0502040204020203" pitchFamily="34" charset="0"/>
+            </a:endParaRPr>
           </a:p>
         </p:txBody>
       </p:sp>
@@ -16191,19 +17077,35 @@
               <a:buNone/>
             </a:pPr>
             <a:r>
-              <a:rPr lang="en-US" altLang="ru-RU" sz="1600" b="1" dirty="0" smtClean="0"/>
+              <a:rPr lang="en-US" altLang="ru-RU" sz="1600" b="1" dirty="0" smtClean="0">
+                <a:latin typeface="Nirmala UI" panose="020B0502040204020203" pitchFamily="34" charset="0"/>
+                <a:ea typeface="Nirmala UI" panose="020B0502040204020203" pitchFamily="34" charset="0"/>
+                <a:cs typeface="Nirmala UI" panose="020B0502040204020203" pitchFamily="34" charset="0"/>
+              </a:rPr>
               <a:t>Algorithm</a:t>
             </a:r>
             <a:r>
-              <a:rPr lang="en-US" altLang="ru-RU" sz="1600" dirty="0" smtClean="0"/>
+              <a:rPr lang="en-US" altLang="ru-RU" sz="1600" dirty="0" smtClean="0">
+                <a:latin typeface="Nirmala UI" panose="020B0502040204020203" pitchFamily="34" charset="0"/>
+                <a:ea typeface="Nirmala UI" panose="020B0502040204020203" pitchFamily="34" charset="0"/>
+                <a:cs typeface="Nirmala UI" panose="020B0502040204020203" pitchFamily="34" charset="0"/>
+              </a:rPr>
               <a:t> </a:t>
             </a:r>
             <a:r>
-              <a:rPr lang="en-US" altLang="ru-RU" sz="1600" dirty="0"/>
+              <a:rPr lang="en-US" altLang="ru-RU" sz="1600" dirty="0">
+                <a:latin typeface="Nirmala UI" panose="020B0502040204020203" pitchFamily="34" charset="0"/>
+                <a:ea typeface="Nirmala UI" panose="020B0502040204020203" pitchFamily="34" charset="0"/>
+                <a:cs typeface="Nirmala UI" panose="020B0502040204020203" pitchFamily="34" charset="0"/>
+              </a:rPr>
               <a:t>is a finite sequence of well-defined, computer-implementable instructions, typically to solve a class of problems or to perform a </a:t>
             </a:r>
             <a:r>
-              <a:rPr lang="en-US" altLang="ru-RU" sz="1600" dirty="0" smtClean="0"/>
+              <a:rPr lang="en-US" altLang="ru-RU" sz="1600" dirty="0" smtClean="0">
+                <a:latin typeface="Nirmala UI" panose="020B0502040204020203" pitchFamily="34" charset="0"/>
+                <a:ea typeface="Nirmala UI" panose="020B0502040204020203" pitchFamily="34" charset="0"/>
+                <a:cs typeface="Nirmala UI" panose="020B0502040204020203" pitchFamily="34" charset="0"/>
+              </a:rPr>
               <a:t>computation.</a:t>
             </a:r>
           </a:p>
@@ -16218,7 +17120,11 @@
               <a:buSzPts val="1100"/>
               <a:buNone/>
             </a:pPr>
-            <a:endParaRPr lang="en-US" altLang="ru-RU" sz="1600" dirty="0" smtClean="0"/>
+            <a:endParaRPr lang="en-US" altLang="ru-RU" sz="1600" dirty="0" smtClean="0">
+              <a:latin typeface="Nirmala UI" panose="020B0502040204020203" pitchFamily="34" charset="0"/>
+              <a:ea typeface="Nirmala UI" panose="020B0502040204020203" pitchFamily="34" charset="0"/>
+              <a:cs typeface="Nirmala UI" panose="020B0502040204020203" pitchFamily="34" charset="0"/>
+            </a:endParaRPr>
           </a:p>
           <a:p>
             <a:pPr marL="0" lvl="0" indent="0">
@@ -16231,7 +17137,11 @@
               <a:buSzPts val="1100"/>
               <a:buNone/>
             </a:pPr>
-            <a:endParaRPr lang="en-US" altLang="ru-RU" sz="1600" dirty="0"/>
+            <a:endParaRPr lang="en-US" altLang="ru-RU" sz="1600" dirty="0">
+              <a:latin typeface="Nirmala UI" panose="020B0502040204020203" pitchFamily="34" charset="0"/>
+              <a:ea typeface="Nirmala UI" panose="020B0502040204020203" pitchFamily="34" charset="0"/>
+              <a:cs typeface="Nirmala UI" panose="020B0502040204020203" pitchFamily="34" charset="0"/>
+            </a:endParaRPr>
           </a:p>
         </p:txBody>
       </p:sp>
@@ -16261,11 +17171,19 @@
           <a:lstStyle/>
           <a:p>
             <a:fld id="{00000000-1234-1234-1234-123412341234}" type="slidenum">
-              <a:rPr lang="en"/>
+              <a:rPr lang="en">
+                <a:latin typeface="Nirmala UI" panose="020B0502040204020203" pitchFamily="34" charset="0"/>
+                <a:ea typeface="Nirmala UI" panose="020B0502040204020203" pitchFamily="34" charset="0"/>
+                <a:cs typeface="Nirmala UI" panose="020B0502040204020203" pitchFamily="34" charset="0"/>
+              </a:rPr>
               <a:pPr/>
               <a:t>2</a:t>
             </a:fld>
-            <a:endParaRPr/>
+            <a:endParaRPr>
+              <a:latin typeface="Nirmala UI" panose="020B0502040204020203" pitchFamily="34" charset="0"/>
+              <a:ea typeface="Nirmala UI" panose="020B0502040204020203" pitchFamily="34" charset="0"/>
+              <a:cs typeface="Nirmala UI" panose="020B0502040204020203" pitchFamily="34" charset="0"/>
+            </a:endParaRPr>
           </a:p>
         </p:txBody>
       </p:sp>
@@ -16424,7 +17342,11 @@
             </a:bodyPr>
             <a:lstStyle/>
             <a:p>
-              <a:endParaRPr sz="2400"/>
+              <a:endParaRPr sz="2400">
+                <a:latin typeface="Nirmala UI" panose="020B0502040204020203" pitchFamily="34" charset="0"/>
+                <a:ea typeface="Nirmala UI" panose="020B0502040204020203" pitchFamily="34" charset="0"/>
+                <a:cs typeface="Nirmala UI" panose="020B0502040204020203" pitchFamily="34" charset="0"/>
+              </a:endParaRPr>
             </a:p>
           </p:txBody>
         </p:sp>
@@ -16569,7 +17491,11 @@
             </a:bodyPr>
             <a:lstStyle/>
             <a:p>
-              <a:endParaRPr sz="2400"/>
+              <a:endParaRPr sz="2400">
+                <a:latin typeface="Nirmala UI" panose="020B0502040204020203" pitchFamily="34" charset="0"/>
+                <a:ea typeface="Nirmala UI" panose="020B0502040204020203" pitchFamily="34" charset="0"/>
+                <a:cs typeface="Nirmala UI" panose="020B0502040204020203" pitchFamily="34" charset="0"/>
+              </a:endParaRPr>
             </a:p>
           </p:txBody>
         </p:sp>
@@ -16826,7 +17752,11 @@
             </a:bodyPr>
             <a:lstStyle/>
             <a:p>
-              <a:endParaRPr sz="2400"/>
+              <a:endParaRPr sz="2400">
+                <a:latin typeface="Nirmala UI" panose="020B0502040204020203" pitchFamily="34" charset="0"/>
+                <a:ea typeface="Nirmala UI" panose="020B0502040204020203" pitchFamily="34" charset="0"/>
+                <a:cs typeface="Nirmala UI" panose="020B0502040204020203" pitchFamily="34" charset="0"/>
+              </a:endParaRPr>
             </a:p>
           </p:txBody>
         </p:sp>
@@ -17083,7 +18013,11 @@
             </a:bodyPr>
             <a:lstStyle/>
             <a:p>
-              <a:endParaRPr sz="2400"/>
+              <a:endParaRPr sz="2400">
+                <a:latin typeface="Nirmala UI" panose="020B0502040204020203" pitchFamily="34" charset="0"/>
+                <a:ea typeface="Nirmala UI" panose="020B0502040204020203" pitchFamily="34" charset="0"/>
+                <a:cs typeface="Nirmala UI" panose="020B0502040204020203" pitchFamily="34" charset="0"/>
+              </a:endParaRPr>
             </a:p>
           </p:txBody>
         </p:sp>
@@ -17146,14 +18080,23 @@
           <a:lstStyle/>
           <a:p>
             <a:r>
-              <a:rPr lang="en-US" b="1" dirty="0"/>
+              <a:rPr lang="en-US" b="1" dirty="0">
+                <a:latin typeface="Segoe UI" panose="020B0502040204020203" pitchFamily="34" charset="0"/>
+                <a:cs typeface="Segoe UI" panose="020B0502040204020203" pitchFamily="34" charset="0"/>
+              </a:rPr>
               <a:t>Binary </a:t>
             </a:r>
             <a:r>
-              <a:rPr lang="en-US" b="1" dirty="0" smtClean="0"/>
+              <a:rPr lang="en-US" b="1" dirty="0" smtClean="0">
+                <a:latin typeface="Segoe UI" panose="020B0502040204020203" pitchFamily="34" charset="0"/>
+                <a:cs typeface="Segoe UI" panose="020B0502040204020203" pitchFamily="34" charset="0"/>
+              </a:rPr>
               <a:t>Heap</a:t>
             </a:r>
-            <a:endParaRPr lang="en-US" dirty="0"/>
+            <a:endParaRPr lang="en-US" dirty="0">
+              <a:latin typeface="Segoe UI" panose="020B0502040204020203" pitchFamily="34" charset="0"/>
+              <a:cs typeface="Segoe UI" panose="020B0502040204020203" pitchFamily="34" charset="0"/>
+            </a:endParaRPr>
           </a:p>
         </p:txBody>
       </p:sp>
@@ -17180,84 +18123,135 @@
           <a:lstStyle/>
           <a:p>
             <a:r>
-              <a:rPr lang="en-US" sz="1000" dirty="0" smtClean="0"/>
+              <a:rPr lang="en-US" sz="1000" dirty="0" smtClean="0">
+                <a:latin typeface="Segoe UI" panose="020B0502040204020203" pitchFamily="34" charset="0"/>
+                <a:cs typeface="Segoe UI" panose="020B0502040204020203" pitchFamily="34" charset="0"/>
+              </a:rPr>
               <a:t>Define what a binary heap is</a:t>
             </a:r>
           </a:p>
           <a:p>
             <a:r>
-              <a:rPr lang="en-US" sz="1000" dirty="0" smtClean="0"/>
+              <a:rPr lang="en-US" sz="1000" dirty="0" smtClean="0">
+                <a:latin typeface="Segoe UI" panose="020B0502040204020203" pitchFamily="34" charset="0"/>
+                <a:cs typeface="Segoe UI" panose="020B0502040204020203" pitchFamily="34" charset="0"/>
+              </a:rPr>
               <a:t>Compare and </a:t>
             </a:r>
             <a:r>
-              <a:rPr lang="en-US" sz="1000" dirty="0" err="1" smtClean="0"/>
+              <a:rPr lang="en-US" sz="1000" dirty="0" err="1" smtClean="0">
+                <a:latin typeface="Segoe UI" panose="020B0502040204020203" pitchFamily="34" charset="0"/>
+                <a:cs typeface="Segoe UI" panose="020B0502040204020203" pitchFamily="34" charset="0"/>
+              </a:rPr>
               <a:t>constrast</a:t>
             </a:r>
             <a:r>
-              <a:rPr lang="en-US" sz="1000" dirty="0" smtClean="0"/>
+              <a:rPr lang="en-US" sz="1000" dirty="0" smtClean="0">
+                <a:latin typeface="Segoe UI" panose="020B0502040204020203" pitchFamily="34" charset="0"/>
+                <a:cs typeface="Segoe UI" panose="020B0502040204020203" pitchFamily="34" charset="0"/>
+              </a:rPr>
               <a:t> min and max heaps</a:t>
             </a:r>
           </a:p>
           <a:p>
             <a:r>
-              <a:rPr lang="en-US" sz="1000" dirty="0" smtClean="0"/>
+              <a:rPr lang="en-US" sz="1000" dirty="0" smtClean="0">
+                <a:latin typeface="Segoe UI" panose="020B0502040204020203" pitchFamily="34" charset="0"/>
+                <a:cs typeface="Segoe UI" panose="020B0502040204020203" pitchFamily="34" charset="0"/>
+              </a:rPr>
               <a:t>Implement basic methods on heaps</a:t>
             </a:r>
           </a:p>
           <a:p>
             <a:r>
-              <a:rPr lang="en-US" sz="1000" dirty="0" smtClean="0"/>
+              <a:rPr lang="en-US" sz="1000" dirty="0" smtClean="0">
+                <a:latin typeface="Segoe UI" panose="020B0502040204020203" pitchFamily="34" charset="0"/>
+                <a:cs typeface="Segoe UI" panose="020B0502040204020203" pitchFamily="34" charset="0"/>
+              </a:rPr>
               <a:t>Understand where heaps are used in real word and what other data structures can be constructed from heaps</a:t>
             </a:r>
           </a:p>
           <a:p>
-            <a:endParaRPr lang="en-US" sz="1000" dirty="0"/>
-          </a:p>
-          <a:p>
-            <a:endParaRPr lang="en-US" sz="1000" dirty="0" smtClean="0"/>
+            <a:endParaRPr lang="en-US" sz="1000" dirty="0">
+              <a:latin typeface="Segoe UI" panose="020B0502040204020203" pitchFamily="34" charset="0"/>
+              <a:cs typeface="Segoe UI" panose="020B0502040204020203" pitchFamily="34" charset="0"/>
+            </a:endParaRPr>
+          </a:p>
+          <a:p>
+            <a:endParaRPr lang="en-US" sz="1000" dirty="0" smtClean="0">
+              <a:latin typeface="Segoe UI" panose="020B0502040204020203" pitchFamily="34" charset="0"/>
+              <a:cs typeface="Segoe UI" panose="020B0502040204020203" pitchFamily="34" charset="0"/>
+            </a:endParaRPr>
           </a:p>
           <a:p>
             <a:pPr marL="0" indent="0">
               <a:buNone/>
             </a:pPr>
             <a:r>
-              <a:rPr lang="en-US" sz="1000" dirty="0" smtClean="0"/>
+              <a:rPr lang="en-US" sz="1000" dirty="0" smtClean="0">
+                <a:latin typeface="Segoe UI" panose="020B0502040204020203" pitchFamily="34" charset="0"/>
+                <a:cs typeface="Segoe UI" panose="020B0502040204020203" pitchFamily="34" charset="0"/>
+              </a:rPr>
               <a:t>Very similar to a binary search </a:t>
             </a:r>
             <a:r>
-              <a:rPr lang="en-US" sz="1000" dirty="0" err="1" smtClean="0"/>
+              <a:rPr lang="en-US" sz="1000" dirty="0" err="1" smtClean="0">
+                <a:latin typeface="Segoe UI" panose="020B0502040204020203" pitchFamily="34" charset="0"/>
+                <a:cs typeface="Segoe UI" panose="020B0502040204020203" pitchFamily="34" charset="0"/>
+              </a:rPr>
               <a:t>tess</a:t>
             </a:r>
             <a:r>
-              <a:rPr lang="en-US" sz="1000" dirty="0" smtClean="0"/>
+              <a:rPr lang="en-US" sz="1000" dirty="0" smtClean="0">
+                <a:latin typeface="Segoe UI" panose="020B0502040204020203" pitchFamily="34" charset="0"/>
+                <a:cs typeface="Segoe UI" panose="020B0502040204020203" pitchFamily="34" charset="0"/>
+              </a:rPr>
               <a:t> but with some different rules</a:t>
             </a:r>
           </a:p>
           <a:p>
             <a:r>
-              <a:rPr lang="en-US" sz="1000" dirty="0" smtClean="0"/>
+              <a:rPr lang="en-US" sz="1000" dirty="0" smtClean="0">
+                <a:latin typeface="Segoe UI" panose="020B0502040204020203" pitchFamily="34" charset="0"/>
+                <a:cs typeface="Segoe UI" panose="020B0502040204020203" pitchFamily="34" charset="0"/>
+              </a:rPr>
               <a:t>In </a:t>
             </a:r>
             <a:r>
-              <a:rPr lang="en-US" sz="1000" dirty="0" err="1" smtClean="0"/>
+              <a:rPr lang="en-US" sz="1000" dirty="0" err="1" smtClean="0">
+                <a:latin typeface="Segoe UI" panose="020B0502040204020203" pitchFamily="34" charset="0"/>
+                <a:cs typeface="Segoe UI" panose="020B0502040204020203" pitchFamily="34" charset="0"/>
+              </a:rPr>
               <a:t>MaxBinaryHeap</a:t>
             </a:r>
             <a:r>
-              <a:rPr lang="en-US" sz="1000" dirty="0" smtClean="0"/>
+              <a:rPr lang="en-US" sz="1000" dirty="0" smtClean="0">
+                <a:latin typeface="Segoe UI" panose="020B0502040204020203" pitchFamily="34" charset="0"/>
+                <a:cs typeface="Segoe UI" panose="020B0502040204020203" pitchFamily="34" charset="0"/>
+              </a:rPr>
               <a:t>, parent nodes are always larger than child nodes. In a </a:t>
             </a:r>
             <a:r>
-              <a:rPr lang="en-US" sz="1000" dirty="0" err="1" smtClean="0"/>
+              <a:rPr lang="en-US" sz="1000" dirty="0" err="1" smtClean="0">
+                <a:latin typeface="Segoe UI" panose="020B0502040204020203" pitchFamily="34" charset="0"/>
+                <a:cs typeface="Segoe UI" panose="020B0502040204020203" pitchFamily="34" charset="0"/>
+              </a:rPr>
               <a:t>MinBinaryHeap</a:t>
             </a:r>
             <a:r>
-              <a:rPr lang="en-US" sz="1000" dirty="0" smtClean="0"/>
+              <a:rPr lang="en-US" sz="1000" dirty="0" smtClean="0">
+                <a:latin typeface="Segoe UI" panose="020B0502040204020203" pitchFamily="34" charset="0"/>
+                <a:cs typeface="Segoe UI" panose="020B0502040204020203" pitchFamily="34" charset="0"/>
+              </a:rPr>
               <a:t>, pare nodes are always smaller than child nodes</a:t>
             </a:r>
           </a:p>
           <a:p>
             <a:r>
-              <a:rPr lang="en-US" sz="1000" dirty="0" smtClean="0"/>
+              <a:rPr lang="en-US" sz="1000" dirty="0" smtClean="0">
+                <a:latin typeface="Segoe UI" panose="020B0502040204020203" pitchFamily="34" charset="0"/>
+                <a:cs typeface="Segoe UI" panose="020B0502040204020203" pitchFamily="34" charset="0"/>
+              </a:rPr>
               <a:t>Most 2 children, but unlike BST, there is no order left or right</a:t>
             </a:r>
           </a:p>
@@ -17266,48 +18260,78 @@
               <a:buNone/>
             </a:pPr>
             <a:r>
-              <a:rPr lang="en-US" sz="1000" dirty="0" err="1" smtClean="0"/>
+              <a:rPr lang="en-US" sz="1000" dirty="0" err="1" smtClean="0">
+                <a:latin typeface="Segoe UI" panose="020B0502040204020203" pitchFamily="34" charset="0"/>
+                <a:cs typeface="Segoe UI" panose="020B0502040204020203" pitchFamily="34" charset="0"/>
+              </a:rPr>
               <a:t>MaxBinaryHeap</a:t>
             </a:r>
-            <a:endParaRPr lang="en-US" sz="1000" dirty="0" smtClean="0"/>
-          </a:p>
-          <a:p>
-            <a:r>
-              <a:rPr lang="en-US" sz="1000" dirty="0" smtClean="0"/>
+            <a:endParaRPr lang="en-US" sz="1000" dirty="0" smtClean="0">
+              <a:latin typeface="Segoe UI" panose="020B0502040204020203" pitchFamily="34" charset="0"/>
+              <a:cs typeface="Segoe UI" panose="020B0502040204020203" pitchFamily="34" charset="0"/>
+            </a:endParaRPr>
+          </a:p>
+          <a:p>
+            <a:r>
+              <a:rPr lang="en-US" sz="1000" dirty="0" smtClean="0">
+                <a:latin typeface="Segoe UI" panose="020B0502040204020203" pitchFamily="34" charset="0"/>
+                <a:cs typeface="Segoe UI" panose="020B0502040204020203" pitchFamily="34" charset="0"/>
+              </a:rPr>
               <a:t>Each parent has at most two child nodes</a:t>
             </a:r>
           </a:p>
           <a:p>
             <a:r>
-              <a:rPr lang="en-US" sz="1000" dirty="0" smtClean="0"/>
+              <a:rPr lang="en-US" sz="1000" dirty="0" smtClean="0">
+                <a:latin typeface="Segoe UI" panose="020B0502040204020203" pitchFamily="34" charset="0"/>
+                <a:cs typeface="Segoe UI" panose="020B0502040204020203" pitchFamily="34" charset="0"/>
+              </a:rPr>
               <a:t>The value of each parent node is always greater than its </a:t>
             </a:r>
             <a:r>
-              <a:rPr lang="en-US" sz="1000" dirty="0" err="1" smtClean="0"/>
+              <a:rPr lang="en-US" sz="1000" dirty="0" err="1" smtClean="0">
+                <a:latin typeface="Segoe UI" panose="020B0502040204020203" pitchFamily="34" charset="0"/>
+                <a:cs typeface="Segoe UI" panose="020B0502040204020203" pitchFamily="34" charset="0"/>
+              </a:rPr>
               <a:t>chid</a:t>
             </a:r>
             <a:r>
-              <a:rPr lang="en-US" sz="1000" dirty="0" smtClean="0"/>
+              <a:rPr lang="en-US" sz="1000" dirty="0" smtClean="0">
+                <a:latin typeface="Segoe UI" panose="020B0502040204020203" pitchFamily="34" charset="0"/>
+                <a:cs typeface="Segoe UI" panose="020B0502040204020203" pitchFamily="34" charset="0"/>
+              </a:rPr>
               <a:t> node</a:t>
             </a:r>
           </a:p>
           <a:p>
             <a:r>
-              <a:rPr lang="en-US" sz="1000" dirty="0" smtClean="0"/>
+              <a:rPr lang="en-US" sz="1000" dirty="0" smtClean="0">
+                <a:latin typeface="Segoe UI" panose="020B0502040204020203" pitchFamily="34" charset="0"/>
+                <a:cs typeface="Segoe UI" panose="020B0502040204020203" pitchFamily="34" charset="0"/>
+              </a:rPr>
               <a:t>In a max binary heap the </a:t>
             </a:r>
             <a:r>
-              <a:rPr lang="en-US" sz="1000" dirty="0" err="1" smtClean="0"/>
+              <a:rPr lang="en-US" sz="1000" dirty="0" err="1" smtClean="0">
+                <a:latin typeface="Segoe UI" panose="020B0502040204020203" pitchFamily="34" charset="0"/>
+                <a:cs typeface="Segoe UI" panose="020B0502040204020203" pitchFamily="34" charset="0"/>
+              </a:rPr>
               <a:t>paren</a:t>
             </a:r>
             <a:r>
-              <a:rPr lang="en-US" sz="1000" dirty="0" smtClean="0"/>
+              <a:rPr lang="en-US" sz="1000" dirty="0" smtClean="0">
+                <a:latin typeface="Segoe UI" panose="020B0502040204020203" pitchFamily="34" charset="0"/>
+                <a:cs typeface="Segoe UI" panose="020B0502040204020203" pitchFamily="34" charset="0"/>
+              </a:rPr>
               <a:t> is greater than the children, but there are no guarantees between sibling nodes</a:t>
             </a:r>
           </a:p>
           <a:p>
             <a:r>
-              <a:rPr lang="en-US" sz="1000" dirty="0" smtClean="0"/>
+              <a:rPr lang="en-US" sz="1000" dirty="0" smtClean="0">
+                <a:latin typeface="Segoe UI" panose="020B0502040204020203" pitchFamily="34" charset="0"/>
+                <a:cs typeface="Segoe UI" panose="020B0502040204020203" pitchFamily="34" charset="0"/>
+              </a:rPr>
               <a:t>A binary heap is as compact as possible unlike BST, all the children of each node are as full as they can be and left children are filled out first</a:t>
             </a:r>
           </a:p>
@@ -17317,6 +18341,8 @@
                 <a:solidFill>
                   <a:srgbClr val="FF0000"/>
                 </a:solidFill>
+                <a:latin typeface="Segoe UI" panose="020B0502040204020203" pitchFamily="34" charset="0"/>
+                <a:cs typeface="Segoe UI" panose="020B0502040204020203" pitchFamily="34" charset="0"/>
               </a:rPr>
               <a:t>No implied ordering between siblings</a:t>
             </a:r>
@@ -17326,6 +18352,8 @@
               <a:solidFill>
                 <a:srgbClr val="FF0000"/>
               </a:solidFill>
+              <a:latin typeface="Segoe UI" panose="020B0502040204020203" pitchFamily="34" charset="0"/>
+              <a:cs typeface="Segoe UI" panose="020B0502040204020203" pitchFamily="34" charset="0"/>
             </a:endParaRPr>
           </a:p>
           <a:p>
@@ -17333,7 +18361,10 @@
               <a:buNone/>
             </a:pPr>
             <a:r>
-              <a:rPr lang="en-US" sz="1000" dirty="0" smtClean="0"/>
+              <a:rPr lang="en-US" sz="1000" dirty="0" smtClean="0">
+                <a:latin typeface="Segoe UI" panose="020B0502040204020203" pitchFamily="34" charset="0"/>
+                <a:cs typeface="Segoe UI" panose="020B0502040204020203" pitchFamily="34" charset="0"/>
+              </a:rPr>
               <a:t>Same idea for Min Binary heap</a:t>
             </a:r>
           </a:p>
@@ -17341,14 +18372,20 @@
             <a:pPr marL="0" indent="0">
               <a:buNone/>
             </a:pPr>
-            <a:endParaRPr lang="en-US" sz="1000" dirty="0" smtClean="0"/>
+            <a:endParaRPr lang="en-US" sz="1000" dirty="0" smtClean="0">
+              <a:latin typeface="Segoe UI" panose="020B0502040204020203" pitchFamily="34" charset="0"/>
+              <a:cs typeface="Segoe UI" panose="020B0502040204020203" pitchFamily="34" charset="0"/>
+            </a:endParaRPr>
           </a:p>
           <a:p>
             <a:pPr marL="0" indent="0">
               <a:buNone/>
             </a:pPr>
             <a:r>
-              <a:rPr lang="en-US" sz="1000" dirty="0" smtClean="0"/>
+              <a:rPr lang="en-US" sz="1000" dirty="0" smtClean="0">
+                <a:latin typeface="Segoe UI" panose="020B0502040204020203" pitchFamily="34" charset="0"/>
+                <a:cs typeface="Segoe UI" panose="020B0502040204020203" pitchFamily="34" charset="0"/>
+              </a:rPr>
               <a:t>Why do we need to know this?</a:t>
             </a:r>
           </a:p>
@@ -17361,6 +18398,8 @@
                 <a:solidFill>
                   <a:schemeClr val="accent6"/>
                 </a:solidFill>
+                <a:latin typeface="Segoe UI" panose="020B0502040204020203" pitchFamily="34" charset="0"/>
+                <a:cs typeface="Segoe UI" panose="020B0502040204020203" pitchFamily="34" charset="0"/>
               </a:rPr>
               <a:t>Binary heaps are used to implement Priority Queues, which are very commonly used data structure</a:t>
             </a:r>
@@ -17370,18 +18409,30 @@
               <a:buNone/>
             </a:pPr>
             <a:r>
-              <a:rPr lang="en-US" sz="1000" dirty="0" smtClean="0"/>
+              <a:rPr lang="en-US" sz="1000" dirty="0" smtClean="0">
+                <a:latin typeface="Segoe UI" panose="020B0502040204020203" pitchFamily="34" charset="0"/>
+                <a:cs typeface="Segoe UI" panose="020B0502040204020203" pitchFamily="34" charset="0"/>
+              </a:rPr>
               <a:t>Set up </a:t>
             </a:r>
             <a:r>
-              <a:rPr lang="en-US" sz="1000" dirty="0" err="1" smtClean="0"/>
+              <a:rPr lang="en-US" sz="1000" dirty="0" err="1" smtClean="0">
+                <a:latin typeface="Segoe UI" panose="020B0502040204020203" pitchFamily="34" charset="0"/>
+                <a:cs typeface="Segoe UI" panose="020B0502040204020203" pitchFamily="34" charset="0"/>
+              </a:rPr>
               <a:t>importants</a:t>
             </a:r>
             <a:r>
-              <a:rPr lang="en-US" sz="1000" dirty="0" smtClean="0"/>
+              <a:rPr lang="en-US" sz="1000" dirty="0" smtClean="0">
+                <a:latin typeface="Segoe UI" panose="020B0502040204020203" pitchFamily="34" charset="0"/>
+                <a:cs typeface="Segoe UI" panose="020B0502040204020203" pitchFamily="34" charset="0"/>
+              </a:rPr>
               <a:t> level | used quite a bit, with graph traversal algorithms</a:t>
             </a:r>
-            <a:endParaRPr lang="en-US" sz="1000" dirty="0"/>
+            <a:endParaRPr lang="en-US" sz="1000" dirty="0">
+              <a:latin typeface="Segoe UI" panose="020B0502040204020203" pitchFamily="34" charset="0"/>
+              <a:cs typeface="Segoe UI" panose="020B0502040204020203" pitchFamily="34" charset="0"/>
+            </a:endParaRPr>
           </a:p>
         </p:txBody>
       </p:sp>
@@ -17443,14 +18494,23 @@
           <a:lstStyle/>
           <a:p>
             <a:r>
-              <a:rPr lang="en-US" b="1" dirty="0"/>
+              <a:rPr lang="en-US" b="1" dirty="0">
+                <a:latin typeface="Segoe UI" panose="020B0502040204020203" pitchFamily="34" charset="0"/>
+                <a:cs typeface="Segoe UI" panose="020B0502040204020203" pitchFamily="34" charset="0"/>
+              </a:rPr>
               <a:t>Binary </a:t>
             </a:r>
             <a:r>
-              <a:rPr lang="en-US" b="1" dirty="0" smtClean="0"/>
+              <a:rPr lang="en-US" b="1" dirty="0" smtClean="0">
+                <a:latin typeface="Segoe UI" panose="020B0502040204020203" pitchFamily="34" charset="0"/>
+                <a:cs typeface="Segoe UI" panose="020B0502040204020203" pitchFamily="34" charset="0"/>
+              </a:rPr>
               <a:t>Heap - storing</a:t>
             </a:r>
-            <a:endParaRPr lang="en-US" dirty="0"/>
+            <a:endParaRPr lang="en-US" dirty="0">
+              <a:latin typeface="Segoe UI" panose="020B0502040204020203" pitchFamily="34" charset="0"/>
+              <a:cs typeface="Segoe UI" panose="020B0502040204020203" pitchFamily="34" charset="0"/>
+            </a:endParaRPr>
           </a:p>
         </p:txBody>
       </p:sp>
@@ -17480,7 +18540,10 @@
               <a:buNone/>
             </a:pPr>
             <a:r>
-              <a:rPr lang="en-US" sz="1000" dirty="0" smtClean="0"/>
+              <a:rPr lang="en-US" sz="1000" dirty="0" smtClean="0">
+                <a:latin typeface="Segoe UI" panose="020B0502040204020203" pitchFamily="34" charset="0"/>
+                <a:cs typeface="Segoe UI" panose="020B0502040204020203" pitchFamily="34" charset="0"/>
+              </a:rPr>
               <a:t>            41</a:t>
             </a:r>
           </a:p>
@@ -17489,11 +18552,17 @@
               <a:buNone/>
             </a:pPr>
             <a:r>
-              <a:rPr lang="en-US" sz="1000" dirty="0"/>
+              <a:rPr lang="en-US" sz="1000" dirty="0">
+                <a:latin typeface="Segoe UI" panose="020B0502040204020203" pitchFamily="34" charset="0"/>
+                <a:cs typeface="Segoe UI" panose="020B0502040204020203" pitchFamily="34" charset="0"/>
+              </a:rPr>
               <a:t> </a:t>
             </a:r>
             <a:r>
-              <a:rPr lang="en-US" sz="1000" dirty="0" smtClean="0"/>
+              <a:rPr lang="en-US" sz="1000" dirty="0" smtClean="0">
+                <a:latin typeface="Segoe UI" panose="020B0502040204020203" pitchFamily="34" charset="0"/>
+                <a:cs typeface="Segoe UI" panose="020B0502040204020203" pitchFamily="34" charset="0"/>
+              </a:rPr>
               <a:t>   39           33</a:t>
             </a:r>
           </a:p>
@@ -17502,7 +18571,10 @@
               <a:buAutoNum type="arabicPlain" startAt="18"/>
             </a:pPr>
             <a:r>
-              <a:rPr lang="en-US" sz="1000" dirty="0" smtClean="0"/>
+              <a:rPr lang="en-US" sz="1000" dirty="0" smtClean="0">
+                <a:latin typeface="Segoe UI" panose="020B0502040204020203" pitchFamily="34" charset="0"/>
+                <a:cs typeface="Segoe UI" panose="020B0502040204020203" pitchFamily="34" charset="0"/>
+              </a:rPr>
               <a:t>27     12     7</a:t>
             </a:r>
           </a:p>
@@ -17511,23 +18583,38 @@
               <a:buNone/>
             </a:pPr>
             <a:r>
-              <a:rPr lang="en-US" sz="1000" dirty="0" smtClean="0"/>
+              <a:rPr lang="en-US" sz="1000" dirty="0" smtClean="0">
+                <a:latin typeface="Segoe UI" panose="020B0502040204020203" pitchFamily="34" charset="0"/>
+                <a:cs typeface="Segoe UI" panose="020B0502040204020203" pitchFamily="34" charset="0"/>
+              </a:rPr>
               <a:t>Easy way of </a:t>
             </a:r>
             <a:r>
-              <a:rPr lang="en-US" sz="1000" dirty="0" err="1" smtClean="0"/>
+              <a:rPr lang="en-US" sz="1000" dirty="0" err="1" smtClean="0">
+                <a:latin typeface="Segoe UI" panose="020B0502040204020203" pitchFamily="34" charset="0"/>
+                <a:cs typeface="Segoe UI" panose="020B0502040204020203" pitchFamily="34" charset="0"/>
+              </a:rPr>
               <a:t>ording</a:t>
             </a:r>
             <a:r>
-              <a:rPr lang="en-US" sz="1000" dirty="0" smtClean="0"/>
+              <a:rPr lang="en-US" sz="1000" dirty="0" smtClean="0">
+                <a:latin typeface="Segoe UI" panose="020B0502040204020203" pitchFamily="34" charset="0"/>
+                <a:cs typeface="Segoe UI" panose="020B0502040204020203" pitchFamily="34" charset="0"/>
+              </a:rPr>
               <a:t> a binary heap … </a:t>
             </a:r>
             <a:r>
-              <a:rPr lang="en-US" sz="1000" dirty="0" err="1" smtClean="0"/>
+              <a:rPr lang="en-US" sz="1000" dirty="0" err="1" smtClean="0">
+                <a:latin typeface="Segoe UI" panose="020B0502040204020203" pitchFamily="34" charset="0"/>
+                <a:cs typeface="Segoe UI" panose="020B0502040204020203" pitchFamily="34" charset="0"/>
+              </a:rPr>
               <a:t>tadada</a:t>
             </a:r>
             <a:r>
-              <a:rPr lang="en-US" sz="1000" dirty="0" smtClean="0"/>
+              <a:rPr lang="en-US" sz="1000" dirty="0" smtClean="0">
+                <a:latin typeface="Segoe UI" panose="020B0502040204020203" pitchFamily="34" charset="0"/>
+                <a:cs typeface="Segoe UI" panose="020B0502040204020203" pitchFamily="34" charset="0"/>
+              </a:rPr>
               <a:t>!! List / array</a:t>
             </a:r>
           </a:p>
@@ -17536,7 +18623,10 @@
               <a:buNone/>
             </a:pPr>
             <a:r>
-              <a:rPr lang="en-US" sz="1000" dirty="0" smtClean="0"/>
+              <a:rPr lang="en-US" sz="1000" dirty="0" smtClean="0">
+                <a:latin typeface="Segoe UI" panose="020B0502040204020203" pitchFamily="34" charset="0"/>
+                <a:cs typeface="Segoe UI" panose="020B0502040204020203" pitchFamily="34" charset="0"/>
+              </a:rPr>
               <a:t>41 - 39 –- 33 –-- 18 –-- 27 –-- 12 –-- 7 </a:t>
             </a:r>
           </a:p>
@@ -17544,14 +18634,20 @@
             <a:pPr marL="0" indent="0">
               <a:buNone/>
             </a:pPr>
-            <a:endParaRPr lang="en-US" sz="1000" dirty="0"/>
+            <a:endParaRPr lang="en-US" sz="1000" dirty="0">
+              <a:latin typeface="Segoe UI" panose="020B0502040204020203" pitchFamily="34" charset="0"/>
+              <a:cs typeface="Segoe UI" panose="020B0502040204020203" pitchFamily="34" charset="0"/>
+            </a:endParaRPr>
           </a:p>
           <a:p>
             <a:pPr marL="0" indent="0">
               <a:buNone/>
             </a:pPr>
             <a:r>
-              <a:rPr lang="en-US" sz="1000" dirty="0" smtClean="0"/>
+              <a:rPr lang="en-US" sz="1000" dirty="0" smtClean="0">
+                <a:latin typeface="Segoe UI" panose="020B0502040204020203" pitchFamily="34" charset="0"/>
+                <a:cs typeface="Segoe UI" panose="020B0502040204020203" pitchFamily="34" charset="0"/>
+              </a:rPr>
               <a:t>For any index of an array n…</a:t>
             </a:r>
           </a:p>
@@ -17560,11 +18656,17 @@
               <a:buNone/>
             </a:pPr>
             <a:r>
-              <a:rPr lang="en-US" sz="1000" dirty="0"/>
+              <a:rPr lang="en-US" sz="1000" dirty="0">
+                <a:latin typeface="Segoe UI" panose="020B0502040204020203" pitchFamily="34" charset="0"/>
+                <a:cs typeface="Segoe UI" panose="020B0502040204020203" pitchFamily="34" charset="0"/>
+              </a:rPr>
               <a:t>The left child is stored at 2n + </a:t>
             </a:r>
             <a:r>
-              <a:rPr lang="en-US" sz="1000" dirty="0" smtClean="0"/>
+              <a:rPr lang="en-US" sz="1000" dirty="0" smtClean="0">
+                <a:latin typeface="Segoe UI" panose="020B0502040204020203" pitchFamily="34" charset="0"/>
+                <a:cs typeface="Segoe UI" panose="020B0502040204020203" pitchFamily="34" charset="0"/>
+              </a:rPr>
               <a:t>1</a:t>
             </a:r>
           </a:p>
@@ -17573,29 +18675,47 @@
               <a:buNone/>
             </a:pPr>
             <a:r>
-              <a:rPr lang="en-US" sz="1000" dirty="0"/>
+              <a:rPr lang="en-US" sz="1000" dirty="0">
+                <a:latin typeface="Segoe UI" panose="020B0502040204020203" pitchFamily="34" charset="0"/>
+                <a:cs typeface="Segoe UI" panose="020B0502040204020203" pitchFamily="34" charset="0"/>
+              </a:rPr>
               <a:t>The </a:t>
             </a:r>
             <a:r>
-              <a:rPr lang="en-US" sz="1000" dirty="0" smtClean="0"/>
+              <a:rPr lang="en-US" sz="1000" dirty="0" smtClean="0">
+                <a:latin typeface="Segoe UI" panose="020B0502040204020203" pitchFamily="34" charset="0"/>
+                <a:cs typeface="Segoe UI" panose="020B0502040204020203" pitchFamily="34" charset="0"/>
+              </a:rPr>
               <a:t>right </a:t>
             </a:r>
             <a:r>
-              <a:rPr lang="en-US" sz="1000" dirty="0"/>
+              <a:rPr lang="en-US" sz="1000" dirty="0">
+                <a:latin typeface="Segoe UI" panose="020B0502040204020203" pitchFamily="34" charset="0"/>
+                <a:cs typeface="Segoe UI" panose="020B0502040204020203" pitchFamily="34" charset="0"/>
+              </a:rPr>
               <a:t>child is stored at 2n + </a:t>
             </a:r>
             <a:r>
-              <a:rPr lang="en-US" sz="1000" dirty="0" smtClean="0"/>
+              <a:rPr lang="en-US" sz="1000" dirty="0" smtClean="0">
+                <a:latin typeface="Segoe UI" panose="020B0502040204020203" pitchFamily="34" charset="0"/>
+                <a:cs typeface="Segoe UI" panose="020B0502040204020203" pitchFamily="34" charset="0"/>
+              </a:rPr>
               <a:t>2</a:t>
             </a:r>
-            <a:endParaRPr lang="en-US" sz="1000" dirty="0"/>
+            <a:endParaRPr lang="en-US" sz="1000" dirty="0">
+              <a:latin typeface="Segoe UI" panose="020B0502040204020203" pitchFamily="34" charset="0"/>
+              <a:cs typeface="Segoe UI" panose="020B0502040204020203" pitchFamily="34" charset="0"/>
+            </a:endParaRPr>
           </a:p>
           <a:p>
             <a:pPr marL="0" indent="0">
               <a:buNone/>
             </a:pPr>
             <a:r>
-              <a:rPr lang="en-US" sz="1000" dirty="0" smtClean="0"/>
+              <a:rPr lang="en-US" sz="1000" dirty="0" smtClean="0">
+                <a:latin typeface="Segoe UI" panose="020B0502040204020203" pitchFamily="34" charset="0"/>
+                <a:cs typeface="Segoe UI" panose="020B0502040204020203" pitchFamily="34" charset="0"/>
+              </a:rPr>
               <a:t>Backward solution -&gt; ( n - 1 ) / 2 floor</a:t>
             </a:r>
           </a:p>
@@ -17603,7 +18723,10 @@
             <a:pPr marL="0" indent="0">
               <a:buNone/>
             </a:pPr>
-            <a:endParaRPr lang="en-US" sz="1000" dirty="0"/>
+            <a:endParaRPr lang="en-US" sz="1000" dirty="0">
+              <a:latin typeface="Segoe UI" panose="020B0502040204020203" pitchFamily="34" charset="0"/>
+              <a:cs typeface="Segoe UI" panose="020B0502040204020203" pitchFamily="34" charset="0"/>
+            </a:endParaRPr>
           </a:p>
         </p:txBody>
       </p:sp>
@@ -17629,61 +18752,100 @@
           <a:lstStyle/>
           <a:p>
             <a:r>
-              <a:rPr lang="en-US" dirty="0"/>
+              <a:rPr lang="en-US" dirty="0">
+                <a:latin typeface="Segoe UI" panose="020B0502040204020203" pitchFamily="34" charset="0"/>
+                <a:cs typeface="Segoe UI" panose="020B0502040204020203" pitchFamily="34" charset="0"/>
+              </a:rPr>
               <a:t>Class Name:</a:t>
             </a:r>
           </a:p>
           <a:p>
             <a:r>
-              <a:rPr lang="en-US" dirty="0"/>
+              <a:rPr lang="en-US" dirty="0">
+                <a:latin typeface="Segoe UI" panose="020B0502040204020203" pitchFamily="34" charset="0"/>
+                <a:cs typeface="Segoe UI" panose="020B0502040204020203" pitchFamily="34" charset="0"/>
+              </a:rPr>
               <a:t>	</a:t>
             </a:r>
             <a:r>
-              <a:rPr lang="en-US" dirty="0" err="1"/>
+              <a:rPr lang="en-US" dirty="0" err="1">
+                <a:latin typeface="Segoe UI" panose="020B0502040204020203" pitchFamily="34" charset="0"/>
+                <a:cs typeface="Segoe UI" panose="020B0502040204020203" pitchFamily="34" charset="0"/>
+              </a:rPr>
               <a:t>MaxBinaryHeap</a:t>
             </a:r>
-            <a:endParaRPr lang="en-US" dirty="0"/>
-          </a:p>
-          <a:p>
-            <a:r>
-              <a:rPr lang="en-US" dirty="0"/>
+            <a:endParaRPr lang="en-US" dirty="0">
+              <a:latin typeface="Segoe UI" panose="020B0502040204020203" pitchFamily="34" charset="0"/>
+              <a:cs typeface="Segoe UI" panose="020B0502040204020203" pitchFamily="34" charset="0"/>
+            </a:endParaRPr>
+          </a:p>
+          <a:p>
+            <a:r>
+              <a:rPr lang="en-US" dirty="0">
+                <a:latin typeface="Segoe UI" panose="020B0502040204020203" pitchFamily="34" charset="0"/>
+                <a:cs typeface="Segoe UI" panose="020B0502040204020203" pitchFamily="34" charset="0"/>
+              </a:rPr>
               <a:t>Properties:</a:t>
             </a:r>
           </a:p>
           <a:p>
             <a:r>
-              <a:rPr lang="en-US" dirty="0"/>
+              <a:rPr lang="en-US" dirty="0">
+                <a:latin typeface="Segoe UI" panose="020B0502040204020203" pitchFamily="34" charset="0"/>
+                <a:cs typeface="Segoe UI" panose="020B0502040204020203" pitchFamily="34" charset="0"/>
+              </a:rPr>
               <a:t>	values = []</a:t>
             </a:r>
           </a:p>
           <a:p>
             <a:r>
-              <a:rPr lang="en-US" dirty="0"/>
+              <a:rPr lang="en-US" dirty="0">
+                <a:latin typeface="Segoe UI" panose="020B0502040204020203" pitchFamily="34" charset="0"/>
+                <a:cs typeface="Segoe UI" panose="020B0502040204020203" pitchFamily="34" charset="0"/>
+              </a:rPr>
               <a:t>Adding to a </a:t>
             </a:r>
             <a:r>
-              <a:rPr lang="en-US" dirty="0" err="1"/>
+              <a:rPr lang="en-US" dirty="0" err="1">
+                <a:latin typeface="Segoe UI" panose="020B0502040204020203" pitchFamily="34" charset="0"/>
+                <a:cs typeface="Segoe UI" panose="020B0502040204020203" pitchFamily="34" charset="0"/>
+              </a:rPr>
               <a:t>MaxBinaryHeap</a:t>
             </a:r>
-            <a:endParaRPr lang="en-US" dirty="0"/>
-          </a:p>
-          <a:p>
-            <a:r>
-              <a:rPr lang="en-US" dirty="0"/>
+            <a:endParaRPr lang="en-US" dirty="0">
+              <a:latin typeface="Segoe UI" panose="020B0502040204020203" pitchFamily="34" charset="0"/>
+              <a:cs typeface="Segoe UI" panose="020B0502040204020203" pitchFamily="34" charset="0"/>
+            </a:endParaRPr>
+          </a:p>
+          <a:p>
+            <a:r>
+              <a:rPr lang="en-US" dirty="0">
+                <a:latin typeface="Segoe UI" panose="020B0502040204020203" pitchFamily="34" charset="0"/>
+                <a:cs typeface="Segoe UI" panose="020B0502040204020203" pitchFamily="34" charset="0"/>
+              </a:rPr>
               <a:t>Add to the end</a:t>
             </a:r>
           </a:p>
           <a:p>
             <a:r>
-              <a:rPr lang="en-US" dirty="0"/>
+              <a:rPr lang="en-US" dirty="0">
+                <a:latin typeface="Segoe UI" panose="020B0502040204020203" pitchFamily="34" charset="0"/>
+                <a:cs typeface="Segoe UI" panose="020B0502040204020203" pitchFamily="34" charset="0"/>
+              </a:rPr>
               <a:t>Bubble up(compare with </a:t>
             </a:r>
             <a:r>
-              <a:rPr lang="en-US" dirty="0" err="1"/>
+              <a:rPr lang="en-US" dirty="0" err="1">
+                <a:latin typeface="Segoe UI" panose="020B0502040204020203" pitchFamily="34" charset="0"/>
+                <a:cs typeface="Segoe UI" panose="020B0502040204020203" pitchFamily="34" charset="0"/>
+              </a:rPr>
               <a:t>paent</a:t>
             </a:r>
             <a:r>
-              <a:rPr lang="en-US" dirty="0"/>
+              <a:rPr lang="en-US" dirty="0">
+                <a:latin typeface="Segoe UI" panose="020B0502040204020203" pitchFamily="34" charset="0"/>
+                <a:cs typeface="Segoe UI" panose="020B0502040204020203" pitchFamily="34" charset="0"/>
+              </a:rPr>
               <a:t>) - &gt; while less than parent – bubble </a:t>
             </a:r>
           </a:p>
@@ -17712,7 +18874,10 @@
           <a:lstStyle/>
           <a:p>
             <a:r>
-              <a:rPr lang="en-US" dirty="0" smtClean="0"/>
+              <a:rPr lang="en-US" dirty="0" smtClean="0">
+                <a:latin typeface="Segoe UI" panose="020B0502040204020203" pitchFamily="34" charset="0"/>
+                <a:cs typeface="Segoe UI" panose="020B0502040204020203" pitchFamily="34" charset="0"/>
+              </a:rPr>
               <a:t>Insert pseudocode</a:t>
             </a:r>
           </a:p>
@@ -17722,7 +18887,10 @@
               <a:buChar char="•"/>
             </a:pPr>
             <a:r>
-              <a:rPr lang="en-US" dirty="0" smtClean="0"/>
+              <a:rPr lang="en-US" dirty="0" smtClean="0">
+                <a:latin typeface="Segoe UI" panose="020B0502040204020203" pitchFamily="34" charset="0"/>
+                <a:cs typeface="Segoe UI" panose="020B0502040204020203" pitchFamily="34" charset="0"/>
+              </a:rPr>
               <a:t>Push the value into the values property on the heap</a:t>
             </a:r>
           </a:p>
@@ -17732,7 +18900,10 @@
               <a:buChar char="•"/>
             </a:pPr>
             <a:r>
-              <a:rPr lang="en-US" dirty="0" smtClean="0"/>
+              <a:rPr lang="en-US" dirty="0" smtClean="0">
+                <a:latin typeface="Segoe UI" panose="020B0502040204020203" pitchFamily="34" charset="0"/>
+                <a:cs typeface="Segoe UI" panose="020B0502040204020203" pitchFamily="34" charset="0"/>
+              </a:rPr>
               <a:t>Bubble up</a:t>
             </a:r>
           </a:p>
@@ -17742,7 +18913,10 @@
               <a:buChar char="•"/>
             </a:pPr>
             <a:r>
-              <a:rPr lang="en-US" dirty="0" smtClean="0"/>
+              <a:rPr lang="en-US" dirty="0" smtClean="0">
+                <a:latin typeface="Segoe UI" panose="020B0502040204020203" pitchFamily="34" charset="0"/>
+                <a:cs typeface="Segoe UI" panose="020B0502040204020203" pitchFamily="34" charset="0"/>
+              </a:rPr>
               <a:t>Create a variable called index which is the length of the values property – 1</a:t>
             </a:r>
           </a:p>
@@ -17752,7 +18926,10 @@
               <a:buChar char="•"/>
             </a:pPr>
             <a:r>
-              <a:rPr lang="en-US" dirty="0" smtClean="0"/>
+              <a:rPr lang="en-US" dirty="0" smtClean="0">
+                <a:latin typeface="Segoe UI" panose="020B0502040204020203" pitchFamily="34" charset="0"/>
+                <a:cs typeface="Segoe UI" panose="020B0502040204020203" pitchFamily="34" charset="0"/>
+              </a:rPr>
               <a:t>Create a variable called parentIndex which is the floor of (index – 1) / 2</a:t>
             </a:r>
           </a:p>
@@ -17762,7 +18939,10 @@
               <a:buChar char="•"/>
             </a:pPr>
             <a:r>
-              <a:rPr lang="en-US" dirty="0" smtClean="0"/>
+              <a:rPr lang="en-US" dirty="0" smtClean="0">
+                <a:latin typeface="Segoe UI" panose="020B0502040204020203" pitchFamily="34" charset="0"/>
+                <a:cs typeface="Segoe UI" panose="020B0502040204020203" pitchFamily="34" charset="0"/>
+              </a:rPr>
               <a:t>Keep looping as long as the values element at the parentIndex is less than the values element at the child index</a:t>
             </a:r>
           </a:p>
@@ -17772,7 +18952,10 @@
               <a:buChar char="•"/>
             </a:pPr>
             <a:r>
-              <a:rPr lang="en-US" dirty="0" smtClean="0"/>
+              <a:rPr lang="en-US" dirty="0" smtClean="0">
+                <a:latin typeface="Segoe UI" panose="020B0502040204020203" pitchFamily="34" charset="0"/>
+                <a:cs typeface="Segoe UI" panose="020B0502040204020203" pitchFamily="34" charset="0"/>
+              </a:rPr>
               <a:t>Swap the value of the values element at the parentIndex with the value of the element property at the child index</a:t>
             </a:r>
           </a:p>
@@ -17782,7 +18965,10 @@
               <a:buChar char="•"/>
             </a:pPr>
             <a:r>
-              <a:rPr lang="en-US" dirty="0" smtClean="0"/>
+              <a:rPr lang="en-US" dirty="0" smtClean="0">
+                <a:latin typeface="Segoe UI" panose="020B0502040204020203" pitchFamily="34" charset="0"/>
+                <a:cs typeface="Segoe UI" panose="020B0502040204020203" pitchFamily="34" charset="0"/>
+              </a:rPr>
               <a:t>Set the index to be the parentIndex and start over</a:t>
             </a:r>
           </a:p>
@@ -17846,14 +19032,23 @@
           <a:lstStyle/>
           <a:p>
             <a:r>
-              <a:rPr lang="en-US" b="1" dirty="0"/>
+              <a:rPr lang="en-US" b="1" dirty="0">
+                <a:latin typeface="Segoe UI" panose="020B0502040204020203" pitchFamily="34" charset="0"/>
+                <a:cs typeface="Segoe UI" panose="020B0502040204020203" pitchFamily="34" charset="0"/>
+              </a:rPr>
               <a:t>Binary </a:t>
             </a:r>
             <a:r>
-              <a:rPr lang="en-US" b="1" dirty="0" smtClean="0"/>
+              <a:rPr lang="en-US" b="1" dirty="0" smtClean="0">
+                <a:latin typeface="Segoe UI" panose="020B0502040204020203" pitchFamily="34" charset="0"/>
+                <a:cs typeface="Segoe UI" panose="020B0502040204020203" pitchFamily="34" charset="0"/>
+              </a:rPr>
               <a:t>Heap - removing</a:t>
             </a:r>
-            <a:endParaRPr lang="en-US" dirty="0"/>
+            <a:endParaRPr lang="en-US" dirty="0">
+              <a:latin typeface="Segoe UI" panose="020B0502040204020203" pitchFamily="34" charset="0"/>
+              <a:cs typeface="Segoe UI" panose="020B0502040204020203" pitchFamily="34" charset="0"/>
+            </a:endParaRPr>
           </a:p>
         </p:txBody>
       </p:sp>
@@ -17880,113 +19075,194 @@
           <a:lstStyle/>
           <a:p>
             <a:r>
-              <a:rPr lang="en-US" sz="1000" dirty="0" smtClean="0"/>
+              <a:rPr lang="en-US" sz="1000" dirty="0" smtClean="0">
+                <a:latin typeface="Segoe UI" panose="020B0502040204020203" pitchFamily="34" charset="0"/>
+                <a:cs typeface="Segoe UI" panose="020B0502040204020203" pitchFamily="34" charset="0"/>
+              </a:rPr>
               <a:t>Remove the root</a:t>
             </a:r>
           </a:p>
           <a:p>
             <a:r>
-              <a:rPr lang="en-US" sz="1000" dirty="0" smtClean="0"/>
+              <a:rPr lang="en-US" sz="1000" dirty="0" smtClean="0">
+                <a:latin typeface="Segoe UI" panose="020B0502040204020203" pitchFamily="34" charset="0"/>
+                <a:cs typeface="Segoe UI" panose="020B0502040204020203" pitchFamily="34" charset="0"/>
+              </a:rPr>
               <a:t>Replace with the most recently added</a:t>
             </a:r>
           </a:p>
           <a:p>
             <a:r>
-              <a:rPr lang="en-US" sz="1000" dirty="0" smtClean="0"/>
+              <a:rPr lang="en-US" sz="1000" dirty="0" smtClean="0">
+                <a:latin typeface="Segoe UI" panose="020B0502040204020203" pitchFamily="34" charset="0"/>
+                <a:cs typeface="Segoe UI" panose="020B0502040204020203" pitchFamily="34" charset="0"/>
+              </a:rPr>
               <a:t>Adjust( sink down )</a:t>
             </a:r>
           </a:p>
           <a:p>
-            <a:endParaRPr lang="en-US" sz="1000" dirty="0"/>
+            <a:endParaRPr lang="en-US" sz="1000" dirty="0">
+              <a:latin typeface="Segoe UI" panose="020B0502040204020203" pitchFamily="34" charset="0"/>
+              <a:cs typeface="Segoe UI" panose="020B0502040204020203" pitchFamily="34" charset="0"/>
+            </a:endParaRPr>
           </a:p>
           <a:p>
             <a:pPr marL="0" indent="0">
               <a:buNone/>
             </a:pPr>
             <a:r>
-              <a:rPr lang="en-US" dirty="0"/>
+              <a:rPr lang="en-US" dirty="0">
+                <a:latin typeface="Segoe UI" panose="020B0502040204020203" pitchFamily="34" charset="0"/>
+                <a:cs typeface="Segoe UI" panose="020B0502040204020203" pitchFamily="34" charset="0"/>
+              </a:rPr>
               <a:t>SINK DOWN?</a:t>
             </a:r>
             <a:r>
-              <a:rPr lang="en-US" sz="1000" dirty="0"/>
+              <a:rPr lang="en-US" sz="1000" dirty="0">
+                <a:latin typeface="Segoe UI" panose="020B0502040204020203" pitchFamily="34" charset="0"/>
+                <a:cs typeface="Segoe UI" panose="020B0502040204020203" pitchFamily="34" charset="0"/>
+              </a:rPr>
               <a:t/>
             </a:r>
             <a:br>
-              <a:rPr lang="en-US" sz="1000" dirty="0"/>
+              <a:rPr lang="en-US" sz="1000" dirty="0">
+                <a:latin typeface="Segoe UI" panose="020B0502040204020203" pitchFamily="34" charset="0"/>
+                <a:cs typeface="Segoe UI" panose="020B0502040204020203" pitchFamily="34" charset="0"/>
+              </a:rPr>
             </a:br>
             <a:r>
-              <a:rPr lang="en-US" dirty="0"/>
+              <a:rPr lang="en-US" dirty="0">
+                <a:latin typeface="Segoe UI" panose="020B0502040204020203" pitchFamily="34" charset="0"/>
+                <a:cs typeface="Segoe UI" panose="020B0502040204020203" pitchFamily="34" charset="0"/>
+              </a:rPr>
               <a:t>The procedure for deleting the root</a:t>
             </a:r>
             <a:r>
-              <a:rPr lang="en-US" sz="1000" dirty="0"/>
+              <a:rPr lang="en-US" sz="1000" dirty="0">
+                <a:latin typeface="Segoe UI" panose="020B0502040204020203" pitchFamily="34" charset="0"/>
+                <a:cs typeface="Segoe UI" panose="020B0502040204020203" pitchFamily="34" charset="0"/>
+              </a:rPr>
               <a:t/>
             </a:r>
             <a:br>
-              <a:rPr lang="en-US" sz="1000" dirty="0"/>
+              <a:rPr lang="en-US" sz="1000" dirty="0">
+                <a:latin typeface="Segoe UI" panose="020B0502040204020203" pitchFamily="34" charset="0"/>
+                <a:cs typeface="Segoe UI" panose="020B0502040204020203" pitchFamily="34" charset="0"/>
+              </a:rPr>
             </a:br>
             <a:r>
-              <a:rPr lang="en-US" dirty="0"/>
+              <a:rPr lang="en-US" dirty="0">
+                <a:latin typeface="Segoe UI" panose="020B0502040204020203" pitchFamily="34" charset="0"/>
+                <a:cs typeface="Segoe UI" panose="020B0502040204020203" pitchFamily="34" charset="0"/>
+              </a:rPr>
               <a:t>from the heap (effectively extracting</a:t>
             </a:r>
             <a:r>
-              <a:rPr lang="en-US" sz="1000" dirty="0"/>
+              <a:rPr lang="en-US" sz="1000" dirty="0">
+                <a:latin typeface="Segoe UI" panose="020B0502040204020203" pitchFamily="34" charset="0"/>
+                <a:cs typeface="Segoe UI" panose="020B0502040204020203" pitchFamily="34" charset="0"/>
+              </a:rPr>
               <a:t/>
             </a:r>
             <a:br>
-              <a:rPr lang="en-US" sz="1000" dirty="0"/>
+              <a:rPr lang="en-US" sz="1000" dirty="0">
+                <a:latin typeface="Segoe UI" panose="020B0502040204020203" pitchFamily="34" charset="0"/>
+                <a:cs typeface="Segoe UI" panose="020B0502040204020203" pitchFamily="34" charset="0"/>
+              </a:rPr>
             </a:br>
             <a:r>
-              <a:rPr lang="en-US" dirty="0"/>
+              <a:rPr lang="en-US" dirty="0">
+                <a:latin typeface="Segoe UI" panose="020B0502040204020203" pitchFamily="34" charset="0"/>
+                <a:cs typeface="Segoe UI" panose="020B0502040204020203" pitchFamily="34" charset="0"/>
+              </a:rPr>
               <a:t>the maximum element in a max-heap</a:t>
             </a:r>
             <a:r>
-              <a:rPr lang="en-US" sz="1000" dirty="0"/>
+              <a:rPr lang="en-US" sz="1000" dirty="0">
+                <a:latin typeface="Segoe UI" panose="020B0502040204020203" pitchFamily="34" charset="0"/>
+                <a:cs typeface="Segoe UI" panose="020B0502040204020203" pitchFamily="34" charset="0"/>
+              </a:rPr>
               <a:t/>
             </a:r>
             <a:br>
-              <a:rPr lang="en-US" sz="1000" dirty="0"/>
+              <a:rPr lang="en-US" sz="1000" dirty="0">
+                <a:latin typeface="Segoe UI" panose="020B0502040204020203" pitchFamily="34" charset="0"/>
+                <a:cs typeface="Segoe UI" panose="020B0502040204020203" pitchFamily="34" charset="0"/>
+              </a:rPr>
             </a:br>
             <a:r>
-              <a:rPr lang="en-US" dirty="0"/>
+              <a:rPr lang="en-US" dirty="0">
+                <a:latin typeface="Segoe UI" panose="020B0502040204020203" pitchFamily="34" charset="0"/>
+                <a:cs typeface="Segoe UI" panose="020B0502040204020203" pitchFamily="34" charset="0"/>
+              </a:rPr>
               <a:t>or the minimum </a:t>
             </a:r>
             <a:r>
-              <a:rPr lang="en-US" dirty="0" smtClean="0"/>
+              <a:rPr lang="en-US" dirty="0" smtClean="0">
+                <a:latin typeface="Segoe UI" panose="020B0502040204020203" pitchFamily="34" charset="0"/>
+                <a:cs typeface="Segoe UI" panose="020B0502040204020203" pitchFamily="34" charset="0"/>
+              </a:rPr>
               <a:t>element </a:t>
             </a:r>
             <a:r>
-              <a:rPr lang="en-US" dirty="0"/>
+              <a:rPr lang="en-US" dirty="0">
+                <a:latin typeface="Segoe UI" panose="020B0502040204020203" pitchFamily="34" charset="0"/>
+                <a:cs typeface="Segoe UI" panose="020B0502040204020203" pitchFamily="34" charset="0"/>
+              </a:rPr>
               <a:t>in a min-</a:t>
             </a:r>
             <a:r>
-              <a:rPr lang="en-US" sz="1000" dirty="0"/>
+              <a:rPr lang="en-US" sz="1000" dirty="0">
+                <a:latin typeface="Segoe UI" panose="020B0502040204020203" pitchFamily="34" charset="0"/>
+                <a:cs typeface="Segoe UI" panose="020B0502040204020203" pitchFamily="34" charset="0"/>
+              </a:rPr>
               <a:t/>
             </a:r>
             <a:br>
-              <a:rPr lang="en-US" sz="1000" dirty="0"/>
+              <a:rPr lang="en-US" sz="1000" dirty="0">
+                <a:latin typeface="Segoe UI" panose="020B0502040204020203" pitchFamily="34" charset="0"/>
+                <a:cs typeface="Segoe UI" panose="020B0502040204020203" pitchFamily="34" charset="0"/>
+              </a:rPr>
             </a:br>
             <a:r>
-              <a:rPr lang="en-US" dirty="0"/>
+              <a:rPr lang="en-US" dirty="0">
+                <a:latin typeface="Segoe UI" panose="020B0502040204020203" pitchFamily="34" charset="0"/>
+                <a:cs typeface="Segoe UI" panose="020B0502040204020203" pitchFamily="34" charset="0"/>
+              </a:rPr>
               <a:t>heap) and restoring the properties is</a:t>
             </a:r>
             <a:r>
-              <a:rPr lang="en-US" sz="1000" dirty="0"/>
+              <a:rPr lang="en-US" sz="1000" dirty="0">
+                <a:latin typeface="Segoe UI" panose="020B0502040204020203" pitchFamily="34" charset="0"/>
+                <a:cs typeface="Segoe UI" panose="020B0502040204020203" pitchFamily="34" charset="0"/>
+              </a:rPr>
               <a:t/>
             </a:r>
             <a:br>
-              <a:rPr lang="en-US" sz="1000" dirty="0"/>
+              <a:rPr lang="en-US" sz="1000" dirty="0">
+                <a:latin typeface="Segoe UI" panose="020B0502040204020203" pitchFamily="34" charset="0"/>
+                <a:cs typeface="Segoe UI" panose="020B0502040204020203" pitchFamily="34" charset="0"/>
+              </a:rPr>
             </a:br>
             <a:r>
-              <a:rPr lang="en-US" dirty="0"/>
+              <a:rPr lang="en-US" dirty="0">
+                <a:latin typeface="Segoe UI" panose="020B0502040204020203" pitchFamily="34" charset="0"/>
+                <a:cs typeface="Segoe UI" panose="020B0502040204020203" pitchFamily="34" charset="0"/>
+              </a:rPr>
               <a:t>called down-heap (also known as</a:t>
             </a:r>
             <a:r>
-              <a:rPr lang="en-US" sz="1000" dirty="0"/>
+              <a:rPr lang="en-US" sz="1000" dirty="0">
+                <a:latin typeface="Segoe UI" panose="020B0502040204020203" pitchFamily="34" charset="0"/>
+                <a:cs typeface="Segoe UI" panose="020B0502040204020203" pitchFamily="34" charset="0"/>
+              </a:rPr>
               <a:t/>
             </a:r>
             <a:br>
-              <a:rPr lang="en-US" sz="1000" dirty="0"/>
+              <a:rPr lang="en-US" sz="1000" dirty="0">
+                <a:latin typeface="Segoe UI" panose="020B0502040204020203" pitchFamily="34" charset="0"/>
+                <a:cs typeface="Segoe UI" panose="020B0502040204020203" pitchFamily="34" charset="0"/>
+              </a:rPr>
             </a:br>
             <a:r>
               <a:rPr lang="en-US" dirty="0">
@@ -17996,11 +19272,16 @@
                     <a:lumOff val="60000"/>
                   </a:schemeClr>
                 </a:solidFill>
+                <a:latin typeface="Segoe UI" panose="020B0502040204020203" pitchFamily="34" charset="0"/>
+                <a:cs typeface="Segoe UI" panose="020B0502040204020203" pitchFamily="34" charset="0"/>
               </a:rPr>
               <a:t>bubble-down</a:t>
             </a:r>
             <a:r>
-              <a:rPr lang="en-US" dirty="0"/>
+              <a:rPr lang="en-US" dirty="0">
+                <a:latin typeface="Segoe UI" panose="020B0502040204020203" pitchFamily="34" charset="0"/>
+                <a:cs typeface="Segoe UI" panose="020B0502040204020203" pitchFamily="34" charset="0"/>
+              </a:rPr>
               <a:t>, </a:t>
             </a:r>
             <a:r>
@@ -18011,11 +19292,16 @@
                     <a:lumOff val="40000"/>
                   </a:schemeClr>
                 </a:solidFill>
+                <a:latin typeface="Segoe UI" panose="020B0502040204020203" pitchFamily="34" charset="0"/>
+                <a:cs typeface="Segoe UI" panose="020B0502040204020203" pitchFamily="34" charset="0"/>
               </a:rPr>
               <a:t>percolate-down</a:t>
             </a:r>
             <a:r>
-              <a:rPr lang="en-US" dirty="0"/>
+              <a:rPr lang="en-US" dirty="0">
+                <a:latin typeface="Segoe UI" panose="020B0502040204020203" pitchFamily="34" charset="0"/>
+                <a:cs typeface="Segoe UI" panose="020B0502040204020203" pitchFamily="34" charset="0"/>
+              </a:rPr>
               <a:t>, </a:t>
             </a:r>
             <a:r>
@@ -18023,11 +19309,16 @@
                 <a:solidFill>
                   <a:srgbClr val="7030A0"/>
                 </a:solidFill>
+                <a:latin typeface="Segoe UI" panose="020B0502040204020203" pitchFamily="34" charset="0"/>
+                <a:cs typeface="Segoe UI" panose="020B0502040204020203" pitchFamily="34" charset="0"/>
               </a:rPr>
               <a:t>sift-down</a:t>
             </a:r>
             <a:r>
-              <a:rPr lang="en-US" dirty="0"/>
+              <a:rPr lang="en-US" dirty="0">
+                <a:latin typeface="Segoe UI" panose="020B0502040204020203" pitchFamily="34" charset="0"/>
+                <a:cs typeface="Segoe UI" panose="020B0502040204020203" pitchFamily="34" charset="0"/>
+              </a:rPr>
               <a:t>, </a:t>
             </a:r>
             <a:r>
@@ -18038,11 +19329,16 @@
                     <a:lumOff val="40000"/>
                   </a:schemeClr>
                 </a:solidFill>
+                <a:latin typeface="Segoe UI" panose="020B0502040204020203" pitchFamily="34" charset="0"/>
+                <a:cs typeface="Segoe UI" panose="020B0502040204020203" pitchFamily="34" charset="0"/>
               </a:rPr>
               <a:t>trickle-down</a:t>
             </a:r>
             <a:r>
-              <a:rPr lang="en-US" dirty="0"/>
+              <a:rPr lang="en-US" dirty="0">
+                <a:latin typeface="Segoe UI" panose="020B0502040204020203" pitchFamily="34" charset="0"/>
+                <a:cs typeface="Segoe UI" panose="020B0502040204020203" pitchFamily="34" charset="0"/>
+              </a:rPr>
               <a:t>, </a:t>
             </a:r>
             <a:r>
@@ -18052,6 +19348,8 @@
                     <a:lumMod val="75000"/>
                   </a:schemeClr>
                 </a:solidFill>
+                <a:latin typeface="Segoe UI" panose="020B0502040204020203" pitchFamily="34" charset="0"/>
+                <a:cs typeface="Segoe UI" panose="020B0502040204020203" pitchFamily="34" charset="0"/>
               </a:rPr>
               <a:t>heapify</a:t>
             </a:r>
@@ -18062,19 +19360,30 @@
                     <a:lumMod val="75000"/>
                   </a:schemeClr>
                 </a:solidFill>
+                <a:latin typeface="Segoe UI" panose="020B0502040204020203" pitchFamily="34" charset="0"/>
+                <a:cs typeface="Segoe UI" panose="020B0502040204020203" pitchFamily="34" charset="0"/>
               </a:rPr>
               <a:t>-down</a:t>
             </a:r>
             <a:r>
-              <a:rPr lang="en-US" dirty="0"/>
+              <a:rPr lang="en-US" dirty="0">
+                <a:latin typeface="Segoe UI" panose="020B0502040204020203" pitchFamily="34" charset="0"/>
+                <a:cs typeface="Segoe UI" panose="020B0502040204020203" pitchFamily="34" charset="0"/>
+              </a:rPr>
               <a:t>,</a:t>
             </a:r>
             <a:r>
-              <a:rPr lang="en-US" sz="1000" dirty="0"/>
+              <a:rPr lang="en-US" sz="1000" dirty="0">
+                <a:latin typeface="Segoe UI" panose="020B0502040204020203" pitchFamily="34" charset="0"/>
+                <a:cs typeface="Segoe UI" panose="020B0502040204020203" pitchFamily="34" charset="0"/>
+              </a:rPr>
               <a:t/>
             </a:r>
             <a:br>
-              <a:rPr lang="en-US" sz="1000" dirty="0"/>
+              <a:rPr lang="en-US" sz="1000" dirty="0">
+                <a:latin typeface="Segoe UI" panose="020B0502040204020203" pitchFamily="34" charset="0"/>
+                <a:cs typeface="Segoe UI" panose="020B0502040204020203" pitchFamily="34" charset="0"/>
+              </a:rPr>
             </a:br>
             <a:r>
               <a:rPr lang="en-US" dirty="0">
@@ -18084,11 +19393,16 @@
                     <a:lumOff val="40000"/>
                   </a:schemeClr>
                 </a:solidFill>
+                <a:latin typeface="Segoe UI" panose="020B0502040204020203" pitchFamily="34" charset="0"/>
+                <a:cs typeface="Segoe UI" panose="020B0502040204020203" pitchFamily="34" charset="0"/>
               </a:rPr>
               <a:t>cascade-down</a:t>
             </a:r>
             <a:r>
-              <a:rPr lang="en-US" dirty="0"/>
+              <a:rPr lang="en-US" dirty="0">
+                <a:latin typeface="Segoe UI" panose="020B0502040204020203" pitchFamily="34" charset="0"/>
+                <a:cs typeface="Segoe UI" panose="020B0502040204020203" pitchFamily="34" charset="0"/>
+              </a:rPr>
               <a:t>, and </a:t>
             </a:r>
             <a:r>
@@ -18096,14 +19410,22 @@
                 <a:solidFill>
                   <a:srgbClr val="FF0000"/>
                 </a:solidFill>
+                <a:latin typeface="Segoe UI" panose="020B0502040204020203" pitchFamily="34" charset="0"/>
+                <a:cs typeface="Segoe UI" panose="020B0502040204020203" pitchFamily="34" charset="0"/>
               </a:rPr>
               <a:t>extract-min/max</a:t>
             </a:r>
             <a:r>
-              <a:rPr lang="en-US" dirty="0"/>
+              <a:rPr lang="en-US" dirty="0">
+                <a:latin typeface="Segoe UI" panose="020B0502040204020203" pitchFamily="34" charset="0"/>
+                <a:cs typeface="Segoe UI" panose="020B0502040204020203" pitchFamily="34" charset="0"/>
+              </a:rPr>
               <a:t>).</a:t>
             </a:r>
-            <a:endParaRPr lang="en-US" sz="1000" dirty="0"/>
+            <a:endParaRPr lang="en-US" sz="1000" dirty="0">
+              <a:latin typeface="Segoe UI" panose="020B0502040204020203" pitchFamily="34" charset="0"/>
+              <a:cs typeface="Segoe UI" panose="020B0502040204020203" pitchFamily="34" charset="0"/>
+            </a:endParaRPr>
           </a:p>
         </p:txBody>
       </p:sp>
@@ -18116,7 +19438,7 @@
         <p:spPr>
           <a:xfrm>
             <a:off x="4124325" y="1119188"/>
-            <a:ext cx="4972050" cy="2462213"/>
+            <a:ext cx="4972050" cy="3308598"/>
           </a:xfrm>
           <a:prstGeom prst="rect">
             <a:avLst/>
@@ -18129,17 +19451,26 @@
           <a:lstStyle/>
           <a:p>
             <a:r>
-              <a:rPr lang="en-US" sz="1100" dirty="0" smtClean="0"/>
+              <a:rPr lang="en-US" sz="1100" dirty="0" smtClean="0">
+                <a:latin typeface="Segoe UI" panose="020B0502040204020203" pitchFamily="34" charset="0"/>
+                <a:cs typeface="Segoe UI" panose="020B0502040204020203" pitchFamily="34" charset="0"/>
+              </a:rPr>
               <a:t>REMOVING (also </a:t>
             </a:r>
             <a:r>
-              <a:rPr lang="en-US" sz="1100" dirty="0"/>
+              <a:rPr lang="en-US" sz="1100" dirty="0">
+                <a:latin typeface="Segoe UI" panose="020B0502040204020203" pitchFamily="34" charset="0"/>
+                <a:cs typeface="Segoe UI" panose="020B0502040204020203" pitchFamily="34" charset="0"/>
+              </a:rPr>
               <a:t>called extract Max)</a:t>
             </a:r>
           </a:p>
           <a:p>
             <a:r>
-              <a:rPr lang="en-US" sz="1100" dirty="0"/>
+              <a:rPr lang="en-US" sz="1100" dirty="0">
+                <a:latin typeface="Segoe UI" panose="020B0502040204020203" pitchFamily="34" charset="0"/>
+                <a:cs typeface="Segoe UI" panose="020B0502040204020203" pitchFamily="34" charset="0"/>
+              </a:rPr>
               <a:t>Swap the first value in the values property with the last one</a:t>
             </a:r>
           </a:p>
@@ -18149,11 +19480,17 @@
               <a:buChar char="•"/>
             </a:pPr>
             <a:r>
-              <a:rPr lang="en-US" sz="1100" dirty="0" smtClean="0"/>
+              <a:rPr lang="en-US" sz="1100" dirty="0" smtClean="0">
+                <a:latin typeface="Segoe UI" panose="020B0502040204020203" pitchFamily="34" charset="0"/>
+                <a:cs typeface="Segoe UI" panose="020B0502040204020203" pitchFamily="34" charset="0"/>
+              </a:rPr>
               <a:t>Pop </a:t>
             </a:r>
             <a:r>
-              <a:rPr lang="en-US" sz="1100" dirty="0"/>
+              <a:rPr lang="en-US" sz="1100" dirty="0">
+                <a:latin typeface="Segoe UI" panose="020B0502040204020203" pitchFamily="34" charset="0"/>
+                <a:cs typeface="Segoe UI" panose="020B0502040204020203" pitchFamily="34" charset="0"/>
+              </a:rPr>
               <a:t>from the values property, so you can return the value at the end.</a:t>
             </a:r>
           </a:p>
@@ -18163,15 +19500,24 @@
               <a:buChar char="•"/>
             </a:pPr>
             <a:r>
-              <a:rPr lang="en-US" sz="1100" dirty="0" smtClean="0"/>
+              <a:rPr lang="en-US" sz="1100" dirty="0" smtClean="0">
+                <a:latin typeface="Segoe UI" panose="020B0502040204020203" pitchFamily="34" charset="0"/>
+                <a:cs typeface="Segoe UI" panose="020B0502040204020203" pitchFamily="34" charset="0"/>
+              </a:rPr>
               <a:t>Have </a:t>
             </a:r>
             <a:r>
-              <a:rPr lang="en-US" sz="1100" dirty="0"/>
+              <a:rPr lang="en-US" sz="1100" dirty="0">
+                <a:latin typeface="Segoe UI" panose="020B0502040204020203" pitchFamily="34" charset="0"/>
+                <a:cs typeface="Segoe UI" panose="020B0502040204020203" pitchFamily="34" charset="0"/>
+              </a:rPr>
               <a:t>the new root "sink down" to the correct spot</a:t>
             </a:r>
             <a:r>
-              <a:rPr lang="en-US" sz="1100" dirty="0" smtClean="0"/>
+              <a:rPr lang="en-US" sz="1100" dirty="0" smtClean="0">
+                <a:latin typeface="Segoe UI" panose="020B0502040204020203" pitchFamily="34" charset="0"/>
+                <a:cs typeface="Segoe UI" panose="020B0502040204020203" pitchFamily="34" charset="0"/>
+              </a:rPr>
               <a:t>...</a:t>
             </a:r>
           </a:p>
@@ -18181,11 +19527,17 @@
               <a:buChar char="•"/>
             </a:pPr>
             <a:r>
-              <a:rPr lang="en-US" sz="1100" dirty="0" smtClean="0"/>
+              <a:rPr lang="en-US" sz="1100" dirty="0" smtClean="0">
+                <a:latin typeface="Segoe UI" panose="020B0502040204020203" pitchFamily="34" charset="0"/>
+                <a:cs typeface="Segoe UI" panose="020B0502040204020203" pitchFamily="34" charset="0"/>
+              </a:rPr>
               <a:t>Your </a:t>
             </a:r>
             <a:r>
-              <a:rPr lang="en-US" sz="1100" dirty="0"/>
+              <a:rPr lang="en-US" sz="1100" dirty="0">
+                <a:latin typeface="Segoe UI" panose="020B0502040204020203" pitchFamily="34" charset="0"/>
+                <a:cs typeface="Segoe UI" panose="020B0502040204020203" pitchFamily="34" charset="0"/>
+              </a:rPr>
               <a:t>parent index starts at 0(the root)</a:t>
             </a:r>
           </a:p>
@@ -18195,11 +19547,17 @@
               <a:buChar char="•"/>
             </a:pPr>
             <a:r>
-              <a:rPr lang="en-US" sz="1100" dirty="0" smtClean="0"/>
+              <a:rPr lang="en-US" sz="1100" dirty="0" smtClean="0">
+                <a:latin typeface="Segoe UI" panose="020B0502040204020203" pitchFamily="34" charset="0"/>
+                <a:cs typeface="Segoe UI" panose="020B0502040204020203" pitchFamily="34" charset="0"/>
+              </a:rPr>
               <a:t>Find </a:t>
             </a:r>
             <a:r>
-              <a:rPr lang="en-US" sz="1100" dirty="0"/>
+              <a:rPr lang="en-US" sz="1100" dirty="0">
+                <a:latin typeface="Segoe UI" panose="020B0502040204020203" pitchFamily="34" charset="0"/>
+                <a:cs typeface="Segoe UI" panose="020B0502040204020203" pitchFamily="34" charset="0"/>
+              </a:rPr>
               <a:t>the index of the left child: 2* index + 1 (make sure its not out of</a:t>
             </a:r>
           </a:p>
@@ -18209,7 +19567,10 @@
               <a:buChar char="•"/>
             </a:pPr>
             <a:r>
-              <a:rPr lang="en-US" sz="1100" dirty="0"/>
+              <a:rPr lang="en-US" sz="1100" dirty="0">
+                <a:latin typeface="Segoe UI" panose="020B0502040204020203" pitchFamily="34" charset="0"/>
+                <a:cs typeface="Segoe UI" panose="020B0502040204020203" pitchFamily="34" charset="0"/>
+              </a:rPr>
               <a:t>bounds)</a:t>
             </a:r>
           </a:p>
@@ -18219,11 +19580,17 @@
               <a:buChar char="•"/>
             </a:pPr>
             <a:r>
-              <a:rPr lang="en-US" sz="1100" dirty="0" smtClean="0"/>
+              <a:rPr lang="en-US" sz="1100" dirty="0" smtClean="0">
+                <a:latin typeface="Segoe UI" panose="020B0502040204020203" pitchFamily="34" charset="0"/>
+                <a:cs typeface="Segoe UI" panose="020B0502040204020203" pitchFamily="34" charset="0"/>
+              </a:rPr>
               <a:t>Find </a:t>
             </a:r>
             <a:r>
-              <a:rPr lang="en-US" sz="1100" dirty="0"/>
+              <a:rPr lang="en-US" sz="1100" dirty="0">
+                <a:latin typeface="Segoe UI" panose="020B0502040204020203" pitchFamily="34" charset="0"/>
+                <a:cs typeface="Segoe UI" panose="020B0502040204020203" pitchFamily="34" charset="0"/>
+              </a:rPr>
               <a:t>the index of the right child: 2*index + 2 (make sure its not out of</a:t>
             </a:r>
           </a:p>
@@ -18233,7 +19600,10 @@
               <a:buChar char="•"/>
             </a:pPr>
             <a:r>
-              <a:rPr lang="en-US" sz="1100" dirty="0"/>
+              <a:rPr lang="en-US" sz="1100" dirty="0">
+                <a:latin typeface="Segoe UI" panose="020B0502040204020203" pitchFamily="34" charset="0"/>
+                <a:cs typeface="Segoe UI" panose="020B0502040204020203" pitchFamily="34" charset="0"/>
+              </a:rPr>
               <a:t>bounds)</a:t>
             </a:r>
           </a:p>
@@ -18243,11 +19613,17 @@
               <a:buChar char="•"/>
             </a:pPr>
             <a:r>
-              <a:rPr lang="en-US" sz="1100" dirty="0" smtClean="0"/>
+              <a:rPr lang="en-US" sz="1100" dirty="0" smtClean="0">
+                <a:latin typeface="Segoe UI" panose="020B0502040204020203" pitchFamily="34" charset="0"/>
+                <a:cs typeface="Segoe UI" panose="020B0502040204020203" pitchFamily="34" charset="0"/>
+              </a:rPr>
               <a:t>If </a:t>
             </a:r>
             <a:r>
-              <a:rPr lang="en-US" sz="1100" dirty="0"/>
+              <a:rPr lang="en-US" sz="1100" dirty="0">
+                <a:latin typeface="Segoe UI" panose="020B0502040204020203" pitchFamily="34" charset="0"/>
+                <a:cs typeface="Segoe UI" panose="020B0502040204020203" pitchFamily="34" charset="0"/>
+              </a:rPr>
               <a:t>the left or right child is greater than the element...swap. If both left and</a:t>
             </a:r>
           </a:p>
@@ -18257,7 +19633,10 @@
               <a:buChar char="•"/>
             </a:pPr>
             <a:r>
-              <a:rPr lang="en-US" sz="1100" dirty="0"/>
+              <a:rPr lang="en-US" sz="1100" dirty="0">
+                <a:latin typeface="Segoe UI" panose="020B0502040204020203" pitchFamily="34" charset="0"/>
+                <a:cs typeface="Segoe UI" panose="020B0502040204020203" pitchFamily="34" charset="0"/>
+              </a:rPr>
               <a:t>right children are larger, swap with the largest child.</a:t>
             </a:r>
           </a:p>
@@ -18267,11 +19646,17 @@
               <a:buChar char="•"/>
             </a:pPr>
             <a:r>
-              <a:rPr lang="en-US" sz="1100" dirty="0" smtClean="0"/>
+              <a:rPr lang="en-US" sz="1100" dirty="0" smtClean="0">
+                <a:latin typeface="Segoe UI" panose="020B0502040204020203" pitchFamily="34" charset="0"/>
+                <a:cs typeface="Segoe UI" panose="020B0502040204020203" pitchFamily="34" charset="0"/>
+              </a:rPr>
               <a:t>The </a:t>
             </a:r>
             <a:r>
-              <a:rPr lang="en-US" sz="1100" dirty="0"/>
+              <a:rPr lang="en-US" sz="1100" dirty="0">
+                <a:latin typeface="Segoe UI" panose="020B0502040204020203" pitchFamily="34" charset="0"/>
+                <a:cs typeface="Segoe UI" panose="020B0502040204020203" pitchFamily="34" charset="0"/>
+              </a:rPr>
               <a:t>child index you swapped to now becomes the new parent index.</a:t>
             </a:r>
           </a:p>
@@ -18281,11 +19666,17 @@
               <a:buChar char="•"/>
             </a:pPr>
             <a:r>
-              <a:rPr lang="en-US" sz="1100" dirty="0" smtClean="0"/>
+              <a:rPr lang="en-US" sz="1100" dirty="0" smtClean="0">
+                <a:latin typeface="Segoe UI" panose="020B0502040204020203" pitchFamily="34" charset="0"/>
+                <a:cs typeface="Segoe UI" panose="020B0502040204020203" pitchFamily="34" charset="0"/>
+              </a:rPr>
               <a:t>Keep </a:t>
             </a:r>
             <a:r>
-              <a:rPr lang="en-US" sz="1100" dirty="0"/>
+              <a:rPr lang="en-US" sz="1100" dirty="0">
+                <a:latin typeface="Segoe UI" panose="020B0502040204020203" pitchFamily="34" charset="0"/>
+                <a:cs typeface="Segoe UI" panose="020B0502040204020203" pitchFamily="34" charset="0"/>
+              </a:rPr>
               <a:t>looping and swapping until neither child is larger than the element.</a:t>
             </a:r>
           </a:p>
@@ -18295,11 +19686,17 @@
               <a:buChar char="•"/>
             </a:pPr>
             <a:r>
-              <a:rPr lang="en-US" sz="1100" dirty="0" smtClean="0"/>
+              <a:rPr lang="en-US" sz="1100" dirty="0" smtClean="0">
+                <a:latin typeface="Segoe UI" panose="020B0502040204020203" pitchFamily="34" charset="0"/>
+                <a:cs typeface="Segoe UI" panose="020B0502040204020203" pitchFamily="34" charset="0"/>
+              </a:rPr>
               <a:t>Return </a:t>
             </a:r>
             <a:r>
-              <a:rPr lang="en-US" sz="1100" dirty="0"/>
+              <a:rPr lang="en-US" sz="1100" dirty="0">
+                <a:latin typeface="Segoe UI" panose="020B0502040204020203" pitchFamily="34" charset="0"/>
+                <a:cs typeface="Segoe UI" panose="020B0502040204020203" pitchFamily="34" charset="0"/>
+              </a:rPr>
               <a:t>the old root!</a:t>
             </a:r>
           </a:p>
@@ -18358,10 +19755,16 @@
           <a:lstStyle/>
           <a:p>
             <a:r>
-              <a:rPr lang="en-US" b="1" dirty="0"/>
+              <a:rPr lang="en-US" b="1" dirty="0">
+                <a:latin typeface="Segoe UI" panose="020B0502040204020203" pitchFamily="34" charset="0"/>
+                <a:cs typeface="Segoe UI" panose="020B0502040204020203" pitchFamily="34" charset="0"/>
+              </a:rPr>
               <a:t>Hash tables</a:t>
             </a:r>
-            <a:endParaRPr lang="en-US" dirty="0"/>
+            <a:endParaRPr lang="en-US" dirty="0">
+              <a:latin typeface="Segoe UI" panose="020B0502040204020203" pitchFamily="34" charset="0"/>
+              <a:cs typeface="Segoe UI" panose="020B0502040204020203" pitchFamily="34" charset="0"/>
+            </a:endParaRPr>
           </a:p>
         </p:txBody>
       </p:sp>
@@ -18386,43 +19789,64 @@
           <a:lstStyle/>
           <a:p>
             <a:r>
-              <a:rPr lang="en-US" sz="1100" dirty="0" smtClean="0"/>
+              <a:rPr lang="en-US" sz="1100" dirty="0" smtClean="0">
+                <a:latin typeface="Segoe UI" panose="020B0502040204020203" pitchFamily="34" charset="0"/>
+                <a:cs typeface="Segoe UI" panose="020B0502040204020203" pitchFamily="34" charset="0"/>
+              </a:rPr>
               <a:t>Explain what hash table is</a:t>
             </a:r>
           </a:p>
           <a:p>
             <a:r>
-              <a:rPr lang="en-US" sz="1100" dirty="0" smtClean="0"/>
+              <a:rPr lang="en-US" sz="1100" dirty="0" smtClean="0">
+                <a:latin typeface="Segoe UI" panose="020B0502040204020203" pitchFamily="34" charset="0"/>
+                <a:cs typeface="Segoe UI" panose="020B0502040204020203" pitchFamily="34" charset="0"/>
+              </a:rPr>
               <a:t>Explain what a hashing algorithm</a:t>
             </a:r>
           </a:p>
           <a:p>
             <a:r>
-              <a:rPr lang="en-US" sz="1100" dirty="0" smtClean="0"/>
+              <a:rPr lang="en-US" sz="1100" dirty="0" smtClean="0">
+                <a:latin typeface="Segoe UI" panose="020B0502040204020203" pitchFamily="34" charset="0"/>
+                <a:cs typeface="Segoe UI" panose="020B0502040204020203" pitchFamily="34" charset="0"/>
+              </a:rPr>
               <a:t>Discuss what makes a good hashing algorithm</a:t>
             </a:r>
           </a:p>
           <a:p>
             <a:r>
-              <a:rPr lang="en-US" sz="1100" dirty="0" smtClean="0"/>
+              <a:rPr lang="en-US" sz="1100" dirty="0" smtClean="0">
+                <a:latin typeface="Segoe UI" panose="020B0502040204020203" pitchFamily="34" charset="0"/>
+                <a:cs typeface="Segoe UI" panose="020B0502040204020203" pitchFamily="34" charset="0"/>
+              </a:rPr>
               <a:t>Understand how collisions occur in a hash table</a:t>
             </a:r>
           </a:p>
           <a:p>
             <a:r>
-              <a:rPr lang="en-US" sz="1100" dirty="0" smtClean="0"/>
+              <a:rPr lang="en-US" sz="1100" dirty="0" smtClean="0">
+                <a:latin typeface="Segoe UI" panose="020B0502040204020203" pitchFamily="34" charset="0"/>
+                <a:cs typeface="Segoe UI" panose="020B0502040204020203" pitchFamily="34" charset="0"/>
+              </a:rPr>
               <a:t>Handle collision using separate chaining or linear probing</a:t>
             </a:r>
           </a:p>
           <a:p>
-            <a:endParaRPr lang="en-US" sz="1100" dirty="0"/>
+            <a:endParaRPr lang="en-US" sz="1100" dirty="0">
+              <a:latin typeface="Segoe UI" panose="020B0502040204020203" pitchFamily="34" charset="0"/>
+              <a:cs typeface="Segoe UI" panose="020B0502040204020203" pitchFamily="34" charset="0"/>
+            </a:endParaRPr>
           </a:p>
           <a:p>
             <a:pPr marL="76200" indent="0">
               <a:buNone/>
             </a:pPr>
             <a:r>
-              <a:rPr lang="en-US" sz="1100" dirty="0" smtClean="0"/>
+              <a:rPr lang="en-US" sz="1100" dirty="0" smtClean="0">
+                <a:latin typeface="Segoe UI" panose="020B0502040204020203" pitchFamily="34" charset="0"/>
+                <a:cs typeface="Segoe UI" panose="020B0502040204020203" pitchFamily="34" charset="0"/>
+              </a:rPr>
               <a:t>What is a hash tables?</a:t>
             </a:r>
           </a:p>
@@ -18431,7 +19855,10 @@
               <a:buNone/>
             </a:pPr>
             <a:r>
-              <a:rPr lang="en-US" sz="1100" dirty="0" smtClean="0"/>
+              <a:rPr lang="en-US" sz="1100" dirty="0" smtClean="0">
+                <a:latin typeface="Segoe UI" panose="020B0502040204020203" pitchFamily="34" charset="0"/>
+                <a:cs typeface="Segoe UI" panose="020B0502040204020203" pitchFamily="34" charset="0"/>
+              </a:rPr>
               <a:t>Hash tables are used to store key-value pairs</a:t>
             </a:r>
           </a:p>
@@ -18440,7 +19867,10 @@
               <a:buNone/>
             </a:pPr>
             <a:r>
-              <a:rPr lang="en-US" sz="1100" dirty="0" smtClean="0"/>
+              <a:rPr lang="en-US" sz="1100" dirty="0" smtClean="0">
+                <a:latin typeface="Segoe UI" panose="020B0502040204020203" pitchFamily="34" charset="0"/>
+                <a:cs typeface="Segoe UI" panose="020B0502040204020203" pitchFamily="34" charset="0"/>
+              </a:rPr>
               <a:t>The hash tables like arrays, but keys is not ordered</a:t>
             </a:r>
           </a:p>
@@ -18449,7 +19879,10 @@
               <a:buNone/>
             </a:pPr>
             <a:r>
-              <a:rPr lang="en-US" sz="1100" dirty="0" smtClean="0"/>
+              <a:rPr lang="en-US" sz="1100" dirty="0" smtClean="0">
+                <a:latin typeface="Segoe UI" panose="020B0502040204020203" pitchFamily="34" charset="0"/>
+                <a:cs typeface="Segoe UI" panose="020B0502040204020203" pitchFamily="34" charset="0"/>
+              </a:rPr>
               <a:t>Unlike arrays – hash tables are fast for all operations(find, add, remove)</a:t>
             </a:r>
           </a:p>
@@ -18457,14 +19890,20 @@
             <a:pPr marL="76200" indent="0">
               <a:buNone/>
             </a:pPr>
-            <a:endParaRPr lang="en-US" sz="1100" dirty="0" smtClean="0"/>
+            <a:endParaRPr lang="en-US" sz="1100" dirty="0" smtClean="0">
+              <a:latin typeface="Segoe UI" panose="020B0502040204020203" pitchFamily="34" charset="0"/>
+              <a:cs typeface="Segoe UI" panose="020B0502040204020203" pitchFamily="34" charset="0"/>
+            </a:endParaRPr>
           </a:p>
           <a:p>
             <a:pPr marL="76200" indent="0">
               <a:buNone/>
             </a:pPr>
             <a:r>
-              <a:rPr lang="en-US" sz="1100" dirty="0" smtClean="0"/>
+              <a:rPr lang="en-US" sz="1100" dirty="0" smtClean="0">
+                <a:latin typeface="Segoe UI" panose="020B0502040204020203" pitchFamily="34" charset="0"/>
+                <a:cs typeface="Segoe UI" panose="020B0502040204020203" pitchFamily="34" charset="0"/>
+              </a:rPr>
               <a:t>Hash tables in other programming languages</a:t>
             </a:r>
           </a:p>
@@ -18473,25 +19912,40 @@
               <a:buNone/>
             </a:pPr>
             <a:r>
-              <a:rPr lang="en-US" sz="1100" dirty="0" smtClean="0"/>
+              <a:rPr lang="en-US" sz="1100" dirty="0" smtClean="0">
+                <a:latin typeface="Segoe UI" panose="020B0502040204020203" pitchFamily="34" charset="0"/>
+                <a:cs typeface="Segoe UI" panose="020B0502040204020203" pitchFamily="34" charset="0"/>
+              </a:rPr>
               <a:t>Python – </a:t>
             </a:r>
             <a:r>
-              <a:rPr lang="en-US" sz="1100" dirty="0" err="1" smtClean="0"/>
+              <a:rPr lang="en-US" sz="1100" dirty="0" err="1" smtClean="0">
+                <a:latin typeface="Segoe UI" panose="020B0502040204020203" pitchFamily="34" charset="0"/>
+                <a:cs typeface="Segoe UI" panose="020B0502040204020203" pitchFamily="34" charset="0"/>
+              </a:rPr>
               <a:t>dicts</a:t>
             </a:r>
-            <a:endParaRPr lang="en-US" sz="1100" dirty="0" smtClean="0"/>
+            <a:endParaRPr lang="en-US" sz="1100" dirty="0" smtClean="0">
+              <a:latin typeface="Segoe UI" panose="020B0502040204020203" pitchFamily="34" charset="0"/>
+              <a:cs typeface="Segoe UI" panose="020B0502040204020203" pitchFamily="34" charset="0"/>
+            </a:endParaRPr>
           </a:p>
           <a:p>
             <a:pPr marL="76200" indent="0">
               <a:buNone/>
             </a:pPr>
             <a:r>
-              <a:rPr lang="en-US" sz="1100" dirty="0" err="1" smtClean="0"/>
+              <a:rPr lang="en-US" sz="1100" dirty="0" err="1" smtClean="0">
+                <a:latin typeface="Segoe UI" panose="020B0502040204020203" pitchFamily="34" charset="0"/>
+                <a:cs typeface="Segoe UI" panose="020B0502040204020203" pitchFamily="34" charset="0"/>
+              </a:rPr>
               <a:t>Js</a:t>
             </a:r>
             <a:r>
-              <a:rPr lang="en-US" sz="1100" dirty="0" smtClean="0"/>
+              <a:rPr lang="en-US" sz="1100" dirty="0" smtClean="0">
+                <a:latin typeface="Segoe UI" panose="020B0502040204020203" pitchFamily="34" charset="0"/>
+                <a:cs typeface="Segoe UI" panose="020B0502040204020203" pitchFamily="34" charset="0"/>
+              </a:rPr>
               <a:t> – Objects and Maps</a:t>
             </a:r>
           </a:p>
@@ -18500,7 +19954,10 @@
               <a:buNone/>
             </a:pPr>
             <a:r>
-              <a:rPr lang="en-US" sz="1100" dirty="0" smtClean="0"/>
+              <a:rPr lang="en-US" sz="1100" dirty="0" smtClean="0">
+                <a:latin typeface="Segoe UI" panose="020B0502040204020203" pitchFamily="34" charset="0"/>
+                <a:cs typeface="Segoe UI" panose="020B0502040204020203" pitchFamily="34" charset="0"/>
+              </a:rPr>
               <a:t>Java – Maps</a:t>
             </a:r>
           </a:p>
@@ -18509,10 +19966,16 @@
               <a:buNone/>
             </a:pPr>
             <a:r>
-              <a:rPr lang="en-US" sz="1100" dirty="0" smtClean="0"/>
+              <a:rPr lang="en-US" sz="1100" dirty="0" smtClean="0">
+                <a:latin typeface="Segoe UI" panose="020B0502040204020203" pitchFamily="34" charset="0"/>
+                <a:cs typeface="Segoe UI" panose="020B0502040204020203" pitchFamily="34" charset="0"/>
+              </a:rPr>
               <a:t>Ruby - Hashes</a:t>
             </a:r>
-            <a:endParaRPr lang="en-US" sz="1100" dirty="0"/>
+            <a:endParaRPr lang="en-US" sz="1100" dirty="0">
+              <a:latin typeface="Segoe UI" panose="020B0502040204020203" pitchFamily="34" charset="0"/>
+              <a:cs typeface="Segoe UI" panose="020B0502040204020203" pitchFamily="34" charset="0"/>
+            </a:endParaRPr>
           </a:p>
         </p:txBody>
       </p:sp>
@@ -18539,94 +20002,157 @@
           <a:lstStyle/>
           <a:p>
             <a:r>
-              <a:rPr lang="en-US" dirty="0" smtClean="0"/>
+              <a:rPr lang="en-US" dirty="0" smtClean="0">
+                <a:latin typeface="Segoe UI" panose="020B0502040204020203" pitchFamily="34" charset="0"/>
+                <a:cs typeface="Segoe UI" panose="020B0502040204020203" pitchFamily="34" charset="0"/>
+              </a:rPr>
               <a:t>Imagine we need to store colors(hex) to array</a:t>
             </a:r>
           </a:p>
           <a:p>
             <a:r>
-              <a:rPr lang="en-US" dirty="0" smtClean="0"/>
+              <a:rPr lang="en-US" dirty="0" smtClean="0">
+                <a:latin typeface="Segoe UI" panose="020B0502040204020203" pitchFamily="34" charset="0"/>
+                <a:cs typeface="Segoe UI" panose="020B0502040204020203" pitchFamily="34" charset="0"/>
+              </a:rPr>
               <a:t>colors = [ ‘ff69b4’, ’00ffff’, ‘</a:t>
             </a:r>
             <a:r>
-              <a:rPr lang="en-US" dirty="0" err="1" smtClean="0"/>
+              <a:rPr lang="en-US" dirty="0" err="1" smtClean="0">
+                <a:latin typeface="Segoe UI" panose="020B0502040204020203" pitchFamily="34" charset="0"/>
+                <a:cs typeface="Segoe UI" panose="020B0502040204020203" pitchFamily="34" charset="0"/>
+              </a:rPr>
               <a:t>ffffff</a:t>
             </a:r>
             <a:r>
-              <a:rPr lang="en-US" dirty="0" smtClean="0"/>
+              <a:rPr lang="en-US" dirty="0" smtClean="0">
+                <a:latin typeface="Segoe UI" panose="020B0502040204020203" pitchFamily="34" charset="0"/>
+                <a:cs typeface="Segoe UI" panose="020B0502040204020203" pitchFamily="34" charset="0"/>
+              </a:rPr>
               <a:t>’ ]</a:t>
             </a:r>
           </a:p>
           <a:p>
             <a:r>
-              <a:rPr lang="en-US" dirty="0" smtClean="0"/>
+              <a:rPr lang="en-US" dirty="0" smtClean="0">
+                <a:latin typeface="Segoe UI" panose="020B0502040204020203" pitchFamily="34" charset="0"/>
+                <a:cs typeface="Segoe UI" panose="020B0502040204020203" pitchFamily="34" charset="0"/>
+              </a:rPr>
               <a:t>And would be a nice if instead of using  indices to access the colors, we could use more human readable keys</a:t>
             </a:r>
           </a:p>
           <a:p>
             <a:r>
-              <a:rPr lang="en-US" dirty="0" smtClean="0"/>
+              <a:rPr lang="en-US" dirty="0" smtClean="0">
+                <a:latin typeface="Segoe UI" panose="020B0502040204020203" pitchFamily="34" charset="0"/>
+                <a:cs typeface="Segoe UI" panose="020B0502040204020203" pitchFamily="34" charset="0"/>
+              </a:rPr>
               <a:t>pink -&gt; ’ff69b4’,</a:t>
             </a:r>
           </a:p>
           <a:p>
             <a:r>
-              <a:rPr lang="en-US" dirty="0" smtClean="0"/>
+              <a:rPr lang="en-US" dirty="0" smtClean="0">
+                <a:latin typeface="Segoe UI" panose="020B0502040204020203" pitchFamily="34" charset="0"/>
+                <a:cs typeface="Segoe UI" panose="020B0502040204020203" pitchFamily="34" charset="0"/>
+              </a:rPr>
               <a:t>cyan -&gt; ’00ffff’,</a:t>
             </a:r>
           </a:p>
           <a:p>
             <a:r>
-              <a:rPr lang="en-US" dirty="0" smtClean="0"/>
+              <a:rPr lang="en-US" dirty="0" smtClean="0">
+                <a:latin typeface="Segoe UI" panose="020B0502040204020203" pitchFamily="34" charset="0"/>
+                <a:cs typeface="Segoe UI" panose="020B0502040204020203" pitchFamily="34" charset="0"/>
+              </a:rPr>
               <a:t>And </a:t>
             </a:r>
             <a:r>
-              <a:rPr lang="en-US" dirty="0" err="1" smtClean="0"/>
+              <a:rPr lang="en-US" dirty="0" err="1" smtClean="0">
+                <a:latin typeface="Segoe UI" panose="020B0502040204020203" pitchFamily="34" charset="0"/>
+                <a:cs typeface="Segoe UI" panose="020B0502040204020203" pitchFamily="34" charset="0"/>
+              </a:rPr>
               <a:t>etc</a:t>
             </a:r>
-            <a:endParaRPr lang="en-US" dirty="0" smtClean="0"/>
-          </a:p>
-          <a:p>
-            <a:r>
-              <a:rPr lang="en-US" dirty="0"/>
+            <a:endParaRPr lang="en-US" dirty="0" smtClean="0">
+              <a:latin typeface="Segoe UI" panose="020B0502040204020203" pitchFamily="34" charset="0"/>
+              <a:cs typeface="Segoe UI" panose="020B0502040204020203" pitchFamily="34" charset="0"/>
+            </a:endParaRPr>
+          </a:p>
+          <a:p>
+            <a:r>
+              <a:rPr lang="en-US" dirty="0">
+                <a:latin typeface="Segoe UI" panose="020B0502040204020203" pitchFamily="34" charset="0"/>
+                <a:cs typeface="Segoe UI" panose="020B0502040204020203" pitchFamily="34" charset="0"/>
+              </a:rPr>
               <a:t>c</a:t>
             </a:r>
             <a:r>
-              <a:rPr lang="en-US" dirty="0" smtClean="0"/>
+              <a:rPr lang="en-US" dirty="0" smtClean="0">
+                <a:latin typeface="Segoe UI" panose="020B0502040204020203" pitchFamily="34" charset="0"/>
+                <a:cs typeface="Segoe UI" panose="020B0502040204020203" pitchFamily="34" charset="0"/>
+              </a:rPr>
               <a:t>olors[‘cyan’] match better than colors[1]</a:t>
             </a:r>
-            <a:endParaRPr lang="en-US" dirty="0"/>
-          </a:p>
-          <a:p>
-            <a:endParaRPr lang="en-US" dirty="0" smtClean="0"/>
-          </a:p>
-          <a:p>
-            <a:r>
-              <a:rPr lang="en-US" dirty="0"/>
+            <a:endParaRPr lang="en-US" dirty="0">
+              <a:latin typeface="Segoe UI" panose="020B0502040204020203" pitchFamily="34" charset="0"/>
+              <a:cs typeface="Segoe UI" panose="020B0502040204020203" pitchFamily="34" charset="0"/>
+            </a:endParaRPr>
+          </a:p>
+          <a:p>
+            <a:endParaRPr lang="en-US" dirty="0" smtClean="0">
+              <a:latin typeface="Segoe UI" panose="020B0502040204020203" pitchFamily="34" charset="0"/>
+              <a:cs typeface="Segoe UI" panose="020B0502040204020203" pitchFamily="34" charset="0"/>
+            </a:endParaRPr>
+          </a:p>
+          <a:p>
+            <a:r>
+              <a:rPr lang="en-US" dirty="0">
+                <a:latin typeface="Segoe UI" panose="020B0502040204020203" pitchFamily="34" charset="0"/>
+                <a:cs typeface="Segoe UI" panose="020B0502040204020203" pitchFamily="34" charset="0"/>
+              </a:rPr>
               <a:t>how to </a:t>
             </a:r>
             <a:r>
-              <a:rPr lang="en-US" dirty="0" smtClean="0"/>
+              <a:rPr lang="en-US" dirty="0" smtClean="0">
+                <a:latin typeface="Segoe UI" panose="020B0502040204020203" pitchFamily="34" charset="0"/>
+                <a:cs typeface="Segoe UI" panose="020B0502040204020203" pitchFamily="34" charset="0"/>
+              </a:rPr>
               <a:t>combine human readable with computer readable(computer does not </a:t>
             </a:r>
             <a:r>
-              <a:rPr lang="en-US" dirty="0" err="1" smtClean="0"/>
+              <a:rPr lang="en-US" dirty="0" err="1" smtClean="0">
+                <a:latin typeface="Segoe UI" panose="020B0502040204020203" pitchFamily="34" charset="0"/>
+                <a:cs typeface="Segoe UI" panose="020B0502040204020203" pitchFamily="34" charset="0"/>
+              </a:rPr>
               <a:t>not</a:t>
             </a:r>
             <a:r>
-              <a:rPr lang="en-US" dirty="0" smtClean="0"/>
+              <a:rPr lang="en-US" dirty="0" smtClean="0">
+                <a:latin typeface="Segoe UI" panose="020B0502040204020203" pitchFamily="34" charset="0"/>
+                <a:cs typeface="Segoe UI" panose="020B0502040204020203" pitchFamily="34" charset="0"/>
+              </a:rPr>
               <a:t> index like pink)?</a:t>
             </a:r>
           </a:p>
           <a:p>
-            <a:endParaRPr lang="en-US" dirty="0"/>
-          </a:p>
-          <a:p>
-            <a:r>
-              <a:rPr lang="en-US" dirty="0" smtClean="0"/>
+            <a:endParaRPr lang="en-US" dirty="0">
+              <a:latin typeface="Segoe UI" panose="020B0502040204020203" pitchFamily="34" charset="0"/>
+              <a:cs typeface="Segoe UI" panose="020B0502040204020203" pitchFamily="34" charset="0"/>
+            </a:endParaRPr>
+          </a:p>
+          <a:p>
+            <a:r>
+              <a:rPr lang="en-US" dirty="0" smtClean="0">
+                <a:latin typeface="Segoe UI" panose="020B0502040204020203" pitchFamily="34" charset="0"/>
+                <a:cs typeface="Segoe UI" panose="020B0502040204020203" pitchFamily="34" charset="0"/>
+              </a:rPr>
               <a:t>In order to look up values by key, we need a way to  convert values to valid array indices. A function that performs this task is called a hash function</a:t>
             </a:r>
-            <a:endParaRPr lang="ru-RU" dirty="0"/>
+            <a:endParaRPr lang="ru-RU" dirty="0">
+              <a:latin typeface="Segoe UI" panose="020B0502040204020203" pitchFamily="34" charset="0"/>
+              <a:cs typeface="Segoe UI" panose="020B0502040204020203" pitchFamily="34" charset="0"/>
+            </a:endParaRPr>
           </a:p>
         </p:txBody>
       </p:sp>
@@ -18681,14 +20207,23 @@
           <a:lstStyle/>
           <a:p>
             <a:r>
-              <a:rPr lang="en-US" b="1" dirty="0"/>
+              <a:rPr lang="en-US" b="1" dirty="0">
+                <a:latin typeface="Segoe UI" panose="020B0502040204020203" pitchFamily="34" charset="0"/>
+                <a:cs typeface="Segoe UI" panose="020B0502040204020203" pitchFamily="34" charset="0"/>
+              </a:rPr>
               <a:t>Hash </a:t>
             </a:r>
             <a:r>
-              <a:rPr lang="en-US" b="1" dirty="0" smtClean="0"/>
+              <a:rPr lang="en-US" b="1" dirty="0" smtClean="0">
+                <a:latin typeface="Segoe UI" panose="020B0502040204020203" pitchFamily="34" charset="0"/>
+                <a:cs typeface="Segoe UI" panose="020B0502040204020203" pitchFamily="34" charset="0"/>
+              </a:rPr>
               <a:t>function</a:t>
             </a:r>
-            <a:endParaRPr lang="en-US" dirty="0"/>
+            <a:endParaRPr lang="en-US" dirty="0">
+              <a:latin typeface="Segoe UI" panose="020B0502040204020203" pitchFamily="34" charset="0"/>
+              <a:cs typeface="Segoe UI" panose="020B0502040204020203" pitchFamily="34" charset="0"/>
+            </a:endParaRPr>
           </a:p>
         </p:txBody>
       </p:sp>
@@ -18715,7 +20250,10 @@
           <a:lstStyle/>
           <a:p>
             <a:r>
-              <a:rPr lang="en-US" dirty="0" smtClean="0"/>
+              <a:rPr lang="en-US" dirty="0" smtClean="0">
+                <a:latin typeface="Segoe UI" panose="020B0502040204020203" pitchFamily="34" charset="0"/>
+                <a:cs typeface="Segoe UI" panose="020B0502040204020203" pitchFamily="34" charset="0"/>
+              </a:rPr>
               <a:t>What makes a good hash?</a:t>
             </a:r>
           </a:p>
@@ -18725,7 +20263,10 @@
               <a:buAutoNum type="arabicPeriod"/>
             </a:pPr>
             <a:r>
-              <a:rPr lang="en-US" dirty="0" smtClean="0"/>
+              <a:rPr lang="en-US" dirty="0" smtClean="0">
+                <a:latin typeface="Segoe UI" panose="020B0502040204020203" pitchFamily="34" charset="0"/>
+                <a:cs typeface="Segoe UI" panose="020B0502040204020203" pitchFamily="34" charset="0"/>
+              </a:rPr>
               <a:t>Fast(constant time)</a:t>
             </a:r>
           </a:p>
@@ -18735,15 +20276,24 @@
               <a:buAutoNum type="arabicPeriod"/>
             </a:pPr>
             <a:r>
-              <a:rPr lang="en-US" dirty="0" smtClean="0"/>
+              <a:rPr lang="en-US" dirty="0" smtClean="0">
+                <a:latin typeface="Segoe UI" panose="020B0502040204020203" pitchFamily="34" charset="0"/>
+                <a:cs typeface="Segoe UI" panose="020B0502040204020203" pitchFamily="34" charset="0"/>
+              </a:rPr>
               <a:t>Doesn’t cluster outputs at specific indices, but </a:t>
             </a:r>
             <a:r>
-              <a:rPr lang="en-US" dirty="0" err="1" smtClean="0"/>
+              <a:rPr lang="en-US" dirty="0" err="1" smtClean="0">
+                <a:latin typeface="Segoe UI" panose="020B0502040204020203" pitchFamily="34" charset="0"/>
+                <a:cs typeface="Segoe UI" panose="020B0502040204020203" pitchFamily="34" charset="0"/>
+              </a:rPr>
               <a:t>disturbutes</a:t>
             </a:r>
             <a:r>
-              <a:rPr lang="en-US" dirty="0" smtClean="0"/>
+              <a:rPr lang="en-US" dirty="0" smtClean="0">
+                <a:latin typeface="Segoe UI" panose="020B0502040204020203" pitchFamily="34" charset="0"/>
+                <a:cs typeface="Segoe UI" panose="020B0502040204020203" pitchFamily="34" charset="0"/>
+              </a:rPr>
               <a:t>  uniformly</a:t>
             </a:r>
           </a:p>
@@ -18753,14 +20303,23 @@
               <a:buAutoNum type="arabicPeriod"/>
             </a:pPr>
             <a:r>
-              <a:rPr lang="en-US" dirty="0" err="1" smtClean="0"/>
+              <a:rPr lang="en-US" dirty="0" err="1" smtClean="0">
+                <a:latin typeface="Segoe UI" panose="020B0502040204020203" pitchFamily="34" charset="0"/>
+                <a:cs typeface="Segoe UI" panose="020B0502040204020203" pitchFamily="34" charset="0"/>
+              </a:rPr>
               <a:t>Determenistic</a:t>
             </a:r>
             <a:r>
-              <a:rPr lang="en-US" dirty="0" smtClean="0"/>
+              <a:rPr lang="en-US" dirty="0" smtClean="0">
+                <a:latin typeface="Segoe UI" panose="020B0502040204020203" pitchFamily="34" charset="0"/>
+                <a:cs typeface="Segoe UI" panose="020B0502040204020203" pitchFamily="34" charset="0"/>
+              </a:rPr>
               <a:t>(same input -&gt; same output)  </a:t>
             </a:r>
-            <a:endParaRPr lang="ru-RU" dirty="0"/>
+            <a:endParaRPr lang="ru-RU" dirty="0">
+              <a:latin typeface="Segoe UI" panose="020B0502040204020203" pitchFamily="34" charset="0"/>
+              <a:cs typeface="Segoe UI" panose="020B0502040204020203" pitchFamily="34" charset="0"/>
+            </a:endParaRPr>
           </a:p>
         </p:txBody>
       </p:sp>
@@ -18817,7 +20376,10 @@
           <a:lstStyle/>
           <a:p>
             <a:r>
-              <a:rPr lang="en-US" dirty="0" smtClean="0"/>
+              <a:rPr lang="en-US" dirty="0" smtClean="0">
+                <a:latin typeface="Segoe UI" panose="020B0502040204020203" pitchFamily="34" charset="0"/>
+                <a:cs typeface="Segoe UI" panose="020B0502040204020203" pitchFamily="34" charset="0"/>
+              </a:rPr>
               <a:t>Problems</a:t>
             </a:r>
           </a:p>
@@ -18827,7 +20389,10 @@
               <a:buAutoNum type="arabicPeriod"/>
             </a:pPr>
             <a:r>
-              <a:rPr lang="en-US" dirty="0" smtClean="0"/>
+              <a:rPr lang="en-US" dirty="0" smtClean="0">
+                <a:latin typeface="Segoe UI" panose="020B0502040204020203" pitchFamily="34" charset="0"/>
+                <a:cs typeface="Segoe UI" panose="020B0502040204020203" pitchFamily="34" charset="0"/>
+              </a:rPr>
               <a:t>This work only with strings( we don’t worry about it )</a:t>
             </a:r>
           </a:p>
@@ -18837,7 +20402,10 @@
               <a:buAutoNum type="arabicPeriod"/>
             </a:pPr>
             <a:r>
-              <a:rPr lang="en-US" dirty="0" smtClean="0"/>
+              <a:rPr lang="en-US" dirty="0" smtClean="0">
+                <a:latin typeface="Segoe UI" panose="020B0502040204020203" pitchFamily="34" charset="0"/>
+                <a:cs typeface="Segoe UI" panose="020B0502040204020203" pitchFamily="34" charset="0"/>
+              </a:rPr>
               <a:t>Not constant time – linear in key length</a:t>
             </a:r>
           </a:p>
@@ -18847,10 +20415,16 @@
               <a:buAutoNum type="arabicPeriod"/>
             </a:pPr>
             <a:r>
-              <a:rPr lang="en-US" dirty="0" smtClean="0"/>
+              <a:rPr lang="en-US" dirty="0" smtClean="0">
+                <a:latin typeface="Segoe UI" panose="020B0502040204020203" pitchFamily="34" charset="0"/>
+                <a:cs typeface="Segoe UI" panose="020B0502040204020203" pitchFamily="34" charset="0"/>
+              </a:rPr>
               <a:t>Collisions </a:t>
             </a:r>
-            <a:endParaRPr lang="ru-RU" dirty="0"/>
+            <a:endParaRPr lang="ru-RU" dirty="0">
+              <a:latin typeface="Segoe UI" panose="020B0502040204020203" pitchFamily="34" charset="0"/>
+              <a:cs typeface="Segoe UI" panose="020B0502040204020203" pitchFamily="34" charset="0"/>
+            </a:endParaRPr>
           </a:p>
         </p:txBody>
       </p:sp>
@@ -18880,7 +20454,8 @@
                 <a:solidFill>
                   <a:srgbClr val="1D1C1D"/>
                 </a:solidFill>
-                <a:latin typeface="Slack-Lato"/>
+                <a:latin typeface="Segoe UI" panose="020B0502040204020203" pitchFamily="34" charset="0"/>
+                <a:cs typeface="Segoe UI" panose="020B0502040204020203" pitchFamily="34" charset="0"/>
               </a:rPr>
               <a:t>Prime numbers? </a:t>
             </a:r>
@@ -18889,7 +20464,8 @@
                 <a:solidFill>
                   <a:srgbClr val="1D1C1D"/>
                 </a:solidFill>
-                <a:latin typeface="Slack-Lato"/>
+                <a:latin typeface="Segoe UI" panose="020B0502040204020203" pitchFamily="34" charset="0"/>
+                <a:cs typeface="Segoe UI" panose="020B0502040204020203" pitchFamily="34" charset="0"/>
               </a:rPr>
               <a:t>wut</a:t>
             </a:r>
@@ -18898,151 +20474,215 @@
                 <a:solidFill>
                   <a:srgbClr val="1D1C1D"/>
                 </a:solidFill>
-                <a:latin typeface="Slack-Lato"/>
+                <a:latin typeface="Segoe UI" panose="020B0502040204020203" pitchFamily="34" charset="0"/>
+                <a:cs typeface="Segoe UI" panose="020B0502040204020203" pitchFamily="34" charset="0"/>
               </a:rPr>
               <a:t>.</a:t>
             </a:r>
             <a:r>
-              <a:rPr lang="en-US" sz="1200" dirty="0"/>
+              <a:rPr lang="en-US" sz="1200" dirty="0">
+                <a:latin typeface="Segoe UI" panose="020B0502040204020203" pitchFamily="34" charset="0"/>
+                <a:cs typeface="Segoe UI" panose="020B0502040204020203" pitchFamily="34" charset="0"/>
+              </a:rPr>
               <a:t/>
             </a:r>
             <a:br>
-              <a:rPr lang="en-US" sz="1200" dirty="0"/>
+              <a:rPr lang="en-US" sz="1200" dirty="0">
+                <a:latin typeface="Segoe UI" panose="020B0502040204020203" pitchFamily="34" charset="0"/>
+                <a:cs typeface="Segoe UI" panose="020B0502040204020203" pitchFamily="34" charset="0"/>
+              </a:rPr>
             </a:br>
             <a:r>
               <a:rPr lang="en-US" sz="1200" dirty="0">
                 <a:solidFill>
                   <a:srgbClr val="1D1C1D"/>
                 </a:solidFill>
-                <a:latin typeface="Slack-Lato"/>
+                <a:latin typeface="Segoe UI" panose="020B0502040204020203" pitchFamily="34" charset="0"/>
+                <a:cs typeface="Segoe UI" panose="020B0502040204020203" pitchFamily="34" charset="0"/>
               </a:rPr>
               <a:t>The prime number in the hash is helpful in</a:t>
             </a:r>
             <a:r>
-              <a:rPr lang="en-US" sz="1200" dirty="0"/>
+              <a:rPr lang="en-US" sz="1200" dirty="0">
+                <a:latin typeface="Segoe UI" panose="020B0502040204020203" pitchFamily="34" charset="0"/>
+                <a:cs typeface="Segoe UI" panose="020B0502040204020203" pitchFamily="34" charset="0"/>
+              </a:rPr>
               <a:t/>
             </a:r>
             <a:br>
-              <a:rPr lang="en-US" sz="1200" dirty="0"/>
+              <a:rPr lang="en-US" sz="1200" dirty="0">
+                <a:latin typeface="Segoe UI" panose="020B0502040204020203" pitchFamily="34" charset="0"/>
+                <a:cs typeface="Segoe UI" panose="020B0502040204020203" pitchFamily="34" charset="0"/>
+              </a:rPr>
             </a:br>
             <a:r>
               <a:rPr lang="en-US" sz="1200" dirty="0">
                 <a:solidFill>
                   <a:srgbClr val="1D1C1D"/>
                 </a:solidFill>
-                <a:latin typeface="Slack-Lato"/>
+                <a:latin typeface="Segoe UI" panose="020B0502040204020203" pitchFamily="34" charset="0"/>
+                <a:cs typeface="Segoe UI" panose="020B0502040204020203" pitchFamily="34" charset="0"/>
               </a:rPr>
               <a:t>spreading out the keys more uniformly.</a:t>
             </a:r>
             <a:r>
-              <a:rPr lang="en-US" sz="1200" dirty="0"/>
+              <a:rPr lang="en-US" sz="1200" dirty="0">
+                <a:latin typeface="Segoe UI" panose="020B0502040204020203" pitchFamily="34" charset="0"/>
+                <a:cs typeface="Segoe UI" panose="020B0502040204020203" pitchFamily="34" charset="0"/>
+              </a:rPr>
               <a:t/>
             </a:r>
             <a:br>
-              <a:rPr lang="en-US" sz="1200" dirty="0"/>
+              <a:rPr lang="en-US" sz="1200" dirty="0">
+                <a:latin typeface="Segoe UI" panose="020B0502040204020203" pitchFamily="34" charset="0"/>
+                <a:cs typeface="Segoe UI" panose="020B0502040204020203" pitchFamily="34" charset="0"/>
+              </a:rPr>
             </a:br>
             <a:r>
               <a:rPr lang="en-US" sz="1200" dirty="0">
                 <a:solidFill>
                   <a:srgbClr val="1D1C1D"/>
                 </a:solidFill>
-                <a:latin typeface="Slack-Lato"/>
+                <a:latin typeface="Segoe UI" panose="020B0502040204020203" pitchFamily="34" charset="0"/>
+                <a:cs typeface="Segoe UI" panose="020B0502040204020203" pitchFamily="34" charset="0"/>
               </a:rPr>
               <a:t>It's also helpful if the array that you're</a:t>
             </a:r>
             <a:r>
-              <a:rPr lang="en-US" sz="1200" dirty="0"/>
+              <a:rPr lang="en-US" sz="1200" dirty="0">
+                <a:latin typeface="Segoe UI" panose="020B0502040204020203" pitchFamily="34" charset="0"/>
+                <a:cs typeface="Segoe UI" panose="020B0502040204020203" pitchFamily="34" charset="0"/>
+              </a:rPr>
               <a:t/>
             </a:r>
             <a:br>
-              <a:rPr lang="en-US" sz="1200" dirty="0"/>
+              <a:rPr lang="en-US" sz="1200" dirty="0">
+                <a:latin typeface="Segoe UI" panose="020B0502040204020203" pitchFamily="34" charset="0"/>
+                <a:cs typeface="Segoe UI" panose="020B0502040204020203" pitchFamily="34" charset="0"/>
+              </a:rPr>
             </a:br>
             <a:r>
               <a:rPr lang="en-US" sz="1200" dirty="0">
                 <a:solidFill>
                   <a:srgbClr val="1D1C1D"/>
                 </a:solidFill>
-                <a:latin typeface="Slack-Lato"/>
+                <a:latin typeface="Segoe UI" panose="020B0502040204020203" pitchFamily="34" charset="0"/>
+                <a:cs typeface="Segoe UI" panose="020B0502040204020203" pitchFamily="34" charset="0"/>
               </a:rPr>
               <a:t>putting values into has a prime length.</a:t>
             </a:r>
             <a:r>
-              <a:rPr lang="en-US" sz="1200" dirty="0"/>
+              <a:rPr lang="en-US" sz="1200" dirty="0">
+                <a:latin typeface="Segoe UI" panose="020B0502040204020203" pitchFamily="34" charset="0"/>
+                <a:cs typeface="Segoe UI" panose="020B0502040204020203" pitchFamily="34" charset="0"/>
+              </a:rPr>
               <a:t/>
             </a:r>
             <a:br>
-              <a:rPr lang="en-US" sz="1200" dirty="0"/>
+              <a:rPr lang="en-US" sz="1200" dirty="0">
+                <a:latin typeface="Segoe UI" panose="020B0502040204020203" pitchFamily="34" charset="0"/>
+                <a:cs typeface="Segoe UI" panose="020B0502040204020203" pitchFamily="34" charset="0"/>
+              </a:rPr>
             </a:br>
             <a:r>
               <a:rPr lang="en-US" sz="1200" dirty="0">
                 <a:solidFill>
                   <a:srgbClr val="1D1C1D"/>
                 </a:solidFill>
-                <a:latin typeface="Slack-Lato"/>
+                <a:latin typeface="Segoe UI" panose="020B0502040204020203" pitchFamily="34" charset="0"/>
+                <a:cs typeface="Segoe UI" panose="020B0502040204020203" pitchFamily="34" charset="0"/>
               </a:rPr>
               <a:t>You don't need to know why. (Math is complicated!)</a:t>
             </a:r>
             <a:r>
-              <a:rPr lang="en-US" sz="1200" dirty="0"/>
+              <a:rPr lang="en-US" sz="1200" dirty="0">
+                <a:latin typeface="Segoe UI" panose="020B0502040204020203" pitchFamily="34" charset="0"/>
+                <a:cs typeface="Segoe UI" panose="020B0502040204020203" pitchFamily="34" charset="0"/>
+              </a:rPr>
               <a:t/>
             </a:r>
             <a:br>
-              <a:rPr lang="en-US" sz="1200" dirty="0"/>
+              <a:rPr lang="en-US" sz="1200" dirty="0">
+                <a:latin typeface="Segoe UI" panose="020B0502040204020203" pitchFamily="34" charset="0"/>
+                <a:cs typeface="Segoe UI" panose="020B0502040204020203" pitchFamily="34" charset="0"/>
+              </a:rPr>
             </a:br>
             <a:r>
               <a:rPr lang="en-US" sz="1200" dirty="0">
                 <a:solidFill>
                   <a:srgbClr val="1D1C1D"/>
                 </a:solidFill>
-                <a:latin typeface="Slack-Lato"/>
+                <a:latin typeface="Segoe UI" panose="020B0502040204020203" pitchFamily="34" charset="0"/>
+                <a:cs typeface="Segoe UI" panose="020B0502040204020203" pitchFamily="34" charset="0"/>
               </a:rPr>
               <a:t>But here are some links if you're curious.</a:t>
             </a:r>
             <a:r>
-              <a:rPr lang="en-US" sz="1200" dirty="0"/>
+              <a:rPr lang="en-US" sz="1200" dirty="0">
+                <a:latin typeface="Segoe UI" panose="020B0502040204020203" pitchFamily="34" charset="0"/>
+                <a:cs typeface="Segoe UI" panose="020B0502040204020203" pitchFamily="34" charset="0"/>
+              </a:rPr>
               <a:t/>
             </a:r>
             <a:br>
-              <a:rPr lang="en-US" sz="1200" dirty="0"/>
+              <a:rPr lang="en-US" sz="1200" dirty="0">
+                <a:latin typeface="Segoe UI" panose="020B0502040204020203" pitchFamily="34" charset="0"/>
+                <a:cs typeface="Segoe UI" panose="020B0502040204020203" pitchFamily="34" charset="0"/>
+              </a:rPr>
             </a:br>
             <a:r>
               <a:rPr lang="en-US" sz="1200" dirty="0">
                 <a:solidFill>
                   <a:srgbClr val="1D1C1D"/>
                 </a:solidFill>
-                <a:latin typeface="Slack-Lato"/>
+                <a:latin typeface="Segoe UI" panose="020B0502040204020203" pitchFamily="34" charset="0"/>
+                <a:cs typeface="Segoe UI" panose="020B0502040204020203" pitchFamily="34" charset="0"/>
               </a:rPr>
               <a:t>Why do hash functions use prime numbers?</a:t>
             </a:r>
             <a:r>
-              <a:rPr lang="en-US" sz="1200" dirty="0"/>
+              <a:rPr lang="en-US" sz="1200" dirty="0">
+                <a:latin typeface="Segoe UI" panose="020B0502040204020203" pitchFamily="34" charset="0"/>
+                <a:cs typeface="Segoe UI" panose="020B0502040204020203" pitchFamily="34" charset="0"/>
+              </a:rPr>
               <a:t/>
             </a:r>
             <a:br>
-              <a:rPr lang="en-US" sz="1200" dirty="0"/>
+              <a:rPr lang="en-US" sz="1200" dirty="0">
+                <a:latin typeface="Segoe UI" panose="020B0502040204020203" pitchFamily="34" charset="0"/>
+                <a:cs typeface="Segoe UI" panose="020B0502040204020203" pitchFamily="34" charset="0"/>
+              </a:rPr>
             </a:br>
             <a:r>
               <a:rPr lang="en-US" sz="1200" dirty="0">
                 <a:solidFill>
                   <a:srgbClr val="1D1C1D"/>
                 </a:solidFill>
-                <a:latin typeface="Slack-Lato"/>
+                <a:latin typeface="Segoe UI" panose="020B0502040204020203" pitchFamily="34" charset="0"/>
+                <a:cs typeface="Segoe UI" panose="020B0502040204020203" pitchFamily="34" charset="0"/>
               </a:rPr>
               <a:t>Does making array size a prime number</a:t>
             </a:r>
             <a:r>
-              <a:rPr lang="en-US" sz="1200" dirty="0"/>
+              <a:rPr lang="en-US" sz="1200" dirty="0">
+                <a:latin typeface="Segoe UI" panose="020B0502040204020203" pitchFamily="34" charset="0"/>
+                <a:cs typeface="Segoe UI" panose="020B0502040204020203" pitchFamily="34" charset="0"/>
+              </a:rPr>
               <a:t/>
             </a:r>
             <a:br>
-              <a:rPr lang="en-US" sz="1200" dirty="0"/>
+              <a:rPr lang="en-US" sz="1200" dirty="0">
+                <a:latin typeface="Segoe UI" panose="020B0502040204020203" pitchFamily="34" charset="0"/>
+                <a:cs typeface="Segoe UI" panose="020B0502040204020203" pitchFamily="34" charset="0"/>
+              </a:rPr>
             </a:br>
             <a:r>
               <a:rPr lang="en-US" sz="1200" dirty="0">
                 <a:solidFill>
                   <a:srgbClr val="1D1C1D"/>
                 </a:solidFill>
-                <a:latin typeface="Slack-Lato"/>
+                <a:latin typeface="Segoe UI" panose="020B0502040204020203" pitchFamily="34" charset="0"/>
+                <a:cs typeface="Segoe UI" panose="020B0502040204020203" pitchFamily="34" charset="0"/>
               </a:rPr>
               <a:t>help in hash table implementation</a:t>
             </a:r>
@@ -19051,7 +20691,8 @@
                 <a:solidFill>
                   <a:srgbClr val="1D1C1D"/>
                 </a:solidFill>
-                <a:latin typeface="Slack-Lato"/>
+                <a:latin typeface="Segoe UI" panose="020B0502040204020203" pitchFamily="34" charset="0"/>
+                <a:cs typeface="Segoe UI" panose="020B0502040204020203" pitchFamily="34" charset="0"/>
               </a:rPr>
               <a:t>?</a:t>
             </a:r>
@@ -19059,11 +20700,16 @@
           <a:p>
             <a:r>
               <a:rPr lang="en-US" sz="1200" dirty="0" smtClean="0">
+                <a:latin typeface="Segoe UI" panose="020B0502040204020203" pitchFamily="34" charset="0"/>
+                <a:cs typeface="Segoe UI" panose="020B0502040204020203" pitchFamily="34" charset="0"/>
                 <a:hlinkClick r:id="rId3"/>
               </a:rPr>
               <a:t>Does-making-array-size-a-prime-number-help-in-hash-table-implementation</a:t>
             </a:r>
-            <a:endParaRPr lang="ru-RU" sz="1200" dirty="0"/>
+            <a:endParaRPr lang="ru-RU" sz="1200" dirty="0">
+              <a:latin typeface="Segoe UI" panose="020B0502040204020203" pitchFamily="34" charset="0"/>
+              <a:cs typeface="Segoe UI" panose="020B0502040204020203" pitchFamily="34" charset="0"/>
+            </a:endParaRPr>
           </a:p>
         </p:txBody>
       </p:sp>
@@ -19090,10 +20736,16 @@
           <a:lstStyle/>
           <a:p>
             <a:r>
-              <a:rPr lang="en-US" dirty="0" smtClean="0"/>
+              <a:rPr lang="en-US" dirty="0" smtClean="0">
+                <a:latin typeface="Segoe UI" panose="020B0502040204020203" pitchFamily="34" charset="0"/>
+                <a:cs typeface="Segoe UI" panose="020B0502040204020203" pitchFamily="34" charset="0"/>
+              </a:rPr>
               <a:t>Not need to now why, but just set prime number in hash function and array size</a:t>
             </a:r>
-            <a:endParaRPr lang="ru-RU" dirty="0"/>
+            <a:endParaRPr lang="ru-RU" dirty="0">
+              <a:latin typeface="Segoe UI" panose="020B0502040204020203" pitchFamily="34" charset="0"/>
+              <a:cs typeface="Segoe UI" panose="020B0502040204020203" pitchFamily="34" charset="0"/>
+            </a:endParaRPr>
           </a:p>
         </p:txBody>
       </p:sp>
@@ -19148,14 +20800,23 @@
           <a:lstStyle/>
           <a:p>
             <a:r>
-              <a:rPr lang="en-US" dirty="0" smtClean="0"/>
+              <a:rPr lang="en-US" dirty="0" smtClean="0">
+                <a:latin typeface="Segoe UI" panose="020B0502040204020203" pitchFamily="34" charset="0"/>
+                <a:cs typeface="Segoe UI" panose="020B0502040204020203" pitchFamily="34" charset="0"/>
+              </a:rPr>
               <a:t>Dealing </a:t>
             </a:r>
             <a:r>
-              <a:rPr lang="en-US" dirty="0"/>
+              <a:rPr lang="en-US" dirty="0">
+                <a:latin typeface="Segoe UI" panose="020B0502040204020203" pitchFamily="34" charset="0"/>
+                <a:cs typeface="Segoe UI" panose="020B0502040204020203" pitchFamily="34" charset="0"/>
+              </a:rPr>
               <a:t>with collision</a:t>
             </a:r>
-            <a:endParaRPr lang="ru-RU" dirty="0"/>
+            <a:endParaRPr lang="ru-RU" dirty="0">
+              <a:latin typeface="Segoe UI" panose="020B0502040204020203" pitchFamily="34" charset="0"/>
+              <a:cs typeface="Segoe UI" panose="020B0502040204020203" pitchFamily="34" charset="0"/>
+            </a:endParaRPr>
           </a:p>
         </p:txBody>
       </p:sp>
@@ -19182,16 +20843,25 @@
           <a:lstStyle/>
           <a:p>
             <a:r>
-              <a:rPr lang="en-US" dirty="0" smtClean="0"/>
+              <a:rPr lang="en-US" dirty="0" smtClean="0">
+                <a:latin typeface="Segoe UI" panose="020B0502040204020203" pitchFamily="34" charset="0"/>
+                <a:cs typeface="Segoe UI" panose="020B0502040204020203" pitchFamily="34" charset="0"/>
+              </a:rPr>
               <a:t>Even with a large array and a great hash function, collisions are inevitable</a:t>
             </a:r>
           </a:p>
           <a:p>
-            <a:endParaRPr lang="en-US" dirty="0"/>
-          </a:p>
-          <a:p>
-            <a:r>
-              <a:rPr lang="en-US" dirty="0" smtClean="0"/>
+            <a:endParaRPr lang="en-US" dirty="0">
+              <a:latin typeface="Segoe UI" panose="020B0502040204020203" pitchFamily="34" charset="0"/>
+              <a:cs typeface="Segoe UI" panose="020B0502040204020203" pitchFamily="34" charset="0"/>
+            </a:endParaRPr>
+          </a:p>
+          <a:p>
+            <a:r>
+              <a:rPr lang="en-US" dirty="0" smtClean="0">
+                <a:latin typeface="Segoe UI" panose="020B0502040204020203" pitchFamily="34" charset="0"/>
+                <a:cs typeface="Segoe UI" panose="020B0502040204020203" pitchFamily="34" charset="0"/>
+              </a:rPr>
               <a:t>Two strategy, for handle collisions</a:t>
             </a:r>
           </a:p>
@@ -19201,7 +20871,10 @@
               <a:buChar char="•"/>
             </a:pPr>
             <a:r>
-              <a:rPr lang="en-US" dirty="0" smtClean="0"/>
+              <a:rPr lang="en-US" dirty="0" smtClean="0">
+                <a:latin typeface="Segoe UI" panose="020B0502040204020203" pitchFamily="34" charset="0"/>
+                <a:cs typeface="Segoe UI" panose="020B0502040204020203" pitchFamily="34" charset="0"/>
+              </a:rPr>
               <a:t>Separate chaining</a:t>
             </a:r>
           </a:p>
@@ -19211,7 +20884,10 @@
               <a:buChar char="•"/>
             </a:pPr>
             <a:r>
-              <a:rPr lang="en-US" dirty="0" smtClean="0"/>
+              <a:rPr lang="en-US" dirty="0" smtClean="0">
+                <a:latin typeface="Segoe UI" panose="020B0502040204020203" pitchFamily="34" charset="0"/>
+                <a:cs typeface="Segoe UI" panose="020B0502040204020203" pitchFamily="34" charset="0"/>
+              </a:rPr>
               <a:t>Linear probing</a:t>
             </a:r>
           </a:p>
@@ -19220,31 +20896,52 @@
               <a:buFont typeface="Arial" panose="020B0604020202020204" pitchFamily="34" charset="0"/>
               <a:buChar char="•"/>
             </a:pPr>
-            <a:endParaRPr lang="en-US" dirty="0"/>
-          </a:p>
-          <a:p>
-            <a:r>
-              <a:rPr lang="en-US" dirty="0" smtClean="0"/>
+            <a:endParaRPr lang="en-US" dirty="0">
+              <a:latin typeface="Segoe UI" panose="020B0502040204020203" pitchFamily="34" charset="0"/>
+              <a:cs typeface="Segoe UI" panose="020B0502040204020203" pitchFamily="34" charset="0"/>
+            </a:endParaRPr>
+          </a:p>
+          <a:p>
+            <a:r>
+              <a:rPr lang="en-US" dirty="0" smtClean="0">
+                <a:latin typeface="Segoe UI" panose="020B0502040204020203" pitchFamily="34" charset="0"/>
+                <a:cs typeface="Segoe UI" panose="020B0502040204020203" pitchFamily="34" charset="0"/>
+              </a:rPr>
               <a:t>Separate chaining – </a:t>
             </a:r>
             <a:r>
-              <a:rPr lang="en-US" dirty="0"/>
+              <a:rPr lang="en-US" dirty="0">
+                <a:latin typeface="Segoe UI" panose="020B0502040204020203" pitchFamily="34" charset="0"/>
+                <a:cs typeface="Segoe UI" panose="020B0502040204020203" pitchFamily="34" charset="0"/>
+              </a:rPr>
               <a:t>w</a:t>
             </a:r>
             <a:r>
-              <a:rPr lang="en-US" dirty="0" smtClean="0"/>
+              <a:rPr lang="en-US" dirty="0" smtClean="0">
+                <a:latin typeface="Segoe UI" panose="020B0502040204020203" pitchFamily="34" charset="0"/>
+                <a:cs typeface="Segoe UI" panose="020B0502040204020203" pitchFamily="34" charset="0"/>
+              </a:rPr>
               <a:t>e store multiply key-values in same index</a:t>
             </a:r>
           </a:p>
           <a:p>
-            <a:endParaRPr lang="en-US" dirty="0" smtClean="0"/>
-          </a:p>
-          <a:p>
-            <a:r>
-              <a:rPr lang="en-US" dirty="0" smtClean="0"/>
+            <a:endParaRPr lang="en-US" dirty="0" smtClean="0">
+              <a:latin typeface="Segoe UI" panose="020B0502040204020203" pitchFamily="34" charset="0"/>
+              <a:cs typeface="Segoe UI" panose="020B0502040204020203" pitchFamily="34" charset="0"/>
+            </a:endParaRPr>
+          </a:p>
+          <a:p>
+            <a:r>
+              <a:rPr lang="en-US" dirty="0" smtClean="0">
+                <a:latin typeface="Segoe UI" panose="020B0502040204020203" pitchFamily="34" charset="0"/>
+                <a:cs typeface="Segoe UI" panose="020B0502040204020203" pitchFamily="34" charset="0"/>
+              </a:rPr>
               <a:t>Linear probing – search through the array to find the next empty slot, unlike separate chaining, we store only one key-value at one index</a:t>
             </a:r>
-            <a:endParaRPr lang="ru-RU" dirty="0"/>
+            <a:endParaRPr lang="ru-RU" dirty="0">
+              <a:latin typeface="Segoe UI" panose="020B0502040204020203" pitchFamily="34" charset="0"/>
+              <a:cs typeface="Segoe UI" panose="020B0502040204020203" pitchFamily="34" charset="0"/>
+            </a:endParaRPr>
           </a:p>
         </p:txBody>
       </p:sp>
@@ -19271,18 +20968,27 @@
           <a:lstStyle/>
           <a:p>
             <a:r>
-              <a:rPr lang="en-US" sz="1200" dirty="0" smtClean="0"/>
+              <a:rPr lang="en-US" sz="1200" dirty="0" smtClean="0">
+                <a:latin typeface="Segoe UI" panose="020B0502040204020203" pitchFamily="34" charset="0"/>
+                <a:cs typeface="Segoe UI" panose="020B0502040204020203" pitchFamily="34" charset="0"/>
+              </a:rPr>
               <a:t>Set / Get</a:t>
             </a:r>
           </a:p>
           <a:p>
             <a:r>
-              <a:rPr lang="en-US" sz="1200" dirty="0" smtClean="0"/>
+              <a:rPr lang="en-US" sz="1200" dirty="0" smtClean="0">
+                <a:latin typeface="Segoe UI" panose="020B0502040204020203" pitchFamily="34" charset="0"/>
+                <a:cs typeface="Segoe UI" panose="020B0502040204020203" pitchFamily="34" charset="0"/>
+              </a:rPr>
               <a:t>Set</a:t>
             </a:r>
           </a:p>
           <a:p>
-            <a:endParaRPr lang="en-US" sz="1200" dirty="0"/>
+            <a:endParaRPr lang="en-US" sz="1200" dirty="0">
+              <a:latin typeface="Segoe UI" panose="020B0502040204020203" pitchFamily="34" charset="0"/>
+              <a:cs typeface="Segoe UI" panose="020B0502040204020203" pitchFamily="34" charset="0"/>
+            </a:endParaRPr>
           </a:p>
           <a:p>
             <a:pPr marL="342900" indent="-342900">
@@ -19290,7 +20996,10 @@
               <a:buAutoNum type="arabicPeriod"/>
             </a:pPr>
             <a:r>
-              <a:rPr lang="en-US" sz="1200" dirty="0" smtClean="0"/>
+              <a:rPr lang="en-US" sz="1200" dirty="0" smtClean="0">
+                <a:latin typeface="Segoe UI" panose="020B0502040204020203" pitchFamily="34" charset="0"/>
+                <a:cs typeface="Segoe UI" panose="020B0502040204020203" pitchFamily="34" charset="0"/>
+              </a:rPr>
               <a:t>Accept a key and a value</a:t>
             </a:r>
           </a:p>
@@ -19300,7 +21009,10 @@
               <a:buAutoNum type="arabicPeriod"/>
             </a:pPr>
             <a:r>
-              <a:rPr lang="en-US" sz="1200" dirty="0" smtClean="0"/>
+              <a:rPr lang="en-US" sz="1200" dirty="0" smtClean="0">
+                <a:latin typeface="Segoe UI" panose="020B0502040204020203" pitchFamily="34" charset="0"/>
+                <a:cs typeface="Segoe UI" panose="020B0502040204020203" pitchFamily="34" charset="0"/>
+              </a:rPr>
               <a:t>Hashes the key</a:t>
             </a:r>
           </a:p>
@@ -19310,16 +21022,25 @@
               <a:buAutoNum type="arabicPeriod"/>
             </a:pPr>
             <a:r>
-              <a:rPr lang="en-US" sz="1200" dirty="0" smtClean="0"/>
+              <a:rPr lang="en-US" sz="1200" dirty="0" smtClean="0">
+                <a:latin typeface="Segoe UI" panose="020B0502040204020203" pitchFamily="34" charset="0"/>
+                <a:cs typeface="Segoe UI" panose="020B0502040204020203" pitchFamily="34" charset="0"/>
+              </a:rPr>
               <a:t>Store the key-value pair in the hash table array via separate chaining</a:t>
             </a:r>
           </a:p>
           <a:p>
-            <a:endParaRPr lang="en-US" sz="1200" dirty="0"/>
-          </a:p>
-          <a:p>
-            <a:r>
-              <a:rPr lang="en-US" sz="1200" dirty="0" smtClean="0"/>
+            <a:endParaRPr lang="en-US" sz="1200" dirty="0">
+              <a:latin typeface="Segoe UI" panose="020B0502040204020203" pitchFamily="34" charset="0"/>
+              <a:cs typeface="Segoe UI" panose="020B0502040204020203" pitchFamily="34" charset="0"/>
+            </a:endParaRPr>
+          </a:p>
+          <a:p>
+            <a:r>
+              <a:rPr lang="en-US" sz="1200" dirty="0" smtClean="0">
+                <a:latin typeface="Segoe UI" panose="020B0502040204020203" pitchFamily="34" charset="0"/>
+                <a:cs typeface="Segoe UI" panose="020B0502040204020203" pitchFamily="34" charset="0"/>
+              </a:rPr>
               <a:t>Get</a:t>
             </a:r>
           </a:p>
@@ -19329,7 +21050,10 @@
               <a:buAutoNum type="arabicPeriod"/>
             </a:pPr>
             <a:r>
-              <a:rPr lang="en-US" sz="1200" dirty="0" smtClean="0"/>
+              <a:rPr lang="en-US" sz="1200" dirty="0" smtClean="0">
+                <a:latin typeface="Segoe UI" panose="020B0502040204020203" pitchFamily="34" charset="0"/>
+                <a:cs typeface="Segoe UI" panose="020B0502040204020203" pitchFamily="34" charset="0"/>
+              </a:rPr>
               <a:t>Accepts a key</a:t>
             </a:r>
           </a:p>
@@ -19339,7 +21063,10 @@
               <a:buAutoNum type="arabicPeriod"/>
             </a:pPr>
             <a:r>
-              <a:rPr lang="en-US" sz="1200" dirty="0" smtClean="0"/>
+              <a:rPr lang="en-US" sz="1200" dirty="0" smtClean="0">
+                <a:latin typeface="Segoe UI" panose="020B0502040204020203" pitchFamily="34" charset="0"/>
+                <a:cs typeface="Segoe UI" panose="020B0502040204020203" pitchFamily="34" charset="0"/>
+              </a:rPr>
               <a:t>Hashes the key</a:t>
             </a:r>
           </a:p>
@@ -19349,7 +21076,10 @@
               <a:buAutoNum type="arabicPeriod"/>
             </a:pPr>
             <a:r>
-              <a:rPr lang="en-US" sz="1200" dirty="0" smtClean="0"/>
+              <a:rPr lang="en-US" sz="1200" dirty="0" smtClean="0">
+                <a:latin typeface="Segoe UI" panose="020B0502040204020203" pitchFamily="34" charset="0"/>
+                <a:cs typeface="Segoe UI" panose="020B0502040204020203" pitchFamily="34" charset="0"/>
+              </a:rPr>
               <a:t>Retrieves the key-value pair in the hash table</a:t>
             </a:r>
           </a:p>
@@ -19359,10 +21089,16 @@
               <a:buAutoNum type="arabicPeriod"/>
             </a:pPr>
             <a:r>
-              <a:rPr lang="en-US" sz="1200" dirty="0" smtClean="0"/>
+              <a:rPr lang="en-US" sz="1200" dirty="0" smtClean="0">
+                <a:latin typeface="Segoe UI" panose="020B0502040204020203" pitchFamily="34" charset="0"/>
+                <a:cs typeface="Segoe UI" panose="020B0502040204020203" pitchFamily="34" charset="0"/>
+              </a:rPr>
               <a:t>If the key isn’t found return undefined</a:t>
             </a:r>
-            <a:endParaRPr lang="ru-RU" sz="1200" dirty="0"/>
+            <a:endParaRPr lang="ru-RU" sz="1200" dirty="0">
+              <a:latin typeface="Segoe UI" panose="020B0502040204020203" pitchFamily="34" charset="0"/>
+              <a:cs typeface="Segoe UI" panose="020B0502040204020203" pitchFamily="34" charset="0"/>
+            </a:endParaRPr>
           </a:p>
         </p:txBody>
       </p:sp>
@@ -19375,7 +21111,7 @@
         <p:spPr>
           <a:xfrm>
             <a:off x="6332508" y="2629113"/>
-            <a:ext cx="4644190" cy="2585323"/>
+            <a:ext cx="4644190" cy="2308324"/>
           </a:xfrm>
           <a:prstGeom prst="rect">
             <a:avLst/>
@@ -19393,6 +21129,8 @@
                 <a:solidFill>
                   <a:srgbClr val="00B050"/>
                 </a:solidFill>
+                <a:latin typeface="Segoe UI" panose="020B0502040204020203" pitchFamily="34" charset="0"/>
+                <a:cs typeface="Segoe UI" panose="020B0502040204020203" pitchFamily="34" charset="0"/>
               </a:rPr>
               <a:t>In short, if you have data that doesn’t use too many inserts or deletes, and access the items frequently out of order, use an array. If you need data that can be quickly inserted and deleted into and is accessed mostly in sequential order, use a linked list. If you need a fast traversal then a hash table with a good hash function will be a better choice.</a:t>
             </a:r>
@@ -19400,6 +21138,8 @@
               <a:solidFill>
                 <a:srgbClr val="00B050"/>
               </a:solidFill>
+              <a:latin typeface="Segoe UI" panose="020B0502040204020203" pitchFamily="34" charset="0"/>
+              <a:cs typeface="Segoe UI" panose="020B0502040204020203" pitchFamily="34" charset="0"/>
             </a:endParaRPr>
           </a:p>
         </p:txBody>
@@ -19427,31 +21167,46 @@
           <a:lstStyle/>
           <a:p>
             <a:r>
-              <a:rPr lang="en-US" dirty="0" smtClean="0"/>
+              <a:rPr lang="en-US" dirty="0" smtClean="0">
+                <a:latin typeface="Segoe UI" panose="020B0502040204020203" pitchFamily="34" charset="0"/>
+                <a:cs typeface="Segoe UI" panose="020B0502040204020203" pitchFamily="34" charset="0"/>
+              </a:rPr>
               <a:t>Methods</a:t>
             </a:r>
           </a:p>
           <a:p>
             <a:r>
-              <a:rPr lang="en-US" dirty="0" smtClean="0"/>
+              <a:rPr lang="en-US" dirty="0" smtClean="0">
+                <a:latin typeface="Segoe UI" panose="020B0502040204020203" pitchFamily="34" charset="0"/>
+                <a:cs typeface="Segoe UI" panose="020B0502040204020203" pitchFamily="34" charset="0"/>
+              </a:rPr>
               <a:t>1)Set</a:t>
             </a:r>
           </a:p>
           <a:p>
             <a:r>
-              <a:rPr lang="en-US" dirty="0" smtClean="0"/>
+              <a:rPr lang="en-US" dirty="0" smtClean="0">
+                <a:latin typeface="Segoe UI" panose="020B0502040204020203" pitchFamily="34" charset="0"/>
+                <a:cs typeface="Segoe UI" panose="020B0502040204020203" pitchFamily="34" charset="0"/>
+              </a:rPr>
               <a:t>2)Get</a:t>
             </a:r>
           </a:p>
           <a:p>
             <a:r>
-              <a:rPr lang="en-US" dirty="0" smtClean="0"/>
+              <a:rPr lang="en-US" dirty="0" smtClean="0">
+                <a:latin typeface="Segoe UI" panose="020B0502040204020203" pitchFamily="34" charset="0"/>
+                <a:cs typeface="Segoe UI" panose="020B0502040204020203" pitchFamily="34" charset="0"/>
+              </a:rPr>
               <a:t>3)Keyes</a:t>
             </a:r>
           </a:p>
           <a:p>
             <a:r>
-              <a:rPr lang="en-US" dirty="0" smtClean="0"/>
+              <a:rPr lang="en-US" dirty="0" smtClean="0">
+                <a:latin typeface="Segoe UI" panose="020B0502040204020203" pitchFamily="34" charset="0"/>
+                <a:cs typeface="Segoe UI" panose="020B0502040204020203" pitchFamily="34" charset="0"/>
+              </a:rPr>
               <a:t>4)Values</a:t>
             </a:r>
           </a:p>
@@ -19480,55 +21235,88 @@
           <a:lstStyle/>
           <a:p>
             <a:r>
-              <a:rPr lang="en-US" sz="1600" dirty="0" smtClean="0"/>
+              <a:rPr lang="en-US" sz="1600" dirty="0" smtClean="0">
+                <a:latin typeface="Segoe UI" panose="020B0502040204020203" pitchFamily="34" charset="0"/>
+                <a:cs typeface="Segoe UI" panose="020B0502040204020203" pitchFamily="34" charset="0"/>
+              </a:rPr>
               <a:t>Big o of hash tables</a:t>
             </a:r>
           </a:p>
           <a:p>
             <a:r>
-              <a:rPr lang="en-US" sz="1600" dirty="0" smtClean="0"/>
+              <a:rPr lang="en-US" sz="1600" dirty="0" smtClean="0">
+                <a:latin typeface="Segoe UI" panose="020B0502040204020203" pitchFamily="34" charset="0"/>
+                <a:cs typeface="Segoe UI" panose="020B0502040204020203" pitchFamily="34" charset="0"/>
+              </a:rPr>
               <a:t>Insert: O(1)</a:t>
             </a:r>
           </a:p>
           <a:p>
             <a:r>
-              <a:rPr lang="en-US" sz="1600" dirty="0" smtClean="0"/>
+              <a:rPr lang="en-US" sz="1600" dirty="0" smtClean="0">
+                <a:latin typeface="Segoe UI" panose="020B0502040204020203" pitchFamily="34" charset="0"/>
+                <a:cs typeface="Segoe UI" panose="020B0502040204020203" pitchFamily="34" charset="0"/>
+              </a:rPr>
               <a:t>Deletion: O(1)</a:t>
             </a:r>
           </a:p>
           <a:p>
             <a:r>
-              <a:rPr lang="en-US" sz="1600" dirty="0" smtClean="0"/>
+              <a:rPr lang="en-US" sz="1600" dirty="0" smtClean="0">
+                <a:latin typeface="Segoe UI" panose="020B0502040204020203" pitchFamily="34" charset="0"/>
+                <a:cs typeface="Segoe UI" panose="020B0502040204020203" pitchFamily="34" charset="0"/>
+              </a:rPr>
               <a:t>Access: O(1)</a:t>
             </a:r>
           </a:p>
           <a:p>
             <a:r>
-              <a:rPr lang="en-US" sz="1600" dirty="0" smtClean="0"/>
+              <a:rPr lang="en-US" sz="1600" dirty="0" smtClean="0">
+                <a:latin typeface="Segoe UI" panose="020B0502040204020203" pitchFamily="34" charset="0"/>
+                <a:cs typeface="Segoe UI" panose="020B0502040204020203" pitchFamily="34" charset="0"/>
+              </a:rPr>
               <a:t>Only with good hash function and O(n) for bad hash function</a:t>
             </a:r>
           </a:p>
           <a:p>
-            <a:endParaRPr lang="en-US" sz="1600" dirty="0" smtClean="0"/>
-          </a:p>
-          <a:p>
-            <a:r>
-              <a:rPr lang="en-US" sz="1600" dirty="0" smtClean="0"/>
+            <a:endParaRPr lang="en-US" sz="1600" dirty="0" smtClean="0">
+              <a:latin typeface="Segoe UI" panose="020B0502040204020203" pitchFamily="34" charset="0"/>
+              <a:cs typeface="Segoe UI" panose="020B0502040204020203" pitchFamily="34" charset="0"/>
+            </a:endParaRPr>
+          </a:p>
+          <a:p>
+            <a:r>
+              <a:rPr lang="en-US" sz="1600" dirty="0" smtClean="0">
+                <a:latin typeface="Segoe UI" panose="020B0502040204020203" pitchFamily="34" charset="0"/>
+                <a:cs typeface="Segoe UI" panose="020B0502040204020203" pitchFamily="34" charset="0"/>
+              </a:rPr>
               <a:t>Why we don’t use hash tables instead of arrays or linked list if there is so fast? </a:t>
             </a:r>
             <a:r>
-              <a:rPr lang="en-US" sz="1600" dirty="0"/>
+              <a:rPr lang="en-US" sz="1600" dirty="0">
+                <a:latin typeface="Segoe UI" panose="020B0502040204020203" pitchFamily="34" charset="0"/>
+                <a:cs typeface="Segoe UI" panose="020B0502040204020203" pitchFamily="34" charset="0"/>
+              </a:rPr>
               <a:t>I</a:t>
             </a:r>
             <a:r>
-              <a:rPr lang="en-US" sz="1600" dirty="0" smtClean="0"/>
+              <a:rPr lang="en-US" sz="1600" dirty="0" smtClean="0">
+                <a:latin typeface="Segoe UI" panose="020B0502040204020203" pitchFamily="34" charset="0"/>
+                <a:cs typeface="Segoe UI" panose="020B0502040204020203" pitchFamily="34" charset="0"/>
+              </a:rPr>
               <a:t>t </a:t>
             </a:r>
             <a:r>
-              <a:rPr lang="en-US" sz="1600" dirty="0"/>
+              <a:rPr lang="en-US" sz="1600" dirty="0">
+                <a:latin typeface="Segoe UI" panose="020B0502040204020203" pitchFamily="34" charset="0"/>
+                <a:cs typeface="Segoe UI" panose="020B0502040204020203" pitchFamily="34" charset="0"/>
+              </a:rPr>
               <a:t>doesn’t store its elements in any particular order</a:t>
             </a:r>
-            <a:endParaRPr lang="ru-RU" sz="1600" dirty="0"/>
+            <a:endParaRPr lang="ru-RU" sz="1600" dirty="0">
+              <a:latin typeface="Segoe UI" panose="020B0502040204020203" pitchFamily="34" charset="0"/>
+              <a:cs typeface="Segoe UI" panose="020B0502040204020203" pitchFamily="34" charset="0"/>
+            </a:endParaRPr>
           </a:p>
         </p:txBody>
       </p:sp>
@@ -19578,10 +21366,16 @@
           <a:lstStyle/>
           <a:p>
             <a:r>
-              <a:rPr lang="en-US" b="1" dirty="0"/>
+              <a:rPr lang="en-US" b="1" dirty="0">
+                <a:latin typeface="Segoe UI" panose="020B0502040204020203" pitchFamily="34" charset="0"/>
+                <a:cs typeface="Segoe UI" panose="020B0502040204020203" pitchFamily="34" charset="0"/>
+              </a:rPr>
               <a:t>Graphs</a:t>
             </a:r>
-            <a:endParaRPr lang="en-US" dirty="0"/>
+            <a:endParaRPr lang="en-US" dirty="0">
+              <a:latin typeface="Segoe UI" panose="020B0502040204020203" pitchFamily="34" charset="0"/>
+              <a:cs typeface="Segoe UI" panose="020B0502040204020203" pitchFamily="34" charset="0"/>
+            </a:endParaRPr>
           </a:p>
         </p:txBody>
       </p:sp>
@@ -19601,31 +21395,55 @@
           <a:lstStyle/>
           <a:p>
             <a:r>
-              <a:rPr lang="ru-RU" dirty="0"/>
+              <a:rPr lang="ru-RU" dirty="0">
+                <a:latin typeface="Segoe UI" panose="020B0502040204020203" pitchFamily="34" charset="0"/>
+                <a:cs typeface="Segoe UI" panose="020B0502040204020203" pitchFamily="34" charset="0"/>
+              </a:rPr>
               <a:t>Задача о семи </a:t>
             </a:r>
             <a:r>
-              <a:rPr lang="ru-RU" dirty="0" smtClean="0"/>
+              <a:rPr lang="ru-RU" dirty="0" smtClean="0">
+                <a:latin typeface="Segoe UI" panose="020B0502040204020203" pitchFamily="34" charset="0"/>
+                <a:cs typeface="Segoe UI" panose="020B0502040204020203" pitchFamily="34" charset="0"/>
+              </a:rPr>
               <a:t>мостах</a:t>
             </a:r>
-            <a:endParaRPr lang="en-US" dirty="0" smtClean="0"/>
-          </a:p>
-          <a:p>
-            <a:endParaRPr lang="en-US" dirty="0"/>
-          </a:p>
-          <a:p>
-            <a:r>
-              <a:rPr lang="en-US" dirty="0" smtClean="0"/>
+            <a:endParaRPr lang="en-US" dirty="0" smtClean="0">
+              <a:latin typeface="Segoe UI" panose="020B0502040204020203" pitchFamily="34" charset="0"/>
+              <a:cs typeface="Segoe UI" panose="020B0502040204020203" pitchFamily="34" charset="0"/>
+            </a:endParaRPr>
+          </a:p>
+          <a:p>
+            <a:endParaRPr lang="en-US" dirty="0">
+              <a:latin typeface="Segoe UI" panose="020B0502040204020203" pitchFamily="34" charset="0"/>
+              <a:cs typeface="Segoe UI" panose="020B0502040204020203" pitchFamily="34" charset="0"/>
+            </a:endParaRPr>
+          </a:p>
+          <a:p>
+            <a:r>
+              <a:rPr lang="en-US" dirty="0" smtClean="0">
+                <a:latin typeface="Segoe UI" panose="020B0502040204020203" pitchFamily="34" charset="0"/>
+                <a:cs typeface="Segoe UI" panose="020B0502040204020203" pitchFamily="34" charset="0"/>
+              </a:rPr>
               <a:t>Dracula for </a:t>
             </a:r>
             <a:r>
-              <a:rPr lang="en-US" smtClean="0"/>
+              <a:rPr lang="en-US" smtClean="0">
+                <a:latin typeface="Segoe UI" panose="020B0502040204020203" pitchFamily="34" charset="0"/>
+                <a:cs typeface="Segoe UI" panose="020B0502040204020203" pitchFamily="34" charset="0"/>
+              </a:rPr>
               <a:t>graph visualization</a:t>
             </a:r>
-            <a:endParaRPr lang="ru-RU" dirty="0"/>
-          </a:p>
-          <a:p>
-            <a:endParaRPr lang="en-US" dirty="0"/>
+            <a:endParaRPr lang="ru-RU" dirty="0">
+              <a:latin typeface="Segoe UI" panose="020B0502040204020203" pitchFamily="34" charset="0"/>
+              <a:cs typeface="Segoe UI" panose="020B0502040204020203" pitchFamily="34" charset="0"/>
+            </a:endParaRPr>
+          </a:p>
+          <a:p>
+            <a:endParaRPr lang="en-US" dirty="0">
+              <a:latin typeface="Segoe UI" panose="020B0502040204020203" pitchFamily="34" charset="0"/>
+              <a:cs typeface="Segoe UI" panose="020B0502040204020203" pitchFamily="34" charset="0"/>
+            </a:endParaRPr>
           </a:p>
         </p:txBody>
       </p:sp>
@@ -19675,10 +21493,16 @@
           <a:lstStyle/>
           <a:p>
             <a:r>
-              <a:rPr lang="en-US" b="1" dirty="0" smtClean="0"/>
+              <a:rPr lang="en-US" b="1" dirty="0" smtClean="0">
+                <a:latin typeface="Segoe UI" panose="020B0502040204020203" pitchFamily="34" charset="0"/>
+                <a:cs typeface="Segoe UI" panose="020B0502040204020203" pitchFamily="34" charset="0"/>
+              </a:rPr>
               <a:t>notes</a:t>
             </a:r>
-            <a:endParaRPr lang="en-US" dirty="0"/>
+            <a:endParaRPr lang="en-US" dirty="0">
+              <a:latin typeface="Segoe UI" panose="020B0502040204020203" pitchFamily="34" charset="0"/>
+              <a:cs typeface="Segoe UI" panose="020B0502040204020203" pitchFamily="34" charset="0"/>
+            </a:endParaRPr>
           </a:p>
         </p:txBody>
       </p:sp>
@@ -19698,7 +21522,10 @@
           <a:lstStyle/>
           <a:p>
             <a:r>
-              <a:rPr lang="en-US" dirty="0" smtClean="0"/>
+              <a:rPr lang="en-US" dirty="0" smtClean="0">
+                <a:latin typeface="Segoe UI" panose="020B0502040204020203" pitchFamily="34" charset="0"/>
+                <a:cs typeface="Segoe UI" panose="020B0502040204020203" pitchFamily="34" charset="0"/>
+              </a:rPr>
               <a:t>Open all depends</a:t>
             </a:r>
           </a:p>
@@ -19708,6 +21535,8 @@
                 <a:solidFill>
                   <a:srgbClr val="FF0000"/>
                 </a:solidFill>
+                <a:latin typeface="Segoe UI" panose="020B0502040204020203" pitchFamily="34" charset="0"/>
+                <a:cs typeface="Segoe UI" panose="020B0502040204020203" pitchFamily="34" charset="0"/>
               </a:rPr>
               <a:t>Kapy</a:t>
             </a:r>
@@ -19716,6 +21545,8 @@
                 <a:solidFill>
                   <a:srgbClr val="FF0000"/>
                 </a:solidFill>
+                <a:latin typeface="Segoe UI" panose="020B0502040204020203" pitchFamily="34" charset="0"/>
+                <a:cs typeface="Segoe UI" panose="020B0502040204020203" pitchFamily="34" charset="0"/>
               </a:rPr>
               <a:t> </a:t>
             </a:r>
@@ -19724,6 +21555,8 @@
                 <a:solidFill>
                   <a:srgbClr val="FF0000"/>
                 </a:solidFill>
+                <a:latin typeface="Segoe UI" panose="020B0502040204020203" pitchFamily="34" charset="0"/>
+                <a:cs typeface="Segoe UI" panose="020B0502040204020203" pitchFamily="34" charset="0"/>
               </a:rPr>
               <a:t>algoneri</a:t>
             </a:r>
@@ -19732,6 +21565,8 @@
                 <a:solidFill>
                   <a:srgbClr val="FF0000"/>
                 </a:solidFill>
+                <a:latin typeface="Segoe UI" panose="020B0502040204020203" pitchFamily="34" charset="0"/>
+                <a:cs typeface="Segoe UI" panose="020B0502040204020203" pitchFamily="34" charset="0"/>
               </a:rPr>
               <a:t> u ds </a:t>
             </a:r>
@@ -19740,6 +21575,8 @@
                 <a:solidFill>
                   <a:srgbClr val="FF0000"/>
                 </a:solidFill>
+                <a:latin typeface="Segoe UI" panose="020B0502040204020203" pitchFamily="34" charset="0"/>
+                <a:cs typeface="Segoe UI" panose="020B0502040204020203" pitchFamily="34" charset="0"/>
               </a:rPr>
               <a:t>neri</a:t>
             </a:r>
@@ -19748,6 +21585,8 @@
                 <a:solidFill>
                   <a:srgbClr val="FF0000"/>
                 </a:solidFill>
+                <a:latin typeface="Segoe UI" panose="020B0502040204020203" pitchFamily="34" charset="0"/>
+                <a:cs typeface="Segoe UI" panose="020B0502040204020203" pitchFamily="34" charset="0"/>
               </a:rPr>
               <a:t> </a:t>
             </a:r>
@@ -19756,6 +21595,8 @@
                 <a:solidFill>
                   <a:srgbClr val="FF0000"/>
                 </a:solidFill>
+                <a:latin typeface="Segoe UI" panose="020B0502040204020203" pitchFamily="34" charset="0"/>
+                <a:cs typeface="Segoe UI" panose="020B0502040204020203" pitchFamily="34" charset="0"/>
               </a:rPr>
               <a:t>mej</a:t>
             </a:r>
@@ -19763,10 +21604,15 @@
               <a:solidFill>
                 <a:srgbClr val="FF0000"/>
               </a:solidFill>
+              <a:latin typeface="Segoe UI" panose="020B0502040204020203" pitchFamily="34" charset="0"/>
+              <a:cs typeface="Segoe UI" panose="020B0502040204020203" pitchFamily="34" charset="0"/>
             </a:endParaRPr>
           </a:p>
           <a:p>
-            <a:endParaRPr lang="en-US" dirty="0"/>
+            <a:endParaRPr lang="en-US" dirty="0">
+              <a:latin typeface="Segoe UI" panose="020B0502040204020203" pitchFamily="34" charset="0"/>
+              <a:cs typeface="Segoe UI" panose="020B0502040204020203" pitchFamily="34" charset="0"/>
+            </a:endParaRPr>
           </a:p>
         </p:txBody>
       </p:sp>
@@ -19826,14 +21672,26 @@
           <a:lstStyle/>
           <a:p>
             <a:r>
-              <a:rPr lang="en-US" dirty="0" smtClean="0"/>
+              <a:rPr lang="en-US" dirty="0" smtClean="0">
+                <a:latin typeface="Nirmala UI" panose="020B0502040204020203" pitchFamily="34" charset="0"/>
+                <a:ea typeface="Nirmala UI" panose="020B0502040204020203" pitchFamily="34" charset="0"/>
+                <a:cs typeface="Nirmala UI" panose="020B0502040204020203" pitchFamily="34" charset="0"/>
+              </a:rPr>
               <a:t>Algorithms </a:t>
             </a:r>
             <a:r>
-              <a:rPr lang="ru-RU" dirty="0"/>
+              <a:rPr lang="ru-RU" dirty="0">
+                <a:latin typeface="Segoe UI" panose="020B0502040204020203" pitchFamily="34" charset="0"/>
+                <a:ea typeface="Nirmala UI" panose="020B0502040204020203" pitchFamily="34" charset="0"/>
+                <a:cs typeface="Segoe UI" panose="020B0502040204020203" pitchFamily="34" charset="0"/>
+              </a:rPr>
               <a:t>efficiency</a:t>
             </a:r>
-            <a:endParaRPr dirty="0"/>
+            <a:endParaRPr dirty="0">
+              <a:latin typeface="Segoe UI" panose="020B0502040204020203" pitchFamily="34" charset="0"/>
+              <a:ea typeface="Nirmala UI" panose="020B0502040204020203" pitchFamily="34" charset="0"/>
+              <a:cs typeface="Segoe UI" panose="020B0502040204020203" pitchFamily="34" charset="0"/>
+            </a:endParaRPr>
           </a:p>
         </p:txBody>
       </p:sp>
@@ -19873,15 +21731,27 @@
               <a:buNone/>
             </a:pPr>
             <a:r>
-              <a:rPr lang="ru-RU" sz="1600" dirty="0" smtClean="0"/>
+              <a:rPr lang="ru-RU" sz="1600" dirty="0" smtClean="0">
+                <a:latin typeface="Segoe UI" panose="020B0502040204020203" pitchFamily="34" charset="0"/>
+                <a:ea typeface="Nirmala UI" panose="020B0502040204020203" pitchFamily="34" charset="0"/>
+                <a:cs typeface="Segoe UI" panose="020B0502040204020203" pitchFamily="34" charset="0"/>
+              </a:rPr>
               <a:t>One </a:t>
             </a:r>
             <a:r>
-              <a:rPr lang="ru-RU" sz="1600" dirty="0"/>
+              <a:rPr lang="ru-RU" sz="1600" dirty="0">
+                <a:latin typeface="Segoe UI" panose="020B0502040204020203" pitchFamily="34" charset="0"/>
+                <a:ea typeface="Nirmala UI" panose="020B0502040204020203" pitchFamily="34" charset="0"/>
+                <a:cs typeface="Segoe UI" panose="020B0502040204020203" pitchFamily="34" charset="0"/>
+              </a:rPr>
               <a:t>of the most important aspects of algorithm design is resource (run-time, memory usage) </a:t>
             </a:r>
             <a:r>
-              <a:rPr lang="ru-RU" sz="1600" dirty="0" smtClean="0"/>
+              <a:rPr lang="ru-RU" sz="1600" dirty="0" smtClean="0">
+                <a:latin typeface="Segoe UI" panose="020B0502040204020203" pitchFamily="34" charset="0"/>
+                <a:ea typeface="Nirmala UI" panose="020B0502040204020203" pitchFamily="34" charset="0"/>
+                <a:cs typeface="Segoe UI" panose="020B0502040204020203" pitchFamily="34" charset="0"/>
+              </a:rPr>
               <a:t>efficiency</a:t>
             </a:r>
           </a:p>
@@ -19897,7 +21767,11 @@
               <a:buNone/>
             </a:pPr>
             <a:r>
-              <a:rPr lang="en-US" sz="1600" dirty="0" smtClean="0"/>
+              <a:rPr lang="en-US" sz="1600" dirty="0" smtClean="0">
+                <a:latin typeface="Segoe UI" panose="020B0502040204020203" pitchFamily="34" charset="0"/>
+                <a:ea typeface="Nirmala UI" panose="020B0502040204020203" pitchFamily="34" charset="0"/>
+                <a:cs typeface="Segoe UI" panose="020B0502040204020203" pitchFamily="34" charset="0"/>
+              </a:rPr>
               <a:t>Imagine how much implementations we have of the same function, how know witch one of them is best?</a:t>
             </a:r>
           </a:p>
@@ -19913,15 +21787,27 @@
               <a:buNone/>
             </a:pPr>
             <a:r>
-              <a:rPr lang="en-US" sz="1600" dirty="0" smtClean="0"/>
+              <a:rPr lang="en-US" sz="1600" dirty="0" smtClean="0">
+                <a:latin typeface="Segoe UI" panose="020B0502040204020203" pitchFamily="34" charset="0"/>
+                <a:ea typeface="Nirmala UI" panose="020B0502040204020203" pitchFamily="34" charset="0"/>
+                <a:cs typeface="Segoe UI" panose="020B0502040204020203" pitchFamily="34" charset="0"/>
+              </a:rPr>
               <a:t>Need </a:t>
             </a:r>
             <a:r>
-              <a:rPr lang="en-US" sz="1600" dirty="0"/>
+              <a:rPr lang="en-US" sz="1600" dirty="0">
+                <a:latin typeface="Segoe UI" panose="020B0502040204020203" pitchFamily="34" charset="0"/>
+                <a:ea typeface="Nirmala UI" panose="020B0502040204020203" pitchFamily="34" charset="0"/>
+                <a:cs typeface="Segoe UI" panose="020B0502040204020203" pitchFamily="34" charset="0"/>
+              </a:rPr>
               <a:t>numeric presentation of </a:t>
             </a:r>
             <a:r>
-              <a:rPr lang="en-US" sz="1600" dirty="0" smtClean="0"/>
+              <a:rPr lang="en-US" sz="1600" dirty="0" smtClean="0">
+                <a:latin typeface="Segoe UI" panose="020B0502040204020203" pitchFamily="34" charset="0"/>
+                <a:ea typeface="Nirmala UI" panose="020B0502040204020203" pitchFamily="34" charset="0"/>
+                <a:cs typeface="Segoe UI" panose="020B0502040204020203" pitchFamily="34" charset="0"/>
+              </a:rPr>
               <a:t>that. </a:t>
             </a:r>
             <a:r>
@@ -19929,6 +21815,9 @@
                 <a:solidFill>
                   <a:schemeClr val="accent6"/>
                 </a:solidFill>
+                <a:latin typeface="Segoe UI" panose="020B0502040204020203" pitchFamily="34" charset="0"/>
+                <a:ea typeface="Nirmala UI" panose="020B0502040204020203" pitchFamily="34" charset="0"/>
+                <a:cs typeface="Segoe UI" panose="020B0502040204020203" pitchFamily="34" charset="0"/>
               </a:rPr>
               <a:t>Sometime </a:t>
             </a:r>
@@ -19937,6 +21826,9 @@
                 <a:solidFill>
                   <a:schemeClr val="accent6"/>
                 </a:solidFill>
+                <a:latin typeface="Segoe UI" panose="020B0502040204020203" pitchFamily="34" charset="0"/>
+                <a:ea typeface="Nirmala UI" panose="020B0502040204020203" pitchFamily="34" charset="0"/>
+                <a:cs typeface="Segoe UI" panose="020B0502040204020203" pitchFamily="34" charset="0"/>
               </a:rPr>
               <a:t>best solution is that, what working</a:t>
             </a:r>
@@ -19952,7 +21844,11 @@
               <a:buSzPts val="1100"/>
               <a:buNone/>
             </a:pPr>
-            <a:endParaRPr lang="en-US" sz="1600" dirty="0"/>
+            <a:endParaRPr lang="en-US" sz="1600" dirty="0">
+              <a:latin typeface="Segoe UI" panose="020B0502040204020203" pitchFamily="34" charset="0"/>
+              <a:ea typeface="Nirmala UI" panose="020B0502040204020203" pitchFamily="34" charset="0"/>
+              <a:cs typeface="Segoe UI" panose="020B0502040204020203" pitchFamily="34" charset="0"/>
+            </a:endParaRPr>
           </a:p>
         </p:txBody>
       </p:sp>
@@ -19982,11 +21878,19 @@
           <a:lstStyle/>
           <a:p>
             <a:fld id="{00000000-1234-1234-1234-123412341234}" type="slidenum">
-              <a:rPr lang="en"/>
+              <a:rPr lang="en">
+                <a:latin typeface="Nirmala UI" panose="020B0502040204020203" pitchFamily="34" charset="0"/>
+                <a:ea typeface="Nirmala UI" panose="020B0502040204020203" pitchFamily="34" charset="0"/>
+                <a:cs typeface="Nirmala UI" panose="020B0502040204020203" pitchFamily="34" charset="0"/>
+              </a:rPr>
               <a:pPr/>
               <a:t>3</a:t>
             </a:fld>
-            <a:endParaRPr/>
+            <a:endParaRPr>
+              <a:latin typeface="Nirmala UI" panose="020B0502040204020203" pitchFamily="34" charset="0"/>
+              <a:ea typeface="Nirmala UI" panose="020B0502040204020203" pitchFamily="34" charset="0"/>
+              <a:cs typeface="Nirmala UI" panose="020B0502040204020203" pitchFamily="34" charset="0"/>
+            </a:endParaRPr>
           </a:p>
         </p:txBody>
       </p:sp>
@@ -19999,7 +21903,7 @@
           <p:nvPr>
             <p:extLst>
               <p:ext uri="{D42A27DB-BD31-4B8C-83A1-F6EECF244321}">
-                <p14:modId xmlns:p14="http://schemas.microsoft.com/office/powerpoint/2010/main" val="2406487936"/>
+                <p14:modId xmlns:p14="http://schemas.microsoft.com/office/powerpoint/2010/main" val="2799390485"/>
               </p:ext>
             </p:extLst>
           </p:nvPr>
@@ -21009,7 +22913,11 @@
                 </a:spcAft>
                 <a:buNone/>
               </a:pPr>
-              <a:endParaRPr/>
+              <a:endParaRPr>
+                <a:latin typeface="Nirmala UI" panose="020B0502040204020203" pitchFamily="34" charset="0"/>
+                <a:ea typeface="Nirmala UI" panose="020B0502040204020203" pitchFamily="34" charset="0"/>
+                <a:cs typeface="Nirmala UI" panose="020B0502040204020203" pitchFamily="34" charset="0"/>
+              </a:endParaRPr>
             </a:p>
           </p:txBody>
         </p:sp>
@@ -21158,7 +23066,11 @@
                 </a:spcAft>
                 <a:buNone/>
               </a:pPr>
-              <a:endParaRPr/>
+              <a:endParaRPr>
+                <a:latin typeface="Nirmala UI" panose="020B0502040204020203" pitchFamily="34" charset="0"/>
+                <a:ea typeface="Nirmala UI" panose="020B0502040204020203" pitchFamily="34" charset="0"/>
+                <a:cs typeface="Nirmala UI" panose="020B0502040204020203" pitchFamily="34" charset="0"/>
+              </a:endParaRPr>
             </a:p>
           </p:txBody>
         </p:sp>
@@ -21313,7 +23225,11 @@
                 </a:spcAft>
                 <a:buNone/>
               </a:pPr>
-              <a:endParaRPr/>
+              <a:endParaRPr>
+                <a:latin typeface="Nirmala UI" panose="020B0502040204020203" pitchFamily="34" charset="0"/>
+                <a:ea typeface="Nirmala UI" panose="020B0502040204020203" pitchFamily="34" charset="0"/>
+                <a:cs typeface="Nirmala UI" panose="020B0502040204020203" pitchFamily="34" charset="0"/>
+              </a:endParaRPr>
             </a:p>
           </p:txBody>
         </p:sp>
@@ -21468,7 +23384,11 @@
                 </a:spcAft>
                 <a:buNone/>
               </a:pPr>
-              <a:endParaRPr/>
+              <a:endParaRPr>
+                <a:latin typeface="Nirmala UI" panose="020B0502040204020203" pitchFamily="34" charset="0"/>
+                <a:ea typeface="Nirmala UI" panose="020B0502040204020203" pitchFamily="34" charset="0"/>
+                <a:cs typeface="Nirmala UI" panose="020B0502040204020203" pitchFamily="34" charset="0"/>
+              </a:endParaRPr>
             </a:p>
           </p:txBody>
         </p:sp>
@@ -21537,11 +23457,17 @@
           <a:p>
             <a:pPr marL="342900" indent="-342900"/>
             <a:r>
-              <a:rPr lang="en-US" dirty="0" smtClean="0"/>
+              <a:rPr lang="en-US" dirty="0" smtClean="0">
+                <a:latin typeface="Segoe UI" panose="020B0502040204020203" pitchFamily="34" charset="0"/>
+                <a:cs typeface="Segoe UI" panose="020B0502040204020203" pitchFamily="34" charset="0"/>
+              </a:rPr>
               <a:t>Imagine </a:t>
             </a:r>
             <a:r>
-              <a:rPr lang="en-US" dirty="0"/>
+              <a:rPr lang="en-US" dirty="0">
+                <a:latin typeface="Segoe UI" panose="020B0502040204020203" pitchFamily="34" charset="0"/>
+                <a:cs typeface="Segoe UI" panose="020B0502040204020203" pitchFamily="34" charset="0"/>
+              </a:rPr>
               <a:t>spaceship problem</a:t>
             </a:r>
           </a:p>
@@ -21554,7 +23480,7 @@
           <p:nvPr>
             <p:extLst>
               <p:ext uri="{D42A27DB-BD31-4B8C-83A1-F6EECF244321}">
-                <p14:modId xmlns:p14="http://schemas.microsoft.com/office/powerpoint/2010/main" val="97366399"/>
+                <p14:modId xmlns:p14="http://schemas.microsoft.com/office/powerpoint/2010/main" val="4092108054"/>
               </p:ext>
             </p:extLst>
           </p:nvPr>
@@ -21607,13 +23533,13 @@
                         </a:spcAft>
                         <a:buNone/>
                       </a:pPr>
-                      <a:endParaRPr sz="2500">
+                      <a:endParaRPr sz="2500" dirty="0">
                         <a:solidFill>
                           <a:schemeClr val="dk2"/>
                         </a:solidFill>
-                        <a:latin typeface="Red Hat Text"/>
+                        <a:latin typeface="Segoe UI" panose="020B0502040204020203" pitchFamily="34" charset="0"/>
                         <a:ea typeface="Red Hat Text"/>
-                        <a:cs typeface="Red Hat Text"/>
+                        <a:cs typeface="Segoe UI" panose="020B0502040204020203" pitchFamily="34" charset="0"/>
                         <a:sym typeface="Red Hat Text"/>
                       </a:endParaRPr>
                     </a:p>
@@ -21678,9 +23604,9 @@
                           <a:solidFill>
                             <a:schemeClr val="dk2"/>
                           </a:solidFill>
-                          <a:latin typeface="Red Hat Text"/>
+                          <a:latin typeface="Segoe UI" panose="020B0502040204020203" pitchFamily="34" charset="0"/>
                           <a:ea typeface="Red Hat Text"/>
-                          <a:cs typeface="Red Hat Text"/>
+                          <a:cs typeface="Segoe UI" panose="020B0502040204020203" pitchFamily="34" charset="0"/>
                           <a:sym typeface="Red Hat Text"/>
                         </a:rPr>
                         <a:t>Simple search</a:t>
@@ -21689,9 +23615,9 @@
                         <a:solidFill>
                           <a:schemeClr val="dk2"/>
                         </a:solidFill>
-                        <a:latin typeface="Red Hat Text"/>
+                        <a:latin typeface="Segoe UI" panose="020B0502040204020203" pitchFamily="34" charset="0"/>
                         <a:ea typeface="Red Hat Text"/>
-                        <a:cs typeface="Red Hat Text"/>
+                        <a:cs typeface="Segoe UI" panose="020B0502040204020203" pitchFamily="34" charset="0"/>
                         <a:sym typeface="Red Hat Text"/>
                       </a:endParaRPr>
                     </a:p>
@@ -21756,9 +23682,9 @@
                           <a:solidFill>
                             <a:schemeClr val="dk2"/>
                           </a:solidFill>
-                          <a:latin typeface="Red Hat Text"/>
+                          <a:latin typeface="Segoe UI" panose="020B0502040204020203" pitchFamily="34" charset="0"/>
                           <a:ea typeface="Red Hat Text"/>
-                          <a:cs typeface="Red Hat Text"/>
+                          <a:cs typeface="Segoe UI" panose="020B0502040204020203" pitchFamily="34" charset="0"/>
                           <a:sym typeface="Red Hat Text"/>
                         </a:rPr>
                         <a:t>Binary search</a:t>
@@ -21767,9 +23693,9 @@
                         <a:solidFill>
                           <a:schemeClr val="dk2"/>
                         </a:solidFill>
-                        <a:latin typeface="Red Hat Text"/>
+                        <a:latin typeface="Segoe UI" panose="020B0502040204020203" pitchFamily="34" charset="0"/>
                         <a:ea typeface="Red Hat Text"/>
-                        <a:cs typeface="Red Hat Text"/>
+                        <a:cs typeface="Segoe UI" panose="020B0502040204020203" pitchFamily="34" charset="0"/>
                         <a:sym typeface="Red Hat Text"/>
                       </a:endParaRPr>
                     </a:p>
@@ -21841,9 +23767,9 @@
                           <a:solidFill>
                             <a:schemeClr val="dk2"/>
                           </a:solidFill>
-                          <a:latin typeface="Red Hat Text"/>
+                          <a:latin typeface="Segoe UI" panose="020B0502040204020203" pitchFamily="34" charset="0"/>
                           <a:ea typeface="Red Hat Text"/>
-                          <a:cs typeface="Red Hat Text"/>
+                          <a:cs typeface="Segoe UI" panose="020B0502040204020203" pitchFamily="34" charset="0"/>
                           <a:sym typeface="Red Hat Text"/>
                         </a:rPr>
                         <a:t>100 elements</a:t>
@@ -21852,9 +23778,9 @@
                         <a:solidFill>
                           <a:schemeClr val="dk2"/>
                         </a:solidFill>
-                        <a:latin typeface="Red Hat Text"/>
+                        <a:latin typeface="Segoe UI" panose="020B0502040204020203" pitchFamily="34" charset="0"/>
                         <a:ea typeface="Red Hat Text"/>
-                        <a:cs typeface="Red Hat Text"/>
+                        <a:cs typeface="Segoe UI" panose="020B0502040204020203" pitchFamily="34" charset="0"/>
                         <a:sym typeface="Red Hat Text"/>
                       </a:endParaRPr>
                     </a:p>
@@ -21924,9 +23850,9 @@
                           <a:solidFill>
                             <a:schemeClr val="dk2"/>
                           </a:solidFill>
-                          <a:latin typeface="Red Hat Text"/>
+                          <a:latin typeface="Segoe UI" panose="020B0502040204020203" pitchFamily="34" charset="0"/>
                           <a:ea typeface="Red Hat Text"/>
-                          <a:cs typeface="Red Hat Text"/>
+                          <a:cs typeface="Segoe UI" panose="020B0502040204020203" pitchFamily="34" charset="0"/>
                           <a:sym typeface="Red Hat Text"/>
                         </a:rPr>
                         <a:t>100ms</a:t>
@@ -21935,9 +23861,9 @@
                         <a:solidFill>
                           <a:schemeClr val="dk2"/>
                         </a:solidFill>
-                        <a:latin typeface="Red Hat Text"/>
+                        <a:latin typeface="Segoe UI" panose="020B0502040204020203" pitchFamily="34" charset="0"/>
                         <a:ea typeface="Red Hat Text"/>
-                        <a:cs typeface="Red Hat Text"/>
+                        <a:cs typeface="Segoe UI" panose="020B0502040204020203" pitchFamily="34" charset="0"/>
                         <a:sym typeface="Red Hat Text"/>
                       </a:endParaRPr>
                     </a:p>
@@ -22007,9 +23933,9 @@
                           <a:solidFill>
                             <a:schemeClr val="dk2"/>
                           </a:solidFill>
-                          <a:latin typeface="Red Hat Text"/>
+                          <a:latin typeface="Segoe UI" panose="020B0502040204020203" pitchFamily="34" charset="0"/>
                           <a:ea typeface="Red Hat Text"/>
-                          <a:cs typeface="Red Hat Text"/>
+                          <a:cs typeface="Segoe UI" panose="020B0502040204020203" pitchFamily="34" charset="0"/>
                           <a:sym typeface="Red Hat Text"/>
                         </a:rPr>
                         <a:t>7ms</a:t>
@@ -22018,9 +23944,9 @@
                         <a:solidFill>
                           <a:schemeClr val="dk2"/>
                         </a:solidFill>
-                        <a:latin typeface="Red Hat Text"/>
+                        <a:latin typeface="Segoe UI" panose="020B0502040204020203" pitchFamily="34" charset="0"/>
                         <a:ea typeface="Red Hat Text"/>
-                        <a:cs typeface="Red Hat Text"/>
+                        <a:cs typeface="Segoe UI" panose="020B0502040204020203" pitchFamily="34" charset="0"/>
                         <a:sym typeface="Red Hat Text"/>
                       </a:endParaRPr>
                     </a:p>
@@ -22097,9 +24023,9 @@
                           <a:solidFill>
                             <a:schemeClr val="dk2"/>
                           </a:solidFill>
-                          <a:latin typeface="Red Hat Text"/>
+                          <a:latin typeface="Segoe UI" panose="020B0502040204020203" pitchFamily="34" charset="0"/>
                           <a:ea typeface="Red Hat Text"/>
-                          <a:cs typeface="Red Hat Text"/>
+                          <a:cs typeface="Segoe UI" panose="020B0502040204020203" pitchFamily="34" charset="0"/>
                           <a:sym typeface="Red Hat Text"/>
                         </a:rPr>
                         <a:t>1 000</a:t>
@@ -22109,9 +24035,9 @@
                           <a:solidFill>
                             <a:schemeClr val="dk2"/>
                           </a:solidFill>
-                          <a:latin typeface="Red Hat Text"/>
+                          <a:latin typeface="Segoe UI" panose="020B0502040204020203" pitchFamily="34" charset="0"/>
                           <a:ea typeface="Red Hat Text"/>
-                          <a:cs typeface="Red Hat Text"/>
+                          <a:cs typeface="Segoe UI" panose="020B0502040204020203" pitchFamily="34" charset="0"/>
                           <a:sym typeface="Red Hat Text"/>
                         </a:rPr>
                         <a:t> elements</a:t>
@@ -22120,9 +24046,9 @@
                         <a:solidFill>
                           <a:schemeClr val="dk2"/>
                         </a:solidFill>
-                        <a:latin typeface="Red Hat Text"/>
+                        <a:latin typeface="Segoe UI" panose="020B0502040204020203" pitchFamily="34" charset="0"/>
                         <a:ea typeface="Red Hat Text"/>
-                        <a:cs typeface="Red Hat Text"/>
+                        <a:cs typeface="Segoe UI" panose="020B0502040204020203" pitchFamily="34" charset="0"/>
                         <a:sym typeface="Red Hat Text"/>
                       </a:endParaRPr>
                     </a:p>
@@ -22189,9 +24115,9 @@
                           <a:solidFill>
                             <a:schemeClr val="dk2"/>
                           </a:solidFill>
-                          <a:latin typeface="Red Hat Text"/>
+                          <a:latin typeface="Segoe UI" panose="020B0502040204020203" pitchFamily="34" charset="0"/>
                           <a:ea typeface="Red Hat Text"/>
-                          <a:cs typeface="Red Hat Text"/>
+                          <a:cs typeface="Segoe UI" panose="020B0502040204020203" pitchFamily="34" charset="0"/>
                           <a:sym typeface="Red Hat Text"/>
                         </a:rPr>
                         <a:t>10s</a:t>
@@ -22200,9 +24126,9 @@
                         <a:solidFill>
                           <a:schemeClr val="dk2"/>
                         </a:solidFill>
-                        <a:latin typeface="Red Hat Text"/>
+                        <a:latin typeface="Segoe UI" panose="020B0502040204020203" pitchFamily="34" charset="0"/>
                         <a:ea typeface="Red Hat Text"/>
-                        <a:cs typeface="Red Hat Text"/>
+                        <a:cs typeface="Segoe UI" panose="020B0502040204020203" pitchFamily="34" charset="0"/>
                         <a:sym typeface="Red Hat Text"/>
                       </a:endParaRPr>
                     </a:p>
@@ -22269,9 +24195,9 @@
                           <a:solidFill>
                             <a:schemeClr val="dk2"/>
                           </a:solidFill>
-                          <a:latin typeface="Red Hat Text"/>
+                          <a:latin typeface="Segoe UI" panose="020B0502040204020203" pitchFamily="34" charset="0"/>
                           <a:ea typeface="Red Hat Text"/>
-                          <a:cs typeface="Red Hat Text"/>
+                          <a:cs typeface="Segoe UI" panose="020B0502040204020203" pitchFamily="34" charset="0"/>
                           <a:sym typeface="Red Hat Text"/>
                         </a:rPr>
                         <a:t>14ms</a:t>
@@ -22280,9 +24206,9 @@
                         <a:solidFill>
                           <a:schemeClr val="dk2"/>
                         </a:solidFill>
-                        <a:latin typeface="Red Hat Text"/>
+                        <a:latin typeface="Segoe UI" panose="020B0502040204020203" pitchFamily="34" charset="0"/>
                         <a:ea typeface="Red Hat Text"/>
-                        <a:cs typeface="Red Hat Text"/>
+                        <a:cs typeface="Segoe UI" panose="020B0502040204020203" pitchFamily="34" charset="0"/>
                         <a:sym typeface="Red Hat Text"/>
                       </a:endParaRPr>
                     </a:p>
@@ -22356,9 +24282,9 @@
                           <a:solidFill>
                             <a:schemeClr val="dk2"/>
                           </a:solidFill>
-                          <a:latin typeface="Red Hat Text"/>
+                          <a:latin typeface="Segoe UI" panose="020B0502040204020203" pitchFamily="34" charset="0"/>
                           <a:ea typeface="Red Hat Text"/>
-                          <a:cs typeface="Red Hat Text"/>
+                          <a:cs typeface="Segoe UI" panose="020B0502040204020203" pitchFamily="34" charset="0"/>
                           <a:sym typeface="Red Hat Text"/>
                         </a:rPr>
                         <a:t>1 000 000 elements</a:t>
@@ -22367,9 +24293,9 @@
                         <a:solidFill>
                           <a:schemeClr val="dk2"/>
                         </a:solidFill>
-                        <a:latin typeface="Red Hat Text"/>
+                        <a:latin typeface="Segoe UI" panose="020B0502040204020203" pitchFamily="34" charset="0"/>
                         <a:ea typeface="Red Hat Text"/>
-                        <a:cs typeface="Red Hat Text"/>
+                        <a:cs typeface="Segoe UI" panose="020B0502040204020203" pitchFamily="34" charset="0"/>
                         <a:sym typeface="Red Hat Text"/>
                       </a:endParaRPr>
                     </a:p>
@@ -22437,9 +24363,9 @@
                           <a:solidFill>
                             <a:schemeClr val="dk2"/>
                           </a:solidFill>
-                          <a:latin typeface="Red Hat Text"/>
+                          <a:latin typeface="Segoe UI" panose="020B0502040204020203" pitchFamily="34" charset="0"/>
                           <a:ea typeface="Red Hat Text"/>
-                          <a:cs typeface="Red Hat Text"/>
+                          <a:cs typeface="Segoe UI" panose="020B0502040204020203" pitchFamily="34" charset="0"/>
                           <a:sym typeface="Red Hat Text"/>
                         </a:rPr>
                         <a:t>11day</a:t>
@@ -22448,9 +24374,9 @@
                         <a:solidFill>
                           <a:schemeClr val="dk2"/>
                         </a:solidFill>
-                        <a:latin typeface="Red Hat Text"/>
+                        <a:latin typeface="Segoe UI" panose="020B0502040204020203" pitchFamily="34" charset="0"/>
                         <a:ea typeface="Red Hat Text"/>
-                        <a:cs typeface="Red Hat Text"/>
+                        <a:cs typeface="Segoe UI" panose="020B0502040204020203" pitchFamily="34" charset="0"/>
                         <a:sym typeface="Red Hat Text"/>
                       </a:endParaRPr>
                     </a:p>
@@ -22518,9 +24444,9 @@
                           <a:solidFill>
                             <a:schemeClr val="dk2"/>
                           </a:solidFill>
-                          <a:latin typeface="Red Hat Text"/>
+                          <a:latin typeface="Segoe UI" panose="020B0502040204020203" pitchFamily="34" charset="0"/>
                           <a:ea typeface="Red Hat Text"/>
-                          <a:cs typeface="Red Hat Text"/>
+                          <a:cs typeface="Segoe UI" panose="020B0502040204020203" pitchFamily="34" charset="0"/>
                           <a:sym typeface="Red Hat Text"/>
                         </a:rPr>
                         <a:t>32ms</a:t>
@@ -22529,9 +24455,9 @@
                         <a:solidFill>
                           <a:schemeClr val="dk2"/>
                         </a:solidFill>
-                        <a:latin typeface="Red Hat Text"/>
+                        <a:latin typeface="Segoe UI" panose="020B0502040204020203" pitchFamily="34" charset="0"/>
                         <a:ea typeface="Red Hat Text"/>
-                        <a:cs typeface="Red Hat Text"/>
+                        <a:cs typeface="Segoe UI" panose="020B0502040204020203" pitchFamily="34" charset="0"/>
                         <a:sym typeface="Red Hat Text"/>
                       </a:endParaRPr>
                     </a:p>
@@ -22616,11 +24542,17 @@
           <a:lstStyle/>
           <a:p>
             <a:fld id="{00000000-1234-1234-1234-123412341234}" type="slidenum">
-              <a:rPr lang="en"/>
+              <a:rPr lang="en">
+                <a:latin typeface="Segoe UI" panose="020B0502040204020203" pitchFamily="34" charset="0"/>
+                <a:cs typeface="Segoe UI" panose="020B0502040204020203" pitchFamily="34" charset="0"/>
+              </a:rPr>
               <a:pPr/>
               <a:t>4</a:t>
             </a:fld>
-            <a:endParaRPr/>
+            <a:endParaRPr>
+              <a:latin typeface="Segoe UI" panose="020B0502040204020203" pitchFamily="34" charset="0"/>
+              <a:cs typeface="Segoe UI" panose="020B0502040204020203" pitchFamily="34" charset="0"/>
+            </a:endParaRPr>
           </a:p>
         </p:txBody>
       </p:sp>
@@ -23250,7 +25182,10 @@
                 </a:spcAft>
                 <a:buNone/>
               </a:pPr>
-              <a:endParaRPr/>
+              <a:endParaRPr>
+                <a:latin typeface="Segoe UI" panose="020B0502040204020203" pitchFamily="34" charset="0"/>
+                <a:cs typeface="Segoe UI" panose="020B0502040204020203" pitchFamily="34" charset="0"/>
+              </a:endParaRPr>
             </a:p>
           </p:txBody>
         </p:sp>
@@ -23399,7 +25334,10 @@
                 </a:spcAft>
                 <a:buNone/>
               </a:pPr>
-              <a:endParaRPr/>
+              <a:endParaRPr>
+                <a:latin typeface="Segoe UI" panose="020B0502040204020203" pitchFamily="34" charset="0"/>
+                <a:cs typeface="Segoe UI" panose="020B0502040204020203" pitchFamily="34" charset="0"/>
+              </a:endParaRPr>
             </a:p>
           </p:txBody>
         </p:sp>
@@ -23554,7 +25492,10 @@
                 </a:spcAft>
                 <a:buNone/>
               </a:pPr>
-              <a:endParaRPr/>
+              <a:endParaRPr>
+                <a:latin typeface="Segoe UI" panose="020B0502040204020203" pitchFamily="34" charset="0"/>
+                <a:cs typeface="Segoe UI" panose="020B0502040204020203" pitchFamily="34" charset="0"/>
+              </a:endParaRPr>
             </a:p>
           </p:txBody>
         </p:sp>
@@ -23709,7 +25650,10 @@
                 </a:spcAft>
                 <a:buNone/>
               </a:pPr>
-              <a:endParaRPr/>
+              <a:endParaRPr>
+                <a:latin typeface="Segoe UI" panose="020B0502040204020203" pitchFamily="34" charset="0"/>
+                <a:cs typeface="Segoe UI" panose="020B0502040204020203" pitchFamily="34" charset="0"/>
+              </a:endParaRPr>
             </a:p>
           </p:txBody>
         </p:sp>
@@ -23741,9 +25685,9 @@
                 <a:solidFill>
                   <a:schemeClr val="dk1"/>
                 </a:solidFill>
-                <a:latin typeface="Red Hat Text"/>
+                <a:latin typeface="Segoe UI" panose="020B0502040204020203" pitchFamily="34" charset="0"/>
                 <a:ea typeface="Red Hat Text"/>
-                <a:cs typeface="Red Hat Text"/>
+                <a:cs typeface="Segoe UI" panose="020B0502040204020203" pitchFamily="34" charset="0"/>
                 <a:sym typeface="Red Hat Text"/>
               </a:rPr>
               <a:t>Bob is writing a search algorithm for Elon Musk’s. Its algorithm will work when the rocket flies up to the moon, and will help calculate the landing </a:t>
@@ -23753,9 +25697,9 @@
                 <a:solidFill>
                   <a:schemeClr val="dk1"/>
                 </a:solidFill>
-                <a:latin typeface="Red Hat Text"/>
+                <a:latin typeface="Segoe UI" panose="020B0502040204020203" pitchFamily="34" charset="0"/>
                 <a:ea typeface="Red Hat Text"/>
-                <a:cs typeface="Red Hat Text"/>
+                <a:cs typeface="Segoe UI" panose="020B0502040204020203" pitchFamily="34" charset="0"/>
                 <a:sym typeface="Red Hat Text"/>
               </a:rPr>
               <a:t>point. </a:t>
@@ -23765,9 +25709,9 @@
                 <a:solidFill>
                   <a:srgbClr val="7030A0"/>
                 </a:solidFill>
-                <a:latin typeface="Red Hat Text"/>
+                <a:latin typeface="Segoe UI" panose="020B0502040204020203" pitchFamily="34" charset="0"/>
                 <a:ea typeface="Red Hat Text"/>
-                <a:cs typeface="Red Hat Text"/>
+                <a:cs typeface="Segoe UI" panose="020B0502040204020203" pitchFamily="34" charset="0"/>
                 <a:sym typeface="Red Hat Text"/>
               </a:rPr>
               <a:t>Let's </a:t>
@@ -23777,9 +25721,9 @@
                 <a:solidFill>
                   <a:srgbClr val="7030A0"/>
                 </a:solidFill>
-                <a:latin typeface="Red Hat Text"/>
+                <a:latin typeface="Segoe UI" panose="020B0502040204020203" pitchFamily="34" charset="0"/>
                 <a:ea typeface="Red Hat Text"/>
-                <a:cs typeface="Red Hat Text"/>
+                <a:cs typeface="Segoe UI" panose="020B0502040204020203" pitchFamily="34" charset="0"/>
                 <a:sym typeface="Red Hat Text"/>
               </a:rPr>
               <a:t>say it takes 1 millisecond to check one item</a:t>
@@ -23791,9 +25735,9 @@
                 <a:solidFill>
                   <a:schemeClr val="dk1"/>
                 </a:solidFill>
-                <a:latin typeface="Red Hat Text"/>
+                <a:latin typeface="Segoe UI" panose="020B0502040204020203" pitchFamily="34" charset="0"/>
                 <a:ea typeface="Red Hat Text"/>
-                <a:cs typeface="Red Hat Text"/>
+                <a:cs typeface="Segoe UI" panose="020B0502040204020203" pitchFamily="34" charset="0"/>
                 <a:sym typeface="Red Hat Text"/>
               </a:rPr>
               <a:t>Bob has only 10 seconds to choose a landing site, if it does not meet this time, then the moment for landing will be missed</a:t>
@@ -23864,10 +25808,16 @@
           <a:lstStyle/>
           <a:p>
             <a:r>
-              <a:rPr lang="en" dirty="0" smtClean="0"/>
+              <a:rPr lang="en" dirty="0" smtClean="0">
+                <a:latin typeface="Segoe UI" panose="020B0502040204020203" pitchFamily="34" charset="0"/>
+                <a:cs typeface="Segoe UI" panose="020B0502040204020203" pitchFamily="34" charset="0"/>
+              </a:rPr>
               <a:t>What is Big O</a:t>
             </a:r>
-            <a:endParaRPr dirty="0"/>
+            <a:endParaRPr dirty="0">
+              <a:latin typeface="Segoe UI" panose="020B0502040204020203" pitchFamily="34" charset="0"/>
+              <a:cs typeface="Segoe UI" panose="020B0502040204020203" pitchFamily="34" charset="0"/>
+            </a:endParaRPr>
           </a:p>
         </p:txBody>
       </p:sp>
@@ -23900,67 +25850,109 @@
               <a:buNone/>
             </a:pPr>
             <a:r>
-              <a:rPr lang="en-US" sz="1600" dirty="0"/>
+              <a:rPr lang="en-US" sz="1600" dirty="0">
+                <a:latin typeface="Segoe UI" panose="020B0502040204020203" pitchFamily="34" charset="0"/>
+                <a:cs typeface="Segoe UI" panose="020B0502040204020203" pitchFamily="34" charset="0"/>
+              </a:rPr>
               <a:t>The special big O notation describes the speed of the </a:t>
             </a:r>
             <a:r>
-              <a:rPr lang="en-US" sz="1600" dirty="0" smtClean="0"/>
+              <a:rPr lang="en-US" sz="1600" dirty="0" smtClean="0">
+                <a:latin typeface="Segoe UI" panose="020B0502040204020203" pitchFamily="34" charset="0"/>
+                <a:cs typeface="Segoe UI" panose="020B0502040204020203" pitchFamily="34" charset="0"/>
+              </a:rPr>
               <a:t>algorithm</a:t>
             </a:r>
           </a:p>
           <a:p>
             <a:pPr marL="457200" indent="-457200"/>
             <a:r>
-              <a:rPr lang="en-US" sz="1600" dirty="0" smtClean="0"/>
+              <a:rPr lang="en-US" sz="1600" dirty="0" smtClean="0">
+                <a:latin typeface="Segoe UI" panose="020B0502040204020203" pitchFamily="34" charset="0"/>
+                <a:cs typeface="Segoe UI" panose="020B0502040204020203" pitchFamily="34" charset="0"/>
+              </a:rPr>
               <a:t>Write as O(n) – where n is operations count</a:t>
             </a:r>
           </a:p>
           <a:p>
             <a:pPr marL="457200" indent="-457200"/>
             <a:r>
-              <a:rPr lang="en-US" sz="1600" dirty="0" smtClean="0"/>
+              <a:rPr lang="en-US" sz="1600" dirty="0" smtClean="0">
+                <a:latin typeface="Segoe UI" panose="020B0502040204020203" pitchFamily="34" charset="0"/>
+                <a:cs typeface="Segoe UI" panose="020B0502040204020203" pitchFamily="34" charset="0"/>
+              </a:rPr>
               <a:t>Big </a:t>
             </a:r>
             <a:r>
-              <a:rPr lang="en-US" sz="1600" dirty="0"/>
+              <a:rPr lang="en-US" sz="1600" dirty="0">
+                <a:latin typeface="Segoe UI" panose="020B0502040204020203" pitchFamily="34" charset="0"/>
+                <a:cs typeface="Segoe UI" panose="020B0502040204020203" pitchFamily="34" charset="0"/>
+              </a:rPr>
               <a:t>O describes the speed of algorithms not in seconds, but in the rate of growth of the number of operations. </a:t>
             </a:r>
           </a:p>
           <a:p>
             <a:pPr marL="457200" indent="-457200"/>
             <a:r>
-              <a:rPr lang="en-US" sz="1600" dirty="0" smtClean="0"/>
+              <a:rPr lang="en-US" sz="1600" dirty="0" smtClean="0">
+                <a:latin typeface="Segoe UI" panose="020B0502040204020203" pitchFamily="34" charset="0"/>
+                <a:cs typeface="Segoe UI" panose="020B0502040204020203" pitchFamily="34" charset="0"/>
+              </a:rPr>
               <a:t>Big O describes </a:t>
             </a:r>
             <a:r>
-              <a:rPr lang="en-US" sz="1600" dirty="0"/>
+              <a:rPr lang="en-US" sz="1600" dirty="0">
+                <a:latin typeface="Segoe UI" panose="020B0502040204020203" pitchFamily="34" charset="0"/>
+                <a:cs typeface="Segoe UI" panose="020B0502040204020203" pitchFamily="34" charset="0"/>
+              </a:rPr>
               <a:t>how </a:t>
             </a:r>
             <a:r>
-              <a:rPr lang="en-US" sz="1600" dirty="0" smtClean="0"/>
+              <a:rPr lang="en-US" sz="1600" dirty="0" smtClean="0">
+                <a:latin typeface="Segoe UI" panose="020B0502040204020203" pitchFamily="34" charset="0"/>
+                <a:cs typeface="Segoe UI" panose="020B0502040204020203" pitchFamily="34" charset="0"/>
+              </a:rPr>
               <a:t>quickly the </a:t>
             </a:r>
             <a:r>
-              <a:rPr lang="en-US" sz="1600" dirty="0"/>
+              <a:rPr lang="en-US" sz="1600" dirty="0">
+                <a:latin typeface="Segoe UI" panose="020B0502040204020203" pitchFamily="34" charset="0"/>
+                <a:cs typeface="Segoe UI" panose="020B0502040204020203" pitchFamily="34" charset="0"/>
+              </a:rPr>
               <a:t>algorithm</a:t>
             </a:r>
             <a:r>
-              <a:rPr lang="en-US" sz="1600" dirty="0" smtClean="0"/>
+              <a:rPr lang="en-US" sz="1600" dirty="0" smtClean="0">
+                <a:latin typeface="Segoe UI" panose="020B0502040204020203" pitchFamily="34" charset="0"/>
+                <a:cs typeface="Segoe UI" panose="020B0502040204020203" pitchFamily="34" charset="0"/>
+              </a:rPr>
               <a:t> execution </a:t>
             </a:r>
             <a:r>
-              <a:rPr lang="en-US" sz="1600" dirty="0"/>
+              <a:rPr lang="en-US" sz="1600" dirty="0">
+                <a:latin typeface="Segoe UI" panose="020B0502040204020203" pitchFamily="34" charset="0"/>
+                <a:cs typeface="Segoe UI" panose="020B0502040204020203" pitchFamily="34" charset="0"/>
+              </a:rPr>
               <a:t>time </a:t>
             </a:r>
             <a:r>
-              <a:rPr lang="en-US" sz="1600" dirty="0" smtClean="0"/>
+              <a:rPr lang="en-US" sz="1600" dirty="0" smtClean="0">
+                <a:latin typeface="Segoe UI" panose="020B0502040204020203" pitchFamily="34" charset="0"/>
+                <a:cs typeface="Segoe UI" panose="020B0502040204020203" pitchFamily="34" charset="0"/>
+              </a:rPr>
               <a:t>increases with </a:t>
             </a:r>
             <a:r>
-              <a:rPr lang="en-US" sz="1600" dirty="0"/>
+              <a:rPr lang="en-US" sz="1600" dirty="0">
+                <a:latin typeface="Segoe UI" panose="020B0502040204020203" pitchFamily="34" charset="0"/>
+                <a:cs typeface="Segoe UI" panose="020B0502040204020203" pitchFamily="34" charset="0"/>
+              </a:rPr>
               <a:t>an increase in the size of the input data.</a:t>
             </a:r>
-            <a:endParaRPr sz="1600" dirty="0"/>
+            <a:endParaRPr sz="1600" dirty="0">
+              <a:latin typeface="Segoe UI" panose="020B0502040204020203" pitchFamily="34" charset="0"/>
+              <a:cs typeface="Segoe UI" panose="020B0502040204020203" pitchFamily="34" charset="0"/>
+            </a:endParaRPr>
           </a:p>
         </p:txBody>
       </p:sp>
@@ -23990,11 +25982,17 @@
           <a:lstStyle/>
           <a:p>
             <a:fld id="{00000000-1234-1234-1234-123412341234}" type="slidenum">
-              <a:rPr lang="en"/>
+              <a:rPr lang="en">
+                <a:latin typeface="Segoe UI" panose="020B0502040204020203" pitchFamily="34" charset="0"/>
+                <a:cs typeface="Segoe UI" panose="020B0502040204020203" pitchFamily="34" charset="0"/>
+              </a:rPr>
               <a:pPr/>
               <a:t>5</a:t>
             </a:fld>
-            <a:endParaRPr/>
+            <a:endParaRPr>
+              <a:latin typeface="Segoe UI" panose="020B0502040204020203" pitchFamily="34" charset="0"/>
+              <a:cs typeface="Segoe UI" panose="020B0502040204020203" pitchFamily="34" charset="0"/>
+            </a:endParaRPr>
           </a:p>
         </p:txBody>
       </p:sp>
@@ -24055,9 +26053,9 @@
                 <a:solidFill>
                   <a:schemeClr val="accent4"/>
                 </a:solidFill>
-                <a:latin typeface="Red Hat Text"/>
+                <a:latin typeface="Segoe UI" panose="020B0502040204020203" pitchFamily="34" charset="0"/>
                 <a:ea typeface="Red Hat Text"/>
-                <a:cs typeface="Red Hat Text"/>
+                <a:cs typeface="Segoe UI" panose="020B0502040204020203" pitchFamily="34" charset="0"/>
                 <a:sym typeface="Red Hat Text"/>
               </a:rPr>
               <a:t>Big O examples</a:t>
@@ -24066,9 +26064,9 @@
               <a:solidFill>
                 <a:schemeClr val="accent4"/>
               </a:solidFill>
-              <a:latin typeface="Red Hat Text"/>
+              <a:latin typeface="Segoe UI" panose="020B0502040204020203" pitchFamily="34" charset="0"/>
               <a:ea typeface="Red Hat Text"/>
-              <a:cs typeface="Red Hat Text"/>
+              <a:cs typeface="Segoe UI" panose="020B0502040204020203" pitchFamily="34" charset="0"/>
               <a:sym typeface="Red Hat Text"/>
             </a:endParaRPr>
           </a:p>
@@ -24152,7 +26150,10 @@
                 </a:spcAft>
                 <a:buNone/>
               </a:pPr>
-              <a:endParaRPr/>
+              <a:endParaRPr>
+                <a:latin typeface="Segoe UI" panose="020B0502040204020203" pitchFamily="34" charset="0"/>
+                <a:cs typeface="Segoe UI" panose="020B0502040204020203" pitchFamily="34" charset="0"/>
+              </a:endParaRPr>
             </a:p>
           </p:txBody>
         </p:sp>
@@ -24220,7 +26221,10 @@
                 </a:spcAft>
                 <a:buNone/>
               </a:pPr>
-              <a:endParaRPr/>
+              <a:endParaRPr>
+                <a:latin typeface="Segoe UI" panose="020B0502040204020203" pitchFamily="34" charset="0"/>
+                <a:cs typeface="Segoe UI" panose="020B0502040204020203" pitchFamily="34" charset="0"/>
+              </a:endParaRPr>
             </a:p>
           </p:txBody>
         </p:sp>
@@ -24333,7 +26337,10 @@
                 </a:spcAft>
                 <a:buNone/>
               </a:pPr>
-              <a:endParaRPr/>
+              <a:endParaRPr>
+                <a:latin typeface="Segoe UI" panose="020B0502040204020203" pitchFamily="34" charset="0"/>
+                <a:cs typeface="Segoe UI" panose="020B0502040204020203" pitchFamily="34" charset="0"/>
+              </a:endParaRPr>
             </a:p>
           </p:txBody>
         </p:sp>
@@ -24397,7 +26404,10 @@
                 </a:spcAft>
                 <a:buNone/>
               </a:pPr>
-              <a:endParaRPr/>
+              <a:endParaRPr>
+                <a:latin typeface="Segoe UI" panose="020B0502040204020203" pitchFamily="34" charset="0"/>
+                <a:cs typeface="Segoe UI" panose="020B0502040204020203" pitchFamily="34" charset="0"/>
+              </a:endParaRPr>
             </a:p>
           </p:txBody>
         </p:sp>
@@ -24656,7 +26666,10 @@
                 </a:spcAft>
                 <a:buNone/>
               </a:pPr>
-              <a:endParaRPr/>
+              <a:endParaRPr>
+                <a:latin typeface="Segoe UI" panose="020B0502040204020203" pitchFamily="34" charset="0"/>
+                <a:cs typeface="Segoe UI" panose="020B0502040204020203" pitchFamily="34" charset="0"/>
+              </a:endParaRPr>
             </a:p>
           </p:txBody>
         </p:sp>
@@ -24720,7 +26733,10 @@
                 </a:spcAft>
                 <a:buNone/>
               </a:pPr>
-              <a:endParaRPr/>
+              <a:endParaRPr>
+                <a:latin typeface="Segoe UI" panose="020B0502040204020203" pitchFamily="34" charset="0"/>
+                <a:cs typeface="Segoe UI" panose="020B0502040204020203" pitchFamily="34" charset="0"/>
+              </a:endParaRPr>
             </a:p>
           </p:txBody>
         </p:sp>
@@ -24802,7 +26818,10 @@
                 </a:spcAft>
                 <a:buNone/>
               </a:pPr>
-              <a:endParaRPr/>
+              <a:endParaRPr>
+                <a:latin typeface="Segoe UI" panose="020B0502040204020203" pitchFamily="34" charset="0"/>
+                <a:cs typeface="Segoe UI" panose="020B0502040204020203" pitchFamily="34" charset="0"/>
+              </a:endParaRPr>
             </a:p>
           </p:txBody>
         </p:sp>
@@ -24860,7 +26879,10 @@
                 </a:spcAft>
                 <a:buNone/>
               </a:pPr>
-              <a:endParaRPr/>
+              <a:endParaRPr>
+                <a:latin typeface="Segoe UI" panose="020B0502040204020203" pitchFamily="34" charset="0"/>
+                <a:cs typeface="Segoe UI" panose="020B0502040204020203" pitchFamily="34" charset="0"/>
+              </a:endParaRPr>
             </a:p>
           </p:txBody>
         </p:sp>
@@ -24929,7 +26951,10 @@
           <a:p>
             <a:pPr marL="101598"/>
             <a:r>
-              <a:rPr lang="en-US" dirty="0"/>
+              <a:rPr lang="en-US" dirty="0">
+                <a:latin typeface="Segoe UI" panose="020B0502040204020203" pitchFamily="34" charset="0"/>
+                <a:cs typeface="Segoe UI" panose="020B0502040204020203" pitchFamily="34" charset="0"/>
+              </a:rPr>
               <a:t>n! – who need this algorithm?</a:t>
             </a:r>
           </a:p>
@@ -24964,31 +26989,52 @@
               <a:buNone/>
             </a:pPr>
             <a:r>
-              <a:rPr lang="en-US" sz="1600" dirty="0" smtClean="0"/>
+              <a:rPr lang="en-US" sz="1600" dirty="0" smtClean="0">
+                <a:latin typeface="Segoe UI" panose="020B0502040204020203" pitchFamily="34" charset="0"/>
+                <a:cs typeface="Segoe UI" panose="020B0502040204020203" pitchFamily="34" charset="0"/>
+              </a:rPr>
               <a:t>Travelling </a:t>
             </a:r>
             <a:r>
-              <a:rPr lang="en-US" sz="1600" dirty="0"/>
+              <a:rPr lang="en-US" sz="1600" dirty="0">
+                <a:latin typeface="Segoe UI" panose="020B0502040204020203" pitchFamily="34" charset="0"/>
+                <a:cs typeface="Segoe UI" panose="020B0502040204020203" pitchFamily="34" charset="0"/>
+              </a:rPr>
               <a:t>salesman </a:t>
             </a:r>
             <a:r>
-              <a:rPr lang="en-US" sz="1600" dirty="0" smtClean="0"/>
+              <a:rPr lang="en-US" sz="1600" dirty="0" smtClean="0">
+                <a:latin typeface="Segoe UI" panose="020B0502040204020203" pitchFamily="34" charset="0"/>
+                <a:cs typeface="Segoe UI" panose="020B0502040204020203" pitchFamily="34" charset="0"/>
+              </a:rPr>
               <a:t>problem. </a:t>
             </a:r>
             <a:r>
-              <a:rPr lang="en-US" sz="1600" dirty="0"/>
+              <a:rPr lang="en-US" sz="1600" dirty="0">
+                <a:latin typeface="Segoe UI" panose="020B0502040204020203" pitchFamily="34" charset="0"/>
+                <a:cs typeface="Segoe UI" panose="020B0502040204020203" pitchFamily="34" charset="0"/>
+              </a:rPr>
               <a:t>He must go around </a:t>
             </a:r>
             <a:r>
-              <a:rPr lang="en-US" sz="1600" dirty="0" smtClean="0"/>
+              <a:rPr lang="en-US" sz="1600" dirty="0" smtClean="0">
+                <a:latin typeface="Segoe UI" panose="020B0502040204020203" pitchFamily="34" charset="0"/>
+                <a:cs typeface="Segoe UI" panose="020B0502040204020203" pitchFamily="34" charset="0"/>
+              </a:rPr>
               <a:t>N </a:t>
             </a:r>
             <a:r>
-              <a:rPr lang="en-US" sz="1600" dirty="0"/>
+              <a:rPr lang="en-US" sz="1600" dirty="0">
+                <a:latin typeface="Segoe UI" panose="020B0502040204020203" pitchFamily="34" charset="0"/>
+                <a:cs typeface="Segoe UI" panose="020B0502040204020203" pitchFamily="34" charset="0"/>
+              </a:rPr>
               <a:t>cities. One possible solution - you need to iterate over all possible combinations of the order of detouring </a:t>
             </a:r>
             <a:r>
-              <a:rPr lang="en-US" sz="1600" dirty="0" smtClean="0"/>
+              <a:rPr lang="en-US" sz="1600" dirty="0" smtClean="0">
+                <a:latin typeface="Segoe UI" panose="020B0502040204020203" pitchFamily="34" charset="0"/>
+                <a:cs typeface="Segoe UI" panose="020B0502040204020203" pitchFamily="34" charset="0"/>
+              </a:rPr>
               <a:t>cities. </a:t>
             </a:r>
             <a:r>
@@ -24996,6 +27042,8 @@
                 <a:solidFill>
                   <a:srgbClr val="7030A0"/>
                 </a:solidFill>
+                <a:latin typeface="Segoe UI" panose="020B0502040204020203" pitchFamily="34" charset="0"/>
+                <a:cs typeface="Segoe UI" panose="020B0502040204020203" pitchFamily="34" charset="0"/>
               </a:rPr>
               <a:t>All </a:t>
             </a:r>
@@ -25004,6 +27052,8 @@
                 <a:solidFill>
                   <a:srgbClr val="7030A0"/>
                 </a:solidFill>
+                <a:latin typeface="Segoe UI" panose="020B0502040204020203" pitchFamily="34" charset="0"/>
+                <a:cs typeface="Segoe UI" panose="020B0502040204020203" pitchFamily="34" charset="0"/>
               </a:rPr>
               <a:t>distances are summed up, after which the path with the shortest </a:t>
             </a:r>
@@ -25012,6 +27062,8 @@
                 <a:solidFill>
                   <a:srgbClr val="7030A0"/>
                 </a:solidFill>
+                <a:latin typeface="Segoe UI" panose="020B0502040204020203" pitchFamily="34" charset="0"/>
+                <a:cs typeface="Segoe UI" panose="020B0502040204020203" pitchFamily="34" charset="0"/>
               </a:rPr>
               <a:t>distance.</a:t>
             </a:r>
@@ -25021,61 +27073,103 @@
               <a:buNone/>
             </a:pPr>
             <a:r>
-              <a:rPr lang="en-US" sz="1600" dirty="0" smtClean="0"/>
+              <a:rPr lang="en-US" sz="1600" dirty="0" smtClean="0">
+                <a:latin typeface="Segoe UI" panose="020B0502040204020203" pitchFamily="34" charset="0"/>
+                <a:cs typeface="Segoe UI" panose="020B0502040204020203" pitchFamily="34" charset="0"/>
+              </a:rPr>
               <a:t>For </a:t>
             </a:r>
             <a:r>
-              <a:rPr lang="en-US" sz="1600" dirty="0"/>
+              <a:rPr lang="en-US" sz="1600" dirty="0">
+                <a:latin typeface="Segoe UI" panose="020B0502040204020203" pitchFamily="34" charset="0"/>
+                <a:cs typeface="Segoe UI" panose="020B0502040204020203" pitchFamily="34" charset="0"/>
+              </a:rPr>
               <a:t>5 cities, 120 permutations can be created, so solving the problem for 5 cities will require 120 operations. </a:t>
             </a:r>
             <a:r>
-              <a:rPr lang="en-US" sz="1600" dirty="0" smtClean="0"/>
+              <a:rPr lang="en-US" sz="1600" dirty="0" smtClean="0">
+                <a:latin typeface="Segoe UI" panose="020B0502040204020203" pitchFamily="34" charset="0"/>
+                <a:cs typeface="Segoe UI" panose="020B0502040204020203" pitchFamily="34" charset="0"/>
+              </a:rPr>
               <a:t>And </a:t>
             </a:r>
             <a:r>
-              <a:rPr lang="en-US" sz="1600" dirty="0"/>
+              <a:rPr lang="en-US" sz="1600" dirty="0">
+                <a:latin typeface="Segoe UI" panose="020B0502040204020203" pitchFamily="34" charset="0"/>
+                <a:cs typeface="Segoe UI" panose="020B0502040204020203" pitchFamily="34" charset="0"/>
+              </a:rPr>
               <a:t>for 7 cities, 5040 operations are required already! In the general case, to calculate the result for n elements, it will be required n! (n-factorial) </a:t>
             </a:r>
             <a:r>
-              <a:rPr lang="en-US" sz="1600" dirty="0" smtClean="0"/>
+              <a:rPr lang="en-US" sz="1600" dirty="0" smtClean="0">
+                <a:latin typeface="Segoe UI" panose="020B0502040204020203" pitchFamily="34" charset="0"/>
+                <a:cs typeface="Segoe UI" panose="020B0502040204020203" pitchFamily="34" charset="0"/>
+              </a:rPr>
               <a:t>operations.</a:t>
             </a:r>
-            <a:endParaRPr lang="en-US" sz="1600" dirty="0"/>
+            <a:endParaRPr lang="en-US" sz="1600" dirty="0">
+              <a:latin typeface="Segoe UI" panose="020B0502040204020203" pitchFamily="34" charset="0"/>
+              <a:cs typeface="Segoe UI" panose="020B0502040204020203" pitchFamily="34" charset="0"/>
+            </a:endParaRPr>
           </a:p>
           <a:p>
             <a:pPr marL="101598" indent="0">
               <a:buNone/>
             </a:pPr>
             <a:r>
-              <a:rPr lang="en-US" sz="1600" dirty="0"/>
+              <a:rPr lang="en-US" sz="1600" dirty="0">
+                <a:latin typeface="Segoe UI" panose="020B0502040204020203" pitchFamily="34" charset="0"/>
+                <a:cs typeface="Segoe UI" panose="020B0502040204020203" pitchFamily="34" charset="0"/>
+              </a:rPr>
               <a:t>This is one of the famous unsolved problems in the field of computation </a:t>
             </a:r>
             <a:r>
-              <a:rPr lang="en-US" sz="1600" dirty="0" smtClean="0"/>
+              <a:rPr lang="en-US" sz="1600" dirty="0" smtClean="0">
+                <a:latin typeface="Segoe UI" panose="020B0502040204020203" pitchFamily="34" charset="0"/>
+                <a:cs typeface="Segoe UI" panose="020B0502040204020203" pitchFamily="34" charset="0"/>
+              </a:rPr>
               <a:t>theory. At </a:t>
             </a:r>
             <a:r>
-              <a:rPr lang="en-US" sz="1600" dirty="0"/>
+              <a:rPr lang="en-US" sz="1600" dirty="0">
+                <a:latin typeface="Segoe UI" panose="020B0502040204020203" pitchFamily="34" charset="0"/>
+                <a:cs typeface="Segoe UI" panose="020B0502040204020203" pitchFamily="34" charset="0"/>
+              </a:rPr>
               <a:t>its best case, you can look for an approximate solution</a:t>
             </a:r>
             <a:r>
-              <a:rPr lang="ru-RU" sz="1600" dirty="0"/>
+              <a:rPr lang="ru-RU" sz="1600" dirty="0">
+                <a:latin typeface="Segoe UI" panose="020B0502040204020203" pitchFamily="34" charset="0"/>
+                <a:cs typeface="Segoe UI" panose="020B0502040204020203" pitchFamily="34" charset="0"/>
+              </a:rPr>
               <a:t> </a:t>
             </a:r>
             <a:r>
-              <a:rPr lang="en-US" sz="1600" dirty="0"/>
+              <a:rPr lang="en-US" sz="1600" dirty="0">
+                <a:latin typeface="Segoe UI" panose="020B0502040204020203" pitchFamily="34" charset="0"/>
+                <a:cs typeface="Segoe UI" panose="020B0502040204020203" pitchFamily="34" charset="0"/>
+              </a:rPr>
               <a:t>with dynamical programming.</a:t>
             </a:r>
             <a:br>
-              <a:rPr lang="en-US" sz="1600" dirty="0"/>
+              <a:rPr lang="en-US" sz="1600" dirty="0">
+                <a:latin typeface="Segoe UI" panose="020B0502040204020203" pitchFamily="34" charset="0"/>
+                <a:cs typeface="Segoe UI" panose="020B0502040204020203" pitchFamily="34" charset="0"/>
+              </a:rPr>
             </a:br>
-            <a:endParaRPr lang="en-US" sz="1600" dirty="0"/>
+            <a:endParaRPr lang="en-US" sz="1600" dirty="0">
+              <a:latin typeface="Segoe UI" panose="020B0502040204020203" pitchFamily="34" charset="0"/>
+              <a:cs typeface="Segoe UI" panose="020B0502040204020203" pitchFamily="34" charset="0"/>
+            </a:endParaRPr>
           </a:p>
           <a:p>
             <a:pPr marL="0" indent="0">
               <a:buNone/>
             </a:pPr>
-            <a:endParaRPr sz="1600" dirty="0"/>
+            <a:endParaRPr sz="1600" dirty="0">
+              <a:latin typeface="Segoe UI" panose="020B0502040204020203" pitchFamily="34" charset="0"/>
+              <a:cs typeface="Segoe UI" panose="020B0502040204020203" pitchFamily="34" charset="0"/>
+            </a:endParaRPr>
           </a:p>
         </p:txBody>
       </p:sp>
@@ -25105,11 +27199,17 @@
           <a:lstStyle/>
           <a:p>
             <a:fld id="{00000000-1234-1234-1234-123412341234}" type="slidenum">
-              <a:rPr lang="en"/>
+              <a:rPr lang="en">
+                <a:latin typeface="Segoe UI" panose="020B0502040204020203" pitchFamily="34" charset="0"/>
+                <a:cs typeface="Segoe UI" panose="020B0502040204020203" pitchFamily="34" charset="0"/>
+              </a:rPr>
               <a:pPr/>
               <a:t>6</a:t>
             </a:fld>
-            <a:endParaRPr/>
+            <a:endParaRPr>
+              <a:latin typeface="Segoe UI" panose="020B0502040204020203" pitchFamily="34" charset="0"/>
+              <a:cs typeface="Segoe UI" panose="020B0502040204020203" pitchFamily="34" charset="0"/>
+            </a:endParaRPr>
           </a:p>
         </p:txBody>
       </p:sp>
@@ -25193,7 +27293,10 @@
                 </a:spcAft>
                 <a:buNone/>
               </a:pPr>
-              <a:endParaRPr/>
+              <a:endParaRPr>
+                <a:latin typeface="Segoe UI" panose="020B0502040204020203" pitchFamily="34" charset="0"/>
+                <a:cs typeface="Segoe UI" panose="020B0502040204020203" pitchFamily="34" charset="0"/>
+              </a:endParaRPr>
             </a:p>
           </p:txBody>
         </p:sp>
@@ -25290,7 +27393,10 @@
                 </a:spcAft>
                 <a:buNone/>
               </a:pPr>
-              <a:endParaRPr/>
+              <a:endParaRPr>
+                <a:latin typeface="Segoe UI" panose="020B0502040204020203" pitchFamily="34" charset="0"/>
+                <a:cs typeface="Segoe UI" panose="020B0502040204020203" pitchFamily="34" charset="0"/>
+              </a:endParaRPr>
             </a:p>
           </p:txBody>
         </p:sp>
@@ -25553,7 +27659,10 @@
                 </a:spcAft>
                 <a:buNone/>
               </a:pPr>
-              <a:endParaRPr/>
+              <a:endParaRPr>
+                <a:latin typeface="Segoe UI" panose="020B0502040204020203" pitchFamily="34" charset="0"/>
+                <a:cs typeface="Segoe UI" panose="020B0502040204020203" pitchFamily="34" charset="0"/>
+              </a:endParaRPr>
             </a:p>
           </p:txBody>
         </p:sp>
@@ -25816,7 +27925,10 @@
                 </a:spcAft>
                 <a:buNone/>
               </a:pPr>
-              <a:endParaRPr/>
+              <a:endParaRPr>
+                <a:latin typeface="Segoe UI" panose="020B0502040204020203" pitchFamily="34" charset="0"/>
+                <a:cs typeface="Segoe UI" panose="020B0502040204020203" pitchFamily="34" charset="0"/>
+              </a:endParaRPr>
             </a:p>
           </p:txBody>
         </p:sp>
@@ -25874,7 +27986,10 @@
                 </a:spcAft>
                 <a:buNone/>
               </a:pPr>
-              <a:endParaRPr/>
+              <a:endParaRPr>
+                <a:latin typeface="Segoe UI" panose="020B0502040204020203" pitchFamily="34" charset="0"/>
+                <a:cs typeface="Segoe UI" panose="020B0502040204020203" pitchFamily="34" charset="0"/>
+              </a:endParaRPr>
             </a:p>
           </p:txBody>
         </p:sp>
@@ -26041,7 +28156,10 @@
                 </a:spcAft>
                 <a:buNone/>
               </a:pPr>
-              <a:endParaRPr/>
+              <a:endParaRPr>
+                <a:latin typeface="Segoe UI" panose="020B0502040204020203" pitchFamily="34" charset="0"/>
+                <a:cs typeface="Segoe UI" panose="020B0502040204020203" pitchFamily="34" charset="0"/>
+              </a:endParaRPr>
             </a:p>
           </p:txBody>
         </p:sp>
@@ -26208,7 +28326,10 @@
                 </a:spcAft>
                 <a:buNone/>
               </a:pPr>
-              <a:endParaRPr/>
+              <a:endParaRPr>
+                <a:latin typeface="Segoe UI" panose="020B0502040204020203" pitchFamily="34" charset="0"/>
+                <a:cs typeface="Segoe UI" panose="020B0502040204020203" pitchFamily="34" charset="0"/>
+              </a:endParaRPr>
             </a:p>
           </p:txBody>
         </p:sp>
@@ -26306,14 +28427,23 @@
           <a:lstStyle/>
           <a:p>
             <a:r>
-              <a:rPr lang="en-US" dirty="0"/>
+              <a:rPr lang="en-US" dirty="0">
+                <a:latin typeface="Segoe UI" panose="020B0502040204020203" pitchFamily="34" charset="0"/>
+                <a:cs typeface="Segoe UI" panose="020B0502040204020203" pitchFamily="34" charset="0"/>
+              </a:rPr>
               <a:t>Algorithm </a:t>
             </a:r>
             <a:r>
-              <a:rPr lang="en-US" dirty="0" smtClean="0"/>
+              <a:rPr lang="en-US" dirty="0" smtClean="0">
+                <a:latin typeface="Segoe UI" panose="020B0502040204020203" pitchFamily="34" charset="0"/>
+                <a:cs typeface="Segoe UI" panose="020B0502040204020203" pitchFamily="34" charset="0"/>
+              </a:rPr>
               <a:t>properties</a:t>
             </a:r>
-            <a:endParaRPr dirty="0"/>
+            <a:endParaRPr dirty="0">
+              <a:latin typeface="Segoe UI" panose="020B0502040204020203" pitchFamily="34" charset="0"/>
+              <a:cs typeface="Segoe UI" panose="020B0502040204020203" pitchFamily="34" charset="0"/>
+            </a:endParaRPr>
           </a:p>
         </p:txBody>
       </p:sp>
@@ -26346,11 +28476,17 @@
               <a:buNone/>
             </a:pPr>
             <a:r>
-              <a:rPr lang="en-US" dirty="0"/>
+              <a:rPr lang="en-US" dirty="0">
+                <a:latin typeface="Segoe UI" panose="020B0502040204020203" pitchFamily="34" charset="0"/>
+                <a:cs typeface="Segoe UI" panose="020B0502040204020203" pitchFamily="34" charset="0"/>
+              </a:rPr>
               <a:t>Various definitions of an algorithm, explicitly or implicitly, contain the following set of general </a:t>
             </a:r>
             <a:r>
-              <a:rPr lang="en-US" dirty="0" smtClean="0"/>
+              <a:rPr lang="en-US" dirty="0" smtClean="0">
+                <a:latin typeface="Segoe UI" panose="020B0502040204020203" pitchFamily="34" charset="0"/>
+                <a:cs typeface="Segoe UI" panose="020B0502040204020203" pitchFamily="34" charset="0"/>
+              </a:rPr>
               <a:t>requirements</a:t>
             </a:r>
           </a:p>
@@ -26358,42 +28494,69 @@
             <a:pPr marL="101598" indent="0">
               <a:buNone/>
             </a:pPr>
-            <a:endParaRPr lang="en" dirty="0" smtClean="0"/>
-          </a:p>
-          <a:p>
-            <a:r>
-              <a:rPr lang="en-US" dirty="0" smtClean="0"/>
+            <a:endParaRPr lang="en" dirty="0" smtClean="0">
+              <a:latin typeface="Segoe UI" panose="020B0502040204020203" pitchFamily="34" charset="0"/>
+              <a:cs typeface="Segoe UI" panose="020B0502040204020203" pitchFamily="34" charset="0"/>
+            </a:endParaRPr>
+          </a:p>
+          <a:p>
+            <a:r>
+              <a:rPr lang="en-US" dirty="0" smtClean="0">
+                <a:latin typeface="Segoe UI" panose="020B0502040204020203" pitchFamily="34" charset="0"/>
+                <a:cs typeface="Segoe UI" panose="020B0502040204020203" pitchFamily="34" charset="0"/>
+              </a:rPr>
               <a:t>The </a:t>
             </a:r>
             <a:r>
-              <a:rPr lang="en-US" dirty="0"/>
+              <a:rPr lang="en-US" dirty="0">
+                <a:latin typeface="Segoe UI" panose="020B0502040204020203" pitchFamily="34" charset="0"/>
+                <a:cs typeface="Segoe UI" panose="020B0502040204020203" pitchFamily="34" charset="0"/>
+              </a:rPr>
               <a:t>algorithm must represent the process of solving the problem as an orderly execution of some simple </a:t>
             </a:r>
             <a:r>
-              <a:rPr lang="en-US" dirty="0" smtClean="0"/>
+              <a:rPr lang="en-US" dirty="0" smtClean="0">
+                <a:latin typeface="Segoe UI" panose="020B0502040204020203" pitchFamily="34" charset="0"/>
+                <a:cs typeface="Segoe UI" panose="020B0502040204020203" pitchFamily="34" charset="0"/>
+              </a:rPr>
               <a:t>steps</a:t>
             </a:r>
           </a:p>
           <a:p>
             <a:r>
-              <a:rPr lang="en-US" dirty="0"/>
+              <a:rPr lang="en-US" dirty="0">
+                <a:latin typeface="Segoe UI" panose="020B0502040204020203" pitchFamily="34" charset="0"/>
+                <a:cs typeface="Segoe UI" panose="020B0502040204020203" pitchFamily="34" charset="0"/>
+              </a:rPr>
               <a:t>The algorithm should be applicable to different sets of initial data</a:t>
             </a:r>
             <a:r>
-              <a:rPr lang="en-US" dirty="0" smtClean="0"/>
+              <a:rPr lang="en-US" dirty="0" smtClean="0">
+                <a:latin typeface="Segoe UI" panose="020B0502040204020203" pitchFamily="34" charset="0"/>
+                <a:cs typeface="Segoe UI" panose="020B0502040204020203" pitchFamily="34" charset="0"/>
+              </a:rPr>
               <a:t>.</a:t>
             </a:r>
           </a:p>
           <a:p>
             <a:r>
-              <a:rPr lang="en-US" dirty="0"/>
+              <a:rPr lang="en-US" dirty="0">
+                <a:latin typeface="Segoe UI" panose="020B0502040204020203" pitchFamily="34" charset="0"/>
+                <a:cs typeface="Segoe UI" panose="020B0502040204020203" pitchFamily="34" charset="0"/>
+              </a:rPr>
               <a:t>The algorithm should produce the same result for the same input data</a:t>
             </a:r>
             <a:r>
-              <a:rPr lang="en-US" dirty="0" smtClean="0"/>
+              <a:rPr lang="en-US" dirty="0" smtClean="0">
+                <a:latin typeface="Segoe UI" panose="020B0502040204020203" pitchFamily="34" charset="0"/>
+                <a:cs typeface="Segoe UI" panose="020B0502040204020203" pitchFamily="34" charset="0"/>
+              </a:rPr>
               <a:t>.</a:t>
             </a:r>
-            <a:endParaRPr dirty="0"/>
+            <a:endParaRPr dirty="0">
+              <a:latin typeface="Segoe UI" panose="020B0502040204020203" pitchFamily="34" charset="0"/>
+              <a:cs typeface="Segoe UI" panose="020B0502040204020203" pitchFamily="34" charset="0"/>
+            </a:endParaRPr>
           </a:p>
         </p:txBody>
       </p:sp>
@@ -26423,11 +28586,17 @@
           <a:lstStyle/>
           <a:p>
             <a:fld id="{00000000-1234-1234-1234-123412341234}" type="slidenum">
-              <a:rPr lang="en"/>
+              <a:rPr lang="en">
+                <a:latin typeface="Segoe UI" panose="020B0502040204020203" pitchFamily="34" charset="0"/>
+                <a:cs typeface="Segoe UI" panose="020B0502040204020203" pitchFamily="34" charset="0"/>
+              </a:rPr>
               <a:pPr/>
               <a:t>7</a:t>
             </a:fld>
-            <a:endParaRPr/>
+            <a:endParaRPr>
+              <a:latin typeface="Segoe UI" panose="020B0502040204020203" pitchFamily="34" charset="0"/>
+              <a:cs typeface="Segoe UI" panose="020B0502040204020203" pitchFamily="34" charset="0"/>
+            </a:endParaRPr>
           </a:p>
         </p:txBody>
       </p:sp>
@@ -26500,7 +28669,10 @@
             </a:bodyPr>
             <a:lstStyle/>
             <a:p>
-              <a:endParaRPr sz="2400"/>
+              <a:endParaRPr sz="2400">
+                <a:latin typeface="Segoe UI" panose="020B0502040204020203" pitchFamily="34" charset="0"/>
+                <a:cs typeface="Segoe UI" panose="020B0502040204020203" pitchFamily="34" charset="0"/>
+              </a:endParaRPr>
             </a:p>
           </p:txBody>
         </p:sp>
@@ -26559,7 +28731,10 @@
             </a:bodyPr>
             <a:lstStyle/>
             <a:p>
-              <a:endParaRPr sz="2400"/>
+              <a:endParaRPr sz="2400">
+                <a:latin typeface="Segoe UI" panose="020B0502040204020203" pitchFamily="34" charset="0"/>
+                <a:cs typeface="Segoe UI" panose="020B0502040204020203" pitchFamily="34" charset="0"/>
+              </a:endParaRPr>
             </a:p>
           </p:txBody>
         </p:sp>
@@ -26663,7 +28838,10 @@
             </a:bodyPr>
             <a:lstStyle/>
             <a:p>
-              <a:endParaRPr sz="2400"/>
+              <a:endParaRPr sz="2400">
+                <a:latin typeface="Segoe UI" panose="020B0502040204020203" pitchFamily="34" charset="0"/>
+                <a:cs typeface="Segoe UI" panose="020B0502040204020203" pitchFamily="34" charset="0"/>
+              </a:endParaRPr>
             </a:p>
           </p:txBody>
         </p:sp>
@@ -26718,7 +28896,10 @@
             </a:bodyPr>
             <a:lstStyle/>
             <a:p>
-              <a:endParaRPr sz="2400"/>
+              <a:endParaRPr sz="2400">
+                <a:latin typeface="Segoe UI" panose="020B0502040204020203" pitchFamily="34" charset="0"/>
+                <a:cs typeface="Segoe UI" panose="020B0502040204020203" pitchFamily="34" charset="0"/>
+              </a:endParaRPr>
             </a:p>
           </p:txBody>
         </p:sp>
@@ -26968,7 +29149,10 @@
             </a:bodyPr>
             <a:lstStyle/>
             <a:p>
-              <a:endParaRPr sz="2400"/>
+              <a:endParaRPr sz="2400">
+                <a:latin typeface="Segoe UI" panose="020B0502040204020203" pitchFamily="34" charset="0"/>
+                <a:cs typeface="Segoe UI" panose="020B0502040204020203" pitchFamily="34" charset="0"/>
+              </a:endParaRPr>
             </a:p>
           </p:txBody>
         </p:sp>
@@ -27023,7 +29207,10 @@
             </a:bodyPr>
             <a:lstStyle/>
             <a:p>
-              <a:endParaRPr sz="2400"/>
+              <a:endParaRPr sz="2400">
+                <a:latin typeface="Segoe UI" panose="020B0502040204020203" pitchFamily="34" charset="0"/>
+                <a:cs typeface="Segoe UI" panose="020B0502040204020203" pitchFamily="34" charset="0"/>
+              </a:endParaRPr>
             </a:p>
           </p:txBody>
         </p:sp>
@@ -27096,7 +29283,10 @@
             </a:bodyPr>
             <a:lstStyle/>
             <a:p>
-              <a:endParaRPr sz="2400"/>
+              <a:endParaRPr sz="2400">
+                <a:latin typeface="Segoe UI" panose="020B0502040204020203" pitchFamily="34" charset="0"/>
+                <a:cs typeface="Segoe UI" panose="020B0502040204020203" pitchFamily="34" charset="0"/>
+              </a:endParaRPr>
             </a:p>
           </p:txBody>
         </p:sp>
@@ -27145,7 +29335,10 @@
             </a:bodyPr>
             <a:lstStyle/>
             <a:p>
-              <a:endParaRPr sz="2400"/>
+              <a:endParaRPr sz="2400">
+                <a:latin typeface="Segoe UI" panose="020B0502040204020203" pitchFamily="34" charset="0"/>
+                <a:cs typeface="Segoe UI" panose="020B0502040204020203" pitchFamily="34" charset="0"/>
+              </a:endParaRPr>
             </a:p>
           </p:txBody>
         </p:sp>
@@ -27203,10 +29396,16 @@
           <a:lstStyle/>
           <a:p>
             <a:r>
-              <a:rPr lang="en-US" b="1" dirty="0"/>
+              <a:rPr lang="en-US" b="1" dirty="0">
+                <a:latin typeface="Segoe UI" panose="020B0502040204020203" pitchFamily="34" charset="0"/>
+                <a:cs typeface="Segoe UI" panose="020B0502040204020203" pitchFamily="34" charset="0"/>
+              </a:rPr>
               <a:t>Problem solving patterns</a:t>
             </a:r>
-            <a:endParaRPr lang="en-US" dirty="0"/>
+            <a:endParaRPr lang="en-US" dirty="0">
+              <a:latin typeface="Segoe UI" panose="020B0502040204020203" pitchFamily="34" charset="0"/>
+              <a:cs typeface="Segoe UI" panose="020B0502040204020203" pitchFamily="34" charset="0"/>
+            </a:endParaRPr>
           </a:p>
         </p:txBody>
       </p:sp>
@@ -27236,25 +29435,43 @@
               <a:buChar char="•"/>
             </a:pPr>
             <a:r>
-              <a:rPr lang="en-US" dirty="0" smtClean="0"/>
+              <a:rPr lang="en-US" dirty="0" smtClean="0">
+                <a:latin typeface="Segoe UI" panose="020B0502040204020203" pitchFamily="34" charset="0"/>
+                <a:cs typeface="Segoe UI" panose="020B0502040204020203" pitchFamily="34" charset="0"/>
+              </a:rPr>
               <a:t>Divide-and-conquer</a:t>
             </a:r>
             <a:br>
-              <a:rPr lang="en-US" dirty="0" smtClean="0"/>
+              <a:rPr lang="en-US" dirty="0" smtClean="0">
+                <a:latin typeface="Segoe UI" panose="020B0502040204020203" pitchFamily="34" charset="0"/>
+                <a:cs typeface="Segoe UI" panose="020B0502040204020203" pitchFamily="34" charset="0"/>
+              </a:rPr>
             </a:br>
             <a:r>
-              <a:rPr lang="en-US" dirty="0"/>
+              <a:rPr lang="en-US" dirty="0">
+                <a:latin typeface="Segoe UI" panose="020B0502040204020203" pitchFamily="34" charset="0"/>
+                <a:cs typeface="Segoe UI" panose="020B0502040204020203" pitchFamily="34" charset="0"/>
+              </a:rPr>
               <a:t/>
             </a:r>
             <a:br>
-              <a:rPr lang="en-US" dirty="0"/>
+              <a:rPr lang="en-US" dirty="0">
+                <a:latin typeface="Segoe UI" panose="020B0502040204020203" pitchFamily="34" charset="0"/>
+                <a:cs typeface="Segoe UI" panose="020B0502040204020203" pitchFamily="34" charset="0"/>
+              </a:rPr>
             </a:br>
             <a:r>
-              <a:rPr lang="en-US" dirty="0" smtClean="0"/>
+              <a:rPr lang="en-US" dirty="0" smtClean="0">
+                <a:latin typeface="Segoe UI" panose="020B0502040204020203" pitchFamily="34" charset="0"/>
+                <a:cs typeface="Segoe UI" panose="020B0502040204020203" pitchFamily="34" charset="0"/>
+              </a:rPr>
               <a:t>Merge </a:t>
             </a:r>
             <a:r>
-              <a:rPr lang="en-US" dirty="0"/>
+              <a:rPr lang="en-US" dirty="0">
+                <a:latin typeface="Segoe UI" panose="020B0502040204020203" pitchFamily="34" charset="0"/>
+                <a:cs typeface="Segoe UI" panose="020B0502040204020203" pitchFamily="34" charset="0"/>
+              </a:rPr>
               <a:t>sort and quicksort employ a common algorithmic paradigm based on recursion. This paradigm, divide-and-conquer, breaks a problem into subproblems that are similar to the original problem, recursively solves the subproblems, and finally combines the solutions to the subproblems to solve the original problem.</a:t>
             </a:r>
           </a:p>
@@ -27313,10 +29530,16 @@
           <a:lstStyle/>
           <a:p>
             <a:r>
-              <a:rPr lang="en-US" b="1" dirty="0"/>
+              <a:rPr lang="en-US" b="1" dirty="0">
+                <a:latin typeface="Segoe UI" panose="020B0502040204020203" pitchFamily="34" charset="0"/>
+                <a:cs typeface="Segoe UI" panose="020B0502040204020203" pitchFamily="34" charset="0"/>
+              </a:rPr>
               <a:t>Recursion</a:t>
             </a:r>
-            <a:endParaRPr lang="en-US" dirty="0"/>
+            <a:endParaRPr lang="en-US" dirty="0">
+              <a:latin typeface="Segoe UI" panose="020B0502040204020203" pitchFamily="34" charset="0"/>
+              <a:cs typeface="Segoe UI" panose="020B0502040204020203" pitchFamily="34" charset="0"/>
+            </a:endParaRPr>
           </a:p>
         </p:txBody>
       </p:sp>
@@ -27329,7 +29552,7 @@
         <p:spPr>
           <a:xfrm>
             <a:off x="838200" y="1864570"/>
-            <a:ext cx="7127592" cy="646331"/>
+            <a:ext cx="7649017" cy="646331"/>
           </a:xfrm>
           <a:prstGeom prst="rect">
             <a:avLst/>
@@ -27346,11 +29569,17 @@
               <a:buChar char="•"/>
             </a:pPr>
             <a:r>
-              <a:rPr lang="en-US" dirty="0"/>
+              <a:rPr lang="en-US" dirty="0">
+                <a:latin typeface="Segoe UI" panose="020B0502040204020203" pitchFamily="34" charset="0"/>
+                <a:cs typeface="Segoe UI" panose="020B0502040204020203" pitchFamily="34" charset="0"/>
+              </a:rPr>
               <a:t>when a function calls itself, it is called recursion</a:t>
             </a:r>
             <a:r>
-              <a:rPr lang="en-US" dirty="0" smtClean="0"/>
+              <a:rPr lang="en-US" dirty="0" smtClean="0">
+                <a:latin typeface="Segoe UI" panose="020B0502040204020203" pitchFamily="34" charset="0"/>
+                <a:cs typeface="Segoe UI" panose="020B0502040204020203" pitchFamily="34" charset="0"/>
+              </a:rPr>
               <a:t>.</a:t>
             </a:r>
           </a:p>
@@ -27360,15 +29589,24 @@
               <a:buChar char="•"/>
             </a:pPr>
             <a:r>
-              <a:rPr lang="en-US" dirty="0"/>
+              <a:rPr lang="en-US" dirty="0">
+                <a:latin typeface="Segoe UI" panose="020B0502040204020203" pitchFamily="34" charset="0"/>
+                <a:cs typeface="Segoe UI" panose="020B0502040204020203" pitchFamily="34" charset="0"/>
+              </a:rPr>
               <a:t>each recursive function </a:t>
             </a:r>
             <a:r>
-              <a:rPr lang="en-US" dirty="0" smtClean="0"/>
+              <a:rPr lang="en-US" dirty="0" smtClean="0">
+                <a:latin typeface="Segoe UI" panose="020B0502040204020203" pitchFamily="34" charset="0"/>
+                <a:cs typeface="Segoe UI" panose="020B0502040204020203" pitchFamily="34" charset="0"/>
+              </a:rPr>
               <a:t>should there </a:t>
             </a:r>
             <a:r>
-              <a:rPr lang="en-US" dirty="0"/>
+              <a:rPr lang="en-US" dirty="0">
+                <a:latin typeface="Segoe UI" panose="020B0502040204020203" pitchFamily="34" charset="0"/>
+                <a:cs typeface="Segoe UI" panose="020B0502040204020203" pitchFamily="34" charset="0"/>
+              </a:rPr>
               <a:t>are two cases: basic and recursive.</a:t>
             </a:r>
           </a:p>

--- a/ds&a.pptx
+++ b/ds&a.pptx
@@ -5,7 +5,7 @@
     <p:sldMasterId id="2147483660" r:id="rId1"/>
   </p:sldMasterIdLst>
   <p:notesMasterIdLst>
-    <p:notesMasterId r:id="rId29"/>
+    <p:notesMasterId r:id="rId32"/>
   </p:notesMasterIdLst>
   <p:sldIdLst>
     <p:sldId id="281" r:id="rId2"/>
@@ -33,8 +33,11 @@
     <p:sldId id="264" r:id="rId24"/>
     <p:sldId id="289" r:id="rId25"/>
     <p:sldId id="290" r:id="rId26"/>
-    <p:sldId id="267" r:id="rId27"/>
-    <p:sldId id="280" r:id="rId28"/>
+    <p:sldId id="291" r:id="rId27"/>
+    <p:sldId id="292" r:id="rId28"/>
+    <p:sldId id="293" r:id="rId29"/>
+    <p:sldId id="267" r:id="rId30"/>
+    <p:sldId id="280" r:id="rId31"/>
   </p:sldIdLst>
   <p:sldSz cx="12192000" cy="6858000"/>
   <p:notesSz cx="6858000" cy="9144000"/>
@@ -20166,6 +20169,13 @@
   <p:clrMapOvr>
     <a:masterClrMapping/>
   </p:clrMapOvr>
+  <p:timing>
+    <p:tnLst>
+      <p:par>
+        <p:cTn id="1" dur="indefinite" restart="never" nodeType="tmRoot"/>
+      </p:par>
+    </p:tnLst>
+  </p:timing>
 </p:sld>
 </file>
 
@@ -20759,6 +20769,13 @@
   <p:clrMapOvr>
     <a:masterClrMapping/>
   </p:clrMapOvr>
+  <p:timing>
+    <p:tnLst>
+      <p:par>
+        <p:cTn id="1" dur="indefinite" restart="never" nodeType="tmRoot"/>
+      </p:par>
+    </p:tnLst>
+  </p:timing>
 </p:sld>
 </file>
 
@@ -21330,6 +21347,13 @@
   <p:clrMapOvr>
     <a:masterClrMapping/>
   </p:clrMapOvr>
+  <p:timing>
+    <p:tnLst>
+      <p:par>
+        <p:cTn id="1" dur="indefinite" restart="never" nodeType="tmRoot"/>
+      </p:par>
+    </p:tnLst>
+  </p:timing>
 </p:sld>
 </file>
 
@@ -21360,7 +21384,12 @@
             <p:ph type="title"/>
           </p:nvPr>
         </p:nvSpPr>
-        <p:spPr/>
+        <p:spPr>
+          <a:xfrm>
+            <a:off x="0" y="0"/>
+            <a:ext cx="9610000" cy="844400"/>
+          </a:xfrm>
+        </p:spPr>
         <p:txBody>
           <a:bodyPr/>
           <a:lstStyle/>
@@ -21389,74 +21418,412 @@
             <p:ph idx="1"/>
           </p:nvPr>
         </p:nvSpPr>
-        <p:spPr/>
+        <p:spPr>
+          <a:xfrm>
+            <a:off x="0" y="844400"/>
+            <a:ext cx="9610000" cy="5169538"/>
+          </a:xfrm>
+        </p:spPr>
         <p:txBody>
           <a:bodyPr/>
           <a:lstStyle/>
           <a:p>
-            <a:r>
-              <a:rPr lang="ru-RU" dirty="0">
-                <a:latin typeface="Segoe UI" panose="020B0502040204020203" pitchFamily="34" charset="0"/>
-                <a:cs typeface="Segoe UI" panose="020B0502040204020203" pitchFamily="34" charset="0"/>
-              </a:rPr>
-              <a:t>Задача о семи </a:t>
-            </a:r>
-            <a:r>
-              <a:rPr lang="ru-RU" dirty="0" smtClean="0">
-                <a:latin typeface="Segoe UI" panose="020B0502040204020203" pitchFamily="34" charset="0"/>
-                <a:cs typeface="Segoe UI" panose="020B0502040204020203" pitchFamily="34" charset="0"/>
-              </a:rPr>
-              <a:t>мостах</a:t>
-            </a:r>
-            <a:endParaRPr lang="en-US" dirty="0" smtClean="0">
+            <a:pPr marL="76200" indent="0">
+              <a:buNone/>
+            </a:pPr>
+            <a:endParaRPr lang="en-US" sz="1200" dirty="0">
               <a:latin typeface="Segoe UI" panose="020B0502040204020203" pitchFamily="34" charset="0"/>
               <a:cs typeface="Segoe UI" panose="020B0502040204020203" pitchFamily="34" charset="0"/>
             </a:endParaRPr>
           </a:p>
           <a:p>
-            <a:endParaRPr lang="en-US" dirty="0">
+            <a:pPr marL="76200" indent="0">
+              <a:buNone/>
+            </a:pPr>
+            <a:r>
+              <a:rPr lang="en-US" sz="1200" dirty="0" smtClean="0">
+                <a:latin typeface="Segoe UI" panose="020B0502040204020203" pitchFamily="34" charset="0"/>
+                <a:cs typeface="Segoe UI" panose="020B0502040204020203" pitchFamily="34" charset="0"/>
+              </a:rPr>
+              <a:t>Objectives</a:t>
+            </a:r>
+          </a:p>
+          <a:p>
+            <a:r>
+              <a:rPr lang="en-US" sz="1200" dirty="0" smtClean="0">
+                <a:latin typeface="Segoe UI" panose="020B0502040204020203" pitchFamily="34" charset="0"/>
+                <a:cs typeface="Segoe UI" panose="020B0502040204020203" pitchFamily="34" charset="0"/>
+              </a:rPr>
+              <a:t>Explain what a graph</a:t>
+            </a:r>
+          </a:p>
+          <a:p>
+            <a:r>
+              <a:rPr lang="en-US" sz="1200" dirty="0" smtClean="0">
+                <a:latin typeface="Segoe UI" panose="020B0502040204020203" pitchFamily="34" charset="0"/>
+                <a:cs typeface="Segoe UI" panose="020B0502040204020203" pitchFamily="34" charset="0"/>
+              </a:rPr>
+              <a:t>Compare and contrast different types of graphs and their cases in the real world</a:t>
+            </a:r>
+          </a:p>
+          <a:p>
+            <a:r>
+              <a:rPr lang="en-US" sz="1200" dirty="0" smtClean="0">
+                <a:latin typeface="Segoe UI" panose="020B0502040204020203" pitchFamily="34" charset="0"/>
+                <a:cs typeface="Segoe UI" panose="020B0502040204020203" pitchFamily="34" charset="0"/>
+              </a:rPr>
+              <a:t>Implement a graph using adjacency list</a:t>
+            </a:r>
+          </a:p>
+          <a:p>
+            <a:r>
+              <a:rPr lang="en-US" sz="1200" dirty="0" smtClean="0">
+                <a:latin typeface="Segoe UI" panose="020B0502040204020203" pitchFamily="34" charset="0"/>
+                <a:cs typeface="Segoe UI" panose="020B0502040204020203" pitchFamily="34" charset="0"/>
+              </a:rPr>
+              <a:t>Traverse through a graph using BFS and DFS</a:t>
+            </a:r>
+          </a:p>
+          <a:p>
+            <a:r>
+              <a:rPr lang="en-US" sz="1200" dirty="0">
+                <a:latin typeface="Segoe UI" panose="020B0502040204020203" pitchFamily="34" charset="0"/>
+                <a:cs typeface="Segoe UI" panose="020B0502040204020203" pitchFamily="34" charset="0"/>
+              </a:rPr>
+              <a:t>Compare and </a:t>
+            </a:r>
+            <a:r>
+              <a:rPr lang="en-US" sz="1200" dirty="0" smtClean="0">
+                <a:latin typeface="Segoe UI" panose="020B0502040204020203" pitchFamily="34" charset="0"/>
+                <a:cs typeface="Segoe UI" panose="020B0502040204020203" pitchFamily="34" charset="0"/>
+              </a:rPr>
+              <a:t>contrast graph traversal algorithms</a:t>
+            </a:r>
+            <a:endParaRPr lang="en-US" sz="1200" dirty="0" smtClean="0">
               <a:latin typeface="Segoe UI" panose="020B0502040204020203" pitchFamily="34" charset="0"/>
               <a:cs typeface="Segoe UI" panose="020B0502040204020203" pitchFamily="34" charset="0"/>
             </a:endParaRPr>
           </a:p>
           <a:p>
-            <a:r>
-              <a:rPr lang="en-US" dirty="0" smtClean="0">
-                <a:latin typeface="Segoe UI" panose="020B0502040204020203" pitchFamily="34" charset="0"/>
-                <a:cs typeface="Segoe UI" panose="020B0502040204020203" pitchFamily="34" charset="0"/>
-              </a:rPr>
-              <a:t>Dracula for </a:t>
-            </a:r>
-            <a:r>
-              <a:rPr lang="en-US" smtClean="0">
-                <a:latin typeface="Segoe UI" panose="020B0502040204020203" pitchFamily="34" charset="0"/>
-                <a:cs typeface="Segoe UI" panose="020B0502040204020203" pitchFamily="34" charset="0"/>
-              </a:rPr>
-              <a:t>graph visualization</a:t>
-            </a:r>
-            <a:endParaRPr lang="ru-RU" dirty="0">
+            <a:endParaRPr lang="en-US" sz="1200" dirty="0" smtClean="0">
               <a:latin typeface="Segoe UI" panose="020B0502040204020203" pitchFamily="34" charset="0"/>
               <a:cs typeface="Segoe UI" panose="020B0502040204020203" pitchFamily="34" charset="0"/>
             </a:endParaRPr>
           </a:p>
           <a:p>
-            <a:endParaRPr lang="en-US" dirty="0">
+            <a:pPr marL="76200" indent="0">
+              <a:buNone/>
+            </a:pPr>
+            <a:r>
+              <a:rPr lang="en-US" sz="1200" dirty="0" smtClean="0">
+                <a:latin typeface="Segoe UI" panose="020B0502040204020203" pitchFamily="34" charset="0"/>
+                <a:cs typeface="Segoe UI" panose="020B0502040204020203" pitchFamily="34" charset="0"/>
+              </a:rPr>
+              <a:t>What is graph? </a:t>
+            </a:r>
+          </a:p>
+          <a:p>
+            <a:pPr marL="76200" indent="0">
+              <a:buNone/>
+            </a:pPr>
+            <a:r>
+              <a:rPr lang="en-US" sz="1200" dirty="0" smtClean="0">
+                <a:latin typeface="Segoe UI" panose="020B0502040204020203" pitchFamily="34" charset="0"/>
+                <a:cs typeface="Segoe UI" panose="020B0502040204020203" pitchFamily="34" charset="0"/>
+              </a:rPr>
+              <a:t>Graph is a data structure consists of a finite (and possibly mutable) set of vertices or nodes or points, together with a set of unordered pairs of these vertices for an undirected graph or a set of ordered pairs for a directed graph</a:t>
+            </a:r>
+            <a:endParaRPr lang="en-US" sz="1200" dirty="0" smtClean="0">
               <a:latin typeface="Segoe UI" panose="020B0502040204020203" pitchFamily="34" charset="0"/>
               <a:cs typeface="Segoe UI" panose="020B0502040204020203" pitchFamily="34" charset="0"/>
             </a:endParaRPr>
           </a:p>
+          <a:p>
+            <a:pPr marL="76200" indent="0">
+              <a:buNone/>
+            </a:pPr>
+            <a:r>
+              <a:rPr lang="en-US" sz="1200" dirty="0" smtClean="0">
+                <a:solidFill>
+                  <a:schemeClr val="accent3">
+                    <a:lumMod val="50000"/>
+                  </a:schemeClr>
+                </a:solidFill>
+                <a:latin typeface="Segoe UI" panose="020B0502040204020203" pitchFamily="34" charset="0"/>
+                <a:cs typeface="Segoe UI" panose="020B0502040204020203" pitchFamily="34" charset="0"/>
+              </a:rPr>
+              <a:t>(Nodes and connections)</a:t>
+            </a:r>
+          </a:p>
+          <a:p>
+            <a:pPr marL="76200" indent="0">
+              <a:buNone/>
+            </a:pPr>
+            <a:endParaRPr lang="en-US" sz="1200" dirty="0">
+              <a:solidFill>
+                <a:schemeClr val="accent3">
+                  <a:lumMod val="50000"/>
+                </a:schemeClr>
+              </a:solidFill>
+              <a:latin typeface="Segoe UI" panose="020B0502040204020203" pitchFamily="34" charset="0"/>
+              <a:cs typeface="Segoe UI" panose="020B0502040204020203" pitchFamily="34" charset="0"/>
+            </a:endParaRPr>
+          </a:p>
+          <a:p>
+            <a:pPr marL="76200" indent="0">
+              <a:buNone/>
+            </a:pPr>
+            <a:r>
+              <a:rPr lang="en-US" sz="1200" dirty="0" smtClean="0">
+                <a:solidFill>
+                  <a:schemeClr val="tx1"/>
+                </a:solidFill>
+                <a:latin typeface="Segoe UI" panose="020B0502040204020203" pitchFamily="34" charset="0"/>
+                <a:cs typeface="Segoe UI" panose="020B0502040204020203" pitchFamily="34" charset="0"/>
+              </a:rPr>
+              <a:t>Tree is a  type of graph, but graph ha no root element, or child nodes, there are just nodes, connected with each other</a:t>
+            </a:r>
+          </a:p>
+          <a:p>
+            <a:pPr marL="76200" indent="0">
+              <a:buNone/>
+            </a:pPr>
+            <a:r>
+              <a:rPr lang="en-US" sz="1200" dirty="0">
+                <a:solidFill>
+                  <a:schemeClr val="tx1"/>
+                </a:solidFill>
+                <a:latin typeface="Segoe UI" panose="020B0502040204020203" pitchFamily="34" charset="0"/>
+                <a:cs typeface="Segoe UI" panose="020B0502040204020203" pitchFamily="34" charset="0"/>
+              </a:rPr>
+              <a:t>In graph theory, a tree is an undirected graph in which any two vertices are connected by exactly one </a:t>
+            </a:r>
+            <a:r>
+              <a:rPr lang="en-US" sz="1200" dirty="0" smtClean="0">
+                <a:solidFill>
+                  <a:schemeClr val="tx1"/>
+                </a:solidFill>
+                <a:latin typeface="Segoe UI" panose="020B0502040204020203" pitchFamily="34" charset="0"/>
+                <a:cs typeface="Segoe UI" panose="020B0502040204020203" pitchFamily="34" charset="0"/>
+              </a:rPr>
+              <a:t>path</a:t>
+            </a:r>
+          </a:p>
+          <a:p>
+            <a:pPr marL="76200" indent="0">
+              <a:buNone/>
+            </a:pPr>
+            <a:endParaRPr lang="en-US" sz="1200" dirty="0">
+              <a:solidFill>
+                <a:schemeClr val="tx1"/>
+              </a:solidFill>
+              <a:latin typeface="Segoe UI" panose="020B0502040204020203" pitchFamily="34" charset="0"/>
+              <a:cs typeface="Segoe UI" panose="020B0502040204020203" pitchFamily="34" charset="0"/>
+            </a:endParaRPr>
+          </a:p>
+          <a:p>
+            <a:r>
+              <a:rPr lang="en-US" sz="1200" dirty="0">
+                <a:latin typeface="Segoe UI" panose="020B0502040204020203" pitchFamily="34" charset="0"/>
+                <a:cs typeface="Segoe UI" panose="020B0502040204020203" pitchFamily="34" charset="0"/>
+              </a:rPr>
+              <a:t>Any social network – friend</a:t>
+            </a:r>
+          </a:p>
+          <a:p>
+            <a:r>
+              <a:rPr lang="en-US" sz="1200" dirty="0">
+                <a:latin typeface="Segoe UI" panose="020B0502040204020203" pitchFamily="34" charset="0"/>
+                <a:cs typeface="Segoe UI" panose="020B0502040204020203" pitchFamily="34" charset="0"/>
+              </a:rPr>
+              <a:t>Recommendation </a:t>
+            </a:r>
+            <a:r>
+              <a:rPr lang="en-US" sz="1200" dirty="0" smtClean="0">
+                <a:latin typeface="Segoe UI" panose="020B0502040204020203" pitchFamily="34" charset="0"/>
+                <a:cs typeface="Segoe UI" panose="020B0502040204020203" pitchFamily="34" charset="0"/>
+              </a:rPr>
+              <a:t>engines(people also watched, You might also like…, people you might know)</a:t>
+            </a:r>
+          </a:p>
+          <a:p>
+            <a:r>
+              <a:rPr lang="en-US" sz="1200" dirty="0" smtClean="0">
+                <a:latin typeface="Segoe UI" panose="020B0502040204020203" pitchFamily="34" charset="0"/>
+                <a:cs typeface="Segoe UI" panose="020B0502040204020203" pitchFamily="34" charset="0"/>
+              </a:rPr>
+              <a:t>Routing algorithms( cities are nodes and routes between there is edges)</a:t>
+            </a:r>
+          </a:p>
+          <a:p>
+            <a:r>
+              <a:rPr lang="en-US" sz="1200" dirty="0" smtClean="0">
+                <a:latin typeface="Segoe UI" panose="020B0502040204020203" pitchFamily="34" charset="0"/>
+                <a:cs typeface="Segoe UI" panose="020B0502040204020203" pitchFamily="34" charset="0"/>
+              </a:rPr>
+              <a:t>Web – pages linked to other pages</a:t>
+            </a:r>
+            <a:endParaRPr lang="en-US" sz="1200" dirty="0">
+              <a:latin typeface="Segoe UI" panose="020B0502040204020203" pitchFamily="34" charset="0"/>
+              <a:cs typeface="Segoe UI" panose="020B0502040204020203" pitchFamily="34" charset="0"/>
+            </a:endParaRPr>
+          </a:p>
+          <a:p>
+            <a:r>
+              <a:rPr lang="en-US" sz="1200" dirty="0" smtClean="0">
+                <a:latin typeface="Segoe UI" panose="020B0502040204020203" pitchFamily="34" charset="0"/>
+                <a:cs typeface="Segoe UI" panose="020B0502040204020203" pitchFamily="34" charset="0"/>
+              </a:rPr>
+              <a:t>Everywhere</a:t>
+            </a:r>
+          </a:p>
+          <a:p>
+            <a:pPr marL="76200" indent="0">
+              <a:buNone/>
+            </a:pPr>
+            <a:endParaRPr lang="en-US" sz="1200" dirty="0" smtClean="0">
+              <a:latin typeface="Segoe UI" panose="020B0502040204020203" pitchFamily="34" charset="0"/>
+              <a:cs typeface="Segoe UI" panose="020B0502040204020203" pitchFamily="34" charset="0"/>
+            </a:endParaRPr>
+          </a:p>
+          <a:p>
+            <a:pPr marL="76200" indent="0">
+              <a:buNone/>
+            </a:pPr>
+            <a:r>
+              <a:rPr lang="en-US" sz="1200" dirty="0">
+                <a:latin typeface="Segoe UI" panose="020B0502040204020203" pitchFamily="34" charset="0"/>
+                <a:cs typeface="Segoe UI" panose="020B0502040204020203" pitchFamily="34" charset="0"/>
+                <a:hlinkClick r:id="rId2"/>
+              </a:rPr>
+              <a:t>https://musicmap.info/</a:t>
+            </a:r>
+            <a:endParaRPr lang="en-US" sz="1200" dirty="0">
+              <a:latin typeface="Segoe UI" panose="020B0502040204020203" pitchFamily="34" charset="0"/>
+              <a:cs typeface="Segoe UI" panose="020B0502040204020203" pitchFamily="34" charset="0"/>
+            </a:endParaRPr>
+          </a:p>
+          <a:p>
+            <a:pPr marL="76200" indent="0">
+              <a:buNone/>
+            </a:pPr>
+            <a:endParaRPr lang="en-US" sz="1200" dirty="0">
+              <a:solidFill>
+                <a:schemeClr val="tx1"/>
+              </a:solidFill>
+              <a:latin typeface="Segoe UI" panose="020B0502040204020203" pitchFamily="34" charset="0"/>
+              <a:cs typeface="Segoe UI" panose="020B0502040204020203" pitchFamily="34" charset="0"/>
+            </a:endParaRPr>
+          </a:p>
         </p:txBody>
       </p:sp>
+      <p:pic>
+        <p:nvPicPr>
+          <p:cNvPr id="4" name="Рисунок 3"/>
+          <p:cNvPicPr>
+            <a:picLocks noChangeAspect="1"/>
+          </p:cNvPicPr>
+          <p:nvPr/>
+        </p:nvPicPr>
+        <p:blipFill>
+          <a:blip r:embed="rId3" cstate="print">
+            <a:extLst>
+              <a:ext uri="{28A0092B-C50C-407E-A947-70E740481C1C}">
+                <a14:useLocalDpi xmlns:a14="http://schemas.microsoft.com/office/drawing/2010/main" val="0"/>
+              </a:ext>
+            </a:extLst>
+          </a:blip>
+          <a:stretch>
+            <a:fillRect/>
+          </a:stretch>
+        </p:blipFill>
+        <p:spPr>
+          <a:xfrm>
+            <a:off x="9252024" y="0"/>
+            <a:ext cx="2939976" cy="2617787"/>
+          </a:xfrm>
+          <a:prstGeom prst="rect">
+            <a:avLst/>
+          </a:prstGeom>
+        </p:spPr>
+      </p:pic>
+      <p:pic>
+        <p:nvPicPr>
+          <p:cNvPr id="5" name="Picture 4"/>
+          <p:cNvPicPr>
+            <a:picLocks noChangeAspect="1"/>
+          </p:cNvPicPr>
+          <p:nvPr/>
+        </p:nvPicPr>
+        <p:blipFill>
+          <a:blip r:embed="rId4">
+            <a:extLst>
+              <a:ext uri="{28A0092B-C50C-407E-A947-70E740481C1C}">
+                <a14:useLocalDpi xmlns:a14="http://schemas.microsoft.com/office/drawing/2010/main" val="0"/>
+              </a:ext>
+            </a:extLst>
+          </a:blip>
+          <a:stretch>
+            <a:fillRect/>
+          </a:stretch>
+        </p:blipFill>
+        <p:spPr>
+          <a:xfrm>
+            <a:off x="4805000" y="242093"/>
+            <a:ext cx="4286250" cy="1066800"/>
+          </a:xfrm>
+          <a:prstGeom prst="rect">
+            <a:avLst/>
+          </a:prstGeom>
+        </p:spPr>
+      </p:pic>
+      <p:pic>
+        <p:nvPicPr>
+          <p:cNvPr id="6" name="Picture 5"/>
+          <p:cNvPicPr>
+            <a:picLocks noChangeAspect="1"/>
+          </p:cNvPicPr>
+          <p:nvPr/>
+        </p:nvPicPr>
+        <p:blipFill>
+          <a:blip r:embed="rId5">
+            <a:extLst>
+              <a:ext uri="{28A0092B-C50C-407E-A947-70E740481C1C}">
+                <a14:useLocalDpi xmlns:a14="http://schemas.microsoft.com/office/drawing/2010/main" val="0"/>
+              </a:ext>
+            </a:extLst>
+          </a:blip>
+          <a:stretch>
+            <a:fillRect/>
+          </a:stretch>
+        </p:blipFill>
+        <p:spPr>
+          <a:xfrm>
+            <a:off x="8591032" y="3272403"/>
+            <a:ext cx="3395813" cy="3395813"/>
+          </a:xfrm>
+          <a:prstGeom prst="rect">
+            <a:avLst/>
+          </a:prstGeom>
+        </p:spPr>
+      </p:pic>
     </p:spTree>
     <p:extLst>
       <p:ext uri="{BB962C8B-B14F-4D97-AF65-F5344CB8AC3E}">
-        <p14:creationId xmlns:p14="http://schemas.microsoft.com/office/powerpoint/2010/main" val="1141804580"/>
+        <p14:creationId xmlns:p14="http://schemas.microsoft.com/office/powerpoint/2010/main" val="265621626"/>
       </p:ext>
     </p:extLst>
   </p:cSld>
   <p:clrMapOvr>
     <a:masterClrMapping/>
   </p:clrMapOvr>
+  <p:timing>
+    <p:tnLst>
+      <p:par>
+        <p:cTn id="1" dur="indefinite" restart="never" nodeType="tmRoot"/>
+      </p:par>
+    </p:tnLst>
+  </p:timing>
 </p:sld>
 </file>
 
@@ -21487,17 +21854,289 @@
             <p:ph type="title"/>
           </p:nvPr>
         </p:nvSpPr>
+        <p:spPr>
+          <a:xfrm>
+            <a:off x="0" y="0"/>
+            <a:ext cx="9610000" cy="844400"/>
+          </a:xfrm>
+        </p:spPr>
+        <p:txBody>
+          <a:bodyPr/>
+          <a:lstStyle/>
+          <a:p>
+            <a:r>
+              <a:rPr lang="en-US" b="1" dirty="0">
+                <a:latin typeface="Segoe UI" panose="020B0502040204020203" pitchFamily="34" charset="0"/>
+                <a:cs typeface="Segoe UI" panose="020B0502040204020203" pitchFamily="34" charset="0"/>
+              </a:rPr>
+              <a:t>Graphs</a:t>
+            </a:r>
+            <a:endParaRPr lang="en-US" dirty="0">
+              <a:latin typeface="Segoe UI" panose="020B0502040204020203" pitchFamily="34" charset="0"/>
+              <a:cs typeface="Segoe UI" panose="020B0502040204020203" pitchFamily="34" charset="0"/>
+            </a:endParaRPr>
+          </a:p>
+        </p:txBody>
+      </p:sp>
+      <p:sp>
+        <p:nvSpPr>
+          <p:cNvPr id="8" name="Content Placeholder 7"/>
+          <p:cNvSpPr>
+            <a:spLocks noGrp="1"/>
+          </p:cNvSpPr>
+          <p:nvPr>
+            <p:ph idx="1"/>
+          </p:nvPr>
+        </p:nvSpPr>
+        <p:spPr>
+          <a:xfrm>
+            <a:off x="0" y="990678"/>
+            <a:ext cx="9610000" cy="5515629"/>
+          </a:xfrm>
+        </p:spPr>
+        <p:txBody>
+          <a:bodyPr/>
+          <a:lstStyle/>
+          <a:p>
+            <a:pPr marL="76200" indent="0">
+              <a:buNone/>
+            </a:pPr>
+            <a:r>
+              <a:rPr lang="en-US" dirty="0" smtClean="0">
+                <a:latin typeface="Segoe UI" panose="020B0502040204020203" pitchFamily="34" charset="0"/>
+                <a:cs typeface="Segoe UI" panose="020B0502040204020203" pitchFamily="34" charset="0"/>
+              </a:rPr>
+              <a:t>Terminology</a:t>
+            </a:r>
+          </a:p>
+          <a:p>
+            <a:r>
+              <a:rPr lang="en-US" dirty="0" smtClean="0">
+                <a:latin typeface="Segoe UI" panose="020B0502040204020203" pitchFamily="34" charset="0"/>
+                <a:cs typeface="Segoe UI" panose="020B0502040204020203" pitchFamily="34" charset="0"/>
+              </a:rPr>
+              <a:t>Vertex – a node</a:t>
+            </a:r>
+          </a:p>
+          <a:p>
+            <a:r>
+              <a:rPr lang="en-US" dirty="0" smtClean="0">
+                <a:latin typeface="Segoe UI" panose="020B0502040204020203" pitchFamily="34" charset="0"/>
+                <a:cs typeface="Segoe UI" panose="020B0502040204020203" pitchFamily="34" charset="0"/>
+              </a:rPr>
+              <a:t>Edge – connection between nodes</a:t>
+            </a:r>
+          </a:p>
+          <a:p>
+            <a:r>
+              <a:rPr lang="en-US" dirty="0" smtClean="0">
+                <a:latin typeface="Segoe UI" panose="020B0502040204020203" pitchFamily="34" charset="0"/>
+                <a:cs typeface="Segoe UI" panose="020B0502040204020203" pitchFamily="34" charset="0"/>
+              </a:rPr>
+              <a:t>Weighted / Unweighted – values assigned to distances between vertices ( map / Instagram followers )</a:t>
+            </a:r>
+          </a:p>
+          <a:p>
+            <a:r>
+              <a:rPr lang="en-US" dirty="0" smtClean="0">
+                <a:latin typeface="Segoe UI" panose="020B0502040204020203" pitchFamily="34" charset="0"/>
+                <a:cs typeface="Segoe UI" panose="020B0502040204020203" pitchFamily="34" charset="0"/>
+              </a:rPr>
+              <a:t>Directed / Undirected – directions assigned to distanced </a:t>
+            </a:r>
+            <a:r>
+              <a:rPr lang="en-US" dirty="0">
+                <a:latin typeface="Segoe UI" panose="020B0502040204020203" pitchFamily="34" charset="0"/>
+                <a:cs typeface="Segoe UI" panose="020B0502040204020203" pitchFamily="34" charset="0"/>
+              </a:rPr>
+              <a:t>between vertices (one way </a:t>
+            </a:r>
+            <a:r>
+              <a:rPr lang="en-US" dirty="0" smtClean="0">
+                <a:latin typeface="Segoe UI" panose="020B0502040204020203" pitchFamily="34" charset="0"/>
+                <a:cs typeface="Segoe UI" panose="020B0502040204020203" pitchFamily="34" charset="0"/>
+              </a:rPr>
+              <a:t>street / friends </a:t>
+            </a:r>
+            <a:r>
+              <a:rPr lang="en-US" dirty="0">
+                <a:latin typeface="Segoe UI" panose="020B0502040204020203" pitchFamily="34" charset="0"/>
+                <a:cs typeface="Segoe UI" panose="020B0502040204020203" pitchFamily="34" charset="0"/>
+              </a:rPr>
+              <a:t>on </a:t>
+            </a:r>
+            <a:r>
+              <a:rPr lang="en-US" dirty="0" smtClean="0">
+                <a:latin typeface="Segoe UI" panose="020B0502040204020203" pitchFamily="34" charset="0"/>
+                <a:cs typeface="Segoe UI" panose="020B0502040204020203" pitchFamily="34" charset="0"/>
+              </a:rPr>
+              <a:t>Facebook )</a:t>
+            </a:r>
+          </a:p>
+          <a:p>
+            <a:endParaRPr lang="en-US" dirty="0">
+              <a:latin typeface="Segoe UI" panose="020B0502040204020203" pitchFamily="34" charset="0"/>
+              <a:cs typeface="Segoe UI" panose="020B0502040204020203" pitchFamily="34" charset="0"/>
+            </a:endParaRPr>
+          </a:p>
+        </p:txBody>
+      </p:sp>
+    </p:spTree>
+    <p:extLst>
+      <p:ext uri="{BB962C8B-B14F-4D97-AF65-F5344CB8AC3E}">
+        <p14:creationId xmlns:p14="http://schemas.microsoft.com/office/powerpoint/2010/main" val="4274038994"/>
+      </p:ext>
+    </p:extLst>
+  </p:cSld>
+  <p:clrMapOvr>
+    <a:masterClrMapping/>
+  </p:clrMapOvr>
+  <p:timing>
+    <p:tnLst>
+      <p:par>
+        <p:cTn id="1" dur="indefinite" restart="never" nodeType="tmRoot"/>
+      </p:par>
+    </p:tnLst>
+  </p:timing>
+</p:sld>
+</file>
+
+<file path=ppt/slides/slide28.xml><?xml version="1.0" encoding="utf-8"?>
+<p:sld xmlns:a="http://schemas.openxmlformats.org/drawingml/2006/main" xmlns:r="http://schemas.openxmlformats.org/officeDocument/2006/relationships" xmlns:p="http://schemas.openxmlformats.org/presentationml/2006/main">
+  <p:cSld>
+    <p:spTree>
+      <p:nvGrpSpPr>
+        <p:cNvPr id="1" name=""/>
+        <p:cNvGrpSpPr/>
+        <p:nvPr/>
+      </p:nvGrpSpPr>
+      <p:grpSpPr>
+        <a:xfrm>
+          <a:off x="0" y="0"/>
+          <a:ext cx="0" cy="0"/>
+          <a:chOff x="0" y="0"/>
+          <a:chExt cx="0" cy="0"/>
+        </a:xfrm>
+      </p:grpSpPr>
+      <p:sp>
+        <p:nvSpPr>
+          <p:cNvPr id="2" name="Title 1"/>
+          <p:cNvSpPr>
+            <a:spLocks noGrp="1"/>
+          </p:cNvSpPr>
+          <p:nvPr>
+            <p:ph type="title"/>
+          </p:nvPr>
+        </p:nvSpPr>
+        <p:spPr>
+          <a:xfrm>
+            <a:off x="0" y="0"/>
+            <a:ext cx="9610000" cy="844400"/>
+          </a:xfrm>
+        </p:spPr>
+        <p:txBody>
+          <a:bodyPr/>
+          <a:lstStyle/>
+          <a:p>
+            <a:r>
+              <a:rPr lang="en-US" b="1" dirty="0">
+                <a:latin typeface="Segoe UI" panose="020B0502040204020203" pitchFamily="34" charset="0"/>
+                <a:cs typeface="Segoe UI" panose="020B0502040204020203" pitchFamily="34" charset="0"/>
+              </a:rPr>
+              <a:t>Graphs</a:t>
+            </a:r>
+            <a:endParaRPr lang="en-US" dirty="0">
+              <a:latin typeface="Segoe UI" panose="020B0502040204020203" pitchFamily="34" charset="0"/>
+              <a:cs typeface="Segoe UI" panose="020B0502040204020203" pitchFamily="34" charset="0"/>
+            </a:endParaRPr>
+          </a:p>
+        </p:txBody>
+      </p:sp>
+      <p:sp>
+        <p:nvSpPr>
+          <p:cNvPr id="3" name="Content Placeholder 2"/>
+          <p:cNvSpPr>
+            <a:spLocks noGrp="1"/>
+          </p:cNvSpPr>
+          <p:nvPr>
+            <p:ph idx="1"/>
+          </p:nvPr>
+        </p:nvSpPr>
+        <p:spPr>
+          <a:xfrm>
+            <a:off x="284802" y="1096187"/>
+            <a:ext cx="9610000" cy="3676800"/>
+          </a:xfrm>
+        </p:spPr>
+        <p:txBody>
+          <a:bodyPr/>
+          <a:lstStyle/>
+          <a:p>
+            <a:endParaRPr lang="en-US" dirty="0">
+              <a:latin typeface="Segoe UI" panose="020B0502040204020203" pitchFamily="34" charset="0"/>
+              <a:cs typeface="Segoe UI" panose="020B0502040204020203" pitchFamily="34" charset="0"/>
+            </a:endParaRPr>
+          </a:p>
+        </p:txBody>
+      </p:sp>
+    </p:spTree>
+    <p:extLst>
+      <p:ext uri="{BB962C8B-B14F-4D97-AF65-F5344CB8AC3E}">
+        <p14:creationId xmlns:p14="http://schemas.microsoft.com/office/powerpoint/2010/main" val="3103039562"/>
+      </p:ext>
+    </p:extLst>
+  </p:cSld>
+  <p:clrMapOvr>
+    <a:masterClrMapping/>
+  </p:clrMapOvr>
+  <p:timing>
+    <p:tnLst>
+      <p:par>
+        <p:cTn id="1" dur="indefinite" restart="never" nodeType="tmRoot"/>
+      </p:par>
+    </p:tnLst>
+  </p:timing>
+</p:sld>
+</file>
+
+<file path=ppt/slides/slide29.xml><?xml version="1.0" encoding="utf-8"?>
+<p:sld xmlns:a="http://schemas.openxmlformats.org/drawingml/2006/main" xmlns:r="http://schemas.openxmlformats.org/officeDocument/2006/relationships" xmlns:p="http://schemas.openxmlformats.org/presentationml/2006/main">
+  <p:cSld>
+    <p:spTree>
+      <p:nvGrpSpPr>
+        <p:cNvPr id="1" name=""/>
+        <p:cNvGrpSpPr/>
+        <p:nvPr/>
+      </p:nvGrpSpPr>
+      <p:grpSpPr>
+        <a:xfrm>
+          <a:off x="0" y="0"/>
+          <a:ext cx="0" cy="0"/>
+          <a:chOff x="0" y="0"/>
+          <a:chExt cx="0" cy="0"/>
+        </a:xfrm>
+      </p:grpSpPr>
+      <p:sp>
+        <p:nvSpPr>
+          <p:cNvPr id="2" name="Title 1"/>
+          <p:cNvSpPr>
+            <a:spLocks noGrp="1"/>
+          </p:cNvSpPr>
+          <p:nvPr>
+            <p:ph type="title"/>
+          </p:nvPr>
+        </p:nvSpPr>
         <p:spPr/>
         <p:txBody>
           <a:bodyPr/>
           <a:lstStyle/>
           <a:p>
             <a:r>
-              <a:rPr lang="en-US" b="1" dirty="0" smtClean="0">
-                <a:latin typeface="Segoe UI" panose="020B0502040204020203" pitchFamily="34" charset="0"/>
-                <a:cs typeface="Segoe UI" panose="020B0502040204020203" pitchFamily="34" charset="0"/>
-              </a:rPr>
-              <a:t>notes</a:t>
+              <a:rPr lang="en-US" b="1" dirty="0">
+                <a:latin typeface="Segoe UI" panose="020B0502040204020203" pitchFamily="34" charset="0"/>
+                <a:cs typeface="Segoe UI" panose="020B0502040204020203" pitchFamily="34" charset="0"/>
+              </a:rPr>
+              <a:t>Graphs</a:t>
             </a:r>
             <a:endParaRPr lang="en-US" dirty="0">
               <a:latin typeface="Segoe UI" panose="020B0502040204020203" pitchFamily="34" charset="0"/>
@@ -21522,88 +22161,46 @@
           <a:lstStyle/>
           <a:p>
             <a:r>
+              <a:rPr lang="ru-RU" dirty="0">
+                <a:latin typeface="Segoe UI" panose="020B0502040204020203" pitchFamily="34" charset="0"/>
+                <a:cs typeface="Segoe UI" panose="020B0502040204020203" pitchFamily="34" charset="0"/>
+              </a:rPr>
+              <a:t>Задача о семи </a:t>
+            </a:r>
+            <a:r>
+              <a:rPr lang="ru-RU" dirty="0" smtClean="0">
+                <a:latin typeface="Segoe UI" panose="020B0502040204020203" pitchFamily="34" charset="0"/>
+                <a:cs typeface="Segoe UI" panose="020B0502040204020203" pitchFamily="34" charset="0"/>
+              </a:rPr>
+              <a:t>мостах</a:t>
+            </a:r>
+            <a:endParaRPr lang="en-US" dirty="0" smtClean="0">
+              <a:latin typeface="Segoe UI" panose="020B0502040204020203" pitchFamily="34" charset="0"/>
+              <a:cs typeface="Segoe UI" panose="020B0502040204020203" pitchFamily="34" charset="0"/>
+            </a:endParaRPr>
+          </a:p>
+          <a:p>
+            <a:endParaRPr lang="en-US" dirty="0">
+              <a:latin typeface="Segoe UI" panose="020B0502040204020203" pitchFamily="34" charset="0"/>
+              <a:cs typeface="Segoe UI" panose="020B0502040204020203" pitchFamily="34" charset="0"/>
+            </a:endParaRPr>
+          </a:p>
+          <a:p>
+            <a:r>
               <a:rPr lang="en-US" dirty="0" smtClean="0">
                 <a:latin typeface="Segoe UI" panose="020B0502040204020203" pitchFamily="34" charset="0"/>
                 <a:cs typeface="Segoe UI" panose="020B0502040204020203" pitchFamily="34" charset="0"/>
               </a:rPr>
-              <a:t>Open all depends</a:t>
-            </a:r>
-          </a:p>
-          <a:p>
-            <a:r>
-              <a:rPr lang="en-US" dirty="0" err="1" smtClean="0">
-                <a:solidFill>
-                  <a:srgbClr val="FF0000"/>
-                </a:solidFill>
-                <a:latin typeface="Segoe UI" panose="020B0502040204020203" pitchFamily="34" charset="0"/>
-                <a:cs typeface="Segoe UI" panose="020B0502040204020203" pitchFamily="34" charset="0"/>
-              </a:rPr>
-              <a:t>Kapy</a:t>
-            </a:r>
-            <a:r>
-              <a:rPr lang="en-US" dirty="0" smtClean="0">
-                <a:solidFill>
-                  <a:srgbClr val="FF0000"/>
-                </a:solidFill>
-                <a:latin typeface="Segoe UI" panose="020B0502040204020203" pitchFamily="34" charset="0"/>
-                <a:cs typeface="Segoe UI" panose="020B0502040204020203" pitchFamily="34" charset="0"/>
-              </a:rPr>
-              <a:t> </a:t>
-            </a:r>
-            <a:r>
-              <a:rPr lang="en-US" dirty="0" err="1" smtClean="0">
-                <a:solidFill>
-                  <a:srgbClr val="FF0000"/>
-                </a:solidFill>
-                <a:latin typeface="Segoe UI" panose="020B0502040204020203" pitchFamily="34" charset="0"/>
-                <a:cs typeface="Segoe UI" panose="020B0502040204020203" pitchFamily="34" charset="0"/>
-              </a:rPr>
-              <a:t>algoneri</a:t>
-            </a:r>
-            <a:r>
-              <a:rPr lang="en-US" dirty="0" smtClean="0">
-                <a:solidFill>
-                  <a:srgbClr val="FF0000"/>
-                </a:solidFill>
-                <a:latin typeface="Segoe UI" panose="020B0502040204020203" pitchFamily="34" charset="0"/>
-                <a:cs typeface="Segoe UI" panose="020B0502040204020203" pitchFamily="34" charset="0"/>
-              </a:rPr>
-              <a:t> u ds </a:t>
-            </a:r>
-            <a:r>
-              <a:rPr lang="en-US" dirty="0" err="1" smtClean="0">
-                <a:solidFill>
-                  <a:srgbClr val="FF0000"/>
-                </a:solidFill>
-                <a:latin typeface="Segoe UI" panose="020B0502040204020203" pitchFamily="34" charset="0"/>
-                <a:cs typeface="Segoe UI" panose="020B0502040204020203" pitchFamily="34" charset="0"/>
-              </a:rPr>
-              <a:t>neri</a:t>
-            </a:r>
-            <a:r>
-              <a:rPr lang="en-US" dirty="0" smtClean="0">
-                <a:solidFill>
-                  <a:srgbClr val="FF0000"/>
-                </a:solidFill>
-                <a:latin typeface="Segoe UI" panose="020B0502040204020203" pitchFamily="34" charset="0"/>
-                <a:cs typeface="Segoe UI" panose="020B0502040204020203" pitchFamily="34" charset="0"/>
-              </a:rPr>
-              <a:t> </a:t>
-            </a:r>
-            <a:r>
-              <a:rPr lang="en-US" dirty="0" err="1" smtClean="0">
-                <a:solidFill>
-                  <a:srgbClr val="FF0000"/>
-                </a:solidFill>
-                <a:latin typeface="Segoe UI" panose="020B0502040204020203" pitchFamily="34" charset="0"/>
-                <a:cs typeface="Segoe UI" panose="020B0502040204020203" pitchFamily="34" charset="0"/>
-              </a:rPr>
-              <a:t>mej</a:t>
-            </a:r>
-            <a:endParaRPr lang="en-US" dirty="0" smtClean="0">
-              <a:solidFill>
-                <a:srgbClr val="FF0000"/>
-              </a:solidFill>
+              <a:t>Dracula for </a:t>
+            </a:r>
+            <a:r>
+              <a:rPr lang="en-US" smtClean="0">
+                <a:latin typeface="Segoe UI" panose="020B0502040204020203" pitchFamily="34" charset="0"/>
+                <a:cs typeface="Segoe UI" panose="020B0502040204020203" pitchFamily="34" charset="0"/>
+              </a:rPr>
+              <a:t>graph visualization</a:t>
+            </a:r>
+            <a:endParaRPr lang="ru-RU" dirty="0">
               <a:latin typeface="Segoe UI" panose="020B0502040204020203" pitchFamily="34" charset="0"/>
               <a:cs typeface="Segoe UI" panose="020B0502040204020203" pitchFamily="34" charset="0"/>
             </a:endParaRPr>
@@ -21619,7 +22216,7 @@
     </p:spTree>
     <p:extLst>
       <p:ext uri="{BB962C8B-B14F-4D97-AF65-F5344CB8AC3E}">
-        <p14:creationId xmlns:p14="http://schemas.microsoft.com/office/powerpoint/2010/main" val="3205067114"/>
+        <p14:creationId xmlns:p14="http://schemas.microsoft.com/office/powerpoint/2010/main" val="1141804580"/>
       </p:ext>
     </p:extLst>
   </p:cSld>
@@ -23410,6 +24007,175 @@
       </p:par>
     </p:tnLst>
   </p:timing>
+</p:sld>
+</file>
+
+<file path=ppt/slides/slide30.xml><?xml version="1.0" encoding="utf-8"?>
+<p:sld xmlns:a="http://schemas.openxmlformats.org/drawingml/2006/main" xmlns:r="http://schemas.openxmlformats.org/officeDocument/2006/relationships" xmlns:p="http://schemas.openxmlformats.org/presentationml/2006/main">
+  <p:cSld>
+    <p:spTree>
+      <p:nvGrpSpPr>
+        <p:cNvPr id="1" name=""/>
+        <p:cNvGrpSpPr/>
+        <p:nvPr/>
+      </p:nvGrpSpPr>
+      <p:grpSpPr>
+        <a:xfrm>
+          <a:off x="0" y="0"/>
+          <a:ext cx="0" cy="0"/>
+          <a:chOff x="0" y="0"/>
+          <a:chExt cx="0" cy="0"/>
+        </a:xfrm>
+      </p:grpSpPr>
+      <p:sp>
+        <p:nvSpPr>
+          <p:cNvPr id="2" name="Title 1"/>
+          <p:cNvSpPr>
+            <a:spLocks noGrp="1"/>
+          </p:cNvSpPr>
+          <p:nvPr>
+            <p:ph type="title"/>
+          </p:nvPr>
+        </p:nvSpPr>
+        <p:spPr/>
+        <p:txBody>
+          <a:bodyPr/>
+          <a:lstStyle/>
+          <a:p>
+            <a:r>
+              <a:rPr lang="en-US" b="1" dirty="0" smtClean="0">
+                <a:latin typeface="Segoe UI" panose="020B0502040204020203" pitchFamily="34" charset="0"/>
+                <a:cs typeface="Segoe UI" panose="020B0502040204020203" pitchFamily="34" charset="0"/>
+              </a:rPr>
+              <a:t>notes</a:t>
+            </a:r>
+            <a:endParaRPr lang="en-US" dirty="0">
+              <a:latin typeface="Segoe UI" panose="020B0502040204020203" pitchFamily="34" charset="0"/>
+              <a:cs typeface="Segoe UI" panose="020B0502040204020203" pitchFamily="34" charset="0"/>
+            </a:endParaRPr>
+          </a:p>
+        </p:txBody>
+      </p:sp>
+      <p:sp>
+        <p:nvSpPr>
+          <p:cNvPr id="3" name="Content Placeholder 2"/>
+          <p:cNvSpPr>
+            <a:spLocks noGrp="1"/>
+          </p:cNvSpPr>
+          <p:nvPr>
+            <p:ph idx="1"/>
+          </p:nvPr>
+        </p:nvSpPr>
+        <p:spPr/>
+        <p:txBody>
+          <a:bodyPr/>
+          <a:lstStyle/>
+          <a:p>
+            <a:r>
+              <a:rPr lang="en-US" dirty="0" smtClean="0">
+                <a:latin typeface="Segoe UI" panose="020B0502040204020203" pitchFamily="34" charset="0"/>
+                <a:cs typeface="Segoe UI" panose="020B0502040204020203" pitchFamily="34" charset="0"/>
+              </a:rPr>
+              <a:t>Open all depends</a:t>
+            </a:r>
+          </a:p>
+          <a:p>
+            <a:r>
+              <a:rPr lang="en-US" dirty="0" err="1" smtClean="0">
+                <a:solidFill>
+                  <a:srgbClr val="FF0000"/>
+                </a:solidFill>
+                <a:latin typeface="Segoe UI" panose="020B0502040204020203" pitchFamily="34" charset="0"/>
+                <a:cs typeface="Segoe UI" panose="020B0502040204020203" pitchFamily="34" charset="0"/>
+              </a:rPr>
+              <a:t>Kapy</a:t>
+            </a:r>
+            <a:r>
+              <a:rPr lang="en-US" dirty="0" smtClean="0">
+                <a:solidFill>
+                  <a:srgbClr val="FF0000"/>
+                </a:solidFill>
+                <a:latin typeface="Segoe UI" panose="020B0502040204020203" pitchFamily="34" charset="0"/>
+                <a:cs typeface="Segoe UI" panose="020B0502040204020203" pitchFamily="34" charset="0"/>
+              </a:rPr>
+              <a:t> </a:t>
+            </a:r>
+            <a:r>
+              <a:rPr lang="en-US" dirty="0" err="1" smtClean="0">
+                <a:solidFill>
+                  <a:srgbClr val="FF0000"/>
+                </a:solidFill>
+                <a:latin typeface="Segoe UI" panose="020B0502040204020203" pitchFamily="34" charset="0"/>
+                <a:cs typeface="Segoe UI" panose="020B0502040204020203" pitchFamily="34" charset="0"/>
+              </a:rPr>
+              <a:t>algoneri</a:t>
+            </a:r>
+            <a:r>
+              <a:rPr lang="en-US" dirty="0" smtClean="0">
+                <a:solidFill>
+                  <a:srgbClr val="FF0000"/>
+                </a:solidFill>
+                <a:latin typeface="Segoe UI" panose="020B0502040204020203" pitchFamily="34" charset="0"/>
+                <a:cs typeface="Segoe UI" panose="020B0502040204020203" pitchFamily="34" charset="0"/>
+              </a:rPr>
+              <a:t> u ds </a:t>
+            </a:r>
+            <a:r>
+              <a:rPr lang="en-US" dirty="0" err="1" smtClean="0">
+                <a:solidFill>
+                  <a:srgbClr val="FF0000"/>
+                </a:solidFill>
+                <a:latin typeface="Segoe UI" panose="020B0502040204020203" pitchFamily="34" charset="0"/>
+                <a:cs typeface="Segoe UI" panose="020B0502040204020203" pitchFamily="34" charset="0"/>
+              </a:rPr>
+              <a:t>neri</a:t>
+            </a:r>
+            <a:r>
+              <a:rPr lang="en-US" dirty="0" smtClean="0">
+                <a:solidFill>
+                  <a:srgbClr val="FF0000"/>
+                </a:solidFill>
+                <a:latin typeface="Segoe UI" panose="020B0502040204020203" pitchFamily="34" charset="0"/>
+                <a:cs typeface="Segoe UI" panose="020B0502040204020203" pitchFamily="34" charset="0"/>
+              </a:rPr>
+              <a:t> </a:t>
+            </a:r>
+            <a:r>
+              <a:rPr lang="en-US" dirty="0" err="1" smtClean="0">
+                <a:solidFill>
+                  <a:srgbClr val="FF0000"/>
+                </a:solidFill>
+                <a:latin typeface="Segoe UI" panose="020B0502040204020203" pitchFamily="34" charset="0"/>
+                <a:cs typeface="Segoe UI" panose="020B0502040204020203" pitchFamily="34" charset="0"/>
+              </a:rPr>
+              <a:t>mej</a:t>
+            </a:r>
+            <a:endParaRPr lang="en-US" dirty="0" smtClean="0">
+              <a:solidFill>
+                <a:srgbClr val="FF0000"/>
+              </a:solidFill>
+              <a:latin typeface="Segoe UI" panose="020B0502040204020203" pitchFamily="34" charset="0"/>
+              <a:cs typeface="Segoe UI" panose="020B0502040204020203" pitchFamily="34" charset="0"/>
+            </a:endParaRPr>
+          </a:p>
+          <a:p>
+            <a:endParaRPr lang="en-US" dirty="0">
+              <a:latin typeface="Segoe UI" panose="020B0502040204020203" pitchFamily="34" charset="0"/>
+              <a:cs typeface="Segoe UI" panose="020B0502040204020203" pitchFamily="34" charset="0"/>
+            </a:endParaRPr>
+          </a:p>
+        </p:txBody>
+      </p:sp>
+    </p:spTree>
+    <p:extLst>
+      <p:ext uri="{BB962C8B-B14F-4D97-AF65-F5344CB8AC3E}">
+        <p14:creationId xmlns:p14="http://schemas.microsoft.com/office/powerpoint/2010/main" val="3205067114"/>
+      </p:ext>
+    </p:extLst>
+  </p:cSld>
+  <p:clrMapOvr>
+    <a:masterClrMapping/>
+  </p:clrMapOvr>
 </p:sld>
 </file>
 

--- a/ds&a.pptx
+++ b/ds&a.pptx
@@ -5,7 +5,7 @@
     <p:sldMasterId id="2147483660" r:id="rId1"/>
   </p:sldMasterIdLst>
   <p:notesMasterIdLst>
-    <p:notesMasterId r:id="rId32"/>
+    <p:notesMasterId r:id="rId33"/>
   </p:notesMasterIdLst>
   <p:sldIdLst>
     <p:sldId id="281" r:id="rId2"/>
@@ -37,7 +37,8 @@
     <p:sldId id="292" r:id="rId28"/>
     <p:sldId id="293" r:id="rId29"/>
     <p:sldId id="267" r:id="rId30"/>
-    <p:sldId id="280" r:id="rId31"/>
+    <p:sldId id="294" r:id="rId31"/>
+    <p:sldId id="280" r:id="rId32"/>
   </p:sldIdLst>
   <p:sldSz cx="12192000" cy="6858000"/>
   <p:notesSz cx="6858000" cy="9144000"/>
@@ -10698,7 +10699,7 @@
           <p:nvPr>
             <p:extLst>
               <p:ext uri="{D42A27DB-BD31-4B8C-83A1-F6EECF244321}">
-                <p14:modId xmlns:p14="http://schemas.microsoft.com/office/powerpoint/2010/main" val="3450857828"/>
+                <p14:modId xmlns:p14="http://schemas.microsoft.com/office/powerpoint/2010/main" val="3164479419"/>
               </p:ext>
             </p:extLst>
           </p:nvPr>
@@ -10774,6 +10775,8 @@
                       </a:pPr>
                       <a:r>
                         <a:rPr lang="en-US" sz="1500" u="none" strike="noStrike" cap="none" dirty="0" smtClean="0">
+                          <a:latin typeface="Segoe UI" panose="020B0502040204020203" pitchFamily="34" charset="0"/>
+                          <a:cs typeface="Segoe UI" panose="020B0502040204020203" pitchFamily="34" charset="0"/>
                           <a:sym typeface="Red Hat Text"/>
                         </a:rPr>
                         <a:t>Sorting algorithms</a:t>
@@ -10782,9 +10785,9 @@
                         <a:solidFill>
                           <a:schemeClr val="dk2"/>
                         </a:solidFill>
-                        <a:latin typeface="Red Hat Text"/>
+                        <a:latin typeface="Segoe UI" panose="020B0502040204020203" pitchFamily="34" charset="0"/>
                         <a:ea typeface="Red Hat Text"/>
-                        <a:cs typeface="Red Hat Text"/>
+                        <a:cs typeface="Segoe UI" panose="020B0502040204020203" pitchFamily="34" charset="0"/>
                         <a:sym typeface="Red Hat Text"/>
                       </a:endParaRPr>
                     </a:p>
@@ -10814,6 +10817,8 @@
                       </a:pPr>
                       <a:r>
                         <a:rPr lang="en" sz="1500" u="none" strike="noStrike" cap="none" dirty="0" smtClean="0">
+                          <a:latin typeface="Segoe UI" panose="020B0502040204020203" pitchFamily="34" charset="0"/>
+                          <a:cs typeface="Segoe UI" panose="020B0502040204020203" pitchFamily="34" charset="0"/>
                           <a:sym typeface="Red Hat Text"/>
                         </a:rPr>
                         <a:t>Speed</a:t>
@@ -10822,9 +10827,9 @@
                         <a:solidFill>
                           <a:schemeClr val="dk2"/>
                         </a:solidFill>
-                        <a:latin typeface="Red Hat Text"/>
+                        <a:latin typeface="Segoe UI" panose="020B0502040204020203" pitchFamily="34" charset="0"/>
                         <a:ea typeface="Red Hat Text"/>
-                        <a:cs typeface="Red Hat Text"/>
+                        <a:cs typeface="Segoe UI" panose="020B0502040204020203" pitchFamily="34" charset="0"/>
                         <a:sym typeface="Red Hat Text"/>
                       </a:endParaRPr>
                     </a:p>
@@ -10986,6 +10991,8 @@
                       </a:pPr>
                       <a:r>
                         <a:rPr lang="en-US" sz="1500" u="none" strike="noStrike" cap="none" dirty="0" smtClean="0">
+                          <a:latin typeface="Segoe UI" panose="020B0502040204020203" pitchFamily="34" charset="0"/>
+                          <a:cs typeface="Segoe UI" panose="020B0502040204020203" pitchFamily="34" charset="0"/>
                           <a:sym typeface="Red Hat Text"/>
                         </a:rPr>
                         <a:t>Memory</a:t>
@@ -10994,9 +11001,9 @@
                         <a:solidFill>
                           <a:schemeClr val="dk2"/>
                         </a:solidFill>
-                        <a:latin typeface="Red Hat Text"/>
+                        <a:latin typeface="Segoe UI" panose="020B0502040204020203" pitchFamily="34" charset="0"/>
                         <a:ea typeface="Red Hat Text"/>
-                        <a:cs typeface="Red Hat Text"/>
+                        <a:cs typeface="Segoe UI" panose="020B0502040204020203" pitchFamily="34" charset="0"/>
                         <a:sym typeface="Red Hat Text"/>
                       </a:endParaRPr>
                     </a:p>
@@ -11101,6 +11108,8 @@
                       </a:pPr>
                       <a:r>
                         <a:rPr lang="en-US" sz="1500" u="none" strike="noStrike" cap="none" dirty="0" smtClean="0">
+                          <a:latin typeface="Segoe UI" panose="020B0502040204020203" pitchFamily="34" charset="0"/>
+                          <a:cs typeface="Segoe UI" panose="020B0502040204020203" pitchFamily="34" charset="0"/>
                           <a:sym typeface="Red Hat Text"/>
                         </a:rPr>
                         <a:t>Best</a:t>
@@ -11109,9 +11118,9 @@
                         <a:solidFill>
                           <a:schemeClr val="dk2"/>
                         </a:solidFill>
-                        <a:latin typeface="Red Hat Text"/>
+                        <a:latin typeface="Segoe UI" panose="020B0502040204020203" pitchFamily="34" charset="0"/>
                         <a:ea typeface="Red Hat Text"/>
-                        <a:cs typeface="Red Hat Text"/>
+                        <a:cs typeface="Segoe UI" panose="020B0502040204020203" pitchFamily="34" charset="0"/>
                         <a:sym typeface="Red Hat Text"/>
                       </a:endParaRPr>
                     </a:p>
@@ -11141,6 +11150,8 @@
                       </a:pPr>
                       <a:r>
                         <a:rPr lang="en-US" sz="1500" u="none" strike="noStrike" cap="none" dirty="0" smtClean="0">
+                          <a:latin typeface="Segoe UI" panose="020B0502040204020203" pitchFamily="34" charset="0"/>
+                          <a:cs typeface="Segoe UI" panose="020B0502040204020203" pitchFamily="34" charset="0"/>
                           <a:sym typeface="Red Hat Text"/>
                         </a:rPr>
                         <a:t>Average</a:t>
@@ -11149,9 +11160,9 @@
                         <a:solidFill>
                           <a:schemeClr val="dk2"/>
                         </a:solidFill>
-                        <a:latin typeface="Red Hat Text"/>
+                        <a:latin typeface="Segoe UI" panose="020B0502040204020203" pitchFamily="34" charset="0"/>
                         <a:ea typeface="Red Hat Text"/>
-                        <a:cs typeface="Red Hat Text"/>
+                        <a:cs typeface="Segoe UI" panose="020B0502040204020203" pitchFamily="34" charset="0"/>
                         <a:sym typeface="Red Hat Text"/>
                       </a:endParaRPr>
                     </a:p>
@@ -11181,6 +11192,8 @@
                       </a:pPr>
                       <a:r>
                         <a:rPr lang="en-US" sz="1500" u="none" strike="noStrike" cap="none" dirty="0" smtClean="0">
+                          <a:latin typeface="Segoe UI" panose="020B0502040204020203" pitchFamily="34" charset="0"/>
+                          <a:cs typeface="Segoe UI" panose="020B0502040204020203" pitchFamily="34" charset="0"/>
                           <a:sym typeface="Red Hat Text"/>
                         </a:rPr>
                         <a:t>Worst</a:t>
@@ -11189,9 +11202,9 @@
                         <a:solidFill>
                           <a:schemeClr val="dk2"/>
                         </a:solidFill>
-                        <a:latin typeface="Red Hat Text"/>
+                        <a:latin typeface="Segoe UI" panose="020B0502040204020203" pitchFamily="34" charset="0"/>
                         <a:ea typeface="Red Hat Text"/>
-                        <a:cs typeface="Red Hat Text"/>
+                        <a:cs typeface="Segoe UI" panose="020B0502040204020203" pitchFamily="34" charset="0"/>
                         <a:sym typeface="Red Hat Text"/>
                       </a:endParaRPr>
                     </a:p>
@@ -11221,6 +11234,8 @@
                       </a:pPr>
                       <a:r>
                         <a:rPr lang="en-US" sz="1500" u="none" strike="noStrike" cap="none" dirty="0" smtClean="0">
+                          <a:latin typeface="Segoe UI" panose="020B0502040204020203" pitchFamily="34" charset="0"/>
+                          <a:cs typeface="Segoe UI" panose="020B0502040204020203" pitchFamily="34" charset="0"/>
                           <a:sym typeface="Red Hat Text"/>
                         </a:rPr>
                         <a:t>Worst</a:t>
@@ -11229,9 +11244,9 @@
                         <a:solidFill>
                           <a:schemeClr val="dk2"/>
                         </a:solidFill>
-                        <a:latin typeface="Red Hat Text"/>
+                        <a:latin typeface="Segoe UI" panose="020B0502040204020203" pitchFamily="34" charset="0"/>
                         <a:ea typeface="Red Hat Text"/>
-                        <a:cs typeface="Red Hat Text"/>
+                        <a:cs typeface="Segoe UI" panose="020B0502040204020203" pitchFamily="34" charset="0"/>
                         <a:sym typeface="Red Hat Text"/>
                       </a:endParaRPr>
                     </a:p>
@@ -11268,6 +11283,8 @@
                       </a:pPr>
                       <a:r>
                         <a:rPr lang="en" sz="1500" u="none" strike="noStrike" cap="none" dirty="0" smtClean="0">
+                          <a:latin typeface="Segoe UI" panose="020B0502040204020203" pitchFamily="34" charset="0"/>
+                          <a:cs typeface="Segoe UI" panose="020B0502040204020203" pitchFamily="34" charset="0"/>
                           <a:sym typeface="Red Hat Text"/>
                         </a:rPr>
                         <a:t>Bubble sort</a:t>
@@ -11276,9 +11293,9 @@
                         <a:solidFill>
                           <a:schemeClr val="dk2"/>
                         </a:solidFill>
-                        <a:latin typeface="Red Hat Text"/>
+                        <a:latin typeface="Segoe UI" panose="020B0502040204020203" pitchFamily="34" charset="0"/>
                         <a:ea typeface="Red Hat Text"/>
-                        <a:cs typeface="Red Hat Text"/>
+                        <a:cs typeface="Segoe UI" panose="020B0502040204020203" pitchFamily="34" charset="0"/>
                         <a:sym typeface="Red Hat Text"/>
                       </a:endParaRPr>
                     </a:p>
@@ -11313,9 +11330,9 @@
                               <a:lumMod val="10000"/>
                             </a:schemeClr>
                           </a:solidFill>
-                          <a:latin typeface="Red Hat Text"/>
+                          <a:latin typeface="Segoe UI" panose="020B0502040204020203" pitchFamily="34" charset="0"/>
                           <a:ea typeface="Red Hat Text"/>
-                          <a:cs typeface="Red Hat Text"/>
+                          <a:cs typeface="Segoe UI" panose="020B0502040204020203" pitchFamily="34" charset="0"/>
                           <a:sym typeface="Red Hat Text"/>
                         </a:rPr>
                         <a:t>n</a:t>
@@ -11326,9 +11343,9 @@
                             <a:lumMod val="10000"/>
                           </a:schemeClr>
                         </a:solidFill>
-                        <a:latin typeface="Red Hat Text"/>
+                        <a:latin typeface="Segoe UI" panose="020B0502040204020203" pitchFamily="34" charset="0"/>
                         <a:ea typeface="Red Hat Text"/>
-                        <a:cs typeface="Red Hat Text"/>
+                        <a:cs typeface="Segoe UI" panose="020B0502040204020203" pitchFamily="34" charset="0"/>
                         <a:sym typeface="Red Hat Text"/>
                       </a:endParaRPr>
                     </a:p>
@@ -11370,9 +11387,9 @@
                               <a:lumMod val="10000"/>
                             </a:schemeClr>
                           </a:solidFill>
-                          <a:latin typeface="Red Hat Text"/>
+                          <a:latin typeface="Segoe UI" panose="020B0502040204020203" pitchFamily="34" charset="0"/>
                           <a:ea typeface="Red Hat Text"/>
-                          <a:cs typeface="Red Hat Text"/>
+                          <a:cs typeface="Segoe UI" panose="020B0502040204020203" pitchFamily="34" charset="0"/>
                           <a:sym typeface="Arial"/>
                         </a:rPr>
                         <a:t>n^2</a:t>
@@ -11383,9 +11400,9 @@
                             <a:lumMod val="10000"/>
                           </a:schemeClr>
                         </a:solidFill>
-                        <a:latin typeface="Red Hat Text"/>
+                        <a:latin typeface="Segoe UI" panose="020B0502040204020203" pitchFamily="34" charset="0"/>
                         <a:ea typeface="Red Hat Text"/>
-                        <a:cs typeface="Red Hat Text"/>
+                        <a:cs typeface="Segoe UI" panose="020B0502040204020203" pitchFamily="34" charset="0"/>
                         <a:sym typeface="Red Hat Text"/>
                       </a:endParaRPr>
                     </a:p>
@@ -11424,9 +11441,9 @@
                               <a:lumMod val="10000"/>
                             </a:schemeClr>
                           </a:solidFill>
-                          <a:latin typeface="Red Hat Text"/>
+                          <a:latin typeface="Segoe UI" panose="020B0502040204020203" pitchFamily="34" charset="0"/>
                           <a:ea typeface="Red Hat Text"/>
-                          <a:cs typeface="Red Hat Text"/>
+                          <a:cs typeface="Segoe UI" panose="020B0502040204020203" pitchFamily="34" charset="0"/>
                           <a:sym typeface="Arial"/>
                         </a:rPr>
                         <a:t>n^2</a:t>
@@ -11437,9 +11454,9 @@
                             <a:lumMod val="10000"/>
                           </a:schemeClr>
                         </a:solidFill>
-                        <a:latin typeface="Red Hat Text"/>
+                        <a:latin typeface="Segoe UI" panose="020B0502040204020203" pitchFamily="34" charset="0"/>
                         <a:ea typeface="Red Hat Text"/>
-                        <a:cs typeface="Red Hat Text"/>
+                        <a:cs typeface="Segoe UI" panose="020B0502040204020203" pitchFamily="34" charset="0"/>
                         <a:sym typeface="Red Hat Text"/>
                       </a:endParaRPr>
                     </a:p>
@@ -11478,9 +11495,9 @@
                               <a:lumMod val="10000"/>
                             </a:schemeClr>
                           </a:solidFill>
-                          <a:latin typeface="Red Hat Text"/>
+                          <a:latin typeface="Segoe UI" panose="020B0502040204020203" pitchFamily="34" charset="0"/>
                           <a:ea typeface="Red Hat Text"/>
-                          <a:cs typeface="Red Hat Text"/>
+                          <a:cs typeface="Segoe UI" panose="020B0502040204020203" pitchFamily="34" charset="0"/>
                           <a:sym typeface="Red Hat Text"/>
                         </a:rPr>
                         <a:t>1</a:t>
@@ -11491,9 +11508,9 @@
                             <a:lumMod val="10000"/>
                           </a:schemeClr>
                         </a:solidFill>
-                        <a:latin typeface="Red Hat Text"/>
+                        <a:latin typeface="Segoe UI" panose="020B0502040204020203" pitchFamily="34" charset="0"/>
                         <a:ea typeface="Red Hat Text"/>
-                        <a:cs typeface="Red Hat Text"/>
+                        <a:cs typeface="Segoe UI" panose="020B0502040204020203" pitchFamily="34" charset="0"/>
                         <a:sym typeface="Red Hat Text"/>
                       </a:endParaRPr>
                     </a:p>
@@ -11534,6 +11551,8 @@
                       </a:pPr>
                       <a:r>
                         <a:rPr lang="en" sz="1500" u="none" strike="noStrike" cap="none" dirty="0" smtClean="0">
+                          <a:latin typeface="Segoe UI" panose="020B0502040204020203" pitchFamily="34" charset="0"/>
+                          <a:cs typeface="Segoe UI" panose="020B0502040204020203" pitchFamily="34" charset="0"/>
                           <a:sym typeface="Red Hat Text"/>
                         </a:rPr>
                         <a:t>Selection sort</a:t>
@@ -11542,9 +11561,9 @@
                         <a:solidFill>
                           <a:schemeClr val="dk2"/>
                         </a:solidFill>
-                        <a:latin typeface="Red Hat Text"/>
+                        <a:latin typeface="Segoe UI" panose="020B0502040204020203" pitchFamily="34" charset="0"/>
                         <a:ea typeface="Red Hat Text"/>
-                        <a:cs typeface="Red Hat Text"/>
+                        <a:cs typeface="Segoe UI" panose="020B0502040204020203" pitchFamily="34" charset="0"/>
                         <a:sym typeface="Red Hat Text"/>
                       </a:endParaRPr>
                     </a:p>
@@ -11582,9 +11601,9 @@
                               <a:lumMod val="10000"/>
                             </a:schemeClr>
                           </a:solidFill>
-                          <a:latin typeface="Red Hat Text"/>
+                          <a:latin typeface="Segoe UI" panose="020B0502040204020203" pitchFamily="34" charset="0"/>
                           <a:ea typeface="Red Hat Text"/>
-                          <a:cs typeface="Red Hat Text"/>
+                          <a:cs typeface="Segoe UI" panose="020B0502040204020203" pitchFamily="34" charset="0"/>
                           <a:sym typeface="Arial"/>
                         </a:rPr>
                         <a:t>n^2</a:t>
@@ -11625,9 +11644,9 @@
                               <a:lumMod val="10000"/>
                             </a:schemeClr>
                           </a:solidFill>
-                          <a:latin typeface="Red Hat Text"/>
+                          <a:latin typeface="Segoe UI" panose="020B0502040204020203" pitchFamily="34" charset="0"/>
                           <a:ea typeface="Red Hat Text"/>
-                          <a:cs typeface="Red Hat Text"/>
+                          <a:cs typeface="Segoe UI" panose="020B0502040204020203" pitchFamily="34" charset="0"/>
                           <a:sym typeface="Arial"/>
                         </a:rPr>
                         <a:t>n^2</a:t>
@@ -11638,9 +11657,9 @@
                             <a:lumMod val="10000"/>
                           </a:schemeClr>
                         </a:solidFill>
-                        <a:latin typeface="Red Hat Text"/>
+                        <a:latin typeface="Segoe UI" panose="020B0502040204020203" pitchFamily="34" charset="0"/>
                         <a:ea typeface="Red Hat Text"/>
-                        <a:cs typeface="Red Hat Text"/>
+                        <a:cs typeface="Segoe UI" panose="020B0502040204020203" pitchFamily="34" charset="0"/>
                         <a:sym typeface="Red Hat Text"/>
                       </a:endParaRPr>
                     </a:p>
@@ -11679,9 +11698,9 @@
                               <a:lumMod val="10000"/>
                             </a:schemeClr>
                           </a:solidFill>
-                          <a:latin typeface="Red Hat Text"/>
+                          <a:latin typeface="Segoe UI" panose="020B0502040204020203" pitchFamily="34" charset="0"/>
                           <a:ea typeface="Red Hat Text"/>
-                          <a:cs typeface="Red Hat Text"/>
+                          <a:cs typeface="Segoe UI" panose="020B0502040204020203" pitchFamily="34" charset="0"/>
                           <a:sym typeface="Arial"/>
                         </a:rPr>
                         <a:t>n^2</a:t>
@@ -11692,9 +11711,9 @@
                             <a:lumMod val="10000"/>
                           </a:schemeClr>
                         </a:solidFill>
-                        <a:latin typeface="Red Hat Text"/>
+                        <a:latin typeface="Segoe UI" panose="020B0502040204020203" pitchFamily="34" charset="0"/>
                         <a:ea typeface="Red Hat Text"/>
-                        <a:cs typeface="Red Hat Text"/>
+                        <a:cs typeface="Segoe UI" panose="020B0502040204020203" pitchFamily="34" charset="0"/>
                         <a:sym typeface="Red Hat Text"/>
                       </a:endParaRPr>
                     </a:p>
@@ -11733,9 +11752,9 @@
                               <a:lumMod val="10000"/>
                             </a:schemeClr>
                           </a:solidFill>
-                          <a:latin typeface="Red Hat Text"/>
+                          <a:latin typeface="Segoe UI" panose="020B0502040204020203" pitchFamily="34" charset="0"/>
                           <a:ea typeface="Red Hat Text"/>
-                          <a:cs typeface="Red Hat Text"/>
+                          <a:cs typeface="Segoe UI" panose="020B0502040204020203" pitchFamily="34" charset="0"/>
                           <a:sym typeface="Red Hat Text"/>
                         </a:rPr>
                         <a:t>1</a:t>
@@ -11746,9 +11765,9 @@
                             <a:lumMod val="10000"/>
                           </a:schemeClr>
                         </a:solidFill>
-                        <a:latin typeface="Red Hat Text"/>
+                        <a:latin typeface="Segoe UI" panose="020B0502040204020203" pitchFamily="34" charset="0"/>
                         <a:ea typeface="Red Hat Text"/>
-                        <a:cs typeface="Red Hat Text"/>
+                        <a:cs typeface="Segoe UI" panose="020B0502040204020203" pitchFamily="34" charset="0"/>
                         <a:sym typeface="Red Hat Text"/>
                       </a:endParaRPr>
                     </a:p>
@@ -11789,6 +11808,8 @@
                       </a:pPr>
                       <a:r>
                         <a:rPr lang="en" sz="1500" u="none" strike="noStrike" cap="none" dirty="0" smtClean="0">
+                          <a:latin typeface="Segoe UI" panose="020B0502040204020203" pitchFamily="34" charset="0"/>
+                          <a:cs typeface="Segoe UI" panose="020B0502040204020203" pitchFamily="34" charset="0"/>
                           <a:sym typeface="Red Hat Text"/>
                         </a:rPr>
                         <a:t>Insertion sort</a:t>
@@ -11797,9 +11818,9 @@
                         <a:solidFill>
                           <a:schemeClr val="dk2"/>
                         </a:solidFill>
-                        <a:latin typeface="Red Hat Text"/>
+                        <a:latin typeface="Segoe UI" panose="020B0502040204020203" pitchFamily="34" charset="0"/>
                         <a:ea typeface="Red Hat Text"/>
-                        <a:cs typeface="Red Hat Text"/>
+                        <a:cs typeface="Segoe UI" panose="020B0502040204020203" pitchFamily="34" charset="0"/>
                         <a:sym typeface="Red Hat Text"/>
                       </a:endParaRPr>
                     </a:p>
@@ -11834,9 +11855,9 @@
                               <a:lumMod val="10000"/>
                             </a:schemeClr>
                           </a:solidFill>
-                          <a:latin typeface="Red Hat Text"/>
+                          <a:latin typeface="Segoe UI" panose="020B0502040204020203" pitchFamily="34" charset="0"/>
                           <a:ea typeface="Red Hat Text"/>
-                          <a:cs typeface="Red Hat Text"/>
+                          <a:cs typeface="Segoe UI" panose="020B0502040204020203" pitchFamily="34" charset="0"/>
                           <a:sym typeface="Red Hat Text"/>
                         </a:rPr>
                         <a:t>n</a:t>
@@ -11847,9 +11868,9 @@
                             <a:lumMod val="10000"/>
                           </a:schemeClr>
                         </a:solidFill>
-                        <a:latin typeface="Red Hat Text"/>
+                        <a:latin typeface="Segoe UI" panose="020B0502040204020203" pitchFamily="34" charset="0"/>
                         <a:ea typeface="Red Hat Text"/>
-                        <a:cs typeface="Red Hat Text"/>
+                        <a:cs typeface="Segoe UI" panose="020B0502040204020203" pitchFamily="34" charset="0"/>
                         <a:sym typeface="Red Hat Text"/>
                       </a:endParaRPr>
                     </a:p>
@@ -11891,9 +11912,9 @@
                               <a:lumMod val="10000"/>
                             </a:schemeClr>
                           </a:solidFill>
-                          <a:latin typeface="Red Hat Text"/>
+                          <a:latin typeface="Segoe UI" panose="020B0502040204020203" pitchFamily="34" charset="0"/>
                           <a:ea typeface="Red Hat Text"/>
-                          <a:cs typeface="Red Hat Text"/>
+                          <a:cs typeface="Segoe UI" panose="020B0502040204020203" pitchFamily="34" charset="0"/>
                           <a:sym typeface="Arial"/>
                         </a:rPr>
                         <a:t>n^2</a:t>
@@ -11904,9 +11925,9 @@
                             <a:lumMod val="10000"/>
                           </a:schemeClr>
                         </a:solidFill>
-                        <a:latin typeface="Red Hat Text"/>
+                        <a:latin typeface="Segoe UI" panose="020B0502040204020203" pitchFamily="34" charset="0"/>
                         <a:ea typeface="Red Hat Text"/>
-                        <a:cs typeface="Red Hat Text"/>
+                        <a:cs typeface="Segoe UI" panose="020B0502040204020203" pitchFamily="34" charset="0"/>
                         <a:sym typeface="Red Hat Text"/>
                       </a:endParaRPr>
                     </a:p>
@@ -11945,9 +11966,9 @@
                               <a:lumMod val="10000"/>
                             </a:schemeClr>
                           </a:solidFill>
-                          <a:latin typeface="Red Hat Text"/>
+                          <a:latin typeface="Segoe UI" panose="020B0502040204020203" pitchFamily="34" charset="0"/>
                           <a:ea typeface="Red Hat Text"/>
-                          <a:cs typeface="Red Hat Text"/>
+                          <a:cs typeface="Segoe UI" panose="020B0502040204020203" pitchFamily="34" charset="0"/>
                           <a:sym typeface="Arial"/>
                         </a:rPr>
                         <a:t>n^2</a:t>
@@ -11958,9 +11979,9 @@
                             <a:lumMod val="10000"/>
                           </a:schemeClr>
                         </a:solidFill>
-                        <a:latin typeface="Red Hat Text"/>
+                        <a:latin typeface="Segoe UI" panose="020B0502040204020203" pitchFamily="34" charset="0"/>
                         <a:ea typeface="Red Hat Text"/>
-                        <a:cs typeface="Red Hat Text"/>
+                        <a:cs typeface="Segoe UI" panose="020B0502040204020203" pitchFamily="34" charset="0"/>
                         <a:sym typeface="Red Hat Text"/>
                       </a:endParaRPr>
                     </a:p>
@@ -11999,9 +12020,9 @@
                               <a:lumMod val="10000"/>
                             </a:schemeClr>
                           </a:solidFill>
-                          <a:latin typeface="Red Hat Text"/>
+                          <a:latin typeface="Segoe UI" panose="020B0502040204020203" pitchFamily="34" charset="0"/>
                           <a:ea typeface="Red Hat Text"/>
-                          <a:cs typeface="Red Hat Text"/>
+                          <a:cs typeface="Segoe UI" panose="020B0502040204020203" pitchFamily="34" charset="0"/>
                           <a:sym typeface="Red Hat Text"/>
                         </a:rPr>
                         <a:t>1</a:t>
@@ -12012,9 +12033,9 @@
                             <a:lumMod val="10000"/>
                           </a:schemeClr>
                         </a:solidFill>
-                        <a:latin typeface="Red Hat Text"/>
+                        <a:latin typeface="Segoe UI" panose="020B0502040204020203" pitchFamily="34" charset="0"/>
                         <a:ea typeface="Red Hat Text"/>
-                        <a:cs typeface="Red Hat Text"/>
+                        <a:cs typeface="Segoe UI" panose="020B0502040204020203" pitchFamily="34" charset="0"/>
                         <a:sym typeface="Red Hat Text"/>
                       </a:endParaRPr>
                     </a:p>
@@ -12058,6 +12079,8 @@
                       </a:pPr>
                       <a:r>
                         <a:rPr lang="en-US" sz="1500" u="none" strike="noStrike" cap="none" dirty="0" smtClean="0">
+                          <a:latin typeface="Segoe UI" panose="020B0502040204020203" pitchFamily="34" charset="0"/>
+                          <a:cs typeface="Segoe UI" panose="020B0502040204020203" pitchFamily="34" charset="0"/>
                           <a:sym typeface="Red Hat Text"/>
                         </a:rPr>
                         <a:t>Merge sort</a:t>
@@ -12066,9 +12089,9 @@
                         <a:solidFill>
                           <a:schemeClr val="dk2"/>
                         </a:solidFill>
-                        <a:latin typeface="Red Hat Text"/>
+                        <a:latin typeface="Segoe UI" panose="020B0502040204020203" pitchFamily="34" charset="0"/>
                         <a:ea typeface="Red Hat Text"/>
-                        <a:cs typeface="Red Hat Text"/>
+                        <a:cs typeface="Segoe UI" panose="020B0502040204020203" pitchFamily="34" charset="0"/>
                         <a:sym typeface="Red Hat Text"/>
                       </a:endParaRPr>
                     </a:p>
@@ -12106,9 +12129,9 @@
                               <a:lumMod val="10000"/>
                             </a:schemeClr>
                           </a:solidFill>
-                          <a:latin typeface="Red Hat Text"/>
+                          <a:latin typeface="Segoe UI" panose="020B0502040204020203" pitchFamily="34" charset="0"/>
                           <a:ea typeface="Red Hat Text"/>
-                          <a:cs typeface="Red Hat Text"/>
+                          <a:cs typeface="Segoe UI" panose="020B0502040204020203" pitchFamily="34" charset="0"/>
                           <a:sym typeface="Arial"/>
                         </a:rPr>
                         <a:t>n * log(n)</a:t>
@@ -12149,9 +12172,9 @@
                               <a:lumMod val="10000"/>
                             </a:schemeClr>
                           </a:solidFill>
-                          <a:latin typeface="Red Hat Text"/>
+                          <a:latin typeface="Segoe UI" panose="020B0502040204020203" pitchFamily="34" charset="0"/>
                           <a:ea typeface="Red Hat Text"/>
-                          <a:cs typeface="Red Hat Text"/>
+                          <a:cs typeface="Segoe UI" panose="020B0502040204020203" pitchFamily="34" charset="0"/>
                           <a:sym typeface="Arial"/>
                         </a:rPr>
                         <a:t>n * log(n)</a:t>
@@ -12162,9 +12185,9 @@
                             <a:lumMod val="10000"/>
                           </a:schemeClr>
                         </a:solidFill>
-                        <a:latin typeface="Red Hat Text"/>
+                        <a:latin typeface="Segoe UI" panose="020B0502040204020203" pitchFamily="34" charset="0"/>
                         <a:ea typeface="Red Hat Text"/>
-                        <a:cs typeface="Red Hat Text"/>
+                        <a:cs typeface="Segoe UI" panose="020B0502040204020203" pitchFamily="34" charset="0"/>
                         <a:sym typeface="Red Hat Text"/>
                       </a:endParaRPr>
                     </a:p>
@@ -12203,9 +12226,9 @@
                               <a:lumMod val="10000"/>
                             </a:schemeClr>
                           </a:solidFill>
-                          <a:latin typeface="Red Hat Text"/>
+                          <a:latin typeface="Segoe UI" panose="020B0502040204020203" pitchFamily="34" charset="0"/>
                           <a:ea typeface="Red Hat Text"/>
-                          <a:cs typeface="Red Hat Text"/>
+                          <a:cs typeface="Segoe UI" panose="020B0502040204020203" pitchFamily="34" charset="0"/>
                           <a:sym typeface="Arial"/>
                         </a:rPr>
                         <a:t>n * log(n)</a:t>
@@ -12216,9 +12239,9 @@
                             <a:lumMod val="10000"/>
                           </a:schemeClr>
                         </a:solidFill>
-                        <a:latin typeface="Red Hat Text"/>
+                        <a:latin typeface="Segoe UI" panose="020B0502040204020203" pitchFamily="34" charset="0"/>
                         <a:ea typeface="Red Hat Text"/>
-                        <a:cs typeface="Red Hat Text"/>
+                        <a:cs typeface="Segoe UI" panose="020B0502040204020203" pitchFamily="34" charset="0"/>
                         <a:sym typeface="Red Hat Text"/>
                       </a:endParaRPr>
                     </a:p>
@@ -12260,9 +12283,9 @@
                               <a:lumMod val="10000"/>
                             </a:schemeClr>
                           </a:solidFill>
-                          <a:latin typeface="Red Hat Text"/>
+                          <a:latin typeface="Segoe UI" panose="020B0502040204020203" pitchFamily="34" charset="0"/>
                           <a:ea typeface="Red Hat Text"/>
-                          <a:cs typeface="Red Hat Text"/>
+                          <a:cs typeface="Segoe UI" panose="020B0502040204020203" pitchFamily="34" charset="0"/>
                           <a:sym typeface="Red Hat Text"/>
                         </a:rPr>
                         <a:t>n</a:t>
@@ -12311,6 +12334,8 @@
                       </a:pPr>
                       <a:r>
                         <a:rPr lang="en-US" sz="1500" u="none" strike="noStrike" cap="none" dirty="0" smtClean="0">
+                          <a:latin typeface="Segoe UI" panose="020B0502040204020203" pitchFamily="34" charset="0"/>
+                          <a:cs typeface="Segoe UI" panose="020B0502040204020203" pitchFamily="34" charset="0"/>
                           <a:sym typeface="Red Hat Text"/>
                         </a:rPr>
                         <a:t>Quick sort</a:t>
@@ -12319,9 +12344,9 @@
                         <a:solidFill>
                           <a:schemeClr val="dk2"/>
                         </a:solidFill>
-                        <a:latin typeface="Red Hat Text"/>
+                        <a:latin typeface="Segoe UI" panose="020B0502040204020203" pitchFamily="34" charset="0"/>
                         <a:ea typeface="Red Hat Text"/>
-                        <a:cs typeface="Red Hat Text"/>
+                        <a:cs typeface="Segoe UI" panose="020B0502040204020203" pitchFamily="34" charset="0"/>
                         <a:sym typeface="Red Hat Text"/>
                       </a:endParaRPr>
                     </a:p>
@@ -12356,9 +12381,9 @@
                               <a:lumMod val="10000"/>
                             </a:schemeClr>
                           </a:solidFill>
-                          <a:latin typeface="Red Hat Text"/>
+                          <a:latin typeface="Segoe UI" panose="020B0502040204020203" pitchFamily="34" charset="0"/>
                           <a:ea typeface="Red Hat Text"/>
-                          <a:cs typeface="Red Hat Text"/>
+                          <a:cs typeface="Segoe UI" panose="020B0502040204020203" pitchFamily="34" charset="0"/>
                           <a:sym typeface="Arial"/>
                         </a:rPr>
                         <a:t>n * log(n)</a:t>
@@ -12369,9 +12394,9 @@
                             <a:lumMod val="10000"/>
                           </a:schemeClr>
                         </a:solidFill>
-                        <a:latin typeface="Red Hat Text"/>
+                        <a:latin typeface="Segoe UI" panose="020B0502040204020203" pitchFamily="34" charset="0"/>
                         <a:ea typeface="Red Hat Text"/>
-                        <a:cs typeface="Red Hat Text"/>
+                        <a:cs typeface="Segoe UI" panose="020B0502040204020203" pitchFamily="34" charset="0"/>
                         <a:sym typeface="Red Hat Text"/>
                       </a:endParaRPr>
                     </a:p>
@@ -12410,9 +12435,9 @@
                               <a:lumMod val="10000"/>
                             </a:schemeClr>
                           </a:solidFill>
-                          <a:latin typeface="Red Hat Text"/>
+                          <a:latin typeface="Segoe UI" panose="020B0502040204020203" pitchFamily="34" charset="0"/>
                           <a:ea typeface="Red Hat Text"/>
-                          <a:cs typeface="Red Hat Text"/>
+                          <a:cs typeface="Segoe UI" panose="020B0502040204020203" pitchFamily="34" charset="0"/>
                           <a:sym typeface="Arial"/>
                         </a:rPr>
                         <a:t>n * log(n)</a:t>
@@ -12423,9 +12448,9 @@
                             <a:lumMod val="10000"/>
                           </a:schemeClr>
                         </a:solidFill>
-                        <a:latin typeface="Red Hat Text"/>
+                        <a:latin typeface="Segoe UI" panose="020B0502040204020203" pitchFamily="34" charset="0"/>
                         <a:ea typeface="Red Hat Text"/>
-                        <a:cs typeface="Red Hat Text"/>
+                        <a:cs typeface="Segoe UI" panose="020B0502040204020203" pitchFamily="34" charset="0"/>
                         <a:sym typeface="Red Hat Text"/>
                       </a:endParaRPr>
                     </a:p>
@@ -12464,9 +12489,9 @@
                               <a:lumMod val="10000"/>
                             </a:schemeClr>
                           </a:solidFill>
-                          <a:latin typeface="Red Hat Text"/>
+                          <a:latin typeface="Segoe UI" panose="020B0502040204020203" pitchFamily="34" charset="0"/>
                           <a:ea typeface="Red Hat Text"/>
-                          <a:cs typeface="Red Hat Text"/>
+                          <a:cs typeface="Segoe UI" panose="020B0502040204020203" pitchFamily="34" charset="0"/>
                           <a:sym typeface="Arial"/>
                         </a:rPr>
                         <a:t>n^2</a:t>
@@ -12477,9 +12502,9 @@
                             <a:lumMod val="10000"/>
                           </a:schemeClr>
                         </a:solidFill>
-                        <a:latin typeface="Red Hat Text"/>
+                        <a:latin typeface="Segoe UI" panose="020B0502040204020203" pitchFamily="34" charset="0"/>
                         <a:ea typeface="Red Hat Text"/>
-                        <a:cs typeface="Red Hat Text"/>
+                        <a:cs typeface="Segoe UI" panose="020B0502040204020203" pitchFamily="34" charset="0"/>
                         <a:sym typeface="Red Hat Text"/>
                       </a:endParaRPr>
                     </a:p>
@@ -12518,9 +12543,9 @@
                               <a:lumMod val="10000"/>
                             </a:schemeClr>
                           </a:solidFill>
-                          <a:latin typeface="Red Hat Text"/>
+                          <a:latin typeface="Segoe UI" panose="020B0502040204020203" pitchFamily="34" charset="0"/>
                           <a:ea typeface="Red Hat Text"/>
-                          <a:cs typeface="Red Hat Text"/>
+                          <a:cs typeface="Segoe UI" panose="020B0502040204020203" pitchFamily="34" charset="0"/>
                           <a:sym typeface="Red Hat Text"/>
                         </a:rPr>
                         <a:t>log(n)</a:t>
@@ -12531,9 +12556,9 @@
                             <a:lumMod val="10000"/>
                           </a:schemeClr>
                         </a:solidFill>
-                        <a:latin typeface="Red Hat Text"/>
+                        <a:latin typeface="Segoe UI" panose="020B0502040204020203" pitchFamily="34" charset="0"/>
                         <a:ea typeface="Red Hat Text"/>
-                        <a:cs typeface="Red Hat Text"/>
+                        <a:cs typeface="Segoe UI" panose="020B0502040204020203" pitchFamily="34" charset="0"/>
                         <a:sym typeface="Red Hat Text"/>
                       </a:endParaRPr>
                     </a:p>
@@ -21891,7 +21916,7 @@
         <p:spPr>
           <a:xfrm>
             <a:off x="0" y="990678"/>
-            <a:ext cx="9610000" cy="5515629"/>
+            <a:ext cx="9610000" cy="1312907"/>
           </a:xfrm>
         </p:spPr>
         <p:txBody>
@@ -21902,7 +21927,7 @@
               <a:buNone/>
             </a:pPr>
             <a:r>
-              <a:rPr lang="en-US" dirty="0" smtClean="0">
+              <a:rPr lang="en-US" sz="1400" dirty="0" smtClean="0">
                 <a:latin typeface="Segoe UI" panose="020B0502040204020203" pitchFamily="34" charset="0"/>
                 <a:cs typeface="Segoe UI" panose="020B0502040204020203" pitchFamily="34" charset="0"/>
               </a:rPr>
@@ -21911,7 +21936,7 @@
           </a:p>
           <a:p>
             <a:r>
-              <a:rPr lang="en-US" dirty="0" smtClean="0">
+              <a:rPr lang="en-US" sz="1400" dirty="0" smtClean="0">
                 <a:latin typeface="Segoe UI" panose="020B0502040204020203" pitchFamily="34" charset="0"/>
                 <a:cs typeface="Segoe UI" panose="020B0502040204020203" pitchFamily="34" charset="0"/>
               </a:rPr>
@@ -21920,7 +21945,7 @@
           </a:p>
           <a:p>
             <a:r>
-              <a:rPr lang="en-US" dirty="0" smtClean="0">
+              <a:rPr lang="en-US" sz="1400" dirty="0" smtClean="0">
                 <a:latin typeface="Segoe UI" panose="020B0502040204020203" pitchFamily="34" charset="0"/>
                 <a:cs typeface="Segoe UI" panose="020B0502040204020203" pitchFamily="34" charset="0"/>
               </a:rPr>
@@ -21929,7 +21954,7 @@
           </a:p>
           <a:p>
             <a:r>
-              <a:rPr lang="en-US" dirty="0" smtClean="0">
+              <a:rPr lang="en-US" sz="1400" dirty="0" smtClean="0">
                 <a:latin typeface="Segoe UI" panose="020B0502040204020203" pitchFamily="34" charset="0"/>
                 <a:cs typeface="Segoe UI" panose="020B0502040204020203" pitchFamily="34" charset="0"/>
               </a:rPr>
@@ -21938,35 +21963,35 @@
           </a:p>
           <a:p>
             <a:r>
-              <a:rPr lang="en-US" dirty="0" smtClean="0">
+              <a:rPr lang="en-US" sz="1400" dirty="0" smtClean="0">
                 <a:latin typeface="Segoe UI" panose="020B0502040204020203" pitchFamily="34" charset="0"/>
                 <a:cs typeface="Segoe UI" panose="020B0502040204020203" pitchFamily="34" charset="0"/>
               </a:rPr>
               <a:t>Directed / Undirected – directions assigned to distanced </a:t>
             </a:r>
             <a:r>
-              <a:rPr lang="en-US" dirty="0">
+              <a:rPr lang="en-US" sz="1400" dirty="0">
                 <a:latin typeface="Segoe UI" panose="020B0502040204020203" pitchFamily="34" charset="0"/>
                 <a:cs typeface="Segoe UI" panose="020B0502040204020203" pitchFamily="34" charset="0"/>
               </a:rPr>
               <a:t>between vertices (one way </a:t>
             </a:r>
             <a:r>
-              <a:rPr lang="en-US" dirty="0" smtClean="0">
+              <a:rPr lang="en-US" sz="1400" dirty="0" smtClean="0">
                 <a:latin typeface="Segoe UI" panose="020B0502040204020203" pitchFamily="34" charset="0"/>
                 <a:cs typeface="Segoe UI" panose="020B0502040204020203" pitchFamily="34" charset="0"/>
               </a:rPr>
               <a:t>street / friends </a:t>
             </a:r>
             <a:r>
-              <a:rPr lang="en-US" dirty="0">
+              <a:rPr lang="en-US" sz="1400" dirty="0">
                 <a:latin typeface="Segoe UI" panose="020B0502040204020203" pitchFamily="34" charset="0"/>
                 <a:cs typeface="Segoe UI" panose="020B0502040204020203" pitchFamily="34" charset="0"/>
               </a:rPr>
               <a:t>on </a:t>
             </a:r>
             <a:r>
-              <a:rPr lang="en-US" dirty="0" smtClean="0">
+              <a:rPr lang="en-US" sz="1400" dirty="0" smtClean="0">
                 <a:latin typeface="Segoe UI" panose="020B0502040204020203" pitchFamily="34" charset="0"/>
                 <a:cs typeface="Segoe UI" panose="020B0502040204020203" pitchFamily="34" charset="0"/>
               </a:rPr>
@@ -21974,13 +21999,126 @@
             </a:r>
           </a:p>
           <a:p>
-            <a:endParaRPr lang="en-US" dirty="0">
+            <a:endParaRPr lang="en-US" sz="1400" dirty="0">
               <a:latin typeface="Segoe UI" panose="020B0502040204020203" pitchFamily="34" charset="0"/>
               <a:cs typeface="Segoe UI" panose="020B0502040204020203" pitchFamily="34" charset="0"/>
             </a:endParaRPr>
           </a:p>
+          <a:p>
+            <a:pPr marL="76200" indent="0">
+              <a:buNone/>
+            </a:pPr>
+            <a:endParaRPr lang="en-US" sz="1400" dirty="0" smtClean="0">
+              <a:latin typeface="Segoe UI" panose="020B0502040204020203" pitchFamily="34" charset="0"/>
+              <a:cs typeface="Segoe UI" panose="020B0502040204020203" pitchFamily="34" charset="0"/>
+            </a:endParaRPr>
+          </a:p>
         </p:txBody>
       </p:sp>
+      <p:sp>
+        <p:nvSpPr>
+          <p:cNvPr id="9" name="TextBox 8"/>
+          <p:cNvSpPr txBox="1"/>
+          <p:nvPr/>
+        </p:nvSpPr>
+        <p:spPr>
+          <a:xfrm>
+            <a:off x="175845" y="2409092"/>
+            <a:ext cx="7034313" cy="646331"/>
+          </a:xfrm>
+          <a:prstGeom prst="rect">
+            <a:avLst/>
+          </a:prstGeom>
+          <a:noFill/>
+        </p:spPr>
+        <p:txBody>
+          <a:bodyPr wrap="square" rtlCol="0">
+            <a:spAutoFit/>
+          </a:bodyPr>
+          <a:lstStyle/>
+          <a:p>
+            <a:r>
+              <a:rPr lang="en-US" dirty="0" smtClean="0"/>
+              <a:t>Adjacency matrix – </a:t>
+            </a:r>
+            <a:r>
+              <a:rPr lang="en-US" dirty="0" smtClean="0">
+                <a:solidFill>
+                  <a:srgbClr val="FF0000"/>
+                </a:solidFill>
+              </a:rPr>
+              <a:t>only for undirected graph</a:t>
+            </a:r>
+          </a:p>
+          <a:p>
+            <a:r>
+              <a:rPr lang="en-US" dirty="0" smtClean="0"/>
+              <a:t>Adjacency lists(can use hash tables if keys in not numbers)</a:t>
+            </a:r>
+            <a:endParaRPr lang="en-US" dirty="0"/>
+          </a:p>
+        </p:txBody>
+      </p:sp>
+      <p:pic>
+        <p:nvPicPr>
+          <p:cNvPr id="11" name="Picture 10"/>
+          <p:cNvPicPr>
+            <a:picLocks noChangeAspect="1"/>
+          </p:cNvPicPr>
+          <p:nvPr/>
+        </p:nvPicPr>
+        <p:blipFill>
+          <a:blip r:embed="rId2">
+            <a:extLst>
+              <a:ext uri="{28A0092B-C50C-407E-A947-70E740481C1C}">
+                <a14:useLocalDpi xmlns:a14="http://schemas.microsoft.com/office/drawing/2010/main" val="0"/>
+              </a:ext>
+            </a:extLst>
+          </a:blip>
+          <a:stretch>
+            <a:fillRect/>
+          </a:stretch>
+        </p:blipFill>
+        <p:spPr>
+          <a:xfrm>
+            <a:off x="0" y="3440113"/>
+            <a:ext cx="4511187" cy="3417887"/>
+          </a:xfrm>
+          <a:prstGeom prst="rect">
+            <a:avLst/>
+          </a:prstGeom>
+        </p:spPr>
+      </p:pic>
+      <p:pic>
+        <p:nvPicPr>
+          <p:cNvPr id="12" name="Picture 11"/>
+          <p:cNvPicPr>
+            <a:picLocks noChangeAspect="1"/>
+          </p:cNvPicPr>
+          <p:nvPr/>
+        </p:nvPicPr>
+        <p:blipFill>
+          <a:blip r:embed="rId3">
+            <a:extLst>
+              <a:ext uri="{28A0092B-C50C-407E-A947-70E740481C1C}">
+                <a14:useLocalDpi xmlns:a14="http://schemas.microsoft.com/office/drawing/2010/main" val="0"/>
+              </a:ext>
+            </a:extLst>
+          </a:blip>
+          <a:stretch>
+            <a:fillRect/>
+          </a:stretch>
+        </p:blipFill>
+        <p:spPr>
+          <a:xfrm>
+            <a:off x="7210159" y="2409092"/>
+            <a:ext cx="4799682" cy="3116970"/>
+          </a:xfrm>
+          <a:prstGeom prst="rect">
+            <a:avLst/>
+          </a:prstGeom>
+        </p:spPr>
+      </p:pic>
     </p:spTree>
     <p:extLst>
       <p:ext uri="{BB962C8B-B14F-4D97-AF65-F5344CB8AC3E}">
@@ -22039,11 +22177,18 @@
           <a:lstStyle/>
           <a:p>
             <a:r>
-              <a:rPr lang="en-US" b="1" dirty="0">
-                <a:latin typeface="Segoe UI" panose="020B0502040204020203" pitchFamily="34" charset="0"/>
-                <a:cs typeface="Segoe UI" panose="020B0502040204020203" pitchFamily="34" charset="0"/>
-              </a:rPr>
-              <a:t>Graphs</a:t>
+              <a:rPr lang="en-US" dirty="0" smtClean="0">
+                <a:latin typeface="Segoe UI" panose="020B0502040204020203" pitchFamily="34" charset="0"/>
+                <a:cs typeface="Segoe UI" panose="020B0502040204020203" pitchFamily="34" charset="0"/>
+              </a:rPr>
+              <a:t>Graphs Big </a:t>
+            </a:r>
+            <a:r>
+              <a:rPr lang="en-US" dirty="0">
+                <a:latin typeface="Segoe UI" panose="020B0502040204020203" pitchFamily="34" charset="0"/>
+                <a:cs typeface="Segoe UI" panose="020B0502040204020203" pitchFamily="34" charset="0"/>
+              </a:rPr>
+              <a:t>O</a:t>
             </a:r>
             <a:endParaRPr lang="en-US" dirty="0">
               <a:latin typeface="Segoe UI" panose="020B0502040204020203" pitchFamily="34" charset="0"/>
@@ -22072,13 +22217,1579 @@
           <a:bodyPr/>
           <a:lstStyle/>
           <a:p>
+            <a:r>
+              <a:rPr lang="en-US" dirty="0" smtClean="0">
+                <a:latin typeface="Segoe UI" panose="020B0502040204020203" pitchFamily="34" charset="0"/>
+                <a:cs typeface="Segoe UI" panose="020B0502040204020203" pitchFamily="34" charset="0"/>
+              </a:rPr>
+              <a:t>| V | - number of vertices</a:t>
+            </a:r>
+          </a:p>
+          <a:p>
+            <a:r>
+              <a:rPr lang="en-US" dirty="0" smtClean="0">
+                <a:latin typeface="Segoe UI" panose="020B0502040204020203" pitchFamily="34" charset="0"/>
+                <a:cs typeface="Segoe UI" panose="020B0502040204020203" pitchFamily="34" charset="0"/>
+              </a:rPr>
+              <a:t>| E | - number of edges</a:t>
+            </a:r>
+          </a:p>
+          <a:p>
             <a:endParaRPr lang="en-US" dirty="0">
               <a:latin typeface="Segoe UI" panose="020B0502040204020203" pitchFamily="34" charset="0"/>
               <a:cs typeface="Segoe UI" panose="020B0502040204020203" pitchFamily="34" charset="0"/>
             </a:endParaRPr>
           </a:p>
+          <a:p>
+            <a:pPr marL="76200" indent="0">
+              <a:buNone/>
+            </a:pPr>
+            <a:endParaRPr lang="en-US" dirty="0">
+              <a:latin typeface="Segoe UI" panose="020B0502040204020203" pitchFamily="34" charset="0"/>
+              <a:cs typeface="Segoe UI" panose="020B0502040204020203" pitchFamily="34" charset="0"/>
+            </a:endParaRPr>
+          </a:p>
         </p:txBody>
       </p:sp>
+      <p:graphicFrame>
+        <p:nvGraphicFramePr>
+          <p:cNvPr id="6" name="Table 5"/>
+          <p:cNvGraphicFramePr>
+            <a:graphicFrameLocks noGrp="1"/>
+          </p:cNvGraphicFramePr>
+          <p:nvPr>
+            <p:extLst>
+              <p:ext uri="{D42A27DB-BD31-4B8C-83A1-F6EECF244321}">
+                <p14:modId xmlns:p14="http://schemas.microsoft.com/office/powerpoint/2010/main" val="127576466"/>
+              </p:ext>
+            </p:extLst>
+          </p:nvPr>
+        </p:nvGraphicFramePr>
+        <p:xfrm>
+          <a:off x="306787" y="2291496"/>
+          <a:ext cx="5766000" cy="3778901"/>
+        </p:xfrm>
+        <a:graphic>
+          <a:graphicData uri="http://schemas.openxmlformats.org/drawingml/2006/table">
+            <a:tbl>
+              <a:tblPr>
+                <a:tableStyleId>{775DCB02-9BB8-47FD-8907-85C794F793BA}</a:tableStyleId>
+              </a:tblPr>
+              <a:tblGrid>
+                <a:gridCol w="1922000">
+                  <a:extLst>
+                    <a:ext uri="{9D8B030D-6E8A-4147-A177-3AD203B41FA5}">
+                      <a16:colId xmlns:a16="http://schemas.microsoft.com/office/drawing/2014/main" val="64851094"/>
+                    </a:ext>
+                  </a:extLst>
+                </a:gridCol>
+                <a:gridCol w="1922000">
+                  <a:extLst>
+                    <a:ext uri="{9D8B030D-6E8A-4147-A177-3AD203B41FA5}">
+                      <a16:colId xmlns:a16="http://schemas.microsoft.com/office/drawing/2014/main" val="1353966151"/>
+                    </a:ext>
+                  </a:extLst>
+                </a:gridCol>
+                <a:gridCol w="1922000">
+                  <a:extLst>
+                    <a:ext uri="{9D8B030D-6E8A-4147-A177-3AD203B41FA5}">
+                      <a16:colId xmlns:a16="http://schemas.microsoft.com/office/drawing/2014/main" val="2043248338"/>
+                    </a:ext>
+                  </a:extLst>
+                </a:gridCol>
+              </a:tblGrid>
+              <a:tr h="539843">
+                <a:tc>
+                  <a:txBody>
+                    <a:bodyPr/>
+                    <a:lstStyle/>
+                    <a:p>
+                      <a:pPr marL="0" marR="0" lvl="0" indent="0" algn="ctr" rtl="0" eaLnBrk="1" hangingPunct="1">
+                        <a:lnSpc>
+                          <a:spcPct val="100000"/>
+                        </a:lnSpc>
+                        <a:spcBef>
+                          <a:spcPts val="0"/>
+                        </a:spcBef>
+                        <a:spcAft>
+                          <a:spcPts val="0"/>
+                        </a:spcAft>
+                        <a:buClr>
+                          <a:srgbClr val="000000"/>
+                        </a:buClr>
+                        <a:buFont typeface="Arial"/>
+                        <a:buNone/>
+                      </a:pPr>
+                      <a:r>
+                        <a:rPr lang="en-US" sz="1500" b="0" i="0" u="none" strike="noStrike" cap="none" dirty="0" smtClean="0">
+                          <a:solidFill>
+                            <a:schemeClr val="dk2"/>
+                          </a:solidFill>
+                          <a:latin typeface="Segoe UI" panose="020B0502040204020203" pitchFamily="34" charset="0"/>
+                          <a:ea typeface="Red Hat Text"/>
+                          <a:cs typeface="Segoe UI" panose="020B0502040204020203" pitchFamily="34" charset="0"/>
+                          <a:sym typeface="Red Hat Text"/>
+                        </a:rPr>
+                        <a:t>Operation</a:t>
+                      </a:r>
+                      <a:endParaRPr sz="1500" b="0" i="0" u="none" strike="noStrike" cap="none" dirty="0">
+                        <a:solidFill>
+                          <a:schemeClr val="dk2"/>
+                        </a:solidFill>
+                        <a:latin typeface="Segoe UI" panose="020B0502040204020203" pitchFamily="34" charset="0"/>
+                        <a:ea typeface="Red Hat Text"/>
+                        <a:cs typeface="Segoe UI" panose="020B0502040204020203" pitchFamily="34" charset="0"/>
+                        <a:sym typeface="Red Hat Text"/>
+                      </a:endParaRPr>
+                    </a:p>
+                  </a:txBody>
+                  <a:tcPr marL="121900" marR="121900" marT="91433" marB="91433" anchor="ctr"/>
+                </a:tc>
+                <a:tc>
+                  <a:txBody>
+                    <a:bodyPr/>
+                    <a:lstStyle/>
+                    <a:p>
+                      <a:pPr marL="0" marR="0" lvl="0" indent="0" algn="ctr" rtl="0" eaLnBrk="1" hangingPunct="1">
+                        <a:lnSpc>
+                          <a:spcPct val="100000"/>
+                        </a:lnSpc>
+                        <a:spcBef>
+                          <a:spcPts val="0"/>
+                        </a:spcBef>
+                        <a:spcAft>
+                          <a:spcPts val="0"/>
+                        </a:spcAft>
+                        <a:buClr>
+                          <a:srgbClr val="000000"/>
+                        </a:buClr>
+                        <a:buFont typeface="Arial"/>
+                        <a:buNone/>
+                      </a:pPr>
+                      <a:r>
+                        <a:rPr lang="en-US" sz="1500" b="0" i="0" u="none" strike="noStrike" cap="none" dirty="0" smtClean="0">
+                          <a:solidFill>
+                            <a:schemeClr val="dk2"/>
+                          </a:solidFill>
+                          <a:latin typeface="Segoe UI" panose="020B0502040204020203" pitchFamily="34" charset="0"/>
+                          <a:ea typeface="Red Hat Text"/>
+                          <a:cs typeface="Segoe UI" panose="020B0502040204020203" pitchFamily="34" charset="0"/>
+                          <a:sym typeface="Arial"/>
+                        </a:rPr>
+                        <a:t> Adjacency lists</a:t>
+                      </a:r>
+                      <a:endParaRPr sz="1500" b="0" i="0" u="none" strike="noStrike" cap="none" dirty="0">
+                        <a:solidFill>
+                          <a:schemeClr val="dk2"/>
+                        </a:solidFill>
+                        <a:latin typeface="Segoe UI" panose="020B0502040204020203" pitchFamily="34" charset="0"/>
+                        <a:ea typeface="Red Hat Text"/>
+                        <a:cs typeface="Segoe UI" panose="020B0502040204020203" pitchFamily="34" charset="0"/>
+                        <a:sym typeface="Red Hat Text"/>
+                      </a:endParaRPr>
+                    </a:p>
+                  </a:txBody>
+                  <a:tcPr marL="121900" marR="121900" marT="91433" marB="91433" anchor="ctr"/>
+                </a:tc>
+                <a:tc>
+                  <a:txBody>
+                    <a:bodyPr/>
+                    <a:lstStyle/>
+                    <a:p>
+                      <a:pPr marL="0" marR="0" lvl="0" indent="0" algn="ctr" rtl="0" eaLnBrk="1" hangingPunct="1">
+                        <a:lnSpc>
+                          <a:spcPct val="100000"/>
+                        </a:lnSpc>
+                        <a:spcBef>
+                          <a:spcPts val="0"/>
+                        </a:spcBef>
+                        <a:spcAft>
+                          <a:spcPts val="0"/>
+                        </a:spcAft>
+                        <a:buClr>
+                          <a:srgbClr val="000000"/>
+                        </a:buClr>
+                        <a:buFont typeface="Arial"/>
+                        <a:buNone/>
+                      </a:pPr>
+                      <a:r>
+                        <a:rPr lang="en-US" sz="1500" b="0" i="0" u="none" strike="noStrike" cap="none" dirty="0" smtClean="0">
+                          <a:solidFill>
+                            <a:schemeClr val="dk2"/>
+                          </a:solidFill>
+                          <a:latin typeface="Segoe UI" panose="020B0502040204020203" pitchFamily="34" charset="0"/>
+                          <a:ea typeface="Red Hat Text"/>
+                          <a:cs typeface="Segoe UI" panose="020B0502040204020203" pitchFamily="34" charset="0"/>
+                          <a:sym typeface="Arial"/>
+                        </a:rPr>
+                        <a:t>Adjacency matrix</a:t>
+                      </a:r>
+                      <a:endParaRPr sz="1500" b="0" i="0" u="none" strike="noStrike" cap="none" dirty="0">
+                        <a:solidFill>
+                          <a:schemeClr val="dk2"/>
+                        </a:solidFill>
+                        <a:latin typeface="Segoe UI" panose="020B0502040204020203" pitchFamily="34" charset="0"/>
+                        <a:ea typeface="Red Hat Text"/>
+                        <a:cs typeface="Segoe UI" panose="020B0502040204020203" pitchFamily="34" charset="0"/>
+                        <a:sym typeface="Red Hat Text"/>
+                      </a:endParaRPr>
+                    </a:p>
+                  </a:txBody>
+                  <a:tcPr marL="121900" marR="121900" marT="91433" marB="91433" anchor="ctr"/>
+                </a:tc>
+                <a:extLst>
+                  <a:ext uri="{0D108BD9-81ED-4DB2-BD59-A6C34878D82A}">
+                    <a16:rowId xmlns:a16="http://schemas.microsoft.com/office/drawing/2014/main" val="1308435311"/>
+                  </a:ext>
+                </a:extLst>
+              </a:tr>
+              <a:tr h="539843">
+                <a:tc>
+                  <a:txBody>
+                    <a:bodyPr/>
+                    <a:lstStyle/>
+                    <a:p>
+                      <a:pPr marL="0" marR="0" lvl="0" indent="0" algn="ctr" rtl="0" eaLnBrk="1" hangingPunct="1">
+                        <a:lnSpc>
+                          <a:spcPct val="100000"/>
+                        </a:lnSpc>
+                        <a:spcBef>
+                          <a:spcPts val="0"/>
+                        </a:spcBef>
+                        <a:spcAft>
+                          <a:spcPts val="0"/>
+                        </a:spcAft>
+                        <a:buClr>
+                          <a:srgbClr val="000000"/>
+                        </a:buClr>
+                        <a:buFont typeface="Arial"/>
+                        <a:buNone/>
+                      </a:pPr>
+                      <a:r>
+                        <a:rPr lang="en" sz="1500" b="0" i="0" u="none" strike="noStrike" cap="none" dirty="0" smtClean="0">
+                          <a:solidFill>
+                            <a:schemeClr val="dk2"/>
+                          </a:solidFill>
+                          <a:latin typeface="Segoe UI" panose="020B0502040204020203" pitchFamily="34" charset="0"/>
+                          <a:ea typeface="Red Hat Text"/>
+                          <a:cs typeface="Segoe UI" panose="020B0502040204020203" pitchFamily="34" charset="0"/>
+                          <a:sym typeface="Red Hat Text"/>
+                        </a:rPr>
+                        <a:t>Add vertex</a:t>
+                      </a:r>
+                      <a:endParaRPr sz="1500" b="0" i="0" u="none" strike="noStrike" cap="none" dirty="0">
+                        <a:solidFill>
+                          <a:schemeClr val="dk2"/>
+                        </a:solidFill>
+                        <a:latin typeface="Segoe UI" panose="020B0502040204020203" pitchFamily="34" charset="0"/>
+                        <a:ea typeface="Red Hat Text"/>
+                        <a:cs typeface="Segoe UI" panose="020B0502040204020203" pitchFamily="34" charset="0"/>
+                        <a:sym typeface="Red Hat Text"/>
+                      </a:endParaRPr>
+                    </a:p>
+                  </a:txBody>
+                  <a:tcPr marL="121900" marR="121900" marT="91433" marB="91433" anchor="ctr"/>
+                </a:tc>
+                <a:tc>
+                  <a:txBody>
+                    <a:bodyPr/>
+                    <a:lstStyle/>
+                    <a:p>
+                      <a:pPr marL="0" marR="0" lvl="0" indent="0" algn="ctr" rtl="0" eaLnBrk="1" hangingPunct="1">
+                        <a:lnSpc>
+                          <a:spcPct val="100000"/>
+                        </a:lnSpc>
+                        <a:spcBef>
+                          <a:spcPts val="0"/>
+                        </a:spcBef>
+                        <a:spcAft>
+                          <a:spcPts val="0"/>
+                        </a:spcAft>
+                        <a:buClr>
+                          <a:srgbClr val="000000"/>
+                        </a:buClr>
+                        <a:buFont typeface="Arial"/>
+                        <a:buNone/>
+                      </a:pPr>
+                      <a:r>
+                        <a:rPr lang="en-US" sz="1400" b="0" i="0" u="none" strike="noStrike" cap="none" dirty="0" smtClean="0">
+                          <a:solidFill>
+                            <a:schemeClr val="tx1"/>
+                          </a:solidFill>
+                          <a:latin typeface="Segoe UI" panose="020B0502040204020203" pitchFamily="34" charset="0"/>
+                          <a:ea typeface="Red Hat Text"/>
+                          <a:cs typeface="Segoe UI" panose="020B0502040204020203" pitchFamily="34" charset="0"/>
+                          <a:sym typeface="Red Hat Text"/>
+                        </a:rPr>
+                        <a:t>O(1)</a:t>
+                      </a:r>
+                      <a:endParaRPr sz="1400" b="0" i="0" u="none" strike="noStrike" cap="none" dirty="0">
+                        <a:solidFill>
+                          <a:schemeClr val="tx1"/>
+                        </a:solidFill>
+                        <a:latin typeface="Segoe UI" panose="020B0502040204020203" pitchFamily="34" charset="0"/>
+                        <a:ea typeface="Red Hat Text"/>
+                        <a:cs typeface="Segoe UI" panose="020B0502040204020203" pitchFamily="34" charset="0"/>
+                        <a:sym typeface="Red Hat Text"/>
+                      </a:endParaRPr>
+                    </a:p>
+                  </a:txBody>
+                  <a:tcPr marL="121900" marR="121900" marT="91433" marB="91433" anchor="ctr">
+                    <a:solidFill>
+                      <a:schemeClr val="bg1"/>
+                    </a:solidFill>
+                  </a:tcPr>
+                </a:tc>
+                <a:tc>
+                  <a:txBody>
+                    <a:bodyPr/>
+                    <a:lstStyle/>
+                    <a:p>
+                      <a:pPr marL="0" marR="0" lvl="0" indent="0" algn="ctr" rtl="0" eaLnBrk="1" hangingPunct="1">
+                        <a:lnSpc>
+                          <a:spcPct val="100000"/>
+                        </a:lnSpc>
+                        <a:spcBef>
+                          <a:spcPts val="0"/>
+                        </a:spcBef>
+                        <a:spcAft>
+                          <a:spcPts val="0"/>
+                        </a:spcAft>
+                        <a:buClr>
+                          <a:srgbClr val="000000"/>
+                        </a:buClr>
+                        <a:buFont typeface="Arial"/>
+                        <a:buNone/>
+                      </a:pPr>
+                      <a:r>
+                        <a:rPr lang="en-US" sz="1400" b="0" i="0" u="none" strike="noStrike" cap="none" dirty="0" smtClean="0">
+                          <a:solidFill>
+                            <a:schemeClr val="tx1"/>
+                          </a:solidFill>
+                          <a:latin typeface="Segoe UI" panose="020B0502040204020203" pitchFamily="34" charset="0"/>
+                          <a:ea typeface="Red Hat Text"/>
+                          <a:cs typeface="Segoe UI" panose="020B0502040204020203" pitchFamily="34" charset="0"/>
+                          <a:sym typeface="Red Hat Text"/>
+                        </a:rPr>
+                        <a:t>O( | V^2 | )</a:t>
+                      </a:r>
+                      <a:endParaRPr sz="1400" b="0" i="0" u="none" strike="noStrike" cap="none" dirty="0">
+                        <a:solidFill>
+                          <a:schemeClr val="tx1"/>
+                        </a:solidFill>
+                        <a:latin typeface="Segoe UI" panose="020B0502040204020203" pitchFamily="34" charset="0"/>
+                        <a:ea typeface="Red Hat Text"/>
+                        <a:cs typeface="Segoe UI" panose="020B0502040204020203" pitchFamily="34" charset="0"/>
+                        <a:sym typeface="Red Hat Text"/>
+                      </a:endParaRPr>
+                    </a:p>
+                  </a:txBody>
+                  <a:tcPr marL="121900" marR="121900" marT="91433" marB="91433" anchor="ctr">
+                    <a:solidFill>
+                      <a:schemeClr val="bg1"/>
+                    </a:solidFill>
+                  </a:tcPr>
+                </a:tc>
+                <a:extLst>
+                  <a:ext uri="{0D108BD9-81ED-4DB2-BD59-A6C34878D82A}">
+                    <a16:rowId xmlns:a16="http://schemas.microsoft.com/office/drawing/2014/main" val="6178432"/>
+                  </a:ext>
+                </a:extLst>
+              </a:tr>
+              <a:tr h="539843">
+                <a:tc>
+                  <a:txBody>
+                    <a:bodyPr/>
+                    <a:lstStyle/>
+                    <a:p>
+                      <a:pPr marL="0" marR="0" lvl="0" indent="0" algn="ctr" rtl="0" eaLnBrk="1" hangingPunct="1">
+                        <a:lnSpc>
+                          <a:spcPct val="100000"/>
+                        </a:lnSpc>
+                        <a:spcBef>
+                          <a:spcPts val="0"/>
+                        </a:spcBef>
+                        <a:spcAft>
+                          <a:spcPts val="0"/>
+                        </a:spcAft>
+                        <a:buClr>
+                          <a:srgbClr val="000000"/>
+                        </a:buClr>
+                        <a:buFont typeface="Arial"/>
+                        <a:buNone/>
+                      </a:pPr>
+                      <a:r>
+                        <a:rPr lang="en-US" sz="1500" b="0" i="0" u="none" strike="noStrike" cap="none" dirty="0" smtClean="0">
+                          <a:solidFill>
+                            <a:schemeClr val="dk2"/>
+                          </a:solidFill>
+                          <a:latin typeface="Segoe UI" panose="020B0502040204020203" pitchFamily="34" charset="0"/>
+                          <a:ea typeface="Red Hat Text"/>
+                          <a:cs typeface="Segoe UI" panose="020B0502040204020203" pitchFamily="34" charset="0"/>
+                          <a:sym typeface="Red Hat Text"/>
+                        </a:rPr>
+                        <a:t>Add edge</a:t>
+                      </a:r>
+                      <a:endParaRPr sz="1500" b="0" i="0" u="none" strike="noStrike" cap="none" dirty="0">
+                        <a:solidFill>
+                          <a:schemeClr val="dk2"/>
+                        </a:solidFill>
+                        <a:latin typeface="Segoe UI" panose="020B0502040204020203" pitchFamily="34" charset="0"/>
+                        <a:ea typeface="Red Hat Text"/>
+                        <a:cs typeface="Segoe UI" panose="020B0502040204020203" pitchFamily="34" charset="0"/>
+                        <a:sym typeface="Red Hat Text"/>
+                      </a:endParaRPr>
+                    </a:p>
+                  </a:txBody>
+                  <a:tcPr marL="121900" marR="121900" marT="91433" marB="91433" anchor="ctr"/>
+                </a:tc>
+                <a:tc>
+                  <a:txBody>
+                    <a:bodyPr/>
+                    <a:lstStyle/>
+                    <a:p>
+                      <a:pPr marL="0" marR="0" lvl="0" indent="0" algn="ctr" defTabSz="914400" rtl="0" eaLnBrk="1" fontAlgn="auto" latinLnBrk="0" hangingPunct="1">
+                        <a:lnSpc>
+                          <a:spcPct val="100000"/>
+                        </a:lnSpc>
+                        <a:spcBef>
+                          <a:spcPts val="0"/>
+                        </a:spcBef>
+                        <a:spcAft>
+                          <a:spcPts val="0"/>
+                        </a:spcAft>
+                        <a:buClr>
+                          <a:srgbClr val="000000"/>
+                        </a:buClr>
+                        <a:buSzTx/>
+                        <a:buFont typeface="Arial"/>
+                        <a:buNone/>
+                        <a:tabLst/>
+                        <a:defRPr/>
+                      </a:pPr>
+                      <a:r>
+                        <a:rPr lang="en-US" sz="1400" b="0" i="0" u="none" strike="noStrike" cap="none" dirty="0" smtClean="0">
+                          <a:solidFill>
+                            <a:schemeClr val="tx1"/>
+                          </a:solidFill>
+                          <a:latin typeface="Segoe UI" panose="020B0502040204020203" pitchFamily="34" charset="0"/>
+                          <a:ea typeface="Red Hat Text"/>
+                          <a:cs typeface="Segoe UI" panose="020B0502040204020203" pitchFamily="34" charset="0"/>
+                          <a:sym typeface="Red Hat Text"/>
+                        </a:rPr>
+                        <a:t>O(1)</a:t>
+                      </a:r>
+                    </a:p>
+                  </a:txBody>
+                  <a:tcPr marL="121900" marR="121900" marT="91433" marB="91433" anchor="ctr">
+                    <a:solidFill>
+                      <a:schemeClr val="bg1"/>
+                    </a:solidFill>
+                  </a:tcPr>
+                </a:tc>
+                <a:tc>
+                  <a:txBody>
+                    <a:bodyPr/>
+                    <a:lstStyle/>
+                    <a:p>
+                      <a:pPr marL="0" marR="0" lvl="0" indent="0" algn="ctr" rtl="0" eaLnBrk="1" hangingPunct="1">
+                        <a:lnSpc>
+                          <a:spcPct val="100000"/>
+                        </a:lnSpc>
+                        <a:spcBef>
+                          <a:spcPts val="0"/>
+                        </a:spcBef>
+                        <a:spcAft>
+                          <a:spcPts val="0"/>
+                        </a:spcAft>
+                        <a:buClr>
+                          <a:srgbClr val="000000"/>
+                        </a:buClr>
+                        <a:buFont typeface="Arial"/>
+                        <a:buNone/>
+                      </a:pPr>
+                      <a:r>
+                        <a:rPr lang="en-US" sz="1400" b="0" i="0" u="none" strike="noStrike" cap="none" dirty="0" smtClean="0">
+                          <a:solidFill>
+                            <a:schemeClr val="tx1"/>
+                          </a:solidFill>
+                          <a:latin typeface="Segoe UI" panose="020B0502040204020203" pitchFamily="34" charset="0"/>
+                          <a:ea typeface="Red Hat Text"/>
+                          <a:cs typeface="Segoe UI" panose="020B0502040204020203" pitchFamily="34" charset="0"/>
+                          <a:sym typeface="Red Hat Text"/>
+                        </a:rPr>
+                        <a:t>O(1)</a:t>
+                      </a:r>
+                      <a:endParaRPr sz="1400" b="0" i="0" u="none" strike="noStrike" cap="none" dirty="0">
+                        <a:solidFill>
+                          <a:schemeClr val="tx1"/>
+                        </a:solidFill>
+                        <a:latin typeface="Segoe UI" panose="020B0502040204020203" pitchFamily="34" charset="0"/>
+                        <a:ea typeface="Red Hat Text"/>
+                        <a:cs typeface="Segoe UI" panose="020B0502040204020203" pitchFamily="34" charset="0"/>
+                        <a:sym typeface="Red Hat Text"/>
+                      </a:endParaRPr>
+                    </a:p>
+                  </a:txBody>
+                  <a:tcPr marL="121900" marR="121900" marT="91433" marB="91433" anchor="ctr">
+                    <a:solidFill>
+                      <a:schemeClr val="bg1"/>
+                    </a:solidFill>
+                  </a:tcPr>
+                </a:tc>
+                <a:extLst>
+                  <a:ext uri="{0D108BD9-81ED-4DB2-BD59-A6C34878D82A}">
+                    <a16:rowId xmlns:a16="http://schemas.microsoft.com/office/drawing/2014/main" val="1420133012"/>
+                  </a:ext>
+                </a:extLst>
+              </a:tr>
+              <a:tr h="539843">
+                <a:tc>
+                  <a:txBody>
+                    <a:bodyPr/>
+                    <a:lstStyle/>
+                    <a:p>
+                      <a:pPr marL="0" marR="0" lvl="0" indent="0" algn="ctr" rtl="0" eaLnBrk="1" hangingPunct="1">
+                        <a:lnSpc>
+                          <a:spcPct val="100000"/>
+                        </a:lnSpc>
+                        <a:spcBef>
+                          <a:spcPts val="0"/>
+                        </a:spcBef>
+                        <a:spcAft>
+                          <a:spcPts val="0"/>
+                        </a:spcAft>
+                        <a:buClr>
+                          <a:srgbClr val="000000"/>
+                        </a:buClr>
+                        <a:buFont typeface="Arial"/>
+                        <a:buNone/>
+                      </a:pPr>
+                      <a:r>
+                        <a:rPr lang="en" sz="1500" b="0" i="0" u="none" strike="noStrike" cap="none" dirty="0" smtClean="0">
+                          <a:solidFill>
+                            <a:schemeClr val="dk2"/>
+                          </a:solidFill>
+                          <a:latin typeface="Segoe UI" panose="020B0502040204020203" pitchFamily="34" charset="0"/>
+                          <a:ea typeface="Red Hat Text"/>
+                          <a:cs typeface="Segoe UI" panose="020B0502040204020203" pitchFamily="34" charset="0"/>
+                          <a:sym typeface="Red Hat Text"/>
+                        </a:rPr>
+                        <a:t>Remove vertex</a:t>
+                      </a:r>
+                      <a:endParaRPr sz="1500" b="0" i="0" u="none" strike="noStrike" cap="none" dirty="0">
+                        <a:solidFill>
+                          <a:schemeClr val="dk2"/>
+                        </a:solidFill>
+                        <a:latin typeface="Segoe UI" panose="020B0502040204020203" pitchFamily="34" charset="0"/>
+                        <a:ea typeface="Red Hat Text"/>
+                        <a:cs typeface="Segoe UI" panose="020B0502040204020203" pitchFamily="34" charset="0"/>
+                        <a:sym typeface="Red Hat Text"/>
+                      </a:endParaRPr>
+                    </a:p>
+                  </a:txBody>
+                  <a:tcPr marL="121900" marR="121900" marT="91433" marB="91433" anchor="ctr"/>
+                </a:tc>
+                <a:tc>
+                  <a:txBody>
+                    <a:bodyPr/>
+                    <a:lstStyle/>
+                    <a:p>
+                      <a:pPr marL="0" marR="0" lvl="0" indent="0" algn="ctr" defTabSz="914400" rtl="0" eaLnBrk="1" fontAlgn="auto" latinLnBrk="0" hangingPunct="1">
+                        <a:lnSpc>
+                          <a:spcPct val="100000"/>
+                        </a:lnSpc>
+                        <a:spcBef>
+                          <a:spcPts val="0"/>
+                        </a:spcBef>
+                        <a:spcAft>
+                          <a:spcPts val="0"/>
+                        </a:spcAft>
+                        <a:buClr>
+                          <a:srgbClr val="000000"/>
+                        </a:buClr>
+                        <a:buSzTx/>
+                        <a:buFont typeface="Arial"/>
+                        <a:buNone/>
+                        <a:tabLst/>
+                        <a:defRPr/>
+                      </a:pPr>
+                      <a:r>
+                        <a:rPr lang="en-US" sz="1400" b="0" i="0" u="none" strike="noStrike" cap="none" dirty="0" smtClean="0">
+                          <a:solidFill>
+                            <a:schemeClr val="tx1"/>
+                          </a:solidFill>
+                          <a:latin typeface="Segoe UI" panose="020B0502040204020203" pitchFamily="34" charset="0"/>
+                          <a:ea typeface="Red Hat Text"/>
+                          <a:cs typeface="Segoe UI" panose="020B0502040204020203" pitchFamily="34" charset="0"/>
+                          <a:sym typeface="Red Hat Text"/>
+                        </a:rPr>
+                        <a:t>O( | V | + | E | )</a:t>
+                      </a:r>
+                    </a:p>
+                  </a:txBody>
+                  <a:tcPr marL="121900" marR="121900" marT="91433" marB="91433" anchor="ctr">
+                    <a:solidFill>
+                      <a:schemeClr val="bg1"/>
+                    </a:solidFill>
+                  </a:tcPr>
+                </a:tc>
+                <a:tc>
+                  <a:txBody>
+                    <a:bodyPr/>
+                    <a:lstStyle/>
+                    <a:p>
+                      <a:pPr marL="0" marR="0" lvl="0" indent="0" algn="ctr" defTabSz="914400" rtl="0" eaLnBrk="1" fontAlgn="auto" latinLnBrk="0" hangingPunct="1">
+                        <a:lnSpc>
+                          <a:spcPct val="100000"/>
+                        </a:lnSpc>
+                        <a:spcBef>
+                          <a:spcPts val="0"/>
+                        </a:spcBef>
+                        <a:spcAft>
+                          <a:spcPts val="0"/>
+                        </a:spcAft>
+                        <a:buClr>
+                          <a:srgbClr val="000000"/>
+                        </a:buClr>
+                        <a:buSzTx/>
+                        <a:buFont typeface="Arial"/>
+                        <a:buNone/>
+                        <a:tabLst/>
+                        <a:defRPr/>
+                      </a:pPr>
+                      <a:r>
+                        <a:rPr lang="en-US" sz="1400" b="0" i="0" u="none" strike="noStrike" cap="none" dirty="0" smtClean="0">
+                          <a:solidFill>
+                            <a:schemeClr val="tx1"/>
+                          </a:solidFill>
+                          <a:latin typeface="Segoe UI" panose="020B0502040204020203" pitchFamily="34" charset="0"/>
+                          <a:ea typeface="Red Hat Text"/>
+                          <a:cs typeface="Segoe UI" panose="020B0502040204020203" pitchFamily="34" charset="0"/>
+                          <a:sym typeface="Red Hat Text"/>
+                        </a:rPr>
+                        <a:t>O( | V^2 | )</a:t>
+                      </a:r>
+                    </a:p>
+                  </a:txBody>
+                  <a:tcPr marL="121900" marR="121900" marT="91433" marB="91433" anchor="ctr">
+                    <a:solidFill>
+                      <a:schemeClr val="bg1"/>
+                    </a:solidFill>
+                  </a:tcPr>
+                </a:tc>
+                <a:extLst>
+                  <a:ext uri="{0D108BD9-81ED-4DB2-BD59-A6C34878D82A}">
+                    <a16:rowId xmlns:a16="http://schemas.microsoft.com/office/drawing/2014/main" val="742927673"/>
+                  </a:ext>
+                </a:extLst>
+              </a:tr>
+              <a:tr h="539843">
+                <a:tc>
+                  <a:txBody>
+                    <a:bodyPr/>
+                    <a:lstStyle/>
+                    <a:p>
+                      <a:pPr marL="0" marR="0" lvl="0" indent="0" algn="ctr" defTabSz="914400" rtl="0" eaLnBrk="1" fontAlgn="auto" latinLnBrk="0" hangingPunct="1">
+                        <a:lnSpc>
+                          <a:spcPct val="100000"/>
+                        </a:lnSpc>
+                        <a:spcBef>
+                          <a:spcPts val="0"/>
+                        </a:spcBef>
+                        <a:spcAft>
+                          <a:spcPts val="0"/>
+                        </a:spcAft>
+                        <a:buClr>
+                          <a:srgbClr val="000000"/>
+                        </a:buClr>
+                        <a:buSzTx/>
+                        <a:buFont typeface="Arial"/>
+                        <a:buNone/>
+                        <a:tabLst/>
+                        <a:defRPr/>
+                      </a:pPr>
+                      <a:r>
+                        <a:rPr lang="en-US" sz="1500" b="0" i="0" u="none" strike="noStrike" cap="none" dirty="0" smtClean="0">
+                          <a:solidFill>
+                            <a:schemeClr val="dk2"/>
+                          </a:solidFill>
+                          <a:latin typeface="Segoe UI" panose="020B0502040204020203" pitchFamily="34" charset="0"/>
+                          <a:ea typeface="Red Hat Text"/>
+                          <a:cs typeface="Segoe UI" panose="020B0502040204020203" pitchFamily="34" charset="0"/>
+                          <a:sym typeface="Red Hat Text"/>
+                        </a:rPr>
+                        <a:t>Remove edge</a:t>
+                      </a:r>
+                    </a:p>
+                  </a:txBody>
+                  <a:tcPr marL="121900" marR="121900" marT="91433" marB="91433" anchor="ctr"/>
+                </a:tc>
+                <a:tc>
+                  <a:txBody>
+                    <a:bodyPr/>
+                    <a:lstStyle/>
+                    <a:p>
+                      <a:pPr marL="0" marR="0" lvl="0" indent="0" algn="ctr" defTabSz="914400" rtl="0" eaLnBrk="1" fontAlgn="auto" latinLnBrk="0" hangingPunct="1">
+                        <a:lnSpc>
+                          <a:spcPct val="100000"/>
+                        </a:lnSpc>
+                        <a:spcBef>
+                          <a:spcPts val="0"/>
+                        </a:spcBef>
+                        <a:spcAft>
+                          <a:spcPts val="0"/>
+                        </a:spcAft>
+                        <a:buClr>
+                          <a:srgbClr val="000000"/>
+                        </a:buClr>
+                        <a:buSzTx/>
+                        <a:buFont typeface="Arial"/>
+                        <a:buNone/>
+                        <a:tabLst/>
+                        <a:defRPr/>
+                      </a:pPr>
+                      <a:r>
+                        <a:rPr lang="en-US" sz="1400" b="0" i="0" u="none" strike="noStrike" cap="none" dirty="0" smtClean="0">
+                          <a:solidFill>
+                            <a:schemeClr val="tx1"/>
+                          </a:solidFill>
+                          <a:latin typeface="Segoe UI" panose="020B0502040204020203" pitchFamily="34" charset="0"/>
+                          <a:ea typeface="Red Hat Text"/>
+                          <a:cs typeface="Segoe UI" panose="020B0502040204020203" pitchFamily="34" charset="0"/>
+                          <a:sym typeface="Red Hat Text"/>
+                        </a:rPr>
+                        <a:t>O( | E | )</a:t>
+                      </a:r>
+                    </a:p>
+                  </a:txBody>
+                  <a:tcPr marL="121900" marR="121900" marT="91433" marB="91433" anchor="ctr">
+                    <a:solidFill>
+                      <a:schemeClr val="bg1"/>
+                    </a:solidFill>
+                  </a:tcPr>
+                </a:tc>
+                <a:tc>
+                  <a:txBody>
+                    <a:bodyPr/>
+                    <a:lstStyle/>
+                    <a:p>
+                      <a:pPr marL="0" marR="0" lvl="0" indent="0" algn="ctr" rtl="0" eaLnBrk="1" hangingPunct="1">
+                        <a:lnSpc>
+                          <a:spcPct val="100000"/>
+                        </a:lnSpc>
+                        <a:spcBef>
+                          <a:spcPts val="0"/>
+                        </a:spcBef>
+                        <a:spcAft>
+                          <a:spcPts val="0"/>
+                        </a:spcAft>
+                        <a:buClr>
+                          <a:srgbClr val="000000"/>
+                        </a:buClr>
+                        <a:buFont typeface="Arial"/>
+                        <a:buNone/>
+                      </a:pPr>
+                      <a:r>
+                        <a:rPr lang="en-US" sz="1400" b="0" i="0" u="none" strike="noStrike" cap="none" dirty="0" smtClean="0">
+                          <a:solidFill>
+                            <a:schemeClr val="tx1"/>
+                          </a:solidFill>
+                          <a:latin typeface="Segoe UI" panose="020B0502040204020203" pitchFamily="34" charset="0"/>
+                          <a:ea typeface="Red Hat Text"/>
+                          <a:cs typeface="Segoe UI" panose="020B0502040204020203" pitchFamily="34" charset="0"/>
+                          <a:sym typeface="Red Hat Text"/>
+                        </a:rPr>
+                        <a:t>O(1)</a:t>
+                      </a:r>
+                      <a:endParaRPr sz="1400" b="0" i="0" u="none" strike="noStrike" cap="none" dirty="0">
+                        <a:solidFill>
+                          <a:schemeClr val="tx1"/>
+                        </a:solidFill>
+                        <a:latin typeface="Segoe UI" panose="020B0502040204020203" pitchFamily="34" charset="0"/>
+                        <a:ea typeface="Red Hat Text"/>
+                        <a:cs typeface="Segoe UI" panose="020B0502040204020203" pitchFamily="34" charset="0"/>
+                        <a:sym typeface="Red Hat Text"/>
+                      </a:endParaRPr>
+                    </a:p>
+                  </a:txBody>
+                  <a:tcPr marL="121900" marR="121900" marT="91433" marB="91433" anchor="ctr">
+                    <a:solidFill>
+                      <a:schemeClr val="bg1"/>
+                    </a:solidFill>
+                  </a:tcPr>
+                </a:tc>
+                <a:extLst>
+                  <a:ext uri="{0D108BD9-81ED-4DB2-BD59-A6C34878D82A}">
+                    <a16:rowId xmlns:a16="http://schemas.microsoft.com/office/drawing/2014/main" val="968978206"/>
+                  </a:ext>
+                </a:extLst>
+              </a:tr>
+              <a:tr h="539843">
+                <a:tc>
+                  <a:txBody>
+                    <a:bodyPr/>
+                    <a:lstStyle/>
+                    <a:p>
+                      <a:pPr marL="0" marR="0" lvl="0" indent="0" algn="ctr" defTabSz="914400" rtl="0" eaLnBrk="1" fontAlgn="auto" latinLnBrk="0" hangingPunct="1">
+                        <a:lnSpc>
+                          <a:spcPct val="100000"/>
+                        </a:lnSpc>
+                        <a:spcBef>
+                          <a:spcPts val="0"/>
+                        </a:spcBef>
+                        <a:spcAft>
+                          <a:spcPts val="0"/>
+                        </a:spcAft>
+                        <a:buClr>
+                          <a:srgbClr val="000000"/>
+                        </a:buClr>
+                        <a:buSzTx/>
+                        <a:buFont typeface="Arial"/>
+                        <a:buNone/>
+                        <a:tabLst/>
+                        <a:defRPr/>
+                      </a:pPr>
+                      <a:r>
+                        <a:rPr lang="en-US" sz="1500" b="0" i="0" u="none" strike="noStrike" cap="none" dirty="0" smtClean="0">
+                          <a:solidFill>
+                            <a:schemeClr val="dk2"/>
+                          </a:solidFill>
+                          <a:latin typeface="Segoe UI" panose="020B0502040204020203" pitchFamily="34" charset="0"/>
+                          <a:ea typeface="Red Hat Text"/>
+                          <a:cs typeface="Segoe UI" panose="020B0502040204020203" pitchFamily="34" charset="0"/>
+                          <a:sym typeface="Red Hat Text"/>
+                        </a:rPr>
+                        <a:t>Query</a:t>
+                      </a:r>
+                    </a:p>
+                  </a:txBody>
+                  <a:tcPr marL="121900" marR="121900" marT="91433" marB="91433" anchor="ctr"/>
+                </a:tc>
+                <a:tc>
+                  <a:txBody>
+                    <a:bodyPr/>
+                    <a:lstStyle/>
+                    <a:p>
+                      <a:pPr marL="0" marR="0" lvl="0" indent="0" algn="ctr" defTabSz="914400" rtl="0" eaLnBrk="1" fontAlgn="auto" latinLnBrk="0" hangingPunct="1">
+                        <a:lnSpc>
+                          <a:spcPct val="100000"/>
+                        </a:lnSpc>
+                        <a:spcBef>
+                          <a:spcPts val="0"/>
+                        </a:spcBef>
+                        <a:spcAft>
+                          <a:spcPts val="0"/>
+                        </a:spcAft>
+                        <a:buClr>
+                          <a:srgbClr val="000000"/>
+                        </a:buClr>
+                        <a:buSzTx/>
+                        <a:buFont typeface="Arial"/>
+                        <a:buNone/>
+                        <a:tabLst/>
+                        <a:defRPr/>
+                      </a:pPr>
+                      <a:r>
+                        <a:rPr lang="en-US" sz="1400" b="0" i="0" u="none" strike="noStrike" cap="none" dirty="0" smtClean="0">
+                          <a:solidFill>
+                            <a:schemeClr val="tx1"/>
+                          </a:solidFill>
+                          <a:latin typeface="Segoe UI" panose="020B0502040204020203" pitchFamily="34" charset="0"/>
+                          <a:ea typeface="Red Hat Text"/>
+                          <a:cs typeface="Segoe UI" panose="020B0502040204020203" pitchFamily="34" charset="0"/>
+                          <a:sym typeface="Red Hat Text"/>
+                        </a:rPr>
+                        <a:t>O( | V | + | E | )</a:t>
+                      </a:r>
+                    </a:p>
+                  </a:txBody>
+                  <a:tcPr marL="121900" marR="121900" marT="91433" marB="91433" anchor="ctr">
+                    <a:solidFill>
+                      <a:schemeClr val="bg1"/>
+                    </a:solidFill>
+                  </a:tcPr>
+                </a:tc>
+                <a:tc>
+                  <a:txBody>
+                    <a:bodyPr/>
+                    <a:lstStyle/>
+                    <a:p>
+                      <a:pPr marL="0" marR="0" lvl="0" indent="0" algn="ctr" rtl="0" eaLnBrk="1" hangingPunct="1">
+                        <a:lnSpc>
+                          <a:spcPct val="100000"/>
+                        </a:lnSpc>
+                        <a:spcBef>
+                          <a:spcPts val="0"/>
+                        </a:spcBef>
+                        <a:spcAft>
+                          <a:spcPts val="0"/>
+                        </a:spcAft>
+                        <a:buClr>
+                          <a:srgbClr val="000000"/>
+                        </a:buClr>
+                        <a:buFont typeface="Arial"/>
+                        <a:buNone/>
+                      </a:pPr>
+                      <a:r>
+                        <a:rPr lang="en-US" sz="1400" b="0" i="0" u="none" strike="noStrike" cap="none" dirty="0" smtClean="0">
+                          <a:solidFill>
+                            <a:schemeClr val="tx1"/>
+                          </a:solidFill>
+                          <a:latin typeface="Segoe UI" panose="020B0502040204020203" pitchFamily="34" charset="0"/>
+                          <a:ea typeface="Red Hat Text"/>
+                          <a:cs typeface="Segoe UI" panose="020B0502040204020203" pitchFamily="34" charset="0"/>
+                          <a:sym typeface="Red Hat Text"/>
+                        </a:rPr>
+                        <a:t>O(1)</a:t>
+                      </a:r>
+                      <a:endParaRPr sz="1400" b="0" i="0" u="none" strike="noStrike" cap="none" dirty="0">
+                        <a:solidFill>
+                          <a:schemeClr val="tx1"/>
+                        </a:solidFill>
+                        <a:latin typeface="Segoe UI" panose="020B0502040204020203" pitchFamily="34" charset="0"/>
+                        <a:ea typeface="Red Hat Text"/>
+                        <a:cs typeface="Segoe UI" panose="020B0502040204020203" pitchFamily="34" charset="0"/>
+                        <a:sym typeface="Red Hat Text"/>
+                      </a:endParaRPr>
+                    </a:p>
+                  </a:txBody>
+                  <a:tcPr marL="121900" marR="121900" marT="91433" marB="91433" anchor="ctr">
+                    <a:solidFill>
+                      <a:schemeClr val="bg1"/>
+                    </a:solidFill>
+                  </a:tcPr>
+                </a:tc>
+                <a:extLst>
+                  <a:ext uri="{0D108BD9-81ED-4DB2-BD59-A6C34878D82A}">
+                    <a16:rowId xmlns:a16="http://schemas.microsoft.com/office/drawing/2014/main" val="2927654351"/>
+                  </a:ext>
+                </a:extLst>
+              </a:tr>
+              <a:tr h="539843">
+                <a:tc>
+                  <a:txBody>
+                    <a:bodyPr/>
+                    <a:lstStyle/>
+                    <a:p>
+                      <a:pPr marL="0" marR="0" lvl="0" indent="0" algn="ctr" defTabSz="914400" rtl="0" eaLnBrk="1" fontAlgn="auto" latinLnBrk="0" hangingPunct="1">
+                        <a:lnSpc>
+                          <a:spcPct val="100000"/>
+                        </a:lnSpc>
+                        <a:spcBef>
+                          <a:spcPts val="0"/>
+                        </a:spcBef>
+                        <a:spcAft>
+                          <a:spcPts val="0"/>
+                        </a:spcAft>
+                        <a:buClr>
+                          <a:srgbClr val="000000"/>
+                        </a:buClr>
+                        <a:buSzTx/>
+                        <a:buFont typeface="Arial"/>
+                        <a:buNone/>
+                        <a:tabLst/>
+                        <a:defRPr/>
+                      </a:pPr>
+                      <a:r>
+                        <a:rPr lang="en-US" sz="1500" b="0" i="0" u="none" strike="noStrike" cap="none" dirty="0" smtClean="0">
+                          <a:solidFill>
+                            <a:schemeClr val="dk2"/>
+                          </a:solidFill>
+                          <a:latin typeface="Segoe UI" panose="020B0502040204020203" pitchFamily="34" charset="0"/>
+                          <a:ea typeface="Red Hat Text"/>
+                          <a:cs typeface="Segoe UI" panose="020B0502040204020203" pitchFamily="34" charset="0"/>
+                          <a:sym typeface="Red Hat Text"/>
+                        </a:rPr>
+                        <a:t>Storage</a:t>
+                      </a:r>
+                    </a:p>
+                  </a:txBody>
+                  <a:tcPr marL="121900" marR="121900" marT="91433" marB="91433" anchor="ctr"/>
+                </a:tc>
+                <a:tc>
+                  <a:txBody>
+                    <a:bodyPr/>
+                    <a:lstStyle/>
+                    <a:p>
+                      <a:pPr marL="0" marR="0" lvl="0" indent="0" algn="ctr" defTabSz="914400" rtl="0" eaLnBrk="1" fontAlgn="auto" latinLnBrk="0" hangingPunct="1">
+                        <a:lnSpc>
+                          <a:spcPct val="100000"/>
+                        </a:lnSpc>
+                        <a:spcBef>
+                          <a:spcPts val="0"/>
+                        </a:spcBef>
+                        <a:spcAft>
+                          <a:spcPts val="0"/>
+                        </a:spcAft>
+                        <a:buClr>
+                          <a:srgbClr val="000000"/>
+                        </a:buClr>
+                        <a:buSzTx/>
+                        <a:buFont typeface="Arial"/>
+                        <a:buNone/>
+                        <a:tabLst/>
+                        <a:defRPr/>
+                      </a:pPr>
+                      <a:r>
+                        <a:rPr lang="en-US" sz="1400" b="0" i="0" u="none" strike="noStrike" cap="none" dirty="0" smtClean="0">
+                          <a:solidFill>
+                            <a:schemeClr val="tx1"/>
+                          </a:solidFill>
+                          <a:latin typeface="Segoe UI" panose="020B0502040204020203" pitchFamily="34" charset="0"/>
+                          <a:ea typeface="Red Hat Text"/>
+                          <a:cs typeface="Segoe UI" panose="020B0502040204020203" pitchFamily="34" charset="0"/>
+                          <a:sym typeface="Red Hat Text"/>
+                        </a:rPr>
+                        <a:t>O( | V | + | E | )</a:t>
+                      </a:r>
+                    </a:p>
+                  </a:txBody>
+                  <a:tcPr marL="121900" marR="121900" marT="91433" marB="91433" anchor="ctr">
+                    <a:solidFill>
+                      <a:schemeClr val="bg1"/>
+                    </a:solidFill>
+                  </a:tcPr>
+                </a:tc>
+                <a:tc>
+                  <a:txBody>
+                    <a:bodyPr/>
+                    <a:lstStyle/>
+                    <a:p>
+                      <a:pPr marL="0" marR="0" lvl="0" indent="0" algn="ctr" defTabSz="914400" rtl="0" eaLnBrk="1" fontAlgn="auto" latinLnBrk="0" hangingPunct="1">
+                        <a:lnSpc>
+                          <a:spcPct val="100000"/>
+                        </a:lnSpc>
+                        <a:spcBef>
+                          <a:spcPts val="0"/>
+                        </a:spcBef>
+                        <a:spcAft>
+                          <a:spcPts val="0"/>
+                        </a:spcAft>
+                        <a:buClr>
+                          <a:srgbClr val="000000"/>
+                        </a:buClr>
+                        <a:buSzTx/>
+                        <a:buFont typeface="Arial"/>
+                        <a:buNone/>
+                        <a:tabLst/>
+                        <a:defRPr/>
+                      </a:pPr>
+                      <a:r>
+                        <a:rPr lang="en-US" sz="1400" b="0" i="0" u="none" strike="noStrike" cap="none" dirty="0" smtClean="0">
+                          <a:solidFill>
+                            <a:schemeClr val="tx1"/>
+                          </a:solidFill>
+                          <a:latin typeface="Segoe UI" panose="020B0502040204020203" pitchFamily="34" charset="0"/>
+                          <a:ea typeface="Red Hat Text"/>
+                          <a:cs typeface="Segoe UI" panose="020B0502040204020203" pitchFamily="34" charset="0"/>
+                          <a:sym typeface="Red Hat Text"/>
+                        </a:rPr>
+                        <a:t>O( | V^2 | )</a:t>
+                      </a:r>
+                    </a:p>
+                  </a:txBody>
+                  <a:tcPr marL="121900" marR="121900" marT="91433" marB="91433" anchor="ctr">
+                    <a:solidFill>
+                      <a:schemeClr val="bg1"/>
+                    </a:solidFill>
+                  </a:tcPr>
+                </a:tc>
+                <a:extLst>
+                  <a:ext uri="{0D108BD9-81ED-4DB2-BD59-A6C34878D82A}">
+                    <a16:rowId xmlns:a16="http://schemas.microsoft.com/office/drawing/2014/main" val="4121232644"/>
+                  </a:ext>
+                </a:extLst>
+              </a:tr>
+            </a:tbl>
+          </a:graphicData>
+        </a:graphic>
+      </p:graphicFrame>
+      <p:graphicFrame>
+        <p:nvGraphicFramePr>
+          <p:cNvPr id="7" name="Table 6"/>
+          <p:cNvGraphicFramePr>
+            <a:graphicFrameLocks noGrp="1"/>
+          </p:cNvGraphicFramePr>
+          <p:nvPr>
+            <p:extLst>
+              <p:ext uri="{D42A27DB-BD31-4B8C-83A1-F6EECF244321}">
+                <p14:modId xmlns:p14="http://schemas.microsoft.com/office/powerpoint/2010/main" val="890248590"/>
+              </p:ext>
+            </p:extLst>
+          </p:nvPr>
+        </p:nvGraphicFramePr>
+        <p:xfrm>
+          <a:off x="6425998" y="2291495"/>
+          <a:ext cx="5039170" cy="2359818"/>
+        </p:xfrm>
+        <a:graphic>
+          <a:graphicData uri="http://schemas.openxmlformats.org/drawingml/2006/table">
+            <a:tbl>
+              <a:tblPr>
+                <a:tableStyleId>{775DCB02-9BB8-47FD-8907-85C794F793BA}</a:tableStyleId>
+              </a:tblPr>
+              <a:tblGrid>
+                <a:gridCol w="2519585">
+                  <a:extLst>
+                    <a:ext uri="{9D8B030D-6E8A-4147-A177-3AD203B41FA5}">
+                      <a16:colId xmlns:a16="http://schemas.microsoft.com/office/drawing/2014/main" val="64851094"/>
+                    </a:ext>
+                  </a:extLst>
+                </a:gridCol>
+                <a:gridCol w="2519585">
+                  <a:extLst>
+                    <a:ext uri="{9D8B030D-6E8A-4147-A177-3AD203B41FA5}">
+                      <a16:colId xmlns:a16="http://schemas.microsoft.com/office/drawing/2014/main" val="1353966151"/>
+                    </a:ext>
+                  </a:extLst>
+                </a:gridCol>
+              </a:tblGrid>
+              <a:tr h="539843">
+                <a:tc>
+                  <a:txBody>
+                    <a:bodyPr/>
+                    <a:lstStyle/>
+                    <a:p>
+                      <a:pPr marL="0" marR="0" lvl="0" indent="0" algn="ctr" rtl="0" eaLnBrk="1" hangingPunct="1">
+                        <a:lnSpc>
+                          <a:spcPct val="100000"/>
+                        </a:lnSpc>
+                        <a:spcBef>
+                          <a:spcPts val="0"/>
+                        </a:spcBef>
+                        <a:spcAft>
+                          <a:spcPts val="0"/>
+                        </a:spcAft>
+                        <a:buClr>
+                          <a:srgbClr val="000000"/>
+                        </a:buClr>
+                        <a:buFont typeface="Arial"/>
+                        <a:buNone/>
+                      </a:pPr>
+                      <a:r>
+                        <a:rPr lang="en-US" sz="1500" b="0" i="0" u="none" strike="noStrike" cap="none" dirty="0" smtClean="0">
+                          <a:solidFill>
+                            <a:schemeClr val="dk2"/>
+                          </a:solidFill>
+                          <a:latin typeface="Segoe UI" panose="020B0502040204020203" pitchFamily="34" charset="0"/>
+                          <a:ea typeface="Red Hat Text"/>
+                          <a:cs typeface="Segoe UI" panose="020B0502040204020203" pitchFamily="34" charset="0"/>
+                          <a:sym typeface="Red Hat Text"/>
+                        </a:rPr>
+                        <a:t>List</a:t>
+                      </a:r>
+                      <a:endParaRPr sz="1500" b="0" i="0" u="none" strike="noStrike" cap="none" dirty="0">
+                        <a:solidFill>
+                          <a:schemeClr val="dk2"/>
+                        </a:solidFill>
+                        <a:latin typeface="Segoe UI" panose="020B0502040204020203" pitchFamily="34" charset="0"/>
+                        <a:ea typeface="Red Hat Text"/>
+                        <a:cs typeface="Segoe UI" panose="020B0502040204020203" pitchFamily="34" charset="0"/>
+                        <a:sym typeface="Red Hat Text"/>
+                      </a:endParaRPr>
+                    </a:p>
+                  </a:txBody>
+                  <a:tcPr marL="121900" marR="121900" marT="91433" marB="91433" anchor="ctr"/>
+                </a:tc>
+                <a:tc>
+                  <a:txBody>
+                    <a:bodyPr/>
+                    <a:lstStyle/>
+                    <a:p>
+                      <a:pPr marL="0" marR="0" lvl="0" indent="0" algn="ctr" rtl="0" eaLnBrk="1" hangingPunct="1">
+                        <a:lnSpc>
+                          <a:spcPct val="100000"/>
+                        </a:lnSpc>
+                        <a:spcBef>
+                          <a:spcPts val="0"/>
+                        </a:spcBef>
+                        <a:spcAft>
+                          <a:spcPts val="0"/>
+                        </a:spcAft>
+                        <a:buClr>
+                          <a:srgbClr val="000000"/>
+                        </a:buClr>
+                        <a:buFont typeface="Arial"/>
+                        <a:buNone/>
+                      </a:pPr>
+                      <a:r>
+                        <a:rPr lang="en-US" sz="1500" b="0" i="0" u="none" strike="noStrike" cap="none" dirty="0" smtClean="0">
+                          <a:solidFill>
+                            <a:schemeClr val="dk2"/>
+                          </a:solidFill>
+                          <a:latin typeface="Segoe UI" panose="020B0502040204020203" pitchFamily="34" charset="0"/>
+                          <a:ea typeface="Red Hat Text"/>
+                          <a:cs typeface="Segoe UI" panose="020B0502040204020203" pitchFamily="34" charset="0"/>
+                          <a:sym typeface="Red Hat Text"/>
+                        </a:rPr>
+                        <a:t>Matric</a:t>
+                      </a:r>
+                      <a:endParaRPr sz="1500" b="0" i="0" u="none" strike="noStrike" cap="none" dirty="0">
+                        <a:solidFill>
+                          <a:schemeClr val="dk2"/>
+                        </a:solidFill>
+                        <a:latin typeface="Segoe UI" panose="020B0502040204020203" pitchFamily="34" charset="0"/>
+                        <a:ea typeface="Red Hat Text"/>
+                        <a:cs typeface="Segoe UI" panose="020B0502040204020203" pitchFamily="34" charset="0"/>
+                        <a:sym typeface="Red Hat Text"/>
+                      </a:endParaRPr>
+                    </a:p>
+                  </a:txBody>
+                  <a:tcPr marL="121900" marR="121900" marT="91433" marB="91433" anchor="ctr"/>
+                </a:tc>
+                <a:extLst>
+                  <a:ext uri="{0D108BD9-81ED-4DB2-BD59-A6C34878D82A}">
+                    <a16:rowId xmlns:a16="http://schemas.microsoft.com/office/drawing/2014/main" val="1308435311"/>
+                  </a:ext>
+                </a:extLst>
+              </a:tr>
+              <a:tr h="539843">
+                <a:tc>
+                  <a:txBody>
+                    <a:bodyPr/>
+                    <a:lstStyle/>
+                    <a:p>
+                      <a:pPr marL="0" marR="0" lvl="0" indent="0" algn="ctr" rtl="0" eaLnBrk="1" hangingPunct="1">
+                        <a:lnSpc>
+                          <a:spcPct val="100000"/>
+                        </a:lnSpc>
+                        <a:spcBef>
+                          <a:spcPts val="0"/>
+                        </a:spcBef>
+                        <a:spcAft>
+                          <a:spcPts val="0"/>
+                        </a:spcAft>
+                        <a:buClr>
+                          <a:srgbClr val="000000"/>
+                        </a:buClr>
+                        <a:buFont typeface="Arial"/>
+                        <a:buNone/>
+                      </a:pPr>
+                      <a:r>
+                        <a:rPr lang="en-US" sz="1500" b="0" i="0" u="none" strike="noStrike" cap="none" dirty="0" smtClean="0">
+                          <a:solidFill>
+                            <a:schemeClr val="bg1"/>
+                          </a:solidFill>
+                          <a:latin typeface="Segoe UI" panose="020B0502040204020203" pitchFamily="34" charset="0"/>
+                          <a:ea typeface="Red Hat Text"/>
+                          <a:cs typeface="Segoe UI" panose="020B0502040204020203" pitchFamily="34" charset="0"/>
+                          <a:sym typeface="Red Hat Text"/>
+                        </a:rPr>
+                        <a:t>Can take up less space</a:t>
+                      </a:r>
+                      <a:endParaRPr sz="1500" b="0" i="0" u="none" strike="noStrike" cap="none" dirty="0">
+                        <a:solidFill>
+                          <a:schemeClr val="bg1"/>
+                        </a:solidFill>
+                        <a:latin typeface="Segoe UI" panose="020B0502040204020203" pitchFamily="34" charset="0"/>
+                        <a:ea typeface="Red Hat Text"/>
+                        <a:cs typeface="Segoe UI" panose="020B0502040204020203" pitchFamily="34" charset="0"/>
+                        <a:sym typeface="Red Hat Text"/>
+                      </a:endParaRPr>
+                    </a:p>
+                  </a:txBody>
+                  <a:tcPr marL="121900" marR="121900" marT="91433" marB="91433" anchor="ctr">
+                    <a:solidFill>
+                      <a:schemeClr val="accent3">
+                        <a:lumMod val="75000"/>
+                      </a:schemeClr>
+                    </a:solidFill>
+                  </a:tcPr>
+                </a:tc>
+                <a:tc>
+                  <a:txBody>
+                    <a:bodyPr/>
+                    <a:lstStyle/>
+                    <a:p>
+                      <a:pPr marL="0" marR="0" lvl="0" indent="0" algn="ctr" rtl="0" eaLnBrk="1" hangingPunct="1">
+                        <a:lnSpc>
+                          <a:spcPct val="100000"/>
+                        </a:lnSpc>
+                        <a:spcBef>
+                          <a:spcPts val="0"/>
+                        </a:spcBef>
+                        <a:spcAft>
+                          <a:spcPts val="0"/>
+                        </a:spcAft>
+                        <a:buClr>
+                          <a:srgbClr val="000000"/>
+                        </a:buClr>
+                        <a:buFont typeface="Arial"/>
+                        <a:buNone/>
+                      </a:pPr>
+                      <a:r>
+                        <a:rPr lang="en-US" sz="1500" b="0" i="0" u="none" strike="noStrike" cap="none" dirty="0" smtClean="0">
+                          <a:solidFill>
+                            <a:schemeClr val="bg1"/>
+                          </a:solidFill>
+                          <a:latin typeface="Segoe UI" panose="020B0502040204020203" pitchFamily="34" charset="0"/>
+                          <a:ea typeface="Red Hat Text"/>
+                          <a:cs typeface="Segoe UI" panose="020B0502040204020203" pitchFamily="34" charset="0"/>
+                          <a:sym typeface="Red Hat Text"/>
+                        </a:rPr>
+                        <a:t>Takes up more space</a:t>
+                      </a:r>
+                      <a:endParaRPr sz="1500" b="0" i="0" u="none" strike="noStrike" cap="none" dirty="0">
+                        <a:solidFill>
+                          <a:schemeClr val="bg1"/>
+                        </a:solidFill>
+                        <a:latin typeface="Segoe UI" panose="020B0502040204020203" pitchFamily="34" charset="0"/>
+                        <a:ea typeface="Red Hat Text"/>
+                        <a:cs typeface="Segoe UI" panose="020B0502040204020203" pitchFamily="34" charset="0"/>
+                        <a:sym typeface="Red Hat Text"/>
+                      </a:endParaRPr>
+                    </a:p>
+                  </a:txBody>
+                  <a:tcPr marL="121900" marR="121900" marT="91433" marB="91433" anchor="ctr">
+                    <a:solidFill>
+                      <a:schemeClr val="accent6">
+                        <a:lumMod val="60000"/>
+                        <a:lumOff val="40000"/>
+                      </a:schemeClr>
+                    </a:solidFill>
+                  </a:tcPr>
+                </a:tc>
+                <a:extLst>
+                  <a:ext uri="{0D108BD9-81ED-4DB2-BD59-A6C34878D82A}">
+                    <a16:rowId xmlns:a16="http://schemas.microsoft.com/office/drawing/2014/main" val="6178432"/>
+                  </a:ext>
+                </a:extLst>
+              </a:tr>
+              <a:tr h="539843">
+                <a:tc>
+                  <a:txBody>
+                    <a:bodyPr/>
+                    <a:lstStyle/>
+                    <a:p>
+                      <a:pPr marL="0" marR="0" lvl="0" indent="0" algn="ctr" rtl="0" eaLnBrk="1" hangingPunct="1">
+                        <a:lnSpc>
+                          <a:spcPct val="100000"/>
+                        </a:lnSpc>
+                        <a:spcBef>
+                          <a:spcPts val="0"/>
+                        </a:spcBef>
+                        <a:spcAft>
+                          <a:spcPts val="0"/>
+                        </a:spcAft>
+                        <a:buClr>
+                          <a:srgbClr val="000000"/>
+                        </a:buClr>
+                        <a:buFont typeface="Arial"/>
+                        <a:buNone/>
+                      </a:pPr>
+                      <a:r>
+                        <a:rPr lang="en-US" sz="1500" b="0" i="0" u="none" strike="noStrike" cap="none" dirty="0" smtClean="0">
+                          <a:solidFill>
+                            <a:schemeClr val="bg1"/>
+                          </a:solidFill>
+                          <a:latin typeface="Segoe UI" panose="020B0502040204020203" pitchFamily="34" charset="0"/>
+                          <a:ea typeface="Red Hat Text"/>
+                          <a:cs typeface="Segoe UI" panose="020B0502040204020203" pitchFamily="34" charset="0"/>
+                          <a:sym typeface="Red Hat Text"/>
+                        </a:rPr>
+                        <a:t>Faster to iterate over edges</a:t>
+                      </a:r>
+                      <a:endParaRPr sz="1500" b="0" i="0" u="none" strike="noStrike" cap="none" dirty="0">
+                        <a:solidFill>
+                          <a:schemeClr val="bg1"/>
+                        </a:solidFill>
+                        <a:latin typeface="Segoe UI" panose="020B0502040204020203" pitchFamily="34" charset="0"/>
+                        <a:ea typeface="Red Hat Text"/>
+                        <a:cs typeface="Segoe UI" panose="020B0502040204020203" pitchFamily="34" charset="0"/>
+                        <a:sym typeface="Red Hat Text"/>
+                      </a:endParaRPr>
+                    </a:p>
+                  </a:txBody>
+                  <a:tcPr marL="121900" marR="121900" marT="91433" marB="91433" anchor="ctr">
+                    <a:solidFill>
+                      <a:schemeClr val="accent3">
+                        <a:lumMod val="75000"/>
+                      </a:schemeClr>
+                    </a:solidFill>
+                  </a:tcPr>
+                </a:tc>
+                <a:tc>
+                  <a:txBody>
+                    <a:bodyPr/>
+                    <a:lstStyle/>
+                    <a:p>
+                      <a:pPr marL="0" marR="0" lvl="0" indent="0" algn="ctr" defTabSz="914400" rtl="0" eaLnBrk="1" fontAlgn="auto" latinLnBrk="0" hangingPunct="1">
+                        <a:lnSpc>
+                          <a:spcPct val="100000"/>
+                        </a:lnSpc>
+                        <a:spcBef>
+                          <a:spcPts val="0"/>
+                        </a:spcBef>
+                        <a:spcAft>
+                          <a:spcPts val="0"/>
+                        </a:spcAft>
+                        <a:buClr>
+                          <a:srgbClr val="000000"/>
+                        </a:buClr>
+                        <a:buSzTx/>
+                        <a:buFont typeface="Arial"/>
+                        <a:buNone/>
+                        <a:tabLst/>
+                        <a:defRPr/>
+                      </a:pPr>
+                      <a:r>
+                        <a:rPr lang="en-US" sz="1500" b="0" i="0" u="none" strike="noStrike" cap="none" dirty="0" smtClean="0">
+                          <a:solidFill>
+                            <a:schemeClr val="bg1"/>
+                          </a:solidFill>
+                          <a:latin typeface="Segoe UI" panose="020B0502040204020203" pitchFamily="34" charset="0"/>
+                          <a:ea typeface="Red Hat Text"/>
+                          <a:cs typeface="Segoe UI" panose="020B0502040204020203" pitchFamily="34" charset="0"/>
+                          <a:sym typeface="Red Hat Text"/>
+                        </a:rPr>
+                        <a:t>Slow to iterate over al edges</a:t>
+                      </a:r>
+                      <a:endParaRPr lang="en-US" sz="1500" b="0" i="0" u="none" strike="noStrike" cap="none" dirty="0" smtClean="0">
+                        <a:solidFill>
+                          <a:schemeClr val="bg1"/>
+                        </a:solidFill>
+                        <a:latin typeface="Segoe UI" panose="020B0502040204020203" pitchFamily="34" charset="0"/>
+                        <a:ea typeface="Red Hat Text"/>
+                        <a:cs typeface="Segoe UI" panose="020B0502040204020203" pitchFamily="34" charset="0"/>
+                        <a:sym typeface="Red Hat Text"/>
+                      </a:endParaRPr>
+                    </a:p>
+                  </a:txBody>
+                  <a:tcPr marL="121900" marR="121900" marT="91433" marB="91433" anchor="ctr">
+                    <a:solidFill>
+                      <a:schemeClr val="accent6">
+                        <a:lumMod val="60000"/>
+                        <a:lumOff val="40000"/>
+                      </a:schemeClr>
+                    </a:solidFill>
+                  </a:tcPr>
+                </a:tc>
+                <a:extLst>
+                  <a:ext uri="{0D108BD9-81ED-4DB2-BD59-A6C34878D82A}">
+                    <a16:rowId xmlns:a16="http://schemas.microsoft.com/office/drawing/2014/main" val="1420133012"/>
+                  </a:ext>
+                </a:extLst>
+              </a:tr>
+              <a:tr h="539843">
+                <a:tc>
+                  <a:txBody>
+                    <a:bodyPr/>
+                    <a:lstStyle/>
+                    <a:p>
+                      <a:pPr marL="0" marR="0" lvl="0" indent="0" algn="ctr" rtl="0" eaLnBrk="1" hangingPunct="1">
+                        <a:lnSpc>
+                          <a:spcPct val="100000"/>
+                        </a:lnSpc>
+                        <a:spcBef>
+                          <a:spcPts val="0"/>
+                        </a:spcBef>
+                        <a:spcAft>
+                          <a:spcPts val="0"/>
+                        </a:spcAft>
+                        <a:buClr>
+                          <a:srgbClr val="000000"/>
+                        </a:buClr>
+                        <a:buFont typeface="Arial"/>
+                        <a:buNone/>
+                      </a:pPr>
+                      <a:r>
+                        <a:rPr lang="en-US" sz="1500" b="0" i="0" u="none" strike="noStrike" cap="none" dirty="0" smtClean="0">
+                          <a:solidFill>
+                            <a:schemeClr val="bg1"/>
+                          </a:solidFill>
+                          <a:latin typeface="Segoe UI" panose="020B0502040204020203" pitchFamily="34" charset="0"/>
+                          <a:ea typeface="Red Hat Text"/>
+                          <a:cs typeface="Segoe UI" panose="020B0502040204020203" pitchFamily="34" charset="0"/>
+                          <a:sym typeface="Red Hat Text"/>
+                        </a:rPr>
+                        <a:t>Slow to lookup specific edge</a:t>
+                      </a:r>
+                      <a:endParaRPr sz="1500" b="0" i="0" u="none" strike="noStrike" cap="none" dirty="0">
+                        <a:solidFill>
+                          <a:schemeClr val="bg1"/>
+                        </a:solidFill>
+                        <a:latin typeface="Segoe UI" panose="020B0502040204020203" pitchFamily="34" charset="0"/>
+                        <a:ea typeface="Red Hat Text"/>
+                        <a:cs typeface="Segoe UI" panose="020B0502040204020203" pitchFamily="34" charset="0"/>
+                        <a:sym typeface="Red Hat Text"/>
+                      </a:endParaRPr>
+                    </a:p>
+                  </a:txBody>
+                  <a:tcPr marL="121900" marR="121900" marT="91433" marB="91433" anchor="ctr">
+                    <a:solidFill>
+                      <a:schemeClr val="accent6">
+                        <a:lumMod val="60000"/>
+                        <a:lumOff val="40000"/>
+                      </a:schemeClr>
+                    </a:solidFill>
+                  </a:tcPr>
+                </a:tc>
+                <a:tc>
+                  <a:txBody>
+                    <a:bodyPr/>
+                    <a:lstStyle/>
+                    <a:p>
+                      <a:pPr marL="0" marR="0" lvl="0" indent="0" algn="ctr" defTabSz="914400" rtl="0" eaLnBrk="1" fontAlgn="auto" latinLnBrk="0" hangingPunct="1">
+                        <a:lnSpc>
+                          <a:spcPct val="100000"/>
+                        </a:lnSpc>
+                        <a:spcBef>
+                          <a:spcPts val="0"/>
+                        </a:spcBef>
+                        <a:spcAft>
+                          <a:spcPts val="0"/>
+                        </a:spcAft>
+                        <a:buClr>
+                          <a:srgbClr val="000000"/>
+                        </a:buClr>
+                        <a:buSzTx/>
+                        <a:buFont typeface="Arial"/>
+                        <a:buNone/>
+                        <a:tabLst/>
+                        <a:defRPr/>
+                      </a:pPr>
+                      <a:r>
+                        <a:rPr lang="en-US" sz="1500" b="0" i="0" u="none" strike="noStrike" cap="none" dirty="0" smtClean="0">
+                          <a:solidFill>
+                            <a:schemeClr val="bg1"/>
+                          </a:solidFill>
+                          <a:latin typeface="Segoe UI" panose="020B0502040204020203" pitchFamily="34" charset="0"/>
+                          <a:ea typeface="Red Hat Text"/>
+                          <a:cs typeface="Segoe UI" panose="020B0502040204020203" pitchFamily="34" charset="0"/>
+                          <a:sym typeface="Red Hat Text"/>
+                        </a:rPr>
+                        <a:t>Fast to lookup specific edge</a:t>
+                      </a:r>
+                      <a:endParaRPr lang="en-US" sz="1500" b="0" i="0" u="none" strike="noStrike" cap="none" dirty="0" smtClean="0">
+                        <a:solidFill>
+                          <a:schemeClr val="bg1"/>
+                        </a:solidFill>
+                        <a:latin typeface="Segoe UI" panose="020B0502040204020203" pitchFamily="34" charset="0"/>
+                        <a:ea typeface="Red Hat Text"/>
+                        <a:cs typeface="Segoe UI" panose="020B0502040204020203" pitchFamily="34" charset="0"/>
+                        <a:sym typeface="Red Hat Text"/>
+                      </a:endParaRPr>
+                    </a:p>
+                  </a:txBody>
+                  <a:tcPr marL="121900" marR="121900" marT="91433" marB="91433" anchor="ctr">
+                    <a:solidFill>
+                      <a:schemeClr val="accent3">
+                        <a:lumMod val="75000"/>
+                      </a:schemeClr>
+                    </a:solidFill>
+                  </a:tcPr>
+                </a:tc>
+                <a:extLst>
+                  <a:ext uri="{0D108BD9-81ED-4DB2-BD59-A6C34878D82A}">
+                    <a16:rowId xmlns:a16="http://schemas.microsoft.com/office/drawing/2014/main" val="742927673"/>
+                  </a:ext>
+                </a:extLst>
+              </a:tr>
+            </a:tbl>
+          </a:graphicData>
+        </a:graphic>
+      </p:graphicFrame>
     </p:spTree>
     <p:extLst>
       <p:ext uri="{BB962C8B-B14F-4D97-AF65-F5344CB8AC3E}">
@@ -22126,7 +23837,12 @@
             <p:ph type="title"/>
           </p:nvPr>
         </p:nvSpPr>
-        <p:spPr/>
+        <p:spPr>
+          <a:xfrm>
+            <a:off x="0" y="0"/>
+            <a:ext cx="9610000" cy="844400"/>
+          </a:xfrm>
+        </p:spPr>
         <p:txBody>
           <a:bodyPr/>
           <a:lstStyle/>
@@ -22147,7 +23863,7 @@
       </p:sp>
       <p:sp>
         <p:nvSpPr>
-          <p:cNvPr id="3" name="Content Placeholder 2"/>
+          <p:cNvPr id="4" name="Content Placeholder 3"/>
           <p:cNvSpPr>
             <a:spLocks noGrp="1"/>
           </p:cNvSpPr>
@@ -22155,58 +23871,398 @@
             <p:ph idx="1"/>
           </p:nvPr>
         </p:nvSpPr>
-        <p:spPr/>
+        <p:spPr>
+          <a:xfrm>
+            <a:off x="0" y="844400"/>
+            <a:ext cx="9610000" cy="5890508"/>
+          </a:xfrm>
+        </p:spPr>
         <p:txBody>
           <a:bodyPr/>
           <a:lstStyle/>
           <a:p>
-            <a:r>
-              <a:rPr lang="ru-RU" dirty="0">
-                <a:latin typeface="Segoe UI" panose="020B0502040204020203" pitchFamily="34" charset="0"/>
-                <a:cs typeface="Segoe UI" panose="020B0502040204020203" pitchFamily="34" charset="0"/>
-              </a:rPr>
-              <a:t>Задача о семи </a:t>
-            </a:r>
-            <a:r>
-              <a:rPr lang="ru-RU" dirty="0" smtClean="0">
-                <a:latin typeface="Segoe UI" panose="020B0502040204020203" pitchFamily="34" charset="0"/>
-                <a:cs typeface="Segoe UI" panose="020B0502040204020203" pitchFamily="34" charset="0"/>
-              </a:rPr>
-              <a:t>мостах</a:t>
-            </a:r>
-            <a:endParaRPr lang="en-US" dirty="0" smtClean="0">
+            <a:pPr marL="76200" indent="0">
+              <a:buNone/>
+            </a:pPr>
+            <a:r>
+              <a:rPr lang="en-US" sz="1200" dirty="0" smtClean="0">
+                <a:latin typeface="Segoe UI" panose="020B0502040204020203" pitchFamily="34" charset="0"/>
+                <a:cs typeface="Segoe UI" panose="020B0502040204020203" pitchFamily="34" charset="0"/>
+              </a:rPr>
+              <a:t>We do implementation of adjacency list – because in real-world tends to lend itself to sparser and larger graphs</a:t>
+            </a:r>
+          </a:p>
+          <a:p>
+            <a:pPr marL="76200" indent="0">
+              <a:buNone/>
+            </a:pPr>
+            <a:endParaRPr lang="en-US" sz="1200" dirty="0">
               <a:latin typeface="Segoe UI" panose="020B0502040204020203" pitchFamily="34" charset="0"/>
               <a:cs typeface="Segoe UI" panose="020B0502040204020203" pitchFamily="34" charset="0"/>
             </a:endParaRPr>
           </a:p>
           <a:p>
-            <a:endParaRPr lang="en-US" dirty="0">
+            <a:pPr marL="76200" indent="0">
+              <a:buNone/>
+            </a:pPr>
+            <a:r>
+              <a:rPr lang="en-US" sz="1200" dirty="0" smtClean="0">
+                <a:latin typeface="Segoe UI" panose="020B0502040204020203" pitchFamily="34" charset="0"/>
+                <a:cs typeface="Segoe UI" panose="020B0502040204020203" pitchFamily="34" charset="0"/>
+              </a:rPr>
+              <a:t>Class Graph {</a:t>
+            </a:r>
+          </a:p>
+          <a:p>
+            <a:pPr marL="76200" indent="0">
+              <a:buNone/>
+            </a:pPr>
+            <a:r>
+              <a:rPr lang="en-US" sz="1200" dirty="0" smtClean="0">
+                <a:latin typeface="Segoe UI" panose="020B0502040204020203" pitchFamily="34" charset="0"/>
+                <a:cs typeface="Segoe UI" panose="020B0502040204020203" pitchFamily="34" charset="0"/>
+              </a:rPr>
+              <a:t>	constructor() {</a:t>
+            </a:r>
+          </a:p>
+          <a:p>
+            <a:pPr marL="76200" indent="0">
+              <a:buNone/>
+            </a:pPr>
+            <a:r>
+              <a:rPr lang="en-US" sz="1200" dirty="0">
+                <a:latin typeface="Segoe UI" panose="020B0502040204020203" pitchFamily="34" charset="0"/>
+                <a:cs typeface="Segoe UI" panose="020B0502040204020203" pitchFamily="34" charset="0"/>
+              </a:rPr>
+              <a:t>	</a:t>
+            </a:r>
+            <a:r>
+              <a:rPr lang="en-US" sz="1200" dirty="0" smtClean="0">
+                <a:latin typeface="Segoe UI" panose="020B0502040204020203" pitchFamily="34" charset="0"/>
+                <a:cs typeface="Segoe UI" panose="020B0502040204020203" pitchFamily="34" charset="0"/>
+              </a:rPr>
+              <a:t>	this.adjacencyList = {}</a:t>
+            </a:r>
+          </a:p>
+          <a:p>
+            <a:pPr marL="76200" indent="0">
+              <a:buNone/>
+            </a:pPr>
+            <a:r>
+              <a:rPr lang="en-US" sz="1200" dirty="0">
+                <a:latin typeface="Segoe UI" panose="020B0502040204020203" pitchFamily="34" charset="0"/>
+                <a:cs typeface="Segoe UI" panose="020B0502040204020203" pitchFamily="34" charset="0"/>
+              </a:rPr>
+              <a:t>	</a:t>
+            </a:r>
+            <a:r>
+              <a:rPr lang="en-US" sz="1200" dirty="0" smtClean="0">
+                <a:latin typeface="Segoe UI" panose="020B0502040204020203" pitchFamily="34" charset="0"/>
+                <a:cs typeface="Segoe UI" panose="020B0502040204020203" pitchFamily="34" charset="0"/>
+              </a:rPr>
+              <a:t>}</a:t>
+            </a:r>
+            <a:endParaRPr lang="en-US" sz="1200" dirty="0">
               <a:latin typeface="Segoe UI" panose="020B0502040204020203" pitchFamily="34" charset="0"/>
               <a:cs typeface="Segoe UI" panose="020B0502040204020203" pitchFamily="34" charset="0"/>
             </a:endParaRPr>
           </a:p>
           <a:p>
-            <a:r>
-              <a:rPr lang="en-US" dirty="0" smtClean="0">
-                <a:latin typeface="Segoe UI" panose="020B0502040204020203" pitchFamily="34" charset="0"/>
-                <a:cs typeface="Segoe UI" panose="020B0502040204020203" pitchFamily="34" charset="0"/>
-              </a:rPr>
-              <a:t>Dracula for </a:t>
-            </a:r>
-            <a:r>
-              <a:rPr lang="en-US" smtClean="0">
-                <a:latin typeface="Segoe UI" panose="020B0502040204020203" pitchFamily="34" charset="0"/>
-                <a:cs typeface="Segoe UI" panose="020B0502040204020203" pitchFamily="34" charset="0"/>
-              </a:rPr>
-              <a:t>graph visualization</a:t>
-            </a:r>
-            <a:endParaRPr lang="ru-RU" dirty="0">
+            <a:pPr marL="76200" indent="0">
+              <a:buNone/>
+            </a:pPr>
+            <a:r>
+              <a:rPr lang="en-US" sz="1200" dirty="0" smtClean="0">
+                <a:latin typeface="Segoe UI" panose="020B0502040204020203" pitchFamily="34" charset="0"/>
+                <a:cs typeface="Segoe UI" panose="020B0502040204020203" pitchFamily="34" charset="0"/>
+              </a:rPr>
+              <a:t>}</a:t>
+            </a:r>
+          </a:p>
+          <a:p>
+            <a:pPr marL="76200" indent="0">
+              <a:buNone/>
+            </a:pPr>
+            <a:endParaRPr lang="en-US" sz="1200" dirty="0">
               <a:latin typeface="Segoe UI" panose="020B0502040204020203" pitchFamily="34" charset="0"/>
               <a:cs typeface="Segoe UI" panose="020B0502040204020203" pitchFamily="34" charset="0"/>
             </a:endParaRPr>
           </a:p>
           <a:p>
-            <a:endParaRPr lang="en-US" dirty="0">
+            <a:pPr marL="76200" indent="0">
+              <a:buNone/>
+            </a:pPr>
+            <a:r>
+              <a:rPr lang="en-US" sz="1200" dirty="0" smtClean="0">
+                <a:latin typeface="Segoe UI" panose="020B0502040204020203" pitchFamily="34" charset="0"/>
+                <a:cs typeface="Segoe UI" panose="020B0502040204020203" pitchFamily="34" charset="0"/>
+              </a:rPr>
+              <a:t>Adding a vertex</a:t>
+            </a:r>
+          </a:p>
+          <a:p>
+            <a:pPr marL="419100" indent="-342900">
+              <a:buFont typeface="+mj-lt"/>
+              <a:buAutoNum type="arabicPeriod"/>
+            </a:pPr>
+            <a:r>
+              <a:rPr lang="en-US" sz="1200" dirty="0" smtClean="0">
+                <a:latin typeface="Segoe UI" panose="020B0502040204020203" pitchFamily="34" charset="0"/>
+                <a:cs typeface="Segoe UI" panose="020B0502040204020203" pitchFamily="34" charset="0"/>
+              </a:rPr>
+              <a:t>Write a method called addVertex, witch accepts a name of a vertex</a:t>
+            </a:r>
+          </a:p>
+          <a:p>
+            <a:pPr marL="419100" indent="-342900">
+              <a:buFont typeface="+mj-lt"/>
+              <a:buAutoNum type="arabicPeriod"/>
+            </a:pPr>
+            <a:r>
+              <a:rPr lang="en-US" sz="1200" dirty="0" smtClean="0">
+                <a:latin typeface="Segoe UI" panose="020B0502040204020203" pitchFamily="34" charset="0"/>
+                <a:cs typeface="Segoe UI" panose="020B0502040204020203" pitchFamily="34" charset="0"/>
+              </a:rPr>
+              <a:t>It should add a key to the adjacency list with the name of the vertex and set its value to be an empty array</a:t>
+            </a:r>
+          </a:p>
+          <a:p>
+            <a:pPr marL="76200" indent="0">
+              <a:buNone/>
+            </a:pPr>
+            <a:r>
+              <a:rPr lang="en-US" sz="1200" dirty="0" smtClean="0">
+                <a:latin typeface="Segoe UI" panose="020B0502040204020203" pitchFamily="34" charset="0"/>
+                <a:cs typeface="Segoe UI" panose="020B0502040204020203" pitchFamily="34" charset="0"/>
+              </a:rPr>
+              <a:t>Add a edge</a:t>
+            </a:r>
+          </a:p>
+          <a:p>
+            <a:pPr marL="419100" indent="-342900">
+              <a:buFont typeface="+mj-lt"/>
+              <a:buAutoNum type="arabicPeriod"/>
+            </a:pPr>
+            <a:r>
+              <a:rPr lang="en-US" sz="1200" dirty="0" smtClean="0">
+                <a:latin typeface="Segoe UI" panose="020B0502040204020203" pitchFamily="34" charset="0"/>
+                <a:cs typeface="Segoe UI" panose="020B0502040204020203" pitchFamily="34" charset="0"/>
+              </a:rPr>
+              <a:t>Write a method called addEdge, witch accept two vertices(v1, v2)</a:t>
+            </a:r>
+          </a:p>
+          <a:p>
+            <a:pPr marL="419100" indent="-342900">
+              <a:buFont typeface="+mj-lt"/>
+              <a:buAutoNum type="arabicPeriod"/>
+            </a:pPr>
+            <a:r>
+              <a:rPr lang="en-US" sz="1200" dirty="0" smtClean="0">
+                <a:latin typeface="Segoe UI" panose="020B0502040204020203" pitchFamily="34" charset="0"/>
+                <a:cs typeface="Segoe UI" panose="020B0502040204020203" pitchFamily="34" charset="0"/>
+              </a:rPr>
+              <a:t>Find in the </a:t>
+            </a:r>
+            <a:r>
+              <a:rPr lang="en-US" sz="1200" dirty="0">
+                <a:latin typeface="Segoe UI" panose="020B0502040204020203" pitchFamily="34" charset="0"/>
+                <a:cs typeface="Segoe UI" panose="020B0502040204020203" pitchFamily="34" charset="0"/>
+              </a:rPr>
+              <a:t>adjacency list </a:t>
+            </a:r>
+            <a:r>
+              <a:rPr lang="en-US" sz="1200" dirty="0" smtClean="0">
+                <a:latin typeface="Segoe UI" panose="020B0502040204020203" pitchFamily="34" charset="0"/>
+                <a:cs typeface="Segoe UI" panose="020B0502040204020203" pitchFamily="34" charset="0"/>
+              </a:rPr>
+              <a:t>v1 | v2, and push v2 | v1 to v1 | v2</a:t>
+            </a:r>
+          </a:p>
+          <a:p>
+            <a:pPr marL="419100" indent="-342900">
+              <a:buFont typeface="+mj-lt"/>
+              <a:buAutoNum type="arabicPeriod"/>
+            </a:pPr>
+            <a:r>
+              <a:rPr lang="en-US" sz="1200" dirty="0" smtClean="0">
+                <a:latin typeface="Segoe UI" panose="020B0502040204020203" pitchFamily="34" charset="0"/>
+                <a:cs typeface="Segoe UI" panose="020B0502040204020203" pitchFamily="34" charset="0"/>
+              </a:rPr>
+              <a:t>Handle errors / invalid vertices / duplicates</a:t>
+            </a:r>
+          </a:p>
+          <a:p>
+            <a:pPr marL="76200" indent="0">
+              <a:buNone/>
+            </a:pPr>
+            <a:r>
+              <a:rPr lang="en-US" sz="1200" dirty="0" smtClean="0">
+                <a:latin typeface="Segoe UI" panose="020B0502040204020203" pitchFamily="34" charset="0"/>
+                <a:cs typeface="Segoe UI" panose="020B0502040204020203" pitchFamily="34" charset="0"/>
+              </a:rPr>
+              <a:t>Removing an edge</a:t>
+            </a:r>
+          </a:p>
+          <a:p>
+            <a:pPr marL="419100" indent="-342900">
+              <a:buFont typeface="+mj-lt"/>
+              <a:buAutoNum type="arabicPeriod"/>
+            </a:pPr>
+            <a:r>
+              <a:rPr lang="en-US" sz="1200" dirty="0">
+                <a:latin typeface="Segoe UI" panose="020B0502040204020203" pitchFamily="34" charset="0"/>
+                <a:cs typeface="Segoe UI" panose="020B0502040204020203" pitchFamily="34" charset="0"/>
+              </a:rPr>
+              <a:t>Write a method called </a:t>
+            </a:r>
+            <a:r>
+              <a:rPr lang="en-US" sz="1200" dirty="0" smtClean="0">
+                <a:latin typeface="Segoe UI" panose="020B0502040204020203" pitchFamily="34" charset="0"/>
+                <a:cs typeface="Segoe UI" panose="020B0502040204020203" pitchFamily="34" charset="0"/>
+              </a:rPr>
+              <a:t>removeEdge</a:t>
+            </a:r>
+            <a:r>
+              <a:rPr lang="en-US" sz="1200" dirty="0">
+                <a:latin typeface="Segoe UI" panose="020B0502040204020203" pitchFamily="34" charset="0"/>
+                <a:cs typeface="Segoe UI" panose="020B0502040204020203" pitchFamily="34" charset="0"/>
+              </a:rPr>
+              <a:t>, witch accept two vertices(v1, v2)</a:t>
+            </a:r>
+          </a:p>
+          <a:p>
+            <a:pPr marL="419100" indent="-342900">
+              <a:buFont typeface="+mj-lt"/>
+              <a:buAutoNum type="arabicPeriod"/>
+            </a:pPr>
+            <a:r>
+              <a:rPr lang="en-US" sz="1200" dirty="0" smtClean="0">
+                <a:latin typeface="Segoe UI" panose="020B0502040204020203" pitchFamily="34" charset="0"/>
+                <a:cs typeface="Segoe UI" panose="020B0502040204020203" pitchFamily="34" charset="0"/>
+              </a:rPr>
+              <a:t>Reassign key of v1 | v2 to be an array that does not contain v2 | v1</a:t>
+            </a:r>
+          </a:p>
+          <a:p>
+            <a:pPr marL="419100" indent="-342900">
+              <a:buFont typeface="+mj-lt"/>
+              <a:buAutoNum type="arabicPeriod"/>
+            </a:pPr>
+            <a:r>
+              <a:rPr lang="en-US" sz="1200" dirty="0">
+                <a:latin typeface="Segoe UI" panose="020B0502040204020203" pitchFamily="34" charset="0"/>
+                <a:cs typeface="Segoe UI" panose="020B0502040204020203" pitchFamily="34" charset="0"/>
+              </a:rPr>
+              <a:t>Handle errors / invalid vertices</a:t>
+            </a:r>
+            <a:endParaRPr lang="en-US" sz="1200" dirty="0" smtClean="0">
+              <a:latin typeface="Segoe UI" panose="020B0502040204020203" pitchFamily="34" charset="0"/>
+              <a:cs typeface="Segoe UI" panose="020B0502040204020203" pitchFamily="34" charset="0"/>
+            </a:endParaRPr>
+          </a:p>
+          <a:p>
+            <a:pPr marL="76200" indent="0">
+              <a:buNone/>
+            </a:pPr>
+            <a:r>
+              <a:rPr lang="en-US" sz="1200" dirty="0" smtClean="0">
+                <a:latin typeface="Segoe UI" panose="020B0502040204020203" pitchFamily="34" charset="0"/>
+                <a:cs typeface="Segoe UI" panose="020B0502040204020203" pitchFamily="34" charset="0"/>
+              </a:rPr>
+              <a:t>Remove </a:t>
+            </a:r>
+            <a:r>
+              <a:rPr lang="en-US" sz="1200" smtClean="0">
+                <a:latin typeface="Segoe UI" panose="020B0502040204020203" pitchFamily="34" charset="0"/>
+                <a:cs typeface="Segoe UI" panose="020B0502040204020203" pitchFamily="34" charset="0"/>
+              </a:rPr>
+              <a:t>an vertex</a:t>
+            </a:r>
+            <a:endParaRPr lang="en-US" sz="1200" dirty="0" smtClean="0">
+              <a:latin typeface="Segoe UI" panose="020B0502040204020203" pitchFamily="34" charset="0"/>
+              <a:cs typeface="Segoe UI" panose="020B0502040204020203" pitchFamily="34" charset="0"/>
+            </a:endParaRPr>
+          </a:p>
+          <a:p>
+            <a:pPr marL="419100" indent="-342900">
+              <a:buFont typeface="+mj-lt"/>
+              <a:buAutoNum type="arabicPeriod"/>
+            </a:pPr>
+            <a:r>
+              <a:rPr lang="en-US" sz="1200" dirty="0">
+                <a:latin typeface="Segoe UI" panose="020B0502040204020203" pitchFamily="34" charset="0"/>
+                <a:cs typeface="Segoe UI" panose="020B0502040204020203" pitchFamily="34" charset="0"/>
+              </a:rPr>
+              <a:t>Write a method called </a:t>
+            </a:r>
+            <a:r>
+              <a:rPr lang="en-US" sz="1200" dirty="0" smtClean="0">
+                <a:latin typeface="Segoe UI" panose="020B0502040204020203" pitchFamily="34" charset="0"/>
+                <a:cs typeface="Segoe UI" panose="020B0502040204020203" pitchFamily="34" charset="0"/>
+              </a:rPr>
+              <a:t>removeVertex</a:t>
+            </a:r>
+            <a:r>
+              <a:rPr lang="en-US" sz="1200" dirty="0">
+                <a:latin typeface="Segoe UI" panose="020B0502040204020203" pitchFamily="34" charset="0"/>
+                <a:cs typeface="Segoe UI" panose="020B0502040204020203" pitchFamily="34" charset="0"/>
+              </a:rPr>
+              <a:t>, witch accepts a name of a vertex</a:t>
+            </a:r>
+          </a:p>
+          <a:p>
+            <a:pPr marL="419100" indent="-342900">
+              <a:buFont typeface="+mj-lt"/>
+              <a:buAutoNum type="arabicPeriod"/>
+            </a:pPr>
+            <a:r>
+              <a:rPr lang="en-US" sz="1200" dirty="0" smtClean="0">
+                <a:latin typeface="Segoe UI" panose="020B0502040204020203" pitchFamily="34" charset="0"/>
+                <a:cs typeface="Segoe UI" panose="020B0502040204020203" pitchFamily="34" charset="0"/>
+              </a:rPr>
+              <a:t>Loop as long as there are any other vertices in the adjacency list for that vertex</a:t>
+            </a:r>
+          </a:p>
+          <a:p>
+            <a:pPr marL="419100" indent="-342900">
+              <a:buFont typeface="+mj-lt"/>
+              <a:buAutoNum type="arabicPeriod"/>
+            </a:pPr>
+            <a:r>
+              <a:rPr lang="en-US" sz="1200" dirty="0" smtClean="0">
+                <a:latin typeface="Segoe UI" panose="020B0502040204020203" pitchFamily="34" charset="0"/>
+                <a:cs typeface="Segoe UI" panose="020B0502040204020203" pitchFamily="34" charset="0"/>
+              </a:rPr>
+              <a:t>Inside of the loop, call our remove edge function with the vertex we are removing and any values in the adjacency list for that vertex</a:t>
+            </a:r>
+          </a:p>
+          <a:p>
+            <a:pPr marL="419100" indent="-342900">
+              <a:buFont typeface="+mj-lt"/>
+              <a:buAutoNum type="arabicPeriod"/>
+            </a:pPr>
+            <a:r>
+              <a:rPr lang="en-US" sz="1200" dirty="0" smtClean="0">
+                <a:latin typeface="Segoe UI" panose="020B0502040204020203" pitchFamily="34" charset="0"/>
+                <a:cs typeface="Segoe UI" panose="020B0502040204020203" pitchFamily="34" charset="0"/>
+              </a:rPr>
+              <a:t>Delete the key in </a:t>
+            </a:r>
+            <a:r>
+              <a:rPr lang="en-US" sz="1200" dirty="0">
+                <a:latin typeface="Segoe UI" panose="020B0502040204020203" pitchFamily="34" charset="0"/>
+                <a:cs typeface="Segoe UI" panose="020B0502040204020203" pitchFamily="34" charset="0"/>
+              </a:rPr>
+              <a:t>adjacency list </a:t>
+            </a:r>
+            <a:r>
+              <a:rPr lang="en-US" sz="1200" dirty="0" smtClean="0">
+                <a:latin typeface="Segoe UI" panose="020B0502040204020203" pitchFamily="34" charset="0"/>
+                <a:cs typeface="Segoe UI" panose="020B0502040204020203" pitchFamily="34" charset="0"/>
+              </a:rPr>
+              <a:t> for that vertex(optional)</a:t>
+            </a:r>
+            <a:endParaRPr lang="en-US" sz="1200" dirty="0">
               <a:latin typeface="Segoe UI" panose="020B0502040204020203" pitchFamily="34" charset="0"/>
               <a:cs typeface="Segoe UI" panose="020B0502040204020203" pitchFamily="34" charset="0"/>
             </a:endParaRPr>
@@ -24011,6 +26067,131 @@
 </file>
 
 <file path=ppt/slides/slide30.xml><?xml version="1.0" encoding="utf-8"?>
+<p:sld xmlns:a="http://schemas.openxmlformats.org/drawingml/2006/main" xmlns:r="http://schemas.openxmlformats.org/officeDocument/2006/relationships" xmlns:p="http://schemas.openxmlformats.org/presentationml/2006/main">
+  <p:cSld>
+    <p:spTree>
+      <p:nvGrpSpPr>
+        <p:cNvPr id="1" name=""/>
+        <p:cNvGrpSpPr/>
+        <p:nvPr/>
+      </p:nvGrpSpPr>
+      <p:grpSpPr>
+        <a:xfrm>
+          <a:off x="0" y="0"/>
+          <a:ext cx="0" cy="0"/>
+          <a:chOff x="0" y="0"/>
+          <a:chExt cx="0" cy="0"/>
+        </a:xfrm>
+      </p:grpSpPr>
+      <p:sp>
+        <p:nvSpPr>
+          <p:cNvPr id="2" name="Title 1"/>
+          <p:cNvSpPr>
+            <a:spLocks noGrp="1"/>
+          </p:cNvSpPr>
+          <p:nvPr>
+            <p:ph type="title"/>
+          </p:nvPr>
+        </p:nvSpPr>
+        <p:spPr>
+          <a:xfrm>
+            <a:off x="0" y="0"/>
+            <a:ext cx="9610000" cy="844400"/>
+          </a:xfrm>
+        </p:spPr>
+        <p:txBody>
+          <a:bodyPr/>
+          <a:lstStyle/>
+          <a:p>
+            <a:r>
+              <a:rPr lang="en-US" b="1" dirty="0">
+                <a:latin typeface="Segoe UI" panose="020B0502040204020203" pitchFamily="34" charset="0"/>
+                <a:cs typeface="Segoe UI" panose="020B0502040204020203" pitchFamily="34" charset="0"/>
+              </a:rPr>
+              <a:t>Graphs</a:t>
+            </a:r>
+            <a:endParaRPr lang="en-US" dirty="0">
+              <a:latin typeface="Segoe UI" panose="020B0502040204020203" pitchFamily="34" charset="0"/>
+              <a:cs typeface="Segoe UI" panose="020B0502040204020203" pitchFamily="34" charset="0"/>
+            </a:endParaRPr>
+          </a:p>
+        </p:txBody>
+      </p:sp>
+      <p:sp>
+        <p:nvSpPr>
+          <p:cNvPr id="3" name="Content Placeholder 2"/>
+          <p:cNvSpPr>
+            <a:spLocks noGrp="1"/>
+          </p:cNvSpPr>
+          <p:nvPr>
+            <p:ph idx="1"/>
+          </p:nvPr>
+        </p:nvSpPr>
+        <p:spPr/>
+        <p:txBody>
+          <a:bodyPr/>
+          <a:lstStyle/>
+          <a:p>
+            <a:r>
+              <a:rPr lang="ru-RU" dirty="0">
+                <a:latin typeface="Segoe UI" panose="020B0502040204020203" pitchFamily="34" charset="0"/>
+                <a:cs typeface="Segoe UI" panose="020B0502040204020203" pitchFamily="34" charset="0"/>
+              </a:rPr>
+              <a:t>Задача о семи </a:t>
+            </a:r>
+            <a:r>
+              <a:rPr lang="ru-RU" dirty="0" smtClean="0">
+                <a:latin typeface="Segoe UI" panose="020B0502040204020203" pitchFamily="34" charset="0"/>
+                <a:cs typeface="Segoe UI" panose="020B0502040204020203" pitchFamily="34" charset="0"/>
+              </a:rPr>
+              <a:t>мостах</a:t>
+            </a:r>
+            <a:endParaRPr lang="en-US" dirty="0" smtClean="0">
+              <a:latin typeface="Segoe UI" panose="020B0502040204020203" pitchFamily="34" charset="0"/>
+              <a:cs typeface="Segoe UI" panose="020B0502040204020203" pitchFamily="34" charset="0"/>
+            </a:endParaRPr>
+          </a:p>
+          <a:p>
+            <a:endParaRPr lang="en-US" dirty="0">
+              <a:latin typeface="Segoe UI" panose="020B0502040204020203" pitchFamily="34" charset="0"/>
+              <a:cs typeface="Segoe UI" panose="020B0502040204020203" pitchFamily="34" charset="0"/>
+            </a:endParaRPr>
+          </a:p>
+          <a:p>
+            <a:r>
+              <a:rPr lang="en-US" dirty="0" smtClean="0">
+                <a:latin typeface="Segoe UI" panose="020B0502040204020203" pitchFamily="34" charset="0"/>
+                <a:cs typeface="Segoe UI" panose="020B0502040204020203" pitchFamily="34" charset="0"/>
+              </a:rPr>
+              <a:t>Dracula for graph visualization</a:t>
+            </a:r>
+            <a:endParaRPr lang="ru-RU" dirty="0">
+              <a:latin typeface="Segoe UI" panose="020B0502040204020203" pitchFamily="34" charset="0"/>
+              <a:cs typeface="Segoe UI" panose="020B0502040204020203" pitchFamily="34" charset="0"/>
+            </a:endParaRPr>
+          </a:p>
+          <a:p>
+            <a:endParaRPr lang="en-US" dirty="0">
+              <a:latin typeface="Segoe UI" panose="020B0502040204020203" pitchFamily="34" charset="0"/>
+              <a:cs typeface="Segoe UI" panose="020B0502040204020203" pitchFamily="34" charset="0"/>
+            </a:endParaRPr>
+          </a:p>
+        </p:txBody>
+      </p:sp>
+    </p:spTree>
+    <p:extLst>
+      <p:ext uri="{BB962C8B-B14F-4D97-AF65-F5344CB8AC3E}">
+        <p14:creationId xmlns:p14="http://schemas.microsoft.com/office/powerpoint/2010/main" val="3682538881"/>
+      </p:ext>
+    </p:extLst>
+  </p:cSld>
+  <p:clrMapOvr>
+    <a:masterClrMapping/>
+  </p:clrMapOvr>
+</p:sld>
+</file>
+
+<file path=ppt/slides/slide31.xml><?xml version="1.0" encoding="utf-8"?>
 <p:sld xmlns:a="http://schemas.openxmlformats.org/drawingml/2006/main" xmlns:r="http://schemas.openxmlformats.org/officeDocument/2006/relationships" xmlns:p="http://schemas.openxmlformats.org/presentationml/2006/main">
   <p:cSld>
     <p:spTree>

--- a/ds&a.pptx
+++ b/ds&a.pptx
@@ -24169,19 +24169,8 @@
                 <a:latin typeface="Segoe UI" panose="020B0502040204020203" pitchFamily="34" charset="0"/>
                 <a:cs typeface="Segoe UI" panose="020B0502040204020203" pitchFamily="34" charset="0"/>
               </a:rPr>
-              <a:t>Remove </a:t>
-            </a:r>
-            <a:r>
-              <a:rPr lang="en-US" sz="1200" smtClean="0">
-                <a:latin typeface="Segoe UI" panose="020B0502040204020203" pitchFamily="34" charset="0"/>
-                <a:cs typeface="Segoe UI" panose="020B0502040204020203" pitchFamily="34" charset="0"/>
-              </a:rPr>
-              <a:t>an vertex</a:t>
-            </a:r>
-            <a:endParaRPr lang="en-US" sz="1200" dirty="0" smtClean="0">
-              <a:latin typeface="Segoe UI" panose="020B0502040204020203" pitchFamily="34" charset="0"/>
-              <a:cs typeface="Segoe UI" panose="020B0502040204020203" pitchFamily="34" charset="0"/>
-            </a:endParaRPr>
+              <a:t>Remove an vertex</a:t>
+            </a:r>
           </a:p>
           <a:p>
             <a:pPr marL="419100" indent="-342900">

--- a/ds&a.pptx
+++ b/ds&a.pptx
@@ -5,7 +5,7 @@
     <p:sldMasterId id="2147483660" r:id="rId1"/>
   </p:sldMasterIdLst>
   <p:notesMasterIdLst>
-    <p:notesMasterId r:id="rId33"/>
+    <p:notesMasterId r:id="rId32"/>
   </p:notesMasterIdLst>
   <p:sldIdLst>
     <p:sldId id="281" r:id="rId2"/>
@@ -14,31 +14,30 @@
     <p:sldId id="286" r:id="rId5"/>
     <p:sldId id="287" r:id="rId6"/>
     <p:sldId id="288" r:id="rId7"/>
-    <p:sldId id="284" r:id="rId8"/>
-    <p:sldId id="257" r:id="rId9"/>
-    <p:sldId id="258" r:id="rId10"/>
-    <p:sldId id="261" r:id="rId11"/>
-    <p:sldId id="282" r:id="rId12"/>
-    <p:sldId id="262" r:id="rId13"/>
-    <p:sldId id="279" r:id="rId14"/>
-    <p:sldId id="271" r:id="rId15"/>
-    <p:sldId id="263" r:id="rId16"/>
-    <p:sldId id="272" r:id="rId17"/>
-    <p:sldId id="265" r:id="rId18"/>
-    <p:sldId id="274" r:id="rId19"/>
-    <p:sldId id="275" r:id="rId20"/>
-    <p:sldId id="266" r:id="rId21"/>
-    <p:sldId id="276" r:id="rId22"/>
-    <p:sldId id="277" r:id="rId23"/>
-    <p:sldId id="264" r:id="rId24"/>
-    <p:sldId id="289" r:id="rId25"/>
-    <p:sldId id="290" r:id="rId26"/>
-    <p:sldId id="291" r:id="rId27"/>
-    <p:sldId id="292" r:id="rId28"/>
-    <p:sldId id="293" r:id="rId29"/>
-    <p:sldId id="267" r:id="rId30"/>
-    <p:sldId id="294" r:id="rId31"/>
-    <p:sldId id="280" r:id="rId32"/>
+    <p:sldId id="257" r:id="rId8"/>
+    <p:sldId id="258" r:id="rId9"/>
+    <p:sldId id="261" r:id="rId10"/>
+    <p:sldId id="282" r:id="rId11"/>
+    <p:sldId id="262" r:id="rId12"/>
+    <p:sldId id="279" r:id="rId13"/>
+    <p:sldId id="271" r:id="rId14"/>
+    <p:sldId id="263" r:id="rId15"/>
+    <p:sldId id="272" r:id="rId16"/>
+    <p:sldId id="265" r:id="rId17"/>
+    <p:sldId id="274" r:id="rId18"/>
+    <p:sldId id="275" r:id="rId19"/>
+    <p:sldId id="266" r:id="rId20"/>
+    <p:sldId id="276" r:id="rId21"/>
+    <p:sldId id="277" r:id="rId22"/>
+    <p:sldId id="264" r:id="rId23"/>
+    <p:sldId id="289" r:id="rId24"/>
+    <p:sldId id="290" r:id="rId25"/>
+    <p:sldId id="291" r:id="rId26"/>
+    <p:sldId id="292" r:id="rId27"/>
+    <p:sldId id="293" r:id="rId28"/>
+    <p:sldId id="267" r:id="rId29"/>
+    <p:sldId id="294" r:id="rId30"/>
+    <p:sldId id="280" r:id="rId31"/>
   </p:sldIdLst>
   <p:sldSz cx="12192000" cy="6858000"/>
   <p:notesSz cx="6858000" cy="9144000"/>
@@ -1150,115 +1149,6 @@
 </file>
 
 <file path=ppt/notesSlides/notesSlide7.xml><?xml version="1.0" encoding="utf-8"?>
-<p:notes xmlns:a="http://schemas.openxmlformats.org/drawingml/2006/main" xmlns:r="http://schemas.openxmlformats.org/officeDocument/2006/relationships" xmlns:p="http://schemas.openxmlformats.org/presentationml/2006/main" showMasterSp="0" showMasterPhAnim="0">
-  <p:cSld>
-    <p:spTree>
-      <p:nvGrpSpPr>
-        <p:cNvPr id="1" name="Shape 114"/>
-        <p:cNvGrpSpPr/>
-        <p:nvPr/>
-      </p:nvGrpSpPr>
-      <p:grpSpPr>
-        <a:xfrm>
-          <a:off x="0" y="0"/>
-          <a:ext cx="0" cy="0"/>
-          <a:chOff x="0" y="0"/>
-          <a:chExt cx="0" cy="0"/>
-        </a:xfrm>
-      </p:grpSpPr>
-      <p:sp>
-        <p:nvSpPr>
-          <p:cNvPr id="115" name="Google Shape;115;p:notes"/>
-          <p:cNvSpPr>
-            <a:spLocks noGrp="1" noRot="1" noChangeAspect="1"/>
-          </p:cNvSpPr>
-          <p:nvPr>
-            <p:ph type="sldImg" idx="2"/>
-          </p:nvPr>
-        </p:nvSpPr>
-        <p:spPr>
-          <a:xfrm>
-            <a:off x="381000" y="685800"/>
-            <a:ext cx="6096000" cy="3429000"/>
-          </a:xfrm>
-          <a:custGeom>
-            <a:avLst/>
-            <a:gdLst/>
-            <a:ahLst/>
-            <a:cxnLst/>
-            <a:rect l="l" t="t" r="r" b="b"/>
-            <a:pathLst>
-              <a:path w="120000" h="120000" extrusionOk="0">
-                <a:moveTo>
-                  <a:pt x="0" y="0"/>
-                </a:moveTo>
-                <a:lnTo>
-                  <a:pt x="120000" y="0"/>
-                </a:lnTo>
-                <a:lnTo>
-                  <a:pt x="120000" y="120000"/>
-                </a:lnTo>
-                <a:lnTo>
-                  <a:pt x="0" y="120000"/>
-                </a:lnTo>
-                <a:close/>
-              </a:path>
-            </a:pathLst>
-          </a:custGeom>
-        </p:spPr>
-      </p:sp>
-      <p:sp>
-        <p:nvSpPr>
-          <p:cNvPr id="116" name="Google Shape;116;p:notes"/>
-          <p:cNvSpPr txBox="1">
-            <a:spLocks noGrp="1"/>
-          </p:cNvSpPr>
-          <p:nvPr>
-            <p:ph type="body" idx="1"/>
-          </p:nvPr>
-        </p:nvSpPr>
-        <p:spPr>
-          <a:xfrm>
-            <a:off x="685800" y="4343400"/>
-            <a:ext cx="5486400" cy="4114800"/>
-          </a:xfrm>
-          <a:prstGeom prst="rect">
-            <a:avLst/>
-          </a:prstGeom>
-        </p:spPr>
-        <p:txBody>
-          <a:bodyPr spcFirstLastPara="1" wrap="square" lIns="91425" tIns="91425" rIns="91425" bIns="91425" anchor="t" anchorCtr="0">
-            <a:noAutofit/>
-          </a:bodyPr>
-          <a:lstStyle/>
-          <a:p>
-            <a:pPr marL="0" lvl="0" indent="0" algn="l" rtl="0">
-              <a:spcBef>
-                <a:spcPts val="0"/>
-              </a:spcBef>
-              <a:spcAft>
-                <a:spcPts val="0"/>
-              </a:spcAft>
-              <a:buNone/>
-            </a:pPr>
-            <a:endParaRPr/>
-          </a:p>
-        </p:txBody>
-      </p:sp>
-    </p:spTree>
-    <p:extLst>
-      <p:ext uri="{BB962C8B-B14F-4D97-AF65-F5344CB8AC3E}">
-        <p14:creationId xmlns:p14="http://schemas.microsoft.com/office/powerpoint/2010/main" val="1884903290"/>
-      </p:ext>
-    </p:extLst>
-  </p:cSld>
-  <p:clrMapOvr>
-    <a:masterClrMapping/>
-  </p:clrMapOvr>
-</p:notes>
-</file>
-
-<file path=ppt/notesSlides/notesSlide8.xml><?xml version="1.0" encoding="utf-8"?>
 <p:notes xmlns:a="http://schemas.openxmlformats.org/drawingml/2006/main" xmlns:r="http://schemas.openxmlformats.org/officeDocument/2006/relationships" xmlns:p="http://schemas.openxmlformats.org/presentationml/2006/main" showMasterSp="0" showMasterPhAnim="0">
   <p:cSld>
     <p:spTree>
@@ -10275,368 +10165,6 @@
 </file>
 
 <file path=ppt/slides/slide10.xml><?xml version="1.0" encoding="utf-8"?>
-<p:sld xmlns:a="http://schemas.openxmlformats.org/drawingml/2006/main" xmlns:r="http://schemas.openxmlformats.org/officeDocument/2006/relationships" xmlns:p="http://schemas.openxmlformats.org/presentationml/2006/main">
-  <p:cSld>
-    <p:spTree>
-      <p:nvGrpSpPr>
-        <p:cNvPr id="1" name=""/>
-        <p:cNvGrpSpPr/>
-        <p:nvPr/>
-      </p:nvGrpSpPr>
-      <p:grpSpPr>
-        <a:xfrm>
-          <a:off x="0" y="0"/>
-          <a:ext cx="0" cy="0"/>
-          <a:chOff x="0" y="0"/>
-          <a:chExt cx="0" cy="0"/>
-        </a:xfrm>
-      </p:grpSpPr>
-      <p:sp>
-        <p:nvSpPr>
-          <p:cNvPr id="2" name="Title 1"/>
-          <p:cNvSpPr>
-            <a:spLocks noGrp="1"/>
-          </p:cNvSpPr>
-          <p:nvPr>
-            <p:ph type="title"/>
-          </p:nvPr>
-        </p:nvSpPr>
-        <p:spPr>
-          <a:xfrm>
-            <a:off x="5340" y="0"/>
-            <a:ext cx="9610000" cy="844400"/>
-          </a:xfrm>
-        </p:spPr>
-        <p:txBody>
-          <a:bodyPr/>
-          <a:lstStyle/>
-          <a:p>
-            <a:r>
-              <a:rPr lang="en-US" b="1" dirty="0" smtClean="0">
-                <a:latin typeface="Segoe UI" panose="020B0502040204020203" pitchFamily="34" charset="0"/>
-                <a:cs typeface="Segoe UI" panose="020B0502040204020203" pitchFamily="34" charset="0"/>
-              </a:rPr>
-              <a:t>Quick sort</a:t>
-            </a:r>
-            <a:endParaRPr lang="en-US" dirty="0">
-              <a:latin typeface="Segoe UI" panose="020B0502040204020203" pitchFamily="34" charset="0"/>
-              <a:cs typeface="Segoe UI" panose="020B0502040204020203" pitchFamily="34" charset="0"/>
-            </a:endParaRPr>
-          </a:p>
-        </p:txBody>
-      </p:sp>
-      <p:sp>
-        <p:nvSpPr>
-          <p:cNvPr id="3" name="Rectangle 2"/>
-          <p:cNvSpPr/>
-          <p:nvPr/>
-        </p:nvSpPr>
-        <p:spPr>
-          <a:xfrm>
-            <a:off x="838200" y="1515608"/>
-            <a:ext cx="6096000" cy="3970318"/>
-          </a:xfrm>
-          <a:prstGeom prst="rect">
-            <a:avLst/>
-          </a:prstGeom>
-        </p:spPr>
-        <p:txBody>
-          <a:bodyPr>
-            <a:spAutoFit/>
-          </a:bodyPr>
-          <a:lstStyle/>
-          <a:p>
-            <a:r>
-              <a:rPr lang="en-US" dirty="0">
-                <a:latin typeface="Segoe UI" panose="020B0502040204020203" pitchFamily="34" charset="0"/>
-                <a:cs typeface="Segoe UI" panose="020B0502040204020203" pitchFamily="34" charset="0"/>
-              </a:rPr>
-              <a:t>the C standard library includes a function called </a:t>
-            </a:r>
-            <a:r>
-              <a:rPr lang="en-US" dirty="0" err="1" smtClean="0">
-                <a:latin typeface="Segoe UI" panose="020B0502040204020203" pitchFamily="34" charset="0"/>
-                <a:cs typeface="Segoe UI" panose="020B0502040204020203" pitchFamily="34" charset="0"/>
-              </a:rPr>
-              <a:t>qsort</a:t>
-            </a:r>
-            <a:r>
-              <a:rPr lang="en-US" dirty="0" smtClean="0">
-                <a:latin typeface="Segoe UI" panose="020B0502040204020203" pitchFamily="34" charset="0"/>
-                <a:cs typeface="Segoe UI" panose="020B0502040204020203" pitchFamily="34" charset="0"/>
-              </a:rPr>
-              <a:t>() </a:t>
-            </a:r>
-            <a:r>
-              <a:rPr lang="en-US" dirty="0">
-                <a:latin typeface="Segoe UI" panose="020B0502040204020203" pitchFamily="34" charset="0"/>
-                <a:cs typeface="Segoe UI" panose="020B0502040204020203" pitchFamily="34" charset="0"/>
-              </a:rPr>
-              <a:t>that implements quicksort. </a:t>
-            </a:r>
-            <a:r>
-              <a:rPr lang="en-US" dirty="0" smtClean="0">
-                <a:latin typeface="Segoe UI" panose="020B0502040204020203" pitchFamily="34" charset="0"/>
-                <a:cs typeface="Segoe UI" panose="020B0502040204020203" pitchFamily="34" charset="0"/>
-              </a:rPr>
-              <a:t>Quick sorting </a:t>
-            </a:r>
-            <a:r>
-              <a:rPr lang="en-US" dirty="0">
-                <a:latin typeface="Segoe UI" panose="020B0502040204020203" pitchFamily="34" charset="0"/>
-                <a:cs typeface="Segoe UI" panose="020B0502040204020203" pitchFamily="34" charset="0"/>
-              </a:rPr>
-              <a:t>is also strategy based </a:t>
-            </a:r>
-            <a:r>
-              <a:rPr lang="en-US" dirty="0" smtClean="0">
-                <a:latin typeface="Segoe UI" panose="020B0502040204020203" pitchFamily="34" charset="0"/>
-                <a:cs typeface="Segoe UI" panose="020B0502040204020203" pitchFamily="34" charset="0"/>
-              </a:rPr>
-              <a:t> </a:t>
-            </a:r>
-            <a:r>
-              <a:rPr lang="en-US" dirty="0">
-                <a:latin typeface="Segoe UI" panose="020B0502040204020203" pitchFamily="34" charset="0"/>
-                <a:cs typeface="Segoe UI" panose="020B0502040204020203" pitchFamily="34" charset="0"/>
-              </a:rPr>
-              <a:t>Divide-and-conquer</a:t>
-            </a:r>
-            <a:r>
-              <a:rPr lang="en-US" dirty="0" smtClean="0">
-                <a:latin typeface="Segoe UI" panose="020B0502040204020203" pitchFamily="34" charset="0"/>
-                <a:cs typeface="Segoe UI" panose="020B0502040204020203" pitchFamily="34" charset="0"/>
-              </a:rPr>
-              <a:t>.</a:t>
-            </a:r>
-            <a:endParaRPr lang="ru-RU" dirty="0" smtClean="0">
-              <a:latin typeface="Segoe UI" panose="020B0502040204020203" pitchFamily="34" charset="0"/>
-              <a:cs typeface="Segoe UI" panose="020B0502040204020203" pitchFamily="34" charset="0"/>
-            </a:endParaRPr>
-          </a:p>
-          <a:p>
-            <a:endParaRPr lang="ru-RU" dirty="0">
-              <a:latin typeface="Segoe UI" panose="020B0502040204020203" pitchFamily="34" charset="0"/>
-              <a:cs typeface="Segoe UI" panose="020B0502040204020203" pitchFamily="34" charset="0"/>
-            </a:endParaRPr>
-          </a:p>
-          <a:p>
-            <a:r>
-              <a:rPr lang="en-US" dirty="0">
-                <a:latin typeface="Segoe UI" panose="020B0502040204020203" pitchFamily="34" charset="0"/>
-                <a:cs typeface="Segoe UI" panose="020B0502040204020203" pitchFamily="34" charset="0"/>
-              </a:rPr>
-              <a:t>E</a:t>
-            </a:r>
-            <a:r>
-              <a:rPr lang="en-US" dirty="0" smtClean="0">
-                <a:latin typeface="Segoe UI" panose="020B0502040204020203" pitchFamily="34" charset="0"/>
-                <a:cs typeface="Segoe UI" panose="020B0502040204020203" pitchFamily="34" charset="0"/>
-              </a:rPr>
-              <a:t>mpty </a:t>
-            </a:r>
-            <a:r>
-              <a:rPr lang="en-US" dirty="0">
-                <a:latin typeface="Segoe UI" panose="020B0502040204020203" pitchFamily="34" charset="0"/>
-                <a:cs typeface="Segoe UI" panose="020B0502040204020203" pitchFamily="34" charset="0"/>
-              </a:rPr>
-              <a:t>arrays and arrays containing only one element will become the base case. Such arrays can simply be returned in their original form -you don't need to sort </a:t>
-            </a:r>
-            <a:r>
-              <a:rPr lang="en-US" dirty="0" smtClean="0">
-                <a:latin typeface="Segoe UI" panose="020B0502040204020203" pitchFamily="34" charset="0"/>
-                <a:cs typeface="Segoe UI" panose="020B0502040204020203" pitchFamily="34" charset="0"/>
-              </a:rPr>
-              <a:t>anything, Array </a:t>
-            </a:r>
-            <a:r>
-              <a:rPr lang="en-US" dirty="0">
-                <a:latin typeface="Segoe UI" panose="020B0502040204020203" pitchFamily="34" charset="0"/>
-                <a:cs typeface="Segoe UI" panose="020B0502040204020203" pitchFamily="34" charset="0"/>
-              </a:rPr>
-              <a:t>of two </a:t>
-            </a:r>
-            <a:r>
-              <a:rPr lang="en-US" dirty="0" smtClean="0">
-                <a:latin typeface="Segoe UI" panose="020B0502040204020203" pitchFamily="34" charset="0"/>
-                <a:cs typeface="Segoe UI" panose="020B0502040204020203" pitchFamily="34" charset="0"/>
-              </a:rPr>
-              <a:t>elements is </a:t>
-            </a:r>
-            <a:r>
-              <a:rPr lang="en-US" dirty="0">
-                <a:latin typeface="Segoe UI" panose="020B0502040204020203" pitchFamily="34" charset="0"/>
-                <a:cs typeface="Segoe UI" panose="020B0502040204020203" pitchFamily="34" charset="0"/>
-              </a:rPr>
-              <a:t>also sorted without too much trouble comparing both </a:t>
-            </a:r>
-            <a:r>
-              <a:rPr lang="en-US" dirty="0" smtClean="0">
-                <a:latin typeface="Segoe UI" panose="020B0502040204020203" pitchFamily="34" charset="0"/>
-                <a:cs typeface="Segoe UI" panose="020B0502040204020203" pitchFamily="34" charset="0"/>
-              </a:rPr>
-              <a:t>elements . What </a:t>
-            </a:r>
-            <a:r>
-              <a:rPr lang="en-US" dirty="0">
-                <a:latin typeface="Segoe UI" panose="020B0502040204020203" pitchFamily="34" charset="0"/>
-                <a:cs typeface="Segoe UI" panose="020B0502040204020203" pitchFamily="34" charset="0"/>
-              </a:rPr>
-              <a:t>about 3 elements? since we are using divide and conquer method, Hence the array must be split until we arrive at the </a:t>
-            </a:r>
-            <a:r>
-              <a:rPr lang="en-US" dirty="0" smtClean="0">
-                <a:latin typeface="Segoe UI" panose="020B0502040204020203" pitchFamily="34" charset="0"/>
-                <a:cs typeface="Segoe UI" panose="020B0502040204020203" pitchFamily="34" charset="0"/>
-              </a:rPr>
-              <a:t>base occasion</a:t>
-            </a:r>
-            <a:r>
-              <a:rPr lang="en-US" dirty="0">
-                <a:latin typeface="Segoe UI" panose="020B0502040204020203" pitchFamily="34" charset="0"/>
-                <a:cs typeface="Segoe UI" panose="020B0502040204020203" pitchFamily="34" charset="0"/>
-              </a:rPr>
-              <a:t>. The quick sort algorithm works like this: first, an element in the array is selected, which is called the pivot element</a:t>
-            </a:r>
-            <a:r>
-              <a:rPr lang="en-US" dirty="0" smtClean="0">
-                <a:latin typeface="Segoe UI" panose="020B0502040204020203" pitchFamily="34" charset="0"/>
-                <a:cs typeface="Segoe UI" panose="020B0502040204020203" pitchFamily="34" charset="0"/>
-              </a:rPr>
-              <a:t>. </a:t>
-            </a:r>
-            <a:r>
-              <a:rPr lang="en-US" dirty="0">
-                <a:latin typeface="Segoe UI" panose="020B0502040204020203" pitchFamily="34" charset="0"/>
-                <a:cs typeface="Segoe UI" panose="020B0502040204020203" pitchFamily="34" charset="0"/>
-              </a:rPr>
-              <a:t>And </a:t>
-            </a:r>
-            <a:r>
-              <a:rPr lang="en-US" dirty="0" smtClean="0">
-                <a:latin typeface="Segoe UI" panose="020B0502040204020203" pitchFamily="34" charset="0"/>
-                <a:cs typeface="Segoe UI" panose="020B0502040204020203" pitchFamily="34" charset="0"/>
-              </a:rPr>
-              <a:t>continues </a:t>
-            </a:r>
-            <a:r>
-              <a:rPr lang="en-US" dirty="0">
-                <a:latin typeface="Segoe UI" panose="020B0502040204020203" pitchFamily="34" charset="0"/>
-                <a:cs typeface="Segoe UI" panose="020B0502040204020203" pitchFamily="34" charset="0"/>
-              </a:rPr>
-              <a:t>until there is one element left</a:t>
-            </a:r>
-          </a:p>
-        </p:txBody>
-      </p:sp>
-      <p:pic>
-        <p:nvPicPr>
-          <p:cNvPr id="5" name="Picture 4"/>
-          <p:cNvPicPr>
-            <a:picLocks noChangeAspect="1"/>
-          </p:cNvPicPr>
-          <p:nvPr/>
-        </p:nvPicPr>
-        <p:blipFill>
-          <a:blip r:embed="rId2"/>
-          <a:stretch>
-            <a:fillRect/>
-          </a:stretch>
-        </p:blipFill>
-        <p:spPr>
-          <a:xfrm>
-            <a:off x="7161425" y="2395867"/>
-            <a:ext cx="3619500" cy="2209800"/>
-          </a:xfrm>
-          <a:prstGeom prst="rect">
-            <a:avLst/>
-          </a:prstGeom>
-        </p:spPr>
-      </p:pic>
-      <p:sp>
-        <p:nvSpPr>
-          <p:cNvPr id="6" name="TextBox 5"/>
-          <p:cNvSpPr txBox="1"/>
-          <p:nvPr/>
-        </p:nvSpPr>
-        <p:spPr>
-          <a:xfrm>
-            <a:off x="7437748" y="4854804"/>
-            <a:ext cx="4355184" cy="707886"/>
-          </a:xfrm>
-          <a:prstGeom prst="rect">
-            <a:avLst/>
-          </a:prstGeom>
-          <a:noFill/>
-        </p:spPr>
-        <p:txBody>
-          <a:bodyPr wrap="square" rtlCol="0">
-            <a:spAutoFit/>
-          </a:bodyPr>
-          <a:lstStyle/>
-          <a:p>
-            <a:r>
-              <a:rPr lang="en-US" sz="1000" dirty="0" smtClean="0">
-                <a:latin typeface="Segoe UI" panose="020B0502040204020203" pitchFamily="34" charset="0"/>
-                <a:cs typeface="Segoe UI" panose="020B0502040204020203" pitchFamily="34" charset="0"/>
-              </a:rPr>
-              <a:t>10,15,7,30,25</a:t>
-            </a:r>
-          </a:p>
-          <a:p>
-            <a:r>
-              <a:rPr lang="en-US" sz="1000" dirty="0" smtClean="0">
-                <a:latin typeface="Segoe UI" panose="020B0502040204020203" pitchFamily="34" charset="0"/>
-                <a:cs typeface="Segoe UI" panose="020B0502040204020203" pitchFamily="34" charset="0"/>
-              </a:rPr>
-              <a:t>7,[10],15,30,25</a:t>
-            </a:r>
-          </a:p>
-          <a:p>
-            <a:r>
-              <a:rPr lang="en-US" sz="1000" dirty="0" smtClean="0">
-                <a:latin typeface="Segoe UI" panose="020B0502040204020203" pitchFamily="34" charset="0"/>
-                <a:cs typeface="Segoe UI" panose="020B0502040204020203" pitchFamily="34" charset="0"/>
-              </a:rPr>
-              <a:t>7,10,[15]30,25</a:t>
-            </a:r>
-          </a:p>
-          <a:p>
-            <a:r>
-              <a:rPr lang="en-US" sz="1000" dirty="0" smtClean="0">
-                <a:latin typeface="Segoe UI" panose="020B0502040204020203" pitchFamily="34" charset="0"/>
-                <a:cs typeface="Segoe UI" panose="020B0502040204020203" pitchFamily="34" charset="0"/>
-              </a:rPr>
-              <a:t>7,</a:t>
-            </a:r>
-            <a:endParaRPr lang="en-US" sz="1000" dirty="0">
-              <a:latin typeface="Segoe UI" panose="020B0502040204020203" pitchFamily="34" charset="0"/>
-              <a:cs typeface="Segoe UI" panose="020B0502040204020203" pitchFamily="34" charset="0"/>
-            </a:endParaRPr>
-          </a:p>
-        </p:txBody>
-      </p:sp>
-    </p:spTree>
-    <p:extLst>
-      <p:ext uri="{BB962C8B-B14F-4D97-AF65-F5344CB8AC3E}">
-        <p14:creationId xmlns:p14="http://schemas.microsoft.com/office/powerpoint/2010/main" val="2001591899"/>
-      </p:ext>
-    </p:extLst>
-  </p:cSld>
-  <p:clrMapOvr>
-    <a:masterClrMapping/>
-  </p:clrMapOvr>
-  <p:timing>
-    <p:tnLst>
-      <p:par>
-        <p:cTn id="1" dur="indefinite" restart="never" nodeType="tmRoot"/>
-      </p:par>
-    </p:tnLst>
-  </p:timing>
-</p:sld>
-</file>
-
-<file path=ppt/slides/slide11.xml><?xml version="1.0" encoding="utf-8"?>
 <p:sld xmlns:a="http://schemas.openxmlformats.org/drawingml/2006/main" xmlns:r="http://schemas.openxmlformats.org/officeDocument/2006/relationships" xmlns:p="http://schemas.openxmlformats.org/presentationml/2006/main">
   <p:cSld>
     <p:spTree>
@@ -12610,7 +12138,7 @@
                 <a:cs typeface="Segoe UI" panose="020B0502040204020203" pitchFamily="34" charset="0"/>
               </a:rPr>
               <a:pPr/>
-              <a:t>11</a:t>
+              <a:t>10</a:t>
             </a:fld>
             <a:endParaRPr>
               <a:latin typeface="Segoe UI" panose="020B0502040204020203" pitchFamily="34" charset="0"/>
@@ -13728,6 +13256,688 @@
     <p:extLst>
       <p:ext uri="{BB962C8B-B14F-4D97-AF65-F5344CB8AC3E}">
         <p14:creationId xmlns:p14="http://schemas.microsoft.com/office/powerpoint/2010/main" val="3699066920"/>
+      </p:ext>
+    </p:extLst>
+  </p:cSld>
+  <p:clrMapOvr>
+    <a:masterClrMapping/>
+  </p:clrMapOvr>
+  <p:timing>
+    <p:tnLst>
+      <p:par>
+        <p:cTn id="1" dur="indefinite" restart="never" nodeType="tmRoot"/>
+      </p:par>
+    </p:tnLst>
+  </p:timing>
+</p:sld>
+</file>
+
+<file path=ppt/slides/slide11.xml><?xml version="1.0" encoding="utf-8"?>
+<p:sld xmlns:a="http://schemas.openxmlformats.org/drawingml/2006/main" xmlns:r="http://schemas.openxmlformats.org/officeDocument/2006/relationships" xmlns:p="http://schemas.openxmlformats.org/presentationml/2006/main">
+  <p:cSld>
+    <p:spTree>
+      <p:nvGrpSpPr>
+        <p:cNvPr id="1" name=""/>
+        <p:cNvGrpSpPr/>
+        <p:nvPr/>
+      </p:nvGrpSpPr>
+      <p:grpSpPr>
+        <a:xfrm>
+          <a:off x="0" y="0"/>
+          <a:ext cx="0" cy="0"/>
+          <a:chOff x="0" y="0"/>
+          <a:chExt cx="0" cy="0"/>
+        </a:xfrm>
+      </p:grpSpPr>
+      <p:sp>
+        <p:nvSpPr>
+          <p:cNvPr id="2" name="Title 1"/>
+          <p:cNvSpPr>
+            <a:spLocks noGrp="1"/>
+          </p:cNvSpPr>
+          <p:nvPr>
+            <p:ph type="title"/>
+          </p:nvPr>
+        </p:nvSpPr>
+        <p:spPr/>
+        <p:txBody>
+          <a:bodyPr/>
+          <a:lstStyle/>
+          <a:p>
+            <a:r>
+              <a:rPr lang="en-US" b="1" dirty="0" smtClean="0">
+                <a:latin typeface="Segoe UI" panose="020B0502040204020203" pitchFamily="34" charset="0"/>
+                <a:cs typeface="Segoe UI" panose="020B0502040204020203" pitchFamily="34" charset="0"/>
+              </a:rPr>
+              <a:t>Data structures</a:t>
+            </a:r>
+            <a:endParaRPr lang="en-US" dirty="0">
+              <a:latin typeface="Segoe UI" panose="020B0502040204020203" pitchFamily="34" charset="0"/>
+              <a:cs typeface="Segoe UI" panose="020B0502040204020203" pitchFamily="34" charset="0"/>
+            </a:endParaRPr>
+          </a:p>
+        </p:txBody>
+      </p:sp>
+      <p:sp>
+        <p:nvSpPr>
+          <p:cNvPr id="3" name="Rectangle 2"/>
+          <p:cNvSpPr/>
+          <p:nvPr/>
+        </p:nvSpPr>
+        <p:spPr>
+          <a:xfrm>
+            <a:off x="838200" y="1947680"/>
+            <a:ext cx="6096000" cy="4524315"/>
+          </a:xfrm>
+          <a:prstGeom prst="rect">
+            <a:avLst/>
+          </a:prstGeom>
+        </p:spPr>
+        <p:txBody>
+          <a:bodyPr>
+            <a:spAutoFit/>
+          </a:bodyPr>
+          <a:lstStyle/>
+          <a:p>
+            <a:r>
+              <a:rPr lang="en-US" dirty="0">
+                <a:solidFill>
+                  <a:srgbClr val="202124"/>
+                </a:solidFill>
+                <a:latin typeface="Segoe UI" panose="020B0502040204020203" pitchFamily="34" charset="0"/>
+                <a:cs typeface="Segoe UI" panose="020B0502040204020203" pitchFamily="34" charset="0"/>
+              </a:rPr>
+              <a:t>In computer science, a </a:t>
+            </a:r>
+            <a:r>
+              <a:rPr lang="en-US" b="1" dirty="0">
+                <a:solidFill>
+                  <a:srgbClr val="202124"/>
+                </a:solidFill>
+                <a:latin typeface="Segoe UI" panose="020B0502040204020203" pitchFamily="34" charset="0"/>
+                <a:cs typeface="Segoe UI" panose="020B0502040204020203" pitchFamily="34" charset="0"/>
+              </a:rPr>
+              <a:t>data structure</a:t>
+            </a:r>
+            <a:r>
+              <a:rPr lang="en-US" dirty="0">
+                <a:solidFill>
+                  <a:srgbClr val="202124"/>
+                </a:solidFill>
+                <a:latin typeface="Segoe UI" panose="020B0502040204020203" pitchFamily="34" charset="0"/>
+                <a:cs typeface="Segoe UI" panose="020B0502040204020203" pitchFamily="34" charset="0"/>
+              </a:rPr>
+              <a:t> is a </a:t>
+            </a:r>
+            <a:r>
+              <a:rPr lang="en-US" b="1" dirty="0">
+                <a:solidFill>
+                  <a:srgbClr val="202124"/>
+                </a:solidFill>
+                <a:latin typeface="Segoe UI" panose="020B0502040204020203" pitchFamily="34" charset="0"/>
+                <a:cs typeface="Segoe UI" panose="020B0502040204020203" pitchFamily="34" charset="0"/>
+              </a:rPr>
+              <a:t>data</a:t>
+            </a:r>
+            <a:r>
+              <a:rPr lang="en-US" dirty="0">
+                <a:solidFill>
+                  <a:srgbClr val="202124"/>
+                </a:solidFill>
+                <a:latin typeface="Segoe UI" panose="020B0502040204020203" pitchFamily="34" charset="0"/>
+                <a:cs typeface="Segoe UI" panose="020B0502040204020203" pitchFamily="34" charset="0"/>
+              </a:rPr>
+              <a:t> organization, management, and storage format that enables efficient access and modification. More precisely, a </a:t>
+            </a:r>
+            <a:r>
+              <a:rPr lang="en-US" b="1" dirty="0">
+                <a:solidFill>
+                  <a:srgbClr val="202124"/>
+                </a:solidFill>
+                <a:latin typeface="Segoe UI" panose="020B0502040204020203" pitchFamily="34" charset="0"/>
+                <a:cs typeface="Segoe UI" panose="020B0502040204020203" pitchFamily="34" charset="0"/>
+              </a:rPr>
+              <a:t>data structure</a:t>
+            </a:r>
+            <a:r>
+              <a:rPr lang="en-US" dirty="0">
+                <a:solidFill>
+                  <a:srgbClr val="202124"/>
+                </a:solidFill>
+                <a:latin typeface="Segoe UI" panose="020B0502040204020203" pitchFamily="34" charset="0"/>
+                <a:cs typeface="Segoe UI" panose="020B0502040204020203" pitchFamily="34" charset="0"/>
+              </a:rPr>
+              <a:t> is a collection of </a:t>
+            </a:r>
+            <a:r>
+              <a:rPr lang="en-US" b="1" dirty="0">
+                <a:solidFill>
+                  <a:srgbClr val="202124"/>
+                </a:solidFill>
+                <a:latin typeface="Segoe UI" panose="020B0502040204020203" pitchFamily="34" charset="0"/>
+                <a:cs typeface="Segoe UI" panose="020B0502040204020203" pitchFamily="34" charset="0"/>
+              </a:rPr>
+              <a:t>data</a:t>
+            </a:r>
+            <a:r>
+              <a:rPr lang="en-US" dirty="0">
+                <a:solidFill>
+                  <a:srgbClr val="202124"/>
+                </a:solidFill>
+                <a:latin typeface="Segoe UI" panose="020B0502040204020203" pitchFamily="34" charset="0"/>
+                <a:cs typeface="Segoe UI" panose="020B0502040204020203" pitchFamily="34" charset="0"/>
+              </a:rPr>
+              <a:t> values, the relationships among them, and the functions or operations that can be applied to the </a:t>
+            </a:r>
+            <a:r>
+              <a:rPr lang="en-US" b="1" dirty="0">
+                <a:solidFill>
+                  <a:srgbClr val="202124"/>
+                </a:solidFill>
+                <a:latin typeface="Segoe UI" panose="020B0502040204020203" pitchFamily="34" charset="0"/>
+                <a:cs typeface="Segoe UI" panose="020B0502040204020203" pitchFamily="34" charset="0"/>
+              </a:rPr>
+              <a:t>data</a:t>
+            </a:r>
+            <a:r>
+              <a:rPr lang="en-US" dirty="0" smtClean="0">
+                <a:solidFill>
+                  <a:srgbClr val="202124"/>
+                </a:solidFill>
+                <a:latin typeface="Segoe UI" panose="020B0502040204020203" pitchFamily="34" charset="0"/>
+                <a:cs typeface="Segoe UI" panose="020B0502040204020203" pitchFamily="34" charset="0"/>
+              </a:rPr>
+              <a:t>.</a:t>
+            </a:r>
+          </a:p>
+          <a:p>
+            <a:endParaRPr lang="en-US" dirty="0">
+              <a:solidFill>
+                <a:srgbClr val="202124"/>
+              </a:solidFill>
+              <a:latin typeface="Segoe UI" panose="020B0502040204020203" pitchFamily="34" charset="0"/>
+              <a:cs typeface="Segoe UI" panose="020B0502040204020203" pitchFamily="34" charset="0"/>
+            </a:endParaRPr>
+          </a:p>
+          <a:p>
+            <a:r>
+              <a:rPr lang="en-US" dirty="0" smtClean="0">
+                <a:solidFill>
+                  <a:srgbClr val="202124"/>
+                </a:solidFill>
+                <a:latin typeface="Segoe UI" panose="020B0502040204020203" pitchFamily="34" charset="0"/>
+                <a:cs typeface="Segoe UI" panose="020B0502040204020203" pitchFamily="34" charset="0"/>
+              </a:rPr>
+              <a:t>Data structures in JavaScript</a:t>
+            </a:r>
+          </a:p>
+          <a:p>
+            <a:endParaRPr lang="en-US" dirty="0" smtClean="0">
+              <a:solidFill>
+                <a:srgbClr val="202124"/>
+              </a:solidFill>
+              <a:latin typeface="Segoe UI" panose="020B0502040204020203" pitchFamily="34" charset="0"/>
+              <a:cs typeface="Segoe UI" panose="020B0502040204020203" pitchFamily="34" charset="0"/>
+            </a:endParaRPr>
+          </a:p>
+          <a:p>
+            <a:r>
+              <a:rPr lang="en-US" dirty="0" smtClean="0">
+                <a:solidFill>
+                  <a:srgbClr val="202124"/>
+                </a:solidFill>
+                <a:latin typeface="Segoe UI" panose="020B0502040204020203" pitchFamily="34" charset="0"/>
+                <a:cs typeface="Segoe UI" panose="020B0502040204020203" pitchFamily="34" charset="0"/>
+              </a:rPr>
+              <a:t>Array</a:t>
+            </a:r>
+          </a:p>
+          <a:p>
+            <a:r>
+              <a:rPr lang="en-US" dirty="0" smtClean="0">
+                <a:solidFill>
+                  <a:srgbClr val="202124"/>
+                </a:solidFill>
+                <a:latin typeface="Segoe UI" panose="020B0502040204020203" pitchFamily="34" charset="0"/>
+                <a:cs typeface="Segoe UI" panose="020B0502040204020203" pitchFamily="34" charset="0"/>
+              </a:rPr>
+              <a:t>Object</a:t>
+            </a:r>
+          </a:p>
+          <a:p>
+            <a:r>
+              <a:rPr lang="en-US" dirty="0" smtClean="0">
+                <a:solidFill>
+                  <a:srgbClr val="202124"/>
+                </a:solidFill>
+                <a:latin typeface="Segoe UI" panose="020B0502040204020203" pitchFamily="34" charset="0"/>
+                <a:cs typeface="Segoe UI" panose="020B0502040204020203" pitchFamily="34" charset="0"/>
+              </a:rPr>
+              <a:t>Set(unique elements)</a:t>
+            </a:r>
+          </a:p>
+          <a:p>
+            <a:r>
+              <a:rPr lang="en-US" dirty="0" smtClean="0">
+                <a:solidFill>
+                  <a:srgbClr val="202124"/>
+                </a:solidFill>
+                <a:latin typeface="Segoe UI" panose="020B0502040204020203" pitchFamily="34" charset="0"/>
+                <a:cs typeface="Segoe UI" panose="020B0502040204020203" pitchFamily="34" charset="0"/>
+              </a:rPr>
+              <a:t>Map(analog of object | key-&gt; value | key can be everything)</a:t>
+            </a:r>
+          </a:p>
+          <a:p>
+            <a:r>
+              <a:rPr lang="en-US" dirty="0" err="1" smtClean="0">
+                <a:latin typeface="Segoe UI" panose="020B0502040204020203" pitchFamily="34" charset="0"/>
+                <a:cs typeface="Segoe UI" panose="020B0502040204020203" pitchFamily="34" charset="0"/>
+              </a:rPr>
+              <a:t>WeakMap</a:t>
+            </a:r>
+            <a:endParaRPr lang="en-US" dirty="0" smtClean="0">
+              <a:latin typeface="Segoe UI" panose="020B0502040204020203" pitchFamily="34" charset="0"/>
+              <a:cs typeface="Segoe UI" panose="020B0502040204020203" pitchFamily="34" charset="0"/>
+            </a:endParaRPr>
+          </a:p>
+          <a:p>
+            <a:r>
+              <a:rPr lang="en-US" dirty="0" err="1" smtClean="0">
+                <a:latin typeface="Segoe UI" panose="020B0502040204020203" pitchFamily="34" charset="0"/>
+                <a:cs typeface="Segoe UI" panose="020B0502040204020203" pitchFamily="34" charset="0"/>
+              </a:rPr>
+              <a:t>WeakSet</a:t>
+            </a:r>
+            <a:endParaRPr lang="en-US" dirty="0">
+              <a:latin typeface="Segoe UI" panose="020B0502040204020203" pitchFamily="34" charset="0"/>
+              <a:cs typeface="Segoe UI" panose="020B0502040204020203" pitchFamily="34" charset="0"/>
+            </a:endParaRPr>
+          </a:p>
+        </p:txBody>
+      </p:sp>
+      <p:sp>
+        <p:nvSpPr>
+          <p:cNvPr id="4" name="Rectangle 3"/>
+          <p:cNvSpPr/>
+          <p:nvPr/>
+        </p:nvSpPr>
+        <p:spPr>
+          <a:xfrm>
+            <a:off x="7416800" y="767358"/>
+            <a:ext cx="3657600" cy="923330"/>
+          </a:xfrm>
+          <a:prstGeom prst="rect">
+            <a:avLst/>
+          </a:prstGeom>
+        </p:spPr>
+        <p:txBody>
+          <a:bodyPr wrap="square">
+            <a:spAutoFit/>
+          </a:bodyPr>
+          <a:lstStyle/>
+          <a:p>
+            <a:r>
+              <a:rPr lang="en-US" dirty="0">
+                <a:latin typeface="Segoe UI" panose="020B0502040204020203" pitchFamily="34" charset="0"/>
+                <a:cs typeface="Segoe UI" panose="020B0502040204020203" pitchFamily="34" charset="0"/>
+              </a:rPr>
+              <a:t>the essence of creating custom data structures optimization of certain parts of the code</a:t>
+            </a:r>
+          </a:p>
+        </p:txBody>
+      </p:sp>
+      <p:sp>
+        <p:nvSpPr>
+          <p:cNvPr id="5" name="Rectangle 4"/>
+          <p:cNvSpPr/>
+          <p:nvPr/>
+        </p:nvSpPr>
+        <p:spPr>
+          <a:xfrm>
+            <a:off x="7416800" y="1690688"/>
+            <a:ext cx="4664523" cy="646331"/>
+          </a:xfrm>
+          <a:prstGeom prst="rect">
+            <a:avLst/>
+          </a:prstGeom>
+        </p:spPr>
+        <p:txBody>
+          <a:bodyPr wrap="square">
+            <a:spAutoFit/>
+          </a:bodyPr>
+          <a:lstStyle/>
+          <a:p>
+            <a:r>
+              <a:rPr lang="en-US" dirty="0" err="1" smtClean="0">
+                <a:latin typeface="Segoe UI" panose="020B0502040204020203" pitchFamily="34" charset="0"/>
+                <a:cs typeface="Segoe UI" panose="020B0502040204020203" pitchFamily="34" charset="0"/>
+              </a:rPr>
+              <a:t>React’s</a:t>
+            </a:r>
+            <a:r>
+              <a:rPr lang="en-US" dirty="0" smtClean="0">
+                <a:latin typeface="Segoe UI" panose="020B0502040204020203" pitchFamily="34" charset="0"/>
+                <a:cs typeface="Segoe UI" panose="020B0502040204020203" pitchFamily="34" charset="0"/>
+              </a:rPr>
+              <a:t> virtual </a:t>
+            </a:r>
+            <a:r>
+              <a:rPr lang="en-US" dirty="0" err="1" smtClean="0">
+                <a:latin typeface="Segoe UI" panose="020B0502040204020203" pitchFamily="34" charset="0"/>
+                <a:cs typeface="Segoe UI" panose="020B0502040204020203" pitchFamily="34" charset="0"/>
+              </a:rPr>
+              <a:t>dom</a:t>
+            </a:r>
+            <a:r>
+              <a:rPr lang="en-US" dirty="0" smtClean="0">
+                <a:latin typeface="Segoe UI" panose="020B0502040204020203" pitchFamily="34" charset="0"/>
+                <a:cs typeface="Segoe UI" panose="020B0502040204020203" pitchFamily="34" charset="0"/>
+              </a:rPr>
+              <a:t> is </a:t>
+            </a:r>
+            <a:r>
+              <a:rPr lang="en-US" dirty="0" err="1" smtClean="0">
+                <a:latin typeface="Segoe UI" panose="020B0502040204020203" pitchFamily="34" charset="0"/>
+                <a:cs typeface="Segoe UI" panose="020B0502040204020203" pitchFamily="34" charset="0"/>
+              </a:rPr>
+              <a:t>custome</a:t>
+            </a:r>
+            <a:r>
+              <a:rPr lang="en-US" dirty="0" smtClean="0">
+                <a:latin typeface="Segoe UI" panose="020B0502040204020203" pitchFamily="34" charset="0"/>
+                <a:cs typeface="Segoe UI" panose="020B0502040204020203" pitchFamily="34" charset="0"/>
+              </a:rPr>
+              <a:t> data </a:t>
+            </a:r>
+            <a:r>
+              <a:rPr lang="en-US" dirty="0" err="1" smtClean="0">
+                <a:latin typeface="Segoe UI" panose="020B0502040204020203" pitchFamily="34" charset="0"/>
+                <a:cs typeface="Segoe UI" panose="020B0502040204020203" pitchFamily="34" charset="0"/>
+              </a:rPr>
+              <a:t>sctucture</a:t>
+            </a:r>
+            <a:endParaRPr lang="en-US" dirty="0">
+              <a:latin typeface="Segoe UI" panose="020B0502040204020203" pitchFamily="34" charset="0"/>
+              <a:cs typeface="Segoe UI" panose="020B0502040204020203" pitchFamily="34" charset="0"/>
+            </a:endParaRPr>
+          </a:p>
+        </p:txBody>
+      </p:sp>
+      <p:sp>
+        <p:nvSpPr>
+          <p:cNvPr id="6" name="TextBox 5"/>
+          <p:cNvSpPr txBox="1"/>
+          <p:nvPr/>
+        </p:nvSpPr>
+        <p:spPr>
+          <a:xfrm>
+            <a:off x="7416800" y="2328421"/>
+            <a:ext cx="4479827" cy="4185761"/>
+          </a:xfrm>
+          <a:prstGeom prst="rect">
+            <a:avLst/>
+          </a:prstGeom>
+          <a:noFill/>
+        </p:spPr>
+        <p:txBody>
+          <a:bodyPr wrap="square" rtlCol="0">
+            <a:spAutoFit/>
+          </a:bodyPr>
+          <a:lstStyle/>
+          <a:p>
+            <a:r>
+              <a:rPr lang="en-US" sz="1400" dirty="0" smtClean="0">
+                <a:latin typeface="Segoe UI" panose="020B0502040204020203" pitchFamily="34" charset="0"/>
+                <a:cs typeface="Segoe UI" panose="020B0502040204020203" pitchFamily="34" charset="0"/>
+              </a:rPr>
+              <a:t>Data structures in PHP</a:t>
+            </a:r>
+          </a:p>
+          <a:p>
+            <a:endParaRPr lang="en-US" sz="1400" dirty="0" smtClean="0">
+              <a:latin typeface="Segoe UI" panose="020B0502040204020203" pitchFamily="34" charset="0"/>
+              <a:cs typeface="Segoe UI" panose="020B0502040204020203" pitchFamily="34" charset="0"/>
+            </a:endParaRPr>
+          </a:p>
+          <a:p>
+            <a:r>
+              <a:rPr lang="en-US" sz="1400" dirty="0" smtClean="0">
+                <a:latin typeface="Segoe UI" panose="020B0502040204020203" pitchFamily="34" charset="0"/>
+                <a:cs typeface="Segoe UI" panose="020B0502040204020203" pitchFamily="34" charset="0"/>
+              </a:rPr>
+              <a:t>Array)))</a:t>
+            </a:r>
+          </a:p>
+          <a:p>
+            <a:endParaRPr lang="en-US" sz="1400" dirty="0">
+              <a:latin typeface="Segoe UI" panose="020B0502040204020203" pitchFamily="34" charset="0"/>
+              <a:cs typeface="Segoe UI" panose="020B0502040204020203" pitchFamily="34" charset="0"/>
+            </a:endParaRPr>
+          </a:p>
+          <a:p>
+            <a:r>
+              <a:rPr lang="en-US" sz="1400" dirty="0" smtClean="0">
+                <a:latin typeface="Segoe UI" panose="020B0502040204020203" pitchFamily="34" charset="0"/>
+                <a:cs typeface="Segoe UI" panose="020B0502040204020203" pitchFamily="34" charset="0"/>
+              </a:rPr>
+              <a:t>But in php7, using Ds\ namespace we can use</a:t>
+            </a:r>
+          </a:p>
+          <a:p>
+            <a:r>
+              <a:rPr lang="en-US" sz="1400" dirty="0">
+                <a:latin typeface="Segoe UI" panose="020B0502040204020203" pitchFamily="34" charset="0"/>
+                <a:cs typeface="Segoe UI" panose="020B0502040204020203" pitchFamily="34" charset="0"/>
+              </a:rPr>
+              <a:t>3 interfaces </a:t>
+            </a:r>
+            <a:r>
+              <a:rPr lang="en-US" sz="1400" dirty="0" smtClean="0">
+                <a:latin typeface="Segoe UI" panose="020B0502040204020203" pitchFamily="34" charset="0"/>
+                <a:cs typeface="Segoe UI" panose="020B0502040204020203" pitchFamily="34" charset="0"/>
+              </a:rPr>
+              <a:t>namely</a:t>
+            </a:r>
+          </a:p>
+          <a:p>
+            <a:pPr marL="285750" indent="-285750">
+              <a:buFont typeface="Arial" panose="020B0604020202020204" pitchFamily="34" charset="0"/>
+              <a:buChar char="•"/>
+            </a:pPr>
+            <a:r>
+              <a:rPr lang="en-US" sz="1400" dirty="0" smtClean="0">
+                <a:latin typeface="Segoe UI" panose="020B0502040204020203" pitchFamily="34" charset="0"/>
+                <a:cs typeface="Segoe UI" panose="020B0502040204020203" pitchFamily="34" charset="0"/>
+              </a:rPr>
+              <a:t>Collection</a:t>
+            </a:r>
+          </a:p>
+          <a:p>
+            <a:pPr marL="285750" indent="-285750">
+              <a:buFont typeface="Arial" panose="020B0604020202020204" pitchFamily="34" charset="0"/>
+              <a:buChar char="•"/>
+            </a:pPr>
+            <a:r>
+              <a:rPr lang="en-US" sz="1400" dirty="0" smtClean="0">
+                <a:latin typeface="Segoe UI" panose="020B0502040204020203" pitchFamily="34" charset="0"/>
+                <a:cs typeface="Segoe UI" panose="020B0502040204020203" pitchFamily="34" charset="0"/>
+              </a:rPr>
+              <a:t>Sequence</a:t>
+            </a:r>
+          </a:p>
+          <a:p>
+            <a:pPr marL="285750" indent="-285750">
+              <a:buFont typeface="Arial" panose="020B0604020202020204" pitchFamily="34" charset="0"/>
+              <a:buChar char="•"/>
+            </a:pPr>
+            <a:r>
+              <a:rPr lang="en-US" sz="1400" dirty="0" err="1" smtClean="0">
+                <a:latin typeface="Segoe UI" panose="020B0502040204020203" pitchFamily="34" charset="0"/>
+                <a:cs typeface="Segoe UI" panose="020B0502040204020203" pitchFamily="34" charset="0"/>
+              </a:rPr>
+              <a:t>Hashable</a:t>
+            </a:r>
+            <a:endParaRPr lang="en-US" sz="1400" dirty="0" smtClean="0">
+              <a:latin typeface="Segoe UI" panose="020B0502040204020203" pitchFamily="34" charset="0"/>
+              <a:cs typeface="Segoe UI" panose="020B0502040204020203" pitchFamily="34" charset="0"/>
+            </a:endParaRPr>
+          </a:p>
+          <a:p>
+            <a:pPr marL="285750" indent="-285750">
+              <a:buFont typeface="Arial" panose="020B0604020202020204" pitchFamily="34" charset="0"/>
+              <a:buChar char="•"/>
+            </a:pPr>
+            <a:endParaRPr lang="en-US" sz="1400" dirty="0">
+              <a:latin typeface="Segoe UI" panose="020B0502040204020203" pitchFamily="34" charset="0"/>
+              <a:cs typeface="Segoe UI" panose="020B0502040204020203" pitchFamily="34" charset="0"/>
+            </a:endParaRPr>
+          </a:p>
+          <a:p>
+            <a:r>
+              <a:rPr lang="en-US" sz="1400" dirty="0" smtClean="0">
+                <a:latin typeface="Segoe UI" panose="020B0502040204020203" pitchFamily="34" charset="0"/>
+                <a:cs typeface="Segoe UI" panose="020B0502040204020203" pitchFamily="34" charset="0"/>
+              </a:rPr>
+              <a:t>And 8 </a:t>
+            </a:r>
+            <a:r>
+              <a:rPr lang="en-US" sz="1400" dirty="0">
+                <a:latin typeface="Segoe UI" panose="020B0502040204020203" pitchFamily="34" charset="0"/>
+                <a:cs typeface="Segoe UI" panose="020B0502040204020203" pitchFamily="34" charset="0"/>
+              </a:rPr>
+              <a:t>classes </a:t>
+            </a:r>
+            <a:r>
+              <a:rPr lang="en-US" sz="1400" dirty="0" smtClean="0">
+                <a:latin typeface="Segoe UI" panose="020B0502040204020203" pitchFamily="34" charset="0"/>
+                <a:cs typeface="Segoe UI" panose="020B0502040204020203" pitchFamily="34" charset="0"/>
+              </a:rPr>
+              <a:t>namely</a:t>
+            </a:r>
+          </a:p>
+          <a:p>
+            <a:pPr marL="285750" indent="-285750">
+              <a:buFont typeface="Arial" panose="020B0604020202020204" pitchFamily="34" charset="0"/>
+              <a:buChar char="•"/>
+            </a:pPr>
+            <a:r>
+              <a:rPr lang="en-US" sz="1400" dirty="0" smtClean="0">
+                <a:latin typeface="Segoe UI" panose="020B0502040204020203" pitchFamily="34" charset="0"/>
+                <a:cs typeface="Segoe UI" panose="020B0502040204020203" pitchFamily="34" charset="0"/>
+              </a:rPr>
+              <a:t>Vector</a:t>
+            </a:r>
+          </a:p>
+          <a:p>
+            <a:pPr marL="285750" indent="-285750">
+              <a:buFont typeface="Arial" panose="020B0604020202020204" pitchFamily="34" charset="0"/>
+              <a:buChar char="•"/>
+            </a:pPr>
+            <a:r>
+              <a:rPr lang="en-US" sz="1400" dirty="0" err="1" smtClean="0">
+                <a:latin typeface="Segoe UI" panose="020B0502040204020203" pitchFamily="34" charset="0"/>
+                <a:cs typeface="Segoe UI" panose="020B0502040204020203" pitchFamily="34" charset="0"/>
+              </a:rPr>
+              <a:t>Deque</a:t>
+            </a:r>
+            <a:endParaRPr lang="en-US" sz="1400" dirty="0" smtClean="0">
+              <a:latin typeface="Segoe UI" panose="020B0502040204020203" pitchFamily="34" charset="0"/>
+              <a:cs typeface="Segoe UI" panose="020B0502040204020203" pitchFamily="34" charset="0"/>
+            </a:endParaRPr>
+          </a:p>
+          <a:p>
+            <a:pPr marL="285750" indent="-285750">
+              <a:buFont typeface="Arial" panose="020B0604020202020204" pitchFamily="34" charset="0"/>
+              <a:buChar char="•"/>
+            </a:pPr>
+            <a:r>
+              <a:rPr lang="en-US" sz="1400" dirty="0" smtClean="0">
+                <a:latin typeface="Segoe UI" panose="020B0502040204020203" pitchFamily="34" charset="0"/>
+                <a:cs typeface="Segoe UI" panose="020B0502040204020203" pitchFamily="34" charset="0"/>
+              </a:rPr>
+              <a:t>Queue</a:t>
+            </a:r>
+          </a:p>
+          <a:p>
+            <a:pPr marL="285750" indent="-285750">
+              <a:buFont typeface="Arial" panose="020B0604020202020204" pitchFamily="34" charset="0"/>
+              <a:buChar char="•"/>
+            </a:pPr>
+            <a:r>
+              <a:rPr lang="en-US" sz="1400" dirty="0" err="1" smtClean="0">
+                <a:latin typeface="Segoe UI" panose="020B0502040204020203" pitchFamily="34" charset="0"/>
+                <a:cs typeface="Segoe UI" panose="020B0502040204020203" pitchFamily="34" charset="0"/>
+              </a:rPr>
+              <a:t>PriorityQueue</a:t>
+            </a:r>
+            <a:endParaRPr lang="en-US" sz="1400" dirty="0" smtClean="0">
+              <a:latin typeface="Segoe UI" panose="020B0502040204020203" pitchFamily="34" charset="0"/>
+              <a:cs typeface="Segoe UI" panose="020B0502040204020203" pitchFamily="34" charset="0"/>
+            </a:endParaRPr>
+          </a:p>
+          <a:p>
+            <a:pPr marL="285750" indent="-285750">
+              <a:buFont typeface="Arial" panose="020B0604020202020204" pitchFamily="34" charset="0"/>
+              <a:buChar char="•"/>
+            </a:pPr>
+            <a:r>
+              <a:rPr lang="en-US" sz="1400" dirty="0" smtClean="0">
+                <a:latin typeface="Segoe UI" panose="020B0502040204020203" pitchFamily="34" charset="0"/>
+                <a:cs typeface="Segoe UI" panose="020B0502040204020203" pitchFamily="34" charset="0"/>
+              </a:rPr>
+              <a:t>Map</a:t>
+            </a:r>
+          </a:p>
+          <a:p>
+            <a:pPr marL="285750" indent="-285750">
+              <a:buFont typeface="Arial" panose="020B0604020202020204" pitchFamily="34" charset="0"/>
+              <a:buChar char="•"/>
+            </a:pPr>
+            <a:r>
+              <a:rPr lang="en-US" sz="1400" dirty="0" smtClean="0">
+                <a:latin typeface="Segoe UI" panose="020B0502040204020203" pitchFamily="34" charset="0"/>
+                <a:cs typeface="Segoe UI" panose="020B0502040204020203" pitchFamily="34" charset="0"/>
+              </a:rPr>
+              <a:t>Set</a:t>
+            </a:r>
+          </a:p>
+          <a:p>
+            <a:pPr marL="285750" indent="-285750">
+              <a:buFont typeface="Arial" panose="020B0604020202020204" pitchFamily="34" charset="0"/>
+              <a:buChar char="•"/>
+            </a:pPr>
+            <a:r>
+              <a:rPr lang="en-US" sz="1400" dirty="0" smtClean="0">
+                <a:latin typeface="Segoe UI" panose="020B0502040204020203" pitchFamily="34" charset="0"/>
+                <a:cs typeface="Segoe UI" panose="020B0502040204020203" pitchFamily="34" charset="0"/>
+              </a:rPr>
+              <a:t>Stack</a:t>
+            </a:r>
+          </a:p>
+          <a:p>
+            <a:pPr marL="285750" indent="-285750">
+              <a:buFont typeface="Arial" panose="020B0604020202020204" pitchFamily="34" charset="0"/>
+              <a:buChar char="•"/>
+            </a:pPr>
+            <a:r>
+              <a:rPr lang="en-US" sz="1400" dirty="0" smtClean="0">
+                <a:latin typeface="Segoe UI" panose="020B0502040204020203" pitchFamily="34" charset="0"/>
+                <a:cs typeface="Segoe UI" panose="020B0502040204020203" pitchFamily="34" charset="0"/>
+              </a:rPr>
+              <a:t>Pair</a:t>
+            </a:r>
+            <a:endParaRPr lang="en-US" sz="1400" dirty="0">
+              <a:latin typeface="Segoe UI" panose="020B0502040204020203" pitchFamily="34" charset="0"/>
+              <a:cs typeface="Segoe UI" panose="020B0502040204020203" pitchFamily="34" charset="0"/>
+            </a:endParaRPr>
+          </a:p>
+        </p:txBody>
+      </p:sp>
+    </p:spTree>
+    <p:extLst>
+      <p:ext uri="{BB962C8B-B14F-4D97-AF65-F5344CB8AC3E}">
+        <p14:creationId xmlns:p14="http://schemas.microsoft.com/office/powerpoint/2010/main" val="547747031"/>
       </p:ext>
     </p:extLst>
   </p:cSld>
@@ -13777,688 +13987,6 @@
           <a:lstStyle/>
           <a:p>
             <a:r>
-              <a:rPr lang="en-US" b="1" dirty="0" smtClean="0">
-                <a:latin typeface="Segoe UI" panose="020B0502040204020203" pitchFamily="34" charset="0"/>
-                <a:cs typeface="Segoe UI" panose="020B0502040204020203" pitchFamily="34" charset="0"/>
-              </a:rPr>
-              <a:t>Data structures</a:t>
-            </a:r>
-            <a:endParaRPr lang="en-US" dirty="0">
-              <a:latin typeface="Segoe UI" panose="020B0502040204020203" pitchFamily="34" charset="0"/>
-              <a:cs typeface="Segoe UI" panose="020B0502040204020203" pitchFamily="34" charset="0"/>
-            </a:endParaRPr>
-          </a:p>
-        </p:txBody>
-      </p:sp>
-      <p:sp>
-        <p:nvSpPr>
-          <p:cNvPr id="3" name="Rectangle 2"/>
-          <p:cNvSpPr/>
-          <p:nvPr/>
-        </p:nvSpPr>
-        <p:spPr>
-          <a:xfrm>
-            <a:off x="838200" y="1947680"/>
-            <a:ext cx="6096000" cy="4524315"/>
-          </a:xfrm>
-          <a:prstGeom prst="rect">
-            <a:avLst/>
-          </a:prstGeom>
-        </p:spPr>
-        <p:txBody>
-          <a:bodyPr>
-            <a:spAutoFit/>
-          </a:bodyPr>
-          <a:lstStyle/>
-          <a:p>
-            <a:r>
-              <a:rPr lang="en-US" dirty="0">
-                <a:solidFill>
-                  <a:srgbClr val="202124"/>
-                </a:solidFill>
-                <a:latin typeface="Segoe UI" panose="020B0502040204020203" pitchFamily="34" charset="0"/>
-                <a:cs typeface="Segoe UI" panose="020B0502040204020203" pitchFamily="34" charset="0"/>
-              </a:rPr>
-              <a:t>In computer science, a </a:t>
-            </a:r>
-            <a:r>
-              <a:rPr lang="en-US" b="1" dirty="0">
-                <a:solidFill>
-                  <a:srgbClr val="202124"/>
-                </a:solidFill>
-                <a:latin typeface="Segoe UI" panose="020B0502040204020203" pitchFamily="34" charset="0"/>
-                <a:cs typeface="Segoe UI" panose="020B0502040204020203" pitchFamily="34" charset="0"/>
-              </a:rPr>
-              <a:t>data structure</a:t>
-            </a:r>
-            <a:r>
-              <a:rPr lang="en-US" dirty="0">
-                <a:solidFill>
-                  <a:srgbClr val="202124"/>
-                </a:solidFill>
-                <a:latin typeface="Segoe UI" panose="020B0502040204020203" pitchFamily="34" charset="0"/>
-                <a:cs typeface="Segoe UI" panose="020B0502040204020203" pitchFamily="34" charset="0"/>
-              </a:rPr>
-              <a:t> is a </a:t>
-            </a:r>
-            <a:r>
-              <a:rPr lang="en-US" b="1" dirty="0">
-                <a:solidFill>
-                  <a:srgbClr val="202124"/>
-                </a:solidFill>
-                <a:latin typeface="Segoe UI" panose="020B0502040204020203" pitchFamily="34" charset="0"/>
-                <a:cs typeface="Segoe UI" panose="020B0502040204020203" pitchFamily="34" charset="0"/>
-              </a:rPr>
-              <a:t>data</a:t>
-            </a:r>
-            <a:r>
-              <a:rPr lang="en-US" dirty="0">
-                <a:solidFill>
-                  <a:srgbClr val="202124"/>
-                </a:solidFill>
-                <a:latin typeface="Segoe UI" panose="020B0502040204020203" pitchFamily="34" charset="0"/>
-                <a:cs typeface="Segoe UI" panose="020B0502040204020203" pitchFamily="34" charset="0"/>
-              </a:rPr>
-              <a:t> organization, management, and storage format that enables efficient access and modification. More precisely, a </a:t>
-            </a:r>
-            <a:r>
-              <a:rPr lang="en-US" b="1" dirty="0">
-                <a:solidFill>
-                  <a:srgbClr val="202124"/>
-                </a:solidFill>
-                <a:latin typeface="Segoe UI" panose="020B0502040204020203" pitchFamily="34" charset="0"/>
-                <a:cs typeface="Segoe UI" panose="020B0502040204020203" pitchFamily="34" charset="0"/>
-              </a:rPr>
-              <a:t>data structure</a:t>
-            </a:r>
-            <a:r>
-              <a:rPr lang="en-US" dirty="0">
-                <a:solidFill>
-                  <a:srgbClr val="202124"/>
-                </a:solidFill>
-                <a:latin typeface="Segoe UI" panose="020B0502040204020203" pitchFamily="34" charset="0"/>
-                <a:cs typeface="Segoe UI" panose="020B0502040204020203" pitchFamily="34" charset="0"/>
-              </a:rPr>
-              <a:t> is a collection of </a:t>
-            </a:r>
-            <a:r>
-              <a:rPr lang="en-US" b="1" dirty="0">
-                <a:solidFill>
-                  <a:srgbClr val="202124"/>
-                </a:solidFill>
-                <a:latin typeface="Segoe UI" panose="020B0502040204020203" pitchFamily="34" charset="0"/>
-                <a:cs typeface="Segoe UI" panose="020B0502040204020203" pitchFamily="34" charset="0"/>
-              </a:rPr>
-              <a:t>data</a:t>
-            </a:r>
-            <a:r>
-              <a:rPr lang="en-US" dirty="0">
-                <a:solidFill>
-                  <a:srgbClr val="202124"/>
-                </a:solidFill>
-                <a:latin typeface="Segoe UI" panose="020B0502040204020203" pitchFamily="34" charset="0"/>
-                <a:cs typeface="Segoe UI" panose="020B0502040204020203" pitchFamily="34" charset="0"/>
-              </a:rPr>
-              <a:t> values, the relationships among them, and the functions or operations that can be applied to the </a:t>
-            </a:r>
-            <a:r>
-              <a:rPr lang="en-US" b="1" dirty="0">
-                <a:solidFill>
-                  <a:srgbClr val="202124"/>
-                </a:solidFill>
-                <a:latin typeface="Segoe UI" panose="020B0502040204020203" pitchFamily="34" charset="0"/>
-                <a:cs typeface="Segoe UI" panose="020B0502040204020203" pitchFamily="34" charset="0"/>
-              </a:rPr>
-              <a:t>data</a:t>
-            </a:r>
-            <a:r>
-              <a:rPr lang="en-US" dirty="0" smtClean="0">
-                <a:solidFill>
-                  <a:srgbClr val="202124"/>
-                </a:solidFill>
-                <a:latin typeface="Segoe UI" panose="020B0502040204020203" pitchFamily="34" charset="0"/>
-                <a:cs typeface="Segoe UI" panose="020B0502040204020203" pitchFamily="34" charset="0"/>
-              </a:rPr>
-              <a:t>.</a:t>
-            </a:r>
-          </a:p>
-          <a:p>
-            <a:endParaRPr lang="en-US" dirty="0">
-              <a:solidFill>
-                <a:srgbClr val="202124"/>
-              </a:solidFill>
-              <a:latin typeface="Segoe UI" panose="020B0502040204020203" pitchFamily="34" charset="0"/>
-              <a:cs typeface="Segoe UI" panose="020B0502040204020203" pitchFamily="34" charset="0"/>
-            </a:endParaRPr>
-          </a:p>
-          <a:p>
-            <a:r>
-              <a:rPr lang="en-US" dirty="0" smtClean="0">
-                <a:solidFill>
-                  <a:srgbClr val="202124"/>
-                </a:solidFill>
-                <a:latin typeface="Segoe UI" panose="020B0502040204020203" pitchFamily="34" charset="0"/>
-                <a:cs typeface="Segoe UI" panose="020B0502040204020203" pitchFamily="34" charset="0"/>
-              </a:rPr>
-              <a:t>Data structures in JavaScript</a:t>
-            </a:r>
-          </a:p>
-          <a:p>
-            <a:endParaRPr lang="en-US" dirty="0" smtClean="0">
-              <a:solidFill>
-                <a:srgbClr val="202124"/>
-              </a:solidFill>
-              <a:latin typeface="Segoe UI" panose="020B0502040204020203" pitchFamily="34" charset="0"/>
-              <a:cs typeface="Segoe UI" panose="020B0502040204020203" pitchFamily="34" charset="0"/>
-            </a:endParaRPr>
-          </a:p>
-          <a:p>
-            <a:r>
-              <a:rPr lang="en-US" dirty="0" smtClean="0">
-                <a:solidFill>
-                  <a:srgbClr val="202124"/>
-                </a:solidFill>
-                <a:latin typeface="Segoe UI" panose="020B0502040204020203" pitchFamily="34" charset="0"/>
-                <a:cs typeface="Segoe UI" panose="020B0502040204020203" pitchFamily="34" charset="0"/>
-              </a:rPr>
-              <a:t>Array</a:t>
-            </a:r>
-          </a:p>
-          <a:p>
-            <a:r>
-              <a:rPr lang="en-US" dirty="0" smtClean="0">
-                <a:solidFill>
-                  <a:srgbClr val="202124"/>
-                </a:solidFill>
-                <a:latin typeface="Segoe UI" panose="020B0502040204020203" pitchFamily="34" charset="0"/>
-                <a:cs typeface="Segoe UI" panose="020B0502040204020203" pitchFamily="34" charset="0"/>
-              </a:rPr>
-              <a:t>Object</a:t>
-            </a:r>
-          </a:p>
-          <a:p>
-            <a:r>
-              <a:rPr lang="en-US" dirty="0" smtClean="0">
-                <a:solidFill>
-                  <a:srgbClr val="202124"/>
-                </a:solidFill>
-                <a:latin typeface="Segoe UI" panose="020B0502040204020203" pitchFamily="34" charset="0"/>
-                <a:cs typeface="Segoe UI" panose="020B0502040204020203" pitchFamily="34" charset="0"/>
-              </a:rPr>
-              <a:t>Set(unique elements)</a:t>
-            </a:r>
-          </a:p>
-          <a:p>
-            <a:r>
-              <a:rPr lang="en-US" dirty="0" smtClean="0">
-                <a:solidFill>
-                  <a:srgbClr val="202124"/>
-                </a:solidFill>
-                <a:latin typeface="Segoe UI" panose="020B0502040204020203" pitchFamily="34" charset="0"/>
-                <a:cs typeface="Segoe UI" panose="020B0502040204020203" pitchFamily="34" charset="0"/>
-              </a:rPr>
-              <a:t>Map(analog of object | key-&gt; value | key can be everything)</a:t>
-            </a:r>
-          </a:p>
-          <a:p>
-            <a:r>
-              <a:rPr lang="en-US" dirty="0" err="1" smtClean="0">
-                <a:latin typeface="Segoe UI" panose="020B0502040204020203" pitchFamily="34" charset="0"/>
-                <a:cs typeface="Segoe UI" panose="020B0502040204020203" pitchFamily="34" charset="0"/>
-              </a:rPr>
-              <a:t>WeakMap</a:t>
-            </a:r>
-            <a:endParaRPr lang="en-US" dirty="0" smtClean="0">
-              <a:latin typeface="Segoe UI" panose="020B0502040204020203" pitchFamily="34" charset="0"/>
-              <a:cs typeface="Segoe UI" panose="020B0502040204020203" pitchFamily="34" charset="0"/>
-            </a:endParaRPr>
-          </a:p>
-          <a:p>
-            <a:r>
-              <a:rPr lang="en-US" dirty="0" err="1" smtClean="0">
-                <a:latin typeface="Segoe UI" panose="020B0502040204020203" pitchFamily="34" charset="0"/>
-                <a:cs typeface="Segoe UI" panose="020B0502040204020203" pitchFamily="34" charset="0"/>
-              </a:rPr>
-              <a:t>WeakSet</a:t>
-            </a:r>
-            <a:endParaRPr lang="en-US" dirty="0">
-              <a:latin typeface="Segoe UI" panose="020B0502040204020203" pitchFamily="34" charset="0"/>
-              <a:cs typeface="Segoe UI" panose="020B0502040204020203" pitchFamily="34" charset="0"/>
-            </a:endParaRPr>
-          </a:p>
-        </p:txBody>
-      </p:sp>
-      <p:sp>
-        <p:nvSpPr>
-          <p:cNvPr id="4" name="Rectangle 3"/>
-          <p:cNvSpPr/>
-          <p:nvPr/>
-        </p:nvSpPr>
-        <p:spPr>
-          <a:xfrm>
-            <a:off x="7416800" y="767358"/>
-            <a:ext cx="3657600" cy="923330"/>
-          </a:xfrm>
-          <a:prstGeom prst="rect">
-            <a:avLst/>
-          </a:prstGeom>
-        </p:spPr>
-        <p:txBody>
-          <a:bodyPr wrap="square">
-            <a:spAutoFit/>
-          </a:bodyPr>
-          <a:lstStyle/>
-          <a:p>
-            <a:r>
-              <a:rPr lang="en-US" dirty="0">
-                <a:latin typeface="Segoe UI" panose="020B0502040204020203" pitchFamily="34" charset="0"/>
-                <a:cs typeface="Segoe UI" panose="020B0502040204020203" pitchFamily="34" charset="0"/>
-              </a:rPr>
-              <a:t>the essence of creating custom data structures optimization of certain parts of the code</a:t>
-            </a:r>
-          </a:p>
-        </p:txBody>
-      </p:sp>
-      <p:sp>
-        <p:nvSpPr>
-          <p:cNvPr id="5" name="Rectangle 4"/>
-          <p:cNvSpPr/>
-          <p:nvPr/>
-        </p:nvSpPr>
-        <p:spPr>
-          <a:xfrm>
-            <a:off x="7416800" y="1690688"/>
-            <a:ext cx="4664523" cy="646331"/>
-          </a:xfrm>
-          <a:prstGeom prst="rect">
-            <a:avLst/>
-          </a:prstGeom>
-        </p:spPr>
-        <p:txBody>
-          <a:bodyPr wrap="square">
-            <a:spAutoFit/>
-          </a:bodyPr>
-          <a:lstStyle/>
-          <a:p>
-            <a:r>
-              <a:rPr lang="en-US" dirty="0" err="1" smtClean="0">
-                <a:latin typeface="Segoe UI" panose="020B0502040204020203" pitchFamily="34" charset="0"/>
-                <a:cs typeface="Segoe UI" panose="020B0502040204020203" pitchFamily="34" charset="0"/>
-              </a:rPr>
-              <a:t>React’s</a:t>
-            </a:r>
-            <a:r>
-              <a:rPr lang="en-US" dirty="0" smtClean="0">
-                <a:latin typeface="Segoe UI" panose="020B0502040204020203" pitchFamily="34" charset="0"/>
-                <a:cs typeface="Segoe UI" panose="020B0502040204020203" pitchFamily="34" charset="0"/>
-              </a:rPr>
-              <a:t> virtual </a:t>
-            </a:r>
-            <a:r>
-              <a:rPr lang="en-US" dirty="0" err="1" smtClean="0">
-                <a:latin typeface="Segoe UI" panose="020B0502040204020203" pitchFamily="34" charset="0"/>
-                <a:cs typeface="Segoe UI" panose="020B0502040204020203" pitchFamily="34" charset="0"/>
-              </a:rPr>
-              <a:t>dom</a:t>
-            </a:r>
-            <a:r>
-              <a:rPr lang="en-US" dirty="0" smtClean="0">
-                <a:latin typeface="Segoe UI" panose="020B0502040204020203" pitchFamily="34" charset="0"/>
-                <a:cs typeface="Segoe UI" panose="020B0502040204020203" pitchFamily="34" charset="0"/>
-              </a:rPr>
-              <a:t> is </a:t>
-            </a:r>
-            <a:r>
-              <a:rPr lang="en-US" dirty="0" err="1" smtClean="0">
-                <a:latin typeface="Segoe UI" panose="020B0502040204020203" pitchFamily="34" charset="0"/>
-                <a:cs typeface="Segoe UI" panose="020B0502040204020203" pitchFamily="34" charset="0"/>
-              </a:rPr>
-              <a:t>custome</a:t>
-            </a:r>
-            <a:r>
-              <a:rPr lang="en-US" dirty="0" smtClean="0">
-                <a:latin typeface="Segoe UI" panose="020B0502040204020203" pitchFamily="34" charset="0"/>
-                <a:cs typeface="Segoe UI" panose="020B0502040204020203" pitchFamily="34" charset="0"/>
-              </a:rPr>
-              <a:t> data </a:t>
-            </a:r>
-            <a:r>
-              <a:rPr lang="en-US" dirty="0" err="1" smtClean="0">
-                <a:latin typeface="Segoe UI" panose="020B0502040204020203" pitchFamily="34" charset="0"/>
-                <a:cs typeface="Segoe UI" panose="020B0502040204020203" pitchFamily="34" charset="0"/>
-              </a:rPr>
-              <a:t>sctucture</a:t>
-            </a:r>
-            <a:endParaRPr lang="en-US" dirty="0">
-              <a:latin typeface="Segoe UI" panose="020B0502040204020203" pitchFamily="34" charset="0"/>
-              <a:cs typeface="Segoe UI" panose="020B0502040204020203" pitchFamily="34" charset="0"/>
-            </a:endParaRPr>
-          </a:p>
-        </p:txBody>
-      </p:sp>
-      <p:sp>
-        <p:nvSpPr>
-          <p:cNvPr id="6" name="TextBox 5"/>
-          <p:cNvSpPr txBox="1"/>
-          <p:nvPr/>
-        </p:nvSpPr>
-        <p:spPr>
-          <a:xfrm>
-            <a:off x="7416800" y="2328421"/>
-            <a:ext cx="4479827" cy="4185761"/>
-          </a:xfrm>
-          <a:prstGeom prst="rect">
-            <a:avLst/>
-          </a:prstGeom>
-          <a:noFill/>
-        </p:spPr>
-        <p:txBody>
-          <a:bodyPr wrap="square" rtlCol="0">
-            <a:spAutoFit/>
-          </a:bodyPr>
-          <a:lstStyle/>
-          <a:p>
-            <a:r>
-              <a:rPr lang="en-US" sz="1400" dirty="0" smtClean="0">
-                <a:latin typeface="Segoe UI" panose="020B0502040204020203" pitchFamily="34" charset="0"/>
-                <a:cs typeface="Segoe UI" panose="020B0502040204020203" pitchFamily="34" charset="0"/>
-              </a:rPr>
-              <a:t>Data structures in PHP</a:t>
-            </a:r>
-          </a:p>
-          <a:p>
-            <a:endParaRPr lang="en-US" sz="1400" dirty="0" smtClean="0">
-              <a:latin typeface="Segoe UI" panose="020B0502040204020203" pitchFamily="34" charset="0"/>
-              <a:cs typeface="Segoe UI" panose="020B0502040204020203" pitchFamily="34" charset="0"/>
-            </a:endParaRPr>
-          </a:p>
-          <a:p>
-            <a:r>
-              <a:rPr lang="en-US" sz="1400" dirty="0" smtClean="0">
-                <a:latin typeface="Segoe UI" panose="020B0502040204020203" pitchFamily="34" charset="0"/>
-                <a:cs typeface="Segoe UI" panose="020B0502040204020203" pitchFamily="34" charset="0"/>
-              </a:rPr>
-              <a:t>Array)))</a:t>
-            </a:r>
-          </a:p>
-          <a:p>
-            <a:endParaRPr lang="en-US" sz="1400" dirty="0">
-              <a:latin typeface="Segoe UI" panose="020B0502040204020203" pitchFamily="34" charset="0"/>
-              <a:cs typeface="Segoe UI" panose="020B0502040204020203" pitchFamily="34" charset="0"/>
-            </a:endParaRPr>
-          </a:p>
-          <a:p>
-            <a:r>
-              <a:rPr lang="en-US" sz="1400" dirty="0" smtClean="0">
-                <a:latin typeface="Segoe UI" panose="020B0502040204020203" pitchFamily="34" charset="0"/>
-                <a:cs typeface="Segoe UI" panose="020B0502040204020203" pitchFamily="34" charset="0"/>
-              </a:rPr>
-              <a:t>But in php7, using Ds\ namespace we can use</a:t>
-            </a:r>
-          </a:p>
-          <a:p>
-            <a:r>
-              <a:rPr lang="en-US" sz="1400" dirty="0">
-                <a:latin typeface="Segoe UI" panose="020B0502040204020203" pitchFamily="34" charset="0"/>
-                <a:cs typeface="Segoe UI" panose="020B0502040204020203" pitchFamily="34" charset="0"/>
-              </a:rPr>
-              <a:t>3 interfaces </a:t>
-            </a:r>
-            <a:r>
-              <a:rPr lang="en-US" sz="1400" dirty="0" smtClean="0">
-                <a:latin typeface="Segoe UI" panose="020B0502040204020203" pitchFamily="34" charset="0"/>
-                <a:cs typeface="Segoe UI" panose="020B0502040204020203" pitchFamily="34" charset="0"/>
-              </a:rPr>
-              <a:t>namely</a:t>
-            </a:r>
-          </a:p>
-          <a:p>
-            <a:pPr marL="285750" indent="-285750">
-              <a:buFont typeface="Arial" panose="020B0604020202020204" pitchFamily="34" charset="0"/>
-              <a:buChar char="•"/>
-            </a:pPr>
-            <a:r>
-              <a:rPr lang="en-US" sz="1400" dirty="0" smtClean="0">
-                <a:latin typeface="Segoe UI" panose="020B0502040204020203" pitchFamily="34" charset="0"/>
-                <a:cs typeface="Segoe UI" panose="020B0502040204020203" pitchFamily="34" charset="0"/>
-              </a:rPr>
-              <a:t>Collection</a:t>
-            </a:r>
-          </a:p>
-          <a:p>
-            <a:pPr marL="285750" indent="-285750">
-              <a:buFont typeface="Arial" panose="020B0604020202020204" pitchFamily="34" charset="0"/>
-              <a:buChar char="•"/>
-            </a:pPr>
-            <a:r>
-              <a:rPr lang="en-US" sz="1400" dirty="0" smtClean="0">
-                <a:latin typeface="Segoe UI" panose="020B0502040204020203" pitchFamily="34" charset="0"/>
-                <a:cs typeface="Segoe UI" panose="020B0502040204020203" pitchFamily="34" charset="0"/>
-              </a:rPr>
-              <a:t>Sequence</a:t>
-            </a:r>
-          </a:p>
-          <a:p>
-            <a:pPr marL="285750" indent="-285750">
-              <a:buFont typeface="Arial" panose="020B0604020202020204" pitchFamily="34" charset="0"/>
-              <a:buChar char="•"/>
-            </a:pPr>
-            <a:r>
-              <a:rPr lang="en-US" sz="1400" dirty="0" err="1" smtClean="0">
-                <a:latin typeface="Segoe UI" panose="020B0502040204020203" pitchFamily="34" charset="0"/>
-                <a:cs typeface="Segoe UI" panose="020B0502040204020203" pitchFamily="34" charset="0"/>
-              </a:rPr>
-              <a:t>Hashable</a:t>
-            </a:r>
-            <a:endParaRPr lang="en-US" sz="1400" dirty="0" smtClean="0">
-              <a:latin typeface="Segoe UI" panose="020B0502040204020203" pitchFamily="34" charset="0"/>
-              <a:cs typeface="Segoe UI" panose="020B0502040204020203" pitchFamily="34" charset="0"/>
-            </a:endParaRPr>
-          </a:p>
-          <a:p>
-            <a:pPr marL="285750" indent="-285750">
-              <a:buFont typeface="Arial" panose="020B0604020202020204" pitchFamily="34" charset="0"/>
-              <a:buChar char="•"/>
-            </a:pPr>
-            <a:endParaRPr lang="en-US" sz="1400" dirty="0">
-              <a:latin typeface="Segoe UI" panose="020B0502040204020203" pitchFamily="34" charset="0"/>
-              <a:cs typeface="Segoe UI" panose="020B0502040204020203" pitchFamily="34" charset="0"/>
-            </a:endParaRPr>
-          </a:p>
-          <a:p>
-            <a:r>
-              <a:rPr lang="en-US" sz="1400" dirty="0" smtClean="0">
-                <a:latin typeface="Segoe UI" panose="020B0502040204020203" pitchFamily="34" charset="0"/>
-                <a:cs typeface="Segoe UI" panose="020B0502040204020203" pitchFamily="34" charset="0"/>
-              </a:rPr>
-              <a:t>And 8 </a:t>
-            </a:r>
-            <a:r>
-              <a:rPr lang="en-US" sz="1400" dirty="0">
-                <a:latin typeface="Segoe UI" panose="020B0502040204020203" pitchFamily="34" charset="0"/>
-                <a:cs typeface="Segoe UI" panose="020B0502040204020203" pitchFamily="34" charset="0"/>
-              </a:rPr>
-              <a:t>classes </a:t>
-            </a:r>
-            <a:r>
-              <a:rPr lang="en-US" sz="1400" dirty="0" smtClean="0">
-                <a:latin typeface="Segoe UI" panose="020B0502040204020203" pitchFamily="34" charset="0"/>
-                <a:cs typeface="Segoe UI" panose="020B0502040204020203" pitchFamily="34" charset="0"/>
-              </a:rPr>
-              <a:t>namely</a:t>
-            </a:r>
-          </a:p>
-          <a:p>
-            <a:pPr marL="285750" indent="-285750">
-              <a:buFont typeface="Arial" panose="020B0604020202020204" pitchFamily="34" charset="0"/>
-              <a:buChar char="•"/>
-            </a:pPr>
-            <a:r>
-              <a:rPr lang="en-US" sz="1400" dirty="0" smtClean="0">
-                <a:latin typeface="Segoe UI" panose="020B0502040204020203" pitchFamily="34" charset="0"/>
-                <a:cs typeface="Segoe UI" panose="020B0502040204020203" pitchFamily="34" charset="0"/>
-              </a:rPr>
-              <a:t>Vector</a:t>
-            </a:r>
-          </a:p>
-          <a:p>
-            <a:pPr marL="285750" indent="-285750">
-              <a:buFont typeface="Arial" panose="020B0604020202020204" pitchFamily="34" charset="0"/>
-              <a:buChar char="•"/>
-            </a:pPr>
-            <a:r>
-              <a:rPr lang="en-US" sz="1400" dirty="0" err="1" smtClean="0">
-                <a:latin typeface="Segoe UI" panose="020B0502040204020203" pitchFamily="34" charset="0"/>
-                <a:cs typeface="Segoe UI" panose="020B0502040204020203" pitchFamily="34" charset="0"/>
-              </a:rPr>
-              <a:t>Deque</a:t>
-            </a:r>
-            <a:endParaRPr lang="en-US" sz="1400" dirty="0" smtClean="0">
-              <a:latin typeface="Segoe UI" panose="020B0502040204020203" pitchFamily="34" charset="0"/>
-              <a:cs typeface="Segoe UI" panose="020B0502040204020203" pitchFamily="34" charset="0"/>
-            </a:endParaRPr>
-          </a:p>
-          <a:p>
-            <a:pPr marL="285750" indent="-285750">
-              <a:buFont typeface="Arial" panose="020B0604020202020204" pitchFamily="34" charset="0"/>
-              <a:buChar char="•"/>
-            </a:pPr>
-            <a:r>
-              <a:rPr lang="en-US" sz="1400" dirty="0" smtClean="0">
-                <a:latin typeface="Segoe UI" panose="020B0502040204020203" pitchFamily="34" charset="0"/>
-                <a:cs typeface="Segoe UI" panose="020B0502040204020203" pitchFamily="34" charset="0"/>
-              </a:rPr>
-              <a:t>Queue</a:t>
-            </a:r>
-          </a:p>
-          <a:p>
-            <a:pPr marL="285750" indent="-285750">
-              <a:buFont typeface="Arial" panose="020B0604020202020204" pitchFamily="34" charset="0"/>
-              <a:buChar char="•"/>
-            </a:pPr>
-            <a:r>
-              <a:rPr lang="en-US" sz="1400" dirty="0" err="1" smtClean="0">
-                <a:latin typeface="Segoe UI" panose="020B0502040204020203" pitchFamily="34" charset="0"/>
-                <a:cs typeface="Segoe UI" panose="020B0502040204020203" pitchFamily="34" charset="0"/>
-              </a:rPr>
-              <a:t>PriorityQueue</a:t>
-            </a:r>
-            <a:endParaRPr lang="en-US" sz="1400" dirty="0" smtClean="0">
-              <a:latin typeface="Segoe UI" panose="020B0502040204020203" pitchFamily="34" charset="0"/>
-              <a:cs typeface="Segoe UI" panose="020B0502040204020203" pitchFamily="34" charset="0"/>
-            </a:endParaRPr>
-          </a:p>
-          <a:p>
-            <a:pPr marL="285750" indent="-285750">
-              <a:buFont typeface="Arial" panose="020B0604020202020204" pitchFamily="34" charset="0"/>
-              <a:buChar char="•"/>
-            </a:pPr>
-            <a:r>
-              <a:rPr lang="en-US" sz="1400" dirty="0" smtClean="0">
-                <a:latin typeface="Segoe UI" panose="020B0502040204020203" pitchFamily="34" charset="0"/>
-                <a:cs typeface="Segoe UI" panose="020B0502040204020203" pitchFamily="34" charset="0"/>
-              </a:rPr>
-              <a:t>Map</a:t>
-            </a:r>
-          </a:p>
-          <a:p>
-            <a:pPr marL="285750" indent="-285750">
-              <a:buFont typeface="Arial" panose="020B0604020202020204" pitchFamily="34" charset="0"/>
-              <a:buChar char="•"/>
-            </a:pPr>
-            <a:r>
-              <a:rPr lang="en-US" sz="1400" dirty="0" smtClean="0">
-                <a:latin typeface="Segoe UI" panose="020B0502040204020203" pitchFamily="34" charset="0"/>
-                <a:cs typeface="Segoe UI" panose="020B0502040204020203" pitchFamily="34" charset="0"/>
-              </a:rPr>
-              <a:t>Set</a:t>
-            </a:r>
-          </a:p>
-          <a:p>
-            <a:pPr marL="285750" indent="-285750">
-              <a:buFont typeface="Arial" panose="020B0604020202020204" pitchFamily="34" charset="0"/>
-              <a:buChar char="•"/>
-            </a:pPr>
-            <a:r>
-              <a:rPr lang="en-US" sz="1400" dirty="0" smtClean="0">
-                <a:latin typeface="Segoe UI" panose="020B0502040204020203" pitchFamily="34" charset="0"/>
-                <a:cs typeface="Segoe UI" panose="020B0502040204020203" pitchFamily="34" charset="0"/>
-              </a:rPr>
-              <a:t>Stack</a:t>
-            </a:r>
-          </a:p>
-          <a:p>
-            <a:pPr marL="285750" indent="-285750">
-              <a:buFont typeface="Arial" panose="020B0604020202020204" pitchFamily="34" charset="0"/>
-              <a:buChar char="•"/>
-            </a:pPr>
-            <a:r>
-              <a:rPr lang="en-US" sz="1400" dirty="0" smtClean="0">
-                <a:latin typeface="Segoe UI" panose="020B0502040204020203" pitchFamily="34" charset="0"/>
-                <a:cs typeface="Segoe UI" panose="020B0502040204020203" pitchFamily="34" charset="0"/>
-              </a:rPr>
-              <a:t>Pair</a:t>
-            </a:r>
-            <a:endParaRPr lang="en-US" sz="1400" dirty="0">
-              <a:latin typeface="Segoe UI" panose="020B0502040204020203" pitchFamily="34" charset="0"/>
-              <a:cs typeface="Segoe UI" panose="020B0502040204020203" pitchFamily="34" charset="0"/>
-            </a:endParaRPr>
-          </a:p>
-        </p:txBody>
-      </p:sp>
-    </p:spTree>
-    <p:extLst>
-      <p:ext uri="{BB962C8B-B14F-4D97-AF65-F5344CB8AC3E}">
-        <p14:creationId xmlns:p14="http://schemas.microsoft.com/office/powerpoint/2010/main" val="547747031"/>
-      </p:ext>
-    </p:extLst>
-  </p:cSld>
-  <p:clrMapOvr>
-    <a:masterClrMapping/>
-  </p:clrMapOvr>
-  <p:timing>
-    <p:tnLst>
-      <p:par>
-        <p:cTn id="1" dur="indefinite" restart="never" nodeType="tmRoot"/>
-      </p:par>
-    </p:tnLst>
-  </p:timing>
-</p:sld>
-</file>
-
-<file path=ppt/slides/slide13.xml><?xml version="1.0" encoding="utf-8"?>
-<p:sld xmlns:a="http://schemas.openxmlformats.org/drawingml/2006/main" xmlns:r="http://schemas.openxmlformats.org/officeDocument/2006/relationships" xmlns:p="http://schemas.openxmlformats.org/presentationml/2006/main">
-  <p:cSld>
-    <p:spTree>
-      <p:nvGrpSpPr>
-        <p:cNvPr id="1" name=""/>
-        <p:cNvGrpSpPr/>
-        <p:nvPr/>
-      </p:nvGrpSpPr>
-      <p:grpSpPr>
-        <a:xfrm>
-          <a:off x="0" y="0"/>
-          <a:ext cx="0" cy="0"/>
-          <a:chOff x="0" y="0"/>
-          <a:chExt cx="0" cy="0"/>
-        </a:xfrm>
-      </p:grpSpPr>
-      <p:sp>
-        <p:nvSpPr>
-          <p:cNvPr id="2" name="Title 1"/>
-          <p:cNvSpPr>
-            <a:spLocks noGrp="1"/>
-          </p:cNvSpPr>
-          <p:nvPr>
-            <p:ph type="title"/>
-          </p:nvPr>
-        </p:nvSpPr>
-        <p:spPr/>
-        <p:txBody>
-          <a:bodyPr/>
-          <a:lstStyle/>
-          <a:p>
-            <a:r>
               <a:rPr lang="en-US" dirty="0" smtClean="0">
                 <a:latin typeface="Segoe UI" panose="020B0502040204020203" pitchFamily="34" charset="0"/>
                 <a:cs typeface="Segoe UI" panose="020B0502040204020203" pitchFamily="34" charset="0"/>
@@ -14492,7 +14020,7 @@
 </p:sld>
 </file>
 
-<file path=ppt/slides/slide14.xml><?xml version="1.0" encoding="utf-8"?>
+<file path=ppt/slides/slide13.xml><?xml version="1.0" encoding="utf-8"?>
 <p:sld xmlns:a="http://schemas.openxmlformats.org/drawingml/2006/main" xmlns:r="http://schemas.openxmlformats.org/officeDocument/2006/relationships" xmlns:p="http://schemas.openxmlformats.org/presentationml/2006/main">
   <p:cSld>
     <p:spTree>
@@ -14883,7 +14411,7 @@
 </p:sld>
 </file>
 
-<file path=ppt/slides/slide15.xml><?xml version="1.0" encoding="utf-8"?>
+<file path=ppt/slides/slide14.xml><?xml version="1.0" encoding="utf-8"?>
 <p:sld xmlns:a="http://schemas.openxmlformats.org/drawingml/2006/main" xmlns:r="http://schemas.openxmlformats.org/officeDocument/2006/relationships" xmlns:p="http://schemas.openxmlformats.org/presentationml/2006/main">
   <p:cSld>
     <p:spTree>
@@ -15285,7 +14813,7 @@
 </p:sld>
 </file>
 
-<file path=ppt/slides/slide16.xml><?xml version="1.0" encoding="utf-8"?>
+<file path=ppt/slides/slide15.xml><?xml version="1.0" encoding="utf-8"?>
 <p:sld xmlns:a="http://schemas.openxmlformats.org/drawingml/2006/main" xmlns:r="http://schemas.openxmlformats.org/officeDocument/2006/relationships" xmlns:p="http://schemas.openxmlformats.org/presentationml/2006/main">
   <p:cSld>
     <p:spTree>
@@ -15578,7 +15106,7 @@
 </p:sld>
 </file>
 
-<file path=ppt/slides/slide17.xml><?xml version="1.0" encoding="utf-8"?>
+<file path=ppt/slides/slide16.xml><?xml version="1.0" encoding="utf-8"?>
 <p:sld xmlns:a="http://schemas.openxmlformats.org/drawingml/2006/main" xmlns:r="http://schemas.openxmlformats.org/officeDocument/2006/relationships" xmlns:p="http://schemas.openxmlformats.org/presentationml/2006/main">
   <p:cSld>
     <p:spTree>
@@ -16118,7 +15646,7 @@
 </p:sld>
 </file>
 
-<file path=ppt/slides/slide18.xml><?xml version="1.0" encoding="utf-8"?>
+<file path=ppt/slides/slide17.xml><?xml version="1.0" encoding="utf-8"?>
 <p:sld xmlns:a="http://schemas.openxmlformats.org/drawingml/2006/main" xmlns:r="http://schemas.openxmlformats.org/officeDocument/2006/relationships" xmlns:p="http://schemas.openxmlformats.org/presentationml/2006/main">
   <p:cSld>
     <p:spTree>
@@ -16509,7 +16037,7 @@
 </p:sld>
 </file>
 
-<file path=ppt/slides/slide19.xml><?xml version="1.0" encoding="utf-8"?>
+<file path=ppt/slides/slide18.xml><?xml version="1.0" encoding="utf-8"?>
 <p:sld xmlns:a="http://schemas.openxmlformats.org/drawingml/2006/main" xmlns:r="http://schemas.openxmlformats.org/officeDocument/2006/relationships" xmlns:p="http://schemas.openxmlformats.org/presentationml/2006/main">
   <p:cSld>
     <p:spTree>
@@ -16995,6 +16523,420 @@
     <p:extLst>
       <p:ext uri="{BB962C8B-B14F-4D97-AF65-F5344CB8AC3E}">
         <p14:creationId xmlns:p14="http://schemas.microsoft.com/office/powerpoint/2010/main" val="1414155624"/>
+      </p:ext>
+    </p:extLst>
+  </p:cSld>
+  <p:clrMapOvr>
+    <a:masterClrMapping/>
+  </p:clrMapOvr>
+  <p:timing>
+    <p:tnLst>
+      <p:par>
+        <p:cTn id="1" dur="indefinite" restart="never" nodeType="tmRoot"/>
+      </p:par>
+    </p:tnLst>
+  </p:timing>
+</p:sld>
+</file>
+
+<file path=ppt/slides/slide19.xml><?xml version="1.0" encoding="utf-8"?>
+<p:sld xmlns:a="http://schemas.openxmlformats.org/drawingml/2006/main" xmlns:r="http://schemas.openxmlformats.org/officeDocument/2006/relationships" xmlns:p="http://schemas.openxmlformats.org/presentationml/2006/main">
+  <p:cSld>
+    <p:spTree>
+      <p:nvGrpSpPr>
+        <p:cNvPr id="1" name=""/>
+        <p:cNvGrpSpPr/>
+        <p:nvPr/>
+      </p:nvGrpSpPr>
+      <p:grpSpPr>
+        <a:xfrm>
+          <a:off x="0" y="0"/>
+          <a:ext cx="0" cy="0"/>
+          <a:chOff x="0" y="0"/>
+          <a:chExt cx="0" cy="0"/>
+        </a:xfrm>
+      </p:grpSpPr>
+      <p:sp>
+        <p:nvSpPr>
+          <p:cNvPr id="2" name="Title 1"/>
+          <p:cNvSpPr>
+            <a:spLocks noGrp="1"/>
+          </p:cNvSpPr>
+          <p:nvPr>
+            <p:ph type="title"/>
+          </p:nvPr>
+        </p:nvSpPr>
+        <p:spPr>
+          <a:xfrm>
+            <a:off x="838200" y="0"/>
+            <a:ext cx="10515600" cy="814388"/>
+          </a:xfrm>
+        </p:spPr>
+        <p:txBody>
+          <a:bodyPr/>
+          <a:lstStyle/>
+          <a:p>
+            <a:r>
+              <a:rPr lang="en-US" b="1" dirty="0">
+                <a:latin typeface="Segoe UI" panose="020B0502040204020203" pitchFamily="34" charset="0"/>
+                <a:cs typeface="Segoe UI" panose="020B0502040204020203" pitchFamily="34" charset="0"/>
+              </a:rPr>
+              <a:t>Binary </a:t>
+            </a:r>
+            <a:r>
+              <a:rPr lang="en-US" b="1" dirty="0" smtClean="0">
+                <a:latin typeface="Segoe UI" panose="020B0502040204020203" pitchFamily="34" charset="0"/>
+                <a:cs typeface="Segoe UI" panose="020B0502040204020203" pitchFamily="34" charset="0"/>
+              </a:rPr>
+              <a:t>Heap</a:t>
+            </a:r>
+            <a:endParaRPr lang="en-US" dirty="0">
+              <a:latin typeface="Segoe UI" panose="020B0502040204020203" pitchFamily="34" charset="0"/>
+              <a:cs typeface="Segoe UI" panose="020B0502040204020203" pitchFamily="34" charset="0"/>
+            </a:endParaRPr>
+          </a:p>
+        </p:txBody>
+      </p:sp>
+      <p:sp>
+        <p:nvSpPr>
+          <p:cNvPr id="3" name="Content Placeholder 2"/>
+          <p:cNvSpPr>
+            <a:spLocks noGrp="1"/>
+          </p:cNvSpPr>
+          <p:nvPr>
+            <p:ph idx="1"/>
+          </p:nvPr>
+        </p:nvSpPr>
+        <p:spPr>
+          <a:xfrm>
+            <a:off x="838200" y="814388"/>
+            <a:ext cx="10515600" cy="5622925"/>
+          </a:xfrm>
+        </p:spPr>
+        <p:txBody>
+          <a:bodyPr>
+            <a:normAutofit/>
+          </a:bodyPr>
+          <a:lstStyle/>
+          <a:p>
+            <a:r>
+              <a:rPr lang="en-US" sz="1000" dirty="0" smtClean="0">
+                <a:latin typeface="Segoe UI" panose="020B0502040204020203" pitchFamily="34" charset="0"/>
+                <a:cs typeface="Segoe UI" panose="020B0502040204020203" pitchFamily="34" charset="0"/>
+              </a:rPr>
+              <a:t>Define what a binary heap is</a:t>
+            </a:r>
+          </a:p>
+          <a:p>
+            <a:r>
+              <a:rPr lang="en-US" sz="1000" dirty="0" smtClean="0">
+                <a:latin typeface="Segoe UI" panose="020B0502040204020203" pitchFamily="34" charset="0"/>
+                <a:cs typeface="Segoe UI" panose="020B0502040204020203" pitchFamily="34" charset="0"/>
+              </a:rPr>
+              <a:t>Compare and </a:t>
+            </a:r>
+            <a:r>
+              <a:rPr lang="en-US" sz="1000" dirty="0" err="1" smtClean="0">
+                <a:latin typeface="Segoe UI" panose="020B0502040204020203" pitchFamily="34" charset="0"/>
+                <a:cs typeface="Segoe UI" panose="020B0502040204020203" pitchFamily="34" charset="0"/>
+              </a:rPr>
+              <a:t>constrast</a:t>
+            </a:r>
+            <a:r>
+              <a:rPr lang="en-US" sz="1000" dirty="0" smtClean="0">
+                <a:latin typeface="Segoe UI" panose="020B0502040204020203" pitchFamily="34" charset="0"/>
+                <a:cs typeface="Segoe UI" panose="020B0502040204020203" pitchFamily="34" charset="0"/>
+              </a:rPr>
+              <a:t> min and max heaps</a:t>
+            </a:r>
+          </a:p>
+          <a:p>
+            <a:r>
+              <a:rPr lang="en-US" sz="1000" dirty="0" smtClean="0">
+                <a:latin typeface="Segoe UI" panose="020B0502040204020203" pitchFamily="34" charset="0"/>
+                <a:cs typeface="Segoe UI" panose="020B0502040204020203" pitchFamily="34" charset="0"/>
+              </a:rPr>
+              <a:t>Implement basic methods on heaps</a:t>
+            </a:r>
+          </a:p>
+          <a:p>
+            <a:r>
+              <a:rPr lang="en-US" sz="1000" dirty="0" smtClean="0">
+                <a:latin typeface="Segoe UI" panose="020B0502040204020203" pitchFamily="34" charset="0"/>
+                <a:cs typeface="Segoe UI" panose="020B0502040204020203" pitchFamily="34" charset="0"/>
+              </a:rPr>
+              <a:t>Understand where heaps are used in real word and what other data structures can be constructed from heaps</a:t>
+            </a:r>
+          </a:p>
+          <a:p>
+            <a:endParaRPr lang="en-US" sz="1000" dirty="0">
+              <a:latin typeface="Segoe UI" panose="020B0502040204020203" pitchFamily="34" charset="0"/>
+              <a:cs typeface="Segoe UI" panose="020B0502040204020203" pitchFamily="34" charset="0"/>
+            </a:endParaRPr>
+          </a:p>
+          <a:p>
+            <a:endParaRPr lang="en-US" sz="1000" dirty="0" smtClean="0">
+              <a:latin typeface="Segoe UI" panose="020B0502040204020203" pitchFamily="34" charset="0"/>
+              <a:cs typeface="Segoe UI" panose="020B0502040204020203" pitchFamily="34" charset="0"/>
+            </a:endParaRPr>
+          </a:p>
+          <a:p>
+            <a:pPr marL="0" indent="0">
+              <a:buNone/>
+            </a:pPr>
+            <a:r>
+              <a:rPr lang="en-US" sz="1000" dirty="0" smtClean="0">
+                <a:latin typeface="Segoe UI" panose="020B0502040204020203" pitchFamily="34" charset="0"/>
+                <a:cs typeface="Segoe UI" panose="020B0502040204020203" pitchFamily="34" charset="0"/>
+              </a:rPr>
+              <a:t>Very similar to a binary search </a:t>
+            </a:r>
+            <a:r>
+              <a:rPr lang="en-US" sz="1000" dirty="0" err="1" smtClean="0">
+                <a:latin typeface="Segoe UI" panose="020B0502040204020203" pitchFamily="34" charset="0"/>
+                <a:cs typeface="Segoe UI" panose="020B0502040204020203" pitchFamily="34" charset="0"/>
+              </a:rPr>
+              <a:t>tess</a:t>
+            </a:r>
+            <a:r>
+              <a:rPr lang="en-US" sz="1000" dirty="0" smtClean="0">
+                <a:latin typeface="Segoe UI" panose="020B0502040204020203" pitchFamily="34" charset="0"/>
+                <a:cs typeface="Segoe UI" panose="020B0502040204020203" pitchFamily="34" charset="0"/>
+              </a:rPr>
+              <a:t> but with some different rules</a:t>
+            </a:r>
+          </a:p>
+          <a:p>
+            <a:r>
+              <a:rPr lang="en-US" sz="1000" dirty="0" smtClean="0">
+                <a:latin typeface="Segoe UI" panose="020B0502040204020203" pitchFamily="34" charset="0"/>
+                <a:cs typeface="Segoe UI" panose="020B0502040204020203" pitchFamily="34" charset="0"/>
+              </a:rPr>
+              <a:t>In </a:t>
+            </a:r>
+            <a:r>
+              <a:rPr lang="en-US" sz="1000" dirty="0" err="1" smtClean="0">
+                <a:latin typeface="Segoe UI" panose="020B0502040204020203" pitchFamily="34" charset="0"/>
+                <a:cs typeface="Segoe UI" panose="020B0502040204020203" pitchFamily="34" charset="0"/>
+              </a:rPr>
+              <a:t>MaxBinaryHeap</a:t>
+            </a:r>
+            <a:r>
+              <a:rPr lang="en-US" sz="1000" dirty="0" smtClean="0">
+                <a:latin typeface="Segoe UI" panose="020B0502040204020203" pitchFamily="34" charset="0"/>
+                <a:cs typeface="Segoe UI" panose="020B0502040204020203" pitchFamily="34" charset="0"/>
+              </a:rPr>
+              <a:t>, parent nodes are always larger than child nodes. In a </a:t>
+            </a:r>
+            <a:r>
+              <a:rPr lang="en-US" sz="1000" dirty="0" err="1" smtClean="0">
+                <a:latin typeface="Segoe UI" panose="020B0502040204020203" pitchFamily="34" charset="0"/>
+                <a:cs typeface="Segoe UI" panose="020B0502040204020203" pitchFamily="34" charset="0"/>
+              </a:rPr>
+              <a:t>MinBinaryHeap</a:t>
+            </a:r>
+            <a:r>
+              <a:rPr lang="en-US" sz="1000" dirty="0" smtClean="0">
+                <a:latin typeface="Segoe UI" panose="020B0502040204020203" pitchFamily="34" charset="0"/>
+                <a:cs typeface="Segoe UI" panose="020B0502040204020203" pitchFamily="34" charset="0"/>
+              </a:rPr>
+              <a:t>, pare nodes are always smaller than child nodes</a:t>
+            </a:r>
+          </a:p>
+          <a:p>
+            <a:r>
+              <a:rPr lang="en-US" sz="1000" dirty="0" smtClean="0">
+                <a:latin typeface="Segoe UI" panose="020B0502040204020203" pitchFamily="34" charset="0"/>
+                <a:cs typeface="Segoe UI" panose="020B0502040204020203" pitchFamily="34" charset="0"/>
+              </a:rPr>
+              <a:t>Most 2 children, but unlike BST, there is no order left or right</a:t>
+            </a:r>
+          </a:p>
+          <a:p>
+            <a:pPr marL="0" indent="0">
+              <a:buNone/>
+            </a:pPr>
+            <a:r>
+              <a:rPr lang="en-US" sz="1000" dirty="0" err="1" smtClean="0">
+                <a:latin typeface="Segoe UI" panose="020B0502040204020203" pitchFamily="34" charset="0"/>
+                <a:cs typeface="Segoe UI" panose="020B0502040204020203" pitchFamily="34" charset="0"/>
+              </a:rPr>
+              <a:t>MaxBinaryHeap</a:t>
+            </a:r>
+            <a:endParaRPr lang="en-US" sz="1000" dirty="0" smtClean="0">
+              <a:latin typeface="Segoe UI" panose="020B0502040204020203" pitchFamily="34" charset="0"/>
+              <a:cs typeface="Segoe UI" panose="020B0502040204020203" pitchFamily="34" charset="0"/>
+            </a:endParaRPr>
+          </a:p>
+          <a:p>
+            <a:r>
+              <a:rPr lang="en-US" sz="1000" dirty="0" smtClean="0">
+                <a:latin typeface="Segoe UI" panose="020B0502040204020203" pitchFamily="34" charset="0"/>
+                <a:cs typeface="Segoe UI" panose="020B0502040204020203" pitchFamily="34" charset="0"/>
+              </a:rPr>
+              <a:t>Each parent has at most two child nodes</a:t>
+            </a:r>
+          </a:p>
+          <a:p>
+            <a:r>
+              <a:rPr lang="en-US" sz="1000" dirty="0" smtClean="0">
+                <a:latin typeface="Segoe UI" panose="020B0502040204020203" pitchFamily="34" charset="0"/>
+                <a:cs typeface="Segoe UI" panose="020B0502040204020203" pitchFamily="34" charset="0"/>
+              </a:rPr>
+              <a:t>The value of each parent node is always greater than its </a:t>
+            </a:r>
+            <a:r>
+              <a:rPr lang="en-US" sz="1000" dirty="0" err="1" smtClean="0">
+                <a:latin typeface="Segoe UI" panose="020B0502040204020203" pitchFamily="34" charset="0"/>
+                <a:cs typeface="Segoe UI" panose="020B0502040204020203" pitchFamily="34" charset="0"/>
+              </a:rPr>
+              <a:t>chid</a:t>
+            </a:r>
+            <a:r>
+              <a:rPr lang="en-US" sz="1000" dirty="0" smtClean="0">
+                <a:latin typeface="Segoe UI" panose="020B0502040204020203" pitchFamily="34" charset="0"/>
+                <a:cs typeface="Segoe UI" panose="020B0502040204020203" pitchFamily="34" charset="0"/>
+              </a:rPr>
+              <a:t> node</a:t>
+            </a:r>
+          </a:p>
+          <a:p>
+            <a:r>
+              <a:rPr lang="en-US" sz="1000" dirty="0" smtClean="0">
+                <a:latin typeface="Segoe UI" panose="020B0502040204020203" pitchFamily="34" charset="0"/>
+                <a:cs typeface="Segoe UI" panose="020B0502040204020203" pitchFamily="34" charset="0"/>
+              </a:rPr>
+              <a:t>In a max binary heap the </a:t>
+            </a:r>
+            <a:r>
+              <a:rPr lang="en-US" sz="1000" dirty="0" err="1" smtClean="0">
+                <a:latin typeface="Segoe UI" panose="020B0502040204020203" pitchFamily="34" charset="0"/>
+                <a:cs typeface="Segoe UI" panose="020B0502040204020203" pitchFamily="34" charset="0"/>
+              </a:rPr>
+              <a:t>paren</a:t>
+            </a:r>
+            <a:r>
+              <a:rPr lang="en-US" sz="1000" dirty="0" smtClean="0">
+                <a:latin typeface="Segoe UI" panose="020B0502040204020203" pitchFamily="34" charset="0"/>
+                <a:cs typeface="Segoe UI" panose="020B0502040204020203" pitchFamily="34" charset="0"/>
+              </a:rPr>
+              <a:t> is greater than the children, but there are no guarantees between sibling nodes</a:t>
+            </a:r>
+          </a:p>
+          <a:p>
+            <a:r>
+              <a:rPr lang="en-US" sz="1000" dirty="0" smtClean="0">
+                <a:latin typeface="Segoe UI" panose="020B0502040204020203" pitchFamily="34" charset="0"/>
+                <a:cs typeface="Segoe UI" panose="020B0502040204020203" pitchFamily="34" charset="0"/>
+              </a:rPr>
+              <a:t>A binary heap is as compact as possible unlike BST, all the children of each node are as full as they can be and left children are filled out first</a:t>
+            </a:r>
+          </a:p>
+          <a:p>
+            <a:r>
+              <a:rPr lang="en-US" sz="1000" dirty="0" smtClean="0">
+                <a:solidFill>
+                  <a:srgbClr val="FF0000"/>
+                </a:solidFill>
+                <a:latin typeface="Segoe UI" panose="020B0502040204020203" pitchFamily="34" charset="0"/>
+                <a:cs typeface="Segoe UI" panose="020B0502040204020203" pitchFamily="34" charset="0"/>
+              </a:rPr>
+              <a:t>No implied ordering between siblings</a:t>
+            </a:r>
+          </a:p>
+          <a:p>
+            <a:endParaRPr lang="en-US" sz="1000" dirty="0">
+              <a:solidFill>
+                <a:srgbClr val="FF0000"/>
+              </a:solidFill>
+              <a:latin typeface="Segoe UI" panose="020B0502040204020203" pitchFamily="34" charset="0"/>
+              <a:cs typeface="Segoe UI" panose="020B0502040204020203" pitchFamily="34" charset="0"/>
+            </a:endParaRPr>
+          </a:p>
+          <a:p>
+            <a:pPr marL="0" indent="0">
+              <a:buNone/>
+            </a:pPr>
+            <a:r>
+              <a:rPr lang="en-US" sz="1000" dirty="0" smtClean="0">
+                <a:latin typeface="Segoe UI" panose="020B0502040204020203" pitchFamily="34" charset="0"/>
+                <a:cs typeface="Segoe UI" panose="020B0502040204020203" pitchFamily="34" charset="0"/>
+              </a:rPr>
+              <a:t>Same idea for Min Binary heap</a:t>
+            </a:r>
+          </a:p>
+          <a:p>
+            <a:pPr marL="0" indent="0">
+              <a:buNone/>
+            </a:pPr>
+            <a:endParaRPr lang="en-US" sz="1000" dirty="0" smtClean="0">
+              <a:latin typeface="Segoe UI" panose="020B0502040204020203" pitchFamily="34" charset="0"/>
+              <a:cs typeface="Segoe UI" panose="020B0502040204020203" pitchFamily="34" charset="0"/>
+            </a:endParaRPr>
+          </a:p>
+          <a:p>
+            <a:pPr marL="0" indent="0">
+              <a:buNone/>
+            </a:pPr>
+            <a:r>
+              <a:rPr lang="en-US" sz="1000" dirty="0" smtClean="0">
+                <a:latin typeface="Segoe UI" panose="020B0502040204020203" pitchFamily="34" charset="0"/>
+                <a:cs typeface="Segoe UI" panose="020B0502040204020203" pitchFamily="34" charset="0"/>
+              </a:rPr>
+              <a:t>Why do we need to know this?</a:t>
+            </a:r>
+          </a:p>
+          <a:p>
+            <a:pPr marL="0" indent="0">
+              <a:buNone/>
+            </a:pPr>
+            <a:r>
+              <a:rPr lang="en-US" sz="1000" dirty="0" smtClean="0">
+                <a:solidFill>
+                  <a:schemeClr val="accent6"/>
+                </a:solidFill>
+                <a:latin typeface="Segoe UI" panose="020B0502040204020203" pitchFamily="34" charset="0"/>
+                <a:cs typeface="Segoe UI" panose="020B0502040204020203" pitchFamily="34" charset="0"/>
+              </a:rPr>
+              <a:t>Binary heaps are used to implement Priority Queues, which are very commonly used data structure</a:t>
+            </a:r>
+          </a:p>
+          <a:p>
+            <a:pPr marL="0" indent="0">
+              <a:buNone/>
+            </a:pPr>
+            <a:r>
+              <a:rPr lang="en-US" sz="1000" dirty="0" smtClean="0">
+                <a:latin typeface="Segoe UI" panose="020B0502040204020203" pitchFamily="34" charset="0"/>
+                <a:cs typeface="Segoe UI" panose="020B0502040204020203" pitchFamily="34" charset="0"/>
+              </a:rPr>
+              <a:t>Set up </a:t>
+            </a:r>
+            <a:r>
+              <a:rPr lang="en-US" sz="1000" dirty="0" err="1" smtClean="0">
+                <a:latin typeface="Segoe UI" panose="020B0502040204020203" pitchFamily="34" charset="0"/>
+                <a:cs typeface="Segoe UI" panose="020B0502040204020203" pitchFamily="34" charset="0"/>
+              </a:rPr>
+              <a:t>importants</a:t>
+            </a:r>
+            <a:r>
+              <a:rPr lang="en-US" sz="1000" dirty="0" smtClean="0">
+                <a:latin typeface="Segoe UI" panose="020B0502040204020203" pitchFamily="34" charset="0"/>
+                <a:cs typeface="Segoe UI" panose="020B0502040204020203" pitchFamily="34" charset="0"/>
+              </a:rPr>
+              <a:t> level | used quite a bit, with graph traversal algorithms</a:t>
+            </a:r>
+            <a:endParaRPr lang="en-US" sz="1000" dirty="0">
+              <a:latin typeface="Segoe UI" panose="020B0502040204020203" pitchFamily="34" charset="0"/>
+              <a:cs typeface="Segoe UI" panose="020B0502040204020203" pitchFamily="34" charset="0"/>
+            </a:endParaRPr>
+          </a:p>
+        </p:txBody>
+      </p:sp>
+    </p:spTree>
+    <p:extLst>
+      <p:ext uri="{BB962C8B-B14F-4D97-AF65-F5344CB8AC3E}">
+        <p14:creationId xmlns:p14="http://schemas.microsoft.com/office/powerpoint/2010/main" val="837083091"/>
       </p:ext>
     </p:extLst>
   </p:cSld>
@@ -17082,7 +17024,7 @@
         <p:spPr>
           <a:xfrm>
             <a:off x="1392467" y="1957833"/>
-            <a:ext cx="4490000" cy="3866400"/>
+            <a:ext cx="9610166" cy="855705"/>
           </a:xfrm>
           <a:prstGeom prst="rect">
             <a:avLst/>
@@ -17094,7 +17036,7 @@
           </a:bodyPr>
           <a:lstStyle/>
           <a:p>
-            <a:pPr marL="0" lvl="0" indent="0">
+            <a:pPr marL="87313" lvl="0" indent="0">
               <a:spcBef>
                 <a:spcPts val="1067"/>
               </a:spcBef>
@@ -18050,6 +17992,167 @@
           </p:txBody>
         </p:sp>
       </p:grpSp>
+      <p:sp>
+        <p:nvSpPr>
+          <p:cNvPr id="10" name="Google Shape;119;p17"/>
+          <p:cNvSpPr txBox="1">
+            <a:spLocks noGrp="1"/>
+          </p:cNvSpPr>
+          <p:nvPr>
+            <p:ph type="body" idx="1"/>
+          </p:nvPr>
+        </p:nvSpPr>
+        <p:spPr>
+          <a:xfrm>
+            <a:off x="1392467" y="2936870"/>
+            <a:ext cx="9610000" cy="3006729"/>
+          </a:xfrm>
+          <a:prstGeom prst="rect">
+            <a:avLst/>
+          </a:prstGeom>
+        </p:spPr>
+        <p:txBody>
+          <a:bodyPr spcFirstLastPara="1" wrap="square" lIns="0" tIns="0" rIns="0" bIns="0" anchor="t" anchorCtr="0">
+            <a:noAutofit/>
+          </a:bodyPr>
+          <a:lstStyle/>
+          <a:p>
+            <a:pPr marL="101598" indent="0">
+              <a:buNone/>
+            </a:pPr>
+            <a:r>
+              <a:rPr lang="en-US" sz="2000" b="1" dirty="0">
+                <a:solidFill>
+                  <a:schemeClr val="accent4"/>
+                </a:solidFill>
+                <a:latin typeface="Nirmala UI" panose="020B0502040204020203" pitchFamily="34" charset="0"/>
+                <a:ea typeface="Nirmala UI" panose="020B0502040204020203" pitchFamily="34" charset="0"/>
+                <a:cs typeface="Nirmala UI" panose="020B0502040204020203" pitchFamily="34" charset="0"/>
+                <a:sym typeface="Red Hat Display"/>
+              </a:rPr>
+              <a:t>Algorithm</a:t>
+            </a:r>
+            <a:r>
+              <a:rPr lang="en-US" sz="3200" b="1" dirty="0">
+                <a:solidFill>
+                  <a:schemeClr val="accent4"/>
+                </a:solidFill>
+                <a:latin typeface="Nirmala UI" panose="020B0502040204020203" pitchFamily="34" charset="0"/>
+                <a:ea typeface="Nirmala UI" panose="020B0502040204020203" pitchFamily="34" charset="0"/>
+                <a:cs typeface="Nirmala UI" panose="020B0502040204020203" pitchFamily="34" charset="0"/>
+                <a:sym typeface="Red Hat Display"/>
+              </a:rPr>
+              <a:t> </a:t>
+            </a:r>
+            <a:r>
+              <a:rPr lang="en-US" sz="2000" b="1" dirty="0">
+                <a:solidFill>
+                  <a:schemeClr val="accent4"/>
+                </a:solidFill>
+                <a:latin typeface="Nirmala UI" panose="020B0502040204020203" pitchFamily="34" charset="0"/>
+                <a:ea typeface="Nirmala UI" panose="020B0502040204020203" pitchFamily="34" charset="0"/>
+                <a:cs typeface="Nirmala UI" panose="020B0502040204020203" pitchFamily="34" charset="0"/>
+                <a:sym typeface="Red Hat Display"/>
+              </a:rPr>
+              <a:t>properties</a:t>
+            </a:r>
+          </a:p>
+          <a:p>
+            <a:pPr marL="101598" indent="0">
+              <a:buNone/>
+            </a:pPr>
+            <a:r>
+              <a:rPr lang="en-US" sz="1600" dirty="0" smtClean="0">
+                <a:latin typeface="Segoe UI" panose="020B0502040204020203" pitchFamily="34" charset="0"/>
+                <a:cs typeface="Segoe UI" panose="020B0502040204020203" pitchFamily="34" charset="0"/>
+              </a:rPr>
+              <a:t>Various </a:t>
+            </a:r>
+            <a:r>
+              <a:rPr lang="en-US" sz="1600" dirty="0">
+                <a:latin typeface="Segoe UI" panose="020B0502040204020203" pitchFamily="34" charset="0"/>
+                <a:cs typeface="Segoe UI" panose="020B0502040204020203" pitchFamily="34" charset="0"/>
+              </a:rPr>
+              <a:t>definitions of an algorithm, explicitly or implicitly, contain the following set of general </a:t>
+            </a:r>
+            <a:r>
+              <a:rPr lang="en-US" sz="1600" dirty="0" smtClean="0">
+                <a:latin typeface="Segoe UI" panose="020B0502040204020203" pitchFamily="34" charset="0"/>
+                <a:cs typeface="Segoe UI" panose="020B0502040204020203" pitchFamily="34" charset="0"/>
+              </a:rPr>
+              <a:t>requirements</a:t>
+            </a:r>
+          </a:p>
+          <a:p>
+            <a:pPr marL="101598" indent="0">
+              <a:buNone/>
+            </a:pPr>
+            <a:endParaRPr lang="en" sz="1600" dirty="0" smtClean="0">
+              <a:latin typeface="Segoe UI" panose="020B0502040204020203" pitchFamily="34" charset="0"/>
+              <a:cs typeface="Segoe UI" panose="020B0502040204020203" pitchFamily="34" charset="0"/>
+            </a:endParaRPr>
+          </a:p>
+          <a:p>
+            <a:r>
+              <a:rPr lang="en-US" sz="1600" dirty="0" smtClean="0">
+                <a:latin typeface="Segoe UI" panose="020B0502040204020203" pitchFamily="34" charset="0"/>
+                <a:cs typeface="Segoe UI" panose="020B0502040204020203" pitchFamily="34" charset="0"/>
+              </a:rPr>
+              <a:t>The </a:t>
+            </a:r>
+            <a:r>
+              <a:rPr lang="en-US" sz="1600" dirty="0">
+                <a:latin typeface="Segoe UI" panose="020B0502040204020203" pitchFamily="34" charset="0"/>
+                <a:cs typeface="Segoe UI" panose="020B0502040204020203" pitchFamily="34" charset="0"/>
+              </a:rPr>
+              <a:t>algorithm must represent the process of solving the problem as an orderly execution of some simple </a:t>
+            </a:r>
+            <a:r>
+              <a:rPr lang="en-US" sz="1600" dirty="0" smtClean="0">
+                <a:latin typeface="Segoe UI" panose="020B0502040204020203" pitchFamily="34" charset="0"/>
+                <a:cs typeface="Segoe UI" panose="020B0502040204020203" pitchFamily="34" charset="0"/>
+              </a:rPr>
+              <a:t>steps</a:t>
+            </a:r>
+          </a:p>
+          <a:p>
+            <a:r>
+              <a:rPr lang="en-US" sz="1600" dirty="0">
+                <a:latin typeface="Segoe UI" panose="020B0502040204020203" pitchFamily="34" charset="0"/>
+                <a:cs typeface="Segoe UI" panose="020B0502040204020203" pitchFamily="34" charset="0"/>
+              </a:rPr>
+              <a:t>The algorithm should be applicable to different sets of initial data</a:t>
+            </a:r>
+            <a:r>
+              <a:rPr lang="en-US" sz="1600" dirty="0" smtClean="0">
+                <a:latin typeface="Segoe UI" panose="020B0502040204020203" pitchFamily="34" charset="0"/>
+                <a:cs typeface="Segoe UI" panose="020B0502040204020203" pitchFamily="34" charset="0"/>
+              </a:rPr>
+              <a:t>.</a:t>
+            </a:r>
+          </a:p>
+          <a:p>
+            <a:r>
+              <a:rPr lang="en-US" sz="1600" dirty="0">
+                <a:latin typeface="Segoe UI" panose="020B0502040204020203" pitchFamily="34" charset="0"/>
+                <a:cs typeface="Segoe UI" panose="020B0502040204020203" pitchFamily="34" charset="0"/>
+              </a:rPr>
+              <a:t>The algorithm should produce the same result for the same input data</a:t>
+            </a:r>
+            <a:r>
+              <a:rPr lang="en-US" sz="1600" dirty="0" smtClean="0">
+                <a:latin typeface="Segoe UI" panose="020B0502040204020203" pitchFamily="34" charset="0"/>
+                <a:cs typeface="Segoe UI" panose="020B0502040204020203" pitchFamily="34" charset="0"/>
+              </a:rPr>
+              <a:t>.</a:t>
+            </a:r>
+            <a:endParaRPr sz="1600" dirty="0">
+              <a:latin typeface="Segoe UI" panose="020B0502040204020203" pitchFamily="34" charset="0"/>
+              <a:cs typeface="Segoe UI" panose="020B0502040204020203" pitchFamily="34" charset="0"/>
+            </a:endParaRPr>
+          </a:p>
+        </p:txBody>
+      </p:sp>
     </p:spTree>
     <p:extLst>
       <p:ext uri="{BB962C8B-B14F-4D97-AF65-F5344CB8AC3E}">
@@ -18119,7 +18222,7 @@
                 <a:latin typeface="Segoe UI" panose="020B0502040204020203" pitchFamily="34" charset="0"/>
                 <a:cs typeface="Segoe UI" panose="020B0502040204020203" pitchFamily="34" charset="0"/>
               </a:rPr>
-              <a:t>Heap</a:t>
+              <a:t>Heap - storing</a:t>
             </a:r>
             <a:endParaRPr lang="en-US" dirty="0">
               <a:latin typeface="Segoe UI" panose="020B0502040204020203" pitchFamily="34" charset="0"/>
@@ -18140,8 +18243,8 @@
         </p:nvSpPr>
         <p:spPr>
           <a:xfrm>
-            <a:off x="838200" y="814388"/>
-            <a:ext cx="10515600" cy="5622925"/>
+            <a:off x="838200" y="814389"/>
+            <a:ext cx="3286125" cy="2767012"/>
           </a:xfrm>
         </p:spPr>
         <p:txBody>
@@ -18150,68 +18253,110 @@
           </a:bodyPr>
           <a:lstStyle/>
           <a:p>
+            <a:pPr marL="0" indent="0">
+              <a:buNone/>
+            </a:pPr>
             <a:r>
               <a:rPr lang="en-US" sz="1000" dirty="0" smtClean="0">
                 <a:latin typeface="Segoe UI" panose="020B0502040204020203" pitchFamily="34" charset="0"/>
                 <a:cs typeface="Segoe UI" panose="020B0502040204020203" pitchFamily="34" charset="0"/>
               </a:rPr>
-              <a:t>Define what a binary heap is</a:t>
-            </a:r>
-          </a:p>
-          <a:p>
+              <a:t>            41</a:t>
+            </a:r>
+          </a:p>
+          <a:p>
+            <a:pPr marL="0" indent="0">
+              <a:buNone/>
+            </a:pPr>
+            <a:r>
+              <a:rPr lang="en-US" sz="1000" dirty="0">
+                <a:latin typeface="Segoe UI" panose="020B0502040204020203" pitchFamily="34" charset="0"/>
+                <a:cs typeface="Segoe UI" panose="020B0502040204020203" pitchFamily="34" charset="0"/>
+              </a:rPr>
+              <a:t> </a:t>
+            </a:r>
             <a:r>
               <a:rPr lang="en-US" sz="1000" dirty="0" smtClean="0">
                 <a:latin typeface="Segoe UI" panose="020B0502040204020203" pitchFamily="34" charset="0"/>
                 <a:cs typeface="Segoe UI" panose="020B0502040204020203" pitchFamily="34" charset="0"/>
               </a:rPr>
-              <a:t>Compare and </a:t>
+              <a:t>   39           33</a:t>
+            </a:r>
+          </a:p>
+          <a:p>
+            <a:pPr>
+              <a:buAutoNum type="arabicPlain" startAt="18"/>
+            </a:pPr>
+            <a:r>
+              <a:rPr lang="en-US" sz="1000" dirty="0" smtClean="0">
+                <a:latin typeface="Segoe UI" panose="020B0502040204020203" pitchFamily="34" charset="0"/>
+                <a:cs typeface="Segoe UI" panose="020B0502040204020203" pitchFamily="34" charset="0"/>
+              </a:rPr>
+              <a:t>27     12     7</a:t>
+            </a:r>
+          </a:p>
+          <a:p>
+            <a:pPr marL="0" indent="0">
+              <a:buNone/>
+            </a:pPr>
+            <a:r>
+              <a:rPr lang="en-US" sz="1000" dirty="0" smtClean="0">
+                <a:latin typeface="Segoe UI" panose="020B0502040204020203" pitchFamily="34" charset="0"/>
+                <a:cs typeface="Segoe UI" panose="020B0502040204020203" pitchFamily="34" charset="0"/>
+              </a:rPr>
+              <a:t>Easy way of </a:t>
             </a:r>
             <a:r>
               <a:rPr lang="en-US" sz="1000" dirty="0" err="1" smtClean="0">
                 <a:latin typeface="Segoe UI" panose="020B0502040204020203" pitchFamily="34" charset="0"/>
                 <a:cs typeface="Segoe UI" panose="020B0502040204020203" pitchFamily="34" charset="0"/>
               </a:rPr>
-              <a:t>constrast</a:t>
+              <a:t>ording</a:t>
             </a:r>
             <a:r>
               <a:rPr lang="en-US" sz="1000" dirty="0" smtClean="0">
                 <a:latin typeface="Segoe UI" panose="020B0502040204020203" pitchFamily="34" charset="0"/>
                 <a:cs typeface="Segoe UI" panose="020B0502040204020203" pitchFamily="34" charset="0"/>
               </a:rPr>
-              <a:t> min and max heaps</a:t>
-            </a:r>
-          </a:p>
-          <a:p>
+              <a:t> a binary heap … </a:t>
+            </a:r>
+            <a:r>
+              <a:rPr lang="en-US" sz="1000" dirty="0" err="1" smtClean="0">
+                <a:latin typeface="Segoe UI" panose="020B0502040204020203" pitchFamily="34" charset="0"/>
+                <a:cs typeface="Segoe UI" panose="020B0502040204020203" pitchFamily="34" charset="0"/>
+              </a:rPr>
+              <a:t>tadada</a:t>
+            </a:r>
             <a:r>
               <a:rPr lang="en-US" sz="1000" dirty="0" smtClean="0">
                 <a:latin typeface="Segoe UI" panose="020B0502040204020203" pitchFamily="34" charset="0"/>
                 <a:cs typeface="Segoe UI" panose="020B0502040204020203" pitchFamily="34" charset="0"/>
               </a:rPr>
-              <a:t>Implement basic methods on heaps</a:t>
-            </a:r>
-          </a:p>
-          <a:p>
+              <a:t>!! List / array</a:t>
+            </a:r>
+          </a:p>
+          <a:p>
+            <a:pPr marL="0" indent="0">
+              <a:buNone/>
+            </a:pPr>
             <a:r>
               <a:rPr lang="en-US" sz="1000" dirty="0" smtClean="0">
                 <a:latin typeface="Segoe UI" panose="020B0502040204020203" pitchFamily="34" charset="0"/>
                 <a:cs typeface="Segoe UI" panose="020B0502040204020203" pitchFamily="34" charset="0"/>
               </a:rPr>
-              <a:t>Understand where heaps are used in real word and what other data structures can be constructed from heaps</a:t>
-            </a:r>
-          </a:p>
-          <a:p>
+              <a:t>41 - 39 –- 33 –-- 18 –-- 27 –-- 12 –-- 7 </a:t>
+            </a:r>
+          </a:p>
+          <a:p>
+            <a:pPr marL="0" indent="0">
+              <a:buNone/>
+            </a:pPr>
             <a:endParaRPr lang="en-US" sz="1000" dirty="0">
               <a:latin typeface="Segoe UI" panose="020B0502040204020203" pitchFamily="34" charset="0"/>
               <a:cs typeface="Segoe UI" panose="020B0502040204020203" pitchFamily="34" charset="0"/>
             </a:endParaRPr>
           </a:p>
           <a:p>
-            <a:endParaRPr lang="en-US" sz="1000" dirty="0" smtClean="0">
-              <a:latin typeface="Segoe UI" panose="020B0502040204020203" pitchFamily="34" charset="0"/>
-              <a:cs typeface="Segoe UI" panose="020B0502040204020203" pitchFamily="34" charset="0"/>
-            </a:endParaRPr>
-          </a:p>
-          <a:p>
             <a:pPr marL="0" indent="0">
               <a:buNone/>
             </a:pPr>
@@ -18220,67 +18365,7 @@
                 <a:latin typeface="Segoe UI" panose="020B0502040204020203" pitchFamily="34" charset="0"/>
                 <a:cs typeface="Segoe UI" panose="020B0502040204020203" pitchFamily="34" charset="0"/>
               </a:rPr>
-              <a:t>Very similar to a binary search </a:t>
-            </a:r>
-            <a:r>
-              <a:rPr lang="en-US" sz="1000" dirty="0" err="1" smtClean="0">
-                <a:latin typeface="Segoe UI" panose="020B0502040204020203" pitchFamily="34" charset="0"/>
-                <a:cs typeface="Segoe UI" panose="020B0502040204020203" pitchFamily="34" charset="0"/>
-              </a:rPr>
-              <a:t>tess</a:t>
-            </a:r>
-            <a:r>
-              <a:rPr lang="en-US" sz="1000" dirty="0" smtClean="0">
-                <a:latin typeface="Segoe UI" panose="020B0502040204020203" pitchFamily="34" charset="0"/>
-                <a:cs typeface="Segoe UI" panose="020B0502040204020203" pitchFamily="34" charset="0"/>
-              </a:rPr>
-              <a:t> but with some different rules</a:t>
-            </a:r>
-          </a:p>
-          <a:p>
-            <a:r>
-              <a:rPr lang="en-US" sz="1000" dirty="0" smtClean="0">
-                <a:latin typeface="Segoe UI" panose="020B0502040204020203" pitchFamily="34" charset="0"/>
-                <a:cs typeface="Segoe UI" panose="020B0502040204020203" pitchFamily="34" charset="0"/>
-              </a:rPr>
-              <a:t>In </a:t>
-            </a:r>
-            <a:r>
-              <a:rPr lang="en-US" sz="1000" dirty="0" err="1" smtClean="0">
-                <a:latin typeface="Segoe UI" panose="020B0502040204020203" pitchFamily="34" charset="0"/>
-                <a:cs typeface="Segoe UI" panose="020B0502040204020203" pitchFamily="34" charset="0"/>
-              </a:rPr>
-              <a:t>MaxBinaryHeap</a:t>
-            </a:r>
-            <a:r>
-              <a:rPr lang="en-US" sz="1000" dirty="0" smtClean="0">
-                <a:latin typeface="Segoe UI" panose="020B0502040204020203" pitchFamily="34" charset="0"/>
-                <a:cs typeface="Segoe UI" panose="020B0502040204020203" pitchFamily="34" charset="0"/>
-              </a:rPr>
-              <a:t>, parent nodes are always larger than child nodes. In a </a:t>
-            </a:r>
-            <a:r>
-              <a:rPr lang="en-US" sz="1000" dirty="0" err="1" smtClean="0">
-                <a:latin typeface="Segoe UI" panose="020B0502040204020203" pitchFamily="34" charset="0"/>
-                <a:cs typeface="Segoe UI" panose="020B0502040204020203" pitchFamily="34" charset="0"/>
-              </a:rPr>
-              <a:t>MinBinaryHeap</a:t>
-            </a:r>
-            <a:r>
-              <a:rPr lang="en-US" sz="1000" dirty="0" smtClean="0">
-                <a:latin typeface="Segoe UI" panose="020B0502040204020203" pitchFamily="34" charset="0"/>
-                <a:cs typeface="Segoe UI" panose="020B0502040204020203" pitchFamily="34" charset="0"/>
-              </a:rPr>
-              <a:t>, pare nodes are always smaller than child nodes</a:t>
-            </a:r>
-          </a:p>
-          <a:p>
-            <a:r>
-              <a:rPr lang="en-US" sz="1000" dirty="0" smtClean="0">
-                <a:latin typeface="Segoe UI" panose="020B0502040204020203" pitchFamily="34" charset="0"/>
-                <a:cs typeface="Segoe UI" panose="020B0502040204020203" pitchFamily="34" charset="0"/>
-              </a:rPr>
-              <a:t>Most 2 children, but unlike BST, there is no order left or right</a:t>
+              <a:t>For any index of an array n…</a:t>
             </a:r>
           </a:p>
           <a:p>
@@ -18288,186 +18373,328 @@
               <a:buNone/>
             </a:pPr>
             <a:r>
-              <a:rPr lang="en-US" sz="1000" dirty="0" err="1" smtClean="0">
-                <a:latin typeface="Segoe UI" panose="020B0502040204020203" pitchFamily="34" charset="0"/>
-                <a:cs typeface="Segoe UI" panose="020B0502040204020203" pitchFamily="34" charset="0"/>
-              </a:rPr>
-              <a:t>MaxBinaryHeap</a:t>
-            </a:r>
-            <a:endParaRPr lang="en-US" sz="1000" dirty="0" smtClean="0">
-              <a:latin typeface="Segoe UI" panose="020B0502040204020203" pitchFamily="34" charset="0"/>
-              <a:cs typeface="Segoe UI" panose="020B0502040204020203" pitchFamily="34" charset="0"/>
-            </a:endParaRPr>
-          </a:p>
-          <a:p>
+              <a:rPr lang="en-US" sz="1000" dirty="0">
+                <a:latin typeface="Segoe UI" panose="020B0502040204020203" pitchFamily="34" charset="0"/>
+                <a:cs typeface="Segoe UI" panose="020B0502040204020203" pitchFamily="34" charset="0"/>
+              </a:rPr>
+              <a:t>The left child is stored at 2n + </a:t>
+            </a:r>
             <a:r>
               <a:rPr lang="en-US" sz="1000" dirty="0" smtClean="0">
                 <a:latin typeface="Segoe UI" panose="020B0502040204020203" pitchFamily="34" charset="0"/>
                 <a:cs typeface="Segoe UI" panose="020B0502040204020203" pitchFamily="34" charset="0"/>
               </a:rPr>
-              <a:t>Each parent has at most two child nodes</a:t>
-            </a:r>
-          </a:p>
-          <a:p>
-            <a:r>
-              <a:rPr lang="en-US" sz="1000" dirty="0" smtClean="0">
-                <a:latin typeface="Segoe UI" panose="020B0502040204020203" pitchFamily="34" charset="0"/>
-                <a:cs typeface="Segoe UI" panose="020B0502040204020203" pitchFamily="34" charset="0"/>
-              </a:rPr>
-              <a:t>The value of each parent node is always greater than its </a:t>
-            </a:r>
-            <a:r>
-              <a:rPr lang="en-US" sz="1000" dirty="0" err="1" smtClean="0">
-                <a:latin typeface="Segoe UI" panose="020B0502040204020203" pitchFamily="34" charset="0"/>
-                <a:cs typeface="Segoe UI" panose="020B0502040204020203" pitchFamily="34" charset="0"/>
-              </a:rPr>
-              <a:t>chid</a:t>
-            </a:r>
-            <a:r>
-              <a:rPr lang="en-US" sz="1000" dirty="0" smtClean="0">
-                <a:latin typeface="Segoe UI" panose="020B0502040204020203" pitchFamily="34" charset="0"/>
-                <a:cs typeface="Segoe UI" panose="020B0502040204020203" pitchFamily="34" charset="0"/>
-              </a:rPr>
-              <a:t> node</a:t>
-            </a:r>
-          </a:p>
-          <a:p>
-            <a:r>
-              <a:rPr lang="en-US" sz="1000" dirty="0" smtClean="0">
-                <a:latin typeface="Segoe UI" panose="020B0502040204020203" pitchFamily="34" charset="0"/>
-                <a:cs typeface="Segoe UI" panose="020B0502040204020203" pitchFamily="34" charset="0"/>
-              </a:rPr>
-              <a:t>In a max binary heap the </a:t>
-            </a:r>
-            <a:r>
-              <a:rPr lang="en-US" sz="1000" dirty="0" err="1" smtClean="0">
-                <a:latin typeface="Segoe UI" panose="020B0502040204020203" pitchFamily="34" charset="0"/>
-                <a:cs typeface="Segoe UI" panose="020B0502040204020203" pitchFamily="34" charset="0"/>
-              </a:rPr>
-              <a:t>paren</a:t>
-            </a:r>
-            <a:r>
-              <a:rPr lang="en-US" sz="1000" dirty="0" smtClean="0">
-                <a:latin typeface="Segoe UI" panose="020B0502040204020203" pitchFamily="34" charset="0"/>
-                <a:cs typeface="Segoe UI" panose="020B0502040204020203" pitchFamily="34" charset="0"/>
-              </a:rPr>
-              <a:t> is greater than the children, but there are no guarantees between sibling nodes</a:t>
-            </a:r>
-          </a:p>
-          <a:p>
-            <a:r>
-              <a:rPr lang="en-US" sz="1000" dirty="0" smtClean="0">
-                <a:latin typeface="Segoe UI" panose="020B0502040204020203" pitchFamily="34" charset="0"/>
-                <a:cs typeface="Segoe UI" panose="020B0502040204020203" pitchFamily="34" charset="0"/>
-              </a:rPr>
-              <a:t>A binary heap is as compact as possible unlike BST, all the children of each node are as full as they can be and left children are filled out first</a:t>
-            </a:r>
-          </a:p>
-          <a:p>
-            <a:r>
-              <a:rPr lang="en-US" sz="1000" dirty="0" smtClean="0">
-                <a:solidFill>
-                  <a:srgbClr val="FF0000"/>
-                </a:solidFill>
-                <a:latin typeface="Segoe UI" panose="020B0502040204020203" pitchFamily="34" charset="0"/>
-                <a:cs typeface="Segoe UI" panose="020B0502040204020203" pitchFamily="34" charset="0"/>
-              </a:rPr>
-              <a:t>No implied ordering between siblings</a:t>
-            </a:r>
-          </a:p>
-          <a:p>
-            <a:endParaRPr lang="en-US" sz="1000" dirty="0">
-              <a:solidFill>
-                <a:srgbClr val="FF0000"/>
-              </a:solidFill>
-              <a:latin typeface="Segoe UI" panose="020B0502040204020203" pitchFamily="34" charset="0"/>
-              <a:cs typeface="Segoe UI" panose="020B0502040204020203" pitchFamily="34" charset="0"/>
-            </a:endParaRPr>
+              <a:t>1</a:t>
+            </a:r>
           </a:p>
           <a:p>
             <a:pPr marL="0" indent="0">
               <a:buNone/>
             </a:pPr>
             <a:r>
+              <a:rPr lang="en-US" sz="1000" dirty="0">
+                <a:latin typeface="Segoe UI" panose="020B0502040204020203" pitchFamily="34" charset="0"/>
+                <a:cs typeface="Segoe UI" panose="020B0502040204020203" pitchFamily="34" charset="0"/>
+              </a:rPr>
+              <a:t>The </a:t>
+            </a:r>
+            <a:r>
               <a:rPr lang="en-US" sz="1000" dirty="0" smtClean="0">
                 <a:latin typeface="Segoe UI" panose="020B0502040204020203" pitchFamily="34" charset="0"/>
                 <a:cs typeface="Segoe UI" panose="020B0502040204020203" pitchFamily="34" charset="0"/>
               </a:rPr>
-              <a:t>Same idea for Min Binary heap</a:t>
-            </a:r>
-          </a:p>
-          <a:p>
-            <a:pPr marL="0" indent="0">
-              <a:buNone/>
-            </a:pPr>
-            <a:endParaRPr lang="en-US" sz="1000" dirty="0" smtClean="0">
-              <a:latin typeface="Segoe UI" panose="020B0502040204020203" pitchFamily="34" charset="0"/>
-              <a:cs typeface="Segoe UI" panose="020B0502040204020203" pitchFamily="34" charset="0"/>
-            </a:endParaRPr>
-          </a:p>
-          <a:p>
-            <a:pPr marL="0" indent="0">
-              <a:buNone/>
-            </a:pPr>
+              <a:t>right </a:t>
+            </a:r>
+            <a:r>
+              <a:rPr lang="en-US" sz="1000" dirty="0">
+                <a:latin typeface="Segoe UI" panose="020B0502040204020203" pitchFamily="34" charset="0"/>
+                <a:cs typeface="Segoe UI" panose="020B0502040204020203" pitchFamily="34" charset="0"/>
+              </a:rPr>
+              <a:t>child is stored at 2n + </a:t>
+            </a:r>
             <a:r>
               <a:rPr lang="en-US" sz="1000" dirty="0" smtClean="0">
                 <a:latin typeface="Segoe UI" panose="020B0502040204020203" pitchFamily="34" charset="0"/>
                 <a:cs typeface="Segoe UI" panose="020B0502040204020203" pitchFamily="34" charset="0"/>
               </a:rPr>
-              <a:t>Why do we need to know this?</a:t>
-            </a:r>
-          </a:p>
-          <a:p>
-            <a:pPr marL="0" indent="0">
-              <a:buNone/>
-            </a:pPr>
-            <a:r>
-              <a:rPr lang="en-US" sz="1000" dirty="0" smtClean="0">
-                <a:solidFill>
-                  <a:schemeClr val="accent6"/>
-                </a:solidFill>
-                <a:latin typeface="Segoe UI" panose="020B0502040204020203" pitchFamily="34" charset="0"/>
-                <a:cs typeface="Segoe UI" panose="020B0502040204020203" pitchFamily="34" charset="0"/>
-              </a:rPr>
-              <a:t>Binary heaps are used to implement Priority Queues, which are very commonly used data structure</a:t>
-            </a:r>
-          </a:p>
-          <a:p>
-            <a:pPr marL="0" indent="0">
-              <a:buNone/>
-            </a:pPr>
-            <a:r>
-              <a:rPr lang="en-US" sz="1000" dirty="0" smtClean="0">
-                <a:latin typeface="Segoe UI" panose="020B0502040204020203" pitchFamily="34" charset="0"/>
-                <a:cs typeface="Segoe UI" panose="020B0502040204020203" pitchFamily="34" charset="0"/>
-              </a:rPr>
-              <a:t>Set up </a:t>
-            </a:r>
-            <a:r>
-              <a:rPr lang="en-US" sz="1000" dirty="0" err="1" smtClean="0">
-                <a:latin typeface="Segoe UI" panose="020B0502040204020203" pitchFamily="34" charset="0"/>
-                <a:cs typeface="Segoe UI" panose="020B0502040204020203" pitchFamily="34" charset="0"/>
-              </a:rPr>
-              <a:t>importants</a:t>
-            </a:r>
-            <a:r>
-              <a:rPr lang="en-US" sz="1000" dirty="0" smtClean="0">
-                <a:latin typeface="Segoe UI" panose="020B0502040204020203" pitchFamily="34" charset="0"/>
-                <a:cs typeface="Segoe UI" panose="020B0502040204020203" pitchFamily="34" charset="0"/>
-              </a:rPr>
-              <a:t> level | used quite a bit, with graph traversal algorithms</a:t>
+              <a:t>2</a:t>
             </a:r>
             <a:endParaRPr lang="en-US" sz="1000" dirty="0">
               <a:latin typeface="Segoe UI" panose="020B0502040204020203" pitchFamily="34" charset="0"/>
               <a:cs typeface="Segoe UI" panose="020B0502040204020203" pitchFamily="34" charset="0"/>
             </a:endParaRPr>
+          </a:p>
+          <a:p>
+            <a:pPr marL="0" indent="0">
+              <a:buNone/>
+            </a:pPr>
+            <a:r>
+              <a:rPr lang="en-US" sz="1000" dirty="0" smtClean="0">
+                <a:latin typeface="Segoe UI" panose="020B0502040204020203" pitchFamily="34" charset="0"/>
+                <a:cs typeface="Segoe UI" panose="020B0502040204020203" pitchFamily="34" charset="0"/>
+              </a:rPr>
+              <a:t>Backward solution -&gt; ( n - 1 ) / 2 floor</a:t>
+            </a:r>
+          </a:p>
+          <a:p>
+            <a:pPr marL="0" indent="0">
+              <a:buNone/>
+            </a:pPr>
+            <a:endParaRPr lang="en-US" sz="1000" dirty="0">
+              <a:latin typeface="Segoe UI" panose="020B0502040204020203" pitchFamily="34" charset="0"/>
+              <a:cs typeface="Segoe UI" panose="020B0502040204020203" pitchFamily="34" charset="0"/>
+            </a:endParaRPr>
+          </a:p>
+        </p:txBody>
+      </p:sp>
+      <p:sp>
+        <p:nvSpPr>
+          <p:cNvPr id="4" name="Rectangle 3"/>
+          <p:cNvSpPr/>
+          <p:nvPr/>
+        </p:nvSpPr>
+        <p:spPr>
+          <a:xfrm>
+            <a:off x="5724525" y="1273077"/>
+            <a:ext cx="6096000" cy="2308324"/>
+          </a:xfrm>
+          <a:prstGeom prst="rect">
+            <a:avLst/>
+          </a:prstGeom>
+        </p:spPr>
+        <p:txBody>
+          <a:bodyPr>
+            <a:spAutoFit/>
+          </a:bodyPr>
+          <a:lstStyle/>
+          <a:p>
+            <a:r>
+              <a:rPr lang="en-US" dirty="0">
+                <a:latin typeface="Segoe UI" panose="020B0502040204020203" pitchFamily="34" charset="0"/>
+                <a:cs typeface="Segoe UI" panose="020B0502040204020203" pitchFamily="34" charset="0"/>
+              </a:rPr>
+              <a:t>Class Name:</a:t>
+            </a:r>
+          </a:p>
+          <a:p>
+            <a:r>
+              <a:rPr lang="en-US" dirty="0">
+                <a:latin typeface="Segoe UI" panose="020B0502040204020203" pitchFamily="34" charset="0"/>
+                <a:cs typeface="Segoe UI" panose="020B0502040204020203" pitchFamily="34" charset="0"/>
+              </a:rPr>
+              <a:t>	</a:t>
+            </a:r>
+            <a:r>
+              <a:rPr lang="en-US" dirty="0" err="1">
+                <a:latin typeface="Segoe UI" panose="020B0502040204020203" pitchFamily="34" charset="0"/>
+                <a:cs typeface="Segoe UI" panose="020B0502040204020203" pitchFamily="34" charset="0"/>
+              </a:rPr>
+              <a:t>MaxBinaryHeap</a:t>
+            </a:r>
+            <a:endParaRPr lang="en-US" dirty="0">
+              <a:latin typeface="Segoe UI" panose="020B0502040204020203" pitchFamily="34" charset="0"/>
+              <a:cs typeface="Segoe UI" panose="020B0502040204020203" pitchFamily="34" charset="0"/>
+            </a:endParaRPr>
+          </a:p>
+          <a:p>
+            <a:r>
+              <a:rPr lang="en-US" dirty="0">
+                <a:latin typeface="Segoe UI" panose="020B0502040204020203" pitchFamily="34" charset="0"/>
+                <a:cs typeface="Segoe UI" panose="020B0502040204020203" pitchFamily="34" charset="0"/>
+              </a:rPr>
+              <a:t>Properties:</a:t>
+            </a:r>
+          </a:p>
+          <a:p>
+            <a:r>
+              <a:rPr lang="en-US" dirty="0">
+                <a:latin typeface="Segoe UI" panose="020B0502040204020203" pitchFamily="34" charset="0"/>
+                <a:cs typeface="Segoe UI" panose="020B0502040204020203" pitchFamily="34" charset="0"/>
+              </a:rPr>
+              <a:t>	values = []</a:t>
+            </a:r>
+          </a:p>
+          <a:p>
+            <a:r>
+              <a:rPr lang="en-US" dirty="0">
+                <a:latin typeface="Segoe UI" panose="020B0502040204020203" pitchFamily="34" charset="0"/>
+                <a:cs typeface="Segoe UI" panose="020B0502040204020203" pitchFamily="34" charset="0"/>
+              </a:rPr>
+              <a:t>Adding to a </a:t>
+            </a:r>
+            <a:r>
+              <a:rPr lang="en-US" dirty="0" err="1">
+                <a:latin typeface="Segoe UI" panose="020B0502040204020203" pitchFamily="34" charset="0"/>
+                <a:cs typeface="Segoe UI" panose="020B0502040204020203" pitchFamily="34" charset="0"/>
+              </a:rPr>
+              <a:t>MaxBinaryHeap</a:t>
+            </a:r>
+            <a:endParaRPr lang="en-US" dirty="0">
+              <a:latin typeface="Segoe UI" panose="020B0502040204020203" pitchFamily="34" charset="0"/>
+              <a:cs typeface="Segoe UI" panose="020B0502040204020203" pitchFamily="34" charset="0"/>
+            </a:endParaRPr>
+          </a:p>
+          <a:p>
+            <a:r>
+              <a:rPr lang="en-US" dirty="0">
+                <a:latin typeface="Segoe UI" panose="020B0502040204020203" pitchFamily="34" charset="0"/>
+                <a:cs typeface="Segoe UI" panose="020B0502040204020203" pitchFamily="34" charset="0"/>
+              </a:rPr>
+              <a:t>Add to the end</a:t>
+            </a:r>
+          </a:p>
+          <a:p>
+            <a:r>
+              <a:rPr lang="en-US" dirty="0">
+                <a:latin typeface="Segoe UI" panose="020B0502040204020203" pitchFamily="34" charset="0"/>
+                <a:cs typeface="Segoe UI" panose="020B0502040204020203" pitchFamily="34" charset="0"/>
+              </a:rPr>
+              <a:t>Bubble up(compare with </a:t>
+            </a:r>
+            <a:r>
+              <a:rPr lang="en-US" dirty="0" err="1">
+                <a:latin typeface="Segoe UI" panose="020B0502040204020203" pitchFamily="34" charset="0"/>
+                <a:cs typeface="Segoe UI" panose="020B0502040204020203" pitchFamily="34" charset="0"/>
+              </a:rPr>
+              <a:t>paent</a:t>
+            </a:r>
+            <a:r>
+              <a:rPr lang="en-US" dirty="0">
+                <a:latin typeface="Segoe UI" panose="020B0502040204020203" pitchFamily="34" charset="0"/>
+                <a:cs typeface="Segoe UI" panose="020B0502040204020203" pitchFamily="34" charset="0"/>
+              </a:rPr>
+              <a:t>) - &gt; while less than parent – bubble </a:t>
+            </a:r>
+          </a:p>
+        </p:txBody>
+      </p:sp>
+      <p:sp>
+        <p:nvSpPr>
+          <p:cNvPr id="6" name="TextBox 5"/>
+          <p:cNvSpPr txBox="1"/>
+          <p:nvPr/>
+        </p:nvSpPr>
+        <p:spPr>
+          <a:xfrm>
+            <a:off x="673100" y="3492500"/>
+            <a:ext cx="10680700" cy="2862322"/>
+          </a:xfrm>
+          <a:prstGeom prst="rect">
+            <a:avLst/>
+          </a:prstGeom>
+          <a:noFill/>
+        </p:spPr>
+        <p:txBody>
+          <a:bodyPr wrap="square" rtlCol="0">
+            <a:spAutoFit/>
+          </a:bodyPr>
+          <a:lstStyle/>
+          <a:p>
+            <a:r>
+              <a:rPr lang="en-US" dirty="0" smtClean="0">
+                <a:latin typeface="Segoe UI" panose="020B0502040204020203" pitchFamily="34" charset="0"/>
+                <a:cs typeface="Segoe UI" panose="020B0502040204020203" pitchFamily="34" charset="0"/>
+              </a:rPr>
+              <a:t>Insert pseudocode</a:t>
+            </a:r>
+          </a:p>
+          <a:p>
+            <a:pPr marL="285750" indent="-285750">
+              <a:buFont typeface="Arial" panose="020B0604020202020204" pitchFamily="34" charset="0"/>
+              <a:buChar char="•"/>
+            </a:pPr>
+            <a:r>
+              <a:rPr lang="en-US" dirty="0" smtClean="0">
+                <a:latin typeface="Segoe UI" panose="020B0502040204020203" pitchFamily="34" charset="0"/>
+                <a:cs typeface="Segoe UI" panose="020B0502040204020203" pitchFamily="34" charset="0"/>
+              </a:rPr>
+              <a:t>Push the value into the values property on the heap</a:t>
+            </a:r>
+          </a:p>
+          <a:p>
+            <a:pPr marL="285750" indent="-285750">
+              <a:buFont typeface="Arial" panose="020B0604020202020204" pitchFamily="34" charset="0"/>
+              <a:buChar char="•"/>
+            </a:pPr>
+            <a:r>
+              <a:rPr lang="en-US" dirty="0" smtClean="0">
+                <a:latin typeface="Segoe UI" panose="020B0502040204020203" pitchFamily="34" charset="0"/>
+                <a:cs typeface="Segoe UI" panose="020B0502040204020203" pitchFamily="34" charset="0"/>
+              </a:rPr>
+              <a:t>Bubble up</a:t>
+            </a:r>
+          </a:p>
+          <a:p>
+            <a:pPr marL="742950" lvl="1" indent="-285750">
+              <a:buFont typeface="Arial" panose="020B0604020202020204" pitchFamily="34" charset="0"/>
+              <a:buChar char="•"/>
+            </a:pPr>
+            <a:r>
+              <a:rPr lang="en-US" dirty="0" smtClean="0">
+                <a:latin typeface="Segoe UI" panose="020B0502040204020203" pitchFamily="34" charset="0"/>
+                <a:cs typeface="Segoe UI" panose="020B0502040204020203" pitchFamily="34" charset="0"/>
+              </a:rPr>
+              <a:t>Create a variable called index which is the length of the values property – 1</a:t>
+            </a:r>
+          </a:p>
+          <a:p>
+            <a:pPr marL="742950" lvl="1" indent="-285750">
+              <a:buFont typeface="Arial" panose="020B0604020202020204" pitchFamily="34" charset="0"/>
+              <a:buChar char="•"/>
+            </a:pPr>
+            <a:r>
+              <a:rPr lang="en-US" dirty="0" smtClean="0">
+                <a:latin typeface="Segoe UI" panose="020B0502040204020203" pitchFamily="34" charset="0"/>
+                <a:cs typeface="Segoe UI" panose="020B0502040204020203" pitchFamily="34" charset="0"/>
+              </a:rPr>
+              <a:t>Create a variable called parentIndex which is the floor of (index – 1) / 2</a:t>
+            </a:r>
+          </a:p>
+          <a:p>
+            <a:pPr marL="742950" lvl="1" indent="-285750">
+              <a:buFont typeface="Arial" panose="020B0604020202020204" pitchFamily="34" charset="0"/>
+              <a:buChar char="•"/>
+            </a:pPr>
+            <a:r>
+              <a:rPr lang="en-US" dirty="0" smtClean="0">
+                <a:latin typeface="Segoe UI" panose="020B0502040204020203" pitchFamily="34" charset="0"/>
+                <a:cs typeface="Segoe UI" panose="020B0502040204020203" pitchFamily="34" charset="0"/>
+              </a:rPr>
+              <a:t>Keep looping as long as the values element at the parentIndex is less than the values element at the child index</a:t>
+            </a:r>
+          </a:p>
+          <a:p>
+            <a:pPr marL="1200150" lvl="2" indent="-285750">
+              <a:buFont typeface="Arial" panose="020B0604020202020204" pitchFamily="34" charset="0"/>
+              <a:buChar char="•"/>
+            </a:pPr>
+            <a:r>
+              <a:rPr lang="en-US" dirty="0" smtClean="0">
+                <a:latin typeface="Segoe UI" panose="020B0502040204020203" pitchFamily="34" charset="0"/>
+                <a:cs typeface="Segoe UI" panose="020B0502040204020203" pitchFamily="34" charset="0"/>
+              </a:rPr>
+              <a:t>Swap the value of the values element at the parentIndex with the value of the element property at the child index</a:t>
+            </a:r>
+          </a:p>
+          <a:p>
+            <a:pPr marL="1200150" lvl="2" indent="-285750">
+              <a:buFont typeface="Arial" panose="020B0604020202020204" pitchFamily="34" charset="0"/>
+              <a:buChar char="•"/>
+            </a:pPr>
+            <a:r>
+              <a:rPr lang="en-US" dirty="0" smtClean="0">
+                <a:latin typeface="Segoe UI" panose="020B0502040204020203" pitchFamily="34" charset="0"/>
+                <a:cs typeface="Segoe UI" panose="020B0502040204020203" pitchFamily="34" charset="0"/>
+              </a:rPr>
+              <a:t>Set the index to be the parentIndex and start over</a:t>
+            </a:r>
           </a:p>
         </p:txBody>
       </p:sp>
     </p:spTree>
     <p:extLst>
       <p:ext uri="{BB962C8B-B14F-4D97-AF65-F5344CB8AC3E}">
-        <p14:creationId xmlns:p14="http://schemas.microsoft.com/office/powerpoint/2010/main" val="837083091"/>
+        <p14:creationId xmlns:p14="http://schemas.microsoft.com/office/powerpoint/2010/main" val="336496957"/>
       </p:ext>
     </p:extLst>
   </p:cSld>
@@ -18533,7 +18760,7 @@
                 <a:latin typeface="Segoe UI" panose="020B0502040204020203" pitchFamily="34" charset="0"/>
                 <a:cs typeface="Segoe UI" panose="020B0502040204020203" pitchFamily="34" charset="0"/>
               </a:rPr>
-              <a:t>Heap - storing</a:t>
+              <a:t>Heap - removing</a:t>
             </a:r>
             <a:endParaRPr lang="en-US" dirty="0">
               <a:latin typeface="Segoe UI" panose="020B0502040204020203" pitchFamily="34" charset="0"/>
@@ -18560,108 +18787,37 @@
         </p:spPr>
         <p:txBody>
           <a:bodyPr>
-            <a:normAutofit/>
+            <a:normAutofit fontScale="62500" lnSpcReduction="20000"/>
           </a:bodyPr>
           <a:lstStyle/>
           <a:p>
-            <a:pPr marL="0" indent="0">
-              <a:buNone/>
-            </a:pPr>
             <a:r>
               <a:rPr lang="en-US" sz="1000" dirty="0" smtClean="0">
                 <a:latin typeface="Segoe UI" panose="020B0502040204020203" pitchFamily="34" charset="0"/>
                 <a:cs typeface="Segoe UI" panose="020B0502040204020203" pitchFamily="34" charset="0"/>
               </a:rPr>
-              <a:t>            41</a:t>
-            </a:r>
-          </a:p>
-          <a:p>
-            <a:pPr marL="0" indent="0">
-              <a:buNone/>
-            </a:pPr>
-            <a:r>
-              <a:rPr lang="en-US" sz="1000" dirty="0">
-                <a:latin typeface="Segoe UI" panose="020B0502040204020203" pitchFamily="34" charset="0"/>
-                <a:cs typeface="Segoe UI" panose="020B0502040204020203" pitchFamily="34" charset="0"/>
-              </a:rPr>
-              <a:t> </a:t>
-            </a:r>
+              <a:t>Remove the root</a:t>
+            </a:r>
+          </a:p>
+          <a:p>
             <a:r>
               <a:rPr lang="en-US" sz="1000" dirty="0" smtClean="0">
                 <a:latin typeface="Segoe UI" panose="020B0502040204020203" pitchFamily="34" charset="0"/>
                 <a:cs typeface="Segoe UI" panose="020B0502040204020203" pitchFamily="34" charset="0"/>
               </a:rPr>
-              <a:t>   39           33</a:t>
-            </a:r>
-          </a:p>
-          <a:p>
-            <a:pPr>
-              <a:buAutoNum type="arabicPlain" startAt="18"/>
-            </a:pPr>
+              <a:t>Replace with the most recently added</a:t>
+            </a:r>
+          </a:p>
+          <a:p>
             <a:r>
               <a:rPr lang="en-US" sz="1000" dirty="0" smtClean="0">
                 <a:latin typeface="Segoe UI" panose="020B0502040204020203" pitchFamily="34" charset="0"/>
                 <a:cs typeface="Segoe UI" panose="020B0502040204020203" pitchFamily="34" charset="0"/>
               </a:rPr>
-              <a:t>27     12     7</a:t>
-            </a:r>
-          </a:p>
-          <a:p>
-            <a:pPr marL="0" indent="0">
-              <a:buNone/>
-            </a:pPr>
-            <a:r>
-              <a:rPr lang="en-US" sz="1000" dirty="0" smtClean="0">
-                <a:latin typeface="Segoe UI" panose="020B0502040204020203" pitchFamily="34" charset="0"/>
-                <a:cs typeface="Segoe UI" panose="020B0502040204020203" pitchFamily="34" charset="0"/>
-              </a:rPr>
-              <a:t>Easy way of </a:t>
-            </a:r>
-            <a:r>
-              <a:rPr lang="en-US" sz="1000" dirty="0" err="1" smtClean="0">
-                <a:latin typeface="Segoe UI" panose="020B0502040204020203" pitchFamily="34" charset="0"/>
-                <a:cs typeface="Segoe UI" panose="020B0502040204020203" pitchFamily="34" charset="0"/>
-              </a:rPr>
-              <a:t>ording</a:t>
-            </a:r>
-            <a:r>
-              <a:rPr lang="en-US" sz="1000" dirty="0" smtClean="0">
-                <a:latin typeface="Segoe UI" panose="020B0502040204020203" pitchFamily="34" charset="0"/>
-                <a:cs typeface="Segoe UI" panose="020B0502040204020203" pitchFamily="34" charset="0"/>
-              </a:rPr>
-              <a:t> a binary heap … </a:t>
-            </a:r>
-            <a:r>
-              <a:rPr lang="en-US" sz="1000" dirty="0" err="1" smtClean="0">
-                <a:latin typeface="Segoe UI" panose="020B0502040204020203" pitchFamily="34" charset="0"/>
-                <a:cs typeface="Segoe UI" panose="020B0502040204020203" pitchFamily="34" charset="0"/>
-              </a:rPr>
-              <a:t>tadada</a:t>
-            </a:r>
-            <a:r>
-              <a:rPr lang="en-US" sz="1000" dirty="0" smtClean="0">
-                <a:latin typeface="Segoe UI" panose="020B0502040204020203" pitchFamily="34" charset="0"/>
-                <a:cs typeface="Segoe UI" panose="020B0502040204020203" pitchFamily="34" charset="0"/>
-              </a:rPr>
-              <a:t>!! List / array</a:t>
-            </a:r>
-          </a:p>
-          <a:p>
-            <a:pPr marL="0" indent="0">
-              <a:buNone/>
-            </a:pPr>
-            <a:r>
-              <a:rPr lang="en-US" sz="1000" dirty="0" smtClean="0">
-                <a:latin typeface="Segoe UI" panose="020B0502040204020203" pitchFamily="34" charset="0"/>
-                <a:cs typeface="Segoe UI" panose="020B0502040204020203" pitchFamily="34" charset="0"/>
-              </a:rPr>
-              <a:t>41 - 39 –- 33 –-- 18 –-- 27 –-- 12 –-- 7 </a:t>
-            </a:r>
-          </a:p>
-          <a:p>
-            <a:pPr marL="0" indent="0">
-              <a:buNone/>
-            </a:pPr>
+              <a:t>Adjust( sink down )</a:t>
+            </a:r>
+          </a:p>
+          <a:p>
             <a:endParaRPr lang="en-US" sz="1000" dirty="0">
               <a:latin typeface="Segoe UI" panose="020B0502040204020203" pitchFamily="34" charset="0"/>
               <a:cs typeface="Segoe UI" panose="020B0502040204020203" pitchFamily="34" charset="0"/>
@@ -18672,332 +18828,593 @@
               <a:buNone/>
             </a:pPr>
             <a:r>
-              <a:rPr lang="en-US" sz="1000" dirty="0" smtClean="0">
-                <a:latin typeface="Segoe UI" panose="020B0502040204020203" pitchFamily="34" charset="0"/>
-                <a:cs typeface="Segoe UI" panose="020B0502040204020203" pitchFamily="34" charset="0"/>
-              </a:rPr>
-              <a:t>For any index of an array n…</a:t>
-            </a:r>
-          </a:p>
-          <a:p>
-            <a:pPr marL="0" indent="0">
-              <a:buNone/>
-            </a:pPr>
+              <a:rPr lang="en-US" dirty="0">
+                <a:latin typeface="Segoe UI" panose="020B0502040204020203" pitchFamily="34" charset="0"/>
+                <a:cs typeface="Segoe UI" panose="020B0502040204020203" pitchFamily="34" charset="0"/>
+              </a:rPr>
+              <a:t>SINK DOWN?</a:t>
+            </a:r>
             <a:r>
               <a:rPr lang="en-US" sz="1000" dirty="0">
                 <a:latin typeface="Segoe UI" panose="020B0502040204020203" pitchFamily="34" charset="0"/>
                 <a:cs typeface="Segoe UI" panose="020B0502040204020203" pitchFamily="34" charset="0"/>
               </a:rPr>
-              <a:t>The left child is stored at 2n + </a:t>
-            </a:r>
-            <a:r>
-              <a:rPr lang="en-US" sz="1000" dirty="0" smtClean="0">
-                <a:latin typeface="Segoe UI" panose="020B0502040204020203" pitchFamily="34" charset="0"/>
-                <a:cs typeface="Segoe UI" panose="020B0502040204020203" pitchFamily="34" charset="0"/>
-              </a:rPr>
-              <a:t>1</a:t>
-            </a:r>
-          </a:p>
-          <a:p>
-            <a:pPr marL="0" indent="0">
-              <a:buNone/>
-            </a:pPr>
-            <a:r>
+              <a:t/>
+            </a:r>
+            <a:br>
               <a:rPr lang="en-US" sz="1000" dirty="0">
                 <a:latin typeface="Segoe UI" panose="020B0502040204020203" pitchFamily="34" charset="0"/>
                 <a:cs typeface="Segoe UI" panose="020B0502040204020203" pitchFamily="34" charset="0"/>
               </a:rPr>
-              <a:t>The </a:t>
-            </a:r>
-            <a:r>
-              <a:rPr lang="en-US" sz="1000" dirty="0" smtClean="0">
-                <a:latin typeface="Segoe UI" panose="020B0502040204020203" pitchFamily="34" charset="0"/>
-                <a:cs typeface="Segoe UI" panose="020B0502040204020203" pitchFamily="34" charset="0"/>
-              </a:rPr>
-              <a:t>right </a:t>
+            </a:br>
+            <a:r>
+              <a:rPr lang="en-US" dirty="0">
+                <a:latin typeface="Segoe UI" panose="020B0502040204020203" pitchFamily="34" charset="0"/>
+                <a:cs typeface="Segoe UI" panose="020B0502040204020203" pitchFamily="34" charset="0"/>
+              </a:rPr>
+              <a:t>The procedure for deleting the root</a:t>
             </a:r>
             <a:r>
               <a:rPr lang="en-US" sz="1000" dirty="0">
                 <a:latin typeface="Segoe UI" panose="020B0502040204020203" pitchFamily="34" charset="0"/>
                 <a:cs typeface="Segoe UI" panose="020B0502040204020203" pitchFamily="34" charset="0"/>
               </a:rPr>
-              <a:t>child is stored at 2n + </a:t>
-            </a:r>
-            <a:r>
-              <a:rPr lang="en-US" sz="1000" dirty="0" smtClean="0">
-                <a:latin typeface="Segoe UI" panose="020B0502040204020203" pitchFamily="34" charset="0"/>
-                <a:cs typeface="Segoe UI" panose="020B0502040204020203" pitchFamily="34" charset="0"/>
-              </a:rPr>
-              <a:t>2</a:t>
+              <a:t/>
+            </a:r>
+            <a:br>
+              <a:rPr lang="en-US" sz="1000" dirty="0">
+                <a:latin typeface="Segoe UI" panose="020B0502040204020203" pitchFamily="34" charset="0"/>
+                <a:cs typeface="Segoe UI" panose="020B0502040204020203" pitchFamily="34" charset="0"/>
+              </a:rPr>
+            </a:br>
+            <a:r>
+              <a:rPr lang="en-US" dirty="0">
+                <a:latin typeface="Segoe UI" panose="020B0502040204020203" pitchFamily="34" charset="0"/>
+                <a:cs typeface="Segoe UI" panose="020B0502040204020203" pitchFamily="34" charset="0"/>
+              </a:rPr>
+              <a:t>from the heap (effectively extracting</a:t>
+            </a:r>
+            <a:r>
+              <a:rPr lang="en-US" sz="1000" dirty="0">
+                <a:latin typeface="Segoe UI" panose="020B0502040204020203" pitchFamily="34" charset="0"/>
+                <a:cs typeface="Segoe UI" panose="020B0502040204020203" pitchFamily="34" charset="0"/>
+              </a:rPr>
+              <a:t/>
+            </a:r>
+            <a:br>
+              <a:rPr lang="en-US" sz="1000" dirty="0">
+                <a:latin typeface="Segoe UI" panose="020B0502040204020203" pitchFamily="34" charset="0"/>
+                <a:cs typeface="Segoe UI" panose="020B0502040204020203" pitchFamily="34" charset="0"/>
+              </a:rPr>
+            </a:br>
+            <a:r>
+              <a:rPr lang="en-US" dirty="0">
+                <a:latin typeface="Segoe UI" panose="020B0502040204020203" pitchFamily="34" charset="0"/>
+                <a:cs typeface="Segoe UI" panose="020B0502040204020203" pitchFamily="34" charset="0"/>
+              </a:rPr>
+              <a:t>the maximum element in a max-heap</a:t>
+            </a:r>
+            <a:r>
+              <a:rPr lang="en-US" sz="1000" dirty="0">
+                <a:latin typeface="Segoe UI" panose="020B0502040204020203" pitchFamily="34" charset="0"/>
+                <a:cs typeface="Segoe UI" panose="020B0502040204020203" pitchFamily="34" charset="0"/>
+              </a:rPr>
+              <a:t/>
+            </a:r>
+            <a:br>
+              <a:rPr lang="en-US" sz="1000" dirty="0">
+                <a:latin typeface="Segoe UI" panose="020B0502040204020203" pitchFamily="34" charset="0"/>
+                <a:cs typeface="Segoe UI" panose="020B0502040204020203" pitchFamily="34" charset="0"/>
+              </a:rPr>
+            </a:br>
+            <a:r>
+              <a:rPr lang="en-US" dirty="0">
+                <a:latin typeface="Segoe UI" panose="020B0502040204020203" pitchFamily="34" charset="0"/>
+                <a:cs typeface="Segoe UI" panose="020B0502040204020203" pitchFamily="34" charset="0"/>
+              </a:rPr>
+              <a:t>or the minimum </a:t>
+            </a:r>
+            <a:r>
+              <a:rPr lang="en-US" dirty="0" smtClean="0">
+                <a:latin typeface="Segoe UI" panose="020B0502040204020203" pitchFamily="34" charset="0"/>
+                <a:cs typeface="Segoe UI" panose="020B0502040204020203" pitchFamily="34" charset="0"/>
+              </a:rPr>
+              <a:t>element </a:t>
+            </a:r>
+            <a:r>
+              <a:rPr lang="en-US" dirty="0">
+                <a:latin typeface="Segoe UI" panose="020B0502040204020203" pitchFamily="34" charset="0"/>
+                <a:cs typeface="Segoe UI" panose="020B0502040204020203" pitchFamily="34" charset="0"/>
+              </a:rPr>
+              <a:t>in a min-</a:t>
+            </a:r>
+            <a:r>
+              <a:rPr lang="en-US" sz="1000" dirty="0">
+                <a:latin typeface="Segoe UI" panose="020B0502040204020203" pitchFamily="34" charset="0"/>
+                <a:cs typeface="Segoe UI" panose="020B0502040204020203" pitchFamily="34" charset="0"/>
+              </a:rPr>
+              <a:t/>
+            </a:r>
+            <a:br>
+              <a:rPr lang="en-US" sz="1000" dirty="0">
+                <a:latin typeface="Segoe UI" panose="020B0502040204020203" pitchFamily="34" charset="0"/>
+                <a:cs typeface="Segoe UI" panose="020B0502040204020203" pitchFamily="34" charset="0"/>
+              </a:rPr>
+            </a:br>
+            <a:r>
+              <a:rPr lang="en-US" dirty="0">
+                <a:latin typeface="Segoe UI" panose="020B0502040204020203" pitchFamily="34" charset="0"/>
+                <a:cs typeface="Segoe UI" panose="020B0502040204020203" pitchFamily="34" charset="0"/>
+              </a:rPr>
+              <a:t>heap) and restoring the properties is</a:t>
+            </a:r>
+            <a:r>
+              <a:rPr lang="en-US" sz="1000" dirty="0">
+                <a:latin typeface="Segoe UI" panose="020B0502040204020203" pitchFamily="34" charset="0"/>
+                <a:cs typeface="Segoe UI" panose="020B0502040204020203" pitchFamily="34" charset="0"/>
+              </a:rPr>
+              <a:t/>
+            </a:r>
+            <a:br>
+              <a:rPr lang="en-US" sz="1000" dirty="0">
+                <a:latin typeface="Segoe UI" panose="020B0502040204020203" pitchFamily="34" charset="0"/>
+                <a:cs typeface="Segoe UI" panose="020B0502040204020203" pitchFamily="34" charset="0"/>
+              </a:rPr>
+            </a:br>
+            <a:r>
+              <a:rPr lang="en-US" dirty="0">
+                <a:latin typeface="Segoe UI" panose="020B0502040204020203" pitchFamily="34" charset="0"/>
+                <a:cs typeface="Segoe UI" panose="020B0502040204020203" pitchFamily="34" charset="0"/>
+              </a:rPr>
+              <a:t>called down-heap (also known as</a:t>
+            </a:r>
+            <a:r>
+              <a:rPr lang="en-US" sz="1000" dirty="0">
+                <a:latin typeface="Segoe UI" panose="020B0502040204020203" pitchFamily="34" charset="0"/>
+                <a:cs typeface="Segoe UI" panose="020B0502040204020203" pitchFamily="34" charset="0"/>
+              </a:rPr>
+              <a:t/>
+            </a:r>
+            <a:br>
+              <a:rPr lang="en-US" sz="1000" dirty="0">
+                <a:latin typeface="Segoe UI" panose="020B0502040204020203" pitchFamily="34" charset="0"/>
+                <a:cs typeface="Segoe UI" panose="020B0502040204020203" pitchFamily="34" charset="0"/>
+              </a:rPr>
+            </a:br>
+            <a:r>
+              <a:rPr lang="en-US" dirty="0">
+                <a:solidFill>
+                  <a:schemeClr val="tx2">
+                    <a:lumMod val="40000"/>
+                    <a:lumOff val="60000"/>
+                  </a:schemeClr>
+                </a:solidFill>
+                <a:latin typeface="Segoe UI" panose="020B0502040204020203" pitchFamily="34" charset="0"/>
+                <a:cs typeface="Segoe UI" panose="020B0502040204020203" pitchFamily="34" charset="0"/>
+              </a:rPr>
+              <a:t>bubble-down</a:t>
+            </a:r>
+            <a:r>
+              <a:rPr lang="en-US" dirty="0">
+                <a:latin typeface="Segoe UI" panose="020B0502040204020203" pitchFamily="34" charset="0"/>
+                <a:cs typeface="Segoe UI" panose="020B0502040204020203" pitchFamily="34" charset="0"/>
+              </a:rPr>
+              <a:t>, </a:t>
+            </a:r>
+            <a:r>
+              <a:rPr lang="en-US" dirty="0">
+                <a:solidFill>
+                  <a:schemeClr val="accent2">
+                    <a:lumMod val="60000"/>
+                    <a:lumOff val="40000"/>
+                  </a:schemeClr>
+                </a:solidFill>
+                <a:latin typeface="Segoe UI" panose="020B0502040204020203" pitchFamily="34" charset="0"/>
+                <a:cs typeface="Segoe UI" panose="020B0502040204020203" pitchFamily="34" charset="0"/>
+              </a:rPr>
+              <a:t>percolate-down</a:t>
+            </a:r>
+            <a:r>
+              <a:rPr lang="en-US" dirty="0">
+                <a:latin typeface="Segoe UI" panose="020B0502040204020203" pitchFamily="34" charset="0"/>
+                <a:cs typeface="Segoe UI" panose="020B0502040204020203" pitchFamily="34" charset="0"/>
+              </a:rPr>
+              <a:t>, </a:t>
+            </a:r>
+            <a:r>
+              <a:rPr lang="en-US" dirty="0" smtClean="0">
+                <a:solidFill>
+                  <a:srgbClr val="7030A0"/>
+                </a:solidFill>
+                <a:latin typeface="Segoe UI" panose="020B0502040204020203" pitchFamily="34" charset="0"/>
+                <a:cs typeface="Segoe UI" panose="020B0502040204020203" pitchFamily="34" charset="0"/>
+              </a:rPr>
+              <a:t>sift-down</a:t>
+            </a:r>
+            <a:r>
+              <a:rPr lang="en-US" dirty="0">
+                <a:latin typeface="Segoe UI" panose="020B0502040204020203" pitchFamily="34" charset="0"/>
+                <a:cs typeface="Segoe UI" panose="020B0502040204020203" pitchFamily="34" charset="0"/>
+              </a:rPr>
+              <a:t>, </a:t>
+            </a:r>
+            <a:r>
+              <a:rPr lang="en-US" dirty="0" smtClean="0">
+                <a:solidFill>
+                  <a:schemeClr val="accent5">
+                    <a:lumMod val="60000"/>
+                    <a:lumOff val="40000"/>
+                  </a:schemeClr>
+                </a:solidFill>
+                <a:latin typeface="Segoe UI" panose="020B0502040204020203" pitchFamily="34" charset="0"/>
+                <a:cs typeface="Segoe UI" panose="020B0502040204020203" pitchFamily="34" charset="0"/>
+              </a:rPr>
+              <a:t>trickle-down</a:t>
+            </a:r>
+            <a:r>
+              <a:rPr lang="en-US" dirty="0">
+                <a:latin typeface="Segoe UI" panose="020B0502040204020203" pitchFamily="34" charset="0"/>
+                <a:cs typeface="Segoe UI" panose="020B0502040204020203" pitchFamily="34" charset="0"/>
+              </a:rPr>
+              <a:t>, </a:t>
+            </a:r>
+            <a:r>
+              <a:rPr lang="en-US" dirty="0" err="1">
+                <a:solidFill>
+                  <a:schemeClr val="accent2">
+                    <a:lumMod val="75000"/>
+                  </a:schemeClr>
+                </a:solidFill>
+                <a:latin typeface="Segoe UI" panose="020B0502040204020203" pitchFamily="34" charset="0"/>
+                <a:cs typeface="Segoe UI" panose="020B0502040204020203" pitchFamily="34" charset="0"/>
+              </a:rPr>
+              <a:t>heapify</a:t>
+            </a:r>
+            <a:r>
+              <a:rPr lang="en-US" dirty="0">
+                <a:solidFill>
+                  <a:schemeClr val="accent2">
+                    <a:lumMod val="75000"/>
+                  </a:schemeClr>
+                </a:solidFill>
+                <a:latin typeface="Segoe UI" panose="020B0502040204020203" pitchFamily="34" charset="0"/>
+                <a:cs typeface="Segoe UI" panose="020B0502040204020203" pitchFamily="34" charset="0"/>
+              </a:rPr>
+              <a:t>-down</a:t>
+            </a:r>
+            <a:r>
+              <a:rPr lang="en-US" dirty="0">
+                <a:latin typeface="Segoe UI" panose="020B0502040204020203" pitchFamily="34" charset="0"/>
+                <a:cs typeface="Segoe UI" panose="020B0502040204020203" pitchFamily="34" charset="0"/>
+              </a:rPr>
+              <a:t>,</a:t>
+            </a:r>
+            <a:r>
+              <a:rPr lang="en-US" sz="1000" dirty="0">
+                <a:latin typeface="Segoe UI" panose="020B0502040204020203" pitchFamily="34" charset="0"/>
+                <a:cs typeface="Segoe UI" panose="020B0502040204020203" pitchFamily="34" charset="0"/>
+              </a:rPr>
+              <a:t/>
+            </a:r>
+            <a:br>
+              <a:rPr lang="en-US" sz="1000" dirty="0">
+                <a:latin typeface="Segoe UI" panose="020B0502040204020203" pitchFamily="34" charset="0"/>
+                <a:cs typeface="Segoe UI" panose="020B0502040204020203" pitchFamily="34" charset="0"/>
+              </a:rPr>
+            </a:br>
+            <a:r>
+              <a:rPr lang="en-US" dirty="0">
+                <a:solidFill>
+                  <a:schemeClr val="accent6">
+                    <a:lumMod val="60000"/>
+                    <a:lumOff val="40000"/>
+                  </a:schemeClr>
+                </a:solidFill>
+                <a:latin typeface="Segoe UI" panose="020B0502040204020203" pitchFamily="34" charset="0"/>
+                <a:cs typeface="Segoe UI" panose="020B0502040204020203" pitchFamily="34" charset="0"/>
+              </a:rPr>
+              <a:t>cascade-down</a:t>
+            </a:r>
+            <a:r>
+              <a:rPr lang="en-US" dirty="0">
+                <a:latin typeface="Segoe UI" panose="020B0502040204020203" pitchFamily="34" charset="0"/>
+                <a:cs typeface="Segoe UI" panose="020B0502040204020203" pitchFamily="34" charset="0"/>
+              </a:rPr>
+              <a:t>, and </a:t>
+            </a:r>
+            <a:r>
+              <a:rPr lang="en-US" dirty="0">
+                <a:solidFill>
+                  <a:srgbClr val="FF0000"/>
+                </a:solidFill>
+                <a:latin typeface="Segoe UI" panose="020B0502040204020203" pitchFamily="34" charset="0"/>
+                <a:cs typeface="Segoe UI" panose="020B0502040204020203" pitchFamily="34" charset="0"/>
+              </a:rPr>
+              <a:t>extract-min/max</a:t>
+            </a:r>
+            <a:r>
+              <a:rPr lang="en-US" dirty="0">
+                <a:latin typeface="Segoe UI" panose="020B0502040204020203" pitchFamily="34" charset="0"/>
+                <a:cs typeface="Segoe UI" panose="020B0502040204020203" pitchFamily="34" charset="0"/>
+              </a:rPr>
+              <a:t>).</a:t>
             </a:r>
             <a:endParaRPr lang="en-US" sz="1000" dirty="0">
               <a:latin typeface="Segoe UI" panose="020B0502040204020203" pitchFamily="34" charset="0"/>
               <a:cs typeface="Segoe UI" panose="020B0502040204020203" pitchFamily="34" charset="0"/>
             </a:endParaRPr>
           </a:p>
-          <a:p>
-            <a:pPr marL="0" indent="0">
-              <a:buNone/>
-            </a:pPr>
-            <a:r>
-              <a:rPr lang="en-US" sz="1000" dirty="0" smtClean="0">
-                <a:latin typeface="Segoe UI" panose="020B0502040204020203" pitchFamily="34" charset="0"/>
-                <a:cs typeface="Segoe UI" panose="020B0502040204020203" pitchFamily="34" charset="0"/>
-              </a:rPr>
-              <a:t>Backward solution -&gt; ( n - 1 ) / 2 floor</a:t>
-            </a:r>
-          </a:p>
-          <a:p>
-            <a:pPr marL="0" indent="0">
-              <a:buNone/>
-            </a:pPr>
-            <a:endParaRPr lang="en-US" sz="1000" dirty="0">
-              <a:latin typeface="Segoe UI" panose="020B0502040204020203" pitchFamily="34" charset="0"/>
-              <a:cs typeface="Segoe UI" panose="020B0502040204020203" pitchFamily="34" charset="0"/>
-            </a:endParaRPr>
-          </a:p>
         </p:txBody>
       </p:sp>
       <p:sp>
         <p:nvSpPr>
-          <p:cNvPr id="4" name="Rectangle 3"/>
+          <p:cNvPr id="5" name="Rectangle 4"/>
           <p:cNvSpPr/>
           <p:nvPr/>
         </p:nvSpPr>
         <p:spPr>
           <a:xfrm>
-            <a:off x="5724525" y="1273077"/>
-            <a:ext cx="6096000" cy="2308324"/>
+            <a:off x="4124325" y="1119188"/>
+            <a:ext cx="4972050" cy="3308598"/>
           </a:xfrm>
           <a:prstGeom prst="rect">
             <a:avLst/>
           </a:prstGeom>
         </p:spPr>
         <p:txBody>
-          <a:bodyPr>
+          <a:bodyPr wrap="square">
             <a:spAutoFit/>
           </a:bodyPr>
           <a:lstStyle/>
           <a:p>
             <a:r>
-              <a:rPr lang="en-US" dirty="0">
-                <a:latin typeface="Segoe UI" panose="020B0502040204020203" pitchFamily="34" charset="0"/>
-                <a:cs typeface="Segoe UI" panose="020B0502040204020203" pitchFamily="34" charset="0"/>
-              </a:rPr>
-              <a:t>Class Name:</a:t>
-            </a:r>
-          </a:p>
-          <a:p>
-            <a:r>
-              <a:rPr lang="en-US" dirty="0">
-                <a:latin typeface="Segoe UI" panose="020B0502040204020203" pitchFamily="34" charset="0"/>
-                <a:cs typeface="Segoe UI" panose="020B0502040204020203" pitchFamily="34" charset="0"/>
-              </a:rPr>
-              <a:t>	</a:t>
-            </a:r>
-            <a:r>
-              <a:rPr lang="en-US" dirty="0" err="1">
-                <a:latin typeface="Segoe UI" panose="020B0502040204020203" pitchFamily="34" charset="0"/>
-                <a:cs typeface="Segoe UI" panose="020B0502040204020203" pitchFamily="34" charset="0"/>
-              </a:rPr>
-              <a:t>MaxBinaryHeap</a:t>
-            </a:r>
-            <a:endParaRPr lang="en-US" dirty="0">
-              <a:latin typeface="Segoe UI" panose="020B0502040204020203" pitchFamily="34" charset="0"/>
-              <a:cs typeface="Segoe UI" panose="020B0502040204020203" pitchFamily="34" charset="0"/>
-            </a:endParaRPr>
-          </a:p>
-          <a:p>
-            <a:r>
-              <a:rPr lang="en-US" dirty="0">
-                <a:latin typeface="Segoe UI" panose="020B0502040204020203" pitchFamily="34" charset="0"/>
-                <a:cs typeface="Segoe UI" panose="020B0502040204020203" pitchFamily="34" charset="0"/>
-              </a:rPr>
-              <a:t>Properties:</a:t>
-            </a:r>
-          </a:p>
-          <a:p>
-            <a:r>
-              <a:rPr lang="en-US" dirty="0">
-                <a:latin typeface="Segoe UI" panose="020B0502040204020203" pitchFamily="34" charset="0"/>
-                <a:cs typeface="Segoe UI" panose="020B0502040204020203" pitchFamily="34" charset="0"/>
-              </a:rPr>
-              <a:t>	values = []</a:t>
-            </a:r>
-          </a:p>
-          <a:p>
-            <a:r>
-              <a:rPr lang="en-US" dirty="0">
-                <a:latin typeface="Segoe UI" panose="020B0502040204020203" pitchFamily="34" charset="0"/>
-                <a:cs typeface="Segoe UI" panose="020B0502040204020203" pitchFamily="34" charset="0"/>
-              </a:rPr>
-              <a:t>Adding to a </a:t>
-            </a:r>
-            <a:r>
-              <a:rPr lang="en-US" dirty="0" err="1">
-                <a:latin typeface="Segoe UI" panose="020B0502040204020203" pitchFamily="34" charset="0"/>
-                <a:cs typeface="Segoe UI" panose="020B0502040204020203" pitchFamily="34" charset="0"/>
-              </a:rPr>
-              <a:t>MaxBinaryHeap</a:t>
-            </a:r>
-            <a:endParaRPr lang="en-US" dirty="0">
-              <a:latin typeface="Segoe UI" panose="020B0502040204020203" pitchFamily="34" charset="0"/>
-              <a:cs typeface="Segoe UI" panose="020B0502040204020203" pitchFamily="34" charset="0"/>
-            </a:endParaRPr>
-          </a:p>
-          <a:p>
-            <a:r>
-              <a:rPr lang="en-US" dirty="0">
-                <a:latin typeface="Segoe UI" panose="020B0502040204020203" pitchFamily="34" charset="0"/>
-                <a:cs typeface="Segoe UI" panose="020B0502040204020203" pitchFamily="34" charset="0"/>
-              </a:rPr>
-              <a:t>Add to the end</a:t>
-            </a:r>
-          </a:p>
-          <a:p>
-            <a:r>
-              <a:rPr lang="en-US" dirty="0">
-                <a:latin typeface="Segoe UI" panose="020B0502040204020203" pitchFamily="34" charset="0"/>
-                <a:cs typeface="Segoe UI" panose="020B0502040204020203" pitchFamily="34" charset="0"/>
-              </a:rPr>
-              <a:t>Bubble up(compare with </a:t>
-            </a:r>
-            <a:r>
-              <a:rPr lang="en-US" dirty="0" err="1">
-                <a:latin typeface="Segoe UI" panose="020B0502040204020203" pitchFamily="34" charset="0"/>
-                <a:cs typeface="Segoe UI" panose="020B0502040204020203" pitchFamily="34" charset="0"/>
-              </a:rPr>
-              <a:t>paent</a:t>
-            </a:r>
-            <a:r>
-              <a:rPr lang="en-US" dirty="0">
-                <a:latin typeface="Segoe UI" panose="020B0502040204020203" pitchFamily="34" charset="0"/>
-                <a:cs typeface="Segoe UI" panose="020B0502040204020203" pitchFamily="34" charset="0"/>
-              </a:rPr>
-              <a:t>) - &gt; while less than parent – bubble </a:t>
-            </a:r>
-          </a:p>
-        </p:txBody>
-      </p:sp>
-      <p:sp>
-        <p:nvSpPr>
-          <p:cNvPr id="6" name="TextBox 5"/>
-          <p:cNvSpPr txBox="1"/>
-          <p:nvPr/>
-        </p:nvSpPr>
-        <p:spPr>
-          <a:xfrm>
-            <a:off x="673100" y="3492500"/>
-            <a:ext cx="10680700" cy="2862322"/>
-          </a:xfrm>
-          <a:prstGeom prst="rect">
-            <a:avLst/>
-          </a:prstGeom>
-          <a:noFill/>
-        </p:spPr>
-        <p:txBody>
-          <a:bodyPr wrap="square" rtlCol="0">
-            <a:spAutoFit/>
-          </a:bodyPr>
-          <a:lstStyle/>
-          <a:p>
-            <a:r>
-              <a:rPr lang="en-US" dirty="0" smtClean="0">
-                <a:latin typeface="Segoe UI" panose="020B0502040204020203" pitchFamily="34" charset="0"/>
-                <a:cs typeface="Segoe UI" panose="020B0502040204020203" pitchFamily="34" charset="0"/>
-              </a:rPr>
-              <a:t>Insert pseudocode</a:t>
-            </a:r>
-          </a:p>
-          <a:p>
-            <a:pPr marL="285750" indent="-285750">
+              <a:rPr lang="en-US" sz="1100" dirty="0" smtClean="0">
+                <a:latin typeface="Segoe UI" panose="020B0502040204020203" pitchFamily="34" charset="0"/>
+                <a:cs typeface="Segoe UI" panose="020B0502040204020203" pitchFamily="34" charset="0"/>
+              </a:rPr>
+              <a:t>REMOVING (also </a:t>
+            </a:r>
+            <a:r>
+              <a:rPr lang="en-US" sz="1100" dirty="0">
+                <a:latin typeface="Segoe UI" panose="020B0502040204020203" pitchFamily="34" charset="0"/>
+                <a:cs typeface="Segoe UI" panose="020B0502040204020203" pitchFamily="34" charset="0"/>
+              </a:rPr>
+              <a:t>called extract Max)</a:t>
+            </a:r>
+          </a:p>
+          <a:p>
+            <a:r>
+              <a:rPr lang="en-US" sz="1100" dirty="0">
+                <a:latin typeface="Segoe UI" panose="020B0502040204020203" pitchFamily="34" charset="0"/>
+                <a:cs typeface="Segoe UI" panose="020B0502040204020203" pitchFamily="34" charset="0"/>
+              </a:rPr>
+              <a:t>Swap the first value in the values property with the last one</a:t>
+            </a:r>
+          </a:p>
+          <a:p>
+            <a:pPr marL="171450" indent="-171450">
               <a:buFont typeface="Arial" panose="020B0604020202020204" pitchFamily="34" charset="0"/>
               <a:buChar char="•"/>
             </a:pPr>
             <a:r>
-              <a:rPr lang="en-US" dirty="0" smtClean="0">
-                <a:latin typeface="Segoe UI" panose="020B0502040204020203" pitchFamily="34" charset="0"/>
-                <a:cs typeface="Segoe UI" panose="020B0502040204020203" pitchFamily="34" charset="0"/>
-              </a:rPr>
-              <a:t>Push the value into the values property on the heap</a:t>
-            </a:r>
-          </a:p>
-          <a:p>
-            <a:pPr marL="285750" indent="-285750">
+              <a:rPr lang="en-US" sz="1100" dirty="0" smtClean="0">
+                <a:latin typeface="Segoe UI" panose="020B0502040204020203" pitchFamily="34" charset="0"/>
+                <a:cs typeface="Segoe UI" panose="020B0502040204020203" pitchFamily="34" charset="0"/>
+              </a:rPr>
+              <a:t>Pop </a:t>
+            </a:r>
+            <a:r>
+              <a:rPr lang="en-US" sz="1100" dirty="0">
+                <a:latin typeface="Segoe UI" panose="020B0502040204020203" pitchFamily="34" charset="0"/>
+                <a:cs typeface="Segoe UI" panose="020B0502040204020203" pitchFamily="34" charset="0"/>
+              </a:rPr>
+              <a:t>from the values property, so you can return the value at the end.</a:t>
+            </a:r>
+          </a:p>
+          <a:p>
+            <a:pPr marL="171450" indent="-171450">
               <a:buFont typeface="Arial" panose="020B0604020202020204" pitchFamily="34" charset="0"/>
               <a:buChar char="•"/>
             </a:pPr>
             <a:r>
-              <a:rPr lang="en-US" dirty="0" smtClean="0">
-                <a:latin typeface="Segoe UI" panose="020B0502040204020203" pitchFamily="34" charset="0"/>
-                <a:cs typeface="Segoe UI" panose="020B0502040204020203" pitchFamily="34" charset="0"/>
-              </a:rPr>
-              <a:t>Bubble up</a:t>
-            </a:r>
-          </a:p>
-          <a:p>
-            <a:pPr marL="742950" lvl="1" indent="-285750">
+              <a:rPr lang="en-US" sz="1100" dirty="0" smtClean="0">
+                <a:latin typeface="Segoe UI" panose="020B0502040204020203" pitchFamily="34" charset="0"/>
+                <a:cs typeface="Segoe UI" panose="020B0502040204020203" pitchFamily="34" charset="0"/>
+              </a:rPr>
+              <a:t>Have </a:t>
+            </a:r>
+            <a:r>
+              <a:rPr lang="en-US" sz="1100" dirty="0">
+                <a:latin typeface="Segoe UI" panose="020B0502040204020203" pitchFamily="34" charset="0"/>
+                <a:cs typeface="Segoe UI" panose="020B0502040204020203" pitchFamily="34" charset="0"/>
+              </a:rPr>
+              <a:t>the new root "sink down" to the correct spot</a:t>
+            </a:r>
+            <a:r>
+              <a:rPr lang="en-US" sz="1100" dirty="0" smtClean="0">
+                <a:latin typeface="Segoe UI" panose="020B0502040204020203" pitchFamily="34" charset="0"/>
+                <a:cs typeface="Segoe UI" panose="020B0502040204020203" pitchFamily="34" charset="0"/>
+              </a:rPr>
+              <a:t>...</a:t>
+            </a:r>
+          </a:p>
+          <a:p>
+            <a:pPr marL="628650" lvl="1" indent="-171450">
               <a:buFont typeface="Arial" panose="020B0604020202020204" pitchFamily="34" charset="0"/>
               <a:buChar char="•"/>
             </a:pPr>
             <a:r>
-              <a:rPr lang="en-US" dirty="0" smtClean="0">
-                <a:latin typeface="Segoe UI" panose="020B0502040204020203" pitchFamily="34" charset="0"/>
-                <a:cs typeface="Segoe UI" panose="020B0502040204020203" pitchFamily="34" charset="0"/>
-              </a:rPr>
-              <a:t>Create a variable called index which is the length of the values property – 1</a:t>
-            </a:r>
-          </a:p>
-          <a:p>
-            <a:pPr marL="742950" lvl="1" indent="-285750">
+              <a:rPr lang="en-US" sz="1100" dirty="0" smtClean="0">
+                <a:latin typeface="Segoe UI" panose="020B0502040204020203" pitchFamily="34" charset="0"/>
+                <a:cs typeface="Segoe UI" panose="020B0502040204020203" pitchFamily="34" charset="0"/>
+              </a:rPr>
+              <a:t>Your </a:t>
+            </a:r>
+            <a:r>
+              <a:rPr lang="en-US" sz="1100" dirty="0">
+                <a:latin typeface="Segoe UI" panose="020B0502040204020203" pitchFamily="34" charset="0"/>
+                <a:cs typeface="Segoe UI" panose="020B0502040204020203" pitchFamily="34" charset="0"/>
+              </a:rPr>
+              <a:t>parent index starts at 0(the root)</a:t>
+            </a:r>
+          </a:p>
+          <a:p>
+            <a:pPr marL="628650" lvl="1" indent="-171450">
               <a:buFont typeface="Arial" panose="020B0604020202020204" pitchFamily="34" charset="0"/>
               <a:buChar char="•"/>
             </a:pPr>
             <a:r>
-              <a:rPr lang="en-US" dirty="0" smtClean="0">
-                <a:latin typeface="Segoe UI" panose="020B0502040204020203" pitchFamily="34" charset="0"/>
-                <a:cs typeface="Segoe UI" panose="020B0502040204020203" pitchFamily="34" charset="0"/>
-              </a:rPr>
-              <a:t>Create a variable called parentIndex which is the floor of (index – 1) / 2</a:t>
-            </a:r>
-          </a:p>
-          <a:p>
-            <a:pPr marL="742950" lvl="1" indent="-285750">
+              <a:rPr lang="en-US" sz="1100" dirty="0" smtClean="0">
+                <a:latin typeface="Segoe UI" panose="020B0502040204020203" pitchFamily="34" charset="0"/>
+                <a:cs typeface="Segoe UI" panose="020B0502040204020203" pitchFamily="34" charset="0"/>
+              </a:rPr>
+              <a:t>Find </a:t>
+            </a:r>
+            <a:r>
+              <a:rPr lang="en-US" sz="1100" dirty="0">
+                <a:latin typeface="Segoe UI" panose="020B0502040204020203" pitchFamily="34" charset="0"/>
+                <a:cs typeface="Segoe UI" panose="020B0502040204020203" pitchFamily="34" charset="0"/>
+              </a:rPr>
+              <a:t>the index of the left child: 2* index + 1 (make sure its not out of</a:t>
+            </a:r>
+          </a:p>
+          <a:p>
+            <a:pPr marL="628650" lvl="1" indent="-171450">
               <a:buFont typeface="Arial" panose="020B0604020202020204" pitchFamily="34" charset="0"/>
               <a:buChar char="•"/>
             </a:pPr>
             <a:r>
-              <a:rPr lang="en-US" dirty="0" smtClean="0">
-                <a:latin typeface="Segoe UI" panose="020B0502040204020203" pitchFamily="34" charset="0"/>
-                <a:cs typeface="Segoe UI" panose="020B0502040204020203" pitchFamily="34" charset="0"/>
-              </a:rPr>
-              <a:t>Keep looping as long as the values element at the parentIndex is less than the values element at the child index</a:t>
-            </a:r>
-          </a:p>
-          <a:p>
-            <a:pPr marL="1200150" lvl="2" indent="-285750">
+              <a:rPr lang="en-US" sz="1100" dirty="0">
+                <a:latin typeface="Segoe UI" panose="020B0502040204020203" pitchFamily="34" charset="0"/>
+                <a:cs typeface="Segoe UI" panose="020B0502040204020203" pitchFamily="34" charset="0"/>
+              </a:rPr>
+              <a:t>bounds)</a:t>
+            </a:r>
+          </a:p>
+          <a:p>
+            <a:pPr marL="628650" lvl="1" indent="-171450">
               <a:buFont typeface="Arial" panose="020B0604020202020204" pitchFamily="34" charset="0"/>
               <a:buChar char="•"/>
             </a:pPr>
             <a:r>
-              <a:rPr lang="en-US" dirty="0" smtClean="0">
-                <a:latin typeface="Segoe UI" panose="020B0502040204020203" pitchFamily="34" charset="0"/>
-                <a:cs typeface="Segoe UI" panose="020B0502040204020203" pitchFamily="34" charset="0"/>
-              </a:rPr>
-              <a:t>Swap the value of the values element at the parentIndex with the value of the element property at the child index</a:t>
-            </a:r>
-          </a:p>
-          <a:p>
-            <a:pPr marL="1200150" lvl="2" indent="-285750">
+              <a:rPr lang="en-US" sz="1100" dirty="0" smtClean="0">
+                <a:latin typeface="Segoe UI" panose="020B0502040204020203" pitchFamily="34" charset="0"/>
+                <a:cs typeface="Segoe UI" panose="020B0502040204020203" pitchFamily="34" charset="0"/>
+              </a:rPr>
+              <a:t>Find </a:t>
+            </a:r>
+            <a:r>
+              <a:rPr lang="en-US" sz="1100" dirty="0">
+                <a:latin typeface="Segoe UI" panose="020B0502040204020203" pitchFamily="34" charset="0"/>
+                <a:cs typeface="Segoe UI" panose="020B0502040204020203" pitchFamily="34" charset="0"/>
+              </a:rPr>
+              <a:t>the index of the right child: 2*index + 2 (make sure its not out of</a:t>
+            </a:r>
+          </a:p>
+          <a:p>
+            <a:pPr marL="628650" lvl="1" indent="-171450">
               <a:buFont typeface="Arial" panose="020B0604020202020204" pitchFamily="34" charset="0"/>
               <a:buChar char="•"/>
             </a:pPr>
             <a:r>
-              <a:rPr lang="en-US" dirty="0" smtClean="0">
-                <a:latin typeface="Segoe UI" panose="020B0502040204020203" pitchFamily="34" charset="0"/>
-                <a:cs typeface="Segoe UI" panose="020B0502040204020203" pitchFamily="34" charset="0"/>
-              </a:rPr>
-              <a:t>Set the index to be the parentIndex and start over</a:t>
+              <a:rPr lang="en-US" sz="1100" dirty="0">
+                <a:latin typeface="Segoe UI" panose="020B0502040204020203" pitchFamily="34" charset="0"/>
+                <a:cs typeface="Segoe UI" panose="020B0502040204020203" pitchFamily="34" charset="0"/>
+              </a:rPr>
+              <a:t>bounds)</a:t>
+            </a:r>
+          </a:p>
+          <a:p>
+            <a:pPr marL="628650" lvl="1" indent="-171450">
+              <a:buFont typeface="Arial" panose="020B0604020202020204" pitchFamily="34" charset="0"/>
+              <a:buChar char="•"/>
+            </a:pPr>
+            <a:r>
+              <a:rPr lang="en-US" sz="1100" dirty="0" smtClean="0">
+                <a:latin typeface="Segoe UI" panose="020B0502040204020203" pitchFamily="34" charset="0"/>
+                <a:cs typeface="Segoe UI" panose="020B0502040204020203" pitchFamily="34" charset="0"/>
+              </a:rPr>
+              <a:t>If </a:t>
+            </a:r>
+            <a:r>
+              <a:rPr lang="en-US" sz="1100" dirty="0">
+                <a:latin typeface="Segoe UI" panose="020B0502040204020203" pitchFamily="34" charset="0"/>
+                <a:cs typeface="Segoe UI" panose="020B0502040204020203" pitchFamily="34" charset="0"/>
+              </a:rPr>
+              <a:t>the left or right child is greater than the element...swap. If both left and</a:t>
+            </a:r>
+          </a:p>
+          <a:p>
+            <a:pPr marL="628650" lvl="1" indent="-171450">
+              <a:buFont typeface="Arial" panose="020B0604020202020204" pitchFamily="34" charset="0"/>
+              <a:buChar char="•"/>
+            </a:pPr>
+            <a:r>
+              <a:rPr lang="en-US" sz="1100" dirty="0">
+                <a:latin typeface="Segoe UI" panose="020B0502040204020203" pitchFamily="34" charset="0"/>
+                <a:cs typeface="Segoe UI" panose="020B0502040204020203" pitchFamily="34" charset="0"/>
+              </a:rPr>
+              <a:t>right children are larger, swap with the largest child.</a:t>
+            </a:r>
+          </a:p>
+          <a:p>
+            <a:pPr marL="628650" lvl="1" indent="-171450">
+              <a:buFont typeface="Arial" panose="020B0604020202020204" pitchFamily="34" charset="0"/>
+              <a:buChar char="•"/>
+            </a:pPr>
+            <a:r>
+              <a:rPr lang="en-US" sz="1100" dirty="0" smtClean="0">
+                <a:latin typeface="Segoe UI" panose="020B0502040204020203" pitchFamily="34" charset="0"/>
+                <a:cs typeface="Segoe UI" panose="020B0502040204020203" pitchFamily="34" charset="0"/>
+              </a:rPr>
+              <a:t>The </a:t>
+            </a:r>
+            <a:r>
+              <a:rPr lang="en-US" sz="1100" dirty="0">
+                <a:latin typeface="Segoe UI" panose="020B0502040204020203" pitchFamily="34" charset="0"/>
+                <a:cs typeface="Segoe UI" panose="020B0502040204020203" pitchFamily="34" charset="0"/>
+              </a:rPr>
+              <a:t>child index you swapped to now becomes the new parent index.</a:t>
+            </a:r>
+          </a:p>
+          <a:p>
+            <a:pPr marL="628650" lvl="1" indent="-171450">
+              <a:buFont typeface="Arial" panose="020B0604020202020204" pitchFamily="34" charset="0"/>
+              <a:buChar char="•"/>
+            </a:pPr>
+            <a:r>
+              <a:rPr lang="en-US" sz="1100" dirty="0" smtClean="0">
+                <a:latin typeface="Segoe UI" panose="020B0502040204020203" pitchFamily="34" charset="0"/>
+                <a:cs typeface="Segoe UI" panose="020B0502040204020203" pitchFamily="34" charset="0"/>
+              </a:rPr>
+              <a:t>Keep </a:t>
+            </a:r>
+            <a:r>
+              <a:rPr lang="en-US" sz="1100" dirty="0">
+                <a:latin typeface="Segoe UI" panose="020B0502040204020203" pitchFamily="34" charset="0"/>
+                <a:cs typeface="Segoe UI" panose="020B0502040204020203" pitchFamily="34" charset="0"/>
+              </a:rPr>
+              <a:t>looping and swapping until neither child is larger than the element.</a:t>
+            </a:r>
+          </a:p>
+          <a:p>
+            <a:pPr marL="628650" lvl="1" indent="-171450">
+              <a:buFont typeface="Arial" panose="020B0604020202020204" pitchFamily="34" charset="0"/>
+              <a:buChar char="•"/>
+            </a:pPr>
+            <a:r>
+              <a:rPr lang="en-US" sz="1100" dirty="0" smtClean="0">
+                <a:latin typeface="Segoe UI" panose="020B0502040204020203" pitchFamily="34" charset="0"/>
+                <a:cs typeface="Segoe UI" panose="020B0502040204020203" pitchFamily="34" charset="0"/>
+              </a:rPr>
+              <a:t>Return </a:t>
+            </a:r>
+            <a:r>
+              <a:rPr lang="en-US" sz="1100" dirty="0">
+                <a:latin typeface="Segoe UI" panose="020B0502040204020203" pitchFamily="34" charset="0"/>
+                <a:cs typeface="Segoe UI" panose="020B0502040204020203" pitchFamily="34" charset="0"/>
+              </a:rPr>
+              <a:t>the old root!</a:t>
             </a:r>
           </a:p>
         </p:txBody>
@@ -19005,7 +19422,7 @@
     </p:spTree>
     <p:extLst>
       <p:ext uri="{BB962C8B-B14F-4D97-AF65-F5344CB8AC3E}">
-        <p14:creationId xmlns:p14="http://schemas.microsoft.com/office/powerpoint/2010/main" val="336496957"/>
+        <p14:creationId xmlns:p14="http://schemas.microsoft.com/office/powerpoint/2010/main" val="3167665986"/>
       </p:ext>
     </p:extLst>
   </p:cSld>
@@ -19049,734 +19466,6 @@
             <p:ph type="title"/>
           </p:nvPr>
         </p:nvSpPr>
-        <p:spPr>
-          <a:xfrm>
-            <a:off x="838200" y="0"/>
-            <a:ext cx="10515600" cy="814388"/>
-          </a:xfrm>
-        </p:spPr>
-        <p:txBody>
-          <a:bodyPr/>
-          <a:lstStyle/>
-          <a:p>
-            <a:r>
-              <a:rPr lang="en-US" b="1" dirty="0">
-                <a:latin typeface="Segoe UI" panose="020B0502040204020203" pitchFamily="34" charset="0"/>
-                <a:cs typeface="Segoe UI" panose="020B0502040204020203" pitchFamily="34" charset="0"/>
-              </a:rPr>
-              <a:t>Binary </a:t>
-            </a:r>
-            <a:r>
-              <a:rPr lang="en-US" b="1" dirty="0" smtClean="0">
-                <a:latin typeface="Segoe UI" panose="020B0502040204020203" pitchFamily="34" charset="0"/>
-                <a:cs typeface="Segoe UI" panose="020B0502040204020203" pitchFamily="34" charset="0"/>
-              </a:rPr>
-              <a:t>Heap - removing</a:t>
-            </a:r>
-            <a:endParaRPr lang="en-US" dirty="0">
-              <a:latin typeface="Segoe UI" panose="020B0502040204020203" pitchFamily="34" charset="0"/>
-              <a:cs typeface="Segoe UI" panose="020B0502040204020203" pitchFamily="34" charset="0"/>
-            </a:endParaRPr>
-          </a:p>
-        </p:txBody>
-      </p:sp>
-      <p:sp>
-        <p:nvSpPr>
-          <p:cNvPr id="3" name="Content Placeholder 2"/>
-          <p:cNvSpPr>
-            <a:spLocks noGrp="1"/>
-          </p:cNvSpPr>
-          <p:nvPr>
-            <p:ph idx="1"/>
-          </p:nvPr>
-        </p:nvSpPr>
-        <p:spPr>
-          <a:xfrm>
-            <a:off x="838200" y="814389"/>
-            <a:ext cx="3286125" cy="2767012"/>
-          </a:xfrm>
-        </p:spPr>
-        <p:txBody>
-          <a:bodyPr>
-            <a:normAutofit fontScale="62500" lnSpcReduction="20000"/>
-          </a:bodyPr>
-          <a:lstStyle/>
-          <a:p>
-            <a:r>
-              <a:rPr lang="en-US" sz="1000" dirty="0" smtClean="0">
-                <a:latin typeface="Segoe UI" panose="020B0502040204020203" pitchFamily="34" charset="0"/>
-                <a:cs typeface="Segoe UI" panose="020B0502040204020203" pitchFamily="34" charset="0"/>
-              </a:rPr>
-              <a:t>Remove the root</a:t>
-            </a:r>
-          </a:p>
-          <a:p>
-            <a:r>
-              <a:rPr lang="en-US" sz="1000" dirty="0" smtClean="0">
-                <a:latin typeface="Segoe UI" panose="020B0502040204020203" pitchFamily="34" charset="0"/>
-                <a:cs typeface="Segoe UI" panose="020B0502040204020203" pitchFamily="34" charset="0"/>
-              </a:rPr>
-              <a:t>Replace with the most recently added</a:t>
-            </a:r>
-          </a:p>
-          <a:p>
-            <a:r>
-              <a:rPr lang="en-US" sz="1000" dirty="0" smtClean="0">
-                <a:latin typeface="Segoe UI" panose="020B0502040204020203" pitchFamily="34" charset="0"/>
-                <a:cs typeface="Segoe UI" panose="020B0502040204020203" pitchFamily="34" charset="0"/>
-              </a:rPr>
-              <a:t>Adjust( sink down )</a:t>
-            </a:r>
-          </a:p>
-          <a:p>
-            <a:endParaRPr lang="en-US" sz="1000" dirty="0">
-              <a:latin typeface="Segoe UI" panose="020B0502040204020203" pitchFamily="34" charset="0"/>
-              <a:cs typeface="Segoe UI" panose="020B0502040204020203" pitchFamily="34" charset="0"/>
-            </a:endParaRPr>
-          </a:p>
-          <a:p>
-            <a:pPr marL="0" indent="0">
-              <a:buNone/>
-            </a:pPr>
-            <a:r>
-              <a:rPr lang="en-US" dirty="0">
-                <a:latin typeface="Segoe UI" panose="020B0502040204020203" pitchFamily="34" charset="0"/>
-                <a:cs typeface="Segoe UI" panose="020B0502040204020203" pitchFamily="34" charset="0"/>
-              </a:rPr>
-              <a:t>SINK DOWN?</a:t>
-            </a:r>
-            <a:r>
-              <a:rPr lang="en-US" sz="1000" dirty="0">
-                <a:latin typeface="Segoe UI" panose="020B0502040204020203" pitchFamily="34" charset="0"/>
-                <a:cs typeface="Segoe UI" panose="020B0502040204020203" pitchFamily="34" charset="0"/>
-              </a:rPr>
-              <a:t/>
-            </a:r>
-            <a:br>
-              <a:rPr lang="en-US" sz="1000" dirty="0">
-                <a:latin typeface="Segoe UI" panose="020B0502040204020203" pitchFamily="34" charset="0"/>
-                <a:cs typeface="Segoe UI" panose="020B0502040204020203" pitchFamily="34" charset="0"/>
-              </a:rPr>
-            </a:br>
-            <a:r>
-              <a:rPr lang="en-US" dirty="0">
-                <a:latin typeface="Segoe UI" panose="020B0502040204020203" pitchFamily="34" charset="0"/>
-                <a:cs typeface="Segoe UI" panose="020B0502040204020203" pitchFamily="34" charset="0"/>
-              </a:rPr>
-              <a:t>The procedure for deleting the root</a:t>
-            </a:r>
-            <a:r>
-              <a:rPr lang="en-US" sz="1000" dirty="0">
-                <a:latin typeface="Segoe UI" panose="020B0502040204020203" pitchFamily="34" charset="0"/>
-                <a:cs typeface="Segoe UI" panose="020B0502040204020203" pitchFamily="34" charset="0"/>
-              </a:rPr>
-              <a:t/>
-            </a:r>
-            <a:br>
-              <a:rPr lang="en-US" sz="1000" dirty="0">
-                <a:latin typeface="Segoe UI" panose="020B0502040204020203" pitchFamily="34" charset="0"/>
-                <a:cs typeface="Segoe UI" panose="020B0502040204020203" pitchFamily="34" charset="0"/>
-              </a:rPr>
-            </a:br>
-            <a:r>
-              <a:rPr lang="en-US" dirty="0">
-                <a:latin typeface="Segoe UI" panose="020B0502040204020203" pitchFamily="34" charset="0"/>
-                <a:cs typeface="Segoe UI" panose="020B0502040204020203" pitchFamily="34" charset="0"/>
-              </a:rPr>
-              <a:t>from the heap (effectively extracting</a:t>
-            </a:r>
-            <a:r>
-              <a:rPr lang="en-US" sz="1000" dirty="0">
-                <a:latin typeface="Segoe UI" panose="020B0502040204020203" pitchFamily="34" charset="0"/>
-                <a:cs typeface="Segoe UI" panose="020B0502040204020203" pitchFamily="34" charset="0"/>
-              </a:rPr>
-              <a:t/>
-            </a:r>
-            <a:br>
-              <a:rPr lang="en-US" sz="1000" dirty="0">
-                <a:latin typeface="Segoe UI" panose="020B0502040204020203" pitchFamily="34" charset="0"/>
-                <a:cs typeface="Segoe UI" panose="020B0502040204020203" pitchFamily="34" charset="0"/>
-              </a:rPr>
-            </a:br>
-            <a:r>
-              <a:rPr lang="en-US" dirty="0">
-                <a:latin typeface="Segoe UI" panose="020B0502040204020203" pitchFamily="34" charset="0"/>
-                <a:cs typeface="Segoe UI" panose="020B0502040204020203" pitchFamily="34" charset="0"/>
-              </a:rPr>
-              <a:t>the maximum element in a max-heap</a:t>
-            </a:r>
-            <a:r>
-              <a:rPr lang="en-US" sz="1000" dirty="0">
-                <a:latin typeface="Segoe UI" panose="020B0502040204020203" pitchFamily="34" charset="0"/>
-                <a:cs typeface="Segoe UI" panose="020B0502040204020203" pitchFamily="34" charset="0"/>
-              </a:rPr>
-              <a:t/>
-            </a:r>
-            <a:br>
-              <a:rPr lang="en-US" sz="1000" dirty="0">
-                <a:latin typeface="Segoe UI" panose="020B0502040204020203" pitchFamily="34" charset="0"/>
-                <a:cs typeface="Segoe UI" panose="020B0502040204020203" pitchFamily="34" charset="0"/>
-              </a:rPr>
-            </a:br>
-            <a:r>
-              <a:rPr lang="en-US" dirty="0">
-                <a:latin typeface="Segoe UI" panose="020B0502040204020203" pitchFamily="34" charset="0"/>
-                <a:cs typeface="Segoe UI" panose="020B0502040204020203" pitchFamily="34" charset="0"/>
-              </a:rPr>
-              <a:t>or the minimum </a:t>
-            </a:r>
-            <a:r>
-              <a:rPr lang="en-US" dirty="0" smtClean="0">
-                <a:latin typeface="Segoe UI" panose="020B0502040204020203" pitchFamily="34" charset="0"/>
-                <a:cs typeface="Segoe UI" panose="020B0502040204020203" pitchFamily="34" charset="0"/>
-              </a:rPr>
-              <a:t>element </a:t>
-            </a:r>
-            <a:r>
-              <a:rPr lang="en-US" dirty="0">
-                <a:latin typeface="Segoe UI" panose="020B0502040204020203" pitchFamily="34" charset="0"/>
-                <a:cs typeface="Segoe UI" panose="020B0502040204020203" pitchFamily="34" charset="0"/>
-              </a:rPr>
-              <a:t>in a min-</a:t>
-            </a:r>
-            <a:r>
-              <a:rPr lang="en-US" sz="1000" dirty="0">
-                <a:latin typeface="Segoe UI" panose="020B0502040204020203" pitchFamily="34" charset="0"/>
-                <a:cs typeface="Segoe UI" panose="020B0502040204020203" pitchFamily="34" charset="0"/>
-              </a:rPr>
-              <a:t/>
-            </a:r>
-            <a:br>
-              <a:rPr lang="en-US" sz="1000" dirty="0">
-                <a:latin typeface="Segoe UI" panose="020B0502040204020203" pitchFamily="34" charset="0"/>
-                <a:cs typeface="Segoe UI" panose="020B0502040204020203" pitchFamily="34" charset="0"/>
-              </a:rPr>
-            </a:br>
-            <a:r>
-              <a:rPr lang="en-US" dirty="0">
-                <a:latin typeface="Segoe UI" panose="020B0502040204020203" pitchFamily="34" charset="0"/>
-                <a:cs typeface="Segoe UI" panose="020B0502040204020203" pitchFamily="34" charset="0"/>
-              </a:rPr>
-              <a:t>heap) and restoring the properties is</a:t>
-            </a:r>
-            <a:r>
-              <a:rPr lang="en-US" sz="1000" dirty="0">
-                <a:latin typeface="Segoe UI" panose="020B0502040204020203" pitchFamily="34" charset="0"/>
-                <a:cs typeface="Segoe UI" panose="020B0502040204020203" pitchFamily="34" charset="0"/>
-              </a:rPr>
-              <a:t/>
-            </a:r>
-            <a:br>
-              <a:rPr lang="en-US" sz="1000" dirty="0">
-                <a:latin typeface="Segoe UI" panose="020B0502040204020203" pitchFamily="34" charset="0"/>
-                <a:cs typeface="Segoe UI" panose="020B0502040204020203" pitchFamily="34" charset="0"/>
-              </a:rPr>
-            </a:br>
-            <a:r>
-              <a:rPr lang="en-US" dirty="0">
-                <a:latin typeface="Segoe UI" panose="020B0502040204020203" pitchFamily="34" charset="0"/>
-                <a:cs typeface="Segoe UI" panose="020B0502040204020203" pitchFamily="34" charset="0"/>
-              </a:rPr>
-              <a:t>called down-heap (also known as</a:t>
-            </a:r>
-            <a:r>
-              <a:rPr lang="en-US" sz="1000" dirty="0">
-                <a:latin typeface="Segoe UI" panose="020B0502040204020203" pitchFamily="34" charset="0"/>
-                <a:cs typeface="Segoe UI" panose="020B0502040204020203" pitchFamily="34" charset="0"/>
-              </a:rPr>
-              <a:t/>
-            </a:r>
-            <a:br>
-              <a:rPr lang="en-US" sz="1000" dirty="0">
-                <a:latin typeface="Segoe UI" panose="020B0502040204020203" pitchFamily="34" charset="0"/>
-                <a:cs typeface="Segoe UI" panose="020B0502040204020203" pitchFamily="34" charset="0"/>
-              </a:rPr>
-            </a:br>
-            <a:r>
-              <a:rPr lang="en-US" dirty="0">
-                <a:solidFill>
-                  <a:schemeClr val="tx2">
-                    <a:lumMod val="40000"/>
-                    <a:lumOff val="60000"/>
-                  </a:schemeClr>
-                </a:solidFill>
-                <a:latin typeface="Segoe UI" panose="020B0502040204020203" pitchFamily="34" charset="0"/>
-                <a:cs typeface="Segoe UI" panose="020B0502040204020203" pitchFamily="34" charset="0"/>
-              </a:rPr>
-              <a:t>bubble-down</a:t>
-            </a:r>
-            <a:r>
-              <a:rPr lang="en-US" dirty="0">
-                <a:latin typeface="Segoe UI" panose="020B0502040204020203" pitchFamily="34" charset="0"/>
-                <a:cs typeface="Segoe UI" panose="020B0502040204020203" pitchFamily="34" charset="0"/>
-              </a:rPr>
-              <a:t>, </a:t>
-            </a:r>
-            <a:r>
-              <a:rPr lang="en-US" dirty="0">
-                <a:solidFill>
-                  <a:schemeClr val="accent2">
-                    <a:lumMod val="60000"/>
-                    <a:lumOff val="40000"/>
-                  </a:schemeClr>
-                </a:solidFill>
-                <a:latin typeface="Segoe UI" panose="020B0502040204020203" pitchFamily="34" charset="0"/>
-                <a:cs typeface="Segoe UI" panose="020B0502040204020203" pitchFamily="34" charset="0"/>
-              </a:rPr>
-              <a:t>percolate-down</a:t>
-            </a:r>
-            <a:r>
-              <a:rPr lang="en-US" dirty="0">
-                <a:latin typeface="Segoe UI" panose="020B0502040204020203" pitchFamily="34" charset="0"/>
-                <a:cs typeface="Segoe UI" panose="020B0502040204020203" pitchFamily="34" charset="0"/>
-              </a:rPr>
-              <a:t>, </a:t>
-            </a:r>
-            <a:r>
-              <a:rPr lang="en-US" dirty="0" smtClean="0">
-                <a:solidFill>
-                  <a:srgbClr val="7030A0"/>
-                </a:solidFill>
-                <a:latin typeface="Segoe UI" panose="020B0502040204020203" pitchFamily="34" charset="0"/>
-                <a:cs typeface="Segoe UI" panose="020B0502040204020203" pitchFamily="34" charset="0"/>
-              </a:rPr>
-              <a:t>sift-down</a:t>
-            </a:r>
-            <a:r>
-              <a:rPr lang="en-US" dirty="0">
-                <a:latin typeface="Segoe UI" panose="020B0502040204020203" pitchFamily="34" charset="0"/>
-                <a:cs typeface="Segoe UI" panose="020B0502040204020203" pitchFamily="34" charset="0"/>
-              </a:rPr>
-              <a:t>, </a:t>
-            </a:r>
-            <a:r>
-              <a:rPr lang="en-US" dirty="0" smtClean="0">
-                <a:solidFill>
-                  <a:schemeClr val="accent5">
-                    <a:lumMod val="60000"/>
-                    <a:lumOff val="40000"/>
-                  </a:schemeClr>
-                </a:solidFill>
-                <a:latin typeface="Segoe UI" panose="020B0502040204020203" pitchFamily="34" charset="0"/>
-                <a:cs typeface="Segoe UI" panose="020B0502040204020203" pitchFamily="34" charset="0"/>
-              </a:rPr>
-              <a:t>trickle-down</a:t>
-            </a:r>
-            <a:r>
-              <a:rPr lang="en-US" dirty="0">
-                <a:latin typeface="Segoe UI" panose="020B0502040204020203" pitchFamily="34" charset="0"/>
-                <a:cs typeface="Segoe UI" panose="020B0502040204020203" pitchFamily="34" charset="0"/>
-              </a:rPr>
-              <a:t>, </a:t>
-            </a:r>
-            <a:r>
-              <a:rPr lang="en-US" dirty="0" err="1">
-                <a:solidFill>
-                  <a:schemeClr val="accent2">
-                    <a:lumMod val="75000"/>
-                  </a:schemeClr>
-                </a:solidFill>
-                <a:latin typeface="Segoe UI" panose="020B0502040204020203" pitchFamily="34" charset="0"/>
-                <a:cs typeface="Segoe UI" panose="020B0502040204020203" pitchFamily="34" charset="0"/>
-              </a:rPr>
-              <a:t>heapify</a:t>
-            </a:r>
-            <a:r>
-              <a:rPr lang="en-US" dirty="0">
-                <a:solidFill>
-                  <a:schemeClr val="accent2">
-                    <a:lumMod val="75000"/>
-                  </a:schemeClr>
-                </a:solidFill>
-                <a:latin typeface="Segoe UI" panose="020B0502040204020203" pitchFamily="34" charset="0"/>
-                <a:cs typeface="Segoe UI" panose="020B0502040204020203" pitchFamily="34" charset="0"/>
-              </a:rPr>
-              <a:t>-down</a:t>
-            </a:r>
-            <a:r>
-              <a:rPr lang="en-US" dirty="0">
-                <a:latin typeface="Segoe UI" panose="020B0502040204020203" pitchFamily="34" charset="0"/>
-                <a:cs typeface="Segoe UI" panose="020B0502040204020203" pitchFamily="34" charset="0"/>
-              </a:rPr>
-              <a:t>,</a:t>
-            </a:r>
-            <a:r>
-              <a:rPr lang="en-US" sz="1000" dirty="0">
-                <a:latin typeface="Segoe UI" panose="020B0502040204020203" pitchFamily="34" charset="0"/>
-                <a:cs typeface="Segoe UI" panose="020B0502040204020203" pitchFamily="34" charset="0"/>
-              </a:rPr>
-              <a:t/>
-            </a:r>
-            <a:br>
-              <a:rPr lang="en-US" sz="1000" dirty="0">
-                <a:latin typeface="Segoe UI" panose="020B0502040204020203" pitchFamily="34" charset="0"/>
-                <a:cs typeface="Segoe UI" panose="020B0502040204020203" pitchFamily="34" charset="0"/>
-              </a:rPr>
-            </a:br>
-            <a:r>
-              <a:rPr lang="en-US" dirty="0">
-                <a:solidFill>
-                  <a:schemeClr val="accent6">
-                    <a:lumMod val="60000"/>
-                    <a:lumOff val="40000"/>
-                  </a:schemeClr>
-                </a:solidFill>
-                <a:latin typeface="Segoe UI" panose="020B0502040204020203" pitchFamily="34" charset="0"/>
-                <a:cs typeface="Segoe UI" panose="020B0502040204020203" pitchFamily="34" charset="0"/>
-              </a:rPr>
-              <a:t>cascade-down</a:t>
-            </a:r>
-            <a:r>
-              <a:rPr lang="en-US" dirty="0">
-                <a:latin typeface="Segoe UI" panose="020B0502040204020203" pitchFamily="34" charset="0"/>
-                <a:cs typeface="Segoe UI" panose="020B0502040204020203" pitchFamily="34" charset="0"/>
-              </a:rPr>
-              <a:t>, and </a:t>
-            </a:r>
-            <a:r>
-              <a:rPr lang="en-US" dirty="0">
-                <a:solidFill>
-                  <a:srgbClr val="FF0000"/>
-                </a:solidFill>
-                <a:latin typeface="Segoe UI" panose="020B0502040204020203" pitchFamily="34" charset="0"/>
-                <a:cs typeface="Segoe UI" panose="020B0502040204020203" pitchFamily="34" charset="0"/>
-              </a:rPr>
-              <a:t>extract-min/max</a:t>
-            </a:r>
-            <a:r>
-              <a:rPr lang="en-US" dirty="0">
-                <a:latin typeface="Segoe UI" panose="020B0502040204020203" pitchFamily="34" charset="0"/>
-                <a:cs typeface="Segoe UI" panose="020B0502040204020203" pitchFamily="34" charset="0"/>
-              </a:rPr>
-              <a:t>).</a:t>
-            </a:r>
-            <a:endParaRPr lang="en-US" sz="1000" dirty="0">
-              <a:latin typeface="Segoe UI" panose="020B0502040204020203" pitchFamily="34" charset="0"/>
-              <a:cs typeface="Segoe UI" panose="020B0502040204020203" pitchFamily="34" charset="0"/>
-            </a:endParaRPr>
-          </a:p>
-        </p:txBody>
-      </p:sp>
-      <p:sp>
-        <p:nvSpPr>
-          <p:cNvPr id="5" name="Rectangle 4"/>
-          <p:cNvSpPr/>
-          <p:nvPr/>
-        </p:nvSpPr>
-        <p:spPr>
-          <a:xfrm>
-            <a:off x="4124325" y="1119188"/>
-            <a:ext cx="4972050" cy="3308598"/>
-          </a:xfrm>
-          <a:prstGeom prst="rect">
-            <a:avLst/>
-          </a:prstGeom>
-        </p:spPr>
-        <p:txBody>
-          <a:bodyPr wrap="square">
-            <a:spAutoFit/>
-          </a:bodyPr>
-          <a:lstStyle/>
-          <a:p>
-            <a:r>
-              <a:rPr lang="en-US" sz="1100" dirty="0" smtClean="0">
-                <a:latin typeface="Segoe UI" panose="020B0502040204020203" pitchFamily="34" charset="0"/>
-                <a:cs typeface="Segoe UI" panose="020B0502040204020203" pitchFamily="34" charset="0"/>
-              </a:rPr>
-              <a:t>REMOVING (also </a:t>
-            </a:r>
-            <a:r>
-              <a:rPr lang="en-US" sz="1100" dirty="0">
-                <a:latin typeface="Segoe UI" panose="020B0502040204020203" pitchFamily="34" charset="0"/>
-                <a:cs typeface="Segoe UI" panose="020B0502040204020203" pitchFamily="34" charset="0"/>
-              </a:rPr>
-              <a:t>called extract Max)</a:t>
-            </a:r>
-          </a:p>
-          <a:p>
-            <a:r>
-              <a:rPr lang="en-US" sz="1100" dirty="0">
-                <a:latin typeface="Segoe UI" panose="020B0502040204020203" pitchFamily="34" charset="0"/>
-                <a:cs typeface="Segoe UI" panose="020B0502040204020203" pitchFamily="34" charset="0"/>
-              </a:rPr>
-              <a:t>Swap the first value in the values property with the last one</a:t>
-            </a:r>
-          </a:p>
-          <a:p>
-            <a:pPr marL="171450" indent="-171450">
-              <a:buFont typeface="Arial" panose="020B0604020202020204" pitchFamily="34" charset="0"/>
-              <a:buChar char="•"/>
-            </a:pPr>
-            <a:r>
-              <a:rPr lang="en-US" sz="1100" dirty="0" smtClean="0">
-                <a:latin typeface="Segoe UI" panose="020B0502040204020203" pitchFamily="34" charset="0"/>
-                <a:cs typeface="Segoe UI" panose="020B0502040204020203" pitchFamily="34" charset="0"/>
-              </a:rPr>
-              <a:t>Pop </a:t>
-            </a:r>
-            <a:r>
-              <a:rPr lang="en-US" sz="1100" dirty="0">
-                <a:latin typeface="Segoe UI" panose="020B0502040204020203" pitchFamily="34" charset="0"/>
-                <a:cs typeface="Segoe UI" panose="020B0502040204020203" pitchFamily="34" charset="0"/>
-              </a:rPr>
-              <a:t>from the values property, so you can return the value at the end.</a:t>
-            </a:r>
-          </a:p>
-          <a:p>
-            <a:pPr marL="171450" indent="-171450">
-              <a:buFont typeface="Arial" panose="020B0604020202020204" pitchFamily="34" charset="0"/>
-              <a:buChar char="•"/>
-            </a:pPr>
-            <a:r>
-              <a:rPr lang="en-US" sz="1100" dirty="0" smtClean="0">
-                <a:latin typeface="Segoe UI" panose="020B0502040204020203" pitchFamily="34" charset="0"/>
-                <a:cs typeface="Segoe UI" panose="020B0502040204020203" pitchFamily="34" charset="0"/>
-              </a:rPr>
-              <a:t>Have </a:t>
-            </a:r>
-            <a:r>
-              <a:rPr lang="en-US" sz="1100" dirty="0">
-                <a:latin typeface="Segoe UI" panose="020B0502040204020203" pitchFamily="34" charset="0"/>
-                <a:cs typeface="Segoe UI" panose="020B0502040204020203" pitchFamily="34" charset="0"/>
-              </a:rPr>
-              <a:t>the new root "sink down" to the correct spot</a:t>
-            </a:r>
-            <a:r>
-              <a:rPr lang="en-US" sz="1100" dirty="0" smtClean="0">
-                <a:latin typeface="Segoe UI" panose="020B0502040204020203" pitchFamily="34" charset="0"/>
-                <a:cs typeface="Segoe UI" panose="020B0502040204020203" pitchFamily="34" charset="0"/>
-              </a:rPr>
-              <a:t>...</a:t>
-            </a:r>
-          </a:p>
-          <a:p>
-            <a:pPr marL="628650" lvl="1" indent="-171450">
-              <a:buFont typeface="Arial" panose="020B0604020202020204" pitchFamily="34" charset="0"/>
-              <a:buChar char="•"/>
-            </a:pPr>
-            <a:r>
-              <a:rPr lang="en-US" sz="1100" dirty="0" smtClean="0">
-                <a:latin typeface="Segoe UI" panose="020B0502040204020203" pitchFamily="34" charset="0"/>
-                <a:cs typeface="Segoe UI" panose="020B0502040204020203" pitchFamily="34" charset="0"/>
-              </a:rPr>
-              <a:t>Your </a:t>
-            </a:r>
-            <a:r>
-              <a:rPr lang="en-US" sz="1100" dirty="0">
-                <a:latin typeface="Segoe UI" panose="020B0502040204020203" pitchFamily="34" charset="0"/>
-                <a:cs typeface="Segoe UI" panose="020B0502040204020203" pitchFamily="34" charset="0"/>
-              </a:rPr>
-              <a:t>parent index starts at 0(the root)</a:t>
-            </a:r>
-          </a:p>
-          <a:p>
-            <a:pPr marL="628650" lvl="1" indent="-171450">
-              <a:buFont typeface="Arial" panose="020B0604020202020204" pitchFamily="34" charset="0"/>
-              <a:buChar char="•"/>
-            </a:pPr>
-            <a:r>
-              <a:rPr lang="en-US" sz="1100" dirty="0" smtClean="0">
-                <a:latin typeface="Segoe UI" panose="020B0502040204020203" pitchFamily="34" charset="0"/>
-                <a:cs typeface="Segoe UI" panose="020B0502040204020203" pitchFamily="34" charset="0"/>
-              </a:rPr>
-              <a:t>Find </a:t>
-            </a:r>
-            <a:r>
-              <a:rPr lang="en-US" sz="1100" dirty="0">
-                <a:latin typeface="Segoe UI" panose="020B0502040204020203" pitchFamily="34" charset="0"/>
-                <a:cs typeface="Segoe UI" panose="020B0502040204020203" pitchFamily="34" charset="0"/>
-              </a:rPr>
-              <a:t>the index of the left child: 2* index + 1 (make sure its not out of</a:t>
-            </a:r>
-          </a:p>
-          <a:p>
-            <a:pPr marL="628650" lvl="1" indent="-171450">
-              <a:buFont typeface="Arial" panose="020B0604020202020204" pitchFamily="34" charset="0"/>
-              <a:buChar char="•"/>
-            </a:pPr>
-            <a:r>
-              <a:rPr lang="en-US" sz="1100" dirty="0">
-                <a:latin typeface="Segoe UI" panose="020B0502040204020203" pitchFamily="34" charset="0"/>
-                <a:cs typeface="Segoe UI" panose="020B0502040204020203" pitchFamily="34" charset="0"/>
-              </a:rPr>
-              <a:t>bounds)</a:t>
-            </a:r>
-          </a:p>
-          <a:p>
-            <a:pPr marL="628650" lvl="1" indent="-171450">
-              <a:buFont typeface="Arial" panose="020B0604020202020204" pitchFamily="34" charset="0"/>
-              <a:buChar char="•"/>
-            </a:pPr>
-            <a:r>
-              <a:rPr lang="en-US" sz="1100" dirty="0" smtClean="0">
-                <a:latin typeface="Segoe UI" panose="020B0502040204020203" pitchFamily="34" charset="0"/>
-                <a:cs typeface="Segoe UI" panose="020B0502040204020203" pitchFamily="34" charset="0"/>
-              </a:rPr>
-              <a:t>Find </a:t>
-            </a:r>
-            <a:r>
-              <a:rPr lang="en-US" sz="1100" dirty="0">
-                <a:latin typeface="Segoe UI" panose="020B0502040204020203" pitchFamily="34" charset="0"/>
-                <a:cs typeface="Segoe UI" panose="020B0502040204020203" pitchFamily="34" charset="0"/>
-              </a:rPr>
-              <a:t>the index of the right child: 2*index + 2 (make sure its not out of</a:t>
-            </a:r>
-          </a:p>
-          <a:p>
-            <a:pPr marL="628650" lvl="1" indent="-171450">
-              <a:buFont typeface="Arial" panose="020B0604020202020204" pitchFamily="34" charset="0"/>
-              <a:buChar char="•"/>
-            </a:pPr>
-            <a:r>
-              <a:rPr lang="en-US" sz="1100" dirty="0">
-                <a:latin typeface="Segoe UI" panose="020B0502040204020203" pitchFamily="34" charset="0"/>
-                <a:cs typeface="Segoe UI" panose="020B0502040204020203" pitchFamily="34" charset="0"/>
-              </a:rPr>
-              <a:t>bounds)</a:t>
-            </a:r>
-          </a:p>
-          <a:p>
-            <a:pPr marL="628650" lvl="1" indent="-171450">
-              <a:buFont typeface="Arial" panose="020B0604020202020204" pitchFamily="34" charset="0"/>
-              <a:buChar char="•"/>
-            </a:pPr>
-            <a:r>
-              <a:rPr lang="en-US" sz="1100" dirty="0" smtClean="0">
-                <a:latin typeface="Segoe UI" panose="020B0502040204020203" pitchFamily="34" charset="0"/>
-                <a:cs typeface="Segoe UI" panose="020B0502040204020203" pitchFamily="34" charset="0"/>
-              </a:rPr>
-              <a:t>If </a:t>
-            </a:r>
-            <a:r>
-              <a:rPr lang="en-US" sz="1100" dirty="0">
-                <a:latin typeface="Segoe UI" panose="020B0502040204020203" pitchFamily="34" charset="0"/>
-                <a:cs typeface="Segoe UI" panose="020B0502040204020203" pitchFamily="34" charset="0"/>
-              </a:rPr>
-              <a:t>the left or right child is greater than the element...swap. If both left and</a:t>
-            </a:r>
-          </a:p>
-          <a:p>
-            <a:pPr marL="628650" lvl="1" indent="-171450">
-              <a:buFont typeface="Arial" panose="020B0604020202020204" pitchFamily="34" charset="0"/>
-              <a:buChar char="•"/>
-            </a:pPr>
-            <a:r>
-              <a:rPr lang="en-US" sz="1100" dirty="0">
-                <a:latin typeface="Segoe UI" panose="020B0502040204020203" pitchFamily="34" charset="0"/>
-                <a:cs typeface="Segoe UI" panose="020B0502040204020203" pitchFamily="34" charset="0"/>
-              </a:rPr>
-              <a:t>right children are larger, swap with the largest child.</a:t>
-            </a:r>
-          </a:p>
-          <a:p>
-            <a:pPr marL="628650" lvl="1" indent="-171450">
-              <a:buFont typeface="Arial" panose="020B0604020202020204" pitchFamily="34" charset="0"/>
-              <a:buChar char="•"/>
-            </a:pPr>
-            <a:r>
-              <a:rPr lang="en-US" sz="1100" dirty="0" smtClean="0">
-                <a:latin typeface="Segoe UI" panose="020B0502040204020203" pitchFamily="34" charset="0"/>
-                <a:cs typeface="Segoe UI" panose="020B0502040204020203" pitchFamily="34" charset="0"/>
-              </a:rPr>
-              <a:t>The </a:t>
-            </a:r>
-            <a:r>
-              <a:rPr lang="en-US" sz="1100" dirty="0">
-                <a:latin typeface="Segoe UI" panose="020B0502040204020203" pitchFamily="34" charset="0"/>
-                <a:cs typeface="Segoe UI" panose="020B0502040204020203" pitchFamily="34" charset="0"/>
-              </a:rPr>
-              <a:t>child index you swapped to now becomes the new parent index.</a:t>
-            </a:r>
-          </a:p>
-          <a:p>
-            <a:pPr marL="628650" lvl="1" indent="-171450">
-              <a:buFont typeface="Arial" panose="020B0604020202020204" pitchFamily="34" charset="0"/>
-              <a:buChar char="•"/>
-            </a:pPr>
-            <a:r>
-              <a:rPr lang="en-US" sz="1100" dirty="0" smtClean="0">
-                <a:latin typeface="Segoe UI" panose="020B0502040204020203" pitchFamily="34" charset="0"/>
-                <a:cs typeface="Segoe UI" panose="020B0502040204020203" pitchFamily="34" charset="0"/>
-              </a:rPr>
-              <a:t>Keep </a:t>
-            </a:r>
-            <a:r>
-              <a:rPr lang="en-US" sz="1100" dirty="0">
-                <a:latin typeface="Segoe UI" panose="020B0502040204020203" pitchFamily="34" charset="0"/>
-                <a:cs typeface="Segoe UI" panose="020B0502040204020203" pitchFamily="34" charset="0"/>
-              </a:rPr>
-              <a:t>looping and swapping until neither child is larger than the element.</a:t>
-            </a:r>
-          </a:p>
-          <a:p>
-            <a:pPr marL="628650" lvl="1" indent="-171450">
-              <a:buFont typeface="Arial" panose="020B0604020202020204" pitchFamily="34" charset="0"/>
-              <a:buChar char="•"/>
-            </a:pPr>
-            <a:r>
-              <a:rPr lang="en-US" sz="1100" dirty="0" smtClean="0">
-                <a:latin typeface="Segoe UI" panose="020B0502040204020203" pitchFamily="34" charset="0"/>
-                <a:cs typeface="Segoe UI" panose="020B0502040204020203" pitchFamily="34" charset="0"/>
-              </a:rPr>
-              <a:t>Return </a:t>
-            </a:r>
-            <a:r>
-              <a:rPr lang="en-US" sz="1100" dirty="0">
-                <a:latin typeface="Segoe UI" panose="020B0502040204020203" pitchFamily="34" charset="0"/>
-                <a:cs typeface="Segoe UI" panose="020B0502040204020203" pitchFamily="34" charset="0"/>
-              </a:rPr>
-              <a:t>the old root!</a:t>
-            </a:r>
-          </a:p>
-        </p:txBody>
-      </p:sp>
-    </p:spTree>
-    <p:extLst>
-      <p:ext uri="{BB962C8B-B14F-4D97-AF65-F5344CB8AC3E}">
-        <p14:creationId xmlns:p14="http://schemas.microsoft.com/office/powerpoint/2010/main" val="3167665986"/>
-      </p:ext>
-    </p:extLst>
-  </p:cSld>
-  <p:clrMapOvr>
-    <a:masterClrMapping/>
-  </p:clrMapOvr>
-  <p:timing>
-    <p:tnLst>
-      <p:par>
-        <p:cTn id="1" dur="indefinite" restart="never" nodeType="tmRoot"/>
-      </p:par>
-    </p:tnLst>
-  </p:timing>
-</p:sld>
-</file>
-
-<file path=ppt/slides/slide23.xml><?xml version="1.0" encoding="utf-8"?>
-<p:sld xmlns:a="http://schemas.openxmlformats.org/drawingml/2006/main" xmlns:r="http://schemas.openxmlformats.org/officeDocument/2006/relationships" xmlns:p="http://schemas.openxmlformats.org/presentationml/2006/main">
-  <p:cSld>
-    <p:spTree>
-      <p:nvGrpSpPr>
-        <p:cNvPr id="1" name=""/>
-        <p:cNvGrpSpPr/>
-        <p:nvPr/>
-      </p:nvGrpSpPr>
-      <p:grpSpPr>
-        <a:xfrm>
-          <a:off x="0" y="0"/>
-          <a:ext cx="0" cy="0"/>
-          <a:chOff x="0" y="0"/>
-          <a:chExt cx="0" cy="0"/>
-        </a:xfrm>
-      </p:grpSpPr>
-      <p:sp>
-        <p:nvSpPr>
-          <p:cNvPr id="2" name="Title 1"/>
-          <p:cNvSpPr>
-            <a:spLocks noGrp="1"/>
-          </p:cNvSpPr>
-          <p:nvPr>
-            <p:ph type="title"/>
-          </p:nvPr>
-        </p:nvSpPr>
         <p:spPr/>
         <p:txBody>
           <a:bodyPr/>
@@ -20204,7 +19893,7 @@
 </p:sld>
 </file>
 
-<file path=ppt/slides/slide24.xml><?xml version="1.0" encoding="utf-8"?>
+<file path=ppt/slides/slide23.xml><?xml version="1.0" encoding="utf-8"?>
 <p:sld xmlns:a="http://schemas.openxmlformats.org/drawingml/2006/main" xmlns:r="http://schemas.openxmlformats.org/officeDocument/2006/relationships" xmlns:p="http://schemas.openxmlformats.org/presentationml/2006/main">
   <p:cSld>
     <p:spTree>
@@ -20804,7 +20493,7 @@
 </p:sld>
 </file>
 
-<file path=ppt/slides/slide25.xml><?xml version="1.0" encoding="utf-8"?>
+<file path=ppt/slides/slide24.xml><?xml version="1.0" encoding="utf-8"?>
 <p:sld xmlns:a="http://schemas.openxmlformats.org/drawingml/2006/main" xmlns:r="http://schemas.openxmlformats.org/officeDocument/2006/relationships" xmlns:p="http://schemas.openxmlformats.org/presentationml/2006/main">
   <p:cSld>
     <p:spTree>
@@ -21382,7 +21071,7 @@
 </p:sld>
 </file>
 
-<file path=ppt/slides/slide26.xml><?xml version="1.0" encoding="utf-8"?>
+<file path=ppt/slides/slide25.xml><?xml version="1.0" encoding="utf-8"?>
 <p:sld xmlns:a="http://schemas.openxmlformats.org/drawingml/2006/main" xmlns:r="http://schemas.openxmlformats.org/officeDocument/2006/relationships" xmlns:p="http://schemas.openxmlformats.org/presentationml/2006/main">
   <p:cSld>
     <p:spTree>
@@ -21524,18 +21213,14 @@
               </a:rPr>
               <a:t>contrast graph traversal algorithms</a:t>
             </a:r>
+          </a:p>
+          <a:p>
             <a:endParaRPr lang="en-US" sz="1200" dirty="0" smtClean="0">
               <a:latin typeface="Segoe UI" panose="020B0502040204020203" pitchFamily="34" charset="0"/>
               <a:cs typeface="Segoe UI" panose="020B0502040204020203" pitchFamily="34" charset="0"/>
             </a:endParaRPr>
           </a:p>
           <a:p>
-            <a:endParaRPr lang="en-US" sz="1200" dirty="0" smtClean="0">
-              <a:latin typeface="Segoe UI" panose="020B0502040204020203" pitchFamily="34" charset="0"/>
-              <a:cs typeface="Segoe UI" panose="020B0502040204020203" pitchFamily="34" charset="0"/>
-            </a:endParaRPr>
-          </a:p>
-          <a:p>
             <a:pPr marL="76200" indent="0">
               <a:buNone/>
             </a:pPr>
@@ -21558,10 +21243,6 @@
               </a:rPr>
               <a:t>Graph is a data structure consists of a finite (and possibly mutable) set of vertices or nodes or points, together with a set of unordered pairs of these vertices for an undirected graph or a set of ordered pairs for a directed graph</a:t>
             </a:r>
-            <a:endParaRPr lang="en-US" sz="1200" dirty="0" smtClean="0">
-              <a:latin typeface="Segoe UI" panose="020B0502040204020203" pitchFamily="34" charset="0"/>
-              <a:cs typeface="Segoe UI" panose="020B0502040204020203" pitchFamily="34" charset="0"/>
-            </a:endParaRPr>
           </a:p>
           <a:p>
             <a:pPr marL="76200" indent="0">
@@ -21852,7 +21533,7 @@
 </p:sld>
 </file>
 
-<file path=ppt/slides/slide27.xml><?xml version="1.0" encoding="utf-8"?>
+<file path=ppt/slides/slide26.xml><?xml version="1.0" encoding="utf-8"?>
 <p:sld xmlns:a="http://schemas.openxmlformats.org/drawingml/2006/main" xmlns:r="http://schemas.openxmlformats.org/officeDocument/2006/relationships" xmlns:p="http://schemas.openxmlformats.org/presentationml/2006/main">
   <p:cSld>
     <p:spTree>
@@ -22139,7 +21820,7 @@
 </p:sld>
 </file>
 
-<file path=ppt/slides/slide28.xml><?xml version="1.0" encoding="utf-8"?>
+<file path=ppt/slides/slide27.xml><?xml version="1.0" encoding="utf-8"?>
 <p:sld xmlns:a="http://schemas.openxmlformats.org/drawingml/2006/main" xmlns:r="http://schemas.openxmlformats.org/officeDocument/2006/relationships" xmlns:p="http://schemas.openxmlformats.org/presentationml/2006/main">
   <p:cSld>
     <p:spTree>
@@ -22190,10 +21871,6 @@
               </a:rPr>
               <a:t>O</a:t>
             </a:r>
-            <a:endParaRPr lang="en-US" dirty="0">
-              <a:latin typeface="Segoe UI" panose="020B0502040204020203" pitchFamily="34" charset="0"/>
-              <a:cs typeface="Segoe UI" panose="020B0502040204020203" pitchFamily="34" charset="0"/>
-            </a:endParaRPr>
           </a:p>
         </p:txBody>
       </p:sp>
@@ -23645,15 +23322,6 @@
                         </a:rPr>
                         <a:t>Slow to iterate over al edges</a:t>
                       </a:r>
-                      <a:endParaRPr lang="en-US" sz="1500" b="0" i="0" u="none" strike="noStrike" cap="none" dirty="0" smtClean="0">
-                        <a:solidFill>
-                          <a:schemeClr val="bg1"/>
-                        </a:solidFill>
-                        <a:latin typeface="Segoe UI" panose="020B0502040204020203" pitchFamily="34" charset="0"/>
-                        <a:ea typeface="Red Hat Text"/>
-                        <a:cs typeface="Segoe UI" panose="020B0502040204020203" pitchFamily="34" charset="0"/>
-                        <a:sym typeface="Red Hat Text"/>
-                      </a:endParaRPr>
                     </a:p>
                   </a:txBody>
                   <a:tcPr marL="121900" marR="121900" marT="91433" marB="91433" anchor="ctr">
@@ -23761,15 +23429,6 @@
                         </a:rPr>
                         <a:t>Fast to lookup specific edge</a:t>
                       </a:r>
-                      <a:endParaRPr lang="en-US" sz="1500" b="0" i="0" u="none" strike="noStrike" cap="none" dirty="0" smtClean="0">
-                        <a:solidFill>
-                          <a:schemeClr val="bg1"/>
-                        </a:solidFill>
-                        <a:latin typeface="Segoe UI" panose="020B0502040204020203" pitchFamily="34" charset="0"/>
-                        <a:ea typeface="Red Hat Text"/>
-                        <a:cs typeface="Segoe UI" panose="020B0502040204020203" pitchFamily="34" charset="0"/>
-                        <a:sym typeface="Red Hat Text"/>
-                      </a:endParaRPr>
                     </a:p>
                   </a:txBody>
                   <a:tcPr marL="121900" marR="121900" marT="91433" marB="91433" anchor="ctr">
@@ -23810,6 +23469,467 @@
 </p:sld>
 </file>
 
+<file path=ppt/slides/slide28.xml><?xml version="1.0" encoding="utf-8"?>
+<p:sld xmlns:a="http://schemas.openxmlformats.org/drawingml/2006/main" xmlns:r="http://schemas.openxmlformats.org/officeDocument/2006/relationships" xmlns:p="http://schemas.openxmlformats.org/presentationml/2006/main">
+  <p:cSld>
+    <p:spTree>
+      <p:nvGrpSpPr>
+        <p:cNvPr id="1" name=""/>
+        <p:cNvGrpSpPr/>
+        <p:nvPr/>
+      </p:nvGrpSpPr>
+      <p:grpSpPr>
+        <a:xfrm>
+          <a:off x="0" y="0"/>
+          <a:ext cx="0" cy="0"/>
+          <a:chOff x="0" y="0"/>
+          <a:chExt cx="0" cy="0"/>
+        </a:xfrm>
+      </p:grpSpPr>
+      <p:sp>
+        <p:nvSpPr>
+          <p:cNvPr id="2" name="Title 1"/>
+          <p:cNvSpPr>
+            <a:spLocks noGrp="1"/>
+          </p:cNvSpPr>
+          <p:nvPr>
+            <p:ph type="title"/>
+          </p:nvPr>
+        </p:nvSpPr>
+        <p:spPr>
+          <a:xfrm>
+            <a:off x="0" y="0"/>
+            <a:ext cx="9610000" cy="844400"/>
+          </a:xfrm>
+        </p:spPr>
+        <p:txBody>
+          <a:bodyPr/>
+          <a:lstStyle/>
+          <a:p>
+            <a:r>
+              <a:rPr lang="en-US" b="1" dirty="0">
+                <a:latin typeface="Segoe UI" panose="020B0502040204020203" pitchFamily="34" charset="0"/>
+                <a:cs typeface="Segoe UI" panose="020B0502040204020203" pitchFamily="34" charset="0"/>
+              </a:rPr>
+              <a:t>Graphs</a:t>
+            </a:r>
+            <a:endParaRPr lang="en-US" dirty="0">
+              <a:latin typeface="Segoe UI" panose="020B0502040204020203" pitchFamily="34" charset="0"/>
+              <a:cs typeface="Segoe UI" panose="020B0502040204020203" pitchFamily="34" charset="0"/>
+            </a:endParaRPr>
+          </a:p>
+        </p:txBody>
+      </p:sp>
+      <p:sp>
+        <p:nvSpPr>
+          <p:cNvPr id="4" name="Content Placeholder 3"/>
+          <p:cNvSpPr>
+            <a:spLocks noGrp="1"/>
+          </p:cNvSpPr>
+          <p:nvPr>
+            <p:ph idx="1"/>
+          </p:nvPr>
+        </p:nvSpPr>
+        <p:spPr>
+          <a:xfrm>
+            <a:off x="0" y="844400"/>
+            <a:ext cx="9610000" cy="5890508"/>
+          </a:xfrm>
+        </p:spPr>
+        <p:txBody>
+          <a:bodyPr/>
+          <a:lstStyle/>
+          <a:p>
+            <a:pPr marL="76200" indent="0">
+              <a:buNone/>
+            </a:pPr>
+            <a:r>
+              <a:rPr lang="en-US" sz="1200" dirty="0" smtClean="0">
+                <a:latin typeface="Segoe UI" panose="020B0502040204020203" pitchFamily="34" charset="0"/>
+                <a:cs typeface="Segoe UI" panose="020B0502040204020203" pitchFamily="34" charset="0"/>
+              </a:rPr>
+              <a:t>We do implementation of adjacency list – because in real-world tends to lend itself to sparser and larger graphs</a:t>
+            </a:r>
+          </a:p>
+          <a:p>
+            <a:pPr marL="76200" indent="0">
+              <a:buNone/>
+            </a:pPr>
+            <a:endParaRPr lang="en-US" sz="1200" dirty="0">
+              <a:latin typeface="Segoe UI" panose="020B0502040204020203" pitchFamily="34" charset="0"/>
+              <a:cs typeface="Segoe UI" panose="020B0502040204020203" pitchFamily="34" charset="0"/>
+            </a:endParaRPr>
+          </a:p>
+          <a:p>
+            <a:pPr marL="76200" indent="0">
+              <a:buNone/>
+            </a:pPr>
+            <a:r>
+              <a:rPr lang="en-US" sz="1200" dirty="0" smtClean="0">
+                <a:latin typeface="Segoe UI" panose="020B0502040204020203" pitchFamily="34" charset="0"/>
+                <a:cs typeface="Segoe UI" panose="020B0502040204020203" pitchFamily="34" charset="0"/>
+              </a:rPr>
+              <a:t>Class Graph {</a:t>
+            </a:r>
+          </a:p>
+          <a:p>
+            <a:pPr marL="76200" indent="0">
+              <a:buNone/>
+            </a:pPr>
+            <a:r>
+              <a:rPr lang="en-US" sz="1200" dirty="0" smtClean="0">
+                <a:latin typeface="Segoe UI" panose="020B0502040204020203" pitchFamily="34" charset="0"/>
+                <a:cs typeface="Segoe UI" panose="020B0502040204020203" pitchFamily="34" charset="0"/>
+              </a:rPr>
+              <a:t>	constructor() {</a:t>
+            </a:r>
+          </a:p>
+          <a:p>
+            <a:pPr marL="76200" indent="0">
+              <a:buNone/>
+            </a:pPr>
+            <a:r>
+              <a:rPr lang="en-US" sz="1200" dirty="0">
+                <a:latin typeface="Segoe UI" panose="020B0502040204020203" pitchFamily="34" charset="0"/>
+                <a:cs typeface="Segoe UI" panose="020B0502040204020203" pitchFamily="34" charset="0"/>
+              </a:rPr>
+              <a:t>	</a:t>
+            </a:r>
+            <a:r>
+              <a:rPr lang="en-US" sz="1200" dirty="0" smtClean="0">
+                <a:latin typeface="Segoe UI" panose="020B0502040204020203" pitchFamily="34" charset="0"/>
+                <a:cs typeface="Segoe UI" panose="020B0502040204020203" pitchFamily="34" charset="0"/>
+              </a:rPr>
+              <a:t>	this.adjacencyList = {}</a:t>
+            </a:r>
+          </a:p>
+          <a:p>
+            <a:pPr marL="76200" indent="0">
+              <a:buNone/>
+            </a:pPr>
+            <a:r>
+              <a:rPr lang="en-US" sz="1200" dirty="0">
+                <a:latin typeface="Segoe UI" panose="020B0502040204020203" pitchFamily="34" charset="0"/>
+                <a:cs typeface="Segoe UI" panose="020B0502040204020203" pitchFamily="34" charset="0"/>
+              </a:rPr>
+              <a:t>	</a:t>
+            </a:r>
+            <a:r>
+              <a:rPr lang="en-US" sz="1200" dirty="0" smtClean="0">
+                <a:latin typeface="Segoe UI" panose="020B0502040204020203" pitchFamily="34" charset="0"/>
+                <a:cs typeface="Segoe UI" panose="020B0502040204020203" pitchFamily="34" charset="0"/>
+              </a:rPr>
+              <a:t>}</a:t>
+            </a:r>
+            <a:endParaRPr lang="en-US" sz="1200" dirty="0">
+              <a:latin typeface="Segoe UI" panose="020B0502040204020203" pitchFamily="34" charset="0"/>
+              <a:cs typeface="Segoe UI" panose="020B0502040204020203" pitchFamily="34" charset="0"/>
+            </a:endParaRPr>
+          </a:p>
+          <a:p>
+            <a:pPr marL="76200" indent="0">
+              <a:buNone/>
+            </a:pPr>
+            <a:r>
+              <a:rPr lang="en-US" sz="1200" dirty="0" smtClean="0">
+                <a:latin typeface="Segoe UI" panose="020B0502040204020203" pitchFamily="34" charset="0"/>
+                <a:cs typeface="Segoe UI" panose="020B0502040204020203" pitchFamily="34" charset="0"/>
+              </a:rPr>
+              <a:t>}</a:t>
+            </a:r>
+          </a:p>
+          <a:p>
+            <a:pPr marL="76200" indent="0">
+              <a:buNone/>
+            </a:pPr>
+            <a:endParaRPr lang="en-US" sz="1200" dirty="0">
+              <a:latin typeface="Segoe UI" panose="020B0502040204020203" pitchFamily="34" charset="0"/>
+              <a:cs typeface="Segoe UI" panose="020B0502040204020203" pitchFamily="34" charset="0"/>
+            </a:endParaRPr>
+          </a:p>
+          <a:p>
+            <a:pPr marL="76200" indent="0">
+              <a:buNone/>
+            </a:pPr>
+            <a:r>
+              <a:rPr lang="en-US" sz="1200" dirty="0" smtClean="0">
+                <a:latin typeface="Segoe UI" panose="020B0502040204020203" pitchFamily="34" charset="0"/>
+                <a:cs typeface="Segoe UI" panose="020B0502040204020203" pitchFamily="34" charset="0"/>
+              </a:rPr>
+              <a:t>Adding a vertex</a:t>
+            </a:r>
+          </a:p>
+          <a:p>
+            <a:pPr marL="419100" indent="-342900">
+              <a:buFont typeface="+mj-lt"/>
+              <a:buAutoNum type="arabicPeriod"/>
+            </a:pPr>
+            <a:r>
+              <a:rPr lang="en-US" sz="1200" dirty="0" smtClean="0">
+                <a:latin typeface="Segoe UI" panose="020B0502040204020203" pitchFamily="34" charset="0"/>
+                <a:cs typeface="Segoe UI" panose="020B0502040204020203" pitchFamily="34" charset="0"/>
+              </a:rPr>
+              <a:t>Write a method called addVertex, witch accepts a name of a vertex</a:t>
+            </a:r>
+          </a:p>
+          <a:p>
+            <a:pPr marL="419100" indent="-342900">
+              <a:buFont typeface="+mj-lt"/>
+              <a:buAutoNum type="arabicPeriod"/>
+            </a:pPr>
+            <a:r>
+              <a:rPr lang="en-US" sz="1200" dirty="0" smtClean="0">
+                <a:latin typeface="Segoe UI" panose="020B0502040204020203" pitchFamily="34" charset="0"/>
+                <a:cs typeface="Segoe UI" panose="020B0502040204020203" pitchFamily="34" charset="0"/>
+              </a:rPr>
+              <a:t>It should add a key to the adjacency list with the name of the vertex and set its value to be an empty array</a:t>
+            </a:r>
+          </a:p>
+          <a:p>
+            <a:pPr marL="76200" indent="0">
+              <a:buNone/>
+            </a:pPr>
+            <a:r>
+              <a:rPr lang="en-US" sz="1200" dirty="0" smtClean="0">
+                <a:latin typeface="Segoe UI" panose="020B0502040204020203" pitchFamily="34" charset="0"/>
+                <a:cs typeface="Segoe UI" panose="020B0502040204020203" pitchFamily="34" charset="0"/>
+              </a:rPr>
+              <a:t>Add a edge</a:t>
+            </a:r>
+          </a:p>
+          <a:p>
+            <a:pPr marL="419100" indent="-342900">
+              <a:buFont typeface="+mj-lt"/>
+              <a:buAutoNum type="arabicPeriod"/>
+            </a:pPr>
+            <a:r>
+              <a:rPr lang="en-US" sz="1200" dirty="0" smtClean="0">
+                <a:latin typeface="Segoe UI" panose="020B0502040204020203" pitchFamily="34" charset="0"/>
+                <a:cs typeface="Segoe UI" panose="020B0502040204020203" pitchFamily="34" charset="0"/>
+              </a:rPr>
+              <a:t>Write a method called addEdge, witch accept two vertices(v1, v2)</a:t>
+            </a:r>
+          </a:p>
+          <a:p>
+            <a:pPr marL="419100" indent="-342900">
+              <a:buFont typeface="+mj-lt"/>
+              <a:buAutoNum type="arabicPeriod"/>
+            </a:pPr>
+            <a:r>
+              <a:rPr lang="en-US" sz="1200" dirty="0" smtClean="0">
+                <a:latin typeface="Segoe UI" panose="020B0502040204020203" pitchFamily="34" charset="0"/>
+                <a:cs typeface="Segoe UI" panose="020B0502040204020203" pitchFamily="34" charset="0"/>
+              </a:rPr>
+              <a:t>Find in the </a:t>
+            </a:r>
+            <a:r>
+              <a:rPr lang="en-US" sz="1200" dirty="0">
+                <a:latin typeface="Segoe UI" panose="020B0502040204020203" pitchFamily="34" charset="0"/>
+                <a:cs typeface="Segoe UI" panose="020B0502040204020203" pitchFamily="34" charset="0"/>
+              </a:rPr>
+              <a:t>adjacency list </a:t>
+            </a:r>
+            <a:r>
+              <a:rPr lang="en-US" sz="1200" dirty="0" smtClean="0">
+                <a:latin typeface="Segoe UI" panose="020B0502040204020203" pitchFamily="34" charset="0"/>
+                <a:cs typeface="Segoe UI" panose="020B0502040204020203" pitchFamily="34" charset="0"/>
+              </a:rPr>
+              <a:t>v1 | v2, and push v2 | v1 to v1 | v2</a:t>
+            </a:r>
+          </a:p>
+          <a:p>
+            <a:pPr marL="419100" indent="-342900">
+              <a:buFont typeface="+mj-lt"/>
+              <a:buAutoNum type="arabicPeriod"/>
+            </a:pPr>
+            <a:r>
+              <a:rPr lang="en-US" sz="1200" dirty="0" smtClean="0">
+                <a:latin typeface="Segoe UI" panose="020B0502040204020203" pitchFamily="34" charset="0"/>
+                <a:cs typeface="Segoe UI" panose="020B0502040204020203" pitchFamily="34" charset="0"/>
+              </a:rPr>
+              <a:t>Handle errors / invalid vertices / duplicates</a:t>
+            </a:r>
+          </a:p>
+          <a:p>
+            <a:pPr marL="76200" indent="0">
+              <a:buNone/>
+            </a:pPr>
+            <a:r>
+              <a:rPr lang="en-US" sz="1200" dirty="0" smtClean="0">
+                <a:latin typeface="Segoe UI" panose="020B0502040204020203" pitchFamily="34" charset="0"/>
+                <a:cs typeface="Segoe UI" panose="020B0502040204020203" pitchFamily="34" charset="0"/>
+              </a:rPr>
+              <a:t>Removing an edge</a:t>
+            </a:r>
+          </a:p>
+          <a:p>
+            <a:pPr marL="419100" indent="-342900">
+              <a:buFont typeface="+mj-lt"/>
+              <a:buAutoNum type="arabicPeriod"/>
+            </a:pPr>
+            <a:r>
+              <a:rPr lang="en-US" sz="1200" dirty="0">
+                <a:latin typeface="Segoe UI" panose="020B0502040204020203" pitchFamily="34" charset="0"/>
+                <a:cs typeface="Segoe UI" panose="020B0502040204020203" pitchFamily="34" charset="0"/>
+              </a:rPr>
+              <a:t>Write a method called </a:t>
+            </a:r>
+            <a:r>
+              <a:rPr lang="en-US" sz="1200" dirty="0" smtClean="0">
+                <a:latin typeface="Segoe UI" panose="020B0502040204020203" pitchFamily="34" charset="0"/>
+                <a:cs typeface="Segoe UI" panose="020B0502040204020203" pitchFamily="34" charset="0"/>
+              </a:rPr>
+              <a:t>removeEdge</a:t>
+            </a:r>
+            <a:r>
+              <a:rPr lang="en-US" sz="1200" dirty="0">
+                <a:latin typeface="Segoe UI" panose="020B0502040204020203" pitchFamily="34" charset="0"/>
+                <a:cs typeface="Segoe UI" panose="020B0502040204020203" pitchFamily="34" charset="0"/>
+              </a:rPr>
+              <a:t>, witch accept two vertices(v1, v2)</a:t>
+            </a:r>
+          </a:p>
+          <a:p>
+            <a:pPr marL="419100" indent="-342900">
+              <a:buFont typeface="+mj-lt"/>
+              <a:buAutoNum type="arabicPeriod"/>
+            </a:pPr>
+            <a:r>
+              <a:rPr lang="en-US" sz="1200" dirty="0" smtClean="0">
+                <a:latin typeface="Segoe UI" panose="020B0502040204020203" pitchFamily="34" charset="0"/>
+                <a:cs typeface="Segoe UI" panose="020B0502040204020203" pitchFamily="34" charset="0"/>
+              </a:rPr>
+              <a:t>Reassign key of v1 | v2 to be an array that does not contain v2 | v1</a:t>
+            </a:r>
+          </a:p>
+          <a:p>
+            <a:pPr marL="419100" indent="-342900">
+              <a:buFont typeface="+mj-lt"/>
+              <a:buAutoNum type="arabicPeriod"/>
+            </a:pPr>
+            <a:r>
+              <a:rPr lang="en-US" sz="1200" dirty="0">
+                <a:latin typeface="Segoe UI" panose="020B0502040204020203" pitchFamily="34" charset="0"/>
+                <a:cs typeface="Segoe UI" panose="020B0502040204020203" pitchFamily="34" charset="0"/>
+              </a:rPr>
+              <a:t>Handle errors / invalid vertices</a:t>
+            </a:r>
+            <a:endParaRPr lang="en-US" sz="1200" dirty="0" smtClean="0">
+              <a:latin typeface="Segoe UI" panose="020B0502040204020203" pitchFamily="34" charset="0"/>
+              <a:cs typeface="Segoe UI" panose="020B0502040204020203" pitchFamily="34" charset="0"/>
+            </a:endParaRPr>
+          </a:p>
+          <a:p>
+            <a:pPr marL="76200" indent="0">
+              <a:buNone/>
+            </a:pPr>
+            <a:r>
+              <a:rPr lang="en-US" sz="1200" dirty="0" smtClean="0">
+                <a:latin typeface="Segoe UI" panose="020B0502040204020203" pitchFamily="34" charset="0"/>
+                <a:cs typeface="Segoe UI" panose="020B0502040204020203" pitchFamily="34" charset="0"/>
+              </a:rPr>
+              <a:t>Remove an vertex</a:t>
+            </a:r>
+          </a:p>
+          <a:p>
+            <a:pPr marL="419100" indent="-342900">
+              <a:buFont typeface="+mj-lt"/>
+              <a:buAutoNum type="arabicPeriod"/>
+            </a:pPr>
+            <a:r>
+              <a:rPr lang="en-US" sz="1200" dirty="0">
+                <a:latin typeface="Segoe UI" panose="020B0502040204020203" pitchFamily="34" charset="0"/>
+                <a:cs typeface="Segoe UI" panose="020B0502040204020203" pitchFamily="34" charset="0"/>
+              </a:rPr>
+              <a:t>Write a method called </a:t>
+            </a:r>
+            <a:r>
+              <a:rPr lang="en-US" sz="1200" dirty="0" smtClean="0">
+                <a:latin typeface="Segoe UI" panose="020B0502040204020203" pitchFamily="34" charset="0"/>
+                <a:cs typeface="Segoe UI" panose="020B0502040204020203" pitchFamily="34" charset="0"/>
+              </a:rPr>
+              <a:t>removeVertex</a:t>
+            </a:r>
+            <a:r>
+              <a:rPr lang="en-US" sz="1200" dirty="0">
+                <a:latin typeface="Segoe UI" panose="020B0502040204020203" pitchFamily="34" charset="0"/>
+                <a:cs typeface="Segoe UI" panose="020B0502040204020203" pitchFamily="34" charset="0"/>
+              </a:rPr>
+              <a:t>, witch accepts a name of a vertex</a:t>
+            </a:r>
+          </a:p>
+          <a:p>
+            <a:pPr marL="419100" indent="-342900">
+              <a:buFont typeface="+mj-lt"/>
+              <a:buAutoNum type="arabicPeriod"/>
+            </a:pPr>
+            <a:r>
+              <a:rPr lang="en-US" sz="1200" dirty="0" smtClean="0">
+                <a:latin typeface="Segoe UI" panose="020B0502040204020203" pitchFamily="34" charset="0"/>
+                <a:cs typeface="Segoe UI" panose="020B0502040204020203" pitchFamily="34" charset="0"/>
+              </a:rPr>
+              <a:t>Loop as long as there are any other vertices in the adjacency list for that vertex</a:t>
+            </a:r>
+          </a:p>
+          <a:p>
+            <a:pPr marL="419100" indent="-342900">
+              <a:buFont typeface="+mj-lt"/>
+              <a:buAutoNum type="arabicPeriod"/>
+            </a:pPr>
+            <a:r>
+              <a:rPr lang="en-US" sz="1200" dirty="0" smtClean="0">
+                <a:latin typeface="Segoe UI" panose="020B0502040204020203" pitchFamily="34" charset="0"/>
+                <a:cs typeface="Segoe UI" panose="020B0502040204020203" pitchFamily="34" charset="0"/>
+              </a:rPr>
+              <a:t>Inside of the loop, call our remove edge function with the vertex we are removing and any values in the adjacency list for that vertex</a:t>
+            </a:r>
+          </a:p>
+          <a:p>
+            <a:pPr marL="419100" indent="-342900">
+              <a:buFont typeface="+mj-lt"/>
+              <a:buAutoNum type="arabicPeriod"/>
+            </a:pPr>
+            <a:r>
+              <a:rPr lang="en-US" sz="1200" dirty="0" smtClean="0">
+                <a:latin typeface="Segoe UI" panose="020B0502040204020203" pitchFamily="34" charset="0"/>
+                <a:cs typeface="Segoe UI" panose="020B0502040204020203" pitchFamily="34" charset="0"/>
+              </a:rPr>
+              <a:t>Delete the key in </a:t>
+            </a:r>
+            <a:r>
+              <a:rPr lang="en-US" sz="1200" dirty="0">
+                <a:latin typeface="Segoe UI" panose="020B0502040204020203" pitchFamily="34" charset="0"/>
+                <a:cs typeface="Segoe UI" panose="020B0502040204020203" pitchFamily="34" charset="0"/>
+              </a:rPr>
+              <a:t>adjacency list </a:t>
+            </a:r>
+            <a:r>
+              <a:rPr lang="en-US" sz="1200" dirty="0" smtClean="0">
+                <a:latin typeface="Segoe UI" panose="020B0502040204020203" pitchFamily="34" charset="0"/>
+                <a:cs typeface="Segoe UI" panose="020B0502040204020203" pitchFamily="34" charset="0"/>
+              </a:rPr>
+              <a:t> for that vertex(optional)</a:t>
+            </a:r>
+            <a:endParaRPr lang="en-US" sz="1200" dirty="0">
+              <a:latin typeface="Segoe UI" panose="020B0502040204020203" pitchFamily="34" charset="0"/>
+              <a:cs typeface="Segoe UI" panose="020B0502040204020203" pitchFamily="34" charset="0"/>
+            </a:endParaRPr>
+          </a:p>
+        </p:txBody>
+      </p:sp>
+    </p:spTree>
+    <p:extLst>
+      <p:ext uri="{BB962C8B-B14F-4D97-AF65-F5344CB8AC3E}">
+        <p14:creationId xmlns:p14="http://schemas.microsoft.com/office/powerpoint/2010/main" val="1141804580"/>
+      </p:ext>
+    </p:extLst>
+  </p:cSld>
+  <p:clrMapOvr>
+    <a:masterClrMapping/>
+  </p:clrMapOvr>
+</p:sld>
+</file>
+
 <file path=ppt/slides/slide29.xml><?xml version="1.0" encoding="utf-8"?>
 <p:sld xmlns:a="http://schemas.openxmlformats.org/drawingml/2006/main" xmlns:r="http://schemas.openxmlformats.org/officeDocument/2006/relationships" xmlns:p="http://schemas.openxmlformats.org/presentationml/2006/main">
   <p:cSld>
@@ -23863,7 +23983,7 @@
       </p:sp>
       <p:sp>
         <p:nvSpPr>
-          <p:cNvPr id="4" name="Content Placeholder 3"/>
+          <p:cNvPr id="3" name="Content Placeholder 2"/>
           <p:cNvSpPr>
             <a:spLocks noGrp="1"/>
           </p:cNvSpPr>
@@ -23871,387 +23991,51 @@
             <p:ph idx="1"/>
           </p:nvPr>
         </p:nvSpPr>
-        <p:spPr>
-          <a:xfrm>
-            <a:off x="0" y="844400"/>
-            <a:ext cx="9610000" cy="5890508"/>
-          </a:xfrm>
-        </p:spPr>
+        <p:spPr/>
         <p:txBody>
           <a:bodyPr/>
           <a:lstStyle/>
           <a:p>
-            <a:pPr marL="76200" indent="0">
-              <a:buNone/>
-            </a:pPr>
-            <a:r>
-              <a:rPr lang="en-US" sz="1200" dirty="0" smtClean="0">
-                <a:latin typeface="Segoe UI" panose="020B0502040204020203" pitchFamily="34" charset="0"/>
-                <a:cs typeface="Segoe UI" panose="020B0502040204020203" pitchFamily="34" charset="0"/>
-              </a:rPr>
-              <a:t>We do implementation of adjacency list – because in real-world tends to lend itself to sparser and larger graphs</a:t>
-            </a:r>
-          </a:p>
-          <a:p>
-            <a:pPr marL="76200" indent="0">
-              <a:buNone/>
-            </a:pPr>
-            <a:endParaRPr lang="en-US" sz="1200" dirty="0">
+            <a:r>
+              <a:rPr lang="ru-RU" dirty="0">
+                <a:latin typeface="Segoe UI" panose="020B0502040204020203" pitchFamily="34" charset="0"/>
+                <a:cs typeface="Segoe UI" panose="020B0502040204020203" pitchFamily="34" charset="0"/>
+              </a:rPr>
+              <a:t>Задача о семи </a:t>
+            </a:r>
+            <a:r>
+              <a:rPr lang="ru-RU" dirty="0" smtClean="0">
+                <a:latin typeface="Segoe UI" panose="020B0502040204020203" pitchFamily="34" charset="0"/>
+                <a:cs typeface="Segoe UI" panose="020B0502040204020203" pitchFamily="34" charset="0"/>
+              </a:rPr>
+              <a:t>мостах</a:t>
+            </a:r>
+            <a:endParaRPr lang="en-US" dirty="0" smtClean="0">
               <a:latin typeface="Segoe UI" panose="020B0502040204020203" pitchFamily="34" charset="0"/>
               <a:cs typeface="Segoe UI" panose="020B0502040204020203" pitchFamily="34" charset="0"/>
             </a:endParaRPr>
           </a:p>
           <a:p>
-            <a:pPr marL="76200" indent="0">
-              <a:buNone/>
-            </a:pPr>
-            <a:r>
-              <a:rPr lang="en-US" sz="1200" dirty="0" smtClean="0">
-                <a:latin typeface="Segoe UI" panose="020B0502040204020203" pitchFamily="34" charset="0"/>
-                <a:cs typeface="Segoe UI" panose="020B0502040204020203" pitchFamily="34" charset="0"/>
-              </a:rPr>
-              <a:t>Class Graph {</a:t>
-            </a:r>
-          </a:p>
-          <a:p>
-            <a:pPr marL="76200" indent="0">
-              <a:buNone/>
-            </a:pPr>
-            <a:r>
-              <a:rPr lang="en-US" sz="1200" dirty="0" smtClean="0">
-                <a:latin typeface="Segoe UI" panose="020B0502040204020203" pitchFamily="34" charset="0"/>
-                <a:cs typeface="Segoe UI" panose="020B0502040204020203" pitchFamily="34" charset="0"/>
-              </a:rPr>
-              <a:t>	constructor() {</a:t>
-            </a:r>
-          </a:p>
-          <a:p>
-            <a:pPr marL="76200" indent="0">
-              <a:buNone/>
-            </a:pPr>
-            <a:r>
-              <a:rPr lang="en-US" sz="1200" dirty="0">
-                <a:latin typeface="Segoe UI" panose="020B0502040204020203" pitchFamily="34" charset="0"/>
-                <a:cs typeface="Segoe UI" panose="020B0502040204020203" pitchFamily="34" charset="0"/>
-              </a:rPr>
-              <a:t>	</a:t>
-            </a:r>
-            <a:r>
-              <a:rPr lang="en-US" sz="1200" dirty="0" smtClean="0">
-                <a:latin typeface="Segoe UI" panose="020B0502040204020203" pitchFamily="34" charset="0"/>
-                <a:cs typeface="Segoe UI" panose="020B0502040204020203" pitchFamily="34" charset="0"/>
-              </a:rPr>
-              <a:t>	this.adjacencyList = {}</a:t>
-            </a:r>
-          </a:p>
-          <a:p>
-            <a:pPr marL="76200" indent="0">
-              <a:buNone/>
-            </a:pPr>
-            <a:r>
-              <a:rPr lang="en-US" sz="1200" dirty="0">
-                <a:latin typeface="Segoe UI" panose="020B0502040204020203" pitchFamily="34" charset="0"/>
-                <a:cs typeface="Segoe UI" panose="020B0502040204020203" pitchFamily="34" charset="0"/>
-              </a:rPr>
-              <a:t>	</a:t>
-            </a:r>
-            <a:r>
-              <a:rPr lang="en-US" sz="1200" dirty="0" smtClean="0">
-                <a:latin typeface="Segoe UI" panose="020B0502040204020203" pitchFamily="34" charset="0"/>
-                <a:cs typeface="Segoe UI" panose="020B0502040204020203" pitchFamily="34" charset="0"/>
-              </a:rPr>
-              <a:t>}</a:t>
-            </a:r>
-            <a:endParaRPr lang="en-US" sz="1200" dirty="0">
+            <a:endParaRPr lang="en-US" dirty="0">
               <a:latin typeface="Segoe UI" panose="020B0502040204020203" pitchFamily="34" charset="0"/>
               <a:cs typeface="Segoe UI" panose="020B0502040204020203" pitchFamily="34" charset="0"/>
             </a:endParaRPr>
           </a:p>
           <a:p>
-            <a:pPr marL="76200" indent="0">
-              <a:buNone/>
-            </a:pPr>
-            <a:r>
-              <a:rPr lang="en-US" sz="1200" dirty="0" smtClean="0">
-                <a:latin typeface="Segoe UI" panose="020B0502040204020203" pitchFamily="34" charset="0"/>
-                <a:cs typeface="Segoe UI" panose="020B0502040204020203" pitchFamily="34" charset="0"/>
-              </a:rPr>
-              <a:t>}</a:t>
-            </a:r>
-          </a:p>
-          <a:p>
-            <a:pPr marL="76200" indent="0">
-              <a:buNone/>
-            </a:pPr>
-            <a:endParaRPr lang="en-US" sz="1200" dirty="0">
+            <a:r>
+              <a:rPr lang="en-US" dirty="0" smtClean="0">
+                <a:latin typeface="Segoe UI" panose="020B0502040204020203" pitchFamily="34" charset="0"/>
+                <a:cs typeface="Segoe UI" panose="020B0502040204020203" pitchFamily="34" charset="0"/>
+              </a:rPr>
+              <a:t>Dracula for graph visualization</a:t>
+            </a:r>
+            <a:endParaRPr lang="ru-RU" dirty="0">
               <a:latin typeface="Segoe UI" panose="020B0502040204020203" pitchFamily="34" charset="0"/>
               <a:cs typeface="Segoe UI" panose="020B0502040204020203" pitchFamily="34" charset="0"/>
             </a:endParaRPr>
           </a:p>
           <a:p>
-            <a:pPr marL="76200" indent="0">
-              <a:buNone/>
-            </a:pPr>
-            <a:r>
-              <a:rPr lang="en-US" sz="1200" dirty="0" smtClean="0">
-                <a:latin typeface="Segoe UI" panose="020B0502040204020203" pitchFamily="34" charset="0"/>
-                <a:cs typeface="Segoe UI" panose="020B0502040204020203" pitchFamily="34" charset="0"/>
-              </a:rPr>
-              <a:t>Adding a vertex</a:t>
-            </a:r>
-          </a:p>
-          <a:p>
-            <a:pPr marL="419100" indent="-342900">
-              <a:buFont typeface="+mj-lt"/>
-              <a:buAutoNum type="arabicPeriod"/>
-            </a:pPr>
-            <a:r>
-              <a:rPr lang="en-US" sz="1200" dirty="0" smtClean="0">
-                <a:latin typeface="Segoe UI" panose="020B0502040204020203" pitchFamily="34" charset="0"/>
-                <a:cs typeface="Segoe UI" panose="020B0502040204020203" pitchFamily="34" charset="0"/>
-              </a:rPr>
-              <a:t>Write a method called addVertex, witch accepts a name of a vertex</a:t>
-            </a:r>
-          </a:p>
-          <a:p>
-            <a:pPr marL="419100" indent="-342900">
-              <a:buFont typeface="+mj-lt"/>
-              <a:buAutoNum type="arabicPeriod"/>
-            </a:pPr>
-            <a:r>
-              <a:rPr lang="en-US" sz="1200" dirty="0" smtClean="0">
-                <a:latin typeface="Segoe UI" panose="020B0502040204020203" pitchFamily="34" charset="0"/>
-                <a:cs typeface="Segoe UI" panose="020B0502040204020203" pitchFamily="34" charset="0"/>
-              </a:rPr>
-              <a:t>It should add a key to the adjacency list with the name of the vertex and set its value to be an empty array</a:t>
-            </a:r>
-          </a:p>
-          <a:p>
-            <a:pPr marL="76200" indent="0">
-              <a:buNone/>
-            </a:pPr>
-            <a:r>
-              <a:rPr lang="en-US" sz="1200" dirty="0" smtClean="0">
-                <a:latin typeface="Segoe UI" panose="020B0502040204020203" pitchFamily="34" charset="0"/>
-                <a:cs typeface="Segoe UI" panose="020B0502040204020203" pitchFamily="34" charset="0"/>
-              </a:rPr>
-              <a:t>Add a edge</a:t>
-            </a:r>
-          </a:p>
-          <a:p>
-            <a:pPr marL="419100" indent="-342900">
-              <a:buFont typeface="+mj-lt"/>
-              <a:buAutoNum type="arabicPeriod"/>
-            </a:pPr>
-            <a:r>
-              <a:rPr lang="en-US" sz="1200" dirty="0" smtClean="0">
-                <a:latin typeface="Segoe UI" panose="020B0502040204020203" pitchFamily="34" charset="0"/>
-                <a:cs typeface="Segoe UI" panose="020B0502040204020203" pitchFamily="34" charset="0"/>
-              </a:rPr>
-              <a:t>Write a method called addEdge, witch accept two vertices(v1, v2)</a:t>
-            </a:r>
-          </a:p>
-          <a:p>
-            <a:pPr marL="419100" indent="-342900">
-              <a:buFont typeface="+mj-lt"/>
-              <a:buAutoNum type="arabicPeriod"/>
-            </a:pPr>
-            <a:r>
-              <a:rPr lang="en-US" sz="1200" dirty="0" smtClean="0">
-                <a:latin typeface="Segoe UI" panose="020B0502040204020203" pitchFamily="34" charset="0"/>
-                <a:cs typeface="Segoe UI" panose="020B0502040204020203" pitchFamily="34" charset="0"/>
-              </a:rPr>
-              <a:t>Find in the </a:t>
-            </a:r>
-            <a:r>
-              <a:rPr lang="en-US" sz="1200" dirty="0">
-                <a:latin typeface="Segoe UI" panose="020B0502040204020203" pitchFamily="34" charset="0"/>
-                <a:cs typeface="Segoe UI" panose="020B0502040204020203" pitchFamily="34" charset="0"/>
-              </a:rPr>
-              <a:t>adjacency list </a:t>
-            </a:r>
-            <a:r>
-              <a:rPr lang="en-US" sz="1200" dirty="0" smtClean="0">
-                <a:latin typeface="Segoe UI" panose="020B0502040204020203" pitchFamily="34" charset="0"/>
-                <a:cs typeface="Segoe UI" panose="020B0502040204020203" pitchFamily="34" charset="0"/>
-              </a:rPr>
-              <a:t>v1 | v2, and push v2 | v1 to v1 | v2</a:t>
-            </a:r>
-          </a:p>
-          <a:p>
-            <a:pPr marL="419100" indent="-342900">
-              <a:buFont typeface="+mj-lt"/>
-              <a:buAutoNum type="arabicPeriod"/>
-            </a:pPr>
-            <a:r>
-              <a:rPr lang="en-US" sz="1200" dirty="0" smtClean="0">
-                <a:latin typeface="Segoe UI" panose="020B0502040204020203" pitchFamily="34" charset="0"/>
-                <a:cs typeface="Segoe UI" panose="020B0502040204020203" pitchFamily="34" charset="0"/>
-              </a:rPr>
-              <a:t>Handle errors / invalid vertices / duplicates</a:t>
-            </a:r>
-          </a:p>
-          <a:p>
-            <a:pPr marL="76200" indent="0">
-              <a:buNone/>
-            </a:pPr>
-            <a:r>
-              <a:rPr lang="en-US" sz="1200" dirty="0" smtClean="0">
-                <a:latin typeface="Segoe UI" panose="020B0502040204020203" pitchFamily="34" charset="0"/>
-                <a:cs typeface="Segoe UI" panose="020B0502040204020203" pitchFamily="34" charset="0"/>
-              </a:rPr>
-              <a:t>Removing an edge</a:t>
-            </a:r>
-          </a:p>
-          <a:p>
-            <a:pPr marL="419100" indent="-342900">
-              <a:buFont typeface="+mj-lt"/>
-              <a:buAutoNum type="arabicPeriod"/>
-            </a:pPr>
-            <a:r>
-              <a:rPr lang="en-US" sz="1200" dirty="0">
-                <a:latin typeface="Segoe UI" panose="020B0502040204020203" pitchFamily="34" charset="0"/>
-                <a:cs typeface="Segoe UI" panose="020B0502040204020203" pitchFamily="34" charset="0"/>
-              </a:rPr>
-              <a:t>Write a method called </a:t>
-            </a:r>
-            <a:r>
-              <a:rPr lang="en-US" sz="1200" dirty="0" smtClean="0">
-                <a:latin typeface="Segoe UI" panose="020B0502040204020203" pitchFamily="34" charset="0"/>
-                <a:cs typeface="Segoe UI" panose="020B0502040204020203" pitchFamily="34" charset="0"/>
-              </a:rPr>
-              <a:t>removeEdge</a:t>
-            </a:r>
-            <a:r>
-              <a:rPr lang="en-US" sz="1200" dirty="0">
-                <a:latin typeface="Segoe UI" panose="020B0502040204020203" pitchFamily="34" charset="0"/>
-                <a:cs typeface="Segoe UI" panose="020B0502040204020203" pitchFamily="34" charset="0"/>
-              </a:rPr>
-              <a:t>, witch accept two vertices(v1, v2)</a:t>
-            </a:r>
-          </a:p>
-          <a:p>
-            <a:pPr marL="419100" indent="-342900">
-              <a:buFont typeface="+mj-lt"/>
-              <a:buAutoNum type="arabicPeriod"/>
-            </a:pPr>
-            <a:r>
-              <a:rPr lang="en-US" sz="1200" dirty="0" smtClean="0">
-                <a:latin typeface="Segoe UI" panose="020B0502040204020203" pitchFamily="34" charset="0"/>
-                <a:cs typeface="Segoe UI" panose="020B0502040204020203" pitchFamily="34" charset="0"/>
-              </a:rPr>
-              <a:t>Reassign key of v1 | v2 to be an array that does not contain v2 | v1</a:t>
-            </a:r>
-          </a:p>
-          <a:p>
-            <a:pPr marL="419100" indent="-342900">
-              <a:buFont typeface="+mj-lt"/>
-              <a:buAutoNum type="arabicPeriod"/>
-            </a:pPr>
-            <a:r>
-              <a:rPr lang="en-US" sz="1200" dirty="0">
-                <a:latin typeface="Segoe UI" panose="020B0502040204020203" pitchFamily="34" charset="0"/>
-                <a:cs typeface="Segoe UI" panose="020B0502040204020203" pitchFamily="34" charset="0"/>
-              </a:rPr>
-              <a:t>Handle errors / invalid vertices</a:t>
-            </a:r>
-            <a:endParaRPr lang="en-US" sz="1200" dirty="0" smtClean="0">
-              <a:latin typeface="Segoe UI" panose="020B0502040204020203" pitchFamily="34" charset="0"/>
-              <a:cs typeface="Segoe UI" panose="020B0502040204020203" pitchFamily="34" charset="0"/>
-            </a:endParaRPr>
-          </a:p>
-          <a:p>
-            <a:pPr marL="76200" indent="0">
-              <a:buNone/>
-            </a:pPr>
-            <a:r>
-              <a:rPr lang="en-US" sz="1200" dirty="0" smtClean="0">
-                <a:latin typeface="Segoe UI" panose="020B0502040204020203" pitchFamily="34" charset="0"/>
-                <a:cs typeface="Segoe UI" panose="020B0502040204020203" pitchFamily="34" charset="0"/>
-              </a:rPr>
-              <a:t>Remove an vertex</a:t>
-            </a:r>
-          </a:p>
-          <a:p>
-            <a:pPr marL="419100" indent="-342900">
-              <a:buFont typeface="+mj-lt"/>
-              <a:buAutoNum type="arabicPeriod"/>
-            </a:pPr>
-            <a:r>
-              <a:rPr lang="en-US" sz="1200" dirty="0">
-                <a:latin typeface="Segoe UI" panose="020B0502040204020203" pitchFamily="34" charset="0"/>
-                <a:cs typeface="Segoe UI" panose="020B0502040204020203" pitchFamily="34" charset="0"/>
-              </a:rPr>
-              <a:t>Write a method called </a:t>
-            </a:r>
-            <a:r>
-              <a:rPr lang="en-US" sz="1200" dirty="0" smtClean="0">
-                <a:latin typeface="Segoe UI" panose="020B0502040204020203" pitchFamily="34" charset="0"/>
-                <a:cs typeface="Segoe UI" panose="020B0502040204020203" pitchFamily="34" charset="0"/>
-              </a:rPr>
-              <a:t>removeVertex</a:t>
-            </a:r>
-            <a:r>
-              <a:rPr lang="en-US" sz="1200" dirty="0">
-                <a:latin typeface="Segoe UI" panose="020B0502040204020203" pitchFamily="34" charset="0"/>
-                <a:cs typeface="Segoe UI" panose="020B0502040204020203" pitchFamily="34" charset="0"/>
-              </a:rPr>
-              <a:t>, witch accepts a name of a vertex</a:t>
-            </a:r>
-          </a:p>
-          <a:p>
-            <a:pPr marL="419100" indent="-342900">
-              <a:buFont typeface="+mj-lt"/>
-              <a:buAutoNum type="arabicPeriod"/>
-            </a:pPr>
-            <a:r>
-              <a:rPr lang="en-US" sz="1200" dirty="0" smtClean="0">
-                <a:latin typeface="Segoe UI" panose="020B0502040204020203" pitchFamily="34" charset="0"/>
-                <a:cs typeface="Segoe UI" panose="020B0502040204020203" pitchFamily="34" charset="0"/>
-              </a:rPr>
-              <a:t>Loop as long as there are any other vertices in the adjacency list for that vertex</a:t>
-            </a:r>
-          </a:p>
-          <a:p>
-            <a:pPr marL="419100" indent="-342900">
-              <a:buFont typeface="+mj-lt"/>
-              <a:buAutoNum type="arabicPeriod"/>
-            </a:pPr>
-            <a:r>
-              <a:rPr lang="en-US" sz="1200" dirty="0" smtClean="0">
-                <a:latin typeface="Segoe UI" panose="020B0502040204020203" pitchFamily="34" charset="0"/>
-                <a:cs typeface="Segoe UI" panose="020B0502040204020203" pitchFamily="34" charset="0"/>
-              </a:rPr>
-              <a:t>Inside of the loop, call our remove edge function with the vertex we are removing and any values in the adjacency list for that vertex</a:t>
-            </a:r>
-          </a:p>
-          <a:p>
-            <a:pPr marL="419100" indent="-342900">
-              <a:buFont typeface="+mj-lt"/>
-              <a:buAutoNum type="arabicPeriod"/>
-            </a:pPr>
-            <a:r>
-              <a:rPr lang="en-US" sz="1200" dirty="0" smtClean="0">
-                <a:latin typeface="Segoe UI" panose="020B0502040204020203" pitchFamily="34" charset="0"/>
-                <a:cs typeface="Segoe UI" panose="020B0502040204020203" pitchFamily="34" charset="0"/>
-              </a:rPr>
-              <a:t>Delete the key in </a:t>
-            </a:r>
-            <a:r>
-              <a:rPr lang="en-US" sz="1200" dirty="0">
-                <a:latin typeface="Segoe UI" panose="020B0502040204020203" pitchFamily="34" charset="0"/>
-                <a:cs typeface="Segoe UI" panose="020B0502040204020203" pitchFamily="34" charset="0"/>
-              </a:rPr>
-              <a:t>adjacency list </a:t>
-            </a:r>
-            <a:r>
-              <a:rPr lang="en-US" sz="1200" dirty="0" smtClean="0">
-                <a:latin typeface="Segoe UI" panose="020B0502040204020203" pitchFamily="34" charset="0"/>
-                <a:cs typeface="Segoe UI" panose="020B0502040204020203" pitchFamily="34" charset="0"/>
-              </a:rPr>
-              <a:t> for that vertex(optional)</a:t>
-            </a:r>
-            <a:endParaRPr lang="en-US" sz="1200" dirty="0">
+            <a:endParaRPr lang="en-US" dirty="0">
               <a:latin typeface="Segoe UI" panose="020B0502040204020203" pitchFamily="34" charset="0"/>
               <a:cs typeface="Segoe UI" panose="020B0502040204020203" pitchFamily="34" charset="0"/>
             </a:endParaRPr>
@@ -24261,7 +24045,7 @@
     </p:spTree>
     <p:extLst>
       <p:ext uri="{BB962C8B-B14F-4D97-AF65-F5344CB8AC3E}">
-        <p14:creationId xmlns:p14="http://schemas.microsoft.com/office/powerpoint/2010/main" val="1141804580"/>
+        <p14:creationId xmlns:p14="http://schemas.microsoft.com/office/powerpoint/2010/main" val="3682538881"/>
       </p:ext>
     </p:extLst>
   </p:cSld>
@@ -24545,7 +24329,7 @@
           <p:nvPr>
             <p:extLst>
               <p:ext uri="{D42A27DB-BD31-4B8C-83A1-F6EECF244321}">
-                <p14:modId xmlns:p14="http://schemas.microsoft.com/office/powerpoint/2010/main" val="2799390485"/>
+                <p14:modId xmlns:p14="http://schemas.microsoft.com/office/powerpoint/2010/main" val="522385320"/>
               </p:ext>
             </p:extLst>
           </p:nvPr>
@@ -24595,7 +24379,10 @@
                       <a:r>
                         <a:rPr lang="en-US" sz="1800" b="1" i="0" u="none" strike="noStrike" cap="none" dirty="0" smtClean="0">
                           <a:solidFill>
-                            <a:schemeClr val="lt1"/>
+                            <a:schemeClr val="tx1">
+                              <a:lumMod val="10000"/>
+                              <a:lumOff val="90000"/>
+                            </a:schemeClr>
                           </a:solidFill>
                           <a:latin typeface="+mn-lt"/>
                           <a:ea typeface="+mn-ea"/>
@@ -24664,7 +24451,10 @@
                       <a:r>
                         <a:rPr lang="en-US" sz="1800" b="1" i="0" u="none" strike="noStrike" cap="none" dirty="0" smtClean="0">
                           <a:solidFill>
-                            <a:schemeClr val="lt1"/>
+                            <a:schemeClr val="tx1">
+                              <a:lumMod val="10000"/>
+                              <a:lumOff val="90000"/>
+                            </a:schemeClr>
                           </a:solidFill>
                           <a:latin typeface="+mn-lt"/>
                           <a:ea typeface="+mn-ea"/>
@@ -24735,7 +24525,10 @@
                       <a:r>
                         <a:rPr lang="en-US" sz="1800" b="1" i="0" u="none" strike="noStrike" cap="none" dirty="0" smtClean="0">
                           <a:solidFill>
-                            <a:schemeClr val="lt1"/>
+                            <a:schemeClr val="tx1">
+                              <a:lumMod val="10000"/>
+                              <a:lumOff val="90000"/>
+                            </a:schemeClr>
                           </a:solidFill>
                           <a:latin typeface="+mn-lt"/>
                           <a:ea typeface="+mn-ea"/>
@@ -24746,7 +24539,10 @@
                       </a:r>
                       <a:endParaRPr lang="en-US" sz="1800" b="1" i="0" u="none" strike="noStrike" cap="none" dirty="0">
                         <a:solidFill>
-                          <a:schemeClr val="lt1"/>
+                          <a:schemeClr val="tx1">
+                            <a:lumMod val="10000"/>
+                            <a:lumOff val="90000"/>
+                          </a:schemeClr>
                         </a:solidFill>
                         <a:latin typeface="+mn-lt"/>
                         <a:ea typeface="+mn-ea"/>
@@ -24813,7 +24609,10 @@
                       <a:r>
                         <a:rPr lang="en-US" sz="1800" b="1" i="0" u="none" strike="noStrike" cap="none" dirty="0" smtClean="0">
                           <a:solidFill>
-                            <a:schemeClr val="lt1"/>
+                            <a:schemeClr val="tx1">
+                              <a:lumMod val="10000"/>
+                              <a:lumOff val="90000"/>
+                            </a:schemeClr>
                           </a:solidFill>
                           <a:latin typeface="+mn-lt"/>
                           <a:ea typeface="+mn-ea"/>
@@ -24882,7 +24681,10 @@
                       <a:r>
                         <a:rPr lang="en-US" sz="1800" b="1" i="0" u="none" strike="noStrike" cap="none" dirty="0" smtClean="0">
                           <a:solidFill>
-                            <a:schemeClr val="lt1"/>
+                            <a:schemeClr val="tx1">
+                              <a:lumMod val="10000"/>
+                              <a:lumOff val="90000"/>
+                            </a:schemeClr>
                           </a:solidFill>
                           <a:latin typeface="+mn-lt"/>
                           <a:ea typeface="+mn-ea"/>
@@ -26056,131 +25858,6 @@
 </file>
 
 <file path=ppt/slides/slide30.xml><?xml version="1.0" encoding="utf-8"?>
-<p:sld xmlns:a="http://schemas.openxmlformats.org/drawingml/2006/main" xmlns:r="http://schemas.openxmlformats.org/officeDocument/2006/relationships" xmlns:p="http://schemas.openxmlformats.org/presentationml/2006/main">
-  <p:cSld>
-    <p:spTree>
-      <p:nvGrpSpPr>
-        <p:cNvPr id="1" name=""/>
-        <p:cNvGrpSpPr/>
-        <p:nvPr/>
-      </p:nvGrpSpPr>
-      <p:grpSpPr>
-        <a:xfrm>
-          <a:off x="0" y="0"/>
-          <a:ext cx="0" cy="0"/>
-          <a:chOff x="0" y="0"/>
-          <a:chExt cx="0" cy="0"/>
-        </a:xfrm>
-      </p:grpSpPr>
-      <p:sp>
-        <p:nvSpPr>
-          <p:cNvPr id="2" name="Title 1"/>
-          <p:cNvSpPr>
-            <a:spLocks noGrp="1"/>
-          </p:cNvSpPr>
-          <p:nvPr>
-            <p:ph type="title"/>
-          </p:nvPr>
-        </p:nvSpPr>
-        <p:spPr>
-          <a:xfrm>
-            <a:off x="0" y="0"/>
-            <a:ext cx="9610000" cy="844400"/>
-          </a:xfrm>
-        </p:spPr>
-        <p:txBody>
-          <a:bodyPr/>
-          <a:lstStyle/>
-          <a:p>
-            <a:r>
-              <a:rPr lang="en-US" b="1" dirty="0">
-                <a:latin typeface="Segoe UI" panose="020B0502040204020203" pitchFamily="34" charset="0"/>
-                <a:cs typeface="Segoe UI" panose="020B0502040204020203" pitchFamily="34" charset="0"/>
-              </a:rPr>
-              <a:t>Graphs</a:t>
-            </a:r>
-            <a:endParaRPr lang="en-US" dirty="0">
-              <a:latin typeface="Segoe UI" panose="020B0502040204020203" pitchFamily="34" charset="0"/>
-              <a:cs typeface="Segoe UI" panose="020B0502040204020203" pitchFamily="34" charset="0"/>
-            </a:endParaRPr>
-          </a:p>
-        </p:txBody>
-      </p:sp>
-      <p:sp>
-        <p:nvSpPr>
-          <p:cNvPr id="3" name="Content Placeholder 2"/>
-          <p:cNvSpPr>
-            <a:spLocks noGrp="1"/>
-          </p:cNvSpPr>
-          <p:nvPr>
-            <p:ph idx="1"/>
-          </p:nvPr>
-        </p:nvSpPr>
-        <p:spPr/>
-        <p:txBody>
-          <a:bodyPr/>
-          <a:lstStyle/>
-          <a:p>
-            <a:r>
-              <a:rPr lang="ru-RU" dirty="0">
-                <a:latin typeface="Segoe UI" panose="020B0502040204020203" pitchFamily="34" charset="0"/>
-                <a:cs typeface="Segoe UI" panose="020B0502040204020203" pitchFamily="34" charset="0"/>
-              </a:rPr>
-              <a:t>Задача о семи </a:t>
-            </a:r>
-            <a:r>
-              <a:rPr lang="ru-RU" dirty="0" smtClean="0">
-                <a:latin typeface="Segoe UI" panose="020B0502040204020203" pitchFamily="34" charset="0"/>
-                <a:cs typeface="Segoe UI" panose="020B0502040204020203" pitchFamily="34" charset="0"/>
-              </a:rPr>
-              <a:t>мостах</a:t>
-            </a:r>
-            <a:endParaRPr lang="en-US" dirty="0" smtClean="0">
-              <a:latin typeface="Segoe UI" panose="020B0502040204020203" pitchFamily="34" charset="0"/>
-              <a:cs typeface="Segoe UI" panose="020B0502040204020203" pitchFamily="34" charset="0"/>
-            </a:endParaRPr>
-          </a:p>
-          <a:p>
-            <a:endParaRPr lang="en-US" dirty="0">
-              <a:latin typeface="Segoe UI" panose="020B0502040204020203" pitchFamily="34" charset="0"/>
-              <a:cs typeface="Segoe UI" panose="020B0502040204020203" pitchFamily="34" charset="0"/>
-            </a:endParaRPr>
-          </a:p>
-          <a:p>
-            <a:r>
-              <a:rPr lang="en-US" dirty="0" smtClean="0">
-                <a:latin typeface="Segoe UI" panose="020B0502040204020203" pitchFamily="34" charset="0"/>
-                <a:cs typeface="Segoe UI" panose="020B0502040204020203" pitchFamily="34" charset="0"/>
-              </a:rPr>
-              <a:t>Dracula for graph visualization</a:t>
-            </a:r>
-            <a:endParaRPr lang="ru-RU" dirty="0">
-              <a:latin typeface="Segoe UI" panose="020B0502040204020203" pitchFamily="34" charset="0"/>
-              <a:cs typeface="Segoe UI" panose="020B0502040204020203" pitchFamily="34" charset="0"/>
-            </a:endParaRPr>
-          </a:p>
-          <a:p>
-            <a:endParaRPr lang="en-US" dirty="0">
-              <a:latin typeface="Segoe UI" panose="020B0502040204020203" pitchFamily="34" charset="0"/>
-              <a:cs typeface="Segoe UI" panose="020B0502040204020203" pitchFamily="34" charset="0"/>
-            </a:endParaRPr>
-          </a:p>
-        </p:txBody>
-      </p:sp>
-    </p:spTree>
-    <p:extLst>
-      <p:ext uri="{BB962C8B-B14F-4D97-AF65-F5344CB8AC3E}">
-        <p14:creationId xmlns:p14="http://schemas.microsoft.com/office/powerpoint/2010/main" val="3682538881"/>
-      </p:ext>
-    </p:extLst>
-  </p:cSld>
-  <p:clrMapOvr>
-    <a:masterClrMapping/>
-  </p:clrMapOvr>
-</p:sld>
-</file>
-
-<file path=ppt/slides/slide31.xml><?xml version="1.0" encoding="utf-8"?>
 <p:sld xmlns:a="http://schemas.openxmlformats.org/drawingml/2006/main" xmlns:r="http://schemas.openxmlformats.org/officeDocument/2006/relationships" xmlns:p="http://schemas.openxmlformats.org/presentationml/2006/main">
   <p:cSld>
     <p:spTree>
@@ -29909,7 +29586,7 @@
         <p:spPr>
           <a:xfrm>
             <a:off x="1392633" y="1957833"/>
-            <a:ext cx="6924280" cy="4023867"/>
+            <a:ext cx="6924280" cy="3475813"/>
           </a:xfrm>
           <a:prstGeom prst="rect">
             <a:avLst/>
@@ -31325,7 +31002,7 @@
   <p:cSld>
     <p:spTree>
       <p:nvGrpSpPr>
-        <p:cNvPr id="1" name="Shape 117"/>
+        <p:cNvPr id="1" name=""/>
         <p:cNvGrpSpPr/>
         <p:nvPr/>
       </p:nvGrpSpPr>
@@ -31339,950 +31016,542 @@
       </p:grpSpPr>
       <p:sp>
         <p:nvSpPr>
-          <p:cNvPr id="118" name="Google Shape;118;p17"/>
-          <p:cNvSpPr txBox="1">
+          <p:cNvPr id="2" name="Title 1"/>
+          <p:cNvSpPr>
             <a:spLocks noGrp="1"/>
           </p:cNvSpPr>
           <p:nvPr>
             <p:ph type="title"/>
           </p:nvPr>
         </p:nvSpPr>
+        <p:spPr/>
+        <p:txBody>
+          <a:bodyPr/>
+          <a:lstStyle/>
+          <a:p>
+            <a:r>
+              <a:rPr lang="en-US" b="1" dirty="0">
+                <a:latin typeface="Segoe UI" panose="020B0502040204020203" pitchFamily="34" charset="0"/>
+                <a:cs typeface="Segoe UI" panose="020B0502040204020203" pitchFamily="34" charset="0"/>
+              </a:rPr>
+              <a:t>Problem solving patterns</a:t>
+            </a:r>
+            <a:endParaRPr lang="en-US" dirty="0">
+              <a:latin typeface="Segoe UI" panose="020B0502040204020203" pitchFamily="34" charset="0"/>
+              <a:cs typeface="Segoe UI" panose="020B0502040204020203" pitchFamily="34" charset="0"/>
+            </a:endParaRPr>
+          </a:p>
+        </p:txBody>
+      </p:sp>
+      <p:sp>
+        <p:nvSpPr>
+          <p:cNvPr id="3" name="Rectangle 2"/>
+          <p:cNvSpPr/>
+          <p:nvPr/>
+        </p:nvSpPr>
         <p:spPr>
           <a:xfrm>
-            <a:off x="1392633" y="990100"/>
-            <a:ext cx="9610000" cy="844400"/>
+            <a:off x="838201" y="1815584"/>
+            <a:ext cx="10515600" cy="1200329"/>
           </a:xfrm>
           <a:prstGeom prst="rect">
             <a:avLst/>
           </a:prstGeom>
         </p:spPr>
         <p:txBody>
-          <a:bodyPr spcFirstLastPara="1" wrap="square" lIns="0" tIns="0" rIns="0" bIns="0" anchor="ctr" anchorCtr="0">
-            <a:noAutofit/>
+          <a:bodyPr wrap="square">
+            <a:spAutoFit/>
           </a:bodyPr>
           <a:lstStyle/>
           <a:p>
             <a:r>
+              <a:rPr lang="en-US" dirty="0" smtClean="0">
+                <a:latin typeface="Segoe UI" panose="020B0502040204020203" pitchFamily="34" charset="0"/>
+                <a:cs typeface="Segoe UI" panose="020B0502040204020203" pitchFamily="34" charset="0"/>
+              </a:rPr>
+              <a:t>Divide-and-conquer </a:t>
+            </a:r>
+            <a:r>
               <a:rPr lang="en-US" dirty="0">
                 <a:latin typeface="Segoe UI" panose="020B0502040204020203" pitchFamily="34" charset="0"/>
                 <a:cs typeface="Segoe UI" panose="020B0502040204020203" pitchFamily="34" charset="0"/>
               </a:rPr>
-              <a:t>Algorithm </a:t>
-            </a:r>
+              <a:t>- This paradigm, divide-and-conquer, breaks a problem into subproblems that are similar to the original problem, </a:t>
+            </a:r>
+            <a:r>
+              <a:rPr lang="en-US" b="1" dirty="0">
+                <a:latin typeface="Segoe UI" panose="020B0502040204020203" pitchFamily="34" charset="0"/>
+                <a:cs typeface="Segoe UI" panose="020B0502040204020203" pitchFamily="34" charset="0"/>
+              </a:rPr>
+              <a:t>recursively</a:t>
+            </a:r>
+            <a:r>
+              <a:rPr lang="en-US" dirty="0">
+                <a:latin typeface="Segoe UI" panose="020B0502040204020203" pitchFamily="34" charset="0"/>
+                <a:cs typeface="Segoe UI" panose="020B0502040204020203" pitchFamily="34" charset="0"/>
+              </a:rPr>
+              <a:t> solves the subproblems, and finally combines the solutions to the subproblems to solve the original problem.</a:t>
+            </a:r>
+          </a:p>
+          <a:p>
             <a:r>
               <a:rPr lang="en-US" dirty="0" smtClean="0">
                 <a:latin typeface="Segoe UI" panose="020B0502040204020203" pitchFamily="34" charset="0"/>
                 <a:cs typeface="Segoe UI" panose="020B0502040204020203" pitchFamily="34" charset="0"/>
               </a:rPr>
-              <a:t>properties</a:t>
-            </a:r>
-            <a:endParaRPr dirty="0">
-              <a:latin typeface="Segoe UI" panose="020B0502040204020203" pitchFamily="34" charset="0"/>
-              <a:cs typeface="Segoe UI" panose="020B0502040204020203" pitchFamily="34" charset="0"/>
-            </a:endParaRPr>
+              <a:t>Merge </a:t>
+            </a:r>
+            <a:r>
+              <a:rPr lang="en-US" dirty="0">
+                <a:latin typeface="Segoe UI" panose="020B0502040204020203" pitchFamily="34" charset="0"/>
+                <a:cs typeface="Segoe UI" panose="020B0502040204020203" pitchFamily="34" charset="0"/>
+              </a:rPr>
+              <a:t>sort and quicksort employ a common algorithmic paradigm based on recursion. </a:t>
+            </a:r>
           </a:p>
         </p:txBody>
       </p:sp>
       <p:sp>
         <p:nvSpPr>
-          <p:cNvPr id="119" name="Google Shape;119;p17"/>
+          <p:cNvPr id="4" name="Title 1"/>
           <p:cNvSpPr txBox="1">
-            <a:spLocks noGrp="1"/>
+            <a:spLocks/>
           </p:cNvSpPr>
-          <p:nvPr>
-            <p:ph type="body" idx="1"/>
-          </p:nvPr>
+          <p:nvPr/>
         </p:nvSpPr>
         <p:spPr>
           <a:xfrm>
-            <a:off x="1392633" y="1957833"/>
-            <a:ext cx="9610000" cy="3676800"/>
+            <a:off x="1392634" y="4190500"/>
+            <a:ext cx="9610000" cy="844400"/>
+          </a:xfrm>
+          <a:prstGeom prst="rect">
+            <a:avLst/>
+          </a:prstGeom>
+          <a:noFill/>
+          <a:ln>
+            <a:noFill/>
+          </a:ln>
+        </p:spPr>
+        <p:txBody>
+          <a:bodyPr spcFirstLastPara="1" wrap="square" lIns="0" tIns="0" rIns="0" bIns="0" anchor="ctr" anchorCtr="0">
+            <a:noAutofit/>
+          </a:bodyPr>
+          <a:lstStyle>
+            <a:defPPr marR="0" lvl="0" algn="l" rtl="0">
+              <a:lnSpc>
+                <a:spcPct val="100000"/>
+              </a:lnSpc>
+              <a:spcBef>
+                <a:spcPts val="0"/>
+              </a:spcBef>
+              <a:spcAft>
+                <a:spcPts val="0"/>
+              </a:spcAft>
+            </a:defPPr>
+            <a:lvl1pPr marR="0" lvl="0" algn="l" rtl="0" eaLnBrk="1" hangingPunct="1">
+              <a:lnSpc>
+                <a:spcPct val="90000"/>
+              </a:lnSpc>
+              <a:spcBef>
+                <a:spcPts val="0"/>
+              </a:spcBef>
+              <a:spcAft>
+                <a:spcPts val="0"/>
+              </a:spcAft>
+              <a:buClr>
+                <a:schemeClr val="accent4"/>
+              </a:buClr>
+              <a:buSzPts val="3200"/>
+              <a:buFont typeface="Red Hat Display"/>
+              <a:buNone/>
+              <a:defRPr sz="3200" b="1" i="0" u="none" strike="noStrike" cap="none">
+                <a:solidFill>
+                  <a:schemeClr val="accent4"/>
+                </a:solidFill>
+                <a:latin typeface="Red Hat Display"/>
+                <a:ea typeface="Red Hat Display"/>
+                <a:cs typeface="Red Hat Display"/>
+                <a:sym typeface="Red Hat Display"/>
+              </a:defRPr>
+            </a:lvl1pPr>
+            <a:lvl2pPr marR="0" lvl="1" algn="l" rtl="0" eaLnBrk="1" hangingPunct="1">
+              <a:lnSpc>
+                <a:spcPct val="90000"/>
+              </a:lnSpc>
+              <a:spcBef>
+                <a:spcPts val="0"/>
+              </a:spcBef>
+              <a:spcAft>
+                <a:spcPts val="0"/>
+              </a:spcAft>
+              <a:buClr>
+                <a:schemeClr val="accent4"/>
+              </a:buClr>
+              <a:buSzPts val="3200"/>
+              <a:buFont typeface="Red Hat Display"/>
+              <a:buNone/>
+              <a:defRPr sz="3200" b="1" i="0" u="none" strike="noStrike" cap="none">
+                <a:solidFill>
+                  <a:schemeClr val="accent4"/>
+                </a:solidFill>
+                <a:latin typeface="Red Hat Display"/>
+                <a:ea typeface="Red Hat Display"/>
+                <a:cs typeface="Red Hat Display"/>
+                <a:sym typeface="Red Hat Display"/>
+              </a:defRPr>
+            </a:lvl2pPr>
+            <a:lvl3pPr marR="0" lvl="2" algn="l" rtl="0" eaLnBrk="1" hangingPunct="1">
+              <a:lnSpc>
+                <a:spcPct val="90000"/>
+              </a:lnSpc>
+              <a:spcBef>
+                <a:spcPts val="0"/>
+              </a:spcBef>
+              <a:spcAft>
+                <a:spcPts val="0"/>
+              </a:spcAft>
+              <a:buClr>
+                <a:schemeClr val="accent4"/>
+              </a:buClr>
+              <a:buSzPts val="3200"/>
+              <a:buFont typeface="Red Hat Display"/>
+              <a:buNone/>
+              <a:defRPr sz="3200" b="1" i="0" u="none" strike="noStrike" cap="none">
+                <a:solidFill>
+                  <a:schemeClr val="accent4"/>
+                </a:solidFill>
+                <a:latin typeface="Red Hat Display"/>
+                <a:ea typeface="Red Hat Display"/>
+                <a:cs typeface="Red Hat Display"/>
+                <a:sym typeface="Red Hat Display"/>
+              </a:defRPr>
+            </a:lvl3pPr>
+            <a:lvl4pPr marR="0" lvl="3" algn="l" rtl="0" eaLnBrk="1" hangingPunct="1">
+              <a:lnSpc>
+                <a:spcPct val="90000"/>
+              </a:lnSpc>
+              <a:spcBef>
+                <a:spcPts val="0"/>
+              </a:spcBef>
+              <a:spcAft>
+                <a:spcPts val="0"/>
+              </a:spcAft>
+              <a:buClr>
+                <a:schemeClr val="accent4"/>
+              </a:buClr>
+              <a:buSzPts val="3200"/>
+              <a:buFont typeface="Red Hat Display"/>
+              <a:buNone/>
+              <a:defRPr sz="3200" b="1" i="0" u="none" strike="noStrike" cap="none">
+                <a:solidFill>
+                  <a:schemeClr val="accent4"/>
+                </a:solidFill>
+                <a:latin typeface="Red Hat Display"/>
+                <a:ea typeface="Red Hat Display"/>
+                <a:cs typeface="Red Hat Display"/>
+                <a:sym typeface="Red Hat Display"/>
+              </a:defRPr>
+            </a:lvl4pPr>
+            <a:lvl5pPr marR="0" lvl="4" algn="l" rtl="0" eaLnBrk="1" hangingPunct="1">
+              <a:lnSpc>
+                <a:spcPct val="90000"/>
+              </a:lnSpc>
+              <a:spcBef>
+                <a:spcPts val="0"/>
+              </a:spcBef>
+              <a:spcAft>
+                <a:spcPts val="0"/>
+              </a:spcAft>
+              <a:buClr>
+                <a:schemeClr val="accent4"/>
+              </a:buClr>
+              <a:buSzPts val="3200"/>
+              <a:buFont typeface="Red Hat Display"/>
+              <a:buNone/>
+              <a:defRPr sz="3200" b="1" i="0" u="none" strike="noStrike" cap="none">
+                <a:solidFill>
+                  <a:schemeClr val="accent4"/>
+                </a:solidFill>
+                <a:latin typeface="Red Hat Display"/>
+                <a:ea typeface="Red Hat Display"/>
+                <a:cs typeface="Red Hat Display"/>
+                <a:sym typeface="Red Hat Display"/>
+              </a:defRPr>
+            </a:lvl5pPr>
+            <a:lvl6pPr marR="0" lvl="5" algn="l" rtl="0" eaLnBrk="1" hangingPunct="1">
+              <a:lnSpc>
+                <a:spcPct val="90000"/>
+              </a:lnSpc>
+              <a:spcBef>
+                <a:spcPts val="0"/>
+              </a:spcBef>
+              <a:spcAft>
+                <a:spcPts val="0"/>
+              </a:spcAft>
+              <a:buClr>
+                <a:schemeClr val="accent4"/>
+              </a:buClr>
+              <a:buSzPts val="3200"/>
+              <a:buFont typeface="Red Hat Display"/>
+              <a:buNone/>
+              <a:defRPr sz="3200" b="1" i="0" u="none" strike="noStrike" cap="none">
+                <a:solidFill>
+                  <a:schemeClr val="accent4"/>
+                </a:solidFill>
+                <a:latin typeface="Red Hat Display"/>
+                <a:ea typeface="Red Hat Display"/>
+                <a:cs typeface="Red Hat Display"/>
+                <a:sym typeface="Red Hat Display"/>
+              </a:defRPr>
+            </a:lvl6pPr>
+            <a:lvl7pPr marR="0" lvl="6" algn="l" rtl="0" eaLnBrk="1" hangingPunct="1">
+              <a:lnSpc>
+                <a:spcPct val="90000"/>
+              </a:lnSpc>
+              <a:spcBef>
+                <a:spcPts val="0"/>
+              </a:spcBef>
+              <a:spcAft>
+                <a:spcPts val="0"/>
+              </a:spcAft>
+              <a:buClr>
+                <a:schemeClr val="accent4"/>
+              </a:buClr>
+              <a:buSzPts val="3200"/>
+              <a:buFont typeface="Red Hat Display"/>
+              <a:buNone/>
+              <a:defRPr sz="3200" b="1" i="0" u="none" strike="noStrike" cap="none">
+                <a:solidFill>
+                  <a:schemeClr val="accent4"/>
+                </a:solidFill>
+                <a:latin typeface="Red Hat Display"/>
+                <a:ea typeface="Red Hat Display"/>
+                <a:cs typeface="Red Hat Display"/>
+                <a:sym typeface="Red Hat Display"/>
+              </a:defRPr>
+            </a:lvl7pPr>
+            <a:lvl8pPr marR="0" lvl="7" algn="l" rtl="0" eaLnBrk="1" hangingPunct="1">
+              <a:lnSpc>
+                <a:spcPct val="90000"/>
+              </a:lnSpc>
+              <a:spcBef>
+                <a:spcPts val="0"/>
+              </a:spcBef>
+              <a:spcAft>
+                <a:spcPts val="0"/>
+              </a:spcAft>
+              <a:buClr>
+                <a:schemeClr val="accent4"/>
+              </a:buClr>
+              <a:buSzPts val="3200"/>
+              <a:buFont typeface="Red Hat Display"/>
+              <a:buNone/>
+              <a:defRPr sz="3200" b="1" i="0" u="none" strike="noStrike" cap="none">
+                <a:solidFill>
+                  <a:schemeClr val="accent4"/>
+                </a:solidFill>
+                <a:latin typeface="Red Hat Display"/>
+                <a:ea typeface="Red Hat Display"/>
+                <a:cs typeface="Red Hat Display"/>
+                <a:sym typeface="Red Hat Display"/>
+              </a:defRPr>
+            </a:lvl8pPr>
+            <a:lvl9pPr marR="0" lvl="8" algn="l" rtl="0" eaLnBrk="1" hangingPunct="1">
+              <a:lnSpc>
+                <a:spcPct val="90000"/>
+              </a:lnSpc>
+              <a:spcBef>
+                <a:spcPts val="0"/>
+              </a:spcBef>
+              <a:spcAft>
+                <a:spcPts val="0"/>
+              </a:spcAft>
+              <a:buClr>
+                <a:schemeClr val="accent4"/>
+              </a:buClr>
+              <a:buSzPts val="3200"/>
+              <a:buFont typeface="Red Hat Display"/>
+              <a:buNone/>
+              <a:defRPr sz="3200" b="1" i="0" u="none" strike="noStrike" cap="none">
+                <a:solidFill>
+                  <a:schemeClr val="accent4"/>
+                </a:solidFill>
+                <a:latin typeface="Red Hat Display"/>
+                <a:ea typeface="Red Hat Display"/>
+                <a:cs typeface="Red Hat Display"/>
+                <a:sym typeface="Red Hat Display"/>
+              </a:defRPr>
+            </a:lvl9pPr>
+          </a:lstStyle>
+          <a:p>
+            <a:r>
+              <a:rPr lang="en-US" kern="0" smtClean="0">
+                <a:latin typeface="Segoe UI" panose="020B0502040204020203" pitchFamily="34" charset="0"/>
+                <a:cs typeface="Segoe UI" panose="020B0502040204020203" pitchFamily="34" charset="0"/>
+              </a:rPr>
+              <a:t>Recursion</a:t>
+            </a:r>
+            <a:endParaRPr lang="en-US" kern="0" dirty="0">
+              <a:latin typeface="Segoe UI" panose="020B0502040204020203" pitchFamily="34" charset="0"/>
+              <a:cs typeface="Segoe UI" panose="020B0502040204020203" pitchFamily="34" charset="0"/>
+            </a:endParaRPr>
+          </a:p>
+        </p:txBody>
+      </p:sp>
+      <p:sp>
+        <p:nvSpPr>
+          <p:cNvPr id="5" name="Rectangle 4"/>
+          <p:cNvSpPr/>
+          <p:nvPr/>
+        </p:nvSpPr>
+        <p:spPr>
+          <a:xfrm>
+            <a:off x="838201" y="5064970"/>
+            <a:ext cx="7649017" cy="1200329"/>
           </a:xfrm>
           <a:prstGeom prst="rect">
             <a:avLst/>
           </a:prstGeom>
         </p:spPr>
         <p:txBody>
-          <a:bodyPr spcFirstLastPara="1" wrap="square" lIns="0" tIns="0" rIns="0" bIns="0" anchor="t" anchorCtr="0">
-            <a:noAutofit/>
+          <a:bodyPr wrap="none">
+            <a:spAutoFit/>
           </a:bodyPr>
           <a:lstStyle/>
           <a:p>
-            <a:pPr marL="101598" indent="0">
-              <a:buNone/>
+            <a:pPr marL="285750" indent="-285750">
+              <a:buFont typeface="Arial" panose="020B0604020202020204" pitchFamily="34" charset="0"/>
+              <a:buChar char="•"/>
             </a:pPr>
             <a:r>
               <a:rPr lang="en-US" dirty="0">
                 <a:latin typeface="Segoe UI" panose="020B0502040204020203" pitchFamily="34" charset="0"/>
                 <a:cs typeface="Segoe UI" panose="020B0502040204020203" pitchFamily="34" charset="0"/>
               </a:rPr>
-              <a:t>Various definitions of an algorithm, explicitly or implicitly, contain the following set of general </a:t>
+              <a:t>when a function calls itself, it is called recursion</a:t>
             </a:r>
             <a:r>
               <a:rPr lang="en-US" dirty="0" smtClean="0">
                 <a:latin typeface="Segoe UI" panose="020B0502040204020203" pitchFamily="34" charset="0"/>
                 <a:cs typeface="Segoe UI" panose="020B0502040204020203" pitchFamily="34" charset="0"/>
               </a:rPr>
-              <a:t>requirements</a:t>
-            </a:r>
-          </a:p>
-          <a:p>
-            <a:pPr marL="101598" indent="0">
-              <a:buNone/>
+              <a:t>.</a:t>
+            </a:r>
+          </a:p>
+          <a:p>
+            <a:pPr marL="285750" indent="-285750">
+              <a:buFont typeface="Arial" panose="020B0604020202020204" pitchFamily="34" charset="0"/>
+              <a:buChar char="•"/>
             </a:pPr>
-            <a:endParaRPr lang="en" dirty="0" smtClean="0">
+            <a:r>
+              <a:rPr lang="en-US" dirty="0">
+                <a:latin typeface="Segoe UI" panose="020B0502040204020203" pitchFamily="34" charset="0"/>
+                <a:cs typeface="Segoe UI" panose="020B0502040204020203" pitchFamily="34" charset="0"/>
+              </a:rPr>
+              <a:t>each recursive function </a:t>
+            </a:r>
+            <a:r>
+              <a:rPr lang="en-US" dirty="0" smtClean="0">
+                <a:latin typeface="Segoe UI" panose="020B0502040204020203" pitchFamily="34" charset="0"/>
+                <a:cs typeface="Segoe UI" panose="020B0502040204020203" pitchFamily="34" charset="0"/>
+              </a:rPr>
+              <a:t>should there </a:t>
+            </a:r>
+            <a:r>
+              <a:rPr lang="en-US" dirty="0">
+                <a:latin typeface="Segoe UI" panose="020B0502040204020203" pitchFamily="34" charset="0"/>
+                <a:cs typeface="Segoe UI" panose="020B0502040204020203" pitchFamily="34" charset="0"/>
+              </a:rPr>
+              <a:t>are two cases: basic and recursive</a:t>
+            </a:r>
+            <a:r>
+              <a:rPr lang="en-US" dirty="0" smtClean="0">
+                <a:latin typeface="Segoe UI" panose="020B0502040204020203" pitchFamily="34" charset="0"/>
+                <a:cs typeface="Segoe UI" panose="020B0502040204020203" pitchFamily="34" charset="0"/>
+              </a:rPr>
+              <a:t>.</a:t>
+            </a:r>
+          </a:p>
+          <a:p>
+            <a:pPr marL="285750" indent="-285750">
+              <a:buFont typeface="Arial" panose="020B0604020202020204" pitchFamily="34" charset="0"/>
+              <a:buChar char="•"/>
+            </a:pPr>
+            <a:endParaRPr lang="en-US" dirty="0">
               <a:latin typeface="Segoe UI" panose="020B0502040204020203" pitchFamily="34" charset="0"/>
               <a:cs typeface="Segoe UI" panose="020B0502040204020203" pitchFamily="34" charset="0"/>
             </a:endParaRPr>
           </a:p>
           <a:p>
             <a:r>
+              <a:rPr lang="en-US" dirty="0">
+                <a:latin typeface="Segoe UI" panose="020B0502040204020203" pitchFamily="34" charset="0"/>
+                <a:cs typeface="Segoe UI" panose="020B0502040204020203" pitchFamily="34" charset="0"/>
+                <a:hlinkClick r:id="rId2"/>
+              </a:rPr>
+              <a:t>https://</a:t>
+            </a:r>
+            <a:r>
               <a:rPr lang="en-US" dirty="0" smtClean="0">
                 <a:latin typeface="Segoe UI" panose="020B0502040204020203" pitchFamily="34" charset="0"/>
                 <a:cs typeface="Segoe UI" panose="020B0502040204020203" pitchFamily="34" charset="0"/>
-              </a:rPr>
-              <a:t>The </a:t>
-            </a:r>
-            <a:r>
-              <a:rPr lang="en-US" dirty="0">
-                <a:latin typeface="Segoe UI" panose="020B0502040204020203" pitchFamily="34" charset="0"/>
-                <a:cs typeface="Segoe UI" panose="020B0502040204020203" pitchFamily="34" charset="0"/>
-              </a:rPr>
-              <a:t>algorithm must represent the process of solving the problem as an orderly execution of some simple </a:t>
+                <a:hlinkClick r:id="rId2"/>
+              </a:rPr>
+              <a:t>learn.javascript.ru/recursion</a:t>
             </a:r>
             <a:r>
               <a:rPr lang="en-US" dirty="0" smtClean="0">
                 <a:latin typeface="Segoe UI" panose="020B0502040204020203" pitchFamily="34" charset="0"/>
                 <a:cs typeface="Segoe UI" panose="020B0502040204020203" pitchFamily="34" charset="0"/>
               </a:rPr>
-              <a:t>steps</a:t>
-            </a:r>
-          </a:p>
-          <a:p>
-            <a:r>
-              <a:rPr lang="en-US" dirty="0">
-                <a:latin typeface="Segoe UI" panose="020B0502040204020203" pitchFamily="34" charset="0"/>
-                <a:cs typeface="Segoe UI" panose="020B0502040204020203" pitchFamily="34" charset="0"/>
-              </a:rPr>
-              <a:t>The algorithm should be applicable to different sets of initial data</a:t>
+              <a:t>   </a:t>
+            </a:r>
+            <a:r>
+              <a:rPr lang="en-US" dirty="0" err="1" smtClean="0">
+                <a:latin typeface="Segoe UI" panose="020B0502040204020203" pitchFamily="34" charset="0"/>
+                <a:cs typeface="Segoe UI" panose="020B0502040204020203" pitchFamily="34" charset="0"/>
+              </a:rPr>
+              <a:t>rekursiya</a:t>
             </a:r>
             <a:r>
               <a:rPr lang="en-US" dirty="0" smtClean="0">
                 <a:latin typeface="Segoe UI" panose="020B0502040204020203" pitchFamily="34" charset="0"/>
                 <a:cs typeface="Segoe UI" panose="020B0502040204020203" pitchFamily="34" charset="0"/>
               </a:rPr>
-              <a:t>.</a:t>
-            </a:r>
-          </a:p>
-          <a:p>
-            <a:r>
-              <a:rPr lang="en-US" dirty="0">
-                <a:latin typeface="Segoe UI" panose="020B0502040204020203" pitchFamily="34" charset="0"/>
-                <a:cs typeface="Segoe UI" panose="020B0502040204020203" pitchFamily="34" charset="0"/>
-              </a:rPr>
-              <a:t>The algorithm should produce the same result for the same input data</a:t>
+              <a:t> I </a:t>
+            </a:r>
+            <a:r>
+              <a:rPr lang="en-US" dirty="0" err="1" smtClean="0">
+                <a:latin typeface="Segoe UI" panose="020B0502040204020203" pitchFamily="34" charset="0"/>
+                <a:cs typeface="Segoe UI" panose="020B0502040204020203" pitchFamily="34" charset="0"/>
+              </a:rPr>
+              <a:t>stek</a:t>
             </a:r>
             <a:r>
               <a:rPr lang="en-US" dirty="0" smtClean="0">
                 <a:latin typeface="Segoe UI" panose="020B0502040204020203" pitchFamily="34" charset="0"/>
                 <a:cs typeface="Segoe UI" panose="020B0502040204020203" pitchFamily="34" charset="0"/>
               </a:rPr>
-              <a:t>.</a:t>
-            </a:r>
-            <a:endParaRPr dirty="0">
+              <a:t> </a:t>
+            </a:r>
+            <a:r>
+              <a:rPr lang="en-US" dirty="0" err="1" smtClean="0">
+                <a:latin typeface="Segoe UI" panose="020B0502040204020203" pitchFamily="34" charset="0"/>
+                <a:cs typeface="Segoe UI" panose="020B0502040204020203" pitchFamily="34" charset="0"/>
+              </a:rPr>
+              <a:t>vyzovov</a:t>
+            </a:r>
+            <a:endParaRPr lang="en-US" dirty="0">
               <a:latin typeface="Segoe UI" panose="020B0502040204020203" pitchFamily="34" charset="0"/>
               <a:cs typeface="Segoe UI" panose="020B0502040204020203" pitchFamily="34" charset="0"/>
             </a:endParaRPr>
           </a:p>
         </p:txBody>
       </p:sp>
-      <p:sp>
-        <p:nvSpPr>
-          <p:cNvPr id="120" name="Google Shape;120;p17"/>
-          <p:cNvSpPr txBox="1">
-            <a:spLocks noGrp="1"/>
-          </p:cNvSpPr>
-          <p:nvPr>
-            <p:ph type="sldNum" idx="12"/>
-          </p:nvPr>
-        </p:nvSpPr>
-        <p:spPr>
-          <a:xfrm>
-            <a:off x="11493100" y="6173667"/>
-            <a:ext cx="698800" cy="684400"/>
-          </a:xfrm>
-          <a:prstGeom prst="rect">
-            <a:avLst/>
-          </a:prstGeom>
-        </p:spPr>
-        <p:txBody>
-          <a:bodyPr spcFirstLastPara="1" wrap="square" lIns="0" tIns="0" rIns="0" bIns="0" anchor="ctr" anchorCtr="0">
-            <a:noAutofit/>
-          </a:bodyPr>
-          <a:lstStyle/>
-          <a:p>
-            <a:fld id="{00000000-1234-1234-1234-123412341234}" type="slidenum">
-              <a:rPr lang="en">
-                <a:latin typeface="Segoe UI" panose="020B0502040204020203" pitchFamily="34" charset="0"/>
-                <a:cs typeface="Segoe UI" panose="020B0502040204020203" pitchFamily="34" charset="0"/>
-              </a:rPr>
-              <a:pPr/>
-              <a:t>7</a:t>
-            </a:fld>
-            <a:endParaRPr>
-              <a:latin typeface="Segoe UI" panose="020B0502040204020203" pitchFamily="34" charset="0"/>
-              <a:cs typeface="Segoe UI" panose="020B0502040204020203" pitchFamily="34" charset="0"/>
-            </a:endParaRPr>
-          </a:p>
-        </p:txBody>
-      </p:sp>
-      <p:grpSp>
-        <p:nvGrpSpPr>
-          <p:cNvPr id="121" name="Google Shape;121;p17"/>
-          <p:cNvGrpSpPr/>
-          <p:nvPr/>
-        </p:nvGrpSpPr>
-        <p:grpSpPr>
-          <a:xfrm>
-            <a:off x="811899" y="1189800"/>
-            <a:ext cx="280699" cy="445000"/>
-            <a:chOff x="899801" y="909674"/>
-            <a:chExt cx="250475" cy="397085"/>
-          </a:xfrm>
-        </p:grpSpPr>
-        <p:sp>
-          <p:nvSpPr>
-            <p:cNvPr id="122" name="Google Shape;122;p17"/>
-            <p:cNvSpPr/>
-            <p:nvPr/>
-          </p:nvSpPr>
-          <p:spPr>
-            <a:xfrm>
-              <a:off x="975178" y="1255681"/>
-              <a:ext cx="99722" cy="21982"/>
-            </a:xfrm>
-            <a:custGeom>
-              <a:avLst/>
-              <a:gdLst/>
-              <a:ahLst/>
-              <a:cxnLst/>
-              <a:rect l="l" t="t" r="r" b="b"/>
-              <a:pathLst>
-                <a:path w="4092" h="902" fill="none" extrusionOk="0">
-                  <a:moveTo>
-                    <a:pt x="4092" y="902"/>
-                  </a:moveTo>
-                  <a:lnTo>
-                    <a:pt x="4092" y="1"/>
-                  </a:lnTo>
-                  <a:lnTo>
-                    <a:pt x="0" y="1"/>
-                  </a:lnTo>
-                  <a:lnTo>
-                    <a:pt x="0" y="902"/>
-                  </a:lnTo>
-                  <a:lnTo>
-                    <a:pt x="4092" y="902"/>
-                  </a:lnTo>
-                  <a:close/>
-                </a:path>
-              </a:pathLst>
-            </a:custGeom>
-            <a:noFill/>
-            <a:ln w="9525" cap="rnd" cmpd="sng">
-              <a:solidFill>
-                <a:schemeClr val="accent4"/>
-              </a:solidFill>
-              <a:prstDash val="solid"/>
-              <a:round/>
-              <a:headEnd type="none" w="sm" len="sm"/>
-              <a:tailEnd type="none" w="sm" len="sm"/>
-            </a:ln>
-          </p:spPr>
-          <p:txBody>
-            <a:bodyPr spcFirstLastPara="1" wrap="square" lIns="121900" tIns="121900" rIns="121900" bIns="121900" anchor="ctr" anchorCtr="0">
-              <a:noAutofit/>
-            </a:bodyPr>
-            <a:lstStyle/>
-            <a:p>
-              <a:endParaRPr sz="2400">
-                <a:latin typeface="Segoe UI" panose="020B0502040204020203" pitchFamily="34" charset="0"/>
-                <a:cs typeface="Segoe UI" panose="020B0502040204020203" pitchFamily="34" charset="0"/>
-              </a:endParaRPr>
-            </a:p>
-          </p:txBody>
-        </p:sp>
-        <p:sp>
-          <p:nvSpPr>
-            <p:cNvPr id="123" name="Google Shape;123;p17"/>
-            <p:cNvSpPr/>
-            <p:nvPr/>
-          </p:nvSpPr>
-          <p:spPr>
-            <a:xfrm>
-              <a:off x="975178" y="1233140"/>
-              <a:ext cx="99722" cy="21982"/>
-            </a:xfrm>
-            <a:custGeom>
-              <a:avLst/>
-              <a:gdLst/>
-              <a:ahLst/>
-              <a:cxnLst/>
-              <a:rect l="l" t="t" r="r" b="b"/>
-              <a:pathLst>
-                <a:path w="4092" h="902" fill="none" extrusionOk="0">
-                  <a:moveTo>
-                    <a:pt x="4092" y="901"/>
-                  </a:moveTo>
-                  <a:lnTo>
-                    <a:pt x="4092" y="0"/>
-                  </a:lnTo>
-                  <a:lnTo>
-                    <a:pt x="0" y="0"/>
-                  </a:lnTo>
-                  <a:lnTo>
-                    <a:pt x="0" y="901"/>
-                  </a:lnTo>
-                  <a:lnTo>
-                    <a:pt x="4092" y="901"/>
-                  </a:lnTo>
-                  <a:close/>
-                </a:path>
-              </a:pathLst>
-            </a:custGeom>
-            <a:noFill/>
-            <a:ln w="9525" cap="rnd" cmpd="sng">
-              <a:solidFill>
-                <a:schemeClr val="accent4"/>
-              </a:solidFill>
-              <a:prstDash val="solid"/>
-              <a:round/>
-              <a:headEnd type="none" w="sm" len="sm"/>
-              <a:tailEnd type="none" w="sm" len="sm"/>
-            </a:ln>
-          </p:spPr>
-          <p:txBody>
-            <a:bodyPr spcFirstLastPara="1" wrap="square" lIns="121900" tIns="121900" rIns="121900" bIns="121900" anchor="ctr" anchorCtr="0">
-              <a:noAutofit/>
-            </a:bodyPr>
-            <a:lstStyle/>
-            <a:p>
-              <a:endParaRPr sz="2400">
-                <a:latin typeface="Segoe UI" panose="020B0502040204020203" pitchFamily="34" charset="0"/>
-                <a:cs typeface="Segoe UI" panose="020B0502040204020203" pitchFamily="34" charset="0"/>
-              </a:endParaRPr>
-            </a:p>
-          </p:txBody>
-        </p:sp>
-        <p:sp>
-          <p:nvSpPr>
-            <p:cNvPr id="124" name="Google Shape;124;p17"/>
-            <p:cNvSpPr/>
-            <p:nvPr/>
-          </p:nvSpPr>
-          <p:spPr>
-            <a:xfrm>
-              <a:off x="975178" y="1277637"/>
-              <a:ext cx="99722" cy="29122"/>
-            </a:xfrm>
-            <a:custGeom>
-              <a:avLst/>
-              <a:gdLst/>
-              <a:ahLst/>
-              <a:cxnLst/>
-              <a:rect l="l" t="t" r="r" b="b"/>
-              <a:pathLst>
-                <a:path w="4092" h="1195" fill="none" extrusionOk="0">
-                  <a:moveTo>
-                    <a:pt x="0" y="1"/>
-                  </a:moveTo>
-                  <a:lnTo>
-                    <a:pt x="0" y="171"/>
-                  </a:lnTo>
-                  <a:lnTo>
-                    <a:pt x="0" y="171"/>
-                  </a:lnTo>
-                  <a:lnTo>
-                    <a:pt x="24" y="318"/>
-                  </a:lnTo>
-                  <a:lnTo>
-                    <a:pt x="98" y="464"/>
-                  </a:lnTo>
-                  <a:lnTo>
-                    <a:pt x="195" y="585"/>
-                  </a:lnTo>
-                  <a:lnTo>
-                    <a:pt x="341" y="659"/>
-                  </a:lnTo>
-                  <a:lnTo>
-                    <a:pt x="1875" y="1170"/>
-                  </a:lnTo>
-                  <a:lnTo>
-                    <a:pt x="1875" y="1170"/>
-                  </a:lnTo>
-                  <a:lnTo>
-                    <a:pt x="2046" y="1194"/>
-                  </a:lnTo>
-                  <a:lnTo>
-                    <a:pt x="2046" y="1194"/>
-                  </a:lnTo>
-                  <a:lnTo>
-                    <a:pt x="2216" y="1170"/>
-                  </a:lnTo>
-                  <a:lnTo>
-                    <a:pt x="3751" y="659"/>
-                  </a:lnTo>
-                  <a:lnTo>
-                    <a:pt x="3751" y="659"/>
-                  </a:lnTo>
-                  <a:lnTo>
-                    <a:pt x="3897" y="585"/>
-                  </a:lnTo>
-                  <a:lnTo>
-                    <a:pt x="3994" y="464"/>
-                  </a:lnTo>
-                  <a:lnTo>
-                    <a:pt x="4067" y="318"/>
-                  </a:lnTo>
-                  <a:lnTo>
-                    <a:pt x="4092" y="171"/>
-                  </a:lnTo>
-                  <a:lnTo>
-                    <a:pt x="4092" y="1"/>
-                  </a:lnTo>
-                  <a:lnTo>
-                    <a:pt x="0" y="1"/>
-                  </a:lnTo>
-                  <a:close/>
-                </a:path>
-              </a:pathLst>
-            </a:custGeom>
-            <a:noFill/>
-            <a:ln w="9525" cap="rnd" cmpd="sng">
-              <a:solidFill>
-                <a:schemeClr val="accent4"/>
-              </a:solidFill>
-              <a:prstDash val="solid"/>
-              <a:round/>
-              <a:headEnd type="none" w="sm" len="sm"/>
-              <a:tailEnd type="none" w="sm" len="sm"/>
-            </a:ln>
-          </p:spPr>
-          <p:txBody>
-            <a:bodyPr spcFirstLastPara="1" wrap="square" lIns="121900" tIns="121900" rIns="121900" bIns="121900" anchor="ctr" anchorCtr="0">
-              <a:noAutofit/>
-            </a:bodyPr>
-            <a:lstStyle/>
-            <a:p>
-              <a:endParaRPr sz="2400">
-                <a:latin typeface="Segoe UI" panose="020B0502040204020203" pitchFamily="34" charset="0"/>
-                <a:cs typeface="Segoe UI" panose="020B0502040204020203" pitchFamily="34" charset="0"/>
-              </a:endParaRPr>
-            </a:p>
-          </p:txBody>
-        </p:sp>
-        <p:sp>
-          <p:nvSpPr>
-            <p:cNvPr id="125" name="Google Shape;125;p17"/>
-            <p:cNvSpPr/>
-            <p:nvPr/>
-          </p:nvSpPr>
-          <p:spPr>
-            <a:xfrm>
-              <a:off x="964479" y="1046771"/>
-              <a:ext cx="34459" cy="162670"/>
-            </a:xfrm>
-            <a:custGeom>
-              <a:avLst/>
-              <a:gdLst/>
-              <a:ahLst/>
-              <a:cxnLst/>
-              <a:rect l="l" t="t" r="r" b="b"/>
-              <a:pathLst>
-                <a:path w="1414" h="6675" fill="none" extrusionOk="0">
-                  <a:moveTo>
-                    <a:pt x="1413" y="6674"/>
-                  </a:moveTo>
-                  <a:lnTo>
-                    <a:pt x="1413" y="6674"/>
-                  </a:lnTo>
-                  <a:lnTo>
-                    <a:pt x="585" y="2850"/>
-                  </a:lnTo>
-                  <a:lnTo>
-                    <a:pt x="1" y="1"/>
-                  </a:lnTo>
-                </a:path>
-              </a:pathLst>
-            </a:custGeom>
-            <a:noFill/>
-            <a:ln w="9525" cap="rnd" cmpd="sng">
-              <a:solidFill>
-                <a:schemeClr val="accent4"/>
-              </a:solidFill>
-              <a:prstDash val="solid"/>
-              <a:round/>
-              <a:headEnd type="none" w="sm" len="sm"/>
-              <a:tailEnd type="none" w="sm" len="sm"/>
-            </a:ln>
-          </p:spPr>
-          <p:txBody>
-            <a:bodyPr spcFirstLastPara="1" wrap="square" lIns="121900" tIns="121900" rIns="121900" bIns="121900" anchor="ctr" anchorCtr="0">
-              <a:noAutofit/>
-            </a:bodyPr>
-            <a:lstStyle/>
-            <a:p>
-              <a:endParaRPr sz="2400">
-                <a:latin typeface="Segoe UI" panose="020B0502040204020203" pitchFamily="34" charset="0"/>
-                <a:cs typeface="Segoe UI" panose="020B0502040204020203" pitchFamily="34" charset="0"/>
-              </a:endParaRPr>
-            </a:p>
-          </p:txBody>
-        </p:sp>
-        <p:sp>
-          <p:nvSpPr>
-            <p:cNvPr id="126" name="Google Shape;126;p17"/>
-            <p:cNvSpPr/>
-            <p:nvPr/>
-          </p:nvSpPr>
-          <p:spPr>
-            <a:xfrm>
-              <a:off x="899801" y="909674"/>
-              <a:ext cx="250475" cy="299775"/>
-            </a:xfrm>
-            <a:custGeom>
-              <a:avLst/>
-              <a:gdLst/>
-              <a:ahLst/>
-              <a:cxnLst/>
-              <a:rect l="l" t="t" r="r" b="b"/>
-              <a:pathLst>
-                <a:path w="10278" h="12301" fill="none" extrusionOk="0">
-                  <a:moveTo>
-                    <a:pt x="7185" y="12300"/>
-                  </a:moveTo>
-                  <a:lnTo>
-                    <a:pt x="7185" y="12300"/>
-                  </a:lnTo>
-                  <a:lnTo>
-                    <a:pt x="7307" y="11764"/>
-                  </a:lnTo>
-                  <a:lnTo>
-                    <a:pt x="7477" y="11253"/>
-                  </a:lnTo>
-                  <a:lnTo>
-                    <a:pt x="7672" y="10766"/>
-                  </a:lnTo>
-                  <a:lnTo>
-                    <a:pt x="7891" y="10327"/>
-                  </a:lnTo>
-                  <a:lnTo>
-                    <a:pt x="8135" y="9913"/>
-                  </a:lnTo>
-                  <a:lnTo>
-                    <a:pt x="8378" y="9499"/>
-                  </a:lnTo>
-                  <a:lnTo>
-                    <a:pt x="8914" y="8720"/>
-                  </a:lnTo>
-                  <a:lnTo>
-                    <a:pt x="9182" y="8330"/>
-                  </a:lnTo>
-                  <a:lnTo>
-                    <a:pt x="9425" y="7941"/>
-                  </a:lnTo>
-                  <a:lnTo>
-                    <a:pt x="9645" y="7551"/>
-                  </a:lnTo>
-                  <a:lnTo>
-                    <a:pt x="9864" y="7113"/>
-                  </a:lnTo>
-                  <a:lnTo>
-                    <a:pt x="10034" y="6674"/>
-                  </a:lnTo>
-                  <a:lnTo>
-                    <a:pt x="10156" y="6187"/>
-                  </a:lnTo>
-                  <a:lnTo>
-                    <a:pt x="10229" y="5676"/>
-                  </a:lnTo>
-                  <a:lnTo>
-                    <a:pt x="10253" y="5408"/>
-                  </a:lnTo>
-                  <a:lnTo>
-                    <a:pt x="10278" y="5140"/>
-                  </a:lnTo>
-                  <a:lnTo>
-                    <a:pt x="10278" y="5140"/>
-                  </a:lnTo>
-                  <a:lnTo>
-                    <a:pt x="10229" y="4604"/>
-                  </a:lnTo>
-                  <a:lnTo>
-                    <a:pt x="10156" y="4093"/>
-                  </a:lnTo>
-                  <a:lnTo>
-                    <a:pt x="10034" y="3605"/>
-                  </a:lnTo>
-                  <a:lnTo>
-                    <a:pt x="9864" y="3143"/>
-                  </a:lnTo>
-                  <a:lnTo>
-                    <a:pt x="9645" y="2680"/>
-                  </a:lnTo>
-                  <a:lnTo>
-                    <a:pt x="9401" y="2266"/>
-                  </a:lnTo>
-                  <a:lnTo>
-                    <a:pt x="9084" y="1876"/>
-                  </a:lnTo>
-                  <a:lnTo>
-                    <a:pt x="8768" y="1511"/>
-                  </a:lnTo>
-                  <a:lnTo>
-                    <a:pt x="8402" y="1170"/>
-                  </a:lnTo>
-                  <a:lnTo>
-                    <a:pt x="8013" y="878"/>
-                  </a:lnTo>
-                  <a:lnTo>
-                    <a:pt x="7574" y="634"/>
-                  </a:lnTo>
-                  <a:lnTo>
-                    <a:pt x="7136" y="415"/>
-                  </a:lnTo>
-                  <a:lnTo>
-                    <a:pt x="6673" y="244"/>
-                  </a:lnTo>
-                  <a:lnTo>
-                    <a:pt x="6162" y="98"/>
-                  </a:lnTo>
-                  <a:lnTo>
-                    <a:pt x="5675" y="25"/>
-                  </a:lnTo>
-                  <a:lnTo>
-                    <a:pt x="5139" y="1"/>
-                  </a:lnTo>
-                  <a:lnTo>
-                    <a:pt x="5139" y="1"/>
-                  </a:lnTo>
-                  <a:lnTo>
-                    <a:pt x="4603" y="25"/>
-                  </a:lnTo>
-                  <a:lnTo>
-                    <a:pt x="4116" y="98"/>
-                  </a:lnTo>
-                  <a:lnTo>
-                    <a:pt x="3605" y="244"/>
-                  </a:lnTo>
-                  <a:lnTo>
-                    <a:pt x="3142" y="415"/>
-                  </a:lnTo>
-                  <a:lnTo>
-                    <a:pt x="2703" y="634"/>
-                  </a:lnTo>
-                  <a:lnTo>
-                    <a:pt x="2265" y="878"/>
-                  </a:lnTo>
-                  <a:lnTo>
-                    <a:pt x="1875" y="1170"/>
-                  </a:lnTo>
-                  <a:lnTo>
-                    <a:pt x="1510" y="1511"/>
-                  </a:lnTo>
-                  <a:lnTo>
-                    <a:pt x="1193" y="1876"/>
-                  </a:lnTo>
-                  <a:lnTo>
-                    <a:pt x="877" y="2266"/>
-                  </a:lnTo>
-                  <a:lnTo>
-                    <a:pt x="633" y="2680"/>
-                  </a:lnTo>
-                  <a:lnTo>
-                    <a:pt x="414" y="3143"/>
-                  </a:lnTo>
-                  <a:lnTo>
-                    <a:pt x="244" y="3605"/>
-                  </a:lnTo>
-                  <a:lnTo>
-                    <a:pt x="122" y="4093"/>
-                  </a:lnTo>
-                  <a:lnTo>
-                    <a:pt x="49" y="4604"/>
-                  </a:lnTo>
-                  <a:lnTo>
-                    <a:pt x="0" y="5140"/>
-                  </a:lnTo>
-                  <a:lnTo>
-                    <a:pt x="0" y="5140"/>
-                  </a:lnTo>
-                  <a:lnTo>
-                    <a:pt x="24" y="5408"/>
-                  </a:lnTo>
-                  <a:lnTo>
-                    <a:pt x="49" y="5676"/>
-                  </a:lnTo>
-                  <a:lnTo>
-                    <a:pt x="122" y="6187"/>
-                  </a:lnTo>
-                  <a:lnTo>
-                    <a:pt x="244" y="6674"/>
-                  </a:lnTo>
-                  <a:lnTo>
-                    <a:pt x="414" y="7113"/>
-                  </a:lnTo>
-                  <a:lnTo>
-                    <a:pt x="633" y="7551"/>
-                  </a:lnTo>
-                  <a:lnTo>
-                    <a:pt x="852" y="7941"/>
-                  </a:lnTo>
-                  <a:lnTo>
-                    <a:pt x="1096" y="8330"/>
-                  </a:lnTo>
-                  <a:lnTo>
-                    <a:pt x="1364" y="8720"/>
-                  </a:lnTo>
-                  <a:lnTo>
-                    <a:pt x="1900" y="9499"/>
-                  </a:lnTo>
-                  <a:lnTo>
-                    <a:pt x="2143" y="9913"/>
-                  </a:lnTo>
-                  <a:lnTo>
-                    <a:pt x="2387" y="10327"/>
-                  </a:lnTo>
-                  <a:lnTo>
-                    <a:pt x="2606" y="10766"/>
-                  </a:lnTo>
-                  <a:lnTo>
-                    <a:pt x="2801" y="11253"/>
-                  </a:lnTo>
-                  <a:lnTo>
-                    <a:pt x="2971" y="11764"/>
-                  </a:lnTo>
-                  <a:lnTo>
-                    <a:pt x="3093" y="12300"/>
-                  </a:lnTo>
-                </a:path>
-              </a:pathLst>
-            </a:custGeom>
-            <a:noFill/>
-            <a:ln w="9525" cap="rnd" cmpd="sng">
-              <a:solidFill>
-                <a:schemeClr val="accent4"/>
-              </a:solidFill>
-              <a:prstDash val="solid"/>
-              <a:round/>
-              <a:headEnd type="none" w="sm" len="sm"/>
-              <a:tailEnd type="none" w="sm" len="sm"/>
-            </a:ln>
-          </p:spPr>
-          <p:txBody>
-            <a:bodyPr spcFirstLastPara="1" wrap="square" lIns="121900" tIns="121900" rIns="121900" bIns="121900" anchor="ctr" anchorCtr="0">
-              <a:noAutofit/>
-            </a:bodyPr>
-            <a:lstStyle/>
-            <a:p>
-              <a:endParaRPr sz="2400">
-                <a:latin typeface="Segoe UI" panose="020B0502040204020203" pitchFamily="34" charset="0"/>
-                <a:cs typeface="Segoe UI" panose="020B0502040204020203" pitchFamily="34" charset="0"/>
-              </a:endParaRPr>
-            </a:p>
-          </p:txBody>
-        </p:sp>
-        <p:sp>
-          <p:nvSpPr>
-            <p:cNvPr id="127" name="Google Shape;127;p17"/>
-            <p:cNvSpPr/>
-            <p:nvPr/>
-          </p:nvSpPr>
-          <p:spPr>
-            <a:xfrm>
-              <a:off x="1051139" y="1046771"/>
-              <a:ext cx="34459" cy="162670"/>
-            </a:xfrm>
-            <a:custGeom>
-              <a:avLst/>
-              <a:gdLst/>
-              <a:ahLst/>
-              <a:cxnLst/>
-              <a:rect l="l" t="t" r="r" b="b"/>
-              <a:pathLst>
-                <a:path w="1414" h="6675" fill="none" extrusionOk="0">
-                  <a:moveTo>
-                    <a:pt x="1413" y="1"/>
-                  </a:moveTo>
-                  <a:lnTo>
-                    <a:pt x="1413" y="1"/>
-                  </a:lnTo>
-                  <a:lnTo>
-                    <a:pt x="829" y="2850"/>
-                  </a:lnTo>
-                  <a:lnTo>
-                    <a:pt x="1" y="6674"/>
-                  </a:lnTo>
-                </a:path>
-              </a:pathLst>
-            </a:custGeom>
-            <a:noFill/>
-            <a:ln w="9525" cap="rnd" cmpd="sng">
-              <a:solidFill>
-                <a:schemeClr val="accent4"/>
-              </a:solidFill>
-              <a:prstDash val="solid"/>
-              <a:round/>
-              <a:headEnd type="none" w="sm" len="sm"/>
-              <a:tailEnd type="none" w="sm" len="sm"/>
-            </a:ln>
-          </p:spPr>
-          <p:txBody>
-            <a:bodyPr spcFirstLastPara="1" wrap="square" lIns="121900" tIns="121900" rIns="121900" bIns="121900" anchor="ctr" anchorCtr="0">
-              <a:noAutofit/>
-            </a:bodyPr>
-            <a:lstStyle/>
-            <a:p>
-              <a:endParaRPr sz="2400">
-                <a:latin typeface="Segoe UI" panose="020B0502040204020203" pitchFamily="34" charset="0"/>
-                <a:cs typeface="Segoe UI" panose="020B0502040204020203" pitchFamily="34" charset="0"/>
-              </a:endParaRPr>
-            </a:p>
-          </p:txBody>
-        </p:sp>
-        <p:sp>
-          <p:nvSpPr>
-            <p:cNvPr id="128" name="Google Shape;128;p17"/>
-            <p:cNvSpPr/>
-            <p:nvPr/>
-          </p:nvSpPr>
-          <p:spPr>
-            <a:xfrm>
-              <a:off x="981100" y="1040849"/>
-              <a:ext cx="87878" cy="19009"/>
-            </a:xfrm>
-            <a:custGeom>
-              <a:avLst/>
-              <a:gdLst/>
-              <a:ahLst/>
-              <a:cxnLst/>
-              <a:rect l="l" t="t" r="r" b="b"/>
-              <a:pathLst>
-                <a:path w="3606" h="780" fill="none" extrusionOk="0">
-                  <a:moveTo>
-                    <a:pt x="1" y="73"/>
-                  </a:moveTo>
-                  <a:lnTo>
-                    <a:pt x="829" y="780"/>
-                  </a:lnTo>
-                  <a:lnTo>
-                    <a:pt x="1657" y="73"/>
-                  </a:lnTo>
-                  <a:lnTo>
-                    <a:pt x="1657" y="73"/>
-                  </a:lnTo>
-                  <a:lnTo>
-                    <a:pt x="1730" y="25"/>
-                  </a:lnTo>
-                  <a:lnTo>
-                    <a:pt x="1803" y="0"/>
-                  </a:lnTo>
-                  <a:lnTo>
-                    <a:pt x="1876" y="25"/>
-                  </a:lnTo>
-                  <a:lnTo>
-                    <a:pt x="1949" y="73"/>
-                  </a:lnTo>
-                  <a:lnTo>
-                    <a:pt x="2777" y="780"/>
-                  </a:lnTo>
-                  <a:lnTo>
-                    <a:pt x="3605" y="73"/>
-                  </a:lnTo>
-                </a:path>
-              </a:pathLst>
-            </a:custGeom>
-            <a:noFill/>
-            <a:ln w="9525" cap="rnd" cmpd="sng">
-              <a:solidFill>
-                <a:schemeClr val="accent4"/>
-              </a:solidFill>
-              <a:prstDash val="solid"/>
-              <a:round/>
-              <a:headEnd type="none" w="sm" len="sm"/>
-              <a:tailEnd type="none" w="sm" len="sm"/>
-            </a:ln>
-          </p:spPr>
-          <p:txBody>
-            <a:bodyPr spcFirstLastPara="1" wrap="square" lIns="121900" tIns="121900" rIns="121900" bIns="121900" anchor="ctr" anchorCtr="0">
-              <a:noAutofit/>
-            </a:bodyPr>
-            <a:lstStyle/>
-            <a:p>
-              <a:endParaRPr sz="2400">
-                <a:latin typeface="Segoe UI" panose="020B0502040204020203" pitchFamily="34" charset="0"/>
-                <a:cs typeface="Segoe UI" panose="020B0502040204020203" pitchFamily="34" charset="0"/>
-              </a:endParaRPr>
-            </a:p>
-          </p:txBody>
-        </p:sp>
-        <p:sp>
-          <p:nvSpPr>
-            <p:cNvPr id="129" name="Google Shape;129;p17"/>
-            <p:cNvSpPr/>
-            <p:nvPr/>
-          </p:nvSpPr>
-          <p:spPr>
-            <a:xfrm>
-              <a:off x="975178" y="1211769"/>
-              <a:ext cx="99722" cy="24"/>
-            </a:xfrm>
-            <a:custGeom>
-              <a:avLst/>
-              <a:gdLst/>
-              <a:ahLst/>
-              <a:cxnLst/>
-              <a:rect l="l" t="t" r="r" b="b"/>
-              <a:pathLst>
-                <a:path w="4092" h="1" fill="none" extrusionOk="0">
-                  <a:moveTo>
-                    <a:pt x="0" y="1"/>
-                  </a:moveTo>
-                  <a:lnTo>
-                    <a:pt x="4092" y="1"/>
-                  </a:lnTo>
-                </a:path>
-              </a:pathLst>
-            </a:custGeom>
-            <a:noFill/>
-            <a:ln w="9525" cap="rnd" cmpd="sng">
-              <a:solidFill>
-                <a:schemeClr val="accent4"/>
-              </a:solidFill>
-              <a:prstDash val="solid"/>
-              <a:round/>
-              <a:headEnd type="none" w="sm" len="sm"/>
-              <a:tailEnd type="none" w="sm" len="sm"/>
-            </a:ln>
-          </p:spPr>
-          <p:txBody>
-            <a:bodyPr spcFirstLastPara="1" wrap="square" lIns="121900" tIns="121900" rIns="121900" bIns="121900" anchor="ctr" anchorCtr="0">
-              <a:noAutofit/>
-            </a:bodyPr>
-            <a:lstStyle/>
-            <a:p>
-              <a:endParaRPr sz="2400">
-                <a:latin typeface="Segoe UI" panose="020B0502040204020203" pitchFamily="34" charset="0"/>
-                <a:cs typeface="Segoe UI" panose="020B0502040204020203" pitchFamily="34" charset="0"/>
-              </a:endParaRPr>
-            </a:p>
-          </p:txBody>
-        </p:sp>
-      </p:grpSp>
     </p:spTree>
     <p:extLst>
       <p:ext uri="{BB962C8B-B14F-4D97-AF65-F5344CB8AC3E}">
-        <p14:creationId xmlns:p14="http://schemas.microsoft.com/office/powerpoint/2010/main" val="899768301"/>
+        <p14:creationId xmlns:p14="http://schemas.microsoft.com/office/powerpoint/2010/main" val="2730421977"/>
       </p:ext>
     </p:extLst>
   </p:cSld>
@@ -32318,7 +31587,7 @@
       </p:grpSpPr>
       <p:sp>
         <p:nvSpPr>
-          <p:cNvPr id="2" name="Title 1"/>
+          <p:cNvPr id="4" name="Title 3"/>
           <p:cNvSpPr>
             <a:spLocks noGrp="1"/>
           </p:cNvSpPr>
@@ -32331,92 +31600,14 @@
           <a:bodyPr/>
           <a:lstStyle/>
           <a:p>
-            <a:r>
-              <a:rPr lang="en-US" b="1" dirty="0">
-                <a:latin typeface="Segoe UI" panose="020B0502040204020203" pitchFamily="34" charset="0"/>
-                <a:cs typeface="Segoe UI" panose="020B0502040204020203" pitchFamily="34" charset="0"/>
-              </a:rPr>
-              <a:t>Problem solving patterns</a:t>
-            </a:r>
-            <a:endParaRPr lang="en-US" dirty="0">
-              <a:latin typeface="Segoe UI" panose="020B0502040204020203" pitchFamily="34" charset="0"/>
-              <a:cs typeface="Segoe UI" panose="020B0502040204020203" pitchFamily="34" charset="0"/>
-            </a:endParaRPr>
-          </a:p>
-        </p:txBody>
-      </p:sp>
-      <p:sp>
-        <p:nvSpPr>
-          <p:cNvPr id="3" name="Rectangle 2"/>
-          <p:cNvSpPr/>
-          <p:nvPr/>
-        </p:nvSpPr>
-        <p:spPr>
-          <a:xfrm>
-            <a:off x="838201" y="1815584"/>
-            <a:ext cx="10515600" cy="1754326"/>
-          </a:xfrm>
-          <a:prstGeom prst="rect">
-            <a:avLst/>
-          </a:prstGeom>
-        </p:spPr>
-        <p:txBody>
-          <a:bodyPr wrap="square">
-            <a:spAutoFit/>
-          </a:bodyPr>
-          <a:lstStyle/>
-          <a:p>
-            <a:pPr marL="285750" indent="-285750">
-              <a:buFont typeface="Arial" panose="020B0604020202020204" pitchFamily="34" charset="0"/>
-              <a:buChar char="•"/>
-            </a:pPr>
-            <a:r>
-              <a:rPr lang="en-US" dirty="0" smtClean="0">
-                <a:latin typeface="Segoe UI" panose="020B0502040204020203" pitchFamily="34" charset="0"/>
-                <a:cs typeface="Segoe UI" panose="020B0502040204020203" pitchFamily="34" charset="0"/>
-              </a:rPr>
-              <a:t>Divide-and-conquer</a:t>
-            </a:r>
-            <a:br>
-              <a:rPr lang="en-US" dirty="0" smtClean="0">
-                <a:latin typeface="Segoe UI" panose="020B0502040204020203" pitchFamily="34" charset="0"/>
-                <a:cs typeface="Segoe UI" panose="020B0502040204020203" pitchFamily="34" charset="0"/>
-              </a:rPr>
-            </a:br>
-            <a:r>
-              <a:rPr lang="en-US" dirty="0">
-                <a:latin typeface="Segoe UI" panose="020B0502040204020203" pitchFamily="34" charset="0"/>
-                <a:cs typeface="Segoe UI" panose="020B0502040204020203" pitchFamily="34" charset="0"/>
-              </a:rPr>
-              <a:t/>
-            </a:r>
-            <a:br>
-              <a:rPr lang="en-US" dirty="0">
-                <a:latin typeface="Segoe UI" panose="020B0502040204020203" pitchFamily="34" charset="0"/>
-                <a:cs typeface="Segoe UI" panose="020B0502040204020203" pitchFamily="34" charset="0"/>
-              </a:rPr>
-            </a:br>
-            <a:r>
-              <a:rPr lang="en-US" dirty="0" smtClean="0">
-                <a:latin typeface="Segoe UI" panose="020B0502040204020203" pitchFamily="34" charset="0"/>
-                <a:cs typeface="Segoe UI" panose="020B0502040204020203" pitchFamily="34" charset="0"/>
-              </a:rPr>
-              <a:t>Merge </a:t>
-            </a:r>
-            <a:r>
-              <a:rPr lang="en-US" dirty="0">
-                <a:latin typeface="Segoe UI" panose="020B0502040204020203" pitchFamily="34" charset="0"/>
-                <a:cs typeface="Segoe UI" panose="020B0502040204020203" pitchFamily="34" charset="0"/>
-              </a:rPr>
-              <a:t>sort and quicksort employ a common algorithmic paradigm based on recursion. This paradigm, divide-and-conquer, breaks a problem into subproblems that are similar to the original problem, recursively solves the subproblems, and finally combines the solutions to the subproblems to solve the original problem.</a:t>
-            </a:r>
+            <a:endParaRPr lang="en-US"/>
           </a:p>
         </p:txBody>
       </p:sp>
     </p:spTree>
     <p:extLst>
       <p:ext uri="{BB962C8B-B14F-4D97-AF65-F5344CB8AC3E}">
-        <p14:creationId xmlns:p14="http://schemas.microsoft.com/office/powerpoint/2010/main" val="2730421977"/>
+        <p14:creationId xmlns:p14="http://schemas.microsoft.com/office/powerpoint/2010/main" val="3555126078"/>
       </p:ext>
     </p:extLst>
   </p:cSld>
@@ -32460,17 +31651,22 @@
             <p:ph type="title"/>
           </p:nvPr>
         </p:nvSpPr>
-        <p:spPr/>
+        <p:spPr>
+          <a:xfrm>
+            <a:off x="5340" y="0"/>
+            <a:ext cx="9610000" cy="844400"/>
+          </a:xfrm>
+        </p:spPr>
         <p:txBody>
           <a:bodyPr/>
           <a:lstStyle/>
           <a:p>
             <a:r>
-              <a:rPr lang="en-US" b="1" dirty="0">
-                <a:latin typeface="Segoe UI" panose="020B0502040204020203" pitchFamily="34" charset="0"/>
-                <a:cs typeface="Segoe UI" panose="020B0502040204020203" pitchFamily="34" charset="0"/>
-              </a:rPr>
-              <a:t>Recursion</a:t>
+              <a:rPr lang="en-US" b="1" dirty="0" smtClean="0">
+                <a:latin typeface="Segoe UI" panose="020B0502040204020203" pitchFamily="34" charset="0"/>
+                <a:cs typeface="Segoe UI" panose="020B0502040204020203" pitchFamily="34" charset="0"/>
+              </a:rPr>
+              <a:t>Quick sort</a:t>
             </a:r>
             <a:endParaRPr lang="en-US" dirty="0">
               <a:latin typeface="Segoe UI" panose="020B0502040204020203" pitchFamily="34" charset="0"/>
@@ -32487,71 +31683,286 @@
         </p:nvSpPr>
         <p:spPr>
           <a:xfrm>
-            <a:off x="838200" y="1864570"/>
-            <a:ext cx="7649017" cy="646331"/>
+            <a:off x="838200" y="1515608"/>
+            <a:ext cx="6096000" cy="3970318"/>
           </a:xfrm>
           <a:prstGeom prst="rect">
             <a:avLst/>
           </a:prstGeom>
         </p:spPr>
         <p:txBody>
-          <a:bodyPr wrap="none">
+          <a:bodyPr>
             <a:spAutoFit/>
           </a:bodyPr>
           <a:lstStyle/>
           <a:p>
-            <a:pPr marL="285750" indent="-285750">
-              <a:buFont typeface="Arial" panose="020B0604020202020204" pitchFamily="34" charset="0"/>
-              <a:buChar char="•"/>
-            </a:pPr>
             <a:r>
               <a:rPr lang="en-US" dirty="0">
                 <a:latin typeface="Segoe UI" panose="020B0502040204020203" pitchFamily="34" charset="0"/>
                 <a:cs typeface="Segoe UI" panose="020B0502040204020203" pitchFamily="34" charset="0"/>
               </a:rPr>
-              <a:t>when a function calls itself, it is called recursion</a:t>
+              <a:t>the C standard library includes a function called </a:t>
             </a:r>
             <a:r>
               <a:rPr lang="en-US" dirty="0" smtClean="0">
                 <a:latin typeface="Segoe UI" panose="020B0502040204020203" pitchFamily="34" charset="0"/>
                 <a:cs typeface="Segoe UI" panose="020B0502040204020203" pitchFamily="34" charset="0"/>
               </a:rPr>
+              <a:t>qsort() </a:t>
+            </a:r>
+            <a:r>
+              <a:rPr lang="en-US" dirty="0">
+                <a:latin typeface="Segoe UI" panose="020B0502040204020203" pitchFamily="34" charset="0"/>
+                <a:cs typeface="Segoe UI" panose="020B0502040204020203" pitchFamily="34" charset="0"/>
+              </a:rPr>
+              <a:t>that implements quicksort. </a:t>
+            </a:r>
+            <a:r>
+              <a:rPr lang="en-US" dirty="0" smtClean="0">
+                <a:latin typeface="Segoe UI" panose="020B0502040204020203" pitchFamily="34" charset="0"/>
+                <a:cs typeface="Segoe UI" panose="020B0502040204020203" pitchFamily="34" charset="0"/>
+              </a:rPr>
+              <a:t>Quick sorting </a:t>
+            </a:r>
+            <a:r>
+              <a:rPr lang="en-US" dirty="0">
+                <a:latin typeface="Segoe UI" panose="020B0502040204020203" pitchFamily="34" charset="0"/>
+                <a:cs typeface="Segoe UI" panose="020B0502040204020203" pitchFamily="34" charset="0"/>
+              </a:rPr>
+              <a:t>is also strategy based </a:t>
+            </a:r>
+            <a:r>
+              <a:rPr lang="en-US" dirty="0" smtClean="0">
+                <a:latin typeface="Segoe UI" panose="020B0502040204020203" pitchFamily="34" charset="0"/>
+                <a:cs typeface="Segoe UI" panose="020B0502040204020203" pitchFamily="34" charset="0"/>
+              </a:rPr>
+              <a:t> </a:t>
+            </a:r>
+            <a:r>
+              <a:rPr lang="en-US" dirty="0">
+                <a:latin typeface="Segoe UI" panose="020B0502040204020203" pitchFamily="34" charset="0"/>
+                <a:cs typeface="Segoe UI" panose="020B0502040204020203" pitchFamily="34" charset="0"/>
+              </a:rPr>
+              <a:t>Divide-and-conquer</a:t>
+            </a:r>
+            <a:r>
+              <a:rPr lang="en-US" dirty="0" smtClean="0">
+                <a:latin typeface="Segoe UI" panose="020B0502040204020203" pitchFamily="34" charset="0"/>
+                <a:cs typeface="Segoe UI" panose="020B0502040204020203" pitchFamily="34" charset="0"/>
+              </a:rPr>
               <a:t>.</a:t>
             </a:r>
-          </a:p>
-          <a:p>
-            <a:pPr marL="285750" indent="-285750">
-              <a:buFont typeface="Arial" panose="020B0604020202020204" pitchFamily="34" charset="0"/>
-              <a:buChar char="•"/>
-            </a:pPr>
+            <a:endParaRPr lang="ru-RU" dirty="0" smtClean="0">
+              <a:latin typeface="Segoe UI" panose="020B0502040204020203" pitchFamily="34" charset="0"/>
+              <a:cs typeface="Segoe UI" panose="020B0502040204020203" pitchFamily="34" charset="0"/>
+            </a:endParaRPr>
+          </a:p>
+          <a:p>
+            <a:endParaRPr lang="ru-RU" dirty="0">
+              <a:latin typeface="Segoe UI" panose="020B0502040204020203" pitchFamily="34" charset="0"/>
+              <a:cs typeface="Segoe UI" panose="020B0502040204020203" pitchFamily="34" charset="0"/>
+            </a:endParaRPr>
+          </a:p>
+          <a:p>
             <a:r>
               <a:rPr lang="en-US" dirty="0">
                 <a:latin typeface="Segoe UI" panose="020B0502040204020203" pitchFamily="34" charset="0"/>
                 <a:cs typeface="Segoe UI" panose="020B0502040204020203" pitchFamily="34" charset="0"/>
               </a:rPr>
-              <a:t>each recursive function </a:t>
+              <a:t>E</a:t>
             </a:r>
             <a:r>
               <a:rPr lang="en-US" dirty="0" smtClean="0">
                 <a:latin typeface="Segoe UI" panose="020B0502040204020203" pitchFamily="34" charset="0"/>
                 <a:cs typeface="Segoe UI" panose="020B0502040204020203" pitchFamily="34" charset="0"/>
               </a:rPr>
-              <a:t>should there </a:t>
+              <a:t>mpty </a:t>
             </a:r>
             <a:r>
               <a:rPr lang="en-US" dirty="0">
                 <a:latin typeface="Segoe UI" panose="020B0502040204020203" pitchFamily="34" charset="0"/>
                 <a:cs typeface="Segoe UI" panose="020B0502040204020203" pitchFamily="34" charset="0"/>
               </a:rPr>
-              <a:t>are two cases: basic and recursive.</a:t>
-            </a:r>
+              <a:t>arrays and arrays containing only one element will become the base case. Such arrays can simply be returned in their original form -you don't need to sort </a:t>
+            </a:r>
+            <a:r>
+              <a:rPr lang="en-US" dirty="0" smtClean="0">
+                <a:latin typeface="Segoe UI" panose="020B0502040204020203" pitchFamily="34" charset="0"/>
+                <a:cs typeface="Segoe UI" panose="020B0502040204020203" pitchFamily="34" charset="0"/>
+              </a:rPr>
+              <a:t>anything, Array </a:t>
+            </a:r>
+            <a:r>
+              <a:rPr lang="en-US" dirty="0">
+                <a:latin typeface="Segoe UI" panose="020B0502040204020203" pitchFamily="34" charset="0"/>
+                <a:cs typeface="Segoe UI" panose="020B0502040204020203" pitchFamily="34" charset="0"/>
+              </a:rPr>
+              <a:t>of two </a:t>
+            </a:r>
+            <a:r>
+              <a:rPr lang="en-US" dirty="0" smtClean="0">
+                <a:latin typeface="Segoe UI" panose="020B0502040204020203" pitchFamily="34" charset="0"/>
+                <a:cs typeface="Segoe UI" panose="020B0502040204020203" pitchFamily="34" charset="0"/>
+              </a:rPr>
+              <a:t>elements is </a:t>
+            </a:r>
+            <a:r>
+              <a:rPr lang="en-US" dirty="0">
+                <a:latin typeface="Segoe UI" panose="020B0502040204020203" pitchFamily="34" charset="0"/>
+                <a:cs typeface="Segoe UI" panose="020B0502040204020203" pitchFamily="34" charset="0"/>
+              </a:rPr>
+              <a:t>also sorted without too much trouble comparing both </a:t>
+            </a:r>
+            <a:r>
+              <a:rPr lang="en-US" dirty="0" smtClean="0">
+                <a:latin typeface="Segoe UI" panose="020B0502040204020203" pitchFamily="34" charset="0"/>
+                <a:cs typeface="Segoe UI" panose="020B0502040204020203" pitchFamily="34" charset="0"/>
+              </a:rPr>
+              <a:t>elements . What </a:t>
+            </a:r>
+            <a:r>
+              <a:rPr lang="en-US" dirty="0">
+                <a:latin typeface="Segoe UI" panose="020B0502040204020203" pitchFamily="34" charset="0"/>
+                <a:cs typeface="Segoe UI" panose="020B0502040204020203" pitchFamily="34" charset="0"/>
+              </a:rPr>
+              <a:t>about 3 elements? since we are using divide and conquer method, Hence the array must be split until we arrive at the </a:t>
+            </a:r>
+            <a:r>
+              <a:rPr lang="en-US" dirty="0" smtClean="0">
+                <a:latin typeface="Segoe UI" panose="020B0502040204020203" pitchFamily="34" charset="0"/>
+                <a:cs typeface="Segoe UI" panose="020B0502040204020203" pitchFamily="34" charset="0"/>
+              </a:rPr>
+              <a:t>base occasion</a:t>
+            </a:r>
+            <a:r>
+              <a:rPr lang="en-US" dirty="0">
+                <a:latin typeface="Segoe UI" panose="020B0502040204020203" pitchFamily="34" charset="0"/>
+                <a:cs typeface="Segoe UI" panose="020B0502040204020203" pitchFamily="34" charset="0"/>
+              </a:rPr>
+              <a:t>. The quick sort algorithm works like this: first, an element in the array is selected, which is called the pivot element</a:t>
+            </a:r>
+            <a:r>
+              <a:rPr lang="en-US" dirty="0" smtClean="0">
+                <a:latin typeface="Segoe UI" panose="020B0502040204020203" pitchFamily="34" charset="0"/>
+                <a:cs typeface="Segoe UI" panose="020B0502040204020203" pitchFamily="34" charset="0"/>
+              </a:rPr>
+              <a:t>. </a:t>
+            </a:r>
+            <a:r>
+              <a:rPr lang="en-US" dirty="0">
+                <a:latin typeface="Segoe UI" panose="020B0502040204020203" pitchFamily="34" charset="0"/>
+                <a:cs typeface="Segoe UI" panose="020B0502040204020203" pitchFamily="34" charset="0"/>
+              </a:rPr>
+              <a:t>And </a:t>
+            </a:r>
+            <a:r>
+              <a:rPr lang="en-US" dirty="0" smtClean="0">
+                <a:latin typeface="Segoe UI" panose="020B0502040204020203" pitchFamily="34" charset="0"/>
+                <a:cs typeface="Segoe UI" panose="020B0502040204020203" pitchFamily="34" charset="0"/>
+              </a:rPr>
+              <a:t>continues </a:t>
+            </a:r>
+            <a:r>
+              <a:rPr lang="en-US" dirty="0">
+                <a:latin typeface="Segoe UI" panose="020B0502040204020203" pitchFamily="34" charset="0"/>
+                <a:cs typeface="Segoe UI" panose="020B0502040204020203" pitchFamily="34" charset="0"/>
+              </a:rPr>
+              <a:t>until there is one element left</a:t>
+            </a:r>
+          </a:p>
+        </p:txBody>
+      </p:sp>
+      <p:pic>
+        <p:nvPicPr>
+          <p:cNvPr id="5" name="Picture 4"/>
+          <p:cNvPicPr>
+            <a:picLocks noChangeAspect="1"/>
+          </p:cNvPicPr>
+          <p:nvPr/>
+        </p:nvPicPr>
+        <p:blipFill>
+          <a:blip r:embed="rId2"/>
+          <a:stretch>
+            <a:fillRect/>
+          </a:stretch>
+        </p:blipFill>
+        <p:spPr>
+          <a:xfrm>
+            <a:off x="7161425" y="2395867"/>
+            <a:ext cx="3619500" cy="2209800"/>
+          </a:xfrm>
+          <a:prstGeom prst="rect">
+            <a:avLst/>
+          </a:prstGeom>
+        </p:spPr>
+      </p:pic>
+      <p:sp>
+        <p:nvSpPr>
+          <p:cNvPr id="6" name="TextBox 5"/>
+          <p:cNvSpPr txBox="1"/>
+          <p:nvPr/>
+        </p:nvSpPr>
+        <p:spPr>
+          <a:xfrm>
+            <a:off x="7437748" y="4854804"/>
+            <a:ext cx="4355184" cy="707886"/>
+          </a:xfrm>
+          <a:prstGeom prst="rect">
+            <a:avLst/>
+          </a:prstGeom>
+          <a:noFill/>
+        </p:spPr>
+        <p:txBody>
+          <a:bodyPr wrap="square" rtlCol="0">
+            <a:spAutoFit/>
+          </a:bodyPr>
+          <a:lstStyle/>
+          <a:p>
+            <a:r>
+              <a:rPr lang="en-US" sz="1000" dirty="0" smtClean="0">
+                <a:latin typeface="Segoe UI" panose="020B0502040204020203" pitchFamily="34" charset="0"/>
+                <a:cs typeface="Segoe UI" panose="020B0502040204020203" pitchFamily="34" charset="0"/>
+              </a:rPr>
+              <a:t>10,15,7,30,25</a:t>
+            </a:r>
+          </a:p>
+          <a:p>
+            <a:r>
+              <a:rPr lang="en-US" sz="1000" dirty="0" smtClean="0">
+                <a:latin typeface="Segoe UI" panose="020B0502040204020203" pitchFamily="34" charset="0"/>
+                <a:cs typeface="Segoe UI" panose="020B0502040204020203" pitchFamily="34" charset="0"/>
+              </a:rPr>
+              <a:t>7,[10],15,30,25</a:t>
+            </a:r>
+          </a:p>
+          <a:p>
+            <a:r>
+              <a:rPr lang="en-US" sz="1000" dirty="0" smtClean="0">
+                <a:latin typeface="Segoe UI" panose="020B0502040204020203" pitchFamily="34" charset="0"/>
+                <a:cs typeface="Segoe UI" panose="020B0502040204020203" pitchFamily="34" charset="0"/>
+              </a:rPr>
+              <a:t>7,10,[15]30,25</a:t>
+            </a:r>
+          </a:p>
+          <a:p>
+            <a:r>
+              <a:rPr lang="en-US" sz="1000" dirty="0" smtClean="0">
+                <a:latin typeface="Segoe UI" panose="020B0502040204020203" pitchFamily="34" charset="0"/>
+                <a:cs typeface="Segoe UI" panose="020B0502040204020203" pitchFamily="34" charset="0"/>
+              </a:rPr>
+              <a:t>7,</a:t>
+            </a:r>
+            <a:endParaRPr lang="en-US" sz="1000" dirty="0">
+              <a:latin typeface="Segoe UI" panose="020B0502040204020203" pitchFamily="34" charset="0"/>
+              <a:cs typeface="Segoe UI" panose="020B0502040204020203" pitchFamily="34" charset="0"/>
+            </a:endParaRPr>
           </a:p>
         </p:txBody>
       </p:sp>
     </p:spTree>
     <p:extLst>
       <p:ext uri="{BB962C8B-B14F-4D97-AF65-F5344CB8AC3E}">
-        <p14:creationId xmlns:p14="http://schemas.microsoft.com/office/powerpoint/2010/main" val="3555126078"/>
+        <p14:creationId xmlns:p14="http://schemas.microsoft.com/office/powerpoint/2010/main" val="2001591899"/>
       </p:ext>
     </p:extLst>
   </p:cSld>

--- a/ds&a.pptx
+++ b/ds&a.pptx
@@ -14,8 +14,8 @@
     <p:sldId id="286" r:id="rId5"/>
     <p:sldId id="287" r:id="rId6"/>
     <p:sldId id="288" r:id="rId7"/>
-    <p:sldId id="257" r:id="rId8"/>
-    <p:sldId id="258" r:id="rId9"/>
+    <p:sldId id="295" r:id="rId8"/>
+    <p:sldId id="257" r:id="rId9"/>
     <p:sldId id="261" r:id="rId10"/>
     <p:sldId id="282" r:id="rId11"/>
     <p:sldId id="262" r:id="rId12"/>
@@ -1149,6 +1149,115 @@
 </file>
 
 <file path=ppt/notesSlides/notesSlide7.xml><?xml version="1.0" encoding="utf-8"?>
+<p:notes xmlns:a="http://schemas.openxmlformats.org/drawingml/2006/main" xmlns:r="http://schemas.openxmlformats.org/officeDocument/2006/relationships" xmlns:p="http://schemas.openxmlformats.org/presentationml/2006/main" showMasterSp="0" showMasterPhAnim="0">
+  <p:cSld>
+    <p:spTree>
+      <p:nvGrpSpPr>
+        <p:cNvPr id="1" name="Shape 447"/>
+        <p:cNvGrpSpPr/>
+        <p:nvPr/>
+      </p:nvGrpSpPr>
+      <p:grpSpPr>
+        <a:xfrm>
+          <a:off x="0" y="0"/>
+          <a:ext cx="0" cy="0"/>
+          <a:chOff x="0" y="0"/>
+          <a:chExt cx="0" cy="0"/>
+        </a:xfrm>
+      </p:grpSpPr>
+      <p:sp>
+        <p:nvSpPr>
+          <p:cNvPr id="448" name="Google Shape;448;g35ed75ccf_0134:notes"/>
+          <p:cNvSpPr>
+            <a:spLocks noGrp="1" noRot="1" noChangeAspect="1"/>
+          </p:cNvSpPr>
+          <p:nvPr>
+            <p:ph type="sldImg" idx="2"/>
+          </p:nvPr>
+        </p:nvSpPr>
+        <p:spPr>
+          <a:xfrm>
+            <a:off x="381000" y="685800"/>
+            <a:ext cx="6096000" cy="3429000"/>
+          </a:xfrm>
+          <a:custGeom>
+            <a:avLst/>
+            <a:gdLst/>
+            <a:ahLst/>
+            <a:cxnLst/>
+            <a:rect l="l" t="t" r="r" b="b"/>
+            <a:pathLst>
+              <a:path w="120000" h="120000" extrusionOk="0">
+                <a:moveTo>
+                  <a:pt x="0" y="0"/>
+                </a:moveTo>
+                <a:lnTo>
+                  <a:pt x="120000" y="0"/>
+                </a:lnTo>
+                <a:lnTo>
+                  <a:pt x="120000" y="120000"/>
+                </a:lnTo>
+                <a:lnTo>
+                  <a:pt x="0" y="120000"/>
+                </a:lnTo>
+                <a:close/>
+              </a:path>
+            </a:pathLst>
+          </a:custGeom>
+        </p:spPr>
+      </p:sp>
+      <p:sp>
+        <p:nvSpPr>
+          <p:cNvPr id="449" name="Google Shape;449;g35ed75ccf_0134:notes"/>
+          <p:cNvSpPr txBox="1">
+            <a:spLocks noGrp="1"/>
+          </p:cNvSpPr>
+          <p:nvPr>
+            <p:ph type="body" idx="1"/>
+          </p:nvPr>
+        </p:nvSpPr>
+        <p:spPr>
+          <a:xfrm>
+            <a:off x="685800" y="4343400"/>
+            <a:ext cx="5486400" cy="4114800"/>
+          </a:xfrm>
+          <a:prstGeom prst="rect">
+            <a:avLst/>
+          </a:prstGeom>
+        </p:spPr>
+        <p:txBody>
+          <a:bodyPr spcFirstLastPara="1" wrap="square" lIns="91425" tIns="91425" rIns="91425" bIns="91425" anchor="t" anchorCtr="0">
+            <a:noAutofit/>
+          </a:bodyPr>
+          <a:lstStyle/>
+          <a:p>
+            <a:pPr marL="0" lvl="0" indent="0" algn="l" rtl="0">
+              <a:spcBef>
+                <a:spcPts val="0"/>
+              </a:spcBef>
+              <a:spcAft>
+                <a:spcPts val="0"/>
+              </a:spcAft>
+              <a:buNone/>
+            </a:pPr>
+            <a:endParaRPr/>
+          </a:p>
+        </p:txBody>
+      </p:sp>
+    </p:spTree>
+    <p:extLst>
+      <p:ext uri="{BB962C8B-B14F-4D97-AF65-F5344CB8AC3E}">
+        <p14:creationId xmlns:p14="http://schemas.microsoft.com/office/powerpoint/2010/main" val="2167325522"/>
+      </p:ext>
+    </p:extLst>
+  </p:cSld>
+  <p:clrMapOvr>
+    <a:masterClrMapping/>
+  </p:clrMapOvr>
+</p:notes>
+</file>
+
+<file path=ppt/notesSlides/notesSlide8.xml><?xml version="1.0" encoding="utf-8"?>
 <p:notes xmlns:a="http://schemas.openxmlformats.org/drawingml/2006/main" xmlns:r="http://schemas.openxmlformats.org/officeDocument/2006/relationships" xmlns:p="http://schemas.openxmlformats.org/presentationml/2006/main" showMasterSp="0" showMasterPhAnim="0">
   <p:cSld>
     <p:spTree>
@@ -26093,14 +26202,14 @@
           <p:nvPr>
             <p:extLst>
               <p:ext uri="{D42A27DB-BD31-4B8C-83A1-F6EECF244321}">
-                <p14:modId xmlns:p14="http://schemas.microsoft.com/office/powerpoint/2010/main" val="4092108054"/>
+                <p14:modId xmlns:p14="http://schemas.microsoft.com/office/powerpoint/2010/main" val="1368969799"/>
               </p:ext>
             </p:extLst>
           </p:nvPr>
         </p:nvGraphicFramePr>
         <p:xfrm>
           <a:off x="1392667" y="3670299"/>
-          <a:ext cx="9609966" cy="1798264"/>
+          <a:ext cx="9609966" cy="975332"/>
         </p:xfrm>
         <a:graphic>
           <a:graphicData uri="http://schemas.openxmlformats.org/drawingml/2006/table">
@@ -26323,14 +26432,14 @@
                       <a:headEnd type="none" w="sm" len="sm"/>
                       <a:tailEnd type="none" w="sm" len="sm"/>
                     </a:lnL>
-                    <a:lnR w="9525" cap="flat" cmpd="sng">
+                    <a:lnR w="12700" cap="flat" cmpd="sng" algn="ctr">
                       <a:solidFill>
-                        <a:schemeClr val="lt1"/>
+                        <a:schemeClr val="tx1"/>
                       </a:solidFill>
                       <a:prstDash val="solid"/>
                       <a:round/>
-                      <a:headEnd type="none" w="sm" len="sm"/>
-                      <a:tailEnd type="none" w="sm" len="sm"/>
+                      <a:headEnd type="none" w="med" len="med"/>
+                      <a:tailEnd type="none" w="med" len="med"/>
                     </a:lnR>
                     <a:lnT w="9525" cap="flat" cmpd="sng">
                       <a:solidFill>
@@ -26574,14 +26683,14 @@
                       <a:headEnd type="none" w="sm" len="sm"/>
                       <a:tailEnd type="none" w="sm" len="sm"/>
                     </a:lnL>
-                    <a:lnR w="9525" cap="flat" cmpd="sng">
+                    <a:lnR w="12700" cap="flat" cmpd="sng" algn="ctr">
                       <a:solidFill>
-                        <a:schemeClr val="lt1"/>
+                        <a:schemeClr val="tx1"/>
                       </a:solidFill>
                       <a:prstDash val="solid"/>
                       <a:round/>
-                      <a:headEnd type="none" w="sm" len="sm"/>
-                      <a:tailEnd type="none" w="sm" len="sm"/>
+                      <a:headEnd type="none" w="med" len="med"/>
+                      <a:tailEnd type="none" w="med" len="med"/>
                     </a:lnR>
                     <a:lnT w="9525" cap="flat" cmpd="sng">
                       <a:solidFill>
@@ -26616,6 +26725,1286 @@
                   </a:ext>
                 </a:extLst>
               </a:tr>
+            </a:tbl>
+          </a:graphicData>
+        </a:graphic>
+      </p:graphicFrame>
+      <p:sp>
+        <p:nvSpPr>
+          <p:cNvPr id="249" name="Google Shape;249;p24"/>
+          <p:cNvSpPr txBox="1">
+            <a:spLocks noGrp="1"/>
+          </p:cNvSpPr>
+          <p:nvPr>
+            <p:ph type="sldNum" idx="12"/>
+          </p:nvPr>
+        </p:nvSpPr>
+        <p:spPr>
+          <a:xfrm>
+            <a:off x="11493100" y="6173667"/>
+            <a:ext cx="698800" cy="684400"/>
+          </a:xfrm>
+          <a:prstGeom prst="rect">
+            <a:avLst/>
+          </a:prstGeom>
+        </p:spPr>
+        <p:txBody>
+          <a:bodyPr spcFirstLastPara="1" wrap="square" lIns="0" tIns="0" rIns="0" bIns="0" anchor="ctr" anchorCtr="0">
+            <a:noAutofit/>
+          </a:bodyPr>
+          <a:lstStyle/>
+          <a:p>
+            <a:fld id="{00000000-1234-1234-1234-123412341234}" type="slidenum">
+              <a:rPr lang="en">
+                <a:latin typeface="Segoe UI" panose="020B0502040204020203" pitchFamily="34" charset="0"/>
+                <a:cs typeface="Segoe UI" panose="020B0502040204020203" pitchFamily="34" charset="0"/>
+              </a:rPr>
+              <a:pPr/>
+              <a:t>4</a:t>
+            </a:fld>
+            <a:endParaRPr>
+              <a:latin typeface="Segoe UI" panose="020B0502040204020203" pitchFamily="34" charset="0"/>
+              <a:cs typeface="Segoe UI" panose="020B0502040204020203" pitchFamily="34" charset="0"/>
+            </a:endParaRPr>
+          </a:p>
+        </p:txBody>
+      </p:sp>
+      <p:grpSp>
+        <p:nvGrpSpPr>
+          <p:cNvPr id="14" name="Google Shape;1005;p47"/>
+          <p:cNvGrpSpPr/>
+          <p:nvPr/>
+        </p:nvGrpSpPr>
+        <p:grpSpPr>
+          <a:xfrm>
+            <a:off x="806880" y="1226528"/>
+            <a:ext cx="371564" cy="371543"/>
+            <a:chOff x="938891" y="4319400"/>
+            <a:chExt cx="442075" cy="442050"/>
+          </a:xfrm>
+        </p:grpSpPr>
+        <p:sp>
+          <p:nvSpPr>
+            <p:cNvPr id="15" name="Google Shape;1006;p47"/>
+            <p:cNvSpPr/>
+            <p:nvPr/>
+          </p:nvSpPr>
+          <p:spPr>
+            <a:xfrm>
+              <a:off x="938891" y="4319400"/>
+              <a:ext cx="442075" cy="442050"/>
+            </a:xfrm>
+            <a:custGeom>
+              <a:avLst/>
+              <a:gdLst/>
+              <a:ahLst/>
+              <a:cxnLst/>
+              <a:rect l="l" t="t" r="r" b="b"/>
+              <a:pathLst>
+                <a:path w="17683" h="17682" fill="none" extrusionOk="0">
+                  <a:moveTo>
+                    <a:pt x="11472" y="17292"/>
+                  </a:moveTo>
+                  <a:lnTo>
+                    <a:pt x="11472" y="12153"/>
+                  </a:lnTo>
+                  <a:lnTo>
+                    <a:pt x="16416" y="7209"/>
+                  </a:lnTo>
+                  <a:lnTo>
+                    <a:pt x="16416" y="7209"/>
+                  </a:lnTo>
+                  <a:lnTo>
+                    <a:pt x="16562" y="7063"/>
+                  </a:lnTo>
+                  <a:lnTo>
+                    <a:pt x="16684" y="6868"/>
+                  </a:lnTo>
+                  <a:lnTo>
+                    <a:pt x="16830" y="6674"/>
+                  </a:lnTo>
+                  <a:lnTo>
+                    <a:pt x="16927" y="6479"/>
+                  </a:lnTo>
+                  <a:lnTo>
+                    <a:pt x="17146" y="6040"/>
+                  </a:lnTo>
+                  <a:lnTo>
+                    <a:pt x="17317" y="5553"/>
+                  </a:lnTo>
+                  <a:lnTo>
+                    <a:pt x="17439" y="5042"/>
+                  </a:lnTo>
+                  <a:lnTo>
+                    <a:pt x="17560" y="4506"/>
+                  </a:lnTo>
+                  <a:lnTo>
+                    <a:pt x="17633" y="3970"/>
+                  </a:lnTo>
+                  <a:lnTo>
+                    <a:pt x="17658" y="3434"/>
+                  </a:lnTo>
+                  <a:lnTo>
+                    <a:pt x="17682" y="2898"/>
+                  </a:lnTo>
+                  <a:lnTo>
+                    <a:pt x="17682" y="2411"/>
+                  </a:lnTo>
+                  <a:lnTo>
+                    <a:pt x="17658" y="1949"/>
+                  </a:lnTo>
+                  <a:lnTo>
+                    <a:pt x="17609" y="1510"/>
+                  </a:lnTo>
+                  <a:lnTo>
+                    <a:pt x="17536" y="1145"/>
+                  </a:lnTo>
+                  <a:lnTo>
+                    <a:pt x="17463" y="828"/>
+                  </a:lnTo>
+                  <a:lnTo>
+                    <a:pt x="17366" y="585"/>
+                  </a:lnTo>
+                  <a:lnTo>
+                    <a:pt x="17292" y="487"/>
+                  </a:lnTo>
+                  <a:lnTo>
+                    <a:pt x="17244" y="439"/>
+                  </a:lnTo>
+                  <a:lnTo>
+                    <a:pt x="17244" y="439"/>
+                  </a:lnTo>
+                  <a:lnTo>
+                    <a:pt x="17195" y="390"/>
+                  </a:lnTo>
+                  <a:lnTo>
+                    <a:pt x="17098" y="317"/>
+                  </a:lnTo>
+                  <a:lnTo>
+                    <a:pt x="16854" y="219"/>
+                  </a:lnTo>
+                  <a:lnTo>
+                    <a:pt x="16537" y="146"/>
+                  </a:lnTo>
+                  <a:lnTo>
+                    <a:pt x="16172" y="73"/>
+                  </a:lnTo>
+                  <a:lnTo>
+                    <a:pt x="15734" y="25"/>
+                  </a:lnTo>
+                  <a:lnTo>
+                    <a:pt x="15271" y="0"/>
+                  </a:lnTo>
+                  <a:lnTo>
+                    <a:pt x="14784" y="0"/>
+                  </a:lnTo>
+                  <a:lnTo>
+                    <a:pt x="14248" y="25"/>
+                  </a:lnTo>
+                  <a:lnTo>
+                    <a:pt x="13712" y="49"/>
+                  </a:lnTo>
+                  <a:lnTo>
+                    <a:pt x="13176" y="122"/>
+                  </a:lnTo>
+                  <a:lnTo>
+                    <a:pt x="12641" y="244"/>
+                  </a:lnTo>
+                  <a:lnTo>
+                    <a:pt x="12129" y="366"/>
+                  </a:lnTo>
+                  <a:lnTo>
+                    <a:pt x="11642" y="536"/>
+                  </a:lnTo>
+                  <a:lnTo>
+                    <a:pt x="11204" y="755"/>
+                  </a:lnTo>
+                  <a:lnTo>
+                    <a:pt x="10985" y="853"/>
+                  </a:lnTo>
+                  <a:lnTo>
+                    <a:pt x="10814" y="999"/>
+                  </a:lnTo>
+                  <a:lnTo>
+                    <a:pt x="10619" y="1121"/>
+                  </a:lnTo>
+                  <a:lnTo>
+                    <a:pt x="10473" y="1267"/>
+                  </a:lnTo>
+                  <a:lnTo>
+                    <a:pt x="5529" y="6211"/>
+                  </a:lnTo>
+                  <a:lnTo>
+                    <a:pt x="390" y="6211"/>
+                  </a:lnTo>
+                  <a:lnTo>
+                    <a:pt x="390" y="6211"/>
+                  </a:lnTo>
+                  <a:lnTo>
+                    <a:pt x="244" y="6235"/>
+                  </a:lnTo>
+                  <a:lnTo>
+                    <a:pt x="147" y="6259"/>
+                  </a:lnTo>
+                  <a:lnTo>
+                    <a:pt x="49" y="6308"/>
+                  </a:lnTo>
+                  <a:lnTo>
+                    <a:pt x="0" y="6381"/>
+                  </a:lnTo>
+                  <a:lnTo>
+                    <a:pt x="0" y="6454"/>
+                  </a:lnTo>
+                  <a:lnTo>
+                    <a:pt x="25" y="6552"/>
+                  </a:lnTo>
+                  <a:lnTo>
+                    <a:pt x="74" y="6649"/>
+                  </a:lnTo>
+                  <a:lnTo>
+                    <a:pt x="171" y="6771"/>
+                  </a:lnTo>
+                  <a:lnTo>
+                    <a:pt x="2582" y="9158"/>
+                  </a:lnTo>
+                  <a:lnTo>
+                    <a:pt x="2265" y="9474"/>
+                  </a:lnTo>
+                  <a:lnTo>
+                    <a:pt x="950" y="9718"/>
+                  </a:lnTo>
+                  <a:lnTo>
+                    <a:pt x="950" y="9718"/>
+                  </a:lnTo>
+                  <a:lnTo>
+                    <a:pt x="804" y="9767"/>
+                  </a:lnTo>
+                  <a:lnTo>
+                    <a:pt x="682" y="9815"/>
+                  </a:lnTo>
+                  <a:lnTo>
+                    <a:pt x="609" y="9913"/>
+                  </a:lnTo>
+                  <a:lnTo>
+                    <a:pt x="561" y="9986"/>
+                  </a:lnTo>
+                  <a:lnTo>
+                    <a:pt x="561" y="10083"/>
+                  </a:lnTo>
+                  <a:lnTo>
+                    <a:pt x="585" y="10205"/>
+                  </a:lnTo>
+                  <a:lnTo>
+                    <a:pt x="634" y="10302"/>
+                  </a:lnTo>
+                  <a:lnTo>
+                    <a:pt x="731" y="10424"/>
+                  </a:lnTo>
+                  <a:lnTo>
+                    <a:pt x="7258" y="16951"/>
+                  </a:lnTo>
+                  <a:lnTo>
+                    <a:pt x="7258" y="16951"/>
+                  </a:lnTo>
+                  <a:lnTo>
+                    <a:pt x="7380" y="17049"/>
+                  </a:lnTo>
+                  <a:lnTo>
+                    <a:pt x="7477" y="17097"/>
+                  </a:lnTo>
+                  <a:lnTo>
+                    <a:pt x="7599" y="17122"/>
+                  </a:lnTo>
+                  <a:lnTo>
+                    <a:pt x="7697" y="17122"/>
+                  </a:lnTo>
+                  <a:lnTo>
+                    <a:pt x="7770" y="17073"/>
+                  </a:lnTo>
+                  <a:lnTo>
+                    <a:pt x="7867" y="17000"/>
+                  </a:lnTo>
+                  <a:lnTo>
+                    <a:pt x="7916" y="16878"/>
+                  </a:lnTo>
+                  <a:lnTo>
+                    <a:pt x="7965" y="16732"/>
+                  </a:lnTo>
+                  <a:lnTo>
+                    <a:pt x="8208" y="15417"/>
+                  </a:lnTo>
+                  <a:lnTo>
+                    <a:pt x="8525" y="15100"/>
+                  </a:lnTo>
+                  <a:lnTo>
+                    <a:pt x="10911" y="17511"/>
+                  </a:lnTo>
+                  <a:lnTo>
+                    <a:pt x="10911" y="17511"/>
+                  </a:lnTo>
+                  <a:lnTo>
+                    <a:pt x="11033" y="17609"/>
+                  </a:lnTo>
+                  <a:lnTo>
+                    <a:pt x="11131" y="17658"/>
+                  </a:lnTo>
+                  <a:lnTo>
+                    <a:pt x="11228" y="17682"/>
+                  </a:lnTo>
+                  <a:lnTo>
+                    <a:pt x="11301" y="17682"/>
+                  </a:lnTo>
+                  <a:lnTo>
+                    <a:pt x="11374" y="17633"/>
+                  </a:lnTo>
+                  <a:lnTo>
+                    <a:pt x="11423" y="17536"/>
+                  </a:lnTo>
+                  <a:lnTo>
+                    <a:pt x="11447" y="17438"/>
+                  </a:lnTo>
+                  <a:lnTo>
+                    <a:pt x="11472" y="17292"/>
+                  </a:lnTo>
+                  <a:lnTo>
+                    <a:pt x="11472" y="17292"/>
+                  </a:lnTo>
+                  <a:close/>
+                  <a:moveTo>
+                    <a:pt x="6162" y="12202"/>
+                  </a:moveTo>
+                  <a:lnTo>
+                    <a:pt x="6162" y="12202"/>
+                  </a:lnTo>
+                  <a:lnTo>
+                    <a:pt x="6089" y="12275"/>
+                  </a:lnTo>
+                  <a:lnTo>
+                    <a:pt x="6016" y="12324"/>
+                  </a:lnTo>
+                  <a:lnTo>
+                    <a:pt x="5919" y="12348"/>
+                  </a:lnTo>
+                  <a:lnTo>
+                    <a:pt x="5821" y="12348"/>
+                  </a:lnTo>
+                  <a:lnTo>
+                    <a:pt x="5724" y="12348"/>
+                  </a:lnTo>
+                  <a:lnTo>
+                    <a:pt x="5626" y="12324"/>
+                  </a:lnTo>
+                  <a:lnTo>
+                    <a:pt x="5553" y="12275"/>
+                  </a:lnTo>
+                  <a:lnTo>
+                    <a:pt x="5480" y="12202"/>
+                  </a:lnTo>
+                  <a:lnTo>
+                    <a:pt x="5480" y="12202"/>
+                  </a:lnTo>
+                  <a:lnTo>
+                    <a:pt x="5407" y="12129"/>
+                  </a:lnTo>
+                  <a:lnTo>
+                    <a:pt x="5359" y="12056"/>
+                  </a:lnTo>
+                  <a:lnTo>
+                    <a:pt x="5334" y="11959"/>
+                  </a:lnTo>
+                  <a:lnTo>
+                    <a:pt x="5334" y="11861"/>
+                  </a:lnTo>
+                  <a:lnTo>
+                    <a:pt x="5334" y="11764"/>
+                  </a:lnTo>
+                  <a:lnTo>
+                    <a:pt x="5359" y="11666"/>
+                  </a:lnTo>
+                  <a:lnTo>
+                    <a:pt x="5407" y="11593"/>
+                  </a:lnTo>
+                  <a:lnTo>
+                    <a:pt x="5480" y="11520"/>
+                  </a:lnTo>
+                  <a:lnTo>
+                    <a:pt x="8013" y="8987"/>
+                  </a:lnTo>
+                  <a:lnTo>
+                    <a:pt x="8013" y="8987"/>
+                  </a:lnTo>
+                  <a:lnTo>
+                    <a:pt x="8086" y="8939"/>
+                  </a:lnTo>
+                  <a:lnTo>
+                    <a:pt x="8159" y="8890"/>
+                  </a:lnTo>
+                  <a:lnTo>
+                    <a:pt x="8257" y="8865"/>
+                  </a:lnTo>
+                  <a:lnTo>
+                    <a:pt x="8354" y="8841"/>
+                  </a:lnTo>
+                  <a:lnTo>
+                    <a:pt x="8452" y="8865"/>
+                  </a:lnTo>
+                  <a:lnTo>
+                    <a:pt x="8525" y="8890"/>
+                  </a:lnTo>
+                  <a:lnTo>
+                    <a:pt x="8622" y="8939"/>
+                  </a:lnTo>
+                  <a:lnTo>
+                    <a:pt x="8695" y="8987"/>
+                  </a:lnTo>
+                  <a:lnTo>
+                    <a:pt x="8695" y="8987"/>
+                  </a:lnTo>
+                  <a:lnTo>
+                    <a:pt x="8744" y="9060"/>
+                  </a:lnTo>
+                  <a:lnTo>
+                    <a:pt x="8793" y="9158"/>
+                  </a:lnTo>
+                  <a:lnTo>
+                    <a:pt x="8817" y="9231"/>
+                  </a:lnTo>
+                  <a:lnTo>
+                    <a:pt x="8841" y="9328"/>
+                  </a:lnTo>
+                  <a:lnTo>
+                    <a:pt x="8817" y="9426"/>
+                  </a:lnTo>
+                  <a:lnTo>
+                    <a:pt x="8793" y="9523"/>
+                  </a:lnTo>
+                  <a:lnTo>
+                    <a:pt x="8744" y="9596"/>
+                  </a:lnTo>
+                  <a:lnTo>
+                    <a:pt x="8695" y="9669"/>
+                  </a:lnTo>
+                  <a:lnTo>
+                    <a:pt x="6162" y="12202"/>
+                  </a:lnTo>
+                  <a:close/>
+                  <a:moveTo>
+                    <a:pt x="13396" y="7307"/>
+                  </a:moveTo>
+                  <a:lnTo>
+                    <a:pt x="13396" y="7307"/>
+                  </a:lnTo>
+                  <a:lnTo>
+                    <a:pt x="13274" y="7404"/>
+                  </a:lnTo>
+                  <a:lnTo>
+                    <a:pt x="13152" y="7477"/>
+                  </a:lnTo>
+                  <a:lnTo>
+                    <a:pt x="13006" y="7526"/>
+                  </a:lnTo>
+                  <a:lnTo>
+                    <a:pt x="12836" y="7550"/>
+                  </a:lnTo>
+                  <a:lnTo>
+                    <a:pt x="12689" y="7526"/>
+                  </a:lnTo>
+                  <a:lnTo>
+                    <a:pt x="12543" y="7477"/>
+                  </a:lnTo>
+                  <a:lnTo>
+                    <a:pt x="12421" y="7404"/>
+                  </a:lnTo>
+                  <a:lnTo>
+                    <a:pt x="12300" y="7307"/>
+                  </a:lnTo>
+                  <a:lnTo>
+                    <a:pt x="10376" y="5383"/>
+                  </a:lnTo>
+                  <a:lnTo>
+                    <a:pt x="10376" y="5383"/>
+                  </a:lnTo>
+                  <a:lnTo>
+                    <a:pt x="10278" y="5261"/>
+                  </a:lnTo>
+                  <a:lnTo>
+                    <a:pt x="10205" y="5139"/>
+                  </a:lnTo>
+                  <a:lnTo>
+                    <a:pt x="10156" y="4993"/>
+                  </a:lnTo>
+                  <a:lnTo>
+                    <a:pt x="10132" y="4847"/>
+                  </a:lnTo>
+                  <a:lnTo>
+                    <a:pt x="10156" y="4676"/>
+                  </a:lnTo>
+                  <a:lnTo>
+                    <a:pt x="10205" y="4530"/>
+                  </a:lnTo>
+                  <a:lnTo>
+                    <a:pt x="10278" y="4408"/>
+                  </a:lnTo>
+                  <a:lnTo>
+                    <a:pt x="10376" y="4287"/>
+                  </a:lnTo>
+                  <a:lnTo>
+                    <a:pt x="10376" y="4287"/>
+                  </a:lnTo>
+                  <a:lnTo>
+                    <a:pt x="11326" y="3313"/>
+                  </a:lnTo>
+                  <a:lnTo>
+                    <a:pt x="11326" y="3313"/>
+                  </a:lnTo>
+                  <a:lnTo>
+                    <a:pt x="11496" y="3166"/>
+                  </a:lnTo>
+                  <a:lnTo>
+                    <a:pt x="11666" y="3045"/>
+                  </a:lnTo>
+                  <a:lnTo>
+                    <a:pt x="11861" y="2947"/>
+                  </a:lnTo>
+                  <a:lnTo>
+                    <a:pt x="12032" y="2850"/>
+                  </a:lnTo>
+                  <a:lnTo>
+                    <a:pt x="12227" y="2777"/>
+                  </a:lnTo>
+                  <a:lnTo>
+                    <a:pt x="12446" y="2728"/>
+                  </a:lnTo>
+                  <a:lnTo>
+                    <a:pt x="12641" y="2704"/>
+                  </a:lnTo>
+                  <a:lnTo>
+                    <a:pt x="12836" y="2704"/>
+                  </a:lnTo>
+                  <a:lnTo>
+                    <a:pt x="13055" y="2704"/>
+                  </a:lnTo>
+                  <a:lnTo>
+                    <a:pt x="13250" y="2728"/>
+                  </a:lnTo>
+                  <a:lnTo>
+                    <a:pt x="13469" y="2777"/>
+                  </a:lnTo>
+                  <a:lnTo>
+                    <a:pt x="13664" y="2850"/>
+                  </a:lnTo>
+                  <a:lnTo>
+                    <a:pt x="13834" y="2947"/>
+                  </a:lnTo>
+                  <a:lnTo>
+                    <a:pt x="14029" y="3045"/>
+                  </a:lnTo>
+                  <a:lnTo>
+                    <a:pt x="14199" y="3166"/>
+                  </a:lnTo>
+                  <a:lnTo>
+                    <a:pt x="14370" y="3313"/>
+                  </a:lnTo>
+                  <a:lnTo>
+                    <a:pt x="14370" y="3313"/>
+                  </a:lnTo>
+                  <a:lnTo>
+                    <a:pt x="14516" y="3483"/>
+                  </a:lnTo>
+                  <a:lnTo>
+                    <a:pt x="14638" y="3653"/>
+                  </a:lnTo>
+                  <a:lnTo>
+                    <a:pt x="14735" y="3848"/>
+                  </a:lnTo>
+                  <a:lnTo>
+                    <a:pt x="14833" y="4019"/>
+                  </a:lnTo>
+                  <a:lnTo>
+                    <a:pt x="14906" y="4214"/>
+                  </a:lnTo>
+                  <a:lnTo>
+                    <a:pt x="14954" y="4433"/>
+                  </a:lnTo>
+                  <a:lnTo>
+                    <a:pt x="14979" y="4628"/>
+                  </a:lnTo>
+                  <a:lnTo>
+                    <a:pt x="14979" y="4847"/>
+                  </a:lnTo>
+                  <a:lnTo>
+                    <a:pt x="14979" y="5042"/>
+                  </a:lnTo>
+                  <a:lnTo>
+                    <a:pt x="14954" y="5237"/>
+                  </a:lnTo>
+                  <a:lnTo>
+                    <a:pt x="14906" y="5456"/>
+                  </a:lnTo>
+                  <a:lnTo>
+                    <a:pt x="14833" y="5651"/>
+                  </a:lnTo>
+                  <a:lnTo>
+                    <a:pt x="14735" y="5821"/>
+                  </a:lnTo>
+                  <a:lnTo>
+                    <a:pt x="14638" y="6016"/>
+                  </a:lnTo>
+                  <a:lnTo>
+                    <a:pt x="14516" y="6186"/>
+                  </a:lnTo>
+                  <a:lnTo>
+                    <a:pt x="14370" y="6357"/>
+                  </a:lnTo>
+                  <a:lnTo>
+                    <a:pt x="14370" y="6357"/>
+                  </a:lnTo>
+                  <a:lnTo>
+                    <a:pt x="13396" y="7307"/>
+                  </a:lnTo>
+                  <a:lnTo>
+                    <a:pt x="13396" y="7307"/>
+                  </a:lnTo>
+                  <a:close/>
+                </a:path>
+              </a:pathLst>
+            </a:custGeom>
+            <a:noFill/>
+            <a:ln w="9525" cap="rnd" cmpd="sng">
+              <a:solidFill>
+                <a:schemeClr val="accent4"/>
+              </a:solidFill>
+              <a:prstDash val="solid"/>
+              <a:round/>
+              <a:headEnd type="none" w="sm" len="sm"/>
+              <a:tailEnd type="none" w="sm" len="sm"/>
+            </a:ln>
+          </p:spPr>
+          <p:txBody>
+            <a:bodyPr spcFirstLastPara="1" wrap="square" lIns="91425" tIns="91425" rIns="91425" bIns="91425" anchor="ctr" anchorCtr="0">
+              <a:noAutofit/>
+            </a:bodyPr>
+            <a:lstStyle/>
+            <a:p>
+              <a:pPr marL="0" lvl="0" indent="0" algn="l" rtl="0">
+                <a:spcBef>
+                  <a:spcPts val="0"/>
+                </a:spcBef>
+                <a:spcAft>
+                  <a:spcPts val="0"/>
+                </a:spcAft>
+                <a:buNone/>
+              </a:pPr>
+              <a:endParaRPr>
+                <a:latin typeface="Segoe UI" panose="020B0502040204020203" pitchFamily="34" charset="0"/>
+                <a:cs typeface="Segoe UI" panose="020B0502040204020203" pitchFamily="34" charset="0"/>
+              </a:endParaRPr>
+            </a:p>
+          </p:txBody>
+        </p:sp>
+        <p:sp>
+          <p:nvSpPr>
+            <p:cNvPr id="16" name="Google Shape;1007;p47"/>
+            <p:cNvSpPr/>
+            <p:nvPr/>
+          </p:nvSpPr>
+          <p:spPr>
+            <a:xfrm>
+              <a:off x="958366" y="4668875"/>
+              <a:ext cx="73100" cy="73100"/>
+            </a:xfrm>
+            <a:custGeom>
+              <a:avLst/>
+              <a:gdLst/>
+              <a:ahLst/>
+              <a:cxnLst/>
+              <a:rect l="l" t="t" r="r" b="b"/>
+              <a:pathLst>
+                <a:path w="2924" h="2924" fill="none" extrusionOk="0">
+                  <a:moveTo>
+                    <a:pt x="2656" y="269"/>
+                  </a:moveTo>
+                  <a:lnTo>
+                    <a:pt x="2656" y="269"/>
+                  </a:lnTo>
+                  <a:lnTo>
+                    <a:pt x="2509" y="147"/>
+                  </a:lnTo>
+                  <a:lnTo>
+                    <a:pt x="2363" y="74"/>
+                  </a:lnTo>
+                  <a:lnTo>
+                    <a:pt x="2193" y="25"/>
+                  </a:lnTo>
+                  <a:lnTo>
+                    <a:pt x="2022" y="1"/>
+                  </a:lnTo>
+                  <a:lnTo>
+                    <a:pt x="1852" y="25"/>
+                  </a:lnTo>
+                  <a:lnTo>
+                    <a:pt x="1681" y="74"/>
+                  </a:lnTo>
+                  <a:lnTo>
+                    <a:pt x="1511" y="147"/>
+                  </a:lnTo>
+                  <a:lnTo>
+                    <a:pt x="1365" y="269"/>
+                  </a:lnTo>
+                  <a:lnTo>
+                    <a:pt x="1365" y="269"/>
+                  </a:lnTo>
+                  <a:lnTo>
+                    <a:pt x="1219" y="488"/>
+                  </a:lnTo>
+                  <a:lnTo>
+                    <a:pt x="999" y="829"/>
+                  </a:lnTo>
+                  <a:lnTo>
+                    <a:pt x="561" y="1730"/>
+                  </a:lnTo>
+                  <a:lnTo>
+                    <a:pt x="171" y="2558"/>
+                  </a:lnTo>
+                  <a:lnTo>
+                    <a:pt x="1" y="2924"/>
+                  </a:lnTo>
+                  <a:lnTo>
+                    <a:pt x="1" y="2924"/>
+                  </a:lnTo>
+                  <a:lnTo>
+                    <a:pt x="366" y="2753"/>
+                  </a:lnTo>
+                  <a:lnTo>
+                    <a:pt x="1194" y="2363"/>
+                  </a:lnTo>
+                  <a:lnTo>
+                    <a:pt x="2095" y="1925"/>
+                  </a:lnTo>
+                  <a:lnTo>
+                    <a:pt x="2436" y="1706"/>
+                  </a:lnTo>
+                  <a:lnTo>
+                    <a:pt x="2656" y="1560"/>
+                  </a:lnTo>
+                  <a:lnTo>
+                    <a:pt x="2656" y="1560"/>
+                  </a:lnTo>
+                  <a:lnTo>
+                    <a:pt x="2777" y="1414"/>
+                  </a:lnTo>
+                  <a:lnTo>
+                    <a:pt x="2850" y="1243"/>
+                  </a:lnTo>
+                  <a:lnTo>
+                    <a:pt x="2899" y="1073"/>
+                  </a:lnTo>
+                  <a:lnTo>
+                    <a:pt x="2923" y="902"/>
+                  </a:lnTo>
+                  <a:lnTo>
+                    <a:pt x="2899" y="732"/>
+                  </a:lnTo>
+                  <a:lnTo>
+                    <a:pt x="2850" y="561"/>
+                  </a:lnTo>
+                  <a:lnTo>
+                    <a:pt x="2777" y="415"/>
+                  </a:lnTo>
+                  <a:lnTo>
+                    <a:pt x="2656" y="269"/>
+                  </a:lnTo>
+                  <a:lnTo>
+                    <a:pt x="2656" y="269"/>
+                  </a:lnTo>
+                  <a:close/>
+                </a:path>
+              </a:pathLst>
+            </a:custGeom>
+            <a:noFill/>
+            <a:ln w="9525" cap="rnd" cmpd="sng">
+              <a:solidFill>
+                <a:schemeClr val="accent4"/>
+              </a:solidFill>
+              <a:prstDash val="solid"/>
+              <a:round/>
+              <a:headEnd type="none" w="sm" len="sm"/>
+              <a:tailEnd type="none" w="sm" len="sm"/>
+            </a:ln>
+          </p:spPr>
+          <p:txBody>
+            <a:bodyPr spcFirstLastPara="1" wrap="square" lIns="91425" tIns="91425" rIns="91425" bIns="91425" anchor="ctr" anchorCtr="0">
+              <a:noAutofit/>
+            </a:bodyPr>
+            <a:lstStyle/>
+            <a:p>
+              <a:pPr marL="0" lvl="0" indent="0" algn="l" rtl="0">
+                <a:spcBef>
+                  <a:spcPts val="0"/>
+                </a:spcBef>
+                <a:spcAft>
+                  <a:spcPts val="0"/>
+                </a:spcAft>
+                <a:buNone/>
+              </a:pPr>
+              <a:endParaRPr>
+                <a:latin typeface="Segoe UI" panose="020B0502040204020203" pitchFamily="34" charset="0"/>
+                <a:cs typeface="Segoe UI" panose="020B0502040204020203" pitchFamily="34" charset="0"/>
+              </a:endParaRPr>
+            </a:p>
+          </p:txBody>
+        </p:sp>
+        <p:sp>
+          <p:nvSpPr>
+            <p:cNvPr id="17" name="Google Shape;1008;p47"/>
+            <p:cNvSpPr/>
+            <p:nvPr/>
+          </p:nvSpPr>
+          <p:spPr>
+            <a:xfrm>
+              <a:off x="1014991" y="4711500"/>
+              <a:ext cx="46925" cy="46925"/>
+            </a:xfrm>
+            <a:custGeom>
+              <a:avLst/>
+              <a:gdLst/>
+              <a:ahLst/>
+              <a:cxnLst/>
+              <a:rect l="l" t="t" r="r" b="b"/>
+              <a:pathLst>
+                <a:path w="1877" h="1877" fill="none" extrusionOk="0">
+                  <a:moveTo>
+                    <a:pt x="1657" y="244"/>
+                  </a:moveTo>
+                  <a:lnTo>
+                    <a:pt x="1657" y="244"/>
+                  </a:lnTo>
+                  <a:lnTo>
+                    <a:pt x="1535" y="147"/>
+                  </a:lnTo>
+                  <a:lnTo>
+                    <a:pt x="1413" y="74"/>
+                  </a:lnTo>
+                  <a:lnTo>
+                    <a:pt x="1267" y="25"/>
+                  </a:lnTo>
+                  <a:lnTo>
+                    <a:pt x="1121" y="1"/>
+                  </a:lnTo>
+                  <a:lnTo>
+                    <a:pt x="975" y="25"/>
+                  </a:lnTo>
+                  <a:lnTo>
+                    <a:pt x="829" y="74"/>
+                  </a:lnTo>
+                  <a:lnTo>
+                    <a:pt x="707" y="147"/>
+                  </a:lnTo>
+                  <a:lnTo>
+                    <a:pt x="585" y="244"/>
+                  </a:lnTo>
+                  <a:lnTo>
+                    <a:pt x="585" y="244"/>
+                  </a:lnTo>
+                  <a:lnTo>
+                    <a:pt x="464" y="391"/>
+                  </a:lnTo>
+                  <a:lnTo>
+                    <a:pt x="366" y="610"/>
+                  </a:lnTo>
+                  <a:lnTo>
+                    <a:pt x="269" y="878"/>
+                  </a:lnTo>
+                  <a:lnTo>
+                    <a:pt x="171" y="1170"/>
+                  </a:lnTo>
+                  <a:lnTo>
+                    <a:pt x="50" y="1681"/>
+                  </a:lnTo>
+                  <a:lnTo>
+                    <a:pt x="1" y="1876"/>
+                  </a:lnTo>
+                  <a:lnTo>
+                    <a:pt x="1" y="1876"/>
+                  </a:lnTo>
+                  <a:lnTo>
+                    <a:pt x="220" y="1852"/>
+                  </a:lnTo>
+                  <a:lnTo>
+                    <a:pt x="731" y="1706"/>
+                  </a:lnTo>
+                  <a:lnTo>
+                    <a:pt x="999" y="1633"/>
+                  </a:lnTo>
+                  <a:lnTo>
+                    <a:pt x="1267" y="1535"/>
+                  </a:lnTo>
+                  <a:lnTo>
+                    <a:pt x="1511" y="1413"/>
+                  </a:lnTo>
+                  <a:lnTo>
+                    <a:pt x="1657" y="1316"/>
+                  </a:lnTo>
+                  <a:lnTo>
+                    <a:pt x="1657" y="1316"/>
+                  </a:lnTo>
+                  <a:lnTo>
+                    <a:pt x="1754" y="1194"/>
+                  </a:lnTo>
+                  <a:lnTo>
+                    <a:pt x="1827" y="1048"/>
+                  </a:lnTo>
+                  <a:lnTo>
+                    <a:pt x="1876" y="926"/>
+                  </a:lnTo>
+                  <a:lnTo>
+                    <a:pt x="1876" y="780"/>
+                  </a:lnTo>
+                  <a:lnTo>
+                    <a:pt x="1876" y="634"/>
+                  </a:lnTo>
+                  <a:lnTo>
+                    <a:pt x="1827" y="488"/>
+                  </a:lnTo>
+                  <a:lnTo>
+                    <a:pt x="1754" y="366"/>
+                  </a:lnTo>
+                  <a:lnTo>
+                    <a:pt x="1657" y="244"/>
+                  </a:lnTo>
+                  <a:lnTo>
+                    <a:pt x="1657" y="244"/>
+                  </a:lnTo>
+                  <a:close/>
+                </a:path>
+              </a:pathLst>
+            </a:custGeom>
+            <a:noFill/>
+            <a:ln w="9525" cap="rnd" cmpd="sng">
+              <a:solidFill>
+                <a:schemeClr val="accent4"/>
+              </a:solidFill>
+              <a:prstDash val="solid"/>
+              <a:round/>
+              <a:headEnd type="none" w="sm" len="sm"/>
+              <a:tailEnd type="none" w="sm" len="sm"/>
+            </a:ln>
+          </p:spPr>
+          <p:txBody>
+            <a:bodyPr spcFirstLastPara="1" wrap="square" lIns="91425" tIns="91425" rIns="91425" bIns="91425" anchor="ctr" anchorCtr="0">
+              <a:noAutofit/>
+            </a:bodyPr>
+            <a:lstStyle/>
+            <a:p>
+              <a:pPr marL="0" lvl="0" indent="0" algn="l" rtl="0">
+                <a:spcBef>
+                  <a:spcPts val="0"/>
+                </a:spcBef>
+                <a:spcAft>
+                  <a:spcPts val="0"/>
+                </a:spcAft>
+                <a:buNone/>
+              </a:pPr>
+              <a:endParaRPr>
+                <a:latin typeface="Segoe UI" panose="020B0502040204020203" pitchFamily="34" charset="0"/>
+                <a:cs typeface="Segoe UI" panose="020B0502040204020203" pitchFamily="34" charset="0"/>
+              </a:endParaRPr>
+            </a:p>
+          </p:txBody>
+        </p:sp>
+        <p:sp>
+          <p:nvSpPr>
+            <p:cNvPr id="18" name="Google Shape;1009;p47"/>
+            <p:cNvSpPr/>
+            <p:nvPr/>
+          </p:nvSpPr>
+          <p:spPr>
+            <a:xfrm>
+              <a:off x="941941" y="4638450"/>
+              <a:ext cx="46900" cy="46900"/>
+            </a:xfrm>
+            <a:custGeom>
+              <a:avLst/>
+              <a:gdLst/>
+              <a:ahLst/>
+              <a:cxnLst/>
+              <a:rect l="l" t="t" r="r" b="b"/>
+              <a:pathLst>
+                <a:path w="1876" h="1876" fill="none" extrusionOk="0">
+                  <a:moveTo>
+                    <a:pt x="1632" y="219"/>
+                  </a:moveTo>
+                  <a:lnTo>
+                    <a:pt x="1632" y="219"/>
+                  </a:lnTo>
+                  <a:lnTo>
+                    <a:pt x="1510" y="122"/>
+                  </a:lnTo>
+                  <a:lnTo>
+                    <a:pt x="1388" y="49"/>
+                  </a:lnTo>
+                  <a:lnTo>
+                    <a:pt x="1242" y="0"/>
+                  </a:lnTo>
+                  <a:lnTo>
+                    <a:pt x="1096" y="0"/>
+                  </a:lnTo>
+                  <a:lnTo>
+                    <a:pt x="950" y="0"/>
+                  </a:lnTo>
+                  <a:lnTo>
+                    <a:pt x="828" y="49"/>
+                  </a:lnTo>
+                  <a:lnTo>
+                    <a:pt x="682" y="122"/>
+                  </a:lnTo>
+                  <a:lnTo>
+                    <a:pt x="560" y="219"/>
+                  </a:lnTo>
+                  <a:lnTo>
+                    <a:pt x="560" y="219"/>
+                  </a:lnTo>
+                  <a:lnTo>
+                    <a:pt x="463" y="366"/>
+                  </a:lnTo>
+                  <a:lnTo>
+                    <a:pt x="341" y="609"/>
+                  </a:lnTo>
+                  <a:lnTo>
+                    <a:pt x="244" y="877"/>
+                  </a:lnTo>
+                  <a:lnTo>
+                    <a:pt x="171" y="1145"/>
+                  </a:lnTo>
+                  <a:lnTo>
+                    <a:pt x="25" y="1656"/>
+                  </a:lnTo>
+                  <a:lnTo>
+                    <a:pt x="0" y="1876"/>
+                  </a:lnTo>
+                  <a:lnTo>
+                    <a:pt x="0" y="1876"/>
+                  </a:lnTo>
+                  <a:lnTo>
+                    <a:pt x="195" y="1827"/>
+                  </a:lnTo>
+                  <a:lnTo>
+                    <a:pt x="707" y="1705"/>
+                  </a:lnTo>
+                  <a:lnTo>
+                    <a:pt x="999" y="1608"/>
+                  </a:lnTo>
+                  <a:lnTo>
+                    <a:pt x="1267" y="1510"/>
+                  </a:lnTo>
+                  <a:lnTo>
+                    <a:pt x="1486" y="1413"/>
+                  </a:lnTo>
+                  <a:lnTo>
+                    <a:pt x="1632" y="1291"/>
+                  </a:lnTo>
+                  <a:lnTo>
+                    <a:pt x="1632" y="1291"/>
+                  </a:lnTo>
+                  <a:lnTo>
+                    <a:pt x="1729" y="1169"/>
+                  </a:lnTo>
+                  <a:lnTo>
+                    <a:pt x="1802" y="1048"/>
+                  </a:lnTo>
+                  <a:lnTo>
+                    <a:pt x="1851" y="901"/>
+                  </a:lnTo>
+                  <a:lnTo>
+                    <a:pt x="1876" y="755"/>
+                  </a:lnTo>
+                  <a:lnTo>
+                    <a:pt x="1851" y="609"/>
+                  </a:lnTo>
+                  <a:lnTo>
+                    <a:pt x="1802" y="463"/>
+                  </a:lnTo>
+                  <a:lnTo>
+                    <a:pt x="1729" y="341"/>
+                  </a:lnTo>
+                  <a:lnTo>
+                    <a:pt x="1632" y="219"/>
+                  </a:lnTo>
+                  <a:lnTo>
+                    <a:pt x="1632" y="219"/>
+                  </a:lnTo>
+                  <a:close/>
+                </a:path>
+              </a:pathLst>
+            </a:custGeom>
+            <a:noFill/>
+            <a:ln w="9525" cap="rnd" cmpd="sng">
+              <a:solidFill>
+                <a:schemeClr val="accent4"/>
+              </a:solidFill>
+              <a:prstDash val="solid"/>
+              <a:round/>
+              <a:headEnd type="none" w="sm" len="sm"/>
+              <a:tailEnd type="none" w="sm" len="sm"/>
+            </a:ln>
+          </p:spPr>
+          <p:txBody>
+            <a:bodyPr spcFirstLastPara="1" wrap="square" lIns="91425" tIns="91425" rIns="91425" bIns="91425" anchor="ctr" anchorCtr="0">
+              <a:noAutofit/>
+            </a:bodyPr>
+            <a:lstStyle/>
+            <a:p>
+              <a:pPr marL="0" lvl="0" indent="0" algn="l" rtl="0">
+                <a:spcBef>
+                  <a:spcPts val="0"/>
+                </a:spcBef>
+                <a:spcAft>
+                  <a:spcPts val="0"/>
+                </a:spcAft>
+                <a:buNone/>
+              </a:pPr>
+              <a:endParaRPr>
+                <a:latin typeface="Segoe UI" panose="020B0502040204020203" pitchFamily="34" charset="0"/>
+                <a:cs typeface="Segoe UI" panose="020B0502040204020203" pitchFamily="34" charset="0"/>
+              </a:endParaRPr>
+            </a:p>
+          </p:txBody>
+        </p:sp>
+      </p:grpSp>
+      <p:sp>
+        <p:nvSpPr>
+          <p:cNvPr id="2" name="TextBox 1"/>
+          <p:cNvSpPr txBox="1"/>
+          <p:nvPr/>
+        </p:nvSpPr>
+        <p:spPr>
+          <a:xfrm>
+            <a:off x="1392633" y="2006600"/>
+            <a:ext cx="9313467" cy="1077218"/>
+          </a:xfrm>
+          <a:prstGeom prst="rect">
+            <a:avLst/>
+          </a:prstGeom>
+          <a:noFill/>
+        </p:spPr>
+        <p:txBody>
+          <a:bodyPr wrap="square" rtlCol="0">
+            <a:spAutoFit/>
+          </a:bodyPr>
+          <a:lstStyle/>
+          <a:p>
+            <a:r>
+              <a:rPr lang="en-US" sz="1600" dirty="0">
+                <a:solidFill>
+                  <a:schemeClr val="dk1"/>
+                </a:solidFill>
+                <a:latin typeface="Segoe UI" panose="020B0502040204020203" pitchFamily="34" charset="0"/>
+                <a:ea typeface="Red Hat Text"/>
+                <a:cs typeface="Segoe UI" panose="020B0502040204020203" pitchFamily="34" charset="0"/>
+                <a:sym typeface="Red Hat Text"/>
+              </a:rPr>
+              <a:t>Bob is writing a search algorithm for Elon Musk’s. Its algorithm will work when the rocket flies up to the moon, and will help calculate the landing </a:t>
+            </a:r>
+            <a:r>
+              <a:rPr lang="en-US" sz="1600" dirty="0" smtClean="0">
+                <a:solidFill>
+                  <a:schemeClr val="dk1"/>
+                </a:solidFill>
+                <a:latin typeface="Segoe UI" panose="020B0502040204020203" pitchFamily="34" charset="0"/>
+                <a:ea typeface="Red Hat Text"/>
+                <a:cs typeface="Segoe UI" panose="020B0502040204020203" pitchFamily="34" charset="0"/>
+                <a:sym typeface="Red Hat Text"/>
+              </a:rPr>
+              <a:t>point. </a:t>
+            </a:r>
+            <a:r>
+              <a:rPr lang="en-US" sz="1600" dirty="0" smtClean="0">
+                <a:solidFill>
+                  <a:srgbClr val="7030A0"/>
+                </a:solidFill>
+                <a:latin typeface="Segoe UI" panose="020B0502040204020203" pitchFamily="34" charset="0"/>
+                <a:ea typeface="Red Hat Text"/>
+                <a:cs typeface="Segoe UI" panose="020B0502040204020203" pitchFamily="34" charset="0"/>
+                <a:sym typeface="Red Hat Text"/>
+              </a:rPr>
+              <a:t>Let's </a:t>
+            </a:r>
+            <a:r>
+              <a:rPr lang="en-US" sz="1600" dirty="0">
+                <a:solidFill>
+                  <a:srgbClr val="7030A0"/>
+                </a:solidFill>
+                <a:latin typeface="Segoe UI" panose="020B0502040204020203" pitchFamily="34" charset="0"/>
+                <a:ea typeface="Red Hat Text"/>
+                <a:cs typeface="Segoe UI" panose="020B0502040204020203" pitchFamily="34" charset="0"/>
+                <a:sym typeface="Red Hat Text"/>
+              </a:rPr>
+              <a:t>say it takes 1 millisecond to check one item</a:t>
+            </a:r>
+          </a:p>
+          <a:p>
+            <a:r>
+              <a:rPr lang="en-US" sz="1600" dirty="0">
+                <a:solidFill>
+                  <a:schemeClr val="dk1"/>
+                </a:solidFill>
+                <a:latin typeface="Segoe UI" panose="020B0502040204020203" pitchFamily="34" charset="0"/>
+                <a:ea typeface="Red Hat Text"/>
+                <a:cs typeface="Segoe UI" panose="020B0502040204020203" pitchFamily="34" charset="0"/>
+                <a:sym typeface="Red Hat Text"/>
+              </a:rPr>
+              <a:t>Bob has only 10 seconds to choose a landing site, if it does not meet this time, then the moment for landing will be missed</a:t>
+            </a:r>
+          </a:p>
+        </p:txBody>
+      </p:sp>
+      <p:graphicFrame>
+        <p:nvGraphicFramePr>
+          <p:cNvPr id="3" name="Table 2"/>
+          <p:cNvGraphicFramePr>
+            <a:graphicFrameLocks noGrp="1"/>
+          </p:cNvGraphicFramePr>
+          <p:nvPr>
+            <p:extLst>
+              <p:ext uri="{D42A27DB-BD31-4B8C-83A1-F6EECF244321}">
+                <p14:modId xmlns:p14="http://schemas.microsoft.com/office/powerpoint/2010/main" val="3933372514"/>
+              </p:ext>
+            </p:extLst>
+          </p:nvPr>
+        </p:nvGraphicFramePr>
+        <p:xfrm>
+          <a:off x="1392633" y="4645631"/>
+          <a:ext cx="9609966" cy="822932"/>
+        </p:xfrm>
+        <a:graphic>
+          <a:graphicData uri="http://schemas.openxmlformats.org/drawingml/2006/table">
+            <a:tbl>
+              <a:tblPr>
+                <a:noFill/>
+              </a:tblPr>
+              <a:tblGrid>
+                <a:gridCol w="3203322">
+                  <a:extLst>
+                    <a:ext uri="{9D8B030D-6E8A-4147-A177-3AD203B41FA5}">
+                      <a16:colId xmlns:a16="http://schemas.microsoft.com/office/drawing/2014/main" val="1986874484"/>
+                    </a:ext>
+                  </a:extLst>
+                </a:gridCol>
+                <a:gridCol w="3203322">
+                  <a:extLst>
+                    <a:ext uri="{9D8B030D-6E8A-4147-A177-3AD203B41FA5}">
+                      <a16:colId xmlns:a16="http://schemas.microsoft.com/office/drawing/2014/main" val="1874644191"/>
+                    </a:ext>
+                  </a:extLst>
+                </a:gridCol>
+                <a:gridCol w="3203322">
+                  <a:extLst>
+                    <a:ext uri="{9D8B030D-6E8A-4147-A177-3AD203B41FA5}">
+                      <a16:colId xmlns:a16="http://schemas.microsoft.com/office/drawing/2014/main" val="3233192966"/>
+                    </a:ext>
+                  </a:extLst>
+                </a:gridCol>
+              </a:tblGrid>
               <a:tr h="329411">
                 <a:tc>
                   <a:txBody>
@@ -26836,14 +28225,14 @@
                       <a:headEnd type="none" w="sm" len="sm"/>
                       <a:tailEnd type="none" w="sm" len="sm"/>
                     </a:lnL>
-                    <a:lnR w="9525" cap="flat" cmpd="sng">
+                    <a:lnR w="12700" cap="flat" cmpd="sng" algn="ctr">
                       <a:solidFill>
-                        <a:schemeClr val="lt1"/>
+                        <a:schemeClr val="tx1"/>
                       </a:solidFill>
                       <a:prstDash val="solid"/>
                       <a:round/>
-                      <a:headEnd type="none" w="sm" len="sm"/>
-                      <a:tailEnd type="none" w="sm" len="sm"/>
+                      <a:headEnd type="none" w="med" len="med"/>
+                      <a:tailEnd type="none" w="med" len="med"/>
                     </a:lnR>
                     <a:lnT w="9525" cap="flat" cmpd="sng">
                       <a:solidFill>
@@ -26871,7 +28260,7 @@
                 </a:tc>
                 <a:extLst>
                   <a:ext uri="{0D108BD9-81ED-4DB2-BD59-A6C34878D82A}">
-                    <a16:rowId xmlns:a16="http://schemas.microsoft.com/office/drawing/2014/main" val="10002"/>
+                    <a16:rowId xmlns:a16="http://schemas.microsoft.com/office/drawing/2014/main" val="1684663561"/>
                   </a:ext>
                 </a:extLst>
               </a:tr>
@@ -27085,14 +28474,14 @@
                       <a:headEnd type="none" w="sm" len="sm"/>
                       <a:tailEnd type="none" w="sm" len="sm"/>
                     </a:lnL>
-                    <a:lnR w="9525" cap="flat" cmpd="sng">
+                    <a:lnR w="12700" cap="flat" cmpd="sng" algn="ctr">
                       <a:solidFill>
-                        <a:schemeClr val="lt1"/>
+                        <a:schemeClr val="tx1"/>
                       </a:solidFill>
                       <a:prstDash val="solid"/>
                       <a:round/>
-                      <a:headEnd type="none" w="sm" len="sm"/>
-                      <a:tailEnd type="none" w="sm" len="sm"/>
+                      <a:headEnd type="none" w="med" len="med"/>
+                      <a:tailEnd type="none" w="med" len="med"/>
                     </a:lnR>
                     <a:lnT w="9525" cap="flat" cmpd="sng">
                       <a:solidFill>
@@ -27121,7 +28510,7 @@
                 </a:tc>
                 <a:extLst>
                   <a:ext uri="{0D108BD9-81ED-4DB2-BD59-A6C34878D82A}">
-                    <a16:rowId xmlns:a16="http://schemas.microsoft.com/office/drawing/2014/main" val="10003"/>
+                    <a16:rowId xmlns:a16="http://schemas.microsoft.com/office/drawing/2014/main" val="498995794"/>
                   </a:ext>
                 </a:extLst>
               </a:tr>
@@ -27129,1235 +28518,6 @@
           </a:graphicData>
         </a:graphic>
       </p:graphicFrame>
-      <p:sp>
-        <p:nvSpPr>
-          <p:cNvPr id="249" name="Google Shape;249;p24"/>
-          <p:cNvSpPr txBox="1">
-            <a:spLocks noGrp="1"/>
-          </p:cNvSpPr>
-          <p:nvPr>
-            <p:ph type="sldNum" idx="12"/>
-          </p:nvPr>
-        </p:nvSpPr>
-        <p:spPr>
-          <a:xfrm>
-            <a:off x="11493100" y="6173667"/>
-            <a:ext cx="698800" cy="684400"/>
-          </a:xfrm>
-          <a:prstGeom prst="rect">
-            <a:avLst/>
-          </a:prstGeom>
-        </p:spPr>
-        <p:txBody>
-          <a:bodyPr spcFirstLastPara="1" wrap="square" lIns="0" tIns="0" rIns="0" bIns="0" anchor="ctr" anchorCtr="0">
-            <a:noAutofit/>
-          </a:bodyPr>
-          <a:lstStyle/>
-          <a:p>
-            <a:fld id="{00000000-1234-1234-1234-123412341234}" type="slidenum">
-              <a:rPr lang="en">
-                <a:latin typeface="Segoe UI" panose="020B0502040204020203" pitchFamily="34" charset="0"/>
-                <a:cs typeface="Segoe UI" panose="020B0502040204020203" pitchFamily="34" charset="0"/>
-              </a:rPr>
-              <a:pPr/>
-              <a:t>4</a:t>
-            </a:fld>
-            <a:endParaRPr>
-              <a:latin typeface="Segoe UI" panose="020B0502040204020203" pitchFamily="34" charset="0"/>
-              <a:cs typeface="Segoe UI" panose="020B0502040204020203" pitchFamily="34" charset="0"/>
-            </a:endParaRPr>
-          </a:p>
-        </p:txBody>
-      </p:sp>
-      <p:grpSp>
-        <p:nvGrpSpPr>
-          <p:cNvPr id="14" name="Google Shape;1005;p47"/>
-          <p:cNvGrpSpPr/>
-          <p:nvPr/>
-        </p:nvGrpSpPr>
-        <p:grpSpPr>
-          <a:xfrm>
-            <a:off x="806880" y="1226528"/>
-            <a:ext cx="371564" cy="371543"/>
-            <a:chOff x="938891" y="4319400"/>
-            <a:chExt cx="442075" cy="442050"/>
-          </a:xfrm>
-        </p:grpSpPr>
-        <p:sp>
-          <p:nvSpPr>
-            <p:cNvPr id="15" name="Google Shape;1006;p47"/>
-            <p:cNvSpPr/>
-            <p:nvPr/>
-          </p:nvSpPr>
-          <p:spPr>
-            <a:xfrm>
-              <a:off x="938891" y="4319400"/>
-              <a:ext cx="442075" cy="442050"/>
-            </a:xfrm>
-            <a:custGeom>
-              <a:avLst/>
-              <a:gdLst/>
-              <a:ahLst/>
-              <a:cxnLst/>
-              <a:rect l="l" t="t" r="r" b="b"/>
-              <a:pathLst>
-                <a:path w="17683" h="17682" fill="none" extrusionOk="0">
-                  <a:moveTo>
-                    <a:pt x="11472" y="17292"/>
-                  </a:moveTo>
-                  <a:lnTo>
-                    <a:pt x="11472" y="12153"/>
-                  </a:lnTo>
-                  <a:lnTo>
-                    <a:pt x="16416" y="7209"/>
-                  </a:lnTo>
-                  <a:lnTo>
-                    <a:pt x="16416" y="7209"/>
-                  </a:lnTo>
-                  <a:lnTo>
-                    <a:pt x="16562" y="7063"/>
-                  </a:lnTo>
-                  <a:lnTo>
-                    <a:pt x="16684" y="6868"/>
-                  </a:lnTo>
-                  <a:lnTo>
-                    <a:pt x="16830" y="6674"/>
-                  </a:lnTo>
-                  <a:lnTo>
-                    <a:pt x="16927" y="6479"/>
-                  </a:lnTo>
-                  <a:lnTo>
-                    <a:pt x="17146" y="6040"/>
-                  </a:lnTo>
-                  <a:lnTo>
-                    <a:pt x="17317" y="5553"/>
-                  </a:lnTo>
-                  <a:lnTo>
-                    <a:pt x="17439" y="5042"/>
-                  </a:lnTo>
-                  <a:lnTo>
-                    <a:pt x="17560" y="4506"/>
-                  </a:lnTo>
-                  <a:lnTo>
-                    <a:pt x="17633" y="3970"/>
-                  </a:lnTo>
-                  <a:lnTo>
-                    <a:pt x="17658" y="3434"/>
-                  </a:lnTo>
-                  <a:lnTo>
-                    <a:pt x="17682" y="2898"/>
-                  </a:lnTo>
-                  <a:lnTo>
-                    <a:pt x="17682" y="2411"/>
-                  </a:lnTo>
-                  <a:lnTo>
-                    <a:pt x="17658" y="1949"/>
-                  </a:lnTo>
-                  <a:lnTo>
-                    <a:pt x="17609" y="1510"/>
-                  </a:lnTo>
-                  <a:lnTo>
-                    <a:pt x="17536" y="1145"/>
-                  </a:lnTo>
-                  <a:lnTo>
-                    <a:pt x="17463" y="828"/>
-                  </a:lnTo>
-                  <a:lnTo>
-                    <a:pt x="17366" y="585"/>
-                  </a:lnTo>
-                  <a:lnTo>
-                    <a:pt x="17292" y="487"/>
-                  </a:lnTo>
-                  <a:lnTo>
-                    <a:pt x="17244" y="439"/>
-                  </a:lnTo>
-                  <a:lnTo>
-                    <a:pt x="17244" y="439"/>
-                  </a:lnTo>
-                  <a:lnTo>
-                    <a:pt x="17195" y="390"/>
-                  </a:lnTo>
-                  <a:lnTo>
-                    <a:pt x="17098" y="317"/>
-                  </a:lnTo>
-                  <a:lnTo>
-                    <a:pt x="16854" y="219"/>
-                  </a:lnTo>
-                  <a:lnTo>
-                    <a:pt x="16537" y="146"/>
-                  </a:lnTo>
-                  <a:lnTo>
-                    <a:pt x="16172" y="73"/>
-                  </a:lnTo>
-                  <a:lnTo>
-                    <a:pt x="15734" y="25"/>
-                  </a:lnTo>
-                  <a:lnTo>
-                    <a:pt x="15271" y="0"/>
-                  </a:lnTo>
-                  <a:lnTo>
-                    <a:pt x="14784" y="0"/>
-                  </a:lnTo>
-                  <a:lnTo>
-                    <a:pt x="14248" y="25"/>
-                  </a:lnTo>
-                  <a:lnTo>
-                    <a:pt x="13712" y="49"/>
-                  </a:lnTo>
-                  <a:lnTo>
-                    <a:pt x="13176" y="122"/>
-                  </a:lnTo>
-                  <a:lnTo>
-                    <a:pt x="12641" y="244"/>
-                  </a:lnTo>
-                  <a:lnTo>
-                    <a:pt x="12129" y="366"/>
-                  </a:lnTo>
-                  <a:lnTo>
-                    <a:pt x="11642" y="536"/>
-                  </a:lnTo>
-                  <a:lnTo>
-                    <a:pt x="11204" y="755"/>
-                  </a:lnTo>
-                  <a:lnTo>
-                    <a:pt x="10985" y="853"/>
-                  </a:lnTo>
-                  <a:lnTo>
-                    <a:pt x="10814" y="999"/>
-                  </a:lnTo>
-                  <a:lnTo>
-                    <a:pt x="10619" y="1121"/>
-                  </a:lnTo>
-                  <a:lnTo>
-                    <a:pt x="10473" y="1267"/>
-                  </a:lnTo>
-                  <a:lnTo>
-                    <a:pt x="5529" y="6211"/>
-                  </a:lnTo>
-                  <a:lnTo>
-                    <a:pt x="390" y="6211"/>
-                  </a:lnTo>
-                  <a:lnTo>
-                    <a:pt x="390" y="6211"/>
-                  </a:lnTo>
-                  <a:lnTo>
-                    <a:pt x="244" y="6235"/>
-                  </a:lnTo>
-                  <a:lnTo>
-                    <a:pt x="147" y="6259"/>
-                  </a:lnTo>
-                  <a:lnTo>
-                    <a:pt x="49" y="6308"/>
-                  </a:lnTo>
-                  <a:lnTo>
-                    <a:pt x="0" y="6381"/>
-                  </a:lnTo>
-                  <a:lnTo>
-                    <a:pt x="0" y="6454"/>
-                  </a:lnTo>
-                  <a:lnTo>
-                    <a:pt x="25" y="6552"/>
-                  </a:lnTo>
-                  <a:lnTo>
-                    <a:pt x="74" y="6649"/>
-                  </a:lnTo>
-                  <a:lnTo>
-                    <a:pt x="171" y="6771"/>
-                  </a:lnTo>
-                  <a:lnTo>
-                    <a:pt x="2582" y="9158"/>
-                  </a:lnTo>
-                  <a:lnTo>
-                    <a:pt x="2265" y="9474"/>
-                  </a:lnTo>
-                  <a:lnTo>
-                    <a:pt x="950" y="9718"/>
-                  </a:lnTo>
-                  <a:lnTo>
-                    <a:pt x="950" y="9718"/>
-                  </a:lnTo>
-                  <a:lnTo>
-                    <a:pt x="804" y="9767"/>
-                  </a:lnTo>
-                  <a:lnTo>
-                    <a:pt x="682" y="9815"/>
-                  </a:lnTo>
-                  <a:lnTo>
-                    <a:pt x="609" y="9913"/>
-                  </a:lnTo>
-                  <a:lnTo>
-                    <a:pt x="561" y="9986"/>
-                  </a:lnTo>
-                  <a:lnTo>
-                    <a:pt x="561" y="10083"/>
-                  </a:lnTo>
-                  <a:lnTo>
-                    <a:pt x="585" y="10205"/>
-                  </a:lnTo>
-                  <a:lnTo>
-                    <a:pt x="634" y="10302"/>
-                  </a:lnTo>
-                  <a:lnTo>
-                    <a:pt x="731" y="10424"/>
-                  </a:lnTo>
-                  <a:lnTo>
-                    <a:pt x="7258" y="16951"/>
-                  </a:lnTo>
-                  <a:lnTo>
-                    <a:pt x="7258" y="16951"/>
-                  </a:lnTo>
-                  <a:lnTo>
-                    <a:pt x="7380" y="17049"/>
-                  </a:lnTo>
-                  <a:lnTo>
-                    <a:pt x="7477" y="17097"/>
-                  </a:lnTo>
-                  <a:lnTo>
-                    <a:pt x="7599" y="17122"/>
-                  </a:lnTo>
-                  <a:lnTo>
-                    <a:pt x="7697" y="17122"/>
-                  </a:lnTo>
-                  <a:lnTo>
-                    <a:pt x="7770" y="17073"/>
-                  </a:lnTo>
-                  <a:lnTo>
-                    <a:pt x="7867" y="17000"/>
-                  </a:lnTo>
-                  <a:lnTo>
-                    <a:pt x="7916" y="16878"/>
-                  </a:lnTo>
-                  <a:lnTo>
-                    <a:pt x="7965" y="16732"/>
-                  </a:lnTo>
-                  <a:lnTo>
-                    <a:pt x="8208" y="15417"/>
-                  </a:lnTo>
-                  <a:lnTo>
-                    <a:pt x="8525" y="15100"/>
-                  </a:lnTo>
-                  <a:lnTo>
-                    <a:pt x="10911" y="17511"/>
-                  </a:lnTo>
-                  <a:lnTo>
-                    <a:pt x="10911" y="17511"/>
-                  </a:lnTo>
-                  <a:lnTo>
-                    <a:pt x="11033" y="17609"/>
-                  </a:lnTo>
-                  <a:lnTo>
-                    <a:pt x="11131" y="17658"/>
-                  </a:lnTo>
-                  <a:lnTo>
-                    <a:pt x="11228" y="17682"/>
-                  </a:lnTo>
-                  <a:lnTo>
-                    <a:pt x="11301" y="17682"/>
-                  </a:lnTo>
-                  <a:lnTo>
-                    <a:pt x="11374" y="17633"/>
-                  </a:lnTo>
-                  <a:lnTo>
-                    <a:pt x="11423" y="17536"/>
-                  </a:lnTo>
-                  <a:lnTo>
-                    <a:pt x="11447" y="17438"/>
-                  </a:lnTo>
-                  <a:lnTo>
-                    <a:pt x="11472" y="17292"/>
-                  </a:lnTo>
-                  <a:lnTo>
-                    <a:pt x="11472" y="17292"/>
-                  </a:lnTo>
-                  <a:close/>
-                  <a:moveTo>
-                    <a:pt x="6162" y="12202"/>
-                  </a:moveTo>
-                  <a:lnTo>
-                    <a:pt x="6162" y="12202"/>
-                  </a:lnTo>
-                  <a:lnTo>
-                    <a:pt x="6089" y="12275"/>
-                  </a:lnTo>
-                  <a:lnTo>
-                    <a:pt x="6016" y="12324"/>
-                  </a:lnTo>
-                  <a:lnTo>
-                    <a:pt x="5919" y="12348"/>
-                  </a:lnTo>
-                  <a:lnTo>
-                    <a:pt x="5821" y="12348"/>
-                  </a:lnTo>
-                  <a:lnTo>
-                    <a:pt x="5724" y="12348"/>
-                  </a:lnTo>
-                  <a:lnTo>
-                    <a:pt x="5626" y="12324"/>
-                  </a:lnTo>
-                  <a:lnTo>
-                    <a:pt x="5553" y="12275"/>
-                  </a:lnTo>
-                  <a:lnTo>
-                    <a:pt x="5480" y="12202"/>
-                  </a:lnTo>
-                  <a:lnTo>
-                    <a:pt x="5480" y="12202"/>
-                  </a:lnTo>
-                  <a:lnTo>
-                    <a:pt x="5407" y="12129"/>
-                  </a:lnTo>
-                  <a:lnTo>
-                    <a:pt x="5359" y="12056"/>
-                  </a:lnTo>
-                  <a:lnTo>
-                    <a:pt x="5334" y="11959"/>
-                  </a:lnTo>
-                  <a:lnTo>
-                    <a:pt x="5334" y="11861"/>
-                  </a:lnTo>
-                  <a:lnTo>
-                    <a:pt x="5334" y="11764"/>
-                  </a:lnTo>
-                  <a:lnTo>
-                    <a:pt x="5359" y="11666"/>
-                  </a:lnTo>
-                  <a:lnTo>
-                    <a:pt x="5407" y="11593"/>
-                  </a:lnTo>
-                  <a:lnTo>
-                    <a:pt x="5480" y="11520"/>
-                  </a:lnTo>
-                  <a:lnTo>
-                    <a:pt x="8013" y="8987"/>
-                  </a:lnTo>
-                  <a:lnTo>
-                    <a:pt x="8013" y="8987"/>
-                  </a:lnTo>
-                  <a:lnTo>
-                    <a:pt x="8086" y="8939"/>
-                  </a:lnTo>
-                  <a:lnTo>
-                    <a:pt x="8159" y="8890"/>
-                  </a:lnTo>
-                  <a:lnTo>
-                    <a:pt x="8257" y="8865"/>
-                  </a:lnTo>
-                  <a:lnTo>
-                    <a:pt x="8354" y="8841"/>
-                  </a:lnTo>
-                  <a:lnTo>
-                    <a:pt x="8452" y="8865"/>
-                  </a:lnTo>
-                  <a:lnTo>
-                    <a:pt x="8525" y="8890"/>
-                  </a:lnTo>
-                  <a:lnTo>
-                    <a:pt x="8622" y="8939"/>
-                  </a:lnTo>
-                  <a:lnTo>
-                    <a:pt x="8695" y="8987"/>
-                  </a:lnTo>
-                  <a:lnTo>
-                    <a:pt x="8695" y="8987"/>
-                  </a:lnTo>
-                  <a:lnTo>
-                    <a:pt x="8744" y="9060"/>
-                  </a:lnTo>
-                  <a:lnTo>
-                    <a:pt x="8793" y="9158"/>
-                  </a:lnTo>
-                  <a:lnTo>
-                    <a:pt x="8817" y="9231"/>
-                  </a:lnTo>
-                  <a:lnTo>
-                    <a:pt x="8841" y="9328"/>
-                  </a:lnTo>
-                  <a:lnTo>
-                    <a:pt x="8817" y="9426"/>
-                  </a:lnTo>
-                  <a:lnTo>
-                    <a:pt x="8793" y="9523"/>
-                  </a:lnTo>
-                  <a:lnTo>
-                    <a:pt x="8744" y="9596"/>
-                  </a:lnTo>
-                  <a:lnTo>
-                    <a:pt x="8695" y="9669"/>
-                  </a:lnTo>
-                  <a:lnTo>
-                    <a:pt x="6162" y="12202"/>
-                  </a:lnTo>
-                  <a:close/>
-                  <a:moveTo>
-                    <a:pt x="13396" y="7307"/>
-                  </a:moveTo>
-                  <a:lnTo>
-                    <a:pt x="13396" y="7307"/>
-                  </a:lnTo>
-                  <a:lnTo>
-                    <a:pt x="13274" y="7404"/>
-                  </a:lnTo>
-                  <a:lnTo>
-                    <a:pt x="13152" y="7477"/>
-                  </a:lnTo>
-                  <a:lnTo>
-                    <a:pt x="13006" y="7526"/>
-                  </a:lnTo>
-                  <a:lnTo>
-                    <a:pt x="12836" y="7550"/>
-                  </a:lnTo>
-                  <a:lnTo>
-                    <a:pt x="12689" y="7526"/>
-                  </a:lnTo>
-                  <a:lnTo>
-                    <a:pt x="12543" y="7477"/>
-                  </a:lnTo>
-                  <a:lnTo>
-                    <a:pt x="12421" y="7404"/>
-                  </a:lnTo>
-                  <a:lnTo>
-                    <a:pt x="12300" y="7307"/>
-                  </a:lnTo>
-                  <a:lnTo>
-                    <a:pt x="10376" y="5383"/>
-                  </a:lnTo>
-                  <a:lnTo>
-                    <a:pt x="10376" y="5383"/>
-                  </a:lnTo>
-                  <a:lnTo>
-                    <a:pt x="10278" y="5261"/>
-                  </a:lnTo>
-                  <a:lnTo>
-                    <a:pt x="10205" y="5139"/>
-                  </a:lnTo>
-                  <a:lnTo>
-                    <a:pt x="10156" y="4993"/>
-                  </a:lnTo>
-                  <a:lnTo>
-                    <a:pt x="10132" y="4847"/>
-                  </a:lnTo>
-                  <a:lnTo>
-                    <a:pt x="10156" y="4676"/>
-                  </a:lnTo>
-                  <a:lnTo>
-                    <a:pt x="10205" y="4530"/>
-                  </a:lnTo>
-                  <a:lnTo>
-                    <a:pt x="10278" y="4408"/>
-                  </a:lnTo>
-                  <a:lnTo>
-                    <a:pt x="10376" y="4287"/>
-                  </a:lnTo>
-                  <a:lnTo>
-                    <a:pt x="10376" y="4287"/>
-                  </a:lnTo>
-                  <a:lnTo>
-                    <a:pt x="11326" y="3313"/>
-                  </a:lnTo>
-                  <a:lnTo>
-                    <a:pt x="11326" y="3313"/>
-                  </a:lnTo>
-                  <a:lnTo>
-                    <a:pt x="11496" y="3166"/>
-                  </a:lnTo>
-                  <a:lnTo>
-                    <a:pt x="11666" y="3045"/>
-                  </a:lnTo>
-                  <a:lnTo>
-                    <a:pt x="11861" y="2947"/>
-                  </a:lnTo>
-                  <a:lnTo>
-                    <a:pt x="12032" y="2850"/>
-                  </a:lnTo>
-                  <a:lnTo>
-                    <a:pt x="12227" y="2777"/>
-                  </a:lnTo>
-                  <a:lnTo>
-                    <a:pt x="12446" y="2728"/>
-                  </a:lnTo>
-                  <a:lnTo>
-                    <a:pt x="12641" y="2704"/>
-                  </a:lnTo>
-                  <a:lnTo>
-                    <a:pt x="12836" y="2704"/>
-                  </a:lnTo>
-                  <a:lnTo>
-                    <a:pt x="13055" y="2704"/>
-                  </a:lnTo>
-                  <a:lnTo>
-                    <a:pt x="13250" y="2728"/>
-                  </a:lnTo>
-                  <a:lnTo>
-                    <a:pt x="13469" y="2777"/>
-                  </a:lnTo>
-                  <a:lnTo>
-                    <a:pt x="13664" y="2850"/>
-                  </a:lnTo>
-                  <a:lnTo>
-                    <a:pt x="13834" y="2947"/>
-                  </a:lnTo>
-                  <a:lnTo>
-                    <a:pt x="14029" y="3045"/>
-                  </a:lnTo>
-                  <a:lnTo>
-                    <a:pt x="14199" y="3166"/>
-                  </a:lnTo>
-                  <a:lnTo>
-                    <a:pt x="14370" y="3313"/>
-                  </a:lnTo>
-                  <a:lnTo>
-                    <a:pt x="14370" y="3313"/>
-                  </a:lnTo>
-                  <a:lnTo>
-                    <a:pt x="14516" y="3483"/>
-                  </a:lnTo>
-                  <a:lnTo>
-                    <a:pt x="14638" y="3653"/>
-                  </a:lnTo>
-                  <a:lnTo>
-                    <a:pt x="14735" y="3848"/>
-                  </a:lnTo>
-                  <a:lnTo>
-                    <a:pt x="14833" y="4019"/>
-                  </a:lnTo>
-                  <a:lnTo>
-                    <a:pt x="14906" y="4214"/>
-                  </a:lnTo>
-                  <a:lnTo>
-                    <a:pt x="14954" y="4433"/>
-                  </a:lnTo>
-                  <a:lnTo>
-                    <a:pt x="14979" y="4628"/>
-                  </a:lnTo>
-                  <a:lnTo>
-                    <a:pt x="14979" y="4847"/>
-                  </a:lnTo>
-                  <a:lnTo>
-                    <a:pt x="14979" y="5042"/>
-                  </a:lnTo>
-                  <a:lnTo>
-                    <a:pt x="14954" y="5237"/>
-                  </a:lnTo>
-                  <a:lnTo>
-                    <a:pt x="14906" y="5456"/>
-                  </a:lnTo>
-                  <a:lnTo>
-                    <a:pt x="14833" y="5651"/>
-                  </a:lnTo>
-                  <a:lnTo>
-                    <a:pt x="14735" y="5821"/>
-                  </a:lnTo>
-                  <a:lnTo>
-                    <a:pt x="14638" y="6016"/>
-                  </a:lnTo>
-                  <a:lnTo>
-                    <a:pt x="14516" y="6186"/>
-                  </a:lnTo>
-                  <a:lnTo>
-                    <a:pt x="14370" y="6357"/>
-                  </a:lnTo>
-                  <a:lnTo>
-                    <a:pt x="14370" y="6357"/>
-                  </a:lnTo>
-                  <a:lnTo>
-                    <a:pt x="13396" y="7307"/>
-                  </a:lnTo>
-                  <a:lnTo>
-                    <a:pt x="13396" y="7307"/>
-                  </a:lnTo>
-                  <a:close/>
-                </a:path>
-              </a:pathLst>
-            </a:custGeom>
-            <a:noFill/>
-            <a:ln w="9525" cap="rnd" cmpd="sng">
-              <a:solidFill>
-                <a:schemeClr val="accent4"/>
-              </a:solidFill>
-              <a:prstDash val="solid"/>
-              <a:round/>
-              <a:headEnd type="none" w="sm" len="sm"/>
-              <a:tailEnd type="none" w="sm" len="sm"/>
-            </a:ln>
-          </p:spPr>
-          <p:txBody>
-            <a:bodyPr spcFirstLastPara="1" wrap="square" lIns="91425" tIns="91425" rIns="91425" bIns="91425" anchor="ctr" anchorCtr="0">
-              <a:noAutofit/>
-            </a:bodyPr>
-            <a:lstStyle/>
-            <a:p>
-              <a:pPr marL="0" lvl="0" indent="0" algn="l" rtl="0">
-                <a:spcBef>
-                  <a:spcPts val="0"/>
-                </a:spcBef>
-                <a:spcAft>
-                  <a:spcPts val="0"/>
-                </a:spcAft>
-                <a:buNone/>
-              </a:pPr>
-              <a:endParaRPr>
-                <a:latin typeface="Segoe UI" panose="020B0502040204020203" pitchFamily="34" charset="0"/>
-                <a:cs typeface="Segoe UI" panose="020B0502040204020203" pitchFamily="34" charset="0"/>
-              </a:endParaRPr>
-            </a:p>
-          </p:txBody>
-        </p:sp>
-        <p:sp>
-          <p:nvSpPr>
-            <p:cNvPr id="16" name="Google Shape;1007;p47"/>
-            <p:cNvSpPr/>
-            <p:nvPr/>
-          </p:nvSpPr>
-          <p:spPr>
-            <a:xfrm>
-              <a:off x="958366" y="4668875"/>
-              <a:ext cx="73100" cy="73100"/>
-            </a:xfrm>
-            <a:custGeom>
-              <a:avLst/>
-              <a:gdLst/>
-              <a:ahLst/>
-              <a:cxnLst/>
-              <a:rect l="l" t="t" r="r" b="b"/>
-              <a:pathLst>
-                <a:path w="2924" h="2924" fill="none" extrusionOk="0">
-                  <a:moveTo>
-                    <a:pt x="2656" y="269"/>
-                  </a:moveTo>
-                  <a:lnTo>
-                    <a:pt x="2656" y="269"/>
-                  </a:lnTo>
-                  <a:lnTo>
-                    <a:pt x="2509" y="147"/>
-                  </a:lnTo>
-                  <a:lnTo>
-                    <a:pt x="2363" y="74"/>
-                  </a:lnTo>
-                  <a:lnTo>
-                    <a:pt x="2193" y="25"/>
-                  </a:lnTo>
-                  <a:lnTo>
-                    <a:pt x="2022" y="1"/>
-                  </a:lnTo>
-                  <a:lnTo>
-                    <a:pt x="1852" y="25"/>
-                  </a:lnTo>
-                  <a:lnTo>
-                    <a:pt x="1681" y="74"/>
-                  </a:lnTo>
-                  <a:lnTo>
-                    <a:pt x="1511" y="147"/>
-                  </a:lnTo>
-                  <a:lnTo>
-                    <a:pt x="1365" y="269"/>
-                  </a:lnTo>
-                  <a:lnTo>
-                    <a:pt x="1365" y="269"/>
-                  </a:lnTo>
-                  <a:lnTo>
-                    <a:pt x="1219" y="488"/>
-                  </a:lnTo>
-                  <a:lnTo>
-                    <a:pt x="999" y="829"/>
-                  </a:lnTo>
-                  <a:lnTo>
-                    <a:pt x="561" y="1730"/>
-                  </a:lnTo>
-                  <a:lnTo>
-                    <a:pt x="171" y="2558"/>
-                  </a:lnTo>
-                  <a:lnTo>
-                    <a:pt x="1" y="2924"/>
-                  </a:lnTo>
-                  <a:lnTo>
-                    <a:pt x="1" y="2924"/>
-                  </a:lnTo>
-                  <a:lnTo>
-                    <a:pt x="366" y="2753"/>
-                  </a:lnTo>
-                  <a:lnTo>
-                    <a:pt x="1194" y="2363"/>
-                  </a:lnTo>
-                  <a:lnTo>
-                    <a:pt x="2095" y="1925"/>
-                  </a:lnTo>
-                  <a:lnTo>
-                    <a:pt x="2436" y="1706"/>
-                  </a:lnTo>
-                  <a:lnTo>
-                    <a:pt x="2656" y="1560"/>
-                  </a:lnTo>
-                  <a:lnTo>
-                    <a:pt x="2656" y="1560"/>
-                  </a:lnTo>
-                  <a:lnTo>
-                    <a:pt x="2777" y="1414"/>
-                  </a:lnTo>
-                  <a:lnTo>
-                    <a:pt x="2850" y="1243"/>
-                  </a:lnTo>
-                  <a:lnTo>
-                    <a:pt x="2899" y="1073"/>
-                  </a:lnTo>
-                  <a:lnTo>
-                    <a:pt x="2923" y="902"/>
-                  </a:lnTo>
-                  <a:lnTo>
-                    <a:pt x="2899" y="732"/>
-                  </a:lnTo>
-                  <a:lnTo>
-                    <a:pt x="2850" y="561"/>
-                  </a:lnTo>
-                  <a:lnTo>
-                    <a:pt x="2777" y="415"/>
-                  </a:lnTo>
-                  <a:lnTo>
-                    <a:pt x="2656" y="269"/>
-                  </a:lnTo>
-                  <a:lnTo>
-                    <a:pt x="2656" y="269"/>
-                  </a:lnTo>
-                  <a:close/>
-                </a:path>
-              </a:pathLst>
-            </a:custGeom>
-            <a:noFill/>
-            <a:ln w="9525" cap="rnd" cmpd="sng">
-              <a:solidFill>
-                <a:schemeClr val="accent4"/>
-              </a:solidFill>
-              <a:prstDash val="solid"/>
-              <a:round/>
-              <a:headEnd type="none" w="sm" len="sm"/>
-              <a:tailEnd type="none" w="sm" len="sm"/>
-            </a:ln>
-          </p:spPr>
-          <p:txBody>
-            <a:bodyPr spcFirstLastPara="1" wrap="square" lIns="91425" tIns="91425" rIns="91425" bIns="91425" anchor="ctr" anchorCtr="0">
-              <a:noAutofit/>
-            </a:bodyPr>
-            <a:lstStyle/>
-            <a:p>
-              <a:pPr marL="0" lvl="0" indent="0" algn="l" rtl="0">
-                <a:spcBef>
-                  <a:spcPts val="0"/>
-                </a:spcBef>
-                <a:spcAft>
-                  <a:spcPts val="0"/>
-                </a:spcAft>
-                <a:buNone/>
-              </a:pPr>
-              <a:endParaRPr>
-                <a:latin typeface="Segoe UI" panose="020B0502040204020203" pitchFamily="34" charset="0"/>
-                <a:cs typeface="Segoe UI" panose="020B0502040204020203" pitchFamily="34" charset="0"/>
-              </a:endParaRPr>
-            </a:p>
-          </p:txBody>
-        </p:sp>
-        <p:sp>
-          <p:nvSpPr>
-            <p:cNvPr id="17" name="Google Shape;1008;p47"/>
-            <p:cNvSpPr/>
-            <p:nvPr/>
-          </p:nvSpPr>
-          <p:spPr>
-            <a:xfrm>
-              <a:off x="1014991" y="4711500"/>
-              <a:ext cx="46925" cy="46925"/>
-            </a:xfrm>
-            <a:custGeom>
-              <a:avLst/>
-              <a:gdLst/>
-              <a:ahLst/>
-              <a:cxnLst/>
-              <a:rect l="l" t="t" r="r" b="b"/>
-              <a:pathLst>
-                <a:path w="1877" h="1877" fill="none" extrusionOk="0">
-                  <a:moveTo>
-                    <a:pt x="1657" y="244"/>
-                  </a:moveTo>
-                  <a:lnTo>
-                    <a:pt x="1657" y="244"/>
-                  </a:lnTo>
-                  <a:lnTo>
-                    <a:pt x="1535" y="147"/>
-                  </a:lnTo>
-                  <a:lnTo>
-                    <a:pt x="1413" y="74"/>
-                  </a:lnTo>
-                  <a:lnTo>
-                    <a:pt x="1267" y="25"/>
-                  </a:lnTo>
-                  <a:lnTo>
-                    <a:pt x="1121" y="1"/>
-                  </a:lnTo>
-                  <a:lnTo>
-                    <a:pt x="975" y="25"/>
-                  </a:lnTo>
-                  <a:lnTo>
-                    <a:pt x="829" y="74"/>
-                  </a:lnTo>
-                  <a:lnTo>
-                    <a:pt x="707" y="147"/>
-                  </a:lnTo>
-                  <a:lnTo>
-                    <a:pt x="585" y="244"/>
-                  </a:lnTo>
-                  <a:lnTo>
-                    <a:pt x="585" y="244"/>
-                  </a:lnTo>
-                  <a:lnTo>
-                    <a:pt x="464" y="391"/>
-                  </a:lnTo>
-                  <a:lnTo>
-                    <a:pt x="366" y="610"/>
-                  </a:lnTo>
-                  <a:lnTo>
-                    <a:pt x="269" y="878"/>
-                  </a:lnTo>
-                  <a:lnTo>
-                    <a:pt x="171" y="1170"/>
-                  </a:lnTo>
-                  <a:lnTo>
-                    <a:pt x="50" y="1681"/>
-                  </a:lnTo>
-                  <a:lnTo>
-                    <a:pt x="1" y="1876"/>
-                  </a:lnTo>
-                  <a:lnTo>
-                    <a:pt x="1" y="1876"/>
-                  </a:lnTo>
-                  <a:lnTo>
-                    <a:pt x="220" y="1852"/>
-                  </a:lnTo>
-                  <a:lnTo>
-                    <a:pt x="731" y="1706"/>
-                  </a:lnTo>
-                  <a:lnTo>
-                    <a:pt x="999" y="1633"/>
-                  </a:lnTo>
-                  <a:lnTo>
-                    <a:pt x="1267" y="1535"/>
-                  </a:lnTo>
-                  <a:lnTo>
-                    <a:pt x="1511" y="1413"/>
-                  </a:lnTo>
-                  <a:lnTo>
-                    <a:pt x="1657" y="1316"/>
-                  </a:lnTo>
-                  <a:lnTo>
-                    <a:pt x="1657" y="1316"/>
-                  </a:lnTo>
-                  <a:lnTo>
-                    <a:pt x="1754" y="1194"/>
-                  </a:lnTo>
-                  <a:lnTo>
-                    <a:pt x="1827" y="1048"/>
-                  </a:lnTo>
-                  <a:lnTo>
-                    <a:pt x="1876" y="926"/>
-                  </a:lnTo>
-                  <a:lnTo>
-                    <a:pt x="1876" y="780"/>
-                  </a:lnTo>
-                  <a:lnTo>
-                    <a:pt x="1876" y="634"/>
-                  </a:lnTo>
-                  <a:lnTo>
-                    <a:pt x="1827" y="488"/>
-                  </a:lnTo>
-                  <a:lnTo>
-                    <a:pt x="1754" y="366"/>
-                  </a:lnTo>
-                  <a:lnTo>
-                    <a:pt x="1657" y="244"/>
-                  </a:lnTo>
-                  <a:lnTo>
-                    <a:pt x="1657" y="244"/>
-                  </a:lnTo>
-                  <a:close/>
-                </a:path>
-              </a:pathLst>
-            </a:custGeom>
-            <a:noFill/>
-            <a:ln w="9525" cap="rnd" cmpd="sng">
-              <a:solidFill>
-                <a:schemeClr val="accent4"/>
-              </a:solidFill>
-              <a:prstDash val="solid"/>
-              <a:round/>
-              <a:headEnd type="none" w="sm" len="sm"/>
-              <a:tailEnd type="none" w="sm" len="sm"/>
-            </a:ln>
-          </p:spPr>
-          <p:txBody>
-            <a:bodyPr spcFirstLastPara="1" wrap="square" lIns="91425" tIns="91425" rIns="91425" bIns="91425" anchor="ctr" anchorCtr="0">
-              <a:noAutofit/>
-            </a:bodyPr>
-            <a:lstStyle/>
-            <a:p>
-              <a:pPr marL="0" lvl="0" indent="0" algn="l" rtl="0">
-                <a:spcBef>
-                  <a:spcPts val="0"/>
-                </a:spcBef>
-                <a:spcAft>
-                  <a:spcPts val="0"/>
-                </a:spcAft>
-                <a:buNone/>
-              </a:pPr>
-              <a:endParaRPr>
-                <a:latin typeface="Segoe UI" panose="020B0502040204020203" pitchFamily="34" charset="0"/>
-                <a:cs typeface="Segoe UI" panose="020B0502040204020203" pitchFamily="34" charset="0"/>
-              </a:endParaRPr>
-            </a:p>
-          </p:txBody>
-        </p:sp>
-        <p:sp>
-          <p:nvSpPr>
-            <p:cNvPr id="18" name="Google Shape;1009;p47"/>
-            <p:cNvSpPr/>
-            <p:nvPr/>
-          </p:nvSpPr>
-          <p:spPr>
-            <a:xfrm>
-              <a:off x="941941" y="4638450"/>
-              <a:ext cx="46900" cy="46900"/>
-            </a:xfrm>
-            <a:custGeom>
-              <a:avLst/>
-              <a:gdLst/>
-              <a:ahLst/>
-              <a:cxnLst/>
-              <a:rect l="l" t="t" r="r" b="b"/>
-              <a:pathLst>
-                <a:path w="1876" h="1876" fill="none" extrusionOk="0">
-                  <a:moveTo>
-                    <a:pt x="1632" y="219"/>
-                  </a:moveTo>
-                  <a:lnTo>
-                    <a:pt x="1632" y="219"/>
-                  </a:lnTo>
-                  <a:lnTo>
-                    <a:pt x="1510" y="122"/>
-                  </a:lnTo>
-                  <a:lnTo>
-                    <a:pt x="1388" y="49"/>
-                  </a:lnTo>
-                  <a:lnTo>
-                    <a:pt x="1242" y="0"/>
-                  </a:lnTo>
-                  <a:lnTo>
-                    <a:pt x="1096" y="0"/>
-                  </a:lnTo>
-                  <a:lnTo>
-                    <a:pt x="950" y="0"/>
-                  </a:lnTo>
-                  <a:lnTo>
-                    <a:pt x="828" y="49"/>
-                  </a:lnTo>
-                  <a:lnTo>
-                    <a:pt x="682" y="122"/>
-                  </a:lnTo>
-                  <a:lnTo>
-                    <a:pt x="560" y="219"/>
-                  </a:lnTo>
-                  <a:lnTo>
-                    <a:pt x="560" y="219"/>
-                  </a:lnTo>
-                  <a:lnTo>
-                    <a:pt x="463" y="366"/>
-                  </a:lnTo>
-                  <a:lnTo>
-                    <a:pt x="341" y="609"/>
-                  </a:lnTo>
-                  <a:lnTo>
-                    <a:pt x="244" y="877"/>
-                  </a:lnTo>
-                  <a:lnTo>
-                    <a:pt x="171" y="1145"/>
-                  </a:lnTo>
-                  <a:lnTo>
-                    <a:pt x="25" y="1656"/>
-                  </a:lnTo>
-                  <a:lnTo>
-                    <a:pt x="0" y="1876"/>
-                  </a:lnTo>
-                  <a:lnTo>
-                    <a:pt x="0" y="1876"/>
-                  </a:lnTo>
-                  <a:lnTo>
-                    <a:pt x="195" y="1827"/>
-                  </a:lnTo>
-                  <a:lnTo>
-                    <a:pt x="707" y="1705"/>
-                  </a:lnTo>
-                  <a:lnTo>
-                    <a:pt x="999" y="1608"/>
-                  </a:lnTo>
-                  <a:lnTo>
-                    <a:pt x="1267" y="1510"/>
-                  </a:lnTo>
-                  <a:lnTo>
-                    <a:pt x="1486" y="1413"/>
-                  </a:lnTo>
-                  <a:lnTo>
-                    <a:pt x="1632" y="1291"/>
-                  </a:lnTo>
-                  <a:lnTo>
-                    <a:pt x="1632" y="1291"/>
-                  </a:lnTo>
-                  <a:lnTo>
-                    <a:pt x="1729" y="1169"/>
-                  </a:lnTo>
-                  <a:lnTo>
-                    <a:pt x="1802" y="1048"/>
-                  </a:lnTo>
-                  <a:lnTo>
-                    <a:pt x="1851" y="901"/>
-                  </a:lnTo>
-                  <a:lnTo>
-                    <a:pt x="1876" y="755"/>
-                  </a:lnTo>
-                  <a:lnTo>
-                    <a:pt x="1851" y="609"/>
-                  </a:lnTo>
-                  <a:lnTo>
-                    <a:pt x="1802" y="463"/>
-                  </a:lnTo>
-                  <a:lnTo>
-                    <a:pt x="1729" y="341"/>
-                  </a:lnTo>
-                  <a:lnTo>
-                    <a:pt x="1632" y="219"/>
-                  </a:lnTo>
-                  <a:lnTo>
-                    <a:pt x="1632" y="219"/>
-                  </a:lnTo>
-                  <a:close/>
-                </a:path>
-              </a:pathLst>
-            </a:custGeom>
-            <a:noFill/>
-            <a:ln w="9525" cap="rnd" cmpd="sng">
-              <a:solidFill>
-                <a:schemeClr val="accent4"/>
-              </a:solidFill>
-              <a:prstDash val="solid"/>
-              <a:round/>
-              <a:headEnd type="none" w="sm" len="sm"/>
-              <a:tailEnd type="none" w="sm" len="sm"/>
-            </a:ln>
-          </p:spPr>
-          <p:txBody>
-            <a:bodyPr spcFirstLastPara="1" wrap="square" lIns="91425" tIns="91425" rIns="91425" bIns="91425" anchor="ctr" anchorCtr="0">
-              <a:noAutofit/>
-            </a:bodyPr>
-            <a:lstStyle/>
-            <a:p>
-              <a:pPr marL="0" lvl="0" indent="0" algn="l" rtl="0">
-                <a:spcBef>
-                  <a:spcPts val="0"/>
-                </a:spcBef>
-                <a:spcAft>
-                  <a:spcPts val="0"/>
-                </a:spcAft>
-                <a:buNone/>
-              </a:pPr>
-              <a:endParaRPr>
-                <a:latin typeface="Segoe UI" panose="020B0502040204020203" pitchFamily="34" charset="0"/>
-                <a:cs typeface="Segoe UI" panose="020B0502040204020203" pitchFamily="34" charset="0"/>
-              </a:endParaRPr>
-            </a:p>
-          </p:txBody>
-        </p:sp>
-      </p:grpSp>
-      <p:sp>
-        <p:nvSpPr>
-          <p:cNvPr id="2" name="TextBox 1"/>
-          <p:cNvSpPr txBox="1"/>
-          <p:nvPr/>
-        </p:nvSpPr>
-        <p:spPr>
-          <a:xfrm>
-            <a:off x="1392633" y="2006600"/>
-            <a:ext cx="9313467" cy="1077218"/>
-          </a:xfrm>
-          <a:prstGeom prst="rect">
-            <a:avLst/>
-          </a:prstGeom>
-          <a:noFill/>
-        </p:spPr>
-        <p:txBody>
-          <a:bodyPr wrap="square" rtlCol="0">
-            <a:spAutoFit/>
-          </a:bodyPr>
-          <a:lstStyle/>
-          <a:p>
-            <a:r>
-              <a:rPr lang="en-US" sz="1600" dirty="0">
-                <a:solidFill>
-                  <a:schemeClr val="dk1"/>
-                </a:solidFill>
-                <a:latin typeface="Segoe UI" panose="020B0502040204020203" pitchFamily="34" charset="0"/>
-                <a:ea typeface="Red Hat Text"/>
-                <a:cs typeface="Segoe UI" panose="020B0502040204020203" pitchFamily="34" charset="0"/>
-                <a:sym typeface="Red Hat Text"/>
-              </a:rPr>
-              <a:t>Bob is writing a search algorithm for Elon Musk’s. Its algorithm will work when the rocket flies up to the moon, and will help calculate the landing </a:t>
-            </a:r>
-            <a:r>
-              <a:rPr lang="en-US" sz="1600" dirty="0" smtClean="0">
-                <a:solidFill>
-                  <a:schemeClr val="dk1"/>
-                </a:solidFill>
-                <a:latin typeface="Segoe UI" panose="020B0502040204020203" pitchFamily="34" charset="0"/>
-                <a:ea typeface="Red Hat Text"/>
-                <a:cs typeface="Segoe UI" panose="020B0502040204020203" pitchFamily="34" charset="0"/>
-                <a:sym typeface="Red Hat Text"/>
-              </a:rPr>
-              <a:t>point. </a:t>
-            </a:r>
-            <a:r>
-              <a:rPr lang="en-US" sz="1600" dirty="0" smtClean="0">
-                <a:solidFill>
-                  <a:srgbClr val="7030A0"/>
-                </a:solidFill>
-                <a:latin typeface="Segoe UI" panose="020B0502040204020203" pitchFamily="34" charset="0"/>
-                <a:ea typeface="Red Hat Text"/>
-                <a:cs typeface="Segoe UI" panose="020B0502040204020203" pitchFamily="34" charset="0"/>
-                <a:sym typeface="Red Hat Text"/>
-              </a:rPr>
-              <a:t>Let's </a:t>
-            </a:r>
-            <a:r>
-              <a:rPr lang="en-US" sz="1600" dirty="0">
-                <a:solidFill>
-                  <a:srgbClr val="7030A0"/>
-                </a:solidFill>
-                <a:latin typeface="Segoe UI" panose="020B0502040204020203" pitchFamily="34" charset="0"/>
-                <a:ea typeface="Red Hat Text"/>
-                <a:cs typeface="Segoe UI" panose="020B0502040204020203" pitchFamily="34" charset="0"/>
-                <a:sym typeface="Red Hat Text"/>
-              </a:rPr>
-              <a:t>say it takes 1 millisecond to check one item</a:t>
-            </a:r>
-          </a:p>
-          <a:p>
-            <a:r>
-              <a:rPr lang="en-US" sz="1600" dirty="0">
-                <a:solidFill>
-                  <a:schemeClr val="dk1"/>
-                </a:solidFill>
-                <a:latin typeface="Segoe UI" panose="020B0502040204020203" pitchFamily="34" charset="0"/>
-                <a:ea typeface="Red Hat Text"/>
-                <a:cs typeface="Segoe UI" panose="020B0502040204020203" pitchFamily="34" charset="0"/>
-                <a:sym typeface="Red Hat Text"/>
-              </a:rPr>
-              <a:t>Bob has only 10 seconds to choose a landing site, if it does not meet this time, then the moment for landing will be missed</a:t>
-            </a:r>
-          </a:p>
-        </p:txBody>
-      </p:sp>
     </p:spTree>
     <p:extLst>
       <p:ext uri="{BB962C8B-B14F-4D97-AF65-F5344CB8AC3E}">
@@ -28371,7 +28531,129 @@
   <p:timing>
     <p:tnLst>
       <p:par>
-        <p:cTn id="1" dur="indefinite" restart="never" nodeType="tmRoot"/>
+        <p:cTn id="1" dur="indefinite" restart="never" nodeType="tmRoot">
+          <p:childTnLst>
+            <p:seq concurrent="1" nextAc="seek">
+              <p:cTn id="2" dur="indefinite" nodeType="mainSeq">
+                <p:childTnLst>
+                  <p:par>
+                    <p:cTn id="3" fill="hold">
+                      <p:stCondLst>
+                        <p:cond delay="indefinite"/>
+                      </p:stCondLst>
+                      <p:childTnLst>
+                        <p:par>
+                          <p:cTn id="4" fill="hold">
+                            <p:stCondLst>
+                              <p:cond delay="0"/>
+                            </p:stCondLst>
+                            <p:childTnLst>
+                              <p:par>
+                                <p:cTn id="5" presetID="42" presetClass="entr" presetSubtype="0" fill="hold" nodeType="clickEffect">
+                                  <p:stCondLst>
+                                    <p:cond delay="0"/>
+                                  </p:stCondLst>
+                                  <p:childTnLst>
+                                    <p:set>
+                                      <p:cBhvr>
+                                        <p:cTn id="6" dur="1" fill="hold">
+                                          <p:stCondLst>
+                                            <p:cond delay="0"/>
+                                          </p:stCondLst>
+                                        </p:cTn>
+                                        <p:tgtEl>
+                                          <p:spTgt spid="3"/>
+                                        </p:tgtEl>
+                                        <p:attrNameLst>
+                                          <p:attrName>style.visibility</p:attrName>
+                                        </p:attrNameLst>
+                                      </p:cBhvr>
+                                      <p:to>
+                                        <p:strVal val="visible"/>
+                                      </p:to>
+                                    </p:set>
+                                    <p:animEffect transition="in" filter="fade">
+                                      <p:cBhvr>
+                                        <p:cTn id="7" dur="1000"/>
+                                        <p:tgtEl>
+                                          <p:spTgt spid="3"/>
+                                        </p:tgtEl>
+                                      </p:cBhvr>
+                                    </p:animEffect>
+                                    <p:anim calcmode="lin" valueType="num">
+                                      <p:cBhvr>
+                                        <p:cTn id="8" dur="1000" fill="hold"/>
+                                        <p:tgtEl>
+                                          <p:spTgt spid="3"/>
+                                        </p:tgtEl>
+                                        <p:attrNameLst>
+                                          <p:attrName>ppt_x</p:attrName>
+                                        </p:attrNameLst>
+                                      </p:cBhvr>
+                                      <p:tavLst>
+                                        <p:tav tm="0">
+                                          <p:val>
+                                            <p:strVal val="#ppt_x"/>
+                                          </p:val>
+                                        </p:tav>
+                                        <p:tav tm="100000">
+                                          <p:val>
+                                            <p:strVal val="#ppt_x"/>
+                                          </p:val>
+                                        </p:tav>
+                                      </p:tavLst>
+                                    </p:anim>
+                                    <p:anim calcmode="lin" valueType="num">
+                                      <p:cBhvr>
+                                        <p:cTn id="9" dur="1000" fill="hold"/>
+                                        <p:tgtEl>
+                                          <p:spTgt spid="3"/>
+                                        </p:tgtEl>
+                                        <p:attrNameLst>
+                                          <p:attrName>ppt_y</p:attrName>
+                                        </p:attrNameLst>
+                                      </p:cBhvr>
+                                      <p:tavLst>
+                                        <p:tav tm="0">
+                                          <p:val>
+                                            <p:strVal val="#ppt_y+.1"/>
+                                          </p:val>
+                                        </p:tav>
+                                        <p:tav tm="100000">
+                                          <p:val>
+                                            <p:strVal val="#ppt_y"/>
+                                          </p:val>
+                                        </p:tav>
+                                      </p:tavLst>
+                                    </p:anim>
+                                  </p:childTnLst>
+                                </p:cTn>
+                              </p:par>
+                            </p:childTnLst>
+                          </p:cTn>
+                        </p:par>
+                      </p:childTnLst>
+                    </p:cTn>
+                  </p:par>
+                </p:childTnLst>
+              </p:cTn>
+              <p:prevCondLst>
+                <p:cond evt="onPrev" delay="0">
+                  <p:tgtEl>
+                    <p:sldTgt/>
+                  </p:tgtEl>
+                </p:cond>
+              </p:prevCondLst>
+              <p:nextCondLst>
+                <p:cond evt="onNext" delay="0">
+                  <p:tgtEl>
+                    <p:sldTgt/>
+                  </p:tgtEl>
+                </p:cond>
+              </p:nextCondLst>
+            </p:seq>
+          </p:childTnLst>
+        </p:cTn>
       </p:par>
     </p:tnLst>
   </p:timing>
@@ -29652,66 +29934,17 @@
             </a:r>
             <a:r>
               <a:rPr lang="en-US" sz="1600" dirty="0" smtClean="0">
-                <a:solidFill>
-                  <a:srgbClr val="7030A0"/>
-                </a:solidFill>
-                <a:latin typeface="Segoe UI" panose="020B0502040204020203" pitchFamily="34" charset="0"/>
-                <a:cs typeface="Segoe UI" panose="020B0502040204020203" pitchFamily="34" charset="0"/>
-              </a:rPr>
-              <a:t>All </a:t>
+                <a:latin typeface="Segoe UI" panose="020B0502040204020203" pitchFamily="34" charset="0"/>
+                <a:cs typeface="Segoe UI" panose="020B0502040204020203" pitchFamily="34" charset="0"/>
+              </a:rPr>
+              <a:t>In </a:t>
             </a:r>
             <a:r>
               <a:rPr lang="en-US" sz="1600" dirty="0">
-                <a:solidFill>
-                  <a:srgbClr val="7030A0"/>
-                </a:solidFill>
-                <a:latin typeface="Segoe UI" panose="020B0502040204020203" pitchFamily="34" charset="0"/>
-                <a:cs typeface="Segoe UI" panose="020B0502040204020203" pitchFamily="34" charset="0"/>
-              </a:rPr>
-              <a:t>distances are summed up, after which the path with the shortest </a:t>
-            </a:r>
-            <a:r>
-              <a:rPr lang="en-US" sz="1600" dirty="0" smtClean="0">
-                <a:solidFill>
-                  <a:srgbClr val="7030A0"/>
-                </a:solidFill>
-                <a:latin typeface="Segoe UI" panose="020B0502040204020203" pitchFamily="34" charset="0"/>
-                <a:cs typeface="Segoe UI" panose="020B0502040204020203" pitchFamily="34" charset="0"/>
-              </a:rPr>
-              <a:t>distance.</a:t>
-            </a:r>
-          </a:p>
-          <a:p>
-            <a:pPr marL="101598" indent="0">
-              <a:buNone/>
-            </a:pPr>
-            <a:r>
-              <a:rPr lang="en-US" sz="1600" dirty="0" smtClean="0">
-                <a:latin typeface="Segoe UI" panose="020B0502040204020203" pitchFamily="34" charset="0"/>
-                <a:cs typeface="Segoe UI" panose="020B0502040204020203" pitchFamily="34" charset="0"/>
-              </a:rPr>
-              <a:t>For </a:t>
-            </a:r>
-            <a:r>
-              <a:rPr lang="en-US" sz="1600" dirty="0">
-                <a:latin typeface="Segoe UI" panose="020B0502040204020203" pitchFamily="34" charset="0"/>
-                <a:cs typeface="Segoe UI" panose="020B0502040204020203" pitchFamily="34" charset="0"/>
-              </a:rPr>
-              <a:t>5 cities, 120 permutations can be created, so solving the problem for 5 cities will require 120 operations. </a:t>
-            </a:r>
-            <a:r>
-              <a:rPr lang="en-US" sz="1600" dirty="0" smtClean="0">
-                <a:latin typeface="Segoe UI" panose="020B0502040204020203" pitchFamily="34" charset="0"/>
-                <a:cs typeface="Segoe UI" panose="020B0502040204020203" pitchFamily="34" charset="0"/>
-              </a:rPr>
-              <a:t>And </a:t>
-            </a:r>
-            <a:r>
-              <a:rPr lang="en-US" sz="1600" dirty="0">
-                <a:latin typeface="Segoe UI" panose="020B0502040204020203" pitchFamily="34" charset="0"/>
-                <a:cs typeface="Segoe UI" panose="020B0502040204020203" pitchFamily="34" charset="0"/>
-              </a:rPr>
-              <a:t>for 7 cities, 5040 operations are required already! In the general case, to calculate the result for n elements, it will be required n! (n-factorial) </a:t>
+                <a:latin typeface="Segoe UI" panose="020B0502040204020203" pitchFamily="34" charset="0"/>
+                <a:cs typeface="Segoe UI" panose="020B0502040204020203" pitchFamily="34" charset="0"/>
+              </a:rPr>
+              <a:t>the general case, to calculate the result for n elements, it will be required n! (n-factorial) </a:t>
             </a:r>
             <a:r>
               <a:rPr lang="en-US" sz="1600" dirty="0" smtClean="0">
@@ -29741,14 +29974,30 @@
                 <a:latin typeface="Segoe UI" panose="020B0502040204020203" pitchFamily="34" charset="0"/>
                 <a:cs typeface="Segoe UI" panose="020B0502040204020203" pitchFamily="34" charset="0"/>
               </a:rPr>
-              <a:t>theory. At </a:t>
+              <a:t>theory. </a:t>
+            </a:r>
+            <a:endParaRPr lang="en-US" sz="1600" dirty="0" smtClean="0">
+              <a:latin typeface="Segoe UI" panose="020B0502040204020203" pitchFamily="34" charset="0"/>
+              <a:cs typeface="Segoe UI" panose="020B0502040204020203" pitchFamily="34" charset="0"/>
+            </a:endParaRPr>
+          </a:p>
+          <a:p>
+            <a:pPr marL="101598" indent="0">
+              <a:buNone/>
+            </a:pPr>
+            <a:r>
+              <a:rPr lang="en-US" sz="1600" dirty="0" smtClean="0">
+                <a:latin typeface="Segoe UI" panose="020B0502040204020203" pitchFamily="34" charset="0"/>
+                <a:cs typeface="Segoe UI" panose="020B0502040204020203" pitchFamily="34" charset="0"/>
+              </a:rPr>
+              <a:t>At it’s </a:t>
             </a:r>
             <a:r>
               <a:rPr lang="en-US" sz="1600" dirty="0">
                 <a:latin typeface="Segoe UI" panose="020B0502040204020203" pitchFamily="34" charset="0"/>
                 <a:cs typeface="Segoe UI" panose="020B0502040204020203" pitchFamily="34" charset="0"/>
               </a:rPr>
-              <a:t>its best case, you can look for an approximate solution</a:t>
+              <a:t>best case, you can look for an approximate solution</a:t>
             </a:r>
             <a:r>
               <a:rPr lang="ru-RU" sz="1600" dirty="0">
@@ -31002,6 +31251,1749 @@
   <p:cSld>
     <p:spTree>
       <p:nvGrpSpPr>
+        <p:cNvPr id="1" name="Shape 450"/>
+        <p:cNvGrpSpPr/>
+        <p:nvPr/>
+      </p:nvGrpSpPr>
+      <p:grpSpPr>
+        <a:xfrm>
+          <a:off x="0" y="0"/>
+          <a:ext cx="0" cy="0"/>
+          <a:chOff x="0" y="0"/>
+          <a:chExt cx="0" cy="0"/>
+        </a:xfrm>
+      </p:grpSpPr>
+      <p:sp>
+        <p:nvSpPr>
+          <p:cNvPr id="451" name="Google Shape;451;p35"/>
+          <p:cNvSpPr txBox="1">
+            <a:spLocks noGrp="1"/>
+          </p:cNvSpPr>
+          <p:nvPr>
+            <p:ph type="title"/>
+          </p:nvPr>
+        </p:nvSpPr>
+        <p:spPr>
+          <a:xfrm>
+            <a:off x="1392633" y="990100"/>
+            <a:ext cx="9610000" cy="844400"/>
+          </a:xfrm>
+          <a:prstGeom prst="rect">
+            <a:avLst/>
+          </a:prstGeom>
+        </p:spPr>
+        <p:txBody>
+          <a:bodyPr spcFirstLastPara="1" wrap="square" lIns="0" tIns="0" rIns="0" bIns="0" anchor="ctr" anchorCtr="0">
+            <a:noAutofit/>
+          </a:bodyPr>
+          <a:lstStyle/>
+          <a:p>
+            <a:pPr marL="101598"/>
+            <a:r>
+              <a:rPr lang="en-US" dirty="0" smtClean="0">
+                <a:latin typeface="Segoe UI" panose="020B0502040204020203" pitchFamily="34" charset="0"/>
+                <a:cs typeface="Segoe UI" panose="020B0502040204020203" pitchFamily="34" charset="0"/>
+              </a:rPr>
+              <a:t>Recursion</a:t>
+            </a:r>
+            <a:endParaRPr lang="en-US" dirty="0">
+              <a:latin typeface="Segoe UI" panose="020B0502040204020203" pitchFamily="34" charset="0"/>
+              <a:cs typeface="Segoe UI" panose="020B0502040204020203" pitchFamily="34" charset="0"/>
+            </a:endParaRPr>
+          </a:p>
+        </p:txBody>
+      </p:sp>
+      <p:sp>
+        <p:nvSpPr>
+          <p:cNvPr id="453" name="Google Shape;453;p35"/>
+          <p:cNvSpPr txBox="1">
+            <a:spLocks noGrp="1"/>
+          </p:cNvSpPr>
+          <p:nvPr>
+            <p:ph type="sldNum" idx="12"/>
+          </p:nvPr>
+        </p:nvSpPr>
+        <p:spPr>
+          <a:xfrm>
+            <a:off x="11493100" y="6173667"/>
+            <a:ext cx="698800" cy="684400"/>
+          </a:xfrm>
+          <a:prstGeom prst="rect">
+            <a:avLst/>
+          </a:prstGeom>
+        </p:spPr>
+        <p:txBody>
+          <a:bodyPr spcFirstLastPara="1" wrap="square" lIns="0" tIns="0" rIns="0" bIns="0" anchor="ctr" anchorCtr="0">
+            <a:noAutofit/>
+          </a:bodyPr>
+          <a:lstStyle/>
+          <a:p>
+            <a:fld id="{00000000-1234-1234-1234-123412341234}" type="slidenum">
+              <a:rPr lang="en">
+                <a:latin typeface="Segoe UI" panose="020B0502040204020203" pitchFamily="34" charset="0"/>
+                <a:cs typeface="Segoe UI" panose="020B0502040204020203" pitchFamily="34" charset="0"/>
+              </a:rPr>
+              <a:pPr/>
+              <a:t>7</a:t>
+            </a:fld>
+            <a:endParaRPr>
+              <a:latin typeface="Segoe UI" panose="020B0502040204020203" pitchFamily="34" charset="0"/>
+              <a:cs typeface="Segoe UI" panose="020B0502040204020203" pitchFamily="34" charset="0"/>
+            </a:endParaRPr>
+          </a:p>
+        </p:txBody>
+      </p:sp>
+      <p:grpSp>
+        <p:nvGrpSpPr>
+          <p:cNvPr id="16" name="Google Shape;1206;p47"/>
+          <p:cNvGrpSpPr/>
+          <p:nvPr/>
+        </p:nvGrpSpPr>
+        <p:grpSpPr>
+          <a:xfrm>
+            <a:off x="744120" y="1289209"/>
+            <a:ext cx="445255" cy="246182"/>
+            <a:chOff x="894441" y="5071350"/>
+            <a:chExt cx="529750" cy="292900"/>
+          </a:xfrm>
+        </p:grpSpPr>
+        <p:sp>
+          <p:nvSpPr>
+            <p:cNvPr id="17" name="Google Shape;1207;p47"/>
+            <p:cNvSpPr/>
+            <p:nvPr/>
+          </p:nvSpPr>
+          <p:spPr>
+            <a:xfrm>
+              <a:off x="995516" y="5077450"/>
+              <a:ext cx="272200" cy="185725"/>
+            </a:xfrm>
+            <a:custGeom>
+              <a:avLst/>
+              <a:gdLst/>
+              <a:ahLst/>
+              <a:cxnLst/>
+              <a:rect l="l" t="t" r="r" b="b"/>
+              <a:pathLst>
+                <a:path w="10888" h="7429" fill="none" extrusionOk="0">
+                  <a:moveTo>
+                    <a:pt x="2947" y="0"/>
+                  </a:moveTo>
+                  <a:lnTo>
+                    <a:pt x="6406" y="7428"/>
+                  </a:lnTo>
+                  <a:lnTo>
+                    <a:pt x="10887" y="2314"/>
+                  </a:lnTo>
+                  <a:lnTo>
+                    <a:pt x="4019" y="2314"/>
+                  </a:lnTo>
+                  <a:lnTo>
+                    <a:pt x="0" y="7428"/>
+                  </a:lnTo>
+                  <a:lnTo>
+                    <a:pt x="6406" y="7428"/>
+                  </a:lnTo>
+                </a:path>
+              </a:pathLst>
+            </a:custGeom>
+            <a:noFill/>
+            <a:ln w="9525" cap="rnd" cmpd="sng">
+              <a:solidFill>
+                <a:schemeClr val="accent4"/>
+              </a:solidFill>
+              <a:prstDash val="solid"/>
+              <a:round/>
+              <a:headEnd type="none" w="sm" len="sm"/>
+              <a:tailEnd type="none" w="sm" len="sm"/>
+            </a:ln>
+          </p:spPr>
+          <p:txBody>
+            <a:bodyPr spcFirstLastPara="1" wrap="square" lIns="91425" tIns="91425" rIns="91425" bIns="91425" anchor="ctr" anchorCtr="0">
+              <a:noAutofit/>
+            </a:bodyPr>
+            <a:lstStyle/>
+            <a:p>
+              <a:pPr marL="0" lvl="0" indent="0" algn="l" rtl="0">
+                <a:spcBef>
+                  <a:spcPts val="0"/>
+                </a:spcBef>
+                <a:spcAft>
+                  <a:spcPts val="0"/>
+                </a:spcAft>
+                <a:buNone/>
+              </a:pPr>
+              <a:endParaRPr>
+                <a:latin typeface="Segoe UI" panose="020B0502040204020203" pitchFamily="34" charset="0"/>
+                <a:cs typeface="Segoe UI" panose="020B0502040204020203" pitchFamily="34" charset="0"/>
+              </a:endParaRPr>
+            </a:p>
+          </p:txBody>
+        </p:sp>
+        <p:sp>
+          <p:nvSpPr>
+            <p:cNvPr id="18" name="Google Shape;1208;p47"/>
+            <p:cNvSpPr/>
+            <p:nvPr/>
+          </p:nvSpPr>
+          <p:spPr>
+            <a:xfrm>
+              <a:off x="1248816" y="5071350"/>
+              <a:ext cx="74300" cy="191825"/>
+            </a:xfrm>
+            <a:custGeom>
+              <a:avLst/>
+              <a:gdLst/>
+              <a:ahLst/>
+              <a:cxnLst/>
+              <a:rect l="l" t="t" r="r" b="b"/>
+              <a:pathLst>
+                <a:path w="2972" h="7673" fill="none" extrusionOk="0">
+                  <a:moveTo>
+                    <a:pt x="2971" y="7672"/>
+                  </a:moveTo>
+                  <a:lnTo>
+                    <a:pt x="0" y="1"/>
+                  </a:lnTo>
+                  <a:lnTo>
+                    <a:pt x="1364" y="1"/>
+                  </a:lnTo>
+                  <a:lnTo>
+                    <a:pt x="1364" y="1"/>
+                  </a:lnTo>
+                  <a:lnTo>
+                    <a:pt x="1534" y="25"/>
+                  </a:lnTo>
+                  <a:lnTo>
+                    <a:pt x="1681" y="49"/>
+                  </a:lnTo>
+                  <a:lnTo>
+                    <a:pt x="1827" y="147"/>
+                  </a:lnTo>
+                  <a:lnTo>
+                    <a:pt x="1875" y="195"/>
+                  </a:lnTo>
+                  <a:lnTo>
+                    <a:pt x="1900" y="244"/>
+                  </a:lnTo>
+                  <a:lnTo>
+                    <a:pt x="1924" y="342"/>
+                  </a:lnTo>
+                  <a:lnTo>
+                    <a:pt x="1900" y="439"/>
+                  </a:lnTo>
+                  <a:lnTo>
+                    <a:pt x="1851" y="536"/>
+                  </a:lnTo>
+                  <a:lnTo>
+                    <a:pt x="1778" y="658"/>
+                  </a:lnTo>
+                  <a:lnTo>
+                    <a:pt x="1656" y="804"/>
+                  </a:lnTo>
+                  <a:lnTo>
+                    <a:pt x="1486" y="975"/>
+                  </a:lnTo>
+                </a:path>
+              </a:pathLst>
+            </a:custGeom>
+            <a:noFill/>
+            <a:ln w="9525" cap="rnd" cmpd="sng">
+              <a:solidFill>
+                <a:schemeClr val="accent4"/>
+              </a:solidFill>
+              <a:prstDash val="solid"/>
+              <a:round/>
+              <a:headEnd type="none" w="sm" len="sm"/>
+              <a:tailEnd type="none" w="sm" len="sm"/>
+            </a:ln>
+          </p:spPr>
+          <p:txBody>
+            <a:bodyPr spcFirstLastPara="1" wrap="square" lIns="91425" tIns="91425" rIns="91425" bIns="91425" anchor="ctr" anchorCtr="0">
+              <a:noAutofit/>
+            </a:bodyPr>
+            <a:lstStyle/>
+            <a:p>
+              <a:pPr marL="0" lvl="0" indent="0" algn="l" rtl="0">
+                <a:spcBef>
+                  <a:spcPts val="0"/>
+                </a:spcBef>
+                <a:spcAft>
+                  <a:spcPts val="0"/>
+                </a:spcAft>
+                <a:buNone/>
+              </a:pPr>
+              <a:endParaRPr>
+                <a:latin typeface="Segoe UI" panose="020B0502040204020203" pitchFamily="34" charset="0"/>
+                <a:cs typeface="Segoe UI" panose="020B0502040204020203" pitchFamily="34" charset="0"/>
+              </a:endParaRPr>
+            </a:p>
+          </p:txBody>
+        </p:sp>
+        <p:sp>
+          <p:nvSpPr>
+            <p:cNvPr id="19" name="Google Shape;1209;p47"/>
+            <p:cNvSpPr/>
+            <p:nvPr/>
+          </p:nvSpPr>
+          <p:spPr>
+            <a:xfrm>
+              <a:off x="894441" y="5162075"/>
+              <a:ext cx="202175" cy="202175"/>
+            </a:xfrm>
+            <a:custGeom>
+              <a:avLst/>
+              <a:gdLst/>
+              <a:ahLst/>
+              <a:cxnLst/>
+              <a:rect l="l" t="t" r="r" b="b"/>
+              <a:pathLst>
+                <a:path w="8087" h="8087" fill="none" extrusionOk="0">
+                  <a:moveTo>
+                    <a:pt x="1" y="4043"/>
+                  </a:moveTo>
+                  <a:lnTo>
+                    <a:pt x="1" y="4043"/>
+                  </a:lnTo>
+                  <a:lnTo>
+                    <a:pt x="25" y="3629"/>
+                  </a:lnTo>
+                  <a:lnTo>
+                    <a:pt x="74" y="3215"/>
+                  </a:lnTo>
+                  <a:lnTo>
+                    <a:pt x="171" y="2826"/>
+                  </a:lnTo>
+                  <a:lnTo>
+                    <a:pt x="317" y="2460"/>
+                  </a:lnTo>
+                  <a:lnTo>
+                    <a:pt x="488" y="2119"/>
+                  </a:lnTo>
+                  <a:lnTo>
+                    <a:pt x="682" y="1778"/>
+                  </a:lnTo>
+                  <a:lnTo>
+                    <a:pt x="926" y="1462"/>
+                  </a:lnTo>
+                  <a:lnTo>
+                    <a:pt x="1194" y="1170"/>
+                  </a:lnTo>
+                  <a:lnTo>
+                    <a:pt x="1462" y="926"/>
+                  </a:lnTo>
+                  <a:lnTo>
+                    <a:pt x="1778" y="682"/>
+                  </a:lnTo>
+                  <a:lnTo>
+                    <a:pt x="2119" y="488"/>
+                  </a:lnTo>
+                  <a:lnTo>
+                    <a:pt x="2460" y="317"/>
+                  </a:lnTo>
+                  <a:lnTo>
+                    <a:pt x="2850" y="171"/>
+                  </a:lnTo>
+                  <a:lnTo>
+                    <a:pt x="3240" y="74"/>
+                  </a:lnTo>
+                  <a:lnTo>
+                    <a:pt x="3629" y="25"/>
+                  </a:lnTo>
+                  <a:lnTo>
+                    <a:pt x="4043" y="0"/>
+                  </a:lnTo>
+                  <a:lnTo>
+                    <a:pt x="4043" y="0"/>
+                  </a:lnTo>
+                  <a:lnTo>
+                    <a:pt x="4458" y="25"/>
+                  </a:lnTo>
+                  <a:lnTo>
+                    <a:pt x="4872" y="74"/>
+                  </a:lnTo>
+                  <a:lnTo>
+                    <a:pt x="5237" y="171"/>
+                  </a:lnTo>
+                  <a:lnTo>
+                    <a:pt x="5627" y="317"/>
+                  </a:lnTo>
+                  <a:lnTo>
+                    <a:pt x="5968" y="488"/>
+                  </a:lnTo>
+                  <a:lnTo>
+                    <a:pt x="6308" y="682"/>
+                  </a:lnTo>
+                  <a:lnTo>
+                    <a:pt x="6625" y="926"/>
+                  </a:lnTo>
+                  <a:lnTo>
+                    <a:pt x="6917" y="1170"/>
+                  </a:lnTo>
+                  <a:lnTo>
+                    <a:pt x="7161" y="1462"/>
+                  </a:lnTo>
+                  <a:lnTo>
+                    <a:pt x="7404" y="1778"/>
+                  </a:lnTo>
+                  <a:lnTo>
+                    <a:pt x="7599" y="2119"/>
+                  </a:lnTo>
+                  <a:lnTo>
+                    <a:pt x="7770" y="2460"/>
+                  </a:lnTo>
+                  <a:lnTo>
+                    <a:pt x="7916" y="2826"/>
+                  </a:lnTo>
+                  <a:lnTo>
+                    <a:pt x="8013" y="3215"/>
+                  </a:lnTo>
+                  <a:lnTo>
+                    <a:pt x="8062" y="3629"/>
+                  </a:lnTo>
+                  <a:lnTo>
+                    <a:pt x="8086" y="4043"/>
+                  </a:lnTo>
+                  <a:lnTo>
+                    <a:pt x="8086" y="4043"/>
+                  </a:lnTo>
+                  <a:lnTo>
+                    <a:pt x="8062" y="4457"/>
+                  </a:lnTo>
+                  <a:lnTo>
+                    <a:pt x="8013" y="4847"/>
+                  </a:lnTo>
+                  <a:lnTo>
+                    <a:pt x="7916" y="5237"/>
+                  </a:lnTo>
+                  <a:lnTo>
+                    <a:pt x="7770" y="5626"/>
+                  </a:lnTo>
+                  <a:lnTo>
+                    <a:pt x="7599" y="5967"/>
+                  </a:lnTo>
+                  <a:lnTo>
+                    <a:pt x="7404" y="6308"/>
+                  </a:lnTo>
+                  <a:lnTo>
+                    <a:pt x="7161" y="6625"/>
+                  </a:lnTo>
+                  <a:lnTo>
+                    <a:pt x="6917" y="6893"/>
+                  </a:lnTo>
+                  <a:lnTo>
+                    <a:pt x="6625" y="7161"/>
+                  </a:lnTo>
+                  <a:lnTo>
+                    <a:pt x="6308" y="7404"/>
+                  </a:lnTo>
+                  <a:lnTo>
+                    <a:pt x="5968" y="7599"/>
+                  </a:lnTo>
+                  <a:lnTo>
+                    <a:pt x="5627" y="7770"/>
+                  </a:lnTo>
+                  <a:lnTo>
+                    <a:pt x="5237" y="7916"/>
+                  </a:lnTo>
+                  <a:lnTo>
+                    <a:pt x="4872" y="8013"/>
+                  </a:lnTo>
+                  <a:lnTo>
+                    <a:pt x="4458" y="8062"/>
+                  </a:lnTo>
+                  <a:lnTo>
+                    <a:pt x="4043" y="8086"/>
+                  </a:lnTo>
+                  <a:lnTo>
+                    <a:pt x="4043" y="8086"/>
+                  </a:lnTo>
+                  <a:lnTo>
+                    <a:pt x="3629" y="8062"/>
+                  </a:lnTo>
+                  <a:lnTo>
+                    <a:pt x="3240" y="8013"/>
+                  </a:lnTo>
+                  <a:lnTo>
+                    <a:pt x="2850" y="7916"/>
+                  </a:lnTo>
+                  <a:lnTo>
+                    <a:pt x="2460" y="7770"/>
+                  </a:lnTo>
+                  <a:lnTo>
+                    <a:pt x="2119" y="7599"/>
+                  </a:lnTo>
+                  <a:lnTo>
+                    <a:pt x="1778" y="7404"/>
+                  </a:lnTo>
+                  <a:lnTo>
+                    <a:pt x="1462" y="7161"/>
+                  </a:lnTo>
+                  <a:lnTo>
+                    <a:pt x="1194" y="6893"/>
+                  </a:lnTo>
+                  <a:lnTo>
+                    <a:pt x="926" y="6625"/>
+                  </a:lnTo>
+                  <a:lnTo>
+                    <a:pt x="682" y="6308"/>
+                  </a:lnTo>
+                  <a:lnTo>
+                    <a:pt x="488" y="5967"/>
+                  </a:lnTo>
+                  <a:lnTo>
+                    <a:pt x="317" y="5626"/>
+                  </a:lnTo>
+                  <a:lnTo>
+                    <a:pt x="171" y="5237"/>
+                  </a:lnTo>
+                  <a:lnTo>
+                    <a:pt x="74" y="4847"/>
+                  </a:lnTo>
+                  <a:lnTo>
+                    <a:pt x="25" y="4457"/>
+                  </a:lnTo>
+                  <a:lnTo>
+                    <a:pt x="1" y="4043"/>
+                  </a:lnTo>
+                  <a:lnTo>
+                    <a:pt x="1" y="4043"/>
+                  </a:lnTo>
+                  <a:close/>
+                </a:path>
+              </a:pathLst>
+            </a:custGeom>
+            <a:noFill/>
+            <a:ln w="9525" cap="rnd" cmpd="sng">
+              <a:solidFill>
+                <a:schemeClr val="accent4"/>
+              </a:solidFill>
+              <a:prstDash val="solid"/>
+              <a:round/>
+              <a:headEnd type="none" w="sm" len="sm"/>
+              <a:tailEnd type="none" w="sm" len="sm"/>
+            </a:ln>
+          </p:spPr>
+          <p:txBody>
+            <a:bodyPr spcFirstLastPara="1" wrap="square" lIns="91425" tIns="91425" rIns="91425" bIns="91425" anchor="ctr" anchorCtr="0">
+              <a:noAutofit/>
+            </a:bodyPr>
+            <a:lstStyle/>
+            <a:p>
+              <a:pPr marL="0" lvl="0" indent="0" algn="l" rtl="0">
+                <a:spcBef>
+                  <a:spcPts val="0"/>
+                </a:spcBef>
+                <a:spcAft>
+                  <a:spcPts val="0"/>
+                </a:spcAft>
+                <a:buNone/>
+              </a:pPr>
+              <a:endParaRPr>
+                <a:latin typeface="Segoe UI" panose="020B0502040204020203" pitchFamily="34" charset="0"/>
+                <a:cs typeface="Segoe UI" panose="020B0502040204020203" pitchFamily="34" charset="0"/>
+              </a:endParaRPr>
+            </a:p>
+          </p:txBody>
+        </p:sp>
+        <p:sp>
+          <p:nvSpPr>
+            <p:cNvPr id="20" name="Google Shape;1210;p47"/>
+            <p:cNvSpPr/>
+            <p:nvPr/>
+          </p:nvSpPr>
+          <p:spPr>
+            <a:xfrm>
+              <a:off x="1222016" y="5162075"/>
+              <a:ext cx="202175" cy="202175"/>
+            </a:xfrm>
+            <a:custGeom>
+              <a:avLst/>
+              <a:gdLst/>
+              <a:ahLst/>
+              <a:cxnLst/>
+              <a:rect l="l" t="t" r="r" b="b"/>
+              <a:pathLst>
+                <a:path w="8087" h="8087" fill="none" extrusionOk="0">
+                  <a:moveTo>
+                    <a:pt x="1" y="4043"/>
+                  </a:moveTo>
+                  <a:lnTo>
+                    <a:pt x="1" y="4043"/>
+                  </a:lnTo>
+                  <a:lnTo>
+                    <a:pt x="1" y="3629"/>
+                  </a:lnTo>
+                  <a:lnTo>
+                    <a:pt x="74" y="3215"/>
+                  </a:lnTo>
+                  <a:lnTo>
+                    <a:pt x="171" y="2826"/>
+                  </a:lnTo>
+                  <a:lnTo>
+                    <a:pt x="317" y="2460"/>
+                  </a:lnTo>
+                  <a:lnTo>
+                    <a:pt x="488" y="2119"/>
+                  </a:lnTo>
+                  <a:lnTo>
+                    <a:pt x="682" y="1778"/>
+                  </a:lnTo>
+                  <a:lnTo>
+                    <a:pt x="926" y="1462"/>
+                  </a:lnTo>
+                  <a:lnTo>
+                    <a:pt x="1170" y="1170"/>
+                  </a:lnTo>
+                  <a:lnTo>
+                    <a:pt x="1462" y="926"/>
+                  </a:lnTo>
+                  <a:lnTo>
+                    <a:pt x="1778" y="682"/>
+                  </a:lnTo>
+                  <a:lnTo>
+                    <a:pt x="2119" y="488"/>
+                  </a:lnTo>
+                  <a:lnTo>
+                    <a:pt x="2460" y="317"/>
+                  </a:lnTo>
+                  <a:lnTo>
+                    <a:pt x="2826" y="171"/>
+                  </a:lnTo>
+                  <a:lnTo>
+                    <a:pt x="3215" y="74"/>
+                  </a:lnTo>
+                  <a:lnTo>
+                    <a:pt x="3629" y="25"/>
+                  </a:lnTo>
+                  <a:lnTo>
+                    <a:pt x="4043" y="0"/>
+                  </a:lnTo>
+                  <a:lnTo>
+                    <a:pt x="4043" y="0"/>
+                  </a:lnTo>
+                  <a:lnTo>
+                    <a:pt x="4457" y="25"/>
+                  </a:lnTo>
+                  <a:lnTo>
+                    <a:pt x="4847" y="74"/>
+                  </a:lnTo>
+                  <a:lnTo>
+                    <a:pt x="5237" y="171"/>
+                  </a:lnTo>
+                  <a:lnTo>
+                    <a:pt x="5602" y="317"/>
+                  </a:lnTo>
+                  <a:lnTo>
+                    <a:pt x="5967" y="488"/>
+                  </a:lnTo>
+                  <a:lnTo>
+                    <a:pt x="6308" y="682"/>
+                  </a:lnTo>
+                  <a:lnTo>
+                    <a:pt x="6601" y="926"/>
+                  </a:lnTo>
+                  <a:lnTo>
+                    <a:pt x="6893" y="1170"/>
+                  </a:lnTo>
+                  <a:lnTo>
+                    <a:pt x="7161" y="1462"/>
+                  </a:lnTo>
+                  <a:lnTo>
+                    <a:pt x="7380" y="1778"/>
+                  </a:lnTo>
+                  <a:lnTo>
+                    <a:pt x="7599" y="2119"/>
+                  </a:lnTo>
+                  <a:lnTo>
+                    <a:pt x="7770" y="2460"/>
+                  </a:lnTo>
+                  <a:lnTo>
+                    <a:pt x="7892" y="2826"/>
+                  </a:lnTo>
+                  <a:lnTo>
+                    <a:pt x="7989" y="3215"/>
+                  </a:lnTo>
+                  <a:lnTo>
+                    <a:pt x="8062" y="3629"/>
+                  </a:lnTo>
+                  <a:lnTo>
+                    <a:pt x="8086" y="4043"/>
+                  </a:lnTo>
+                  <a:lnTo>
+                    <a:pt x="8086" y="4043"/>
+                  </a:lnTo>
+                  <a:lnTo>
+                    <a:pt x="8062" y="4457"/>
+                  </a:lnTo>
+                  <a:lnTo>
+                    <a:pt x="7989" y="4847"/>
+                  </a:lnTo>
+                  <a:lnTo>
+                    <a:pt x="7892" y="5237"/>
+                  </a:lnTo>
+                  <a:lnTo>
+                    <a:pt x="7770" y="5626"/>
+                  </a:lnTo>
+                  <a:lnTo>
+                    <a:pt x="7599" y="5967"/>
+                  </a:lnTo>
+                  <a:lnTo>
+                    <a:pt x="7380" y="6308"/>
+                  </a:lnTo>
+                  <a:lnTo>
+                    <a:pt x="7161" y="6625"/>
+                  </a:lnTo>
+                  <a:lnTo>
+                    <a:pt x="6893" y="6893"/>
+                  </a:lnTo>
+                  <a:lnTo>
+                    <a:pt x="6601" y="7161"/>
+                  </a:lnTo>
+                  <a:lnTo>
+                    <a:pt x="6308" y="7404"/>
+                  </a:lnTo>
+                  <a:lnTo>
+                    <a:pt x="5967" y="7599"/>
+                  </a:lnTo>
+                  <a:lnTo>
+                    <a:pt x="5602" y="7770"/>
+                  </a:lnTo>
+                  <a:lnTo>
+                    <a:pt x="5237" y="7916"/>
+                  </a:lnTo>
+                  <a:lnTo>
+                    <a:pt x="4847" y="8013"/>
+                  </a:lnTo>
+                  <a:lnTo>
+                    <a:pt x="4457" y="8062"/>
+                  </a:lnTo>
+                  <a:lnTo>
+                    <a:pt x="4043" y="8086"/>
+                  </a:lnTo>
+                  <a:lnTo>
+                    <a:pt x="4043" y="8086"/>
+                  </a:lnTo>
+                  <a:lnTo>
+                    <a:pt x="3629" y="8062"/>
+                  </a:lnTo>
+                  <a:lnTo>
+                    <a:pt x="3215" y="8013"/>
+                  </a:lnTo>
+                  <a:lnTo>
+                    <a:pt x="2826" y="7916"/>
+                  </a:lnTo>
+                  <a:lnTo>
+                    <a:pt x="2460" y="7770"/>
+                  </a:lnTo>
+                  <a:lnTo>
+                    <a:pt x="2119" y="7599"/>
+                  </a:lnTo>
+                  <a:lnTo>
+                    <a:pt x="1778" y="7404"/>
+                  </a:lnTo>
+                  <a:lnTo>
+                    <a:pt x="1462" y="7161"/>
+                  </a:lnTo>
+                  <a:lnTo>
+                    <a:pt x="1170" y="6893"/>
+                  </a:lnTo>
+                  <a:lnTo>
+                    <a:pt x="926" y="6625"/>
+                  </a:lnTo>
+                  <a:lnTo>
+                    <a:pt x="682" y="6308"/>
+                  </a:lnTo>
+                  <a:lnTo>
+                    <a:pt x="488" y="5967"/>
+                  </a:lnTo>
+                  <a:lnTo>
+                    <a:pt x="317" y="5626"/>
+                  </a:lnTo>
+                  <a:lnTo>
+                    <a:pt x="171" y="5237"/>
+                  </a:lnTo>
+                  <a:lnTo>
+                    <a:pt x="74" y="4847"/>
+                  </a:lnTo>
+                  <a:lnTo>
+                    <a:pt x="1" y="4457"/>
+                  </a:lnTo>
+                  <a:lnTo>
+                    <a:pt x="1" y="4043"/>
+                  </a:lnTo>
+                  <a:lnTo>
+                    <a:pt x="1" y="4043"/>
+                  </a:lnTo>
+                  <a:close/>
+                </a:path>
+              </a:pathLst>
+            </a:custGeom>
+            <a:noFill/>
+            <a:ln w="9525" cap="rnd" cmpd="sng">
+              <a:solidFill>
+                <a:schemeClr val="accent4"/>
+              </a:solidFill>
+              <a:prstDash val="solid"/>
+              <a:round/>
+              <a:headEnd type="none" w="sm" len="sm"/>
+              <a:tailEnd type="none" w="sm" len="sm"/>
+            </a:ln>
+          </p:spPr>
+          <p:txBody>
+            <a:bodyPr spcFirstLastPara="1" wrap="square" lIns="91425" tIns="91425" rIns="91425" bIns="91425" anchor="ctr" anchorCtr="0">
+              <a:noAutofit/>
+            </a:bodyPr>
+            <a:lstStyle/>
+            <a:p>
+              <a:pPr marL="0" lvl="0" indent="0" algn="l" rtl="0">
+                <a:spcBef>
+                  <a:spcPts val="0"/>
+                </a:spcBef>
+                <a:spcAft>
+                  <a:spcPts val="0"/>
+                </a:spcAft>
+                <a:buNone/>
+              </a:pPr>
+              <a:endParaRPr>
+                <a:latin typeface="Segoe UI" panose="020B0502040204020203" pitchFamily="34" charset="0"/>
+                <a:cs typeface="Segoe UI" panose="020B0502040204020203" pitchFamily="34" charset="0"/>
+              </a:endParaRPr>
+            </a:p>
+          </p:txBody>
+        </p:sp>
+        <p:sp>
+          <p:nvSpPr>
+            <p:cNvPr id="21" name="Google Shape;1211;p47"/>
+            <p:cNvSpPr/>
+            <p:nvPr/>
+          </p:nvSpPr>
+          <p:spPr>
+            <a:xfrm>
+              <a:off x="1038741" y="5071350"/>
+              <a:ext cx="86500" cy="7325"/>
+            </a:xfrm>
+            <a:custGeom>
+              <a:avLst/>
+              <a:gdLst/>
+              <a:ahLst/>
+              <a:cxnLst/>
+              <a:rect l="l" t="t" r="r" b="b"/>
+              <a:pathLst>
+                <a:path w="3460" h="293" fill="none" extrusionOk="0">
+                  <a:moveTo>
+                    <a:pt x="1" y="1"/>
+                  </a:moveTo>
+                  <a:lnTo>
+                    <a:pt x="3459" y="293"/>
+                  </a:lnTo>
+                </a:path>
+              </a:pathLst>
+            </a:custGeom>
+            <a:noFill/>
+            <a:ln w="9525" cap="rnd" cmpd="sng">
+              <a:solidFill>
+                <a:schemeClr val="accent4"/>
+              </a:solidFill>
+              <a:prstDash val="solid"/>
+              <a:round/>
+              <a:headEnd type="none" w="sm" len="sm"/>
+              <a:tailEnd type="none" w="sm" len="sm"/>
+            </a:ln>
+          </p:spPr>
+          <p:txBody>
+            <a:bodyPr spcFirstLastPara="1" wrap="square" lIns="91425" tIns="91425" rIns="91425" bIns="91425" anchor="ctr" anchorCtr="0">
+              <a:noAutofit/>
+            </a:bodyPr>
+            <a:lstStyle/>
+            <a:p>
+              <a:pPr marL="0" lvl="0" indent="0" algn="l" rtl="0">
+                <a:spcBef>
+                  <a:spcPts val="0"/>
+                </a:spcBef>
+                <a:spcAft>
+                  <a:spcPts val="0"/>
+                </a:spcAft>
+                <a:buNone/>
+              </a:pPr>
+              <a:endParaRPr>
+                <a:latin typeface="Segoe UI" panose="020B0502040204020203" pitchFamily="34" charset="0"/>
+                <a:cs typeface="Segoe UI" panose="020B0502040204020203" pitchFamily="34" charset="0"/>
+              </a:endParaRPr>
+            </a:p>
+          </p:txBody>
+        </p:sp>
+        <p:sp>
+          <p:nvSpPr>
+            <p:cNvPr id="22" name="Google Shape;1212;p47"/>
+            <p:cNvSpPr/>
+            <p:nvPr/>
+          </p:nvSpPr>
+          <p:spPr>
+            <a:xfrm>
+              <a:off x="1304216" y="5244275"/>
+              <a:ext cx="37175" cy="37175"/>
+            </a:xfrm>
+            <a:custGeom>
+              <a:avLst/>
+              <a:gdLst/>
+              <a:ahLst/>
+              <a:cxnLst/>
+              <a:rect l="l" t="t" r="r" b="b"/>
+              <a:pathLst>
+                <a:path w="1487" h="1487" fill="none" extrusionOk="0">
+                  <a:moveTo>
+                    <a:pt x="0" y="755"/>
+                  </a:moveTo>
+                  <a:lnTo>
+                    <a:pt x="0" y="755"/>
+                  </a:lnTo>
+                  <a:lnTo>
+                    <a:pt x="25" y="609"/>
+                  </a:lnTo>
+                  <a:lnTo>
+                    <a:pt x="73" y="463"/>
+                  </a:lnTo>
+                  <a:lnTo>
+                    <a:pt x="122" y="341"/>
+                  </a:lnTo>
+                  <a:lnTo>
+                    <a:pt x="220" y="220"/>
+                  </a:lnTo>
+                  <a:lnTo>
+                    <a:pt x="341" y="147"/>
+                  </a:lnTo>
+                  <a:lnTo>
+                    <a:pt x="463" y="73"/>
+                  </a:lnTo>
+                  <a:lnTo>
+                    <a:pt x="609" y="25"/>
+                  </a:lnTo>
+                  <a:lnTo>
+                    <a:pt x="755" y="0"/>
+                  </a:lnTo>
+                  <a:lnTo>
+                    <a:pt x="755" y="0"/>
+                  </a:lnTo>
+                  <a:lnTo>
+                    <a:pt x="902" y="25"/>
+                  </a:lnTo>
+                  <a:lnTo>
+                    <a:pt x="1048" y="73"/>
+                  </a:lnTo>
+                  <a:lnTo>
+                    <a:pt x="1169" y="147"/>
+                  </a:lnTo>
+                  <a:lnTo>
+                    <a:pt x="1267" y="220"/>
+                  </a:lnTo>
+                  <a:lnTo>
+                    <a:pt x="1364" y="341"/>
+                  </a:lnTo>
+                  <a:lnTo>
+                    <a:pt x="1437" y="463"/>
+                  </a:lnTo>
+                  <a:lnTo>
+                    <a:pt x="1486" y="609"/>
+                  </a:lnTo>
+                  <a:lnTo>
+                    <a:pt x="1486" y="755"/>
+                  </a:lnTo>
+                  <a:lnTo>
+                    <a:pt x="1486" y="755"/>
+                  </a:lnTo>
+                  <a:lnTo>
+                    <a:pt x="1486" y="902"/>
+                  </a:lnTo>
+                  <a:lnTo>
+                    <a:pt x="1437" y="1048"/>
+                  </a:lnTo>
+                  <a:lnTo>
+                    <a:pt x="1364" y="1169"/>
+                  </a:lnTo>
+                  <a:lnTo>
+                    <a:pt x="1267" y="1267"/>
+                  </a:lnTo>
+                  <a:lnTo>
+                    <a:pt x="1169" y="1364"/>
+                  </a:lnTo>
+                  <a:lnTo>
+                    <a:pt x="1048" y="1437"/>
+                  </a:lnTo>
+                  <a:lnTo>
+                    <a:pt x="902" y="1486"/>
+                  </a:lnTo>
+                  <a:lnTo>
+                    <a:pt x="755" y="1486"/>
+                  </a:lnTo>
+                  <a:lnTo>
+                    <a:pt x="755" y="1486"/>
+                  </a:lnTo>
+                  <a:lnTo>
+                    <a:pt x="609" y="1486"/>
+                  </a:lnTo>
+                  <a:lnTo>
+                    <a:pt x="463" y="1437"/>
+                  </a:lnTo>
+                  <a:lnTo>
+                    <a:pt x="341" y="1364"/>
+                  </a:lnTo>
+                  <a:lnTo>
+                    <a:pt x="220" y="1267"/>
+                  </a:lnTo>
+                  <a:lnTo>
+                    <a:pt x="122" y="1169"/>
+                  </a:lnTo>
+                  <a:lnTo>
+                    <a:pt x="73" y="1048"/>
+                  </a:lnTo>
+                  <a:lnTo>
+                    <a:pt x="25" y="902"/>
+                  </a:lnTo>
+                  <a:lnTo>
+                    <a:pt x="0" y="755"/>
+                  </a:lnTo>
+                  <a:lnTo>
+                    <a:pt x="0" y="755"/>
+                  </a:lnTo>
+                  <a:close/>
+                </a:path>
+              </a:pathLst>
+            </a:custGeom>
+            <a:noFill/>
+            <a:ln w="9525" cap="rnd" cmpd="sng">
+              <a:solidFill>
+                <a:schemeClr val="accent4"/>
+              </a:solidFill>
+              <a:prstDash val="solid"/>
+              <a:round/>
+              <a:headEnd type="none" w="sm" len="sm"/>
+              <a:tailEnd type="none" w="sm" len="sm"/>
+            </a:ln>
+          </p:spPr>
+          <p:txBody>
+            <a:bodyPr spcFirstLastPara="1" wrap="square" lIns="91425" tIns="91425" rIns="91425" bIns="91425" anchor="ctr" anchorCtr="0">
+              <a:noAutofit/>
+            </a:bodyPr>
+            <a:lstStyle/>
+            <a:p>
+              <a:pPr marL="0" lvl="0" indent="0" algn="l" rtl="0">
+                <a:spcBef>
+                  <a:spcPts val="0"/>
+                </a:spcBef>
+                <a:spcAft>
+                  <a:spcPts val="0"/>
+                </a:spcAft>
+                <a:buNone/>
+              </a:pPr>
+              <a:endParaRPr>
+                <a:latin typeface="Segoe UI" panose="020B0502040204020203" pitchFamily="34" charset="0"/>
+                <a:cs typeface="Segoe UI" panose="020B0502040204020203" pitchFamily="34" charset="0"/>
+              </a:endParaRPr>
+            </a:p>
+          </p:txBody>
+        </p:sp>
+        <p:sp>
+          <p:nvSpPr>
+            <p:cNvPr id="23" name="Google Shape;1213;p47"/>
+            <p:cNvSpPr/>
+            <p:nvPr/>
+          </p:nvSpPr>
+          <p:spPr>
+            <a:xfrm>
+              <a:off x="977241" y="5244275"/>
+              <a:ext cx="37175" cy="37175"/>
+            </a:xfrm>
+            <a:custGeom>
+              <a:avLst/>
+              <a:gdLst/>
+              <a:ahLst/>
+              <a:cxnLst/>
+              <a:rect l="l" t="t" r="r" b="b"/>
+              <a:pathLst>
+                <a:path w="1487" h="1487" fill="none" extrusionOk="0">
+                  <a:moveTo>
+                    <a:pt x="1" y="755"/>
+                  </a:moveTo>
+                  <a:lnTo>
+                    <a:pt x="1" y="755"/>
+                  </a:lnTo>
+                  <a:lnTo>
+                    <a:pt x="1" y="609"/>
+                  </a:lnTo>
+                  <a:lnTo>
+                    <a:pt x="50" y="463"/>
+                  </a:lnTo>
+                  <a:lnTo>
+                    <a:pt x="123" y="341"/>
+                  </a:lnTo>
+                  <a:lnTo>
+                    <a:pt x="220" y="220"/>
+                  </a:lnTo>
+                  <a:lnTo>
+                    <a:pt x="317" y="147"/>
+                  </a:lnTo>
+                  <a:lnTo>
+                    <a:pt x="439" y="73"/>
+                  </a:lnTo>
+                  <a:lnTo>
+                    <a:pt x="585" y="25"/>
+                  </a:lnTo>
+                  <a:lnTo>
+                    <a:pt x="731" y="0"/>
+                  </a:lnTo>
+                  <a:lnTo>
+                    <a:pt x="731" y="0"/>
+                  </a:lnTo>
+                  <a:lnTo>
+                    <a:pt x="878" y="25"/>
+                  </a:lnTo>
+                  <a:lnTo>
+                    <a:pt x="1024" y="73"/>
+                  </a:lnTo>
+                  <a:lnTo>
+                    <a:pt x="1146" y="147"/>
+                  </a:lnTo>
+                  <a:lnTo>
+                    <a:pt x="1267" y="220"/>
+                  </a:lnTo>
+                  <a:lnTo>
+                    <a:pt x="1340" y="341"/>
+                  </a:lnTo>
+                  <a:lnTo>
+                    <a:pt x="1413" y="463"/>
+                  </a:lnTo>
+                  <a:lnTo>
+                    <a:pt x="1462" y="609"/>
+                  </a:lnTo>
+                  <a:lnTo>
+                    <a:pt x="1486" y="755"/>
+                  </a:lnTo>
+                  <a:lnTo>
+                    <a:pt x="1486" y="755"/>
+                  </a:lnTo>
+                  <a:lnTo>
+                    <a:pt x="1462" y="902"/>
+                  </a:lnTo>
+                  <a:lnTo>
+                    <a:pt x="1413" y="1048"/>
+                  </a:lnTo>
+                  <a:lnTo>
+                    <a:pt x="1340" y="1169"/>
+                  </a:lnTo>
+                  <a:lnTo>
+                    <a:pt x="1267" y="1267"/>
+                  </a:lnTo>
+                  <a:lnTo>
+                    <a:pt x="1146" y="1364"/>
+                  </a:lnTo>
+                  <a:lnTo>
+                    <a:pt x="1024" y="1437"/>
+                  </a:lnTo>
+                  <a:lnTo>
+                    <a:pt x="878" y="1486"/>
+                  </a:lnTo>
+                  <a:lnTo>
+                    <a:pt x="731" y="1486"/>
+                  </a:lnTo>
+                  <a:lnTo>
+                    <a:pt x="731" y="1486"/>
+                  </a:lnTo>
+                  <a:lnTo>
+                    <a:pt x="585" y="1486"/>
+                  </a:lnTo>
+                  <a:lnTo>
+                    <a:pt x="439" y="1437"/>
+                  </a:lnTo>
+                  <a:lnTo>
+                    <a:pt x="317" y="1364"/>
+                  </a:lnTo>
+                  <a:lnTo>
+                    <a:pt x="220" y="1267"/>
+                  </a:lnTo>
+                  <a:lnTo>
+                    <a:pt x="123" y="1169"/>
+                  </a:lnTo>
+                  <a:lnTo>
+                    <a:pt x="50" y="1048"/>
+                  </a:lnTo>
+                  <a:lnTo>
+                    <a:pt x="1" y="902"/>
+                  </a:lnTo>
+                  <a:lnTo>
+                    <a:pt x="1" y="755"/>
+                  </a:lnTo>
+                  <a:lnTo>
+                    <a:pt x="1" y="755"/>
+                  </a:lnTo>
+                  <a:close/>
+                </a:path>
+              </a:pathLst>
+            </a:custGeom>
+            <a:noFill/>
+            <a:ln w="9525" cap="rnd" cmpd="sng">
+              <a:solidFill>
+                <a:schemeClr val="accent4"/>
+              </a:solidFill>
+              <a:prstDash val="solid"/>
+              <a:round/>
+              <a:headEnd type="none" w="sm" len="sm"/>
+              <a:tailEnd type="none" w="sm" len="sm"/>
+            </a:ln>
+          </p:spPr>
+          <p:txBody>
+            <a:bodyPr spcFirstLastPara="1" wrap="square" lIns="91425" tIns="91425" rIns="91425" bIns="91425" anchor="ctr" anchorCtr="0">
+              <a:noAutofit/>
+            </a:bodyPr>
+            <a:lstStyle/>
+            <a:p>
+              <a:pPr marL="0" lvl="0" indent="0" algn="l" rtl="0">
+                <a:spcBef>
+                  <a:spcPts val="0"/>
+                </a:spcBef>
+                <a:spcAft>
+                  <a:spcPts val="0"/>
+                </a:spcAft>
+                <a:buNone/>
+              </a:pPr>
+              <a:endParaRPr>
+                <a:latin typeface="Segoe UI" panose="020B0502040204020203" pitchFamily="34" charset="0"/>
+                <a:cs typeface="Segoe UI" panose="020B0502040204020203" pitchFamily="34" charset="0"/>
+              </a:endParaRPr>
+            </a:p>
+          </p:txBody>
+        </p:sp>
+      </p:grpSp>
+      <p:sp>
+        <p:nvSpPr>
+          <p:cNvPr id="30" name="Title 1"/>
+          <p:cNvSpPr txBox="1">
+            <a:spLocks/>
+          </p:cNvSpPr>
+          <p:nvPr/>
+        </p:nvSpPr>
+        <p:spPr>
+          <a:xfrm>
+            <a:off x="1043519" y="3552370"/>
+            <a:ext cx="6033142" cy="545291"/>
+          </a:xfrm>
+          <a:prstGeom prst="rect">
+            <a:avLst/>
+          </a:prstGeom>
+          <a:noFill/>
+          <a:ln>
+            <a:noFill/>
+          </a:ln>
+        </p:spPr>
+        <p:txBody>
+          <a:bodyPr spcFirstLastPara="1" wrap="square" lIns="0" tIns="0" rIns="0" bIns="0" anchor="ctr" anchorCtr="0">
+            <a:noAutofit/>
+          </a:bodyPr>
+          <a:lstStyle>
+            <a:defPPr marR="0" lvl="0" algn="l" rtl="0">
+              <a:lnSpc>
+                <a:spcPct val="100000"/>
+              </a:lnSpc>
+              <a:spcBef>
+                <a:spcPts val="0"/>
+              </a:spcBef>
+              <a:spcAft>
+                <a:spcPts val="0"/>
+              </a:spcAft>
+            </a:defPPr>
+            <a:lvl1pPr marR="0" lvl="0" algn="l" rtl="0" eaLnBrk="1" hangingPunct="1">
+              <a:lnSpc>
+                <a:spcPct val="90000"/>
+              </a:lnSpc>
+              <a:spcBef>
+                <a:spcPts val="0"/>
+              </a:spcBef>
+              <a:spcAft>
+                <a:spcPts val="0"/>
+              </a:spcAft>
+              <a:buClr>
+                <a:schemeClr val="accent4"/>
+              </a:buClr>
+              <a:buSzPts val="3200"/>
+              <a:buFont typeface="Red Hat Display"/>
+              <a:buNone/>
+              <a:defRPr sz="3200" b="1" i="0" u="none" strike="noStrike" cap="none">
+                <a:solidFill>
+                  <a:schemeClr val="accent4"/>
+                </a:solidFill>
+                <a:latin typeface="Red Hat Display"/>
+                <a:ea typeface="Red Hat Display"/>
+                <a:cs typeface="Red Hat Display"/>
+                <a:sym typeface="Red Hat Display"/>
+              </a:defRPr>
+            </a:lvl1pPr>
+            <a:lvl2pPr marR="0" lvl="1" algn="l" rtl="0" eaLnBrk="1" hangingPunct="1">
+              <a:lnSpc>
+                <a:spcPct val="90000"/>
+              </a:lnSpc>
+              <a:spcBef>
+                <a:spcPts val="0"/>
+              </a:spcBef>
+              <a:spcAft>
+                <a:spcPts val="0"/>
+              </a:spcAft>
+              <a:buClr>
+                <a:schemeClr val="accent4"/>
+              </a:buClr>
+              <a:buSzPts val="3200"/>
+              <a:buFont typeface="Red Hat Display"/>
+              <a:buNone/>
+              <a:defRPr sz="3200" b="1" i="0" u="none" strike="noStrike" cap="none">
+                <a:solidFill>
+                  <a:schemeClr val="accent4"/>
+                </a:solidFill>
+                <a:latin typeface="Red Hat Display"/>
+                <a:ea typeface="Red Hat Display"/>
+                <a:cs typeface="Red Hat Display"/>
+                <a:sym typeface="Red Hat Display"/>
+              </a:defRPr>
+            </a:lvl2pPr>
+            <a:lvl3pPr marR="0" lvl="2" algn="l" rtl="0" eaLnBrk="1" hangingPunct="1">
+              <a:lnSpc>
+                <a:spcPct val="90000"/>
+              </a:lnSpc>
+              <a:spcBef>
+                <a:spcPts val="0"/>
+              </a:spcBef>
+              <a:spcAft>
+                <a:spcPts val="0"/>
+              </a:spcAft>
+              <a:buClr>
+                <a:schemeClr val="accent4"/>
+              </a:buClr>
+              <a:buSzPts val="3200"/>
+              <a:buFont typeface="Red Hat Display"/>
+              <a:buNone/>
+              <a:defRPr sz="3200" b="1" i="0" u="none" strike="noStrike" cap="none">
+                <a:solidFill>
+                  <a:schemeClr val="accent4"/>
+                </a:solidFill>
+                <a:latin typeface="Red Hat Display"/>
+                <a:ea typeface="Red Hat Display"/>
+                <a:cs typeface="Red Hat Display"/>
+                <a:sym typeface="Red Hat Display"/>
+              </a:defRPr>
+            </a:lvl3pPr>
+            <a:lvl4pPr marR="0" lvl="3" algn="l" rtl="0" eaLnBrk="1" hangingPunct="1">
+              <a:lnSpc>
+                <a:spcPct val="90000"/>
+              </a:lnSpc>
+              <a:spcBef>
+                <a:spcPts val="0"/>
+              </a:spcBef>
+              <a:spcAft>
+                <a:spcPts val="0"/>
+              </a:spcAft>
+              <a:buClr>
+                <a:schemeClr val="accent4"/>
+              </a:buClr>
+              <a:buSzPts val="3200"/>
+              <a:buFont typeface="Red Hat Display"/>
+              <a:buNone/>
+              <a:defRPr sz="3200" b="1" i="0" u="none" strike="noStrike" cap="none">
+                <a:solidFill>
+                  <a:schemeClr val="accent4"/>
+                </a:solidFill>
+                <a:latin typeface="Red Hat Display"/>
+                <a:ea typeface="Red Hat Display"/>
+                <a:cs typeface="Red Hat Display"/>
+                <a:sym typeface="Red Hat Display"/>
+              </a:defRPr>
+            </a:lvl4pPr>
+            <a:lvl5pPr marR="0" lvl="4" algn="l" rtl="0" eaLnBrk="1" hangingPunct="1">
+              <a:lnSpc>
+                <a:spcPct val="90000"/>
+              </a:lnSpc>
+              <a:spcBef>
+                <a:spcPts val="0"/>
+              </a:spcBef>
+              <a:spcAft>
+                <a:spcPts val="0"/>
+              </a:spcAft>
+              <a:buClr>
+                <a:schemeClr val="accent4"/>
+              </a:buClr>
+              <a:buSzPts val="3200"/>
+              <a:buFont typeface="Red Hat Display"/>
+              <a:buNone/>
+              <a:defRPr sz="3200" b="1" i="0" u="none" strike="noStrike" cap="none">
+                <a:solidFill>
+                  <a:schemeClr val="accent4"/>
+                </a:solidFill>
+                <a:latin typeface="Red Hat Display"/>
+                <a:ea typeface="Red Hat Display"/>
+                <a:cs typeface="Red Hat Display"/>
+                <a:sym typeface="Red Hat Display"/>
+              </a:defRPr>
+            </a:lvl5pPr>
+            <a:lvl6pPr marR="0" lvl="5" algn="l" rtl="0" eaLnBrk="1" hangingPunct="1">
+              <a:lnSpc>
+                <a:spcPct val="90000"/>
+              </a:lnSpc>
+              <a:spcBef>
+                <a:spcPts val="0"/>
+              </a:spcBef>
+              <a:spcAft>
+                <a:spcPts val="0"/>
+              </a:spcAft>
+              <a:buClr>
+                <a:schemeClr val="accent4"/>
+              </a:buClr>
+              <a:buSzPts val="3200"/>
+              <a:buFont typeface="Red Hat Display"/>
+              <a:buNone/>
+              <a:defRPr sz="3200" b="1" i="0" u="none" strike="noStrike" cap="none">
+                <a:solidFill>
+                  <a:schemeClr val="accent4"/>
+                </a:solidFill>
+                <a:latin typeface="Red Hat Display"/>
+                <a:ea typeface="Red Hat Display"/>
+                <a:cs typeface="Red Hat Display"/>
+                <a:sym typeface="Red Hat Display"/>
+              </a:defRPr>
+            </a:lvl6pPr>
+            <a:lvl7pPr marR="0" lvl="6" algn="l" rtl="0" eaLnBrk="1" hangingPunct="1">
+              <a:lnSpc>
+                <a:spcPct val="90000"/>
+              </a:lnSpc>
+              <a:spcBef>
+                <a:spcPts val="0"/>
+              </a:spcBef>
+              <a:spcAft>
+                <a:spcPts val="0"/>
+              </a:spcAft>
+              <a:buClr>
+                <a:schemeClr val="accent4"/>
+              </a:buClr>
+              <a:buSzPts val="3200"/>
+              <a:buFont typeface="Red Hat Display"/>
+              <a:buNone/>
+              <a:defRPr sz="3200" b="1" i="0" u="none" strike="noStrike" cap="none">
+                <a:solidFill>
+                  <a:schemeClr val="accent4"/>
+                </a:solidFill>
+                <a:latin typeface="Red Hat Display"/>
+                <a:ea typeface="Red Hat Display"/>
+                <a:cs typeface="Red Hat Display"/>
+                <a:sym typeface="Red Hat Display"/>
+              </a:defRPr>
+            </a:lvl7pPr>
+            <a:lvl8pPr marR="0" lvl="7" algn="l" rtl="0" eaLnBrk="1" hangingPunct="1">
+              <a:lnSpc>
+                <a:spcPct val="90000"/>
+              </a:lnSpc>
+              <a:spcBef>
+                <a:spcPts val="0"/>
+              </a:spcBef>
+              <a:spcAft>
+                <a:spcPts val="0"/>
+              </a:spcAft>
+              <a:buClr>
+                <a:schemeClr val="accent4"/>
+              </a:buClr>
+              <a:buSzPts val="3200"/>
+              <a:buFont typeface="Red Hat Display"/>
+              <a:buNone/>
+              <a:defRPr sz="3200" b="1" i="0" u="none" strike="noStrike" cap="none">
+                <a:solidFill>
+                  <a:schemeClr val="accent4"/>
+                </a:solidFill>
+                <a:latin typeface="Red Hat Display"/>
+                <a:ea typeface="Red Hat Display"/>
+                <a:cs typeface="Red Hat Display"/>
+                <a:sym typeface="Red Hat Display"/>
+              </a:defRPr>
+            </a:lvl8pPr>
+            <a:lvl9pPr marR="0" lvl="8" algn="l" rtl="0" eaLnBrk="1" hangingPunct="1">
+              <a:lnSpc>
+                <a:spcPct val="90000"/>
+              </a:lnSpc>
+              <a:spcBef>
+                <a:spcPts val="0"/>
+              </a:spcBef>
+              <a:spcAft>
+                <a:spcPts val="0"/>
+              </a:spcAft>
+              <a:buClr>
+                <a:schemeClr val="accent4"/>
+              </a:buClr>
+              <a:buSzPts val="3200"/>
+              <a:buFont typeface="Red Hat Display"/>
+              <a:buNone/>
+              <a:defRPr sz="3200" b="1" i="0" u="none" strike="noStrike" cap="none">
+                <a:solidFill>
+                  <a:schemeClr val="accent4"/>
+                </a:solidFill>
+                <a:latin typeface="Red Hat Display"/>
+                <a:ea typeface="Red Hat Display"/>
+                <a:cs typeface="Red Hat Display"/>
+                <a:sym typeface="Red Hat Display"/>
+              </a:defRPr>
+            </a:lvl9pPr>
+          </a:lstStyle>
+          <a:p>
+            <a:r>
+              <a:rPr lang="en-US" kern="0" dirty="0" smtClean="0">
+                <a:latin typeface="Segoe UI" panose="020B0502040204020203" pitchFamily="34" charset="0"/>
+                <a:cs typeface="Segoe UI" panose="020B0502040204020203" pitchFamily="34" charset="0"/>
+              </a:rPr>
+              <a:t>Problem solving patterns</a:t>
+            </a:r>
+            <a:endParaRPr lang="en-US" kern="0" dirty="0">
+              <a:latin typeface="Segoe UI" panose="020B0502040204020203" pitchFamily="34" charset="0"/>
+              <a:cs typeface="Segoe UI" panose="020B0502040204020203" pitchFamily="34" charset="0"/>
+            </a:endParaRPr>
+          </a:p>
+        </p:txBody>
+      </p:sp>
+      <p:sp>
+        <p:nvSpPr>
+          <p:cNvPr id="31" name="Rectangle 30"/>
+          <p:cNvSpPr/>
+          <p:nvPr/>
+        </p:nvSpPr>
+        <p:spPr>
+          <a:xfrm>
+            <a:off x="1043519" y="4396770"/>
+            <a:ext cx="6601676" cy="1569660"/>
+          </a:xfrm>
+          <a:prstGeom prst="rect">
+            <a:avLst/>
+          </a:prstGeom>
+        </p:spPr>
+        <p:txBody>
+          <a:bodyPr wrap="square">
+            <a:spAutoFit/>
+          </a:bodyPr>
+          <a:lstStyle/>
+          <a:p>
+            <a:r>
+              <a:rPr lang="en-US" sz="1600" dirty="0" smtClean="0">
+                <a:latin typeface="Segoe UI" panose="020B0502040204020203" pitchFamily="34" charset="0"/>
+                <a:cs typeface="Segoe UI" panose="020B0502040204020203" pitchFamily="34" charset="0"/>
+              </a:rPr>
+              <a:t>Divide-and-conquer </a:t>
+            </a:r>
+            <a:r>
+              <a:rPr lang="en-US" sz="1600" dirty="0">
+                <a:latin typeface="Segoe UI" panose="020B0502040204020203" pitchFamily="34" charset="0"/>
+                <a:cs typeface="Segoe UI" panose="020B0502040204020203" pitchFamily="34" charset="0"/>
+              </a:rPr>
+              <a:t>- This paradigm, divide-and-conquer, breaks a problem into subproblems that are similar to the original problem, </a:t>
+            </a:r>
+            <a:r>
+              <a:rPr lang="en-US" sz="1600" b="1" dirty="0">
+                <a:latin typeface="Segoe UI" panose="020B0502040204020203" pitchFamily="34" charset="0"/>
+                <a:cs typeface="Segoe UI" panose="020B0502040204020203" pitchFamily="34" charset="0"/>
+              </a:rPr>
+              <a:t>recursively</a:t>
+            </a:r>
+            <a:r>
+              <a:rPr lang="en-US" sz="1600" dirty="0">
+                <a:latin typeface="Segoe UI" panose="020B0502040204020203" pitchFamily="34" charset="0"/>
+                <a:cs typeface="Segoe UI" panose="020B0502040204020203" pitchFamily="34" charset="0"/>
+              </a:rPr>
+              <a:t> solves the subproblems, and finally combines the solutions to the subproblems to solve the original problem.</a:t>
+            </a:r>
+          </a:p>
+          <a:p>
+            <a:r>
+              <a:rPr lang="en-US" sz="1600" dirty="0" smtClean="0">
+                <a:latin typeface="Segoe UI" panose="020B0502040204020203" pitchFamily="34" charset="0"/>
+                <a:cs typeface="Segoe UI" panose="020B0502040204020203" pitchFamily="34" charset="0"/>
+              </a:rPr>
+              <a:t>Merge </a:t>
+            </a:r>
+            <a:r>
+              <a:rPr lang="en-US" sz="1600" dirty="0">
+                <a:latin typeface="Segoe UI" panose="020B0502040204020203" pitchFamily="34" charset="0"/>
+                <a:cs typeface="Segoe UI" panose="020B0502040204020203" pitchFamily="34" charset="0"/>
+              </a:rPr>
+              <a:t>sort and quicksort employ a common algorithmic paradigm based on recursion. </a:t>
+            </a:r>
+          </a:p>
+        </p:txBody>
+      </p:sp>
+      <p:sp>
+        <p:nvSpPr>
+          <p:cNvPr id="33" name="Rectangle 32"/>
+          <p:cNvSpPr/>
+          <p:nvPr/>
+        </p:nvSpPr>
+        <p:spPr>
+          <a:xfrm>
+            <a:off x="1189375" y="1922627"/>
+            <a:ext cx="4802040" cy="1569660"/>
+          </a:xfrm>
+          <a:prstGeom prst="rect">
+            <a:avLst/>
+          </a:prstGeom>
+        </p:spPr>
+        <p:txBody>
+          <a:bodyPr wrap="square">
+            <a:spAutoFit/>
+          </a:bodyPr>
+          <a:lstStyle/>
+          <a:p>
+            <a:pPr marL="285750" indent="-285750">
+              <a:buFont typeface="Arial" panose="020B0604020202020204" pitchFamily="34" charset="0"/>
+              <a:buChar char="•"/>
+            </a:pPr>
+            <a:r>
+              <a:rPr lang="en-US" sz="1600" dirty="0">
+                <a:latin typeface="Segoe UI" panose="020B0502040204020203" pitchFamily="34" charset="0"/>
+                <a:cs typeface="Segoe UI" panose="020B0502040204020203" pitchFamily="34" charset="0"/>
+              </a:rPr>
+              <a:t>when a function calls itself, it is called recursion</a:t>
+            </a:r>
+            <a:r>
+              <a:rPr lang="en-US" sz="1600" dirty="0" smtClean="0">
+                <a:latin typeface="Segoe UI" panose="020B0502040204020203" pitchFamily="34" charset="0"/>
+                <a:cs typeface="Segoe UI" panose="020B0502040204020203" pitchFamily="34" charset="0"/>
+              </a:rPr>
+              <a:t>.</a:t>
+            </a:r>
+          </a:p>
+          <a:p>
+            <a:pPr marL="285750" indent="-285750">
+              <a:buFont typeface="Arial" panose="020B0604020202020204" pitchFamily="34" charset="0"/>
+              <a:buChar char="•"/>
+            </a:pPr>
+            <a:r>
+              <a:rPr lang="en-US" sz="1600" dirty="0">
+                <a:latin typeface="Segoe UI" panose="020B0502040204020203" pitchFamily="34" charset="0"/>
+                <a:cs typeface="Segoe UI" panose="020B0502040204020203" pitchFamily="34" charset="0"/>
+              </a:rPr>
+              <a:t>each recursive function </a:t>
+            </a:r>
+            <a:r>
+              <a:rPr lang="en-US" sz="1600" dirty="0" smtClean="0">
+                <a:latin typeface="Segoe UI" panose="020B0502040204020203" pitchFamily="34" charset="0"/>
+                <a:cs typeface="Segoe UI" panose="020B0502040204020203" pitchFamily="34" charset="0"/>
+              </a:rPr>
+              <a:t>should there </a:t>
+            </a:r>
+            <a:r>
+              <a:rPr lang="en-US" sz="1600" dirty="0">
+                <a:latin typeface="Segoe UI" panose="020B0502040204020203" pitchFamily="34" charset="0"/>
+                <a:cs typeface="Segoe UI" panose="020B0502040204020203" pitchFamily="34" charset="0"/>
+              </a:rPr>
+              <a:t>are two cases: basic and recursive</a:t>
+            </a:r>
+            <a:r>
+              <a:rPr lang="en-US" sz="1600" dirty="0" smtClean="0">
+                <a:latin typeface="Segoe UI" panose="020B0502040204020203" pitchFamily="34" charset="0"/>
+                <a:cs typeface="Segoe UI" panose="020B0502040204020203" pitchFamily="34" charset="0"/>
+              </a:rPr>
+              <a:t>.</a:t>
+            </a:r>
+          </a:p>
+          <a:p>
+            <a:pPr marL="285750" indent="-285750">
+              <a:buFont typeface="Arial" panose="020B0604020202020204" pitchFamily="34" charset="0"/>
+              <a:buChar char="•"/>
+            </a:pPr>
+            <a:endParaRPr lang="en-US" sz="1600" dirty="0">
+              <a:latin typeface="Segoe UI" panose="020B0502040204020203" pitchFamily="34" charset="0"/>
+              <a:cs typeface="Segoe UI" panose="020B0502040204020203" pitchFamily="34" charset="0"/>
+            </a:endParaRPr>
+          </a:p>
+          <a:p>
+            <a:r>
+              <a:rPr lang="en-US" sz="1600" dirty="0">
+                <a:latin typeface="Segoe UI" panose="020B0502040204020203" pitchFamily="34" charset="0"/>
+                <a:cs typeface="Segoe UI" panose="020B0502040204020203" pitchFamily="34" charset="0"/>
+                <a:hlinkClick r:id="rId3"/>
+              </a:rPr>
+              <a:t>https://</a:t>
+            </a:r>
+            <a:r>
+              <a:rPr lang="en-US" sz="1600" dirty="0" smtClean="0">
+                <a:latin typeface="Segoe UI" panose="020B0502040204020203" pitchFamily="34" charset="0"/>
+                <a:cs typeface="Segoe UI" panose="020B0502040204020203" pitchFamily="34" charset="0"/>
+                <a:hlinkClick r:id="rId3"/>
+              </a:rPr>
+              <a:t>learn.javascript.ru/recursion</a:t>
+            </a:r>
+            <a:r>
+              <a:rPr lang="en-US" sz="1600" dirty="0" smtClean="0">
+                <a:latin typeface="Segoe UI" panose="020B0502040204020203" pitchFamily="34" charset="0"/>
+                <a:cs typeface="Segoe UI" panose="020B0502040204020203" pitchFamily="34" charset="0"/>
+              </a:rPr>
+              <a:t>   </a:t>
+            </a:r>
+            <a:r>
+              <a:rPr lang="en-US" sz="1600" dirty="0" err="1" smtClean="0">
+                <a:latin typeface="Segoe UI" panose="020B0502040204020203" pitchFamily="34" charset="0"/>
+                <a:cs typeface="Segoe UI" panose="020B0502040204020203" pitchFamily="34" charset="0"/>
+              </a:rPr>
+              <a:t>rekursiya</a:t>
+            </a:r>
+            <a:r>
+              <a:rPr lang="en-US" sz="1600" dirty="0" smtClean="0">
+                <a:latin typeface="Segoe UI" panose="020B0502040204020203" pitchFamily="34" charset="0"/>
+                <a:cs typeface="Segoe UI" panose="020B0502040204020203" pitchFamily="34" charset="0"/>
+              </a:rPr>
+              <a:t> I </a:t>
+            </a:r>
+            <a:r>
+              <a:rPr lang="en-US" sz="1600" dirty="0" err="1" smtClean="0">
+                <a:latin typeface="Segoe UI" panose="020B0502040204020203" pitchFamily="34" charset="0"/>
+                <a:cs typeface="Segoe UI" panose="020B0502040204020203" pitchFamily="34" charset="0"/>
+              </a:rPr>
+              <a:t>stek</a:t>
+            </a:r>
+            <a:r>
+              <a:rPr lang="en-US" sz="1600" dirty="0" smtClean="0">
+                <a:latin typeface="Segoe UI" panose="020B0502040204020203" pitchFamily="34" charset="0"/>
+                <a:cs typeface="Segoe UI" panose="020B0502040204020203" pitchFamily="34" charset="0"/>
+              </a:rPr>
+              <a:t> </a:t>
+            </a:r>
+            <a:r>
+              <a:rPr lang="en-US" sz="1600" dirty="0" err="1" smtClean="0">
+                <a:latin typeface="Segoe UI" panose="020B0502040204020203" pitchFamily="34" charset="0"/>
+                <a:cs typeface="Segoe UI" panose="020B0502040204020203" pitchFamily="34" charset="0"/>
+              </a:rPr>
+              <a:t>vyzovov</a:t>
+            </a:r>
+            <a:endParaRPr lang="en-US" sz="1600" dirty="0">
+              <a:latin typeface="Segoe UI" panose="020B0502040204020203" pitchFamily="34" charset="0"/>
+              <a:cs typeface="Segoe UI" panose="020B0502040204020203" pitchFamily="34" charset="0"/>
+            </a:endParaRPr>
+          </a:p>
+        </p:txBody>
+      </p:sp>
+    </p:spTree>
+    <p:extLst>
+      <p:ext uri="{BB962C8B-B14F-4D97-AF65-F5344CB8AC3E}">
+        <p14:creationId xmlns:p14="http://schemas.microsoft.com/office/powerpoint/2010/main" val="198043564"/>
+      </p:ext>
+    </p:extLst>
+  </p:cSld>
+  <p:clrMapOvr>
+    <a:masterClrMapping/>
+  </p:clrMapOvr>
+  <p:timing>
+    <p:tnLst>
+      <p:par>
+        <p:cTn id="1" dur="indefinite" restart="never" nodeType="tmRoot"/>
+      </p:par>
+    </p:tnLst>
+  </p:timing>
+</p:sld>
+</file>
+
+<file path=ppt/slides/slide8.xml><?xml version="1.0" encoding="utf-8"?>
+<p:sld xmlns:a="http://schemas.openxmlformats.org/drawingml/2006/main" xmlns:r="http://schemas.openxmlformats.org/officeDocument/2006/relationships" xmlns:p="http://schemas.openxmlformats.org/presentationml/2006/main">
+  <p:cSld>
+    <p:spTree>
+      <p:nvGrpSpPr>
         <p:cNvPr id="1" name=""/>
         <p:cNvGrpSpPr/>
         <p:nvPr/>
@@ -31024,7 +33016,12 @@
             <p:ph type="title"/>
           </p:nvPr>
         </p:nvSpPr>
-        <p:spPr/>
+        <p:spPr>
+          <a:xfrm>
+            <a:off x="1043519" y="3552370"/>
+            <a:ext cx="9610000" cy="844400"/>
+          </a:xfrm>
+        </p:spPr>
         <p:txBody>
           <a:bodyPr/>
           <a:lstStyle/>
@@ -31051,7 +33048,7 @@
         </p:nvSpPr>
         <p:spPr>
           <a:xfrm>
-            <a:off x="838201" y="1815584"/>
+            <a:off x="1043519" y="4396770"/>
             <a:ext cx="10515600" cy="1200329"/>
           </a:xfrm>
           <a:prstGeom prst="rect">
@@ -31121,7 +33118,7 @@
         </p:nvSpPr>
         <p:spPr>
           <a:xfrm>
-            <a:off x="1392634" y="4190500"/>
+            <a:off x="1043519" y="0"/>
             <a:ext cx="9610000" cy="844400"/>
           </a:xfrm>
           <a:prstGeom prst="rect">
@@ -31385,7 +33382,7 @@
           </a:lstStyle>
           <a:p>
             <a:r>
-              <a:rPr lang="en-US" kern="0" smtClean="0">
+              <a:rPr lang="en-US" kern="0" dirty="0" smtClean="0">
                 <a:latin typeface="Segoe UI" panose="020B0502040204020203" pitchFamily="34" charset="0"/>
                 <a:cs typeface="Segoe UI" panose="020B0502040204020203" pitchFamily="34" charset="0"/>
               </a:rPr>
@@ -31406,7 +33403,7 @@
         </p:nvSpPr>
         <p:spPr>
           <a:xfrm>
-            <a:off x="838201" y="5064970"/>
+            <a:off x="1043519" y="1069719"/>
             <a:ext cx="7649017" cy="1200329"/>
           </a:xfrm>
           <a:prstGeom prst="rect">
@@ -31552,62 +33549,6 @@
     <p:extLst>
       <p:ext uri="{BB962C8B-B14F-4D97-AF65-F5344CB8AC3E}">
         <p14:creationId xmlns:p14="http://schemas.microsoft.com/office/powerpoint/2010/main" val="2730421977"/>
-      </p:ext>
-    </p:extLst>
-  </p:cSld>
-  <p:clrMapOvr>
-    <a:masterClrMapping/>
-  </p:clrMapOvr>
-  <p:timing>
-    <p:tnLst>
-      <p:par>
-        <p:cTn id="1" dur="indefinite" restart="never" nodeType="tmRoot"/>
-      </p:par>
-    </p:tnLst>
-  </p:timing>
-</p:sld>
-</file>
-
-<file path=ppt/slides/slide8.xml><?xml version="1.0" encoding="utf-8"?>
-<p:sld xmlns:a="http://schemas.openxmlformats.org/drawingml/2006/main" xmlns:r="http://schemas.openxmlformats.org/officeDocument/2006/relationships" xmlns:p="http://schemas.openxmlformats.org/presentationml/2006/main">
-  <p:cSld>
-    <p:spTree>
-      <p:nvGrpSpPr>
-        <p:cNvPr id="1" name=""/>
-        <p:cNvGrpSpPr/>
-        <p:nvPr/>
-      </p:nvGrpSpPr>
-      <p:grpSpPr>
-        <a:xfrm>
-          <a:off x="0" y="0"/>
-          <a:ext cx="0" cy="0"/>
-          <a:chOff x="0" y="0"/>
-          <a:chExt cx="0" cy="0"/>
-        </a:xfrm>
-      </p:grpSpPr>
-      <p:sp>
-        <p:nvSpPr>
-          <p:cNvPr id="4" name="Title 3"/>
-          <p:cNvSpPr>
-            <a:spLocks noGrp="1"/>
-          </p:cNvSpPr>
-          <p:nvPr>
-            <p:ph type="title"/>
-          </p:nvPr>
-        </p:nvSpPr>
-        <p:spPr/>
-        <p:txBody>
-          <a:bodyPr/>
-          <a:lstStyle/>
-          <a:p>
-            <a:endParaRPr lang="en-US"/>
-          </a:p>
-        </p:txBody>
-      </p:sp>
-    </p:spTree>
-    <p:extLst>
-      <p:ext uri="{BB962C8B-B14F-4D97-AF65-F5344CB8AC3E}">
-        <p14:creationId xmlns:p14="http://schemas.microsoft.com/office/powerpoint/2010/main" val="3555126078"/>
       </p:ext>
     </p:extLst>
   </p:cSld>
